--- a/edwin_2019/Figures/edwin-overview.pptx
+++ b/edwin_2019/Figures/edwin-overview.pptx
@@ -8,6 +8,7 @@
     <p:sldId id="258" r:id="rId2"/>
     <p:sldId id="260" r:id="rId3"/>
     <p:sldId id="261" r:id="rId4"/>
+    <p:sldId id="262" r:id="rId5"/>
   </p:sldIdLst>
   <p:sldSz cx="12192000" cy="6858000"/>
   <p:notesSz cx="7099300" cy="10234613"/>
@@ -366,8 +367,8 @@
   </pc:docChgLst>
   <pc:docChgLst>
     <pc:chgData name="唐 崇斌 Edwin" userId="769f27267cb83406" providerId="LiveId" clId="{5950B5EE-091A-4B6E-A0E4-F7E0BA907422}"/>
-    <pc:docChg chg="modSld">
-      <pc:chgData name="唐 崇斌 Edwin" userId="769f27267cb83406" providerId="LiveId" clId="{5950B5EE-091A-4B6E-A0E4-F7E0BA907422}" dt="2020-03-22T12:05:31.572" v="13" actId="1037"/>
+    <pc:docChg chg="undo custSel addSld modSld">
+      <pc:chgData name="唐 崇斌 Edwin" userId="769f27267cb83406" providerId="LiveId" clId="{5950B5EE-091A-4B6E-A0E4-F7E0BA907422}" dt="2020-03-23T15:44:34.910" v="1379"/>
       <pc:docMkLst>
         <pc:docMk/>
       </pc:docMkLst>
@@ -463,6 +464,836 @@
             <pc:docMk/>
             <pc:sldMk cId="3037902655" sldId="260"/>
             <ac:cxnSpMk id="278" creationId="{AB273FED-E25C-413B-827C-169718954686}"/>
+          </ac:cxnSpMkLst>
+        </pc:cxnChg>
+      </pc:sldChg>
+      <pc:sldChg chg="addSp delSp modSp">
+        <pc:chgData name="唐 崇斌 Edwin" userId="769f27267cb83406" providerId="LiveId" clId="{5950B5EE-091A-4B6E-A0E4-F7E0BA907422}" dt="2020-03-23T14:10:17.229" v="38" actId="693"/>
+        <pc:sldMkLst>
+          <pc:docMk/>
+          <pc:sldMk cId="1166616651" sldId="261"/>
+        </pc:sldMkLst>
+        <pc:spChg chg="add mod">
+          <ac:chgData name="唐 崇斌 Edwin" userId="769f27267cb83406" providerId="LiveId" clId="{5950B5EE-091A-4B6E-A0E4-F7E0BA907422}" dt="2020-03-23T14:08:27.165" v="37" actId="1076"/>
+          <ac:spMkLst>
+            <pc:docMk/>
+            <pc:sldMk cId="1166616651" sldId="261"/>
+            <ac:spMk id="66" creationId="{3A39C45B-D865-4680-A88C-B8B7B6623B26}"/>
+          </ac:spMkLst>
+        </pc:spChg>
+        <pc:spChg chg="mod">
+          <ac:chgData name="唐 崇斌 Edwin" userId="769f27267cb83406" providerId="LiveId" clId="{5950B5EE-091A-4B6E-A0E4-F7E0BA907422}" dt="2020-03-23T14:10:17.229" v="38" actId="693"/>
+          <ac:spMkLst>
+            <pc:docMk/>
+            <pc:sldMk cId="1166616651" sldId="261"/>
+            <ac:spMk id="108" creationId="{8D2451B4-5A7E-4456-9AEB-2140050CD8E3}"/>
+          </ac:spMkLst>
+        </pc:spChg>
+        <pc:spChg chg="del">
+          <ac:chgData name="唐 崇斌 Edwin" userId="769f27267cb83406" providerId="LiveId" clId="{5950B5EE-091A-4B6E-A0E4-F7E0BA907422}" dt="2020-03-23T14:07:45.225" v="20" actId="478"/>
+          <ac:spMkLst>
+            <pc:docMk/>
+            <pc:sldMk cId="1166616651" sldId="261"/>
+            <ac:spMk id="144" creationId="{2D935B3F-65AF-4663-8A62-F22F6F3D1045}"/>
+          </ac:spMkLst>
+        </pc:spChg>
+        <pc:spChg chg="mod">
+          <ac:chgData name="唐 崇斌 Edwin" userId="769f27267cb83406" providerId="LiveId" clId="{5950B5EE-091A-4B6E-A0E4-F7E0BA907422}" dt="2020-03-23T14:07:31.287" v="17" actId="1076"/>
+          <ac:spMkLst>
+            <pc:docMk/>
+            <pc:sldMk cId="1166616651" sldId="261"/>
+            <ac:spMk id="198" creationId="{4AB548EE-86D9-41C2-89D1-899B548E3A95}"/>
+          </ac:spMkLst>
+        </pc:spChg>
+        <pc:spChg chg="mod">
+          <ac:chgData name="唐 崇斌 Edwin" userId="769f27267cb83406" providerId="LiveId" clId="{5950B5EE-091A-4B6E-A0E4-F7E0BA907422}" dt="2020-03-23T14:08:18.531" v="36" actId="20577"/>
+          <ac:spMkLst>
+            <pc:docMk/>
+            <pc:sldMk cId="1166616651" sldId="261"/>
+            <ac:spMk id="218" creationId="{673A29C4-10CC-481F-AEC6-1CDE88CCDDAE}"/>
+          </ac:spMkLst>
+        </pc:spChg>
+        <pc:grpChg chg="add mod">
+          <ac:chgData name="唐 崇斌 Edwin" userId="769f27267cb83406" providerId="LiveId" clId="{5950B5EE-091A-4B6E-A0E4-F7E0BA907422}" dt="2020-03-23T14:07:27.116" v="16" actId="1076"/>
+          <ac:grpSpMkLst>
+            <pc:docMk/>
+            <pc:sldMk cId="1166616651" sldId="261"/>
+            <ac:grpSpMk id="2" creationId="{3BDA039D-BCBE-49DA-9EE4-78F79CD5943C}"/>
+          </ac:grpSpMkLst>
+        </pc:grpChg>
+        <pc:grpChg chg="mod ord">
+          <ac:chgData name="唐 崇斌 Edwin" userId="769f27267cb83406" providerId="LiveId" clId="{5950B5EE-091A-4B6E-A0E4-F7E0BA907422}" dt="2020-03-23T14:08:04.259" v="28" actId="166"/>
+          <ac:grpSpMkLst>
+            <pc:docMk/>
+            <pc:sldMk cId="1166616651" sldId="261"/>
+            <ac:grpSpMk id="16" creationId="{63A7B5DD-25BA-4A60-B5F3-E33A13A8BB76}"/>
+          </ac:grpSpMkLst>
+        </pc:grpChg>
+        <pc:grpChg chg="mod">
+          <ac:chgData name="唐 崇斌 Edwin" userId="769f27267cb83406" providerId="LiveId" clId="{5950B5EE-091A-4B6E-A0E4-F7E0BA907422}" dt="2020-03-23T14:07:19.118" v="14" actId="164"/>
+          <ac:grpSpMkLst>
+            <pc:docMk/>
+            <pc:sldMk cId="1166616651" sldId="261"/>
+            <ac:grpSpMk id="231" creationId="{C7FDC3FD-7734-4E55-9520-79D89EF89009}"/>
+          </ac:grpSpMkLst>
+        </pc:grpChg>
+        <pc:cxnChg chg="add del mod">
+          <ac:chgData name="唐 崇斌 Edwin" userId="769f27267cb83406" providerId="LiveId" clId="{5950B5EE-091A-4B6E-A0E4-F7E0BA907422}" dt="2020-03-23T14:08:02.340" v="27" actId="14100"/>
+          <ac:cxnSpMkLst>
+            <pc:docMk/>
+            <pc:sldMk cId="1166616651" sldId="261"/>
+            <ac:cxnSpMk id="20" creationId="{58D6F731-7271-486D-BE38-1BE49FAE8F9F}"/>
+          </ac:cxnSpMkLst>
+        </pc:cxnChg>
+        <pc:cxnChg chg="del mod">
+          <ac:chgData name="唐 崇斌 Edwin" userId="769f27267cb83406" providerId="LiveId" clId="{5950B5EE-091A-4B6E-A0E4-F7E0BA907422}" dt="2020-03-23T14:07:58.539" v="26" actId="478"/>
+          <ac:cxnSpMkLst>
+            <pc:docMk/>
+            <pc:sldMk cId="1166616651" sldId="261"/>
+            <ac:cxnSpMk id="145" creationId="{2A1E6060-9416-473E-97A8-86A53ADD2BD3}"/>
+          </ac:cxnSpMkLst>
+        </pc:cxnChg>
+        <pc:cxnChg chg="mod">
+          <ac:chgData name="唐 崇斌 Edwin" userId="769f27267cb83406" providerId="LiveId" clId="{5950B5EE-091A-4B6E-A0E4-F7E0BA907422}" dt="2020-03-23T14:07:19.118" v="14" actId="164"/>
+          <ac:cxnSpMkLst>
+            <pc:docMk/>
+            <pc:sldMk cId="1166616651" sldId="261"/>
+            <ac:cxnSpMk id="232" creationId="{0CBFD6A4-7719-4C83-BB40-C8ECB7900A08}"/>
+          </ac:cxnSpMkLst>
+        </pc:cxnChg>
+      </pc:sldChg>
+      <pc:sldChg chg="addSp delSp modSp add">
+        <pc:chgData name="唐 崇斌 Edwin" userId="769f27267cb83406" providerId="LiveId" clId="{5950B5EE-091A-4B6E-A0E4-F7E0BA907422}" dt="2020-03-23T15:44:34.910" v="1379"/>
+        <pc:sldMkLst>
+          <pc:docMk/>
+          <pc:sldMk cId="2642943566" sldId="262"/>
+        </pc:sldMkLst>
+        <pc:spChg chg="mod">
+          <ac:chgData name="唐 崇斌 Edwin" userId="769f27267cb83406" providerId="LiveId" clId="{5950B5EE-091A-4B6E-A0E4-F7E0BA907422}" dt="2020-03-23T14:15:57.167" v="138" actId="164"/>
+          <ac:spMkLst>
+            <pc:docMk/>
+            <pc:sldMk cId="2642943566" sldId="262"/>
+            <ac:spMk id="66" creationId="{3A39C45B-D865-4680-A88C-B8B7B6623B26}"/>
+          </ac:spMkLst>
+        </pc:spChg>
+        <pc:spChg chg="del mod">
+          <ac:chgData name="唐 崇斌 Edwin" userId="769f27267cb83406" providerId="LiveId" clId="{5950B5EE-091A-4B6E-A0E4-F7E0BA907422}" dt="2020-03-23T15:05:03.654" v="1028" actId="478"/>
+          <ac:spMkLst>
+            <pc:docMk/>
+            <pc:sldMk cId="2642943566" sldId="262"/>
+            <ac:spMk id="67" creationId="{A125C8C6-AB2D-4863-81D4-35A5309F3B5D}"/>
+          </ac:spMkLst>
+        </pc:spChg>
+        <pc:spChg chg="add mod">
+          <ac:chgData name="唐 崇斌 Edwin" userId="769f27267cb83406" providerId="LiveId" clId="{5950B5EE-091A-4B6E-A0E4-F7E0BA907422}" dt="2020-03-23T14:21:11.237" v="216" actId="164"/>
+          <ac:spMkLst>
+            <pc:docMk/>
+            <pc:sldMk cId="2642943566" sldId="262"/>
+            <ac:spMk id="73" creationId="{EEE8FC07-3146-4A66-AC9D-3E8A7036BEDE}"/>
+          </ac:spMkLst>
+        </pc:spChg>
+        <pc:spChg chg="mod">
+          <ac:chgData name="唐 崇斌 Edwin" userId="769f27267cb83406" providerId="LiveId" clId="{5950B5EE-091A-4B6E-A0E4-F7E0BA907422}" dt="2020-03-23T15:11:17.098" v="1169" actId="1038"/>
+          <ac:spMkLst>
+            <pc:docMk/>
+            <pc:sldMk cId="2642943566" sldId="262"/>
+            <ac:spMk id="91" creationId="{18942709-C62A-4C09-96C2-3D84008BB1DB}"/>
+          </ac:spMkLst>
+        </pc:spChg>
+        <pc:spChg chg="add mod ord topLvl">
+          <ac:chgData name="唐 崇斌 Edwin" userId="769f27267cb83406" providerId="LiveId" clId="{5950B5EE-091A-4B6E-A0E4-F7E0BA907422}" dt="2020-03-23T15:09:25.764" v="1101" actId="164"/>
+          <ac:spMkLst>
+            <pc:docMk/>
+            <pc:sldMk cId="2642943566" sldId="262"/>
+            <ac:spMk id="96" creationId="{9DABE4BD-B368-472F-871B-6C3DEE6FBC65}"/>
+          </ac:spMkLst>
+        </pc:spChg>
+        <pc:spChg chg="del mod">
+          <ac:chgData name="唐 崇斌 Edwin" userId="769f27267cb83406" providerId="LiveId" clId="{5950B5EE-091A-4B6E-A0E4-F7E0BA907422}" dt="2020-03-23T14:51:12.617" v="536" actId="478"/>
+          <ac:spMkLst>
+            <pc:docMk/>
+            <pc:sldMk cId="2642943566" sldId="262"/>
+            <ac:spMk id="97" creationId="{DB33936C-85B3-485A-9A4C-AF6065BD5FB4}"/>
+          </ac:spMkLst>
+        </pc:spChg>
+        <pc:spChg chg="del">
+          <ac:chgData name="唐 崇斌 Edwin" userId="769f27267cb83406" providerId="LiveId" clId="{5950B5EE-091A-4B6E-A0E4-F7E0BA907422}" dt="2020-03-23T14:14:27.123" v="40" actId="478"/>
+          <ac:spMkLst>
+            <pc:docMk/>
+            <pc:sldMk cId="2642943566" sldId="262"/>
+            <ac:spMk id="99" creationId="{00C37BC6-AF06-44E7-9F9C-F65BC3232D2A}"/>
+          </ac:spMkLst>
+        </pc:spChg>
+        <pc:spChg chg="mod">
+          <ac:chgData name="唐 崇斌 Edwin" userId="769f27267cb83406" providerId="LiveId" clId="{5950B5EE-091A-4B6E-A0E4-F7E0BA907422}" dt="2020-03-23T15:01:29.732" v="910" actId="1037"/>
+          <ac:spMkLst>
+            <pc:docMk/>
+            <pc:sldMk cId="2642943566" sldId="262"/>
+            <ac:spMk id="108" creationId="{8D2451B4-5A7E-4456-9AEB-2140050CD8E3}"/>
+          </ac:spMkLst>
+        </pc:spChg>
+        <pc:spChg chg="del">
+          <ac:chgData name="唐 崇斌 Edwin" userId="769f27267cb83406" providerId="LiveId" clId="{5950B5EE-091A-4B6E-A0E4-F7E0BA907422}" dt="2020-03-23T14:14:28.915" v="41" actId="478"/>
+          <ac:spMkLst>
+            <pc:docMk/>
+            <pc:sldMk cId="2642943566" sldId="262"/>
+            <ac:spMk id="112" creationId="{BDB867D4-8A12-4602-8B32-7B5488302359}"/>
+          </ac:spMkLst>
+        </pc:spChg>
+        <pc:spChg chg="add del mod ord">
+          <ac:chgData name="唐 崇斌 Edwin" userId="769f27267cb83406" providerId="LiveId" clId="{5950B5EE-091A-4B6E-A0E4-F7E0BA907422}" dt="2020-03-23T15:14:20.435" v="1238" actId="1035"/>
+          <ac:spMkLst>
+            <pc:docMk/>
+            <pc:sldMk cId="2642943566" sldId="262"/>
+            <ac:spMk id="124" creationId="{6D291F6E-5D95-40E1-8C1C-776433FCF543}"/>
+          </ac:spMkLst>
+        </pc:spChg>
+        <pc:spChg chg="mod">
+          <ac:chgData name="唐 崇斌 Edwin" userId="769f27267cb83406" providerId="LiveId" clId="{5950B5EE-091A-4B6E-A0E4-F7E0BA907422}" dt="2020-03-23T15:01:47.057" v="954" actId="1038"/>
+          <ac:spMkLst>
+            <pc:docMk/>
+            <pc:sldMk cId="2642943566" sldId="262"/>
+            <ac:spMk id="142" creationId="{E25BAEBA-8F45-435A-8A3B-A30C6BD1F3BD}"/>
+          </ac:spMkLst>
+        </pc:spChg>
+        <pc:spChg chg="del mod">
+          <ac:chgData name="唐 崇斌 Edwin" userId="769f27267cb83406" providerId="LiveId" clId="{5950B5EE-091A-4B6E-A0E4-F7E0BA907422}" dt="2020-03-23T14:51:51.008" v="546" actId="478"/>
+          <ac:spMkLst>
+            <pc:docMk/>
+            <pc:sldMk cId="2642943566" sldId="262"/>
+            <ac:spMk id="143" creationId="{7A03E50A-7DDE-4E4C-AF18-075ECF418E9C}"/>
+          </ac:spMkLst>
+        </pc:spChg>
+        <pc:spChg chg="add mod">
+          <ac:chgData name="唐 崇斌 Edwin" userId="769f27267cb83406" providerId="LiveId" clId="{5950B5EE-091A-4B6E-A0E4-F7E0BA907422}" dt="2020-03-23T15:07:48.699" v="1078" actId="14100"/>
+          <ac:spMkLst>
+            <pc:docMk/>
+            <pc:sldMk cId="2642943566" sldId="262"/>
+            <ac:spMk id="149" creationId="{51CA8F7A-863D-4AF6-AB75-6E4580405261}"/>
+          </ac:spMkLst>
+        </pc:spChg>
+        <pc:spChg chg="add mod">
+          <ac:chgData name="唐 崇斌 Edwin" userId="769f27267cb83406" providerId="LiveId" clId="{5950B5EE-091A-4B6E-A0E4-F7E0BA907422}" dt="2020-03-23T15:07:48.699" v="1078" actId="14100"/>
+          <ac:spMkLst>
+            <pc:docMk/>
+            <pc:sldMk cId="2642943566" sldId="262"/>
+            <ac:spMk id="150" creationId="{5A6C66F8-B458-4B3B-97D6-76E37B5CD2D2}"/>
+          </ac:spMkLst>
+        </pc:spChg>
+        <pc:spChg chg="add mod">
+          <ac:chgData name="唐 崇斌 Edwin" userId="769f27267cb83406" providerId="LiveId" clId="{5950B5EE-091A-4B6E-A0E4-F7E0BA907422}" dt="2020-03-23T15:07:48.699" v="1078" actId="14100"/>
+          <ac:spMkLst>
+            <pc:docMk/>
+            <pc:sldMk cId="2642943566" sldId="262"/>
+            <ac:spMk id="151" creationId="{9A62F073-21E6-430D-92EF-C4052C98B40C}"/>
+          </ac:spMkLst>
+        </pc:spChg>
+        <pc:spChg chg="mod ord">
+          <ac:chgData name="唐 崇斌 Edwin" userId="769f27267cb83406" providerId="LiveId" clId="{5950B5EE-091A-4B6E-A0E4-F7E0BA907422}" dt="2020-03-23T15:13:50.353" v="1233" actId="167"/>
+          <ac:spMkLst>
+            <pc:docMk/>
+            <pc:sldMk cId="2642943566" sldId="262"/>
+            <ac:spMk id="157" creationId="{0A6A9A43-802D-489B-B71C-67B5786BC8BA}"/>
+          </ac:spMkLst>
+        </pc:spChg>
+        <pc:spChg chg="add mod">
+          <ac:chgData name="唐 崇斌 Edwin" userId="769f27267cb83406" providerId="LiveId" clId="{5950B5EE-091A-4B6E-A0E4-F7E0BA907422}" dt="2020-03-23T15:44:34.910" v="1379"/>
+          <ac:spMkLst>
+            <pc:docMk/>
+            <pc:sldMk cId="2642943566" sldId="262"/>
+            <ac:spMk id="163" creationId="{4461C2AE-F242-4C39-8BC1-7F1C00E0E85B}"/>
+          </ac:spMkLst>
+        </pc:spChg>
+        <pc:spChg chg="add mod">
+          <ac:chgData name="唐 崇斌 Edwin" userId="769f27267cb83406" providerId="LiveId" clId="{5950B5EE-091A-4B6E-A0E4-F7E0BA907422}" dt="2020-03-23T15:28:27.083" v="1375" actId="1037"/>
+          <ac:spMkLst>
+            <pc:docMk/>
+            <pc:sldMk cId="2642943566" sldId="262"/>
+            <ac:spMk id="172" creationId="{76E939BA-F017-4EB8-85F8-39BD6AF503D3}"/>
+          </ac:spMkLst>
+        </pc:spChg>
+        <pc:spChg chg="del mod topLvl">
+          <ac:chgData name="唐 崇斌 Edwin" userId="769f27267cb83406" providerId="LiveId" clId="{5950B5EE-091A-4B6E-A0E4-F7E0BA907422}" dt="2020-03-23T15:12:10.454" v="1217" actId="478"/>
+          <ac:spMkLst>
+            <pc:docMk/>
+            <pc:sldMk cId="2642943566" sldId="262"/>
+            <ac:spMk id="197" creationId="{7C6D78C3-F5B1-4DE5-94A9-1FBFAA8C7726}"/>
+          </ac:spMkLst>
+        </pc:spChg>
+        <pc:spChg chg="del mod">
+          <ac:chgData name="唐 崇斌 Edwin" userId="769f27267cb83406" providerId="LiveId" clId="{5950B5EE-091A-4B6E-A0E4-F7E0BA907422}" dt="2020-03-23T15:00:50.467" v="893" actId="478"/>
+          <ac:spMkLst>
+            <pc:docMk/>
+            <pc:sldMk cId="2642943566" sldId="262"/>
+            <ac:spMk id="198" creationId="{4AB548EE-86D9-41C2-89D1-899B548E3A95}"/>
+          </ac:spMkLst>
+        </pc:spChg>
+        <pc:spChg chg="mod">
+          <ac:chgData name="唐 崇斌 Edwin" userId="769f27267cb83406" providerId="LiveId" clId="{5950B5EE-091A-4B6E-A0E4-F7E0BA907422}" dt="2020-03-23T14:46:22.091" v="485"/>
+          <ac:spMkLst>
+            <pc:docMk/>
+            <pc:sldMk cId="2642943566" sldId="262"/>
+            <ac:spMk id="217" creationId="{4EBB2C86-4E17-4BCF-AE40-A6CCB5F1A080}"/>
+          </ac:spMkLst>
+        </pc:spChg>
+        <pc:spChg chg="mod topLvl">
+          <ac:chgData name="唐 崇斌 Edwin" userId="769f27267cb83406" providerId="LiveId" clId="{5950B5EE-091A-4B6E-A0E4-F7E0BA907422}" dt="2020-03-23T15:10:36.511" v="1142"/>
+          <ac:spMkLst>
+            <pc:docMk/>
+            <pc:sldMk cId="2642943566" sldId="262"/>
+            <ac:spMk id="218" creationId="{673A29C4-10CC-481F-AEC6-1CDE88CCDDAE}"/>
+          </ac:spMkLst>
+        </pc:spChg>
+        <pc:spChg chg="mod ord">
+          <ac:chgData name="唐 崇斌 Edwin" userId="769f27267cb83406" providerId="LiveId" clId="{5950B5EE-091A-4B6E-A0E4-F7E0BA907422}" dt="2020-03-23T15:09:48.621" v="1103" actId="164"/>
+          <ac:spMkLst>
+            <pc:docMk/>
+            <pc:sldMk cId="2642943566" sldId="262"/>
+            <ac:spMk id="225" creationId="{3B78E93F-B6B6-4856-B831-265439C290ED}"/>
+          </ac:spMkLst>
+        </pc:spChg>
+        <pc:spChg chg="mod ord">
+          <ac:chgData name="唐 崇斌 Edwin" userId="769f27267cb83406" providerId="LiveId" clId="{5950B5EE-091A-4B6E-A0E4-F7E0BA907422}" dt="2020-03-23T14:52:38.622" v="567" actId="164"/>
+          <ac:spMkLst>
+            <pc:docMk/>
+            <pc:sldMk cId="2642943566" sldId="262"/>
+            <ac:spMk id="226" creationId="{86BD3BCA-9C82-422B-933D-13E65E2B4E33}"/>
+          </ac:spMkLst>
+        </pc:spChg>
+        <pc:spChg chg="mod">
+          <ac:chgData name="唐 崇斌 Edwin" userId="769f27267cb83406" providerId="LiveId" clId="{5950B5EE-091A-4B6E-A0E4-F7E0BA907422}" dt="2020-03-23T15:16:55.811" v="1256" actId="20577"/>
+          <ac:spMkLst>
+            <pc:docMk/>
+            <pc:sldMk cId="2642943566" sldId="262"/>
+            <ac:spMk id="230" creationId="{38EAECC0-CCB3-4750-9EC2-260B1A1693AD}"/>
+          </ac:spMkLst>
+        </pc:spChg>
+        <pc:grpChg chg="mod">
+          <ac:chgData name="唐 崇斌 Edwin" userId="769f27267cb83406" providerId="LiveId" clId="{5950B5EE-091A-4B6E-A0E4-F7E0BA907422}" dt="2020-03-23T15:01:57.602" v="986" actId="1037"/>
+          <ac:grpSpMkLst>
+            <pc:docMk/>
+            <pc:sldMk cId="2642943566" sldId="262"/>
+            <ac:grpSpMk id="2" creationId="{3BDA039D-BCBE-49DA-9EE4-78F79CD5943C}"/>
+          </ac:grpSpMkLst>
+        </pc:grpChg>
+        <pc:grpChg chg="add mod">
+          <ac:chgData name="唐 崇斌 Edwin" userId="769f27267cb83406" providerId="LiveId" clId="{5950B5EE-091A-4B6E-A0E4-F7E0BA907422}" dt="2020-03-23T15:11:21.700" v="1187" actId="1038"/>
+          <ac:grpSpMkLst>
+            <pc:docMk/>
+            <pc:sldMk cId="2642943566" sldId="262"/>
+            <ac:grpSpMk id="6" creationId="{A21C08FA-B1FC-49F0-99F8-519E38F72ACA}"/>
+          </ac:grpSpMkLst>
+        </pc:grpChg>
+        <pc:grpChg chg="add del mod">
+          <ac:chgData name="唐 崇斌 Edwin" userId="769f27267cb83406" providerId="LiveId" clId="{5950B5EE-091A-4B6E-A0E4-F7E0BA907422}" dt="2020-03-23T15:12:10.454" v="1217" actId="478"/>
+          <ac:grpSpMkLst>
+            <pc:docMk/>
+            <pc:sldMk cId="2642943566" sldId="262"/>
+            <ac:grpSpMk id="8" creationId="{F8617ABC-8075-4E36-9A69-69D9E4DFBD8E}"/>
+          </ac:grpSpMkLst>
+        </pc:grpChg>
+        <pc:grpChg chg="add mod">
+          <ac:chgData name="唐 崇斌 Edwin" userId="769f27267cb83406" providerId="LiveId" clId="{5950B5EE-091A-4B6E-A0E4-F7E0BA907422}" dt="2020-03-23T15:11:17.098" v="1169" actId="1038"/>
+          <ac:grpSpMkLst>
+            <pc:docMk/>
+            <pc:sldMk cId="2642943566" sldId="262"/>
+            <ac:grpSpMk id="12" creationId="{163BD930-A9BD-45E3-BB03-D1E8BF2D6978}"/>
+          </ac:grpSpMkLst>
+        </pc:grpChg>
+        <pc:grpChg chg="add del mod ord">
+          <ac:chgData name="唐 崇斌 Edwin" userId="769f27267cb83406" providerId="LiveId" clId="{5950B5EE-091A-4B6E-A0E4-F7E0BA907422}" dt="2020-03-23T15:00:18.697" v="885" actId="165"/>
+          <ac:grpSpMkLst>
+            <pc:docMk/>
+            <pc:sldMk cId="2642943566" sldId="262"/>
+            <ac:grpSpMk id="14" creationId="{75B9521E-7201-4F5C-8497-4948EB748C11}"/>
+          </ac:grpSpMkLst>
+        </pc:grpChg>
+        <pc:grpChg chg="mod">
+          <ac:chgData name="唐 崇斌 Edwin" userId="769f27267cb83406" providerId="LiveId" clId="{5950B5EE-091A-4B6E-A0E4-F7E0BA907422}" dt="2020-03-23T14:26:04.466" v="250" actId="1037"/>
+          <ac:grpSpMkLst>
+            <pc:docMk/>
+            <pc:sldMk cId="2642943566" sldId="262"/>
+            <ac:grpSpMk id="15" creationId="{D42C5858-FBC7-4C68-AE36-64AD40260C03}"/>
+          </ac:grpSpMkLst>
+        </pc:grpChg>
+        <pc:grpChg chg="mod">
+          <ac:chgData name="唐 崇斌 Edwin" userId="769f27267cb83406" providerId="LiveId" clId="{5950B5EE-091A-4B6E-A0E4-F7E0BA907422}" dt="2020-03-23T14:54:13.280" v="674" actId="12788"/>
+          <ac:grpSpMkLst>
+            <pc:docMk/>
+            <pc:sldMk cId="2642943566" sldId="262"/>
+            <ac:grpSpMk id="16" creationId="{63A7B5DD-25BA-4A60-B5F3-E33A13A8BB76}"/>
+          </ac:grpSpMkLst>
+        </pc:grpChg>
+        <pc:grpChg chg="del mod topLvl">
+          <ac:chgData name="唐 崇斌 Edwin" userId="769f27267cb83406" providerId="LiveId" clId="{5950B5EE-091A-4B6E-A0E4-F7E0BA907422}" dt="2020-03-23T15:00:21.887" v="886" actId="165"/>
+          <ac:grpSpMkLst>
+            <pc:docMk/>
+            <pc:sldMk cId="2642943566" sldId="262"/>
+            <ac:grpSpMk id="17" creationId="{1E4B38DC-79AD-4C70-B336-1D0F3B090AC8}"/>
+          </ac:grpSpMkLst>
+        </pc:grpChg>
+        <pc:grpChg chg="add mod">
+          <ac:chgData name="唐 崇斌 Edwin" userId="769f27267cb83406" providerId="LiveId" clId="{5950B5EE-091A-4B6E-A0E4-F7E0BA907422}" dt="2020-03-23T14:52:48.127" v="597" actId="1037"/>
+          <ac:grpSpMkLst>
+            <pc:docMk/>
+            <pc:sldMk cId="2642943566" sldId="262"/>
+            <ac:grpSpMk id="78" creationId="{B1FE4D9A-3AA4-4AB4-922F-041B59611266}"/>
+          </ac:grpSpMkLst>
+        </pc:grpChg>
+        <pc:grpChg chg="add mod">
+          <ac:chgData name="唐 崇斌 Edwin" userId="769f27267cb83406" providerId="LiveId" clId="{5950B5EE-091A-4B6E-A0E4-F7E0BA907422}" dt="2020-03-23T15:00:39.849" v="890" actId="164"/>
+          <ac:grpSpMkLst>
+            <pc:docMk/>
+            <pc:sldMk cId="2642943566" sldId="262"/>
+            <ac:grpSpMk id="88" creationId="{87DF2276-B2A4-4E41-8E70-E8FC62F514FD}"/>
+          </ac:grpSpMkLst>
+        </pc:grpChg>
+        <pc:grpChg chg="add mod">
+          <ac:chgData name="唐 崇斌 Edwin" userId="769f27267cb83406" providerId="LiveId" clId="{5950B5EE-091A-4B6E-A0E4-F7E0BA907422}" dt="2020-03-23T15:00:39.849" v="890" actId="164"/>
+          <ac:grpSpMkLst>
+            <pc:docMk/>
+            <pc:sldMk cId="2642943566" sldId="262"/>
+            <ac:grpSpMk id="89" creationId="{BA93D5E3-E8AB-4814-ACE7-908684D79DF6}"/>
+          </ac:grpSpMkLst>
+        </pc:grpChg>
+        <pc:grpChg chg="add mod topLvl">
+          <ac:chgData name="唐 崇斌 Edwin" userId="769f27267cb83406" providerId="LiveId" clId="{5950B5EE-091A-4B6E-A0E4-F7E0BA907422}" dt="2020-03-23T15:09:23.983" v="1100" actId="12789"/>
+          <ac:grpSpMkLst>
+            <pc:docMk/>
+            <pc:sldMk cId="2642943566" sldId="262"/>
+            <ac:grpSpMk id="92" creationId="{C0719900-FE68-4537-898A-C3787FE4A692}"/>
+          </ac:grpSpMkLst>
+        </pc:grpChg>
+        <pc:grpChg chg="add mod topLvl">
+          <ac:chgData name="唐 崇斌 Edwin" userId="769f27267cb83406" providerId="LiveId" clId="{5950B5EE-091A-4B6E-A0E4-F7E0BA907422}" dt="2020-03-23T15:09:23.983" v="1100" actId="12789"/>
+          <ac:grpSpMkLst>
+            <pc:docMk/>
+            <pc:sldMk cId="2642943566" sldId="262"/>
+            <ac:grpSpMk id="93" creationId="{BADA2121-3245-47A8-B63B-DEB0E8A90CFF}"/>
+          </ac:grpSpMkLst>
+        </pc:grpChg>
+        <pc:grpChg chg="add mod topLvl">
+          <ac:chgData name="唐 崇斌 Edwin" userId="769f27267cb83406" providerId="LiveId" clId="{5950B5EE-091A-4B6E-A0E4-F7E0BA907422}" dt="2020-03-23T15:09:23.983" v="1100" actId="12789"/>
+          <ac:grpSpMkLst>
+            <pc:docMk/>
+            <pc:sldMk cId="2642943566" sldId="262"/>
+            <ac:grpSpMk id="94" creationId="{3594608E-D82A-4678-BA91-E4B775F28A8A}"/>
+          </ac:grpSpMkLst>
+        </pc:grpChg>
+        <pc:grpChg chg="add del mod topLvl">
+          <ac:chgData name="唐 崇斌 Edwin" userId="769f27267cb83406" providerId="LiveId" clId="{5950B5EE-091A-4B6E-A0E4-F7E0BA907422}" dt="2020-03-23T15:08:33.010" v="1086" actId="165"/>
+          <ac:grpSpMkLst>
+            <pc:docMk/>
+            <pc:sldMk cId="2642943566" sldId="262"/>
+            <ac:grpSpMk id="95" creationId="{A637F0EE-79F5-4971-8D51-E189B4546CB8}"/>
+          </ac:grpSpMkLst>
+        </pc:grpChg>
+        <pc:grpChg chg="add del mod">
+          <ac:chgData name="唐 崇斌 Edwin" userId="769f27267cb83406" providerId="LiveId" clId="{5950B5EE-091A-4B6E-A0E4-F7E0BA907422}" dt="2020-03-23T15:08:14.496" v="1082" actId="165"/>
+          <ac:grpSpMkLst>
+            <pc:docMk/>
+            <pc:sldMk cId="2642943566" sldId="262"/>
+            <ac:grpSpMk id="100" creationId="{9F9076ED-338D-4F32-8C34-5B763DACEC28}"/>
+          </ac:grpSpMkLst>
+        </pc:grpChg>
+        <pc:grpChg chg="add mod">
+          <ac:chgData name="唐 崇斌 Edwin" userId="769f27267cb83406" providerId="LiveId" clId="{5950B5EE-091A-4B6E-A0E4-F7E0BA907422}" dt="2020-03-23T15:09:23.983" v="1100" actId="12789"/>
+          <ac:grpSpMkLst>
+            <pc:docMk/>
+            <pc:sldMk cId="2642943566" sldId="262"/>
+            <ac:grpSpMk id="101" creationId="{D40947AC-023D-4639-BB4E-2CB7833562D9}"/>
+          </ac:grpSpMkLst>
+        </pc:grpChg>
+        <pc:grpChg chg="add mod">
+          <ac:chgData name="唐 崇斌 Edwin" userId="769f27267cb83406" providerId="LiveId" clId="{5950B5EE-091A-4B6E-A0E4-F7E0BA907422}" dt="2020-03-23T15:09:25.764" v="1101" actId="164"/>
+          <ac:grpSpMkLst>
+            <pc:docMk/>
+            <pc:sldMk cId="2642943566" sldId="262"/>
+            <ac:grpSpMk id="102" creationId="{B8EBB42A-8DF7-4C22-9814-797125FFBF06}"/>
+          </ac:grpSpMkLst>
+        </pc:grpChg>
+        <pc:grpChg chg="add mod">
+          <ac:chgData name="唐 崇斌 Edwin" userId="769f27267cb83406" providerId="LiveId" clId="{5950B5EE-091A-4B6E-A0E4-F7E0BA907422}" dt="2020-03-23T15:28:21.285" v="1373" actId="1038"/>
+          <ac:grpSpMkLst>
+            <pc:docMk/>
+            <pc:sldMk cId="2642943566" sldId="262"/>
+            <ac:grpSpMk id="104" creationId="{61EC9F24-86DF-4446-806C-C8F0498C4608}"/>
+          </ac:grpSpMkLst>
+        </pc:grpChg>
+        <pc:grpChg chg="add mod">
+          <ac:chgData name="唐 崇斌 Edwin" userId="769f27267cb83406" providerId="LiveId" clId="{5950B5EE-091A-4B6E-A0E4-F7E0BA907422}" dt="2020-03-23T15:09:50.987" v="1118" actId="1038"/>
+          <ac:grpSpMkLst>
+            <pc:docMk/>
+            <pc:sldMk cId="2642943566" sldId="262"/>
+            <ac:grpSpMk id="105" creationId="{DBE1B31D-1A01-4B7E-976F-943BE4426A96}"/>
+          </ac:grpSpMkLst>
+        </pc:grpChg>
+        <pc:grpChg chg="mod">
+          <ac:chgData name="唐 崇斌 Edwin" userId="769f27267cb83406" providerId="LiveId" clId="{5950B5EE-091A-4B6E-A0E4-F7E0BA907422}" dt="2020-03-23T14:54:13.280" v="674" actId="12788"/>
+          <ac:grpSpMkLst>
+            <pc:docMk/>
+            <pc:sldMk cId="2642943566" sldId="262"/>
+            <ac:grpSpMk id="119" creationId="{89B27CA3-E9C8-4EC2-A5BA-8DCE6D9AAA75}"/>
+          </ac:grpSpMkLst>
+        </pc:grpChg>
+        <pc:grpChg chg="mod topLvl">
+          <ac:chgData name="唐 崇斌 Edwin" userId="769f27267cb83406" providerId="LiveId" clId="{5950B5EE-091A-4B6E-A0E4-F7E0BA907422}" dt="2020-03-23T15:13:21.083" v="1223" actId="688"/>
+          <ac:grpSpMkLst>
+            <pc:docMk/>
+            <pc:sldMk cId="2642943566" sldId="262"/>
+            <ac:grpSpMk id="158" creationId="{39366B66-811F-4DE5-AE0B-DA1D48DA279E}"/>
+          </ac:grpSpMkLst>
+        </pc:grpChg>
+        <pc:picChg chg="add mod">
+          <ac:chgData name="唐 崇斌 Edwin" userId="769f27267cb83406" providerId="LiveId" clId="{5950B5EE-091A-4B6E-A0E4-F7E0BA907422}" dt="2020-03-23T14:21:11.237" v="216" actId="164"/>
+          <ac:picMkLst>
+            <pc:docMk/>
+            <pc:sldMk cId="2642943566" sldId="262"/>
+            <ac:picMk id="10" creationId="{B961742F-5509-4E75-95D1-1F5830608E49}"/>
+          </ac:picMkLst>
+        </pc:picChg>
+        <pc:picChg chg="mod">
+          <ac:chgData name="唐 崇斌 Edwin" userId="769f27267cb83406" providerId="LiveId" clId="{5950B5EE-091A-4B6E-A0E4-F7E0BA907422}" dt="2020-03-23T15:09:48.621" v="1103" actId="164"/>
+          <ac:picMkLst>
+            <pc:docMk/>
+            <pc:sldMk cId="2642943566" sldId="262"/>
+            <ac:picMk id="11" creationId="{CA826542-93FA-41D7-89FA-26A30E787FE4}"/>
+          </ac:picMkLst>
+        </pc:picChg>
+        <pc:picChg chg="mod">
+          <ac:chgData name="唐 崇斌 Edwin" userId="769f27267cb83406" providerId="LiveId" clId="{5950B5EE-091A-4B6E-A0E4-F7E0BA907422}" dt="2020-03-23T14:52:38.622" v="567" actId="164"/>
+          <ac:picMkLst>
+            <pc:docMk/>
+            <pc:sldMk cId="2642943566" sldId="262"/>
+            <ac:picMk id="13" creationId="{64441A86-282A-4748-A914-189124D88159}"/>
+          </ac:picMkLst>
+        </pc:picChg>
+        <pc:picChg chg="mod topLvl">
+          <ac:chgData name="唐 崇斌 Edwin" userId="769f27267cb83406" providerId="LiveId" clId="{5950B5EE-091A-4B6E-A0E4-F7E0BA907422}" dt="2020-03-23T15:00:38.747" v="889" actId="164"/>
+          <ac:picMkLst>
+            <pc:docMk/>
+            <pc:sldMk cId="2642943566" sldId="262"/>
+            <ac:picMk id="133" creationId="{3C4EE167-41AD-47F5-8257-77D8F8FCD4E1}"/>
+          </ac:picMkLst>
+        </pc:picChg>
+        <pc:picChg chg="mod topLvl">
+          <ac:chgData name="唐 崇斌 Edwin" userId="769f27267cb83406" providerId="LiveId" clId="{5950B5EE-091A-4B6E-A0E4-F7E0BA907422}" dt="2020-03-23T15:00:38.747" v="889" actId="164"/>
+          <ac:picMkLst>
+            <pc:docMk/>
+            <pc:sldMk cId="2642943566" sldId="262"/>
+            <ac:picMk id="134" creationId="{A48B9A42-46AE-42C7-9C7F-C14C3DFB9B9A}"/>
+          </ac:picMkLst>
+        </pc:picChg>
+        <pc:picChg chg="mod topLvl">
+          <ac:chgData name="唐 崇斌 Edwin" userId="769f27267cb83406" providerId="LiveId" clId="{5950B5EE-091A-4B6E-A0E4-F7E0BA907422}" dt="2020-03-23T15:00:38.747" v="889" actId="164"/>
+          <ac:picMkLst>
+            <pc:docMk/>
+            <pc:sldMk cId="2642943566" sldId="262"/>
+            <ac:picMk id="135" creationId="{33BDC142-C217-4AEA-B0B6-7A25FBC29A9D}"/>
+          </ac:picMkLst>
+        </pc:picChg>
+        <pc:picChg chg="mod topLvl">
+          <ac:chgData name="唐 崇斌 Edwin" userId="769f27267cb83406" providerId="LiveId" clId="{5950B5EE-091A-4B6E-A0E4-F7E0BA907422}" dt="2020-03-23T15:00:38.747" v="889" actId="164"/>
+          <ac:picMkLst>
+            <pc:docMk/>
+            <pc:sldMk cId="2642943566" sldId="262"/>
+            <ac:picMk id="136" creationId="{ED346168-F232-4B8F-8507-0497F9759A43}"/>
+          </ac:picMkLst>
+        </pc:picChg>
+        <pc:picChg chg="mod topLvl">
+          <ac:chgData name="唐 崇斌 Edwin" userId="769f27267cb83406" providerId="LiveId" clId="{5950B5EE-091A-4B6E-A0E4-F7E0BA907422}" dt="2020-03-23T15:00:38.747" v="889" actId="164"/>
+          <ac:picMkLst>
+            <pc:docMk/>
+            <pc:sldMk cId="2642943566" sldId="262"/>
+            <ac:picMk id="137" creationId="{E951B1A4-1319-4C8B-944C-9E0298A837E7}"/>
+          </ac:picMkLst>
+        </pc:picChg>
+        <pc:picChg chg="del">
+          <ac:chgData name="唐 崇斌 Edwin" userId="769f27267cb83406" providerId="LiveId" clId="{5950B5EE-091A-4B6E-A0E4-F7E0BA907422}" dt="2020-03-23T14:59:57.245" v="865" actId="478"/>
+          <ac:picMkLst>
+            <pc:docMk/>
+            <pc:sldMk cId="2642943566" sldId="262"/>
+            <ac:picMk id="140" creationId="{9D92E510-0D76-4D45-80DC-9ECCE8D3211A}"/>
+          </ac:picMkLst>
+        </pc:picChg>
+        <pc:picChg chg="add mod">
+          <ac:chgData name="唐 崇斌 Edwin" userId="769f27267cb83406" providerId="LiveId" clId="{5950B5EE-091A-4B6E-A0E4-F7E0BA907422}" dt="2020-03-23T15:00:38.747" v="889" actId="164"/>
+          <ac:picMkLst>
+            <pc:docMk/>
+            <pc:sldMk cId="2642943566" sldId="262"/>
+            <ac:picMk id="145" creationId="{14936CE9-83AD-46BC-B74B-9AA99F15C5EA}"/>
+          </ac:picMkLst>
+        </pc:picChg>
+        <pc:picChg chg="mod">
+          <ac:chgData name="唐 崇斌 Edwin" userId="769f27267cb83406" providerId="LiveId" clId="{5950B5EE-091A-4B6E-A0E4-F7E0BA907422}" dt="2020-03-23T15:13:40.548" v="1228" actId="1076"/>
+          <ac:picMkLst>
+            <pc:docMk/>
+            <pc:sldMk cId="2642943566" sldId="262"/>
+            <ac:picMk id="152" creationId="{13C699A4-5CF4-4A9B-AAEA-57F474219BDD}"/>
+          </ac:picMkLst>
+        </pc:picChg>
+        <pc:picChg chg="mod">
+          <ac:chgData name="唐 崇斌 Edwin" userId="769f27267cb83406" providerId="LiveId" clId="{5950B5EE-091A-4B6E-A0E4-F7E0BA907422}" dt="2020-03-23T15:12:45.619" v="1218" actId="688"/>
+          <ac:picMkLst>
+            <pc:docMk/>
+            <pc:sldMk cId="2642943566" sldId="262"/>
+            <ac:picMk id="153" creationId="{313DF1E5-1121-474F-B3EE-BB7A0CDAAD86}"/>
+          </ac:picMkLst>
+        </pc:picChg>
+        <pc:picChg chg="mod">
+          <ac:chgData name="唐 崇斌 Edwin" userId="769f27267cb83406" providerId="LiveId" clId="{5950B5EE-091A-4B6E-A0E4-F7E0BA907422}" dt="2020-03-23T15:13:55.793" v="1234" actId="1076"/>
+          <ac:picMkLst>
+            <pc:docMk/>
+            <pc:sldMk cId="2642943566" sldId="262"/>
+            <ac:picMk id="154" creationId="{992133F3-8D92-4948-83E0-800D45414E21}"/>
+          </ac:picMkLst>
+        </pc:picChg>
+        <pc:picChg chg="mod">
+          <ac:chgData name="唐 崇斌 Edwin" userId="769f27267cb83406" providerId="LiveId" clId="{5950B5EE-091A-4B6E-A0E4-F7E0BA907422}" dt="2020-03-23T15:13:41.085" v="1229" actId="1076"/>
+          <ac:picMkLst>
+            <pc:docMk/>
+            <pc:sldMk cId="2642943566" sldId="262"/>
+            <ac:picMk id="155" creationId="{E55C0C30-BCEB-49CD-AC6A-BDF60A21F03D}"/>
+          </ac:picMkLst>
+        </pc:picChg>
+        <pc:picChg chg="mod">
+          <ac:chgData name="唐 崇斌 Edwin" userId="769f27267cb83406" providerId="LiveId" clId="{5950B5EE-091A-4B6E-A0E4-F7E0BA907422}" dt="2020-03-23T15:12:45.619" v="1218" actId="688"/>
+          <ac:picMkLst>
+            <pc:docMk/>
+            <pc:sldMk cId="2642943566" sldId="262"/>
+            <ac:picMk id="156" creationId="{5F247478-C762-4F96-891C-379A00364905}"/>
+          </ac:picMkLst>
+        </pc:picChg>
+        <pc:cxnChg chg="mod">
+          <ac:chgData name="唐 崇斌 Edwin" userId="769f27267cb83406" providerId="LiveId" clId="{5950B5EE-091A-4B6E-A0E4-F7E0BA907422}" dt="2020-03-23T15:11:17.098" v="1169" actId="1038"/>
+          <ac:cxnSpMkLst>
+            <pc:docMk/>
+            <pc:sldMk cId="2642943566" sldId="262"/>
+            <ac:cxnSpMk id="20" creationId="{58D6F731-7271-486D-BE38-1BE49FAE8F9F}"/>
+          </ac:cxnSpMkLst>
+        </pc:cxnChg>
+        <pc:cxnChg chg="add del mod">
+          <ac:chgData name="唐 崇斌 Edwin" userId="769f27267cb83406" providerId="LiveId" clId="{5950B5EE-091A-4B6E-A0E4-F7E0BA907422}" dt="2020-03-23T14:27:43.068" v="267" actId="11529"/>
+          <ac:cxnSpMkLst>
+            <pc:docMk/>
+            <pc:sldMk cId="2642943566" sldId="262"/>
+            <ac:cxnSpMk id="26" creationId="{D8DAEDCD-083C-47D4-B61F-5458E6F41495}"/>
+          </ac:cxnSpMkLst>
+        </pc:cxnChg>
+        <pc:cxnChg chg="add del mod">
+          <ac:chgData name="唐 崇斌 Edwin" userId="769f27267cb83406" providerId="LiveId" clId="{5950B5EE-091A-4B6E-A0E4-F7E0BA907422}" dt="2020-03-23T14:28:07.381" v="273" actId="11529"/>
+          <ac:cxnSpMkLst>
+            <pc:docMk/>
+            <pc:sldMk cId="2642943566" sldId="262"/>
+            <ac:cxnSpMk id="28" creationId="{F0C20826-CB33-461C-BE67-CFDD135F6DC8}"/>
+          </ac:cxnSpMkLst>
+        </pc:cxnChg>
+        <pc:cxnChg chg="mod">
+          <ac:chgData name="唐 崇斌 Edwin" userId="769f27267cb83406" providerId="LiveId" clId="{5950B5EE-091A-4B6E-A0E4-F7E0BA907422}" dt="2020-03-23T15:42:56.156" v="1377" actId="14100"/>
+          <ac:cxnSpMkLst>
+            <pc:docMk/>
+            <pc:sldMk cId="2642943566" sldId="262"/>
+            <ac:cxnSpMk id="29" creationId="{7137AA24-A58B-4D3F-8D37-D3E135C87901}"/>
+          </ac:cxnSpMkLst>
+        </pc:cxnChg>
+        <pc:cxnChg chg="add del mod">
+          <ac:chgData name="唐 崇斌 Edwin" userId="769f27267cb83406" providerId="LiveId" clId="{5950B5EE-091A-4B6E-A0E4-F7E0BA907422}" dt="2020-03-23T14:28:13.802" v="276" actId="11529"/>
+          <ac:cxnSpMkLst>
+            <pc:docMk/>
+            <pc:sldMk cId="2642943566" sldId="262"/>
+            <ac:cxnSpMk id="31" creationId="{C0A39242-5338-46B7-99B3-42E2AC5423EE}"/>
+          </ac:cxnSpMkLst>
+        </pc:cxnChg>
+        <pc:cxnChg chg="add del mod">
+          <ac:chgData name="唐 崇斌 Edwin" userId="769f27267cb83406" providerId="LiveId" clId="{5950B5EE-091A-4B6E-A0E4-F7E0BA907422}" dt="2020-03-23T14:29:09.445" v="303" actId="478"/>
+          <ac:cxnSpMkLst>
+            <pc:docMk/>
+            <pc:sldMk cId="2642943566" sldId="262"/>
+            <ac:cxnSpMk id="33" creationId="{FC7218AB-85DB-468C-9CF6-6CEABA661D57}"/>
+          </ac:cxnSpMkLst>
+        </pc:cxnChg>
+        <pc:cxnChg chg="add del mod">
+          <ac:chgData name="唐 崇斌 Edwin" userId="769f27267cb83406" providerId="LiveId" clId="{5950B5EE-091A-4B6E-A0E4-F7E0BA907422}" dt="2020-03-23T14:29:12.615" v="305" actId="478"/>
+          <ac:cxnSpMkLst>
+            <pc:docMk/>
+            <pc:sldMk cId="2642943566" sldId="262"/>
+            <ac:cxnSpMk id="35" creationId="{A5485932-A6D8-4558-907C-54CF6A6323A5}"/>
+          </ac:cxnSpMkLst>
+        </pc:cxnChg>
+        <pc:cxnChg chg="del mod">
+          <ac:chgData name="唐 崇斌 Edwin" userId="769f27267cb83406" providerId="LiveId" clId="{5950B5EE-091A-4B6E-A0E4-F7E0BA907422}" dt="2020-03-23T14:51:53.301" v="547" actId="478"/>
+          <ac:cxnSpMkLst>
+            <pc:docMk/>
+            <pc:sldMk cId="2642943566" sldId="262"/>
+            <ac:cxnSpMk id="36" creationId="{BDAC86C1-B5A8-464A-BF04-227FCB231D75}"/>
+          </ac:cxnSpMkLst>
+        </pc:cxnChg>
+        <pc:cxnChg chg="add del mod">
+          <ac:chgData name="唐 崇斌 Edwin" userId="769f27267cb83406" providerId="LiveId" clId="{5950B5EE-091A-4B6E-A0E4-F7E0BA907422}" dt="2020-03-23T14:29:31.799" v="311" actId="478"/>
+          <ac:cxnSpMkLst>
+            <pc:docMk/>
+            <pc:sldMk cId="2642943566" sldId="262"/>
+            <ac:cxnSpMk id="39" creationId="{91FD5A7E-FC86-4CE7-BD4F-6FC828B05339}"/>
+          </ac:cxnSpMkLst>
+        </pc:cxnChg>
+        <pc:cxnChg chg="add del mod">
+          <ac:chgData name="唐 崇斌 Edwin" userId="769f27267cb83406" providerId="LiveId" clId="{5950B5EE-091A-4B6E-A0E4-F7E0BA907422}" dt="2020-03-23T14:30:10.847" v="354" actId="11529"/>
+          <ac:cxnSpMkLst>
+            <pc:docMk/>
+            <pc:sldMk cId="2642943566" sldId="262"/>
+            <ac:cxnSpMk id="44" creationId="{4CEEC54C-B18D-4A78-97B4-E1D2E59764DE}"/>
+          </ac:cxnSpMkLst>
+        </pc:cxnChg>
+        <pc:cxnChg chg="del mod">
+          <ac:chgData name="唐 崇斌 Edwin" userId="769f27267cb83406" providerId="LiveId" clId="{5950B5EE-091A-4B6E-A0E4-F7E0BA907422}" dt="2020-03-23T14:51:09.731" v="535" actId="478"/>
+          <ac:cxnSpMkLst>
+            <pc:docMk/>
+            <pc:sldMk cId="2642943566" sldId="262"/>
+            <ac:cxnSpMk id="47" creationId="{157B31B1-4277-4F06-AB7D-F03F226DA78B}"/>
+          </ac:cxnSpMkLst>
+        </pc:cxnChg>
+        <pc:cxnChg chg="add del mod">
+          <ac:chgData name="唐 崇斌 Edwin" userId="769f27267cb83406" providerId="LiveId" clId="{5950B5EE-091A-4B6E-A0E4-F7E0BA907422}" dt="2020-03-23T14:29:22.356" v="308" actId="478"/>
+          <ac:cxnSpMkLst>
+            <pc:docMk/>
+            <pc:sldMk cId="2642943566" sldId="262"/>
+            <ac:cxnSpMk id="82" creationId="{11B216D1-158E-4144-AE67-CEC44FB93700}"/>
+          </ac:cxnSpMkLst>
+        </pc:cxnChg>
+        <pc:cxnChg chg="add del mod">
+          <ac:chgData name="唐 崇斌 Edwin" userId="769f27267cb83406" providerId="LiveId" clId="{5950B5EE-091A-4B6E-A0E4-F7E0BA907422}" dt="2020-03-23T14:29:21.774" v="307" actId="478"/>
+          <ac:cxnSpMkLst>
+            <pc:docMk/>
+            <pc:sldMk cId="2642943566" sldId="262"/>
+            <ac:cxnSpMk id="83" creationId="{19269B14-857D-4C89-86C0-A1358B33EF0D}"/>
+          </ac:cxnSpMkLst>
+        </pc:cxnChg>
+        <pc:cxnChg chg="add del mod">
+          <ac:chgData name="唐 崇斌 Edwin" userId="769f27267cb83406" providerId="LiveId" clId="{5950B5EE-091A-4B6E-A0E4-F7E0BA907422}" dt="2020-03-23T14:55:52.239" v="753" actId="478"/>
+          <ac:cxnSpMkLst>
+            <pc:docMk/>
+            <pc:sldMk cId="2642943566" sldId="262"/>
+            <ac:cxnSpMk id="98" creationId="{813CC718-184D-443E-9912-E4762F97BC4C}"/>
+          </ac:cxnSpMkLst>
+        </pc:cxnChg>
+        <pc:cxnChg chg="add del mod">
+          <ac:chgData name="唐 崇斌 Edwin" userId="769f27267cb83406" providerId="LiveId" clId="{5950B5EE-091A-4B6E-A0E4-F7E0BA907422}" dt="2020-03-23T14:55:52.239" v="753" actId="478"/>
+          <ac:cxnSpMkLst>
+            <pc:docMk/>
+            <pc:sldMk cId="2642943566" sldId="262"/>
+            <ac:cxnSpMk id="103" creationId="{88A22EEC-5FCA-4733-A3BC-749FEC67D4F9}"/>
+          </ac:cxnSpMkLst>
+        </pc:cxnChg>
+        <pc:cxnChg chg="add mod">
+          <ac:chgData name="唐 崇斌 Edwin" userId="769f27267cb83406" providerId="LiveId" clId="{5950B5EE-091A-4B6E-A0E4-F7E0BA907422}" dt="2020-03-23T15:22:06.653" v="1325" actId="1036"/>
+          <ac:cxnSpMkLst>
+            <pc:docMk/>
+            <pc:sldMk cId="2642943566" sldId="262"/>
+            <ac:cxnSpMk id="138" creationId="{871CE4A9-51E1-4A85-845A-73E336A304A0}"/>
+          </ac:cxnSpMkLst>
+        </pc:cxnChg>
+        <pc:cxnChg chg="add mod">
+          <ac:chgData name="唐 崇斌 Edwin" userId="769f27267cb83406" providerId="LiveId" clId="{5950B5EE-091A-4B6E-A0E4-F7E0BA907422}" dt="2020-03-23T15:21:58.530" v="1289" actId="1036"/>
+          <ac:cxnSpMkLst>
+            <pc:docMk/>
+            <pc:sldMk cId="2642943566" sldId="262"/>
+            <ac:cxnSpMk id="139" creationId="{00C2F0F8-FF7F-47C7-AC8B-C13C3DF48136}"/>
+          </ac:cxnSpMkLst>
+        </pc:cxnChg>
+        <pc:cxnChg chg="add del mod">
+          <ac:chgData name="唐 崇斌 Edwin" userId="769f27267cb83406" providerId="LiveId" clId="{5950B5EE-091A-4B6E-A0E4-F7E0BA907422}" dt="2020-03-23T15:42:52.749" v="1376" actId="478"/>
+          <ac:cxnSpMkLst>
+            <pc:docMk/>
+            <pc:sldMk cId="2642943566" sldId="262"/>
+            <ac:cxnSpMk id="144" creationId="{1C990A7F-8D8D-4E68-ADA1-8243C90D657E}"/>
+          </ac:cxnSpMkLst>
+        </pc:cxnChg>
+        <pc:cxnChg chg="mod">
+          <ac:chgData name="唐 崇斌 Edwin" userId="769f27267cb83406" providerId="LiveId" clId="{5950B5EE-091A-4B6E-A0E4-F7E0BA907422}" dt="2020-03-23T15:11:17.098" v="1169" actId="1038"/>
+          <ac:cxnSpMkLst>
+            <pc:docMk/>
+            <pc:sldMk cId="2642943566" sldId="262"/>
+            <ac:cxnSpMk id="146" creationId="{7755E390-2CA9-40E6-8045-B3B3BEDECA2B}"/>
+          </ac:cxnSpMkLst>
+        </pc:cxnChg>
+        <pc:cxnChg chg="mod">
+          <ac:chgData name="唐 崇斌 Edwin" userId="769f27267cb83406" providerId="LiveId" clId="{5950B5EE-091A-4B6E-A0E4-F7E0BA907422}" dt="2020-03-23T14:52:51.653" v="599" actId="1037"/>
+          <ac:cxnSpMkLst>
+            <pc:docMk/>
+            <pc:sldMk cId="2642943566" sldId="262"/>
+            <ac:cxnSpMk id="148" creationId="{DB9E6460-EDF6-4D43-971D-37E03164FCCF}"/>
+          </ac:cxnSpMkLst>
+        </pc:cxnChg>
+        <pc:cxnChg chg="add mod">
+          <ac:chgData name="唐 崇斌 Edwin" userId="769f27267cb83406" providerId="LiveId" clId="{5950B5EE-091A-4B6E-A0E4-F7E0BA907422}" dt="2020-03-23T15:27:47.528" v="1347" actId="1037"/>
+          <ac:cxnSpMkLst>
+            <pc:docMk/>
+            <pc:sldMk cId="2642943566" sldId="262"/>
+            <ac:cxnSpMk id="159" creationId="{5AC9D880-BF35-46A3-BDE5-98480ADDCC8C}"/>
+          </ac:cxnSpMkLst>
+        </pc:cxnChg>
+        <pc:cxnChg chg="add mod">
+          <ac:chgData name="唐 崇斌 Edwin" userId="769f27267cb83406" providerId="LiveId" clId="{5950B5EE-091A-4B6E-A0E4-F7E0BA907422}" dt="2020-03-23T15:27:47.528" v="1347" actId="1037"/>
+          <ac:cxnSpMkLst>
+            <pc:docMk/>
+            <pc:sldMk cId="2642943566" sldId="262"/>
+            <ac:cxnSpMk id="160" creationId="{B2D34648-B06F-4642-B566-926AFE1877F0}"/>
+          </ac:cxnSpMkLst>
+        </pc:cxnChg>
+        <pc:cxnChg chg="add mod">
+          <ac:chgData name="唐 崇斌 Edwin" userId="769f27267cb83406" providerId="LiveId" clId="{5950B5EE-091A-4B6E-A0E4-F7E0BA907422}" dt="2020-03-23T15:27:47.528" v="1347" actId="1037"/>
+          <ac:cxnSpMkLst>
+            <pc:docMk/>
+            <pc:sldMk cId="2642943566" sldId="262"/>
+            <ac:cxnSpMk id="161" creationId="{CB1C2046-4E16-4597-AB4E-0B1F1801FB3B}"/>
+          </ac:cxnSpMkLst>
+        </pc:cxnChg>
+        <pc:cxnChg chg="del mod">
+          <ac:chgData name="唐 崇斌 Edwin" userId="769f27267cb83406" providerId="LiveId" clId="{5950B5EE-091A-4B6E-A0E4-F7E0BA907422}" dt="2020-03-23T14:26:30.656" v="258"/>
+          <ac:cxnSpMkLst>
+            <pc:docMk/>
+            <pc:sldMk cId="2642943566" sldId="262"/>
+            <ac:cxnSpMk id="162" creationId="{F71CE3D3-D67A-468F-8080-E8A4A91D7319}"/>
+          </ac:cxnSpMkLst>
+        </pc:cxnChg>
+        <pc:cxnChg chg="add mod">
+          <ac:chgData name="唐 崇斌 Edwin" userId="769f27267cb83406" providerId="LiveId" clId="{5950B5EE-091A-4B6E-A0E4-F7E0BA907422}" dt="2020-03-23T15:27:47.528" v="1347" actId="1037"/>
+          <ac:cxnSpMkLst>
+            <pc:docMk/>
+            <pc:sldMk cId="2642943566" sldId="262"/>
+            <ac:cxnSpMk id="164" creationId="{CA2D38E9-CC9C-4B7D-A6CD-7B7FC3B7E592}"/>
+          </ac:cxnSpMkLst>
+        </pc:cxnChg>
+        <pc:cxnChg chg="del mod">
+          <ac:chgData name="唐 崇斌 Edwin" userId="769f27267cb83406" providerId="LiveId" clId="{5950B5EE-091A-4B6E-A0E4-F7E0BA907422}" dt="2020-03-23T14:26:30.656" v="258"/>
+          <ac:cxnSpMkLst>
+            <pc:docMk/>
+            <pc:sldMk cId="2642943566" sldId="262"/>
+            <ac:cxnSpMk id="165" creationId="{21B42458-70C1-404D-AE6B-B41B7C1E5583}"/>
+          </ac:cxnSpMkLst>
+        </pc:cxnChg>
+        <pc:cxnChg chg="mod">
+          <ac:chgData name="唐 崇斌 Edwin" userId="769f27267cb83406" providerId="LiveId" clId="{5950B5EE-091A-4B6E-A0E4-F7E0BA907422}" dt="2020-03-23T15:01:29.732" v="910" actId="1037"/>
+          <ac:cxnSpMkLst>
+            <pc:docMk/>
+            <pc:sldMk cId="2642943566" sldId="262"/>
+            <ac:cxnSpMk id="210" creationId="{56248D90-04BA-4318-9EFA-CAF04B06F20B}"/>
+          </ac:cxnSpMkLst>
+        </pc:cxnChg>
+        <pc:cxnChg chg="mod">
+          <ac:chgData name="唐 崇斌 Edwin" userId="769f27267cb83406" providerId="LiveId" clId="{5950B5EE-091A-4B6E-A0E4-F7E0BA907422}" dt="2020-03-23T15:09:55.957" v="1139" actId="1037"/>
+          <ac:cxnSpMkLst>
+            <pc:docMk/>
+            <pc:sldMk cId="2642943566" sldId="262"/>
+            <ac:cxnSpMk id="213" creationId="{2856A72C-02D8-4B27-B712-B82396AB79AE}"/>
+          </ac:cxnSpMkLst>
+        </pc:cxnChg>
+        <pc:cxnChg chg="mod">
+          <ac:chgData name="唐 崇斌 Edwin" userId="769f27267cb83406" providerId="LiveId" clId="{5950B5EE-091A-4B6E-A0E4-F7E0BA907422}" dt="2020-03-23T14:55:37.832" v="750" actId="1038"/>
+          <ac:cxnSpMkLst>
+            <pc:docMk/>
+            <pc:sldMk cId="2642943566" sldId="262"/>
+            <ac:cxnSpMk id="232" creationId="{0CBFD6A4-7719-4C83-BB40-C8ECB7900A08}"/>
           </ac:cxnSpMkLst>
         </pc:cxnChg>
       </pc:sldChg>
@@ -2467,7 +3298,7 @@
           <a:p>
             <a:fld id="{2397B9A4-A1A7-4F69-B67A-5CE7E47DA859}" type="datetimeFigureOut">
               <a:rPr lang="zh-CN" altLang="en-US" smtClean="0"/>
-              <a:t>2020/3/22</a:t>
+              <a:t>2020/3/23</a:t>
             </a:fld>
             <a:endParaRPr lang="zh-CN" altLang="en-US"/>
           </a:p>
@@ -2635,7 +3466,7 @@
           <a:p>
             <a:fld id="{2397B9A4-A1A7-4F69-B67A-5CE7E47DA859}" type="datetimeFigureOut">
               <a:rPr lang="zh-CN" altLang="en-US" smtClean="0"/>
-              <a:t>2020/3/22</a:t>
+              <a:t>2020/3/23</a:t>
             </a:fld>
             <a:endParaRPr lang="zh-CN" altLang="en-US"/>
           </a:p>
@@ -2813,7 +3644,7 @@
           <a:p>
             <a:fld id="{2397B9A4-A1A7-4F69-B67A-5CE7E47DA859}" type="datetimeFigureOut">
               <a:rPr lang="zh-CN" altLang="en-US" smtClean="0"/>
-              <a:t>2020/3/22</a:t>
+              <a:t>2020/3/23</a:t>
             </a:fld>
             <a:endParaRPr lang="zh-CN" altLang="en-US"/>
           </a:p>
@@ -2981,7 +3812,7 @@
           <a:p>
             <a:fld id="{2397B9A4-A1A7-4F69-B67A-5CE7E47DA859}" type="datetimeFigureOut">
               <a:rPr lang="zh-CN" altLang="en-US" smtClean="0"/>
-              <a:t>2020/3/22</a:t>
+              <a:t>2020/3/23</a:t>
             </a:fld>
             <a:endParaRPr lang="zh-CN" altLang="en-US"/>
           </a:p>
@@ -3226,7 +4057,7 @@
           <a:p>
             <a:fld id="{2397B9A4-A1A7-4F69-B67A-5CE7E47DA859}" type="datetimeFigureOut">
               <a:rPr lang="zh-CN" altLang="en-US" smtClean="0"/>
-              <a:t>2020/3/22</a:t>
+              <a:t>2020/3/23</a:t>
             </a:fld>
             <a:endParaRPr lang="zh-CN" altLang="en-US"/>
           </a:p>
@@ -3455,7 +4286,7 @@
           <a:p>
             <a:fld id="{2397B9A4-A1A7-4F69-B67A-5CE7E47DA859}" type="datetimeFigureOut">
               <a:rPr lang="zh-CN" altLang="en-US" smtClean="0"/>
-              <a:t>2020/3/22</a:t>
+              <a:t>2020/3/23</a:t>
             </a:fld>
             <a:endParaRPr lang="zh-CN" altLang="en-US"/>
           </a:p>
@@ -3819,7 +4650,7 @@
           <a:p>
             <a:fld id="{2397B9A4-A1A7-4F69-B67A-5CE7E47DA859}" type="datetimeFigureOut">
               <a:rPr lang="zh-CN" altLang="en-US" smtClean="0"/>
-              <a:t>2020/3/22</a:t>
+              <a:t>2020/3/23</a:t>
             </a:fld>
             <a:endParaRPr lang="zh-CN" altLang="en-US"/>
           </a:p>
@@ -3936,7 +4767,7 @@
           <a:p>
             <a:fld id="{2397B9A4-A1A7-4F69-B67A-5CE7E47DA859}" type="datetimeFigureOut">
               <a:rPr lang="zh-CN" altLang="en-US" smtClean="0"/>
-              <a:t>2020/3/22</a:t>
+              <a:t>2020/3/23</a:t>
             </a:fld>
             <a:endParaRPr lang="zh-CN" altLang="en-US"/>
           </a:p>
@@ -4031,7 +4862,7 @@
           <a:p>
             <a:fld id="{2397B9A4-A1A7-4F69-B67A-5CE7E47DA859}" type="datetimeFigureOut">
               <a:rPr lang="zh-CN" altLang="en-US" smtClean="0"/>
-              <a:t>2020/3/22</a:t>
+              <a:t>2020/3/23</a:t>
             </a:fld>
             <a:endParaRPr lang="zh-CN" altLang="en-US"/>
           </a:p>
@@ -4306,7 +5137,7 @@
           <a:p>
             <a:fld id="{2397B9A4-A1A7-4F69-B67A-5CE7E47DA859}" type="datetimeFigureOut">
               <a:rPr lang="zh-CN" altLang="en-US" smtClean="0"/>
-              <a:t>2020/3/22</a:t>
+              <a:t>2020/3/23</a:t>
             </a:fld>
             <a:endParaRPr lang="zh-CN" altLang="en-US"/>
           </a:p>
@@ -4558,7 +5389,7 @@
           <a:p>
             <a:fld id="{2397B9A4-A1A7-4F69-B67A-5CE7E47DA859}" type="datetimeFigureOut">
               <a:rPr lang="zh-CN" altLang="en-US" smtClean="0"/>
-              <a:t>2020/3/22</a:t>
+              <a:t>2020/3/23</a:t>
             </a:fld>
             <a:endParaRPr lang="zh-CN" altLang="en-US"/>
           </a:p>
@@ -4769,7 +5600,7 @@
           <a:p>
             <a:fld id="{2397B9A4-A1A7-4F69-B67A-5CE7E47DA859}" type="datetimeFigureOut">
               <a:rPr lang="zh-CN" altLang="en-US" smtClean="0"/>
-              <a:t>2020/3/22</a:t>
+              <a:t>2020/3/23</a:t>
             </a:fld>
             <a:endParaRPr lang="zh-CN" altLang="en-US"/>
           </a:p>
@@ -8823,7 +9654,7 @@
             <a:solidFill>
               <a:srgbClr val="EA8B00"/>
             </a:solidFill>
-            <a:prstDash val="solid"/>
+            <a:prstDash val="dash"/>
           </a:ln>
         </p:spPr>
         <p:style>
@@ -9068,397 +9899,6 @@
           </p:spPr>
         </p:pic>
       </p:grpSp>
-      <p:grpSp>
-        <p:nvGrpSpPr>
-          <p:cNvPr id="16" name="组合 15">
-            <a:extLst>
-              <a:ext uri="{FF2B5EF4-FFF2-40B4-BE49-F238E27FC236}">
-                <a16:creationId xmlns:a16="http://schemas.microsoft.com/office/drawing/2014/main" id="{63A7B5DD-25BA-4A60-B5F3-E33A13A8BB76}"/>
-              </a:ext>
-            </a:extLst>
-          </p:cNvPr>
-          <p:cNvGrpSpPr/>
-          <p:nvPr/>
-        </p:nvGrpSpPr>
-        <p:grpSpPr>
-          <a:xfrm>
-            <a:off x="5799125" y="423863"/>
-            <a:ext cx="1456923" cy="590285"/>
-            <a:chOff x="5774734" y="494817"/>
-            <a:chExt cx="1456923" cy="590285"/>
-          </a:xfrm>
-          <a:solidFill>
-            <a:schemeClr val="bg1"/>
-          </a:solidFill>
-        </p:grpSpPr>
-        <p:grpSp>
-          <p:nvGrpSpPr>
-            <p:cNvPr id="119" name="组合 118">
-              <a:extLst>
-                <a:ext uri="{FF2B5EF4-FFF2-40B4-BE49-F238E27FC236}">
-                  <a16:creationId xmlns:a16="http://schemas.microsoft.com/office/drawing/2014/main" id="{89B27CA3-E9C8-4EC2-A5BA-8DCE6D9AAA75}"/>
-                </a:ext>
-              </a:extLst>
-            </p:cNvPr>
-            <p:cNvGrpSpPr/>
-            <p:nvPr/>
-          </p:nvGrpSpPr>
-          <p:grpSpPr>
-            <a:xfrm>
-              <a:off x="5921905" y="494817"/>
-              <a:ext cx="1162152" cy="295086"/>
-              <a:chOff x="10333001" y="1215606"/>
-              <a:chExt cx="1162152" cy="295086"/>
-            </a:xfrm>
-            <a:grpFill/>
-          </p:grpSpPr>
-          <p:pic>
-            <p:nvPicPr>
-              <p:cNvPr id="120" name="图片 119">
-                <a:extLst>
-                  <a:ext uri="{FF2B5EF4-FFF2-40B4-BE49-F238E27FC236}">
-                    <a16:creationId xmlns:a16="http://schemas.microsoft.com/office/drawing/2014/main" id="{B496635B-CEB2-47CA-9BE5-9769FF985F09}"/>
-                  </a:ext>
-                </a:extLst>
-              </p:cNvPr>
-              <p:cNvPicPr>
-                <a:picLocks noChangeAspect="1"/>
-              </p:cNvPicPr>
-              <p:nvPr/>
-            </p:nvPicPr>
-            <p:blipFill>
-              <a:blip r:embed="rId4" cstate="print">
-                <a:extLst>
-                  <a:ext uri="{28A0092B-C50C-407E-A947-70E740481C1C}">
-                    <a14:useLocalDpi xmlns:a14="http://schemas.microsoft.com/office/drawing/2010/main" val="0"/>
-                  </a:ext>
-                </a:extLst>
-              </a:blip>
-              <a:stretch>
-                <a:fillRect/>
-              </a:stretch>
-            </p:blipFill>
-            <p:spPr>
-              <a:xfrm flipH="1">
-                <a:off x="10622023" y="1215607"/>
-                <a:ext cx="295085" cy="295085"/>
-              </a:xfrm>
-              <a:prstGeom prst="rect">
-                <a:avLst/>
-              </a:prstGeom>
-              <a:grpFill/>
-              <a:ln>
-                <a:noFill/>
-              </a:ln>
-            </p:spPr>
-          </p:pic>
-          <p:pic>
-            <p:nvPicPr>
-              <p:cNvPr id="121" name="图片 120">
-                <a:extLst>
-                  <a:ext uri="{FF2B5EF4-FFF2-40B4-BE49-F238E27FC236}">
-                    <a16:creationId xmlns:a16="http://schemas.microsoft.com/office/drawing/2014/main" id="{1D2EE463-3600-466C-BB9E-E5E8F32E23A9}"/>
-                  </a:ext>
-                </a:extLst>
-              </p:cNvPr>
-              <p:cNvPicPr>
-                <a:picLocks noChangeAspect="1"/>
-              </p:cNvPicPr>
-              <p:nvPr/>
-            </p:nvPicPr>
-            <p:blipFill>
-              <a:blip r:embed="rId4" cstate="print">
-                <a:extLst>
-                  <a:ext uri="{28A0092B-C50C-407E-A947-70E740481C1C}">
-                    <a14:useLocalDpi xmlns:a14="http://schemas.microsoft.com/office/drawing/2010/main" val="0"/>
-                  </a:ext>
-                </a:extLst>
-              </a:blip>
-              <a:stretch>
-                <a:fillRect/>
-              </a:stretch>
-            </p:blipFill>
-            <p:spPr>
-              <a:xfrm flipH="1">
-                <a:off x="10333001" y="1215607"/>
-                <a:ext cx="295085" cy="295085"/>
-              </a:xfrm>
-              <a:prstGeom prst="rect">
-                <a:avLst/>
-              </a:prstGeom>
-              <a:grpFill/>
-              <a:ln>
-                <a:noFill/>
-              </a:ln>
-            </p:spPr>
-          </p:pic>
-          <p:pic>
-            <p:nvPicPr>
-              <p:cNvPr id="122" name="图片 121">
-                <a:extLst>
-                  <a:ext uri="{FF2B5EF4-FFF2-40B4-BE49-F238E27FC236}">
-                    <a16:creationId xmlns:a16="http://schemas.microsoft.com/office/drawing/2014/main" id="{336AB377-7FB6-48AF-A3DE-23273EE8389F}"/>
-                  </a:ext>
-                </a:extLst>
-              </p:cNvPr>
-              <p:cNvPicPr>
-                <a:picLocks noChangeAspect="1"/>
-              </p:cNvPicPr>
-              <p:nvPr/>
-            </p:nvPicPr>
-            <p:blipFill>
-              <a:blip r:embed="rId4" cstate="print">
-                <a:extLst>
-                  <a:ext uri="{28A0092B-C50C-407E-A947-70E740481C1C}">
-                    <a14:useLocalDpi xmlns:a14="http://schemas.microsoft.com/office/drawing/2010/main" val="0"/>
-                  </a:ext>
-                </a:extLst>
-              </a:blip>
-              <a:stretch>
-                <a:fillRect/>
-              </a:stretch>
-            </p:blipFill>
-            <p:spPr>
-              <a:xfrm flipH="1">
-                <a:off x="11200068" y="1215606"/>
-                <a:ext cx="295085" cy="295085"/>
-              </a:xfrm>
-              <a:prstGeom prst="rect">
-                <a:avLst/>
-              </a:prstGeom>
-              <a:grpFill/>
-              <a:ln>
-                <a:noFill/>
-              </a:ln>
-            </p:spPr>
-          </p:pic>
-          <p:pic>
-            <p:nvPicPr>
-              <p:cNvPr id="123" name="图片 122">
-                <a:extLst>
-                  <a:ext uri="{FF2B5EF4-FFF2-40B4-BE49-F238E27FC236}">
-                    <a16:creationId xmlns:a16="http://schemas.microsoft.com/office/drawing/2014/main" id="{98718E4E-2318-4CA5-A0DC-DDF388C04D8C}"/>
-                  </a:ext>
-                </a:extLst>
-              </p:cNvPr>
-              <p:cNvPicPr>
-                <a:picLocks noChangeAspect="1"/>
-              </p:cNvPicPr>
-              <p:nvPr/>
-            </p:nvPicPr>
-            <p:blipFill>
-              <a:blip r:embed="rId4" cstate="print">
-                <a:extLst>
-                  <a:ext uri="{28A0092B-C50C-407E-A947-70E740481C1C}">
-                    <a14:useLocalDpi xmlns:a14="http://schemas.microsoft.com/office/drawing/2010/main" val="0"/>
-                  </a:ext>
-                </a:extLst>
-              </a:blip>
-              <a:stretch>
-                <a:fillRect/>
-              </a:stretch>
-            </p:blipFill>
-            <p:spPr>
-              <a:xfrm flipH="1">
-                <a:off x="10911045" y="1215606"/>
-                <a:ext cx="295085" cy="295085"/>
-              </a:xfrm>
-              <a:prstGeom prst="rect">
-                <a:avLst/>
-              </a:prstGeom>
-              <a:grpFill/>
-              <a:ln>
-                <a:noFill/>
-              </a:ln>
-            </p:spPr>
-          </p:pic>
-        </p:grpSp>
-        <p:pic>
-          <p:nvPicPr>
-            <p:cNvPr id="126" name="图片 125">
-              <a:extLst>
-                <a:ext uri="{FF2B5EF4-FFF2-40B4-BE49-F238E27FC236}">
-                  <a16:creationId xmlns:a16="http://schemas.microsoft.com/office/drawing/2014/main" id="{1FCCC886-C2F9-4C7B-AF4C-72F8E9A5A589}"/>
-                </a:ext>
-              </a:extLst>
-            </p:cNvPr>
-            <p:cNvPicPr>
-              <a:picLocks noChangeAspect="1"/>
-            </p:cNvPicPr>
-            <p:nvPr/>
-          </p:nvPicPr>
-          <p:blipFill>
-            <a:blip r:embed="rId5" cstate="print">
-              <a:extLst>
-                <a:ext uri="{28A0092B-C50C-407E-A947-70E740481C1C}">
-                  <a14:useLocalDpi xmlns:a14="http://schemas.microsoft.com/office/drawing/2010/main" val="0"/>
-                </a:ext>
-              </a:extLst>
-            </a:blip>
-            <a:stretch>
-              <a:fillRect/>
-            </a:stretch>
-          </p:blipFill>
-          <p:spPr>
-            <a:xfrm flipH="1">
-              <a:off x="5774734" y="789902"/>
-              <a:ext cx="295200" cy="295200"/>
-            </a:xfrm>
-            <a:prstGeom prst="rect">
-              <a:avLst/>
-            </a:prstGeom>
-            <a:grpFill/>
-          </p:spPr>
-        </p:pic>
-        <p:pic>
-          <p:nvPicPr>
-            <p:cNvPr id="127" name="图片 126">
-              <a:extLst>
-                <a:ext uri="{FF2B5EF4-FFF2-40B4-BE49-F238E27FC236}">
-                  <a16:creationId xmlns:a16="http://schemas.microsoft.com/office/drawing/2014/main" id="{8C5CF999-E8D7-43A9-BB37-AA859F001382}"/>
-                </a:ext>
-              </a:extLst>
-            </p:cNvPr>
-            <p:cNvPicPr>
-              <a:picLocks noChangeAspect="1"/>
-            </p:cNvPicPr>
-            <p:nvPr/>
-          </p:nvPicPr>
-          <p:blipFill>
-            <a:blip r:embed="rId5" cstate="print">
-              <a:extLst>
-                <a:ext uri="{28A0092B-C50C-407E-A947-70E740481C1C}">
-                  <a14:useLocalDpi xmlns:a14="http://schemas.microsoft.com/office/drawing/2010/main" val="0"/>
-                </a:ext>
-              </a:extLst>
-            </a:blip>
-            <a:stretch>
-              <a:fillRect/>
-            </a:stretch>
-          </p:blipFill>
-          <p:spPr>
-            <a:xfrm flipH="1">
-              <a:off x="6065165" y="789902"/>
-              <a:ext cx="295200" cy="295200"/>
-            </a:xfrm>
-            <a:prstGeom prst="rect">
-              <a:avLst/>
-            </a:prstGeom>
-            <a:grpFill/>
-          </p:spPr>
-        </p:pic>
-        <p:pic>
-          <p:nvPicPr>
-            <p:cNvPr id="128" name="图片 127">
-              <a:extLst>
-                <a:ext uri="{FF2B5EF4-FFF2-40B4-BE49-F238E27FC236}">
-                  <a16:creationId xmlns:a16="http://schemas.microsoft.com/office/drawing/2014/main" id="{C9056822-CFC6-472D-BBFA-25C337CA5C55}"/>
-                </a:ext>
-              </a:extLst>
-            </p:cNvPr>
-            <p:cNvPicPr>
-              <a:picLocks noChangeAspect="1"/>
-            </p:cNvPicPr>
-            <p:nvPr/>
-          </p:nvPicPr>
-          <p:blipFill>
-            <a:blip r:embed="rId5" cstate="print">
-              <a:extLst>
-                <a:ext uri="{28A0092B-C50C-407E-A947-70E740481C1C}">
-                  <a14:useLocalDpi xmlns:a14="http://schemas.microsoft.com/office/drawing/2010/main" val="0"/>
-                </a:ext>
-              </a:extLst>
-            </a:blip>
-            <a:stretch>
-              <a:fillRect/>
-            </a:stretch>
-          </p:blipFill>
-          <p:spPr>
-            <a:xfrm flipH="1">
-              <a:off x="6646027" y="789902"/>
-              <a:ext cx="295200" cy="295200"/>
-            </a:xfrm>
-            <a:prstGeom prst="rect">
-              <a:avLst/>
-            </a:prstGeom>
-            <a:grpFill/>
-          </p:spPr>
-        </p:pic>
-        <p:pic>
-          <p:nvPicPr>
-            <p:cNvPr id="129" name="图片 128">
-              <a:extLst>
-                <a:ext uri="{FF2B5EF4-FFF2-40B4-BE49-F238E27FC236}">
-                  <a16:creationId xmlns:a16="http://schemas.microsoft.com/office/drawing/2014/main" id="{5540CF0A-C34C-4DFA-B145-9B5B2CBC5904}"/>
-                </a:ext>
-              </a:extLst>
-            </p:cNvPr>
-            <p:cNvPicPr>
-              <a:picLocks noChangeAspect="1"/>
-            </p:cNvPicPr>
-            <p:nvPr/>
-          </p:nvPicPr>
-          <p:blipFill>
-            <a:blip r:embed="rId5" cstate="print">
-              <a:extLst>
-                <a:ext uri="{28A0092B-C50C-407E-A947-70E740481C1C}">
-                  <a14:useLocalDpi xmlns:a14="http://schemas.microsoft.com/office/drawing/2010/main" val="0"/>
-                </a:ext>
-              </a:extLst>
-            </a:blip>
-            <a:stretch>
-              <a:fillRect/>
-            </a:stretch>
-          </p:blipFill>
-          <p:spPr>
-            <a:xfrm flipH="1">
-              <a:off x="6355596" y="789902"/>
-              <a:ext cx="295200" cy="295200"/>
-            </a:xfrm>
-            <a:prstGeom prst="rect">
-              <a:avLst/>
-            </a:prstGeom>
-            <a:grpFill/>
-          </p:spPr>
-        </p:pic>
-        <p:pic>
-          <p:nvPicPr>
-            <p:cNvPr id="130" name="图片 129">
-              <a:extLst>
-                <a:ext uri="{FF2B5EF4-FFF2-40B4-BE49-F238E27FC236}">
-                  <a16:creationId xmlns:a16="http://schemas.microsoft.com/office/drawing/2014/main" id="{CFB94579-4C48-478D-975C-B563B534C615}"/>
-                </a:ext>
-              </a:extLst>
-            </p:cNvPr>
-            <p:cNvPicPr>
-              <a:picLocks noChangeAspect="1"/>
-            </p:cNvPicPr>
-            <p:nvPr/>
-          </p:nvPicPr>
-          <p:blipFill>
-            <a:blip r:embed="rId5" cstate="print">
-              <a:extLst>
-                <a:ext uri="{28A0092B-C50C-407E-A947-70E740481C1C}">
-                  <a14:useLocalDpi xmlns:a14="http://schemas.microsoft.com/office/drawing/2010/main" val="0"/>
-                </a:ext>
-              </a:extLst>
-            </a:blip>
-            <a:stretch>
-              <a:fillRect/>
-            </a:stretch>
-          </p:blipFill>
-          <p:spPr>
-            <a:xfrm flipH="1">
-              <a:off x="6936457" y="789902"/>
-              <a:ext cx="295200" cy="295200"/>
-            </a:xfrm>
-            <a:prstGeom prst="rect">
-              <a:avLst/>
-            </a:prstGeom>
-            <a:grpFill/>
-          </p:spPr>
-        </p:pic>
-      </p:grpSp>
       <p:sp>
         <p:nvSpPr>
           <p:cNvPr id="142" name="矩形 141">
@@ -9594,124 +10034,14 @@
           </p:cNvPr>
           <p:cNvCxnSpPr>
             <a:cxnSpLocks/>
-            <a:endCxn id="144" idx="1"/>
+            <a:endCxn id="108" idx="1"/>
           </p:cNvCxnSpPr>
           <p:nvPr/>
         </p:nvCxnSpPr>
         <p:spPr>
           <a:xfrm>
             <a:off x="4967578" y="1326583"/>
-            <a:ext cx="576911" cy="0"/>
-          </a:xfrm>
-          <a:prstGeom prst="straightConnector1">
-            <a:avLst/>
-          </a:prstGeom>
-          <a:ln w="28575">
-            <a:solidFill>
-              <a:schemeClr val="accent5"/>
-            </a:solidFill>
-            <a:prstDash val="lgDashDot"/>
-            <a:headEnd type="none" w="med" len="med"/>
-            <a:tailEnd type="triangle"/>
-          </a:ln>
-        </p:spPr>
-        <p:style>
-          <a:lnRef idx="3">
-            <a:schemeClr val="dk1"/>
-          </a:lnRef>
-          <a:fillRef idx="0">
-            <a:schemeClr val="dk1"/>
-          </a:fillRef>
-          <a:effectRef idx="2">
-            <a:schemeClr val="dk1"/>
-          </a:effectRef>
-          <a:fontRef idx="minor">
-            <a:schemeClr val="tx1"/>
-          </a:fontRef>
-        </p:style>
-      </p:cxnSp>
-      <p:sp>
-        <p:nvSpPr>
-          <p:cNvPr id="144" name="矩形 143">
-            <a:extLst>
-              <a:ext uri="{FF2B5EF4-FFF2-40B4-BE49-F238E27FC236}">
-                <a16:creationId xmlns:a16="http://schemas.microsoft.com/office/drawing/2014/main" id="{2D935B3F-65AF-4663-8A62-F22F6F3D1045}"/>
-              </a:ext>
-            </a:extLst>
-          </p:cNvPr>
-          <p:cNvSpPr/>
-          <p:nvPr/>
-        </p:nvSpPr>
-        <p:spPr>
-          <a:xfrm>
-            <a:off x="5544489" y="1140385"/>
-            <a:ext cx="1939019" cy="372395"/>
-          </a:xfrm>
-          <a:prstGeom prst="rect">
-            <a:avLst/>
-          </a:prstGeom>
-          <a:solidFill>
-            <a:schemeClr val="bg1"/>
-          </a:solidFill>
-          <a:ln w="28575">
-            <a:solidFill>
-              <a:schemeClr val="accent5"/>
-            </a:solidFill>
-            <a:prstDash val="solid"/>
-          </a:ln>
-        </p:spPr>
-        <p:style>
-          <a:lnRef idx="2">
-            <a:schemeClr val="accent1">
-              <a:shade val="50000"/>
-            </a:schemeClr>
-          </a:lnRef>
-          <a:fillRef idx="1">
-            <a:schemeClr val="accent1"/>
-          </a:fillRef>
-          <a:effectRef idx="0">
-            <a:schemeClr val="accent1"/>
-          </a:effectRef>
-          <a:fontRef idx="minor">
-            <a:schemeClr val="lt1"/>
-          </a:fontRef>
-        </p:style>
-        <p:txBody>
-          <a:bodyPr rtlCol="0" anchor="ctr"/>
-          <a:lstStyle/>
-          <a:p>
-            <a:pPr algn="ctr"/>
-            <a:r>
-              <a:rPr lang="zh-CN" altLang="en-US" dirty="0">
-                <a:solidFill>
-                  <a:schemeClr val="accent5"/>
-                </a:solidFill>
-              </a:rPr>
-              <a:t>应用数据</a:t>
-            </a:r>
-          </a:p>
-        </p:txBody>
-      </p:sp>
-      <p:cxnSp>
-        <p:nvCxnSpPr>
-          <p:cNvPr id="145" name="直接箭头连接符 144">
-            <a:extLst>
-              <a:ext uri="{FF2B5EF4-FFF2-40B4-BE49-F238E27FC236}">
-                <a16:creationId xmlns:a16="http://schemas.microsoft.com/office/drawing/2014/main" id="{2A1E6060-9416-473E-97A8-86A53ADD2BD3}"/>
-              </a:ext>
-            </a:extLst>
-          </p:cNvPr>
-          <p:cNvCxnSpPr>
-            <a:cxnSpLocks/>
-            <a:stCxn id="144" idx="3"/>
-            <a:endCxn id="108" idx="1"/>
-          </p:cNvCxnSpPr>
-          <p:nvPr/>
-        </p:nvCxnSpPr>
-        <p:spPr>
-          <a:xfrm>
-            <a:off x="7483508" y="1326583"/>
-            <a:ext cx="859222" cy="0"/>
+            <a:ext cx="3375152" cy="0"/>
           </a:xfrm>
           <a:prstGeom prst="straightConnector1">
             <a:avLst/>
@@ -10012,7 +10342,7 @@
             <p:nvPr/>
           </p:nvPicPr>
           <p:blipFill>
-            <a:blip r:embed="rId6" cstate="print">
+            <a:blip r:embed="rId5" cstate="print">
               <a:extLst>
                 <a:ext uri="{28A0092B-C50C-407E-A947-70E740481C1C}">
                   <a14:useLocalDpi xmlns:a14="http://schemas.microsoft.com/office/drawing/2010/main" val="0"/>
@@ -10051,7 +10381,7 @@
             <p:nvPr/>
           </p:nvPicPr>
           <p:blipFill>
-            <a:blip r:embed="rId7" cstate="print">
+            <a:blip r:embed="rId6" cstate="print">
               <a:extLst>
                 <a:ext uri="{28A0092B-C50C-407E-A947-70E740481C1C}">
                   <a14:useLocalDpi xmlns:a14="http://schemas.microsoft.com/office/drawing/2010/main" val="0"/>
@@ -10090,7 +10420,7 @@
             <p:nvPr/>
           </p:nvPicPr>
           <p:blipFill>
-            <a:blip r:embed="rId8" cstate="print">
+            <a:blip r:embed="rId7" cstate="print">
               <a:extLst>
                 <a:ext uri="{28A0092B-C50C-407E-A947-70E740481C1C}">
                   <a14:useLocalDpi xmlns:a14="http://schemas.microsoft.com/office/drawing/2010/main" val="0"/>
@@ -10129,7 +10459,7 @@
             <p:nvPr/>
           </p:nvPicPr>
           <p:blipFill>
-            <a:blip r:embed="rId9" cstate="print">
+            <a:blip r:embed="rId8" cstate="print">
               <a:extLst>
                 <a:ext uri="{28A0092B-C50C-407E-A947-70E740481C1C}">
                   <a14:useLocalDpi xmlns:a14="http://schemas.microsoft.com/office/drawing/2010/main" val="0"/>
@@ -10168,7 +10498,7 @@
             <p:nvPr/>
           </p:nvPicPr>
           <p:blipFill rotWithShape="1">
-            <a:blip r:embed="rId10" cstate="print">
+            <a:blip r:embed="rId9" cstate="print">
               <a:extLst>
                 <a:ext uri="{28A0092B-C50C-407E-A947-70E740481C1C}">
                   <a14:useLocalDpi xmlns:a14="http://schemas.microsoft.com/office/drawing/2010/main" val="0"/>
@@ -10468,7 +10798,7 @@
             <p:nvPr/>
           </p:nvPicPr>
           <p:blipFill>
-            <a:blip r:embed="rId5" cstate="print">
+            <a:blip r:embed="rId10" cstate="print">
               <a:extLst>
                 <a:ext uri="{28A0092B-C50C-407E-A947-70E740481C1C}">
                   <a14:useLocalDpi xmlns:a14="http://schemas.microsoft.com/office/drawing/2010/main" val="0"/>
@@ -10505,7 +10835,7 @@
             <p:nvPr/>
           </p:nvPicPr>
           <p:blipFill>
-            <a:blip r:embed="rId5" cstate="print">
+            <a:blip r:embed="rId10" cstate="print">
               <a:extLst>
                 <a:ext uri="{28A0092B-C50C-407E-A947-70E740481C1C}">
                   <a14:useLocalDpi xmlns:a14="http://schemas.microsoft.com/office/drawing/2010/main" val="0"/>
@@ -10542,7 +10872,7 @@
             <p:nvPr/>
           </p:nvPicPr>
           <p:blipFill>
-            <a:blip r:embed="rId5" cstate="print">
+            <a:blip r:embed="rId10" cstate="print">
               <a:extLst>
                 <a:ext uri="{28A0092B-C50C-407E-A947-70E740481C1C}">
                   <a14:useLocalDpi xmlns:a14="http://schemas.microsoft.com/office/drawing/2010/main" val="0"/>
@@ -10579,7 +10909,7 @@
             <p:nvPr/>
           </p:nvPicPr>
           <p:blipFill>
-            <a:blip r:embed="rId5" cstate="print">
+            <a:blip r:embed="rId10" cstate="print">
               <a:extLst>
                 <a:ext uri="{28A0092B-C50C-407E-A947-70E740481C1C}">
                   <a14:useLocalDpi xmlns:a14="http://schemas.microsoft.com/office/drawing/2010/main" val="0"/>
@@ -10616,7 +10946,7 @@
             <p:nvPr/>
           </p:nvPicPr>
           <p:blipFill>
-            <a:blip r:embed="rId5" cstate="print">
+            <a:blip r:embed="rId10" cstate="print">
               <a:extLst>
                 <a:ext uri="{28A0092B-C50C-407E-A947-70E740481C1C}">
                   <a14:useLocalDpi xmlns:a14="http://schemas.microsoft.com/office/drawing/2010/main" val="0"/>
@@ -10653,7 +10983,7 @@
         </p:nvSpPr>
         <p:spPr>
           <a:xfrm>
-            <a:off x="3062180" y="3627037"/>
+            <a:off x="7778445" y="3664686"/>
             <a:ext cx="1346666" cy="318744"/>
           </a:xfrm>
           <a:prstGeom prst="rect">
@@ -10908,7 +11238,23 @@
                   <a:schemeClr val="tx1"/>
                 </a:solidFill>
               </a:rPr>
-              <a:t>持有官方证书的应用样本</a:t>
+              <a:t>持有官方证书</a:t>
+            </a:r>
+            <a:endParaRPr lang="en-US" altLang="zh-CN" sz="1400" dirty="0">
+              <a:solidFill>
+                <a:schemeClr val="tx1"/>
+              </a:solidFill>
+            </a:endParaRPr>
+          </a:p>
+          <a:p>
+            <a:pPr algn="ctr"/>
+            <a:r>
+              <a:rPr lang="zh-CN" altLang="en-US" sz="1400" dirty="0">
+                <a:solidFill>
+                  <a:schemeClr val="tx1"/>
+                </a:solidFill>
+              </a:rPr>
+              <a:t>的应用</a:t>
             </a:r>
           </a:p>
         </p:txBody>
@@ -11050,10 +11396,10 @@
       </p:sp>
       <p:grpSp>
         <p:nvGrpSpPr>
-          <p:cNvPr id="231" name="组合 230">
+          <p:cNvPr id="2" name="组合 1">
             <a:extLst>
               <a:ext uri="{FF2B5EF4-FFF2-40B4-BE49-F238E27FC236}">
-                <a16:creationId xmlns:a16="http://schemas.microsoft.com/office/drawing/2014/main" id="{C7FDC3FD-7734-4E55-9520-79D89EF89009}"/>
+                <a16:creationId xmlns:a16="http://schemas.microsoft.com/office/drawing/2014/main" id="{3BDA039D-BCBE-49DA-9EE4-78F79CD5943C}"/>
               </a:ext>
             </a:extLst>
           </p:cNvPr>
@@ -11062,21 +11408,18 @@
         </p:nvGrpSpPr>
         <p:grpSpPr>
           <a:xfrm>
-            <a:off x="7348816" y="3698206"/>
-            <a:ext cx="1948288" cy="295200"/>
-            <a:chOff x="7348816" y="3650581"/>
-            <a:chExt cx="1948288" cy="295200"/>
+            <a:off x="3585965" y="3212689"/>
+            <a:ext cx="1948288" cy="770741"/>
+            <a:chOff x="7348816" y="3222665"/>
+            <a:chExt cx="1948288" cy="770741"/>
           </a:xfrm>
-          <a:solidFill>
-            <a:schemeClr val="bg1"/>
-          </a:solidFill>
         </p:grpSpPr>
         <p:grpSp>
           <p:nvGrpSpPr>
-            <p:cNvPr id="229" name="组合 228">
+            <p:cNvPr id="231" name="组合 230">
               <a:extLst>
                 <a:ext uri="{FF2B5EF4-FFF2-40B4-BE49-F238E27FC236}">
-                  <a16:creationId xmlns:a16="http://schemas.microsoft.com/office/drawing/2014/main" id="{9B00A8A8-C810-455C-A2E2-B61FF8A836D9}"/>
+                  <a16:creationId xmlns:a16="http://schemas.microsoft.com/office/drawing/2014/main" id="{C7FDC3FD-7734-4E55-9520-79D89EF89009}"/>
                 </a:ext>
               </a:extLst>
             </p:cNvPr>
@@ -11085,19 +11428,327 @@
           </p:nvGrpSpPr>
           <p:grpSpPr>
             <a:xfrm>
-              <a:off x="7348816" y="3650581"/>
-              <a:ext cx="565142" cy="295200"/>
-              <a:chOff x="8909620" y="1934602"/>
-              <a:chExt cx="565142" cy="295200"/>
+              <a:off x="7348816" y="3698206"/>
+              <a:ext cx="1948288" cy="295200"/>
+              <a:chOff x="7348816" y="3650581"/>
+              <a:chExt cx="1948288" cy="295200"/>
+            </a:xfrm>
+            <a:solidFill>
+              <a:schemeClr val="bg1"/>
+            </a:solidFill>
+          </p:grpSpPr>
+          <p:grpSp>
+            <p:nvGrpSpPr>
+              <p:cNvPr id="229" name="组合 228">
+                <a:extLst>
+                  <a:ext uri="{FF2B5EF4-FFF2-40B4-BE49-F238E27FC236}">
+                    <a16:creationId xmlns:a16="http://schemas.microsoft.com/office/drawing/2014/main" id="{9B00A8A8-C810-455C-A2E2-B61FF8A836D9}"/>
+                  </a:ext>
+                </a:extLst>
+              </p:cNvPr>
+              <p:cNvGrpSpPr/>
+              <p:nvPr/>
+            </p:nvGrpSpPr>
+            <p:grpSpPr>
+              <a:xfrm>
+                <a:off x="7348816" y="3650581"/>
+                <a:ext cx="565142" cy="295200"/>
+                <a:chOff x="8909620" y="1934602"/>
+                <a:chExt cx="565142" cy="295200"/>
+              </a:xfrm>
+              <a:grpFill/>
+            </p:grpSpPr>
+            <p:pic>
+              <p:nvPicPr>
+                <p:cNvPr id="227" name="图片 226">
+                  <a:extLst>
+                    <a:ext uri="{FF2B5EF4-FFF2-40B4-BE49-F238E27FC236}">
+                      <a16:creationId xmlns:a16="http://schemas.microsoft.com/office/drawing/2014/main" id="{9FCF9736-F568-4F7E-950F-E1FCAF6A3D89}"/>
+                    </a:ext>
+                  </a:extLst>
+                </p:cNvPr>
+                <p:cNvPicPr>
+                  <a:picLocks noChangeAspect="1"/>
+                </p:cNvPicPr>
+                <p:nvPr/>
+              </p:nvPicPr>
+              <p:blipFill>
+                <a:blip r:embed="rId10" cstate="print">
+                  <a:extLst>
+                    <a:ext uri="{28A0092B-C50C-407E-A947-70E740481C1C}">
+                      <a14:useLocalDpi xmlns:a14="http://schemas.microsoft.com/office/drawing/2010/main" val="0"/>
+                    </a:ext>
+                  </a:extLst>
+                </a:blip>
+                <a:stretch>
+                  <a:fillRect/>
+                </a:stretch>
+              </p:blipFill>
+              <p:spPr>
+                <a:xfrm flipH="1">
+                  <a:off x="8909620" y="1934602"/>
+                  <a:ext cx="295200" cy="295200"/>
+                </a:xfrm>
+                <a:prstGeom prst="rect">
+                  <a:avLst/>
+                </a:prstGeom>
+                <a:grpFill/>
+              </p:spPr>
+            </p:pic>
+            <p:pic>
+              <p:nvPicPr>
+                <p:cNvPr id="228" name="图片 227">
+                  <a:extLst>
+                    <a:ext uri="{FF2B5EF4-FFF2-40B4-BE49-F238E27FC236}">
+                      <a16:creationId xmlns:a16="http://schemas.microsoft.com/office/drawing/2014/main" id="{E6CBFA14-66E1-4B9E-A429-FDA12BE2F975}"/>
+                    </a:ext>
+                  </a:extLst>
+                </p:cNvPr>
+                <p:cNvPicPr>
+                  <a:picLocks noChangeAspect="1"/>
+                </p:cNvPicPr>
+                <p:nvPr/>
+              </p:nvPicPr>
+              <p:blipFill>
+                <a:blip r:embed="rId10" cstate="print">
+                  <a:extLst>
+                    <a:ext uri="{28A0092B-C50C-407E-A947-70E740481C1C}">
+                      <a14:useLocalDpi xmlns:a14="http://schemas.microsoft.com/office/drawing/2010/main" val="0"/>
+                    </a:ext>
+                  </a:extLst>
+                </a:blip>
+                <a:stretch>
+                  <a:fillRect/>
+                </a:stretch>
+              </p:blipFill>
+              <p:spPr>
+                <a:xfrm flipH="1">
+                  <a:off x="9179562" y="1934602"/>
+                  <a:ext cx="295200" cy="295200"/>
+                </a:xfrm>
+                <a:prstGeom prst="rect">
+                  <a:avLst/>
+                </a:prstGeom>
+                <a:grpFill/>
+              </p:spPr>
+            </p:pic>
+          </p:grpSp>
+          <p:sp>
+            <p:nvSpPr>
+              <p:cNvPr id="230" name="矩形 229">
+                <a:extLst>
+                  <a:ext uri="{FF2B5EF4-FFF2-40B4-BE49-F238E27FC236}">
+                    <a16:creationId xmlns:a16="http://schemas.microsoft.com/office/drawing/2014/main" id="{38EAECC0-CCB3-4750-9EC2-260B1A1693AD}"/>
+                  </a:ext>
+                </a:extLst>
+              </p:cNvPr>
+              <p:cNvSpPr/>
+              <p:nvPr/>
+            </p:nvSpPr>
+            <p:spPr>
+              <a:xfrm>
+                <a:off x="7923666" y="3656683"/>
+                <a:ext cx="1373438" cy="242955"/>
+              </a:xfrm>
+              <a:prstGeom prst="rect">
+                <a:avLst/>
+              </a:prstGeom>
+              <a:grpFill/>
+              <a:ln w="57150">
+                <a:noFill/>
+                <a:prstDash val="lgDash"/>
+              </a:ln>
+            </p:spPr>
+            <p:style>
+              <a:lnRef idx="2">
+                <a:schemeClr val="accent1">
+                  <a:shade val="50000"/>
+                </a:schemeClr>
+              </a:lnRef>
+              <a:fillRef idx="1">
+                <a:schemeClr val="accent1"/>
+              </a:fillRef>
+              <a:effectRef idx="0">
+                <a:schemeClr val="accent1"/>
+              </a:effectRef>
+              <a:fontRef idx="minor">
+                <a:schemeClr val="lt1"/>
+              </a:fontRef>
+            </p:style>
+            <p:txBody>
+              <a:bodyPr rtlCol="0" anchor="ctr"/>
+              <a:lstStyle/>
+              <a:p>
+                <a:pPr algn="ctr"/>
+                <a:r>
+                  <a:rPr lang="zh-CN" altLang="en-US" sz="1400" dirty="0">
+                    <a:solidFill>
+                      <a:schemeClr val="tx1"/>
+                    </a:solidFill>
+                  </a:rPr>
+                  <a:t>正版应用数据</a:t>
+                </a:r>
+              </a:p>
+            </p:txBody>
+          </p:sp>
+        </p:grpSp>
+        <p:cxnSp>
+          <p:nvCxnSpPr>
+            <p:cNvPr id="232" name="直接箭头连接符 231">
+              <a:extLst>
+                <a:ext uri="{FF2B5EF4-FFF2-40B4-BE49-F238E27FC236}">
+                  <a16:creationId xmlns:a16="http://schemas.microsoft.com/office/drawing/2014/main" id="{0CBFD6A4-7719-4C83-BB40-C8ECB7900A08}"/>
+                </a:ext>
+              </a:extLst>
+            </p:cNvPr>
+            <p:cNvCxnSpPr>
+              <a:cxnSpLocks/>
+            </p:cNvCxnSpPr>
+            <p:nvPr/>
+          </p:nvCxnSpPr>
+          <p:spPr>
+            <a:xfrm flipH="1" flipV="1">
+              <a:off x="7570010" y="3222665"/>
+              <a:ext cx="2365" cy="406360"/>
+            </a:xfrm>
+            <a:prstGeom prst="straightConnector1">
+              <a:avLst/>
+            </a:prstGeom>
+            <a:ln w="28575">
+              <a:solidFill>
+                <a:srgbClr val="C00000"/>
+              </a:solidFill>
+              <a:prstDash val="solid"/>
+              <a:headEnd type="none" w="med" len="med"/>
+              <a:tailEnd type="triangle"/>
+            </a:ln>
+          </p:spPr>
+          <p:style>
+            <a:lnRef idx="3">
+              <a:schemeClr val="dk1"/>
+            </a:lnRef>
+            <a:fillRef idx="0">
+              <a:schemeClr val="dk1"/>
+            </a:fillRef>
+            <a:effectRef idx="2">
+              <a:schemeClr val="dk1"/>
+            </a:effectRef>
+            <a:fontRef idx="minor">
+              <a:schemeClr val="tx1"/>
+            </a:fontRef>
+          </p:style>
+        </p:cxnSp>
+      </p:grpSp>
+      <p:sp>
+        <p:nvSpPr>
+          <p:cNvPr id="66" name="矩形 65">
+            <a:extLst>
+              <a:ext uri="{FF2B5EF4-FFF2-40B4-BE49-F238E27FC236}">
+                <a16:creationId xmlns:a16="http://schemas.microsoft.com/office/drawing/2014/main" id="{3A39C45B-D865-4680-A88C-B8B7B6623B26}"/>
+              </a:ext>
+            </a:extLst>
+          </p:cNvPr>
+          <p:cNvSpPr/>
+          <p:nvPr/>
+        </p:nvSpPr>
+        <p:spPr>
+          <a:xfrm>
+            <a:off x="5767501" y="1606125"/>
+            <a:ext cx="1491790" cy="242955"/>
+          </a:xfrm>
+          <a:prstGeom prst="rect">
+            <a:avLst/>
+          </a:prstGeom>
+          <a:solidFill>
+            <a:schemeClr val="bg1"/>
+          </a:solidFill>
+          <a:ln w="57150">
+            <a:noFill/>
+            <a:prstDash val="lgDash"/>
+          </a:ln>
+        </p:spPr>
+        <p:style>
+          <a:lnRef idx="2">
+            <a:schemeClr val="accent1">
+              <a:shade val="50000"/>
+            </a:schemeClr>
+          </a:lnRef>
+          <a:fillRef idx="1">
+            <a:schemeClr val="accent1"/>
+          </a:fillRef>
+          <a:effectRef idx="0">
+            <a:schemeClr val="accent1"/>
+          </a:effectRef>
+          <a:fontRef idx="minor">
+            <a:schemeClr val="lt1"/>
+          </a:fontRef>
+        </p:style>
+        <p:txBody>
+          <a:bodyPr rtlCol="0" anchor="ctr"/>
+          <a:lstStyle/>
+          <a:p>
+            <a:pPr algn="ctr"/>
+            <a:r>
+              <a:rPr lang="zh-CN" altLang="en-US" sz="1400" dirty="0">
+                <a:solidFill>
+                  <a:schemeClr val="tx1"/>
+                </a:solidFill>
+              </a:rPr>
+              <a:t>应用数据</a:t>
+            </a:r>
+          </a:p>
+        </p:txBody>
+      </p:sp>
+      <p:grpSp>
+        <p:nvGrpSpPr>
+          <p:cNvPr id="16" name="组合 15">
+            <a:extLst>
+              <a:ext uri="{FF2B5EF4-FFF2-40B4-BE49-F238E27FC236}">
+                <a16:creationId xmlns:a16="http://schemas.microsoft.com/office/drawing/2014/main" id="{63A7B5DD-25BA-4A60-B5F3-E33A13A8BB76}"/>
+              </a:ext>
+            </a:extLst>
+          </p:cNvPr>
+          <p:cNvGrpSpPr/>
+          <p:nvPr/>
+        </p:nvGrpSpPr>
+        <p:grpSpPr>
+          <a:xfrm>
+            <a:off x="5767501" y="987462"/>
+            <a:ext cx="1456923" cy="590285"/>
+            <a:chOff x="5774734" y="494817"/>
+            <a:chExt cx="1456923" cy="590285"/>
+          </a:xfrm>
+          <a:solidFill>
+            <a:schemeClr val="bg1"/>
+          </a:solidFill>
+        </p:grpSpPr>
+        <p:grpSp>
+          <p:nvGrpSpPr>
+            <p:cNvPr id="119" name="组合 118">
+              <a:extLst>
+                <a:ext uri="{FF2B5EF4-FFF2-40B4-BE49-F238E27FC236}">
+                  <a16:creationId xmlns:a16="http://schemas.microsoft.com/office/drawing/2014/main" id="{89B27CA3-E9C8-4EC2-A5BA-8DCE6D9AAA75}"/>
+                </a:ext>
+              </a:extLst>
+            </p:cNvPr>
+            <p:cNvGrpSpPr/>
+            <p:nvPr/>
+          </p:nvGrpSpPr>
+          <p:grpSpPr>
+            <a:xfrm>
+              <a:off x="5921905" y="494817"/>
+              <a:ext cx="1162152" cy="295086"/>
+              <a:chOff x="10333001" y="1215606"/>
+              <a:chExt cx="1162152" cy="295086"/>
             </a:xfrm>
             <a:grpFill/>
           </p:grpSpPr>
           <p:pic>
             <p:nvPicPr>
-              <p:cNvPr id="227" name="图片 226">
+              <p:cNvPr id="120" name="图片 119">
                 <a:extLst>
                   <a:ext uri="{FF2B5EF4-FFF2-40B4-BE49-F238E27FC236}">
-                    <a16:creationId xmlns:a16="http://schemas.microsoft.com/office/drawing/2014/main" id="{9FCF9736-F568-4F7E-950F-E1FCAF6A3D89}"/>
+                    <a16:creationId xmlns:a16="http://schemas.microsoft.com/office/drawing/2014/main" id="{B496635B-CEB2-47CA-9BE5-9769FF985F09}"/>
                   </a:ext>
                 </a:extLst>
               </p:cNvPr>
@@ -11107,7 +11758,7 @@
               <p:nvPr/>
             </p:nvPicPr>
             <p:blipFill>
-              <a:blip r:embed="rId5" cstate="print">
+              <a:blip r:embed="rId4" cstate="print">
                 <a:extLst>
                   <a:ext uri="{28A0092B-C50C-407E-A947-70E740481C1C}">
                     <a14:useLocalDpi xmlns:a14="http://schemas.microsoft.com/office/drawing/2010/main" val="0"/>
@@ -11120,21 +11771,24 @@
             </p:blipFill>
             <p:spPr>
               <a:xfrm flipH="1">
-                <a:off x="8909620" y="1934602"/>
-                <a:ext cx="295200" cy="295200"/>
+                <a:off x="10622023" y="1215607"/>
+                <a:ext cx="295085" cy="295085"/>
               </a:xfrm>
               <a:prstGeom prst="rect">
                 <a:avLst/>
               </a:prstGeom>
               <a:grpFill/>
+              <a:ln>
+                <a:noFill/>
+              </a:ln>
             </p:spPr>
           </p:pic>
           <p:pic>
             <p:nvPicPr>
-              <p:cNvPr id="228" name="图片 227">
+              <p:cNvPr id="121" name="图片 120">
                 <a:extLst>
                   <a:ext uri="{FF2B5EF4-FFF2-40B4-BE49-F238E27FC236}">
-                    <a16:creationId xmlns:a16="http://schemas.microsoft.com/office/drawing/2014/main" id="{E6CBFA14-66E1-4B9E-A429-FDA12BE2F975}"/>
+                    <a16:creationId xmlns:a16="http://schemas.microsoft.com/office/drawing/2014/main" id="{1D2EE463-3600-466C-BB9E-E5E8F32E23A9}"/>
                   </a:ext>
                 </a:extLst>
               </p:cNvPr>
@@ -11144,7 +11798,7 @@
               <p:nvPr/>
             </p:nvPicPr>
             <p:blipFill>
-              <a:blip r:embed="rId5" cstate="print">
+              <a:blip r:embed="rId4" cstate="print">
                 <a:extLst>
                   <a:ext uri="{28A0092B-C50C-407E-A947-70E740481C1C}">
                     <a14:useLocalDpi xmlns:a14="http://schemas.microsoft.com/office/drawing/2010/main" val="0"/>
@@ -11157,7 +11811,2312 @@
             </p:blipFill>
             <p:spPr>
               <a:xfrm flipH="1">
-                <a:off x="9179562" y="1934602"/>
+                <a:off x="10333001" y="1215607"/>
+                <a:ext cx="295085" cy="295085"/>
+              </a:xfrm>
+              <a:prstGeom prst="rect">
+                <a:avLst/>
+              </a:prstGeom>
+              <a:grpFill/>
+              <a:ln>
+                <a:noFill/>
+              </a:ln>
+            </p:spPr>
+          </p:pic>
+          <p:pic>
+            <p:nvPicPr>
+              <p:cNvPr id="122" name="图片 121">
+                <a:extLst>
+                  <a:ext uri="{FF2B5EF4-FFF2-40B4-BE49-F238E27FC236}">
+                    <a16:creationId xmlns:a16="http://schemas.microsoft.com/office/drawing/2014/main" id="{336AB377-7FB6-48AF-A3DE-23273EE8389F}"/>
+                  </a:ext>
+                </a:extLst>
+              </p:cNvPr>
+              <p:cNvPicPr>
+                <a:picLocks noChangeAspect="1"/>
+              </p:cNvPicPr>
+              <p:nvPr/>
+            </p:nvPicPr>
+            <p:blipFill>
+              <a:blip r:embed="rId4" cstate="print">
+                <a:extLst>
+                  <a:ext uri="{28A0092B-C50C-407E-A947-70E740481C1C}">
+                    <a14:useLocalDpi xmlns:a14="http://schemas.microsoft.com/office/drawing/2010/main" val="0"/>
+                  </a:ext>
+                </a:extLst>
+              </a:blip>
+              <a:stretch>
+                <a:fillRect/>
+              </a:stretch>
+            </p:blipFill>
+            <p:spPr>
+              <a:xfrm flipH="1">
+                <a:off x="11200068" y="1215606"/>
+                <a:ext cx="295085" cy="295085"/>
+              </a:xfrm>
+              <a:prstGeom prst="rect">
+                <a:avLst/>
+              </a:prstGeom>
+              <a:grpFill/>
+              <a:ln>
+                <a:noFill/>
+              </a:ln>
+            </p:spPr>
+          </p:pic>
+          <p:pic>
+            <p:nvPicPr>
+              <p:cNvPr id="123" name="图片 122">
+                <a:extLst>
+                  <a:ext uri="{FF2B5EF4-FFF2-40B4-BE49-F238E27FC236}">
+                    <a16:creationId xmlns:a16="http://schemas.microsoft.com/office/drawing/2014/main" id="{98718E4E-2318-4CA5-A0DC-DDF388C04D8C}"/>
+                  </a:ext>
+                </a:extLst>
+              </p:cNvPr>
+              <p:cNvPicPr>
+                <a:picLocks noChangeAspect="1"/>
+              </p:cNvPicPr>
+              <p:nvPr/>
+            </p:nvPicPr>
+            <p:blipFill>
+              <a:blip r:embed="rId4" cstate="print">
+                <a:extLst>
+                  <a:ext uri="{28A0092B-C50C-407E-A947-70E740481C1C}">
+                    <a14:useLocalDpi xmlns:a14="http://schemas.microsoft.com/office/drawing/2010/main" val="0"/>
+                  </a:ext>
+                </a:extLst>
+              </a:blip>
+              <a:stretch>
+                <a:fillRect/>
+              </a:stretch>
+            </p:blipFill>
+            <p:spPr>
+              <a:xfrm flipH="1">
+                <a:off x="10911045" y="1215606"/>
+                <a:ext cx="295085" cy="295085"/>
+              </a:xfrm>
+              <a:prstGeom prst="rect">
+                <a:avLst/>
+              </a:prstGeom>
+              <a:grpFill/>
+              <a:ln>
+                <a:noFill/>
+              </a:ln>
+            </p:spPr>
+          </p:pic>
+        </p:grpSp>
+        <p:pic>
+          <p:nvPicPr>
+            <p:cNvPr id="126" name="图片 125">
+              <a:extLst>
+                <a:ext uri="{FF2B5EF4-FFF2-40B4-BE49-F238E27FC236}">
+                  <a16:creationId xmlns:a16="http://schemas.microsoft.com/office/drawing/2014/main" id="{1FCCC886-C2F9-4C7B-AF4C-72F8E9A5A589}"/>
+                </a:ext>
+              </a:extLst>
+            </p:cNvPr>
+            <p:cNvPicPr>
+              <a:picLocks noChangeAspect="1"/>
+            </p:cNvPicPr>
+            <p:nvPr/>
+          </p:nvPicPr>
+          <p:blipFill>
+            <a:blip r:embed="rId10" cstate="print">
+              <a:extLst>
+                <a:ext uri="{28A0092B-C50C-407E-A947-70E740481C1C}">
+                  <a14:useLocalDpi xmlns:a14="http://schemas.microsoft.com/office/drawing/2010/main" val="0"/>
+                </a:ext>
+              </a:extLst>
+            </a:blip>
+            <a:stretch>
+              <a:fillRect/>
+            </a:stretch>
+          </p:blipFill>
+          <p:spPr>
+            <a:xfrm flipH="1">
+              <a:off x="5774734" y="789902"/>
+              <a:ext cx="295200" cy="295200"/>
+            </a:xfrm>
+            <a:prstGeom prst="rect">
+              <a:avLst/>
+            </a:prstGeom>
+            <a:grpFill/>
+          </p:spPr>
+        </p:pic>
+        <p:pic>
+          <p:nvPicPr>
+            <p:cNvPr id="127" name="图片 126">
+              <a:extLst>
+                <a:ext uri="{FF2B5EF4-FFF2-40B4-BE49-F238E27FC236}">
+                  <a16:creationId xmlns:a16="http://schemas.microsoft.com/office/drawing/2014/main" id="{8C5CF999-E8D7-43A9-BB37-AA859F001382}"/>
+                </a:ext>
+              </a:extLst>
+            </p:cNvPr>
+            <p:cNvPicPr>
+              <a:picLocks noChangeAspect="1"/>
+            </p:cNvPicPr>
+            <p:nvPr/>
+          </p:nvPicPr>
+          <p:blipFill>
+            <a:blip r:embed="rId10" cstate="print">
+              <a:extLst>
+                <a:ext uri="{28A0092B-C50C-407E-A947-70E740481C1C}">
+                  <a14:useLocalDpi xmlns:a14="http://schemas.microsoft.com/office/drawing/2010/main" val="0"/>
+                </a:ext>
+              </a:extLst>
+            </a:blip>
+            <a:stretch>
+              <a:fillRect/>
+            </a:stretch>
+          </p:blipFill>
+          <p:spPr>
+            <a:xfrm flipH="1">
+              <a:off x="6065165" y="789902"/>
+              <a:ext cx="295200" cy="295200"/>
+            </a:xfrm>
+            <a:prstGeom prst="rect">
+              <a:avLst/>
+            </a:prstGeom>
+            <a:grpFill/>
+          </p:spPr>
+        </p:pic>
+        <p:pic>
+          <p:nvPicPr>
+            <p:cNvPr id="128" name="图片 127">
+              <a:extLst>
+                <a:ext uri="{FF2B5EF4-FFF2-40B4-BE49-F238E27FC236}">
+                  <a16:creationId xmlns:a16="http://schemas.microsoft.com/office/drawing/2014/main" id="{C9056822-CFC6-472D-BBFA-25C337CA5C55}"/>
+                </a:ext>
+              </a:extLst>
+            </p:cNvPr>
+            <p:cNvPicPr>
+              <a:picLocks noChangeAspect="1"/>
+            </p:cNvPicPr>
+            <p:nvPr/>
+          </p:nvPicPr>
+          <p:blipFill>
+            <a:blip r:embed="rId10" cstate="print">
+              <a:extLst>
+                <a:ext uri="{28A0092B-C50C-407E-A947-70E740481C1C}">
+                  <a14:useLocalDpi xmlns:a14="http://schemas.microsoft.com/office/drawing/2010/main" val="0"/>
+                </a:ext>
+              </a:extLst>
+            </a:blip>
+            <a:stretch>
+              <a:fillRect/>
+            </a:stretch>
+          </p:blipFill>
+          <p:spPr>
+            <a:xfrm flipH="1">
+              <a:off x="6646027" y="789902"/>
+              <a:ext cx="295200" cy="295200"/>
+            </a:xfrm>
+            <a:prstGeom prst="rect">
+              <a:avLst/>
+            </a:prstGeom>
+            <a:grpFill/>
+          </p:spPr>
+        </p:pic>
+        <p:pic>
+          <p:nvPicPr>
+            <p:cNvPr id="129" name="图片 128">
+              <a:extLst>
+                <a:ext uri="{FF2B5EF4-FFF2-40B4-BE49-F238E27FC236}">
+                  <a16:creationId xmlns:a16="http://schemas.microsoft.com/office/drawing/2014/main" id="{5540CF0A-C34C-4DFA-B145-9B5B2CBC5904}"/>
+                </a:ext>
+              </a:extLst>
+            </p:cNvPr>
+            <p:cNvPicPr>
+              <a:picLocks noChangeAspect="1"/>
+            </p:cNvPicPr>
+            <p:nvPr/>
+          </p:nvPicPr>
+          <p:blipFill>
+            <a:blip r:embed="rId10" cstate="print">
+              <a:extLst>
+                <a:ext uri="{28A0092B-C50C-407E-A947-70E740481C1C}">
+                  <a14:useLocalDpi xmlns:a14="http://schemas.microsoft.com/office/drawing/2010/main" val="0"/>
+                </a:ext>
+              </a:extLst>
+            </a:blip>
+            <a:stretch>
+              <a:fillRect/>
+            </a:stretch>
+          </p:blipFill>
+          <p:spPr>
+            <a:xfrm flipH="1">
+              <a:off x="6355596" y="789902"/>
+              <a:ext cx="295200" cy="295200"/>
+            </a:xfrm>
+            <a:prstGeom prst="rect">
+              <a:avLst/>
+            </a:prstGeom>
+            <a:grpFill/>
+          </p:spPr>
+        </p:pic>
+        <p:pic>
+          <p:nvPicPr>
+            <p:cNvPr id="130" name="图片 129">
+              <a:extLst>
+                <a:ext uri="{FF2B5EF4-FFF2-40B4-BE49-F238E27FC236}">
+                  <a16:creationId xmlns:a16="http://schemas.microsoft.com/office/drawing/2014/main" id="{CFB94579-4C48-478D-975C-B563B534C615}"/>
+                </a:ext>
+              </a:extLst>
+            </p:cNvPr>
+            <p:cNvPicPr>
+              <a:picLocks noChangeAspect="1"/>
+            </p:cNvPicPr>
+            <p:nvPr/>
+          </p:nvPicPr>
+          <p:blipFill>
+            <a:blip r:embed="rId10" cstate="print">
+              <a:extLst>
+                <a:ext uri="{28A0092B-C50C-407E-A947-70E740481C1C}">
+                  <a14:useLocalDpi xmlns:a14="http://schemas.microsoft.com/office/drawing/2010/main" val="0"/>
+                </a:ext>
+              </a:extLst>
+            </a:blip>
+            <a:stretch>
+              <a:fillRect/>
+            </a:stretch>
+          </p:blipFill>
+          <p:spPr>
+            <a:xfrm flipH="1">
+              <a:off x="6936457" y="789902"/>
+              <a:ext cx="295200" cy="295200"/>
+            </a:xfrm>
+            <a:prstGeom prst="rect">
+              <a:avLst/>
+            </a:prstGeom>
+            <a:grpFill/>
+          </p:spPr>
+        </p:pic>
+      </p:grpSp>
+    </p:spTree>
+    <p:extLst>
+      <p:ext uri="{BB962C8B-B14F-4D97-AF65-F5344CB8AC3E}">
+        <p14:creationId xmlns:p14="http://schemas.microsoft.com/office/powerpoint/2010/main" val="1166616651"/>
+      </p:ext>
+    </p:extLst>
+  </p:cSld>
+  <p:clrMapOvr>
+    <a:masterClrMapping/>
+  </p:clrMapOvr>
+</p:sld>
+</file>
+
+<file path=ppt/slides/slide4.xml><?xml version="1.0" encoding="utf-8"?>
+<p:sld xmlns:a="http://schemas.openxmlformats.org/drawingml/2006/main" xmlns:r="http://schemas.openxmlformats.org/officeDocument/2006/relationships" xmlns:p="http://schemas.openxmlformats.org/presentationml/2006/main">
+  <p:cSld>
+    <p:spTree>
+      <p:nvGrpSpPr>
+        <p:cNvPr id="1" name=""/>
+        <p:cNvGrpSpPr/>
+        <p:nvPr/>
+      </p:nvGrpSpPr>
+      <p:grpSpPr>
+        <a:xfrm>
+          <a:off x="0" y="0"/>
+          <a:ext cx="0" cy="0"/>
+          <a:chOff x="0" y="0"/>
+          <a:chExt cx="0" cy="0"/>
+        </a:xfrm>
+      </p:grpSpPr>
+      <p:sp>
+        <p:nvSpPr>
+          <p:cNvPr id="124" name="矩形 123">
+            <a:extLst>
+              <a:ext uri="{FF2B5EF4-FFF2-40B4-BE49-F238E27FC236}">
+                <a16:creationId xmlns:a16="http://schemas.microsoft.com/office/drawing/2014/main" id="{6D291F6E-5D95-40E1-8C1C-776433FCF543}"/>
+              </a:ext>
+            </a:extLst>
+          </p:cNvPr>
+          <p:cNvSpPr/>
+          <p:nvPr/>
+        </p:nvSpPr>
+        <p:spPr>
+          <a:xfrm>
+            <a:off x="1364830" y="877506"/>
+            <a:ext cx="2320762" cy="242955"/>
+          </a:xfrm>
+          <a:prstGeom prst="rect">
+            <a:avLst/>
+          </a:prstGeom>
+          <a:solidFill>
+            <a:schemeClr val="bg1"/>
+          </a:solidFill>
+          <a:ln w="57150">
+            <a:noFill/>
+            <a:prstDash val="lgDash"/>
+          </a:ln>
+        </p:spPr>
+        <p:style>
+          <a:lnRef idx="2">
+            <a:schemeClr val="accent1">
+              <a:shade val="50000"/>
+            </a:schemeClr>
+          </a:lnRef>
+          <a:fillRef idx="1">
+            <a:schemeClr val="accent1"/>
+          </a:fillRef>
+          <a:effectRef idx="0">
+            <a:schemeClr val="accent1"/>
+          </a:effectRef>
+          <a:fontRef idx="minor">
+            <a:schemeClr val="lt1"/>
+          </a:fontRef>
+        </p:style>
+        <p:txBody>
+          <a:bodyPr rtlCol="0" anchor="ctr"/>
+          <a:lstStyle/>
+          <a:p>
+            <a:pPr algn="ctr"/>
+            <a:r>
+              <a:rPr lang="zh-CN" altLang="en-US" sz="1400" dirty="0">
+                <a:solidFill>
+                  <a:schemeClr val="tx1"/>
+                </a:solidFill>
+              </a:rPr>
+              <a:t>应用查询与爬取</a:t>
+            </a:r>
+          </a:p>
+        </p:txBody>
+      </p:sp>
+      <p:sp>
+        <p:nvSpPr>
+          <p:cNvPr id="91" name="矩形 90">
+            <a:extLst>
+              <a:ext uri="{FF2B5EF4-FFF2-40B4-BE49-F238E27FC236}">
+                <a16:creationId xmlns:a16="http://schemas.microsoft.com/office/drawing/2014/main" id="{18942709-C62A-4C09-96C2-3D84008BB1DB}"/>
+              </a:ext>
+            </a:extLst>
+          </p:cNvPr>
+          <p:cNvSpPr/>
+          <p:nvPr/>
+        </p:nvSpPr>
+        <p:spPr>
+          <a:xfrm>
+            <a:off x="3208297" y="1140385"/>
+            <a:ext cx="1800000" cy="372395"/>
+          </a:xfrm>
+          <a:prstGeom prst="rect">
+            <a:avLst/>
+          </a:prstGeom>
+          <a:solidFill>
+            <a:schemeClr val="bg1"/>
+          </a:solidFill>
+          <a:ln w="28575">
+            <a:solidFill>
+              <a:schemeClr val="accent6"/>
+            </a:solidFill>
+            <a:prstDash val="solid"/>
+          </a:ln>
+        </p:spPr>
+        <p:style>
+          <a:lnRef idx="2">
+            <a:schemeClr val="accent1">
+              <a:shade val="50000"/>
+            </a:schemeClr>
+          </a:lnRef>
+          <a:fillRef idx="1">
+            <a:schemeClr val="accent1"/>
+          </a:fillRef>
+          <a:effectRef idx="0">
+            <a:schemeClr val="accent1"/>
+          </a:effectRef>
+          <a:fontRef idx="minor">
+            <a:schemeClr val="lt1"/>
+          </a:fontRef>
+        </p:style>
+        <p:txBody>
+          <a:bodyPr rtlCol="0" anchor="ctr"/>
+          <a:lstStyle/>
+          <a:p>
+            <a:pPr algn="ctr"/>
+            <a:r>
+              <a:rPr lang="zh-CN" altLang="en-US" dirty="0">
+                <a:solidFill>
+                  <a:schemeClr val="accent6"/>
+                </a:solidFill>
+              </a:rPr>
+              <a:t>应用收集器</a:t>
+            </a:r>
+          </a:p>
+        </p:txBody>
+      </p:sp>
+      <p:sp>
+        <p:nvSpPr>
+          <p:cNvPr id="108" name="矩形 107">
+            <a:extLst>
+              <a:ext uri="{FF2B5EF4-FFF2-40B4-BE49-F238E27FC236}">
+                <a16:creationId xmlns:a16="http://schemas.microsoft.com/office/drawing/2014/main" id="{8D2451B4-5A7E-4456-9AEB-2140050CD8E3}"/>
+              </a:ext>
+            </a:extLst>
+          </p:cNvPr>
+          <p:cNvSpPr/>
+          <p:nvPr/>
+        </p:nvSpPr>
+        <p:spPr>
+          <a:xfrm>
+            <a:off x="8618714" y="1140385"/>
+            <a:ext cx="1800000" cy="372395"/>
+          </a:xfrm>
+          <a:prstGeom prst="rect">
+            <a:avLst/>
+          </a:prstGeom>
+          <a:solidFill>
+            <a:schemeClr val="bg1"/>
+          </a:solidFill>
+          <a:ln w="28575">
+            <a:solidFill>
+              <a:srgbClr val="EA8B00"/>
+            </a:solidFill>
+            <a:prstDash val="solid"/>
+          </a:ln>
+        </p:spPr>
+        <p:style>
+          <a:lnRef idx="2">
+            <a:schemeClr val="accent1">
+              <a:shade val="50000"/>
+            </a:schemeClr>
+          </a:lnRef>
+          <a:fillRef idx="1">
+            <a:schemeClr val="accent1"/>
+          </a:fillRef>
+          <a:effectRef idx="0">
+            <a:schemeClr val="accent1"/>
+          </a:effectRef>
+          <a:fontRef idx="minor">
+            <a:schemeClr val="lt1"/>
+          </a:fontRef>
+        </p:style>
+        <p:txBody>
+          <a:bodyPr rtlCol="0" anchor="ctr"/>
+          <a:lstStyle/>
+          <a:p>
+            <a:pPr algn="ctr"/>
+            <a:r>
+              <a:rPr lang="zh-CN" altLang="en-US" dirty="0">
+                <a:solidFill>
+                  <a:srgbClr val="EA8B00"/>
+                </a:solidFill>
+              </a:rPr>
+              <a:t>应用过滤器</a:t>
+            </a:r>
+          </a:p>
+        </p:txBody>
+      </p:sp>
+      <p:grpSp>
+        <p:nvGrpSpPr>
+          <p:cNvPr id="105" name="组合 104">
+            <a:extLst>
+              <a:ext uri="{FF2B5EF4-FFF2-40B4-BE49-F238E27FC236}">
+                <a16:creationId xmlns:a16="http://schemas.microsoft.com/office/drawing/2014/main" id="{DBE1B31D-1A01-4B7E-976F-943BE4426A96}"/>
+              </a:ext>
+            </a:extLst>
+          </p:cNvPr>
+          <p:cNvGrpSpPr/>
+          <p:nvPr/>
+        </p:nvGrpSpPr>
+        <p:grpSpPr>
+          <a:xfrm>
+            <a:off x="10390818" y="2110008"/>
+            <a:ext cx="1330823" cy="557240"/>
+            <a:chOff x="10717389" y="2110008"/>
+            <a:chExt cx="1330823" cy="557240"/>
+          </a:xfrm>
+        </p:grpSpPr>
+        <p:sp>
+          <p:nvSpPr>
+            <p:cNvPr id="225" name="矩形 224">
+              <a:extLst>
+                <a:ext uri="{FF2B5EF4-FFF2-40B4-BE49-F238E27FC236}">
+                  <a16:creationId xmlns:a16="http://schemas.microsoft.com/office/drawing/2014/main" id="{3B78E93F-B6B6-4856-B831-265439C290ED}"/>
+                </a:ext>
+              </a:extLst>
+            </p:cNvPr>
+            <p:cNvSpPr/>
+            <p:nvPr/>
+          </p:nvSpPr>
+          <p:spPr>
+            <a:xfrm>
+              <a:off x="10717389" y="2279275"/>
+              <a:ext cx="916722" cy="242955"/>
+            </a:xfrm>
+            <a:prstGeom prst="rect">
+              <a:avLst/>
+            </a:prstGeom>
+            <a:solidFill>
+              <a:schemeClr val="bg1"/>
+            </a:solidFill>
+            <a:ln w="57150">
+              <a:noFill/>
+              <a:prstDash val="lgDash"/>
+            </a:ln>
+          </p:spPr>
+          <p:style>
+            <a:lnRef idx="2">
+              <a:schemeClr val="accent1">
+                <a:shade val="50000"/>
+              </a:schemeClr>
+            </a:lnRef>
+            <a:fillRef idx="1">
+              <a:schemeClr val="accent1"/>
+            </a:fillRef>
+            <a:effectRef idx="0">
+              <a:schemeClr val="accent1"/>
+            </a:effectRef>
+            <a:fontRef idx="minor">
+              <a:schemeClr val="lt1"/>
+            </a:fontRef>
+          </p:style>
+          <p:txBody>
+            <a:bodyPr rtlCol="0" anchor="ctr"/>
+            <a:lstStyle/>
+            <a:p>
+              <a:pPr algn="ctr"/>
+              <a:r>
+                <a:rPr lang="en-US" altLang="zh-CN" sz="1400" dirty="0">
+                  <a:solidFill>
+                    <a:schemeClr val="tx1"/>
+                  </a:solidFill>
+                </a:rPr>
+                <a:t>Json</a:t>
+              </a:r>
+              <a:r>
+                <a:rPr lang="zh-CN" altLang="en-US" sz="1400" dirty="0">
+                  <a:solidFill>
+                    <a:schemeClr val="tx1"/>
+                  </a:solidFill>
+                </a:rPr>
+                <a:t>文件</a:t>
+              </a:r>
+              <a:endParaRPr lang="en-US" altLang="zh-CN" sz="1400" dirty="0">
+                <a:solidFill>
+                  <a:schemeClr val="tx1"/>
+                </a:solidFill>
+              </a:endParaRPr>
+            </a:p>
+            <a:p>
+              <a:pPr algn="r"/>
+              <a:r>
+                <a:rPr lang="zh-CN" altLang="en-US" sz="1400" dirty="0">
+                  <a:solidFill>
+                    <a:schemeClr val="tx1"/>
+                  </a:solidFill>
+                </a:rPr>
+                <a:t>（输出）</a:t>
+              </a:r>
+            </a:p>
+          </p:txBody>
+        </p:sp>
+        <p:pic>
+          <p:nvPicPr>
+            <p:cNvPr id="11" name="图片 10">
+              <a:extLst>
+                <a:ext uri="{FF2B5EF4-FFF2-40B4-BE49-F238E27FC236}">
+                  <a16:creationId xmlns:a16="http://schemas.microsoft.com/office/drawing/2014/main" id="{CA826542-93FA-41D7-89FA-26A30E787FE4}"/>
+                </a:ext>
+              </a:extLst>
+            </p:cNvPr>
+            <p:cNvPicPr>
+              <a:picLocks noChangeAspect="1"/>
+            </p:cNvPicPr>
+            <p:nvPr/>
+          </p:nvPicPr>
+          <p:blipFill>
+            <a:blip r:embed="rId2">
+              <a:extLst>
+                <a:ext uri="{28A0092B-C50C-407E-A947-70E740481C1C}">
+                  <a14:useLocalDpi xmlns:a14="http://schemas.microsoft.com/office/drawing/2010/main" val="0"/>
+                </a:ext>
+              </a:extLst>
+            </a:blip>
+            <a:stretch>
+              <a:fillRect/>
+            </a:stretch>
+          </p:blipFill>
+          <p:spPr>
+            <a:xfrm>
+              <a:off x="11490972" y="2110008"/>
+              <a:ext cx="557240" cy="557240"/>
+            </a:xfrm>
+            <a:prstGeom prst="rect">
+              <a:avLst/>
+            </a:prstGeom>
+          </p:spPr>
+        </p:pic>
+      </p:grpSp>
+      <p:grpSp>
+        <p:nvGrpSpPr>
+          <p:cNvPr id="78" name="组合 77">
+            <a:extLst>
+              <a:ext uri="{FF2B5EF4-FFF2-40B4-BE49-F238E27FC236}">
+                <a16:creationId xmlns:a16="http://schemas.microsoft.com/office/drawing/2014/main" id="{B1FE4D9A-3AA4-4AB4-922F-041B59611266}"/>
+              </a:ext>
+            </a:extLst>
+          </p:cNvPr>
+          <p:cNvGrpSpPr/>
+          <p:nvPr/>
+        </p:nvGrpSpPr>
+        <p:grpSpPr>
+          <a:xfrm>
+            <a:off x="10505918" y="2779367"/>
+            <a:ext cx="1338285" cy="557240"/>
+            <a:chOff x="10875034" y="2779367"/>
+            <a:chExt cx="1338285" cy="557240"/>
+          </a:xfrm>
+        </p:grpSpPr>
+        <p:sp>
+          <p:nvSpPr>
+            <p:cNvPr id="226" name="矩形 225">
+              <a:extLst>
+                <a:ext uri="{FF2B5EF4-FFF2-40B4-BE49-F238E27FC236}">
+                  <a16:creationId xmlns:a16="http://schemas.microsoft.com/office/drawing/2014/main" id="{86BD3BCA-9C82-422B-933D-13E65E2B4E33}"/>
+                </a:ext>
+              </a:extLst>
+            </p:cNvPr>
+            <p:cNvSpPr/>
+            <p:nvPr/>
+          </p:nvSpPr>
+          <p:spPr>
+            <a:xfrm>
+              <a:off x="11274264" y="2966481"/>
+              <a:ext cx="939055" cy="242955"/>
+            </a:xfrm>
+            <a:prstGeom prst="rect">
+              <a:avLst/>
+            </a:prstGeom>
+            <a:solidFill>
+              <a:schemeClr val="bg1"/>
+            </a:solidFill>
+            <a:ln w="57150">
+              <a:noFill/>
+              <a:prstDash val="lgDash"/>
+            </a:ln>
+          </p:spPr>
+          <p:style>
+            <a:lnRef idx="2">
+              <a:schemeClr val="accent1">
+                <a:shade val="50000"/>
+              </a:schemeClr>
+            </a:lnRef>
+            <a:fillRef idx="1">
+              <a:schemeClr val="accent1"/>
+            </a:fillRef>
+            <a:effectRef idx="0">
+              <a:schemeClr val="accent1"/>
+            </a:effectRef>
+            <a:fontRef idx="minor">
+              <a:schemeClr val="lt1"/>
+            </a:fontRef>
+          </p:style>
+          <p:txBody>
+            <a:bodyPr rtlCol="0" anchor="ctr"/>
+            <a:lstStyle/>
+            <a:p>
+              <a:pPr algn="ctr"/>
+              <a:r>
+                <a:rPr lang="en-US" altLang="zh-CN" sz="1400" dirty="0">
+                  <a:solidFill>
+                    <a:schemeClr val="tx1"/>
+                  </a:solidFill>
+                </a:rPr>
+                <a:t>Csv</a:t>
+              </a:r>
+              <a:r>
+                <a:rPr lang="zh-CN" altLang="en-US" sz="1400" dirty="0">
+                  <a:solidFill>
+                    <a:schemeClr val="tx1"/>
+                  </a:solidFill>
+                </a:rPr>
+                <a:t>文件</a:t>
+              </a:r>
+              <a:endParaRPr lang="en-US" altLang="zh-CN" sz="1400" dirty="0">
+                <a:solidFill>
+                  <a:schemeClr val="tx1"/>
+                </a:solidFill>
+              </a:endParaRPr>
+            </a:p>
+            <a:p>
+              <a:pPr algn="ctr"/>
+              <a:r>
+                <a:rPr lang="zh-CN" altLang="en-US" sz="1400" dirty="0">
+                  <a:solidFill>
+                    <a:schemeClr val="tx1"/>
+                  </a:solidFill>
+                </a:rPr>
+                <a:t>（输出）</a:t>
+              </a:r>
+            </a:p>
+          </p:txBody>
+        </p:sp>
+        <p:pic>
+          <p:nvPicPr>
+            <p:cNvPr id="13" name="图片 12">
+              <a:extLst>
+                <a:ext uri="{FF2B5EF4-FFF2-40B4-BE49-F238E27FC236}">
+                  <a16:creationId xmlns:a16="http://schemas.microsoft.com/office/drawing/2014/main" id="{64441A86-282A-4748-A914-189124D88159}"/>
+                </a:ext>
+              </a:extLst>
+            </p:cNvPr>
+            <p:cNvPicPr>
+              <a:picLocks noChangeAspect="1"/>
+            </p:cNvPicPr>
+            <p:nvPr/>
+          </p:nvPicPr>
+          <p:blipFill>
+            <a:blip r:embed="rId3">
+              <a:extLst>
+                <a:ext uri="{28A0092B-C50C-407E-A947-70E740481C1C}">
+                  <a14:useLocalDpi xmlns:a14="http://schemas.microsoft.com/office/drawing/2010/main" val="0"/>
+                </a:ext>
+              </a:extLst>
+            </a:blip>
+            <a:stretch>
+              <a:fillRect/>
+            </a:stretch>
+          </p:blipFill>
+          <p:spPr>
+            <a:xfrm>
+              <a:off x="10875034" y="2779367"/>
+              <a:ext cx="557240" cy="557240"/>
+            </a:xfrm>
+            <a:prstGeom prst="rect">
+              <a:avLst/>
+            </a:prstGeom>
+          </p:spPr>
+        </p:pic>
+      </p:grpSp>
+      <p:grpSp>
+        <p:nvGrpSpPr>
+          <p:cNvPr id="15" name="组合 14">
+            <a:extLst>
+              <a:ext uri="{FF2B5EF4-FFF2-40B4-BE49-F238E27FC236}">
+                <a16:creationId xmlns:a16="http://schemas.microsoft.com/office/drawing/2014/main" id="{D42C5858-FBC7-4C68-AE36-64AD40260C03}"/>
+              </a:ext>
+            </a:extLst>
+          </p:cNvPr>
+          <p:cNvGrpSpPr/>
+          <p:nvPr/>
+        </p:nvGrpSpPr>
+        <p:grpSpPr>
+          <a:xfrm>
+            <a:off x="11043778" y="1179039"/>
+            <a:ext cx="873130" cy="295086"/>
+            <a:chOff x="10622023" y="1215606"/>
+            <a:chExt cx="873130" cy="295086"/>
+          </a:xfrm>
+        </p:grpSpPr>
+        <p:pic>
+          <p:nvPicPr>
+            <p:cNvPr id="114" name="图片 113">
+              <a:extLst>
+                <a:ext uri="{FF2B5EF4-FFF2-40B4-BE49-F238E27FC236}">
+                  <a16:creationId xmlns:a16="http://schemas.microsoft.com/office/drawing/2014/main" id="{8A8FF76C-545D-42B3-BE3F-EC5665105C41}"/>
+                </a:ext>
+              </a:extLst>
+            </p:cNvPr>
+            <p:cNvPicPr>
+              <a:picLocks noChangeAspect="1"/>
+            </p:cNvPicPr>
+            <p:nvPr/>
+          </p:nvPicPr>
+          <p:blipFill>
+            <a:blip r:embed="rId4" cstate="print">
+              <a:extLst>
+                <a:ext uri="{28A0092B-C50C-407E-A947-70E740481C1C}">
+                  <a14:useLocalDpi xmlns:a14="http://schemas.microsoft.com/office/drawing/2010/main" val="0"/>
+                </a:ext>
+              </a:extLst>
+            </a:blip>
+            <a:stretch>
+              <a:fillRect/>
+            </a:stretch>
+          </p:blipFill>
+          <p:spPr>
+            <a:xfrm flipH="1">
+              <a:off x="10622023" y="1215607"/>
+              <a:ext cx="295085" cy="295085"/>
+            </a:xfrm>
+            <a:prstGeom prst="rect">
+              <a:avLst/>
+            </a:prstGeom>
+            <a:ln>
+              <a:noFill/>
+            </a:ln>
+          </p:spPr>
+        </p:pic>
+        <p:pic>
+          <p:nvPicPr>
+            <p:cNvPr id="117" name="图片 116">
+              <a:extLst>
+                <a:ext uri="{FF2B5EF4-FFF2-40B4-BE49-F238E27FC236}">
+                  <a16:creationId xmlns:a16="http://schemas.microsoft.com/office/drawing/2014/main" id="{A7940C54-766F-427A-A2F4-AB5FA1F3850D}"/>
+                </a:ext>
+              </a:extLst>
+            </p:cNvPr>
+            <p:cNvPicPr>
+              <a:picLocks noChangeAspect="1"/>
+            </p:cNvPicPr>
+            <p:nvPr/>
+          </p:nvPicPr>
+          <p:blipFill>
+            <a:blip r:embed="rId4" cstate="print">
+              <a:extLst>
+                <a:ext uri="{28A0092B-C50C-407E-A947-70E740481C1C}">
+                  <a14:useLocalDpi xmlns:a14="http://schemas.microsoft.com/office/drawing/2010/main" val="0"/>
+                </a:ext>
+              </a:extLst>
+            </a:blip>
+            <a:stretch>
+              <a:fillRect/>
+            </a:stretch>
+          </p:blipFill>
+          <p:spPr>
+            <a:xfrm flipH="1">
+              <a:off x="11200068" y="1215606"/>
+              <a:ext cx="295085" cy="295085"/>
+            </a:xfrm>
+            <a:prstGeom prst="rect">
+              <a:avLst/>
+            </a:prstGeom>
+            <a:ln>
+              <a:noFill/>
+            </a:ln>
+          </p:spPr>
+        </p:pic>
+        <p:pic>
+          <p:nvPicPr>
+            <p:cNvPr id="118" name="图片 117">
+              <a:extLst>
+                <a:ext uri="{FF2B5EF4-FFF2-40B4-BE49-F238E27FC236}">
+                  <a16:creationId xmlns:a16="http://schemas.microsoft.com/office/drawing/2014/main" id="{56FF6239-57BB-49C7-BFE7-3AF28128CCFD}"/>
+                </a:ext>
+              </a:extLst>
+            </p:cNvPr>
+            <p:cNvPicPr>
+              <a:picLocks noChangeAspect="1"/>
+            </p:cNvPicPr>
+            <p:nvPr/>
+          </p:nvPicPr>
+          <p:blipFill>
+            <a:blip r:embed="rId4" cstate="print">
+              <a:extLst>
+                <a:ext uri="{28A0092B-C50C-407E-A947-70E740481C1C}">
+                  <a14:useLocalDpi xmlns:a14="http://schemas.microsoft.com/office/drawing/2010/main" val="0"/>
+                </a:ext>
+              </a:extLst>
+            </a:blip>
+            <a:stretch>
+              <a:fillRect/>
+            </a:stretch>
+          </p:blipFill>
+          <p:spPr>
+            <a:xfrm flipH="1">
+              <a:off x="10911045" y="1215606"/>
+              <a:ext cx="295085" cy="295085"/>
+            </a:xfrm>
+            <a:prstGeom prst="rect">
+              <a:avLst/>
+            </a:prstGeom>
+            <a:ln>
+              <a:noFill/>
+            </a:ln>
+          </p:spPr>
+        </p:pic>
+      </p:grpSp>
+      <p:sp>
+        <p:nvSpPr>
+          <p:cNvPr id="142" name="矩形 141">
+            <a:extLst>
+              <a:ext uri="{FF2B5EF4-FFF2-40B4-BE49-F238E27FC236}">
+                <a16:creationId xmlns:a16="http://schemas.microsoft.com/office/drawing/2014/main" id="{E25BAEBA-8F45-435A-8A3B-A30C6BD1F3BD}"/>
+              </a:ext>
+            </a:extLst>
+          </p:cNvPr>
+          <p:cNvSpPr/>
+          <p:nvPr/>
+        </p:nvSpPr>
+        <p:spPr>
+          <a:xfrm>
+            <a:off x="5796969" y="2808995"/>
+            <a:ext cx="1800000" cy="372395"/>
+          </a:xfrm>
+          <a:prstGeom prst="rect">
+            <a:avLst/>
+          </a:prstGeom>
+          <a:solidFill>
+            <a:schemeClr val="bg1"/>
+          </a:solidFill>
+          <a:ln w="28575">
+            <a:solidFill>
+              <a:schemeClr val="accent5"/>
+            </a:solidFill>
+            <a:prstDash val="solid"/>
+          </a:ln>
+        </p:spPr>
+        <p:style>
+          <a:lnRef idx="2">
+            <a:schemeClr val="accent1">
+              <a:shade val="50000"/>
+            </a:schemeClr>
+          </a:lnRef>
+          <a:fillRef idx="1">
+            <a:schemeClr val="accent1"/>
+          </a:fillRef>
+          <a:effectRef idx="0">
+            <a:schemeClr val="accent1"/>
+          </a:effectRef>
+          <a:fontRef idx="minor">
+            <a:schemeClr val="lt1"/>
+          </a:fontRef>
+        </p:style>
+        <p:txBody>
+          <a:bodyPr rtlCol="0" anchor="ctr"/>
+          <a:lstStyle/>
+          <a:p>
+            <a:pPr algn="ctr"/>
+            <a:r>
+              <a:rPr lang="zh-CN" altLang="en-US" dirty="0">
+                <a:solidFill>
+                  <a:schemeClr val="accent5"/>
+                </a:solidFill>
+              </a:rPr>
+              <a:t>迭代搜索器</a:t>
+            </a:r>
+          </a:p>
+        </p:txBody>
+      </p:sp>
+      <p:cxnSp>
+        <p:nvCxnSpPr>
+          <p:cNvPr id="20" name="直接箭头连接符 19">
+            <a:extLst>
+              <a:ext uri="{FF2B5EF4-FFF2-40B4-BE49-F238E27FC236}">
+                <a16:creationId xmlns:a16="http://schemas.microsoft.com/office/drawing/2014/main" id="{58D6F731-7271-486D-BE38-1BE49FAE8F9F}"/>
+              </a:ext>
+            </a:extLst>
+          </p:cNvPr>
+          <p:cNvCxnSpPr>
+            <a:cxnSpLocks/>
+            <a:stCxn id="91" idx="3"/>
+            <a:endCxn id="108" idx="1"/>
+          </p:cNvCxnSpPr>
+          <p:nvPr/>
+        </p:nvCxnSpPr>
+        <p:spPr>
+          <a:xfrm>
+            <a:off x="5008297" y="1326583"/>
+            <a:ext cx="3610417" cy="0"/>
+          </a:xfrm>
+          <a:prstGeom prst="straightConnector1">
+            <a:avLst/>
+          </a:prstGeom>
+          <a:ln w="28575">
+            <a:solidFill>
+              <a:schemeClr val="accent5"/>
+            </a:solidFill>
+            <a:prstDash val="lgDashDot"/>
+            <a:headEnd type="none" w="med" len="med"/>
+            <a:tailEnd type="triangle"/>
+          </a:ln>
+        </p:spPr>
+        <p:style>
+          <a:lnRef idx="3">
+            <a:schemeClr val="dk1"/>
+          </a:lnRef>
+          <a:fillRef idx="0">
+            <a:schemeClr val="dk1"/>
+          </a:fillRef>
+          <a:effectRef idx="2">
+            <a:schemeClr val="dk1"/>
+          </a:effectRef>
+          <a:fontRef idx="minor">
+            <a:schemeClr val="tx1"/>
+          </a:fontRef>
+        </p:style>
+      </p:cxnSp>
+      <p:cxnSp>
+        <p:nvCxnSpPr>
+          <p:cNvPr id="29" name="连接符: 肘形 28">
+            <a:extLst>
+              <a:ext uri="{FF2B5EF4-FFF2-40B4-BE49-F238E27FC236}">
+                <a16:creationId xmlns:a16="http://schemas.microsoft.com/office/drawing/2014/main" id="{7137AA24-A58B-4D3F-8D37-D3E135C87901}"/>
+              </a:ext>
+            </a:extLst>
+          </p:cNvPr>
+          <p:cNvCxnSpPr>
+            <a:cxnSpLocks/>
+            <a:stCxn id="108" idx="2"/>
+          </p:cNvCxnSpPr>
+          <p:nvPr/>
+        </p:nvCxnSpPr>
+        <p:spPr>
+          <a:xfrm rot="5400000">
+            <a:off x="7886440" y="1279028"/>
+            <a:ext cx="1398523" cy="1866027"/>
+          </a:xfrm>
+          <a:prstGeom prst="bentConnector2">
+            <a:avLst/>
+          </a:prstGeom>
+          <a:ln w="28575">
+            <a:solidFill>
+              <a:schemeClr val="accent5"/>
+            </a:solidFill>
+            <a:prstDash val="lgDashDot"/>
+            <a:headEnd type="none" w="med" len="med"/>
+            <a:tailEnd type="triangle"/>
+          </a:ln>
+        </p:spPr>
+        <p:style>
+          <a:lnRef idx="3">
+            <a:schemeClr val="dk1"/>
+          </a:lnRef>
+          <a:fillRef idx="0">
+            <a:schemeClr val="dk1"/>
+          </a:fillRef>
+          <a:effectRef idx="2">
+            <a:schemeClr val="dk1"/>
+          </a:effectRef>
+          <a:fontRef idx="minor">
+            <a:schemeClr val="tx1"/>
+          </a:fontRef>
+        </p:style>
+      </p:cxnSp>
+      <p:cxnSp>
+        <p:nvCxnSpPr>
+          <p:cNvPr id="146" name="连接符: 肘形 145">
+            <a:extLst>
+              <a:ext uri="{FF2B5EF4-FFF2-40B4-BE49-F238E27FC236}">
+                <a16:creationId xmlns:a16="http://schemas.microsoft.com/office/drawing/2014/main" id="{7755E390-2CA9-40E6-8045-B3B3BEDECA2B}"/>
+              </a:ext>
+            </a:extLst>
+          </p:cNvPr>
+          <p:cNvCxnSpPr>
+            <a:cxnSpLocks/>
+            <a:stCxn id="142" idx="1"/>
+            <a:endCxn id="91" idx="2"/>
+          </p:cNvCxnSpPr>
+          <p:nvPr/>
+        </p:nvCxnSpPr>
+        <p:spPr>
+          <a:xfrm rot="10800000">
+            <a:off x="4108297" y="1512781"/>
+            <a:ext cx="1688672" cy="1482413"/>
+          </a:xfrm>
+          <a:prstGeom prst="bentConnector2">
+            <a:avLst/>
+          </a:prstGeom>
+          <a:ln w="28575">
+            <a:solidFill>
+              <a:schemeClr val="accent5"/>
+            </a:solidFill>
+            <a:prstDash val="lgDashDot"/>
+            <a:headEnd type="none" w="med" len="med"/>
+            <a:tailEnd type="triangle"/>
+          </a:ln>
+        </p:spPr>
+        <p:style>
+          <a:lnRef idx="3">
+            <a:schemeClr val="dk1"/>
+          </a:lnRef>
+          <a:fillRef idx="0">
+            <a:schemeClr val="dk1"/>
+          </a:fillRef>
+          <a:effectRef idx="2">
+            <a:schemeClr val="dk1"/>
+          </a:effectRef>
+          <a:fontRef idx="minor">
+            <a:schemeClr val="tx1"/>
+          </a:fontRef>
+        </p:style>
+      </p:cxnSp>
+      <p:cxnSp>
+        <p:nvCxnSpPr>
+          <p:cNvPr id="148" name="直接箭头连接符 147">
+            <a:extLst>
+              <a:ext uri="{FF2B5EF4-FFF2-40B4-BE49-F238E27FC236}">
+                <a16:creationId xmlns:a16="http://schemas.microsoft.com/office/drawing/2014/main" id="{DB9E6460-EDF6-4D43-971D-37E03164FCCF}"/>
+              </a:ext>
+            </a:extLst>
+          </p:cNvPr>
+          <p:cNvCxnSpPr>
+            <a:cxnSpLocks/>
+          </p:cNvCxnSpPr>
+          <p:nvPr/>
+        </p:nvCxnSpPr>
+        <p:spPr>
+          <a:xfrm>
+            <a:off x="7669388" y="3060768"/>
+            <a:ext cx="2783650" cy="0"/>
+          </a:xfrm>
+          <a:prstGeom prst="straightConnector1">
+            <a:avLst/>
+          </a:prstGeom>
+          <a:ln w="28575">
+            <a:solidFill>
+              <a:srgbClr val="B42200"/>
+            </a:solidFill>
+            <a:headEnd type="none" w="med" len="med"/>
+            <a:tailEnd type="triangle"/>
+          </a:ln>
+        </p:spPr>
+        <p:style>
+          <a:lnRef idx="3">
+            <a:schemeClr val="dk1"/>
+          </a:lnRef>
+          <a:fillRef idx="0">
+            <a:schemeClr val="dk1"/>
+          </a:fillRef>
+          <a:effectRef idx="2">
+            <a:schemeClr val="dk1"/>
+          </a:effectRef>
+          <a:fontRef idx="minor">
+            <a:schemeClr val="tx1"/>
+          </a:fontRef>
+        </p:style>
+      </p:cxnSp>
+      <p:grpSp>
+        <p:nvGrpSpPr>
+          <p:cNvPr id="158" name="组合 157">
+            <a:extLst>
+              <a:ext uri="{FF2B5EF4-FFF2-40B4-BE49-F238E27FC236}">
+                <a16:creationId xmlns:a16="http://schemas.microsoft.com/office/drawing/2014/main" id="{39366B66-811F-4DE5-AE0B-DA1D48DA279E}"/>
+              </a:ext>
+            </a:extLst>
+          </p:cNvPr>
+          <p:cNvGrpSpPr/>
+          <p:nvPr/>
+        </p:nvGrpSpPr>
+        <p:grpSpPr>
+          <a:xfrm rot="5400000">
+            <a:off x="463193" y="1253244"/>
+            <a:ext cx="1672701" cy="887877"/>
+            <a:chOff x="353446" y="1813036"/>
+            <a:chExt cx="1835811" cy="974460"/>
+          </a:xfrm>
+        </p:grpSpPr>
+        <p:sp>
+          <p:nvSpPr>
+            <p:cNvPr id="157" name="文本框 156">
+              <a:extLst>
+                <a:ext uri="{FF2B5EF4-FFF2-40B4-BE49-F238E27FC236}">
+                  <a16:creationId xmlns:a16="http://schemas.microsoft.com/office/drawing/2014/main" id="{0A6A9A43-802D-489B-B71C-67B5786BC8BA}"/>
+                </a:ext>
+              </a:extLst>
+            </p:cNvPr>
+            <p:cNvSpPr txBox="1"/>
+            <p:nvPr/>
+          </p:nvSpPr>
+          <p:spPr>
+            <a:xfrm rot="16200000">
+              <a:off x="1666572" y="1754122"/>
+              <a:ext cx="440611" cy="604759"/>
+            </a:xfrm>
+            <a:prstGeom prst="rect">
+              <a:avLst/>
+            </a:prstGeom>
+            <a:noFill/>
+            <a:ln>
+              <a:noFill/>
+            </a:ln>
+          </p:spPr>
+          <p:txBody>
+            <a:bodyPr wrap="square" rtlCol="0">
+              <a:spAutoFit/>
+            </a:bodyPr>
+            <a:lstStyle/>
+            <a:p>
+              <a:pPr algn="ctr"/>
+              <a:r>
+                <a:rPr lang="en-US" altLang="zh-CN" b="1" dirty="0">
+                  <a:latin typeface="Times New Roman" panose="02020603050405020304" pitchFamily="18" charset="0"/>
+                  <a:cs typeface="Times New Roman" panose="02020603050405020304" pitchFamily="18" charset="0"/>
+                </a:rPr>
+                <a:t>…</a:t>
+              </a:r>
+              <a:endParaRPr lang="zh-CN" altLang="en-US" b="1" dirty="0">
+                <a:latin typeface="Times New Roman" panose="02020603050405020304" pitchFamily="18" charset="0"/>
+                <a:cs typeface="Times New Roman" panose="02020603050405020304" pitchFamily="18" charset="0"/>
+              </a:endParaRPr>
+            </a:p>
+          </p:txBody>
+        </p:sp>
+        <p:pic>
+          <p:nvPicPr>
+            <p:cNvPr id="152" name="图片 151">
+              <a:extLst>
+                <a:ext uri="{FF2B5EF4-FFF2-40B4-BE49-F238E27FC236}">
+                  <a16:creationId xmlns:a16="http://schemas.microsoft.com/office/drawing/2014/main" id="{13C699A4-5CF4-4A9B-AAEA-57F474219BDD}"/>
+                </a:ext>
+              </a:extLst>
+            </p:cNvPr>
+            <p:cNvPicPr>
+              <a:picLocks noChangeAspect="1"/>
+            </p:cNvPicPr>
+            <p:nvPr/>
+          </p:nvPicPr>
+          <p:blipFill>
+            <a:blip r:embed="rId5" cstate="print">
+              <a:extLst>
+                <a:ext uri="{28A0092B-C50C-407E-A947-70E740481C1C}">
+                  <a14:useLocalDpi xmlns:a14="http://schemas.microsoft.com/office/drawing/2010/main" val="0"/>
+                </a:ext>
+              </a:extLst>
+            </a:blip>
+            <a:stretch>
+              <a:fillRect/>
+            </a:stretch>
+          </p:blipFill>
+          <p:spPr>
+            <a:xfrm rot="16200000">
+              <a:off x="981877" y="1836198"/>
+              <a:ext cx="427229" cy="427226"/>
+            </a:xfrm>
+            <a:prstGeom prst="rect">
+              <a:avLst/>
+            </a:prstGeom>
+            <a:ln>
+              <a:noFill/>
+            </a:ln>
+          </p:spPr>
+        </p:pic>
+        <p:pic>
+          <p:nvPicPr>
+            <p:cNvPr id="153" name="图片 152">
+              <a:extLst>
+                <a:ext uri="{FF2B5EF4-FFF2-40B4-BE49-F238E27FC236}">
+                  <a16:creationId xmlns:a16="http://schemas.microsoft.com/office/drawing/2014/main" id="{313DF1E5-1121-474F-B3EE-BB7A0CDAAD86}"/>
+                </a:ext>
+              </a:extLst>
+            </p:cNvPr>
+            <p:cNvPicPr>
+              <a:picLocks noChangeAspect="1"/>
+            </p:cNvPicPr>
+            <p:nvPr/>
+          </p:nvPicPr>
+          <p:blipFill>
+            <a:blip r:embed="rId6" cstate="print">
+              <a:extLst>
+                <a:ext uri="{28A0092B-C50C-407E-A947-70E740481C1C}">
+                  <a14:useLocalDpi xmlns:a14="http://schemas.microsoft.com/office/drawing/2010/main" val="0"/>
+                </a:ext>
+              </a:extLst>
+            </a:blip>
+            <a:stretch>
+              <a:fillRect/>
+            </a:stretch>
+          </p:blipFill>
+          <p:spPr>
+            <a:xfrm rot="16200000">
+              <a:off x="385235" y="2360269"/>
+              <a:ext cx="427229" cy="427226"/>
+            </a:xfrm>
+            <a:prstGeom prst="rect">
+              <a:avLst/>
+            </a:prstGeom>
+            <a:ln>
+              <a:noFill/>
+            </a:ln>
+          </p:spPr>
+        </p:pic>
+        <p:pic>
+          <p:nvPicPr>
+            <p:cNvPr id="154" name="图片 153">
+              <a:extLst>
+                <a:ext uri="{FF2B5EF4-FFF2-40B4-BE49-F238E27FC236}">
+                  <a16:creationId xmlns:a16="http://schemas.microsoft.com/office/drawing/2014/main" id="{992133F3-8D92-4948-83E0-800D45414E21}"/>
+                </a:ext>
+              </a:extLst>
+            </p:cNvPr>
+            <p:cNvPicPr>
+              <a:picLocks noChangeAspect="1"/>
+            </p:cNvPicPr>
+            <p:nvPr/>
+          </p:nvPicPr>
+          <p:blipFill>
+            <a:blip r:embed="rId7" cstate="print">
+              <a:extLst>
+                <a:ext uri="{28A0092B-C50C-407E-A947-70E740481C1C}">
+                  <a14:useLocalDpi xmlns:a14="http://schemas.microsoft.com/office/drawing/2010/main" val="0"/>
+                </a:ext>
+              </a:extLst>
+            </a:blip>
+            <a:stretch>
+              <a:fillRect/>
+            </a:stretch>
+          </p:blipFill>
+          <p:spPr>
+            <a:xfrm rot="16200000">
+              <a:off x="1588582" y="2359201"/>
+              <a:ext cx="429364" cy="427226"/>
+            </a:xfrm>
+            <a:prstGeom prst="rect">
+              <a:avLst/>
+            </a:prstGeom>
+            <a:ln>
+              <a:noFill/>
+            </a:ln>
+          </p:spPr>
+        </p:pic>
+        <p:pic>
+          <p:nvPicPr>
+            <p:cNvPr id="155" name="图片 154">
+              <a:extLst>
+                <a:ext uri="{FF2B5EF4-FFF2-40B4-BE49-F238E27FC236}">
+                  <a16:creationId xmlns:a16="http://schemas.microsoft.com/office/drawing/2014/main" id="{E55C0C30-BCEB-49CD-AC6A-BDF60A21F03D}"/>
+                </a:ext>
+              </a:extLst>
+            </p:cNvPr>
+            <p:cNvPicPr>
+              <a:picLocks noChangeAspect="1"/>
+            </p:cNvPicPr>
+            <p:nvPr/>
+          </p:nvPicPr>
+          <p:blipFill>
+            <a:blip r:embed="rId8" cstate="print">
+              <a:extLst>
+                <a:ext uri="{28A0092B-C50C-407E-A947-70E740481C1C}">
+                  <a14:useLocalDpi xmlns:a14="http://schemas.microsoft.com/office/drawing/2010/main" val="0"/>
+                </a:ext>
+              </a:extLst>
+            </a:blip>
+            <a:stretch>
+              <a:fillRect/>
+            </a:stretch>
+          </p:blipFill>
+          <p:spPr>
+            <a:xfrm rot="16200000">
+              <a:off x="986843" y="2360269"/>
+              <a:ext cx="427229" cy="427226"/>
+            </a:xfrm>
+            <a:prstGeom prst="rect">
+              <a:avLst/>
+            </a:prstGeom>
+            <a:ln>
+              <a:noFill/>
+            </a:ln>
+          </p:spPr>
+        </p:pic>
+        <p:pic>
+          <p:nvPicPr>
+            <p:cNvPr id="156" name="图片 155">
+              <a:extLst>
+                <a:ext uri="{FF2B5EF4-FFF2-40B4-BE49-F238E27FC236}">
+                  <a16:creationId xmlns:a16="http://schemas.microsoft.com/office/drawing/2014/main" id="{5F247478-C762-4F96-891C-379A00364905}"/>
+                </a:ext>
+              </a:extLst>
+            </p:cNvPr>
+            <p:cNvPicPr>
+              <a:picLocks noChangeAspect="1"/>
+            </p:cNvPicPr>
+            <p:nvPr/>
+          </p:nvPicPr>
+          <p:blipFill rotWithShape="1">
+            <a:blip r:embed="rId9" cstate="print">
+              <a:extLst>
+                <a:ext uri="{28A0092B-C50C-407E-A947-70E740481C1C}">
+                  <a14:useLocalDpi xmlns:a14="http://schemas.microsoft.com/office/drawing/2010/main" val="0"/>
+                </a:ext>
+              </a:extLst>
+            </a:blip>
+            <a:srcRect l="24982" t="25055" r="21345" b="22582"/>
+            <a:stretch/>
+          </p:blipFill>
+          <p:spPr>
+            <a:xfrm rot="16200000">
+              <a:off x="347840" y="1818642"/>
+              <a:ext cx="459614" cy="448401"/>
+            </a:xfrm>
+            <a:prstGeom prst="rect">
+              <a:avLst/>
+            </a:prstGeom>
+            <a:ln>
+              <a:noFill/>
+            </a:ln>
+          </p:spPr>
+        </p:pic>
+      </p:grpSp>
+      <p:cxnSp>
+        <p:nvCxnSpPr>
+          <p:cNvPr id="210" name="直接箭头连接符 209">
+            <a:extLst>
+              <a:ext uri="{FF2B5EF4-FFF2-40B4-BE49-F238E27FC236}">
+                <a16:creationId xmlns:a16="http://schemas.microsoft.com/office/drawing/2014/main" id="{56248D90-04BA-4318-9EFA-CAF04B06F20B}"/>
+              </a:ext>
+            </a:extLst>
+          </p:cNvPr>
+          <p:cNvCxnSpPr>
+            <a:cxnSpLocks/>
+            <a:stCxn id="108" idx="3"/>
+            <a:endCxn id="114" idx="3"/>
+          </p:cNvCxnSpPr>
+          <p:nvPr/>
+        </p:nvCxnSpPr>
+        <p:spPr>
+          <a:xfrm>
+            <a:off x="10418714" y="1326583"/>
+            <a:ext cx="625064" cy="0"/>
+          </a:xfrm>
+          <a:prstGeom prst="straightConnector1">
+            <a:avLst/>
+          </a:prstGeom>
+          <a:ln w="28575">
+            <a:solidFill>
+              <a:srgbClr val="EA8B00"/>
+            </a:solidFill>
+            <a:prstDash val="lgDashDot"/>
+            <a:headEnd type="none" w="med" len="med"/>
+            <a:tailEnd type="triangle"/>
+          </a:ln>
+        </p:spPr>
+        <p:style>
+          <a:lnRef idx="3">
+            <a:schemeClr val="dk1"/>
+          </a:lnRef>
+          <a:fillRef idx="0">
+            <a:schemeClr val="dk1"/>
+          </a:fillRef>
+          <a:effectRef idx="2">
+            <a:schemeClr val="dk1"/>
+          </a:effectRef>
+          <a:fontRef idx="minor">
+            <a:schemeClr val="tx1"/>
+          </a:fontRef>
+        </p:style>
+      </p:cxnSp>
+      <p:cxnSp>
+        <p:nvCxnSpPr>
+          <p:cNvPr id="213" name="直接箭头连接符 212">
+            <a:extLst>
+              <a:ext uri="{FF2B5EF4-FFF2-40B4-BE49-F238E27FC236}">
+                <a16:creationId xmlns:a16="http://schemas.microsoft.com/office/drawing/2014/main" id="{2856A72C-02D8-4B27-B712-B82396AB79AE}"/>
+              </a:ext>
+            </a:extLst>
+          </p:cNvPr>
+          <p:cNvCxnSpPr>
+            <a:cxnSpLocks/>
+          </p:cNvCxnSpPr>
+          <p:nvPr/>
+        </p:nvCxnSpPr>
+        <p:spPr>
+          <a:xfrm flipH="1">
+            <a:off x="11474633" y="1536019"/>
+            <a:ext cx="5711" cy="466560"/>
+          </a:xfrm>
+          <a:prstGeom prst="straightConnector1">
+            <a:avLst/>
+          </a:prstGeom>
+          <a:ln w="28575">
+            <a:solidFill>
+              <a:srgbClr val="C00000"/>
+            </a:solidFill>
+            <a:prstDash val="solid"/>
+            <a:headEnd type="none" w="med" len="med"/>
+            <a:tailEnd type="triangle"/>
+          </a:ln>
+        </p:spPr>
+        <p:style>
+          <a:lnRef idx="3">
+            <a:schemeClr val="dk1"/>
+          </a:lnRef>
+          <a:fillRef idx="0">
+            <a:schemeClr val="dk1"/>
+          </a:fillRef>
+          <a:effectRef idx="2">
+            <a:schemeClr val="dk1"/>
+          </a:effectRef>
+          <a:fontRef idx="minor">
+            <a:schemeClr val="tx1"/>
+          </a:fontRef>
+        </p:style>
+      </p:cxnSp>
+      <p:sp>
+        <p:nvSpPr>
+          <p:cNvPr id="217" name="矩形 216">
+            <a:extLst>
+              <a:ext uri="{FF2B5EF4-FFF2-40B4-BE49-F238E27FC236}">
+                <a16:creationId xmlns:a16="http://schemas.microsoft.com/office/drawing/2014/main" id="{4EBB2C86-4E17-4BCF-AE40-A6CCB5F1A080}"/>
+              </a:ext>
+            </a:extLst>
+          </p:cNvPr>
+          <p:cNvSpPr/>
+          <p:nvPr/>
+        </p:nvSpPr>
+        <p:spPr>
+          <a:xfrm>
+            <a:off x="10855364" y="860831"/>
+            <a:ext cx="1249955" cy="242955"/>
+          </a:xfrm>
+          <a:prstGeom prst="rect">
+            <a:avLst/>
+          </a:prstGeom>
+          <a:solidFill>
+            <a:schemeClr val="bg1"/>
+          </a:solidFill>
+          <a:ln w="57150">
+            <a:noFill/>
+            <a:prstDash val="lgDash"/>
+          </a:ln>
+        </p:spPr>
+        <p:style>
+          <a:lnRef idx="2">
+            <a:schemeClr val="accent1">
+              <a:shade val="50000"/>
+            </a:schemeClr>
+          </a:lnRef>
+          <a:fillRef idx="1">
+            <a:schemeClr val="accent1"/>
+          </a:fillRef>
+          <a:effectRef idx="0">
+            <a:schemeClr val="accent1"/>
+          </a:effectRef>
+          <a:fontRef idx="minor">
+            <a:schemeClr val="lt1"/>
+          </a:fontRef>
+        </p:style>
+        <p:txBody>
+          <a:bodyPr rtlCol="0" anchor="ctr"/>
+          <a:lstStyle/>
+          <a:p>
+            <a:pPr algn="ctr"/>
+            <a:r>
+              <a:rPr lang="zh-CN" altLang="en-US" sz="1400" dirty="0">
+                <a:solidFill>
+                  <a:schemeClr val="tx1"/>
+                </a:solidFill>
+              </a:rPr>
+              <a:t>仿冒应用数据</a:t>
+            </a:r>
+          </a:p>
+        </p:txBody>
+      </p:sp>
+      <p:grpSp>
+        <p:nvGrpSpPr>
+          <p:cNvPr id="2" name="组合 1">
+            <a:extLst>
+              <a:ext uri="{FF2B5EF4-FFF2-40B4-BE49-F238E27FC236}">
+                <a16:creationId xmlns:a16="http://schemas.microsoft.com/office/drawing/2014/main" id="{3BDA039D-BCBE-49DA-9EE4-78F79CD5943C}"/>
+              </a:ext>
+            </a:extLst>
+          </p:cNvPr>
+          <p:cNvGrpSpPr/>
+          <p:nvPr/>
+        </p:nvGrpSpPr>
+        <p:grpSpPr>
+          <a:xfrm>
+            <a:off x="5828992" y="3212689"/>
+            <a:ext cx="2195334" cy="770741"/>
+            <a:chOff x="7348816" y="3222665"/>
+            <a:chExt cx="2195334" cy="770741"/>
+          </a:xfrm>
+        </p:grpSpPr>
+        <p:grpSp>
+          <p:nvGrpSpPr>
+            <p:cNvPr id="231" name="组合 230">
+              <a:extLst>
+                <a:ext uri="{FF2B5EF4-FFF2-40B4-BE49-F238E27FC236}">
+                  <a16:creationId xmlns:a16="http://schemas.microsoft.com/office/drawing/2014/main" id="{C7FDC3FD-7734-4E55-9520-79D89EF89009}"/>
+                </a:ext>
+              </a:extLst>
+            </p:cNvPr>
+            <p:cNvGrpSpPr/>
+            <p:nvPr/>
+          </p:nvGrpSpPr>
+          <p:grpSpPr>
+            <a:xfrm>
+              <a:off x="7348816" y="3698206"/>
+              <a:ext cx="2195334" cy="295200"/>
+              <a:chOff x="7348816" y="3650581"/>
+              <a:chExt cx="2195334" cy="295200"/>
+            </a:xfrm>
+            <a:solidFill>
+              <a:schemeClr val="bg1"/>
+            </a:solidFill>
+          </p:grpSpPr>
+          <p:grpSp>
+            <p:nvGrpSpPr>
+              <p:cNvPr id="229" name="组合 228">
+                <a:extLst>
+                  <a:ext uri="{FF2B5EF4-FFF2-40B4-BE49-F238E27FC236}">
+                    <a16:creationId xmlns:a16="http://schemas.microsoft.com/office/drawing/2014/main" id="{9B00A8A8-C810-455C-A2E2-B61FF8A836D9}"/>
+                  </a:ext>
+                </a:extLst>
+              </p:cNvPr>
+              <p:cNvGrpSpPr/>
+              <p:nvPr/>
+            </p:nvGrpSpPr>
+            <p:grpSpPr>
+              <a:xfrm>
+                <a:off x="7348816" y="3650581"/>
+                <a:ext cx="565142" cy="295200"/>
+                <a:chOff x="8909620" y="1934602"/>
+                <a:chExt cx="565142" cy="295200"/>
+              </a:xfrm>
+              <a:grpFill/>
+            </p:grpSpPr>
+            <p:pic>
+              <p:nvPicPr>
+                <p:cNvPr id="227" name="图片 226">
+                  <a:extLst>
+                    <a:ext uri="{FF2B5EF4-FFF2-40B4-BE49-F238E27FC236}">
+                      <a16:creationId xmlns:a16="http://schemas.microsoft.com/office/drawing/2014/main" id="{9FCF9736-F568-4F7E-950F-E1FCAF6A3D89}"/>
+                    </a:ext>
+                  </a:extLst>
+                </p:cNvPr>
+                <p:cNvPicPr>
+                  <a:picLocks noChangeAspect="1"/>
+                </p:cNvPicPr>
+                <p:nvPr/>
+              </p:nvPicPr>
+              <p:blipFill>
+                <a:blip r:embed="rId10" cstate="print">
+                  <a:extLst>
+                    <a:ext uri="{28A0092B-C50C-407E-A947-70E740481C1C}">
+                      <a14:useLocalDpi xmlns:a14="http://schemas.microsoft.com/office/drawing/2010/main" val="0"/>
+                    </a:ext>
+                  </a:extLst>
+                </a:blip>
+                <a:stretch>
+                  <a:fillRect/>
+                </a:stretch>
+              </p:blipFill>
+              <p:spPr>
+                <a:xfrm flipH="1">
+                  <a:off x="8909620" y="1934602"/>
+                  <a:ext cx="295200" cy="295200"/>
+                </a:xfrm>
+                <a:prstGeom prst="rect">
+                  <a:avLst/>
+                </a:prstGeom>
+                <a:grpFill/>
+              </p:spPr>
+            </p:pic>
+            <p:pic>
+              <p:nvPicPr>
+                <p:cNvPr id="228" name="图片 227">
+                  <a:extLst>
+                    <a:ext uri="{FF2B5EF4-FFF2-40B4-BE49-F238E27FC236}">
+                      <a16:creationId xmlns:a16="http://schemas.microsoft.com/office/drawing/2014/main" id="{E6CBFA14-66E1-4B9E-A429-FDA12BE2F975}"/>
+                    </a:ext>
+                  </a:extLst>
+                </p:cNvPr>
+                <p:cNvPicPr>
+                  <a:picLocks noChangeAspect="1"/>
+                </p:cNvPicPr>
+                <p:nvPr/>
+              </p:nvPicPr>
+              <p:blipFill>
+                <a:blip r:embed="rId10" cstate="print">
+                  <a:extLst>
+                    <a:ext uri="{28A0092B-C50C-407E-A947-70E740481C1C}">
+                      <a14:useLocalDpi xmlns:a14="http://schemas.microsoft.com/office/drawing/2010/main" val="0"/>
+                    </a:ext>
+                  </a:extLst>
+                </a:blip>
+                <a:stretch>
+                  <a:fillRect/>
+                </a:stretch>
+              </p:blipFill>
+              <p:spPr>
+                <a:xfrm flipH="1">
+                  <a:off x="9179562" y="1934602"/>
+                  <a:ext cx="295200" cy="295200"/>
+                </a:xfrm>
+                <a:prstGeom prst="rect">
+                  <a:avLst/>
+                </a:prstGeom>
+                <a:grpFill/>
+              </p:spPr>
+            </p:pic>
+          </p:grpSp>
+          <p:sp>
+            <p:nvSpPr>
+              <p:cNvPr id="230" name="矩形 229">
+                <a:extLst>
+                  <a:ext uri="{FF2B5EF4-FFF2-40B4-BE49-F238E27FC236}">
+                    <a16:creationId xmlns:a16="http://schemas.microsoft.com/office/drawing/2014/main" id="{38EAECC0-CCB3-4750-9EC2-260B1A1693AD}"/>
+                  </a:ext>
+                </a:extLst>
+              </p:cNvPr>
+              <p:cNvSpPr/>
+              <p:nvPr/>
+            </p:nvSpPr>
+            <p:spPr>
+              <a:xfrm>
+                <a:off x="7923665" y="3656683"/>
+                <a:ext cx="1620485" cy="242955"/>
+              </a:xfrm>
+              <a:prstGeom prst="rect">
+                <a:avLst/>
+              </a:prstGeom>
+              <a:grpFill/>
+              <a:ln w="57150">
+                <a:noFill/>
+                <a:prstDash val="lgDash"/>
+              </a:ln>
+            </p:spPr>
+            <p:style>
+              <a:lnRef idx="2">
+                <a:schemeClr val="accent1">
+                  <a:shade val="50000"/>
+                </a:schemeClr>
+              </a:lnRef>
+              <a:fillRef idx="1">
+                <a:schemeClr val="accent1"/>
+              </a:fillRef>
+              <a:effectRef idx="0">
+                <a:schemeClr val="accent1"/>
+              </a:effectRef>
+              <a:fontRef idx="minor">
+                <a:schemeClr val="lt1"/>
+              </a:fontRef>
+            </p:style>
+            <p:txBody>
+              <a:bodyPr rtlCol="0" anchor="ctr"/>
+              <a:lstStyle/>
+              <a:p>
+                <a:pPr algn="ctr"/>
+                <a:r>
+                  <a:rPr lang="zh-CN" altLang="en-US" sz="1400" dirty="0">
+                    <a:solidFill>
+                      <a:schemeClr val="tx1"/>
+                    </a:solidFill>
+                  </a:rPr>
+                  <a:t>初始正版应用数据</a:t>
+                </a:r>
+                <a:endParaRPr lang="en-US" altLang="zh-CN" sz="1400" dirty="0">
+                  <a:solidFill>
+                    <a:schemeClr val="tx1"/>
+                  </a:solidFill>
+                </a:endParaRPr>
+              </a:p>
+              <a:p>
+                <a:pPr algn="ctr"/>
+                <a:r>
+                  <a:rPr lang="zh-CN" altLang="en-US" sz="1400" dirty="0">
+                    <a:solidFill>
+                      <a:schemeClr val="tx1"/>
+                    </a:solidFill>
+                  </a:rPr>
+                  <a:t>（输入）</a:t>
+                </a:r>
+                <a:endParaRPr lang="en-US" altLang="zh-CN" sz="1400" dirty="0">
+                  <a:solidFill>
+                    <a:schemeClr val="tx1"/>
+                  </a:solidFill>
+                </a:endParaRPr>
+              </a:p>
+            </p:txBody>
+          </p:sp>
+        </p:grpSp>
+        <p:cxnSp>
+          <p:nvCxnSpPr>
+            <p:cNvPr id="232" name="直接箭头连接符 231">
+              <a:extLst>
+                <a:ext uri="{FF2B5EF4-FFF2-40B4-BE49-F238E27FC236}">
+                  <a16:creationId xmlns:a16="http://schemas.microsoft.com/office/drawing/2014/main" id="{0CBFD6A4-7719-4C83-BB40-C8ECB7900A08}"/>
+                </a:ext>
+              </a:extLst>
+            </p:cNvPr>
+            <p:cNvCxnSpPr>
+              <a:cxnSpLocks/>
+            </p:cNvCxnSpPr>
+            <p:nvPr/>
+          </p:nvCxnSpPr>
+          <p:spPr>
+            <a:xfrm flipH="1" flipV="1">
+              <a:off x="7620344" y="3222665"/>
+              <a:ext cx="2365" cy="406360"/>
+            </a:xfrm>
+            <a:prstGeom prst="straightConnector1">
+              <a:avLst/>
+            </a:prstGeom>
+            <a:ln w="28575">
+              <a:solidFill>
+                <a:srgbClr val="C00000"/>
+              </a:solidFill>
+              <a:prstDash val="solid"/>
+              <a:headEnd type="none" w="med" len="med"/>
+              <a:tailEnd type="triangle"/>
+            </a:ln>
+          </p:spPr>
+          <p:style>
+            <a:lnRef idx="3">
+              <a:schemeClr val="dk1"/>
+            </a:lnRef>
+            <a:fillRef idx="0">
+              <a:schemeClr val="dk1"/>
+            </a:fillRef>
+            <a:effectRef idx="2">
+              <a:schemeClr val="dk1"/>
+            </a:effectRef>
+            <a:fontRef idx="minor">
+              <a:schemeClr val="tx1"/>
+            </a:fontRef>
+          </p:style>
+        </p:cxnSp>
+      </p:grpSp>
+      <p:grpSp>
+        <p:nvGrpSpPr>
+          <p:cNvPr id="6" name="组合 5">
+            <a:extLst>
+              <a:ext uri="{FF2B5EF4-FFF2-40B4-BE49-F238E27FC236}">
+                <a16:creationId xmlns:a16="http://schemas.microsoft.com/office/drawing/2014/main" id="{A21C08FA-B1FC-49F0-99F8-519E38F72ACA}"/>
+              </a:ext>
+            </a:extLst>
+          </p:cNvPr>
+          <p:cNvGrpSpPr/>
+          <p:nvPr/>
+        </p:nvGrpSpPr>
+        <p:grpSpPr>
+          <a:xfrm>
+            <a:off x="5991932" y="987462"/>
+            <a:ext cx="1491790" cy="861618"/>
+            <a:chOff x="6061116" y="987462"/>
+            <a:chExt cx="1491790" cy="861618"/>
+          </a:xfrm>
+        </p:grpSpPr>
+        <p:sp>
+          <p:nvSpPr>
+            <p:cNvPr id="66" name="矩形 65">
+              <a:extLst>
+                <a:ext uri="{FF2B5EF4-FFF2-40B4-BE49-F238E27FC236}">
+                  <a16:creationId xmlns:a16="http://schemas.microsoft.com/office/drawing/2014/main" id="{3A39C45B-D865-4680-A88C-B8B7B6623B26}"/>
+                </a:ext>
+              </a:extLst>
+            </p:cNvPr>
+            <p:cNvSpPr/>
+            <p:nvPr/>
+          </p:nvSpPr>
+          <p:spPr>
+            <a:xfrm>
+              <a:off x="6061116" y="1606125"/>
+              <a:ext cx="1491790" cy="242955"/>
+            </a:xfrm>
+            <a:prstGeom prst="rect">
+              <a:avLst/>
+            </a:prstGeom>
+            <a:solidFill>
+              <a:schemeClr val="bg1"/>
+            </a:solidFill>
+            <a:ln w="57150">
+              <a:noFill/>
+              <a:prstDash val="lgDash"/>
+            </a:ln>
+          </p:spPr>
+          <p:style>
+            <a:lnRef idx="2">
+              <a:schemeClr val="accent1">
+                <a:shade val="50000"/>
+              </a:schemeClr>
+            </a:lnRef>
+            <a:fillRef idx="1">
+              <a:schemeClr val="accent1"/>
+            </a:fillRef>
+            <a:effectRef idx="0">
+              <a:schemeClr val="accent1"/>
+            </a:effectRef>
+            <a:fontRef idx="minor">
+              <a:schemeClr val="lt1"/>
+            </a:fontRef>
+          </p:style>
+          <p:txBody>
+            <a:bodyPr rtlCol="0" anchor="ctr"/>
+            <a:lstStyle/>
+            <a:p>
+              <a:pPr algn="ctr"/>
+              <a:r>
+                <a:rPr lang="zh-CN" altLang="en-US" sz="1400" dirty="0">
+                  <a:solidFill>
+                    <a:schemeClr val="tx1"/>
+                  </a:solidFill>
+                </a:rPr>
+                <a:t>应用数据</a:t>
+              </a:r>
+            </a:p>
+          </p:txBody>
+        </p:sp>
+        <p:grpSp>
+          <p:nvGrpSpPr>
+            <p:cNvPr id="16" name="组合 15">
+              <a:extLst>
+                <a:ext uri="{FF2B5EF4-FFF2-40B4-BE49-F238E27FC236}">
+                  <a16:creationId xmlns:a16="http://schemas.microsoft.com/office/drawing/2014/main" id="{63A7B5DD-25BA-4A60-B5F3-E33A13A8BB76}"/>
+                </a:ext>
+              </a:extLst>
+            </p:cNvPr>
+            <p:cNvGrpSpPr/>
+            <p:nvPr/>
+          </p:nvGrpSpPr>
+          <p:grpSpPr>
+            <a:xfrm>
+              <a:off x="6061116" y="987462"/>
+              <a:ext cx="1456923" cy="590285"/>
+              <a:chOff x="5774734" y="494817"/>
+              <a:chExt cx="1456923" cy="590285"/>
+            </a:xfrm>
+            <a:solidFill>
+              <a:schemeClr val="bg1"/>
+            </a:solidFill>
+          </p:grpSpPr>
+          <p:grpSp>
+            <p:nvGrpSpPr>
+              <p:cNvPr id="119" name="组合 118">
+                <a:extLst>
+                  <a:ext uri="{FF2B5EF4-FFF2-40B4-BE49-F238E27FC236}">
+                    <a16:creationId xmlns:a16="http://schemas.microsoft.com/office/drawing/2014/main" id="{89B27CA3-E9C8-4EC2-A5BA-8DCE6D9AAA75}"/>
+                  </a:ext>
+                </a:extLst>
+              </p:cNvPr>
+              <p:cNvGrpSpPr/>
+              <p:nvPr/>
+            </p:nvGrpSpPr>
+            <p:grpSpPr>
+              <a:xfrm>
+                <a:off x="5921905" y="494817"/>
+                <a:ext cx="1162152" cy="295086"/>
+                <a:chOff x="10333001" y="1215606"/>
+                <a:chExt cx="1162152" cy="295086"/>
+              </a:xfrm>
+              <a:grpFill/>
+            </p:grpSpPr>
+            <p:pic>
+              <p:nvPicPr>
+                <p:cNvPr id="120" name="图片 119">
+                  <a:extLst>
+                    <a:ext uri="{FF2B5EF4-FFF2-40B4-BE49-F238E27FC236}">
+                      <a16:creationId xmlns:a16="http://schemas.microsoft.com/office/drawing/2014/main" id="{B496635B-CEB2-47CA-9BE5-9769FF985F09}"/>
+                    </a:ext>
+                  </a:extLst>
+                </p:cNvPr>
+                <p:cNvPicPr>
+                  <a:picLocks noChangeAspect="1"/>
+                </p:cNvPicPr>
+                <p:nvPr/>
+              </p:nvPicPr>
+              <p:blipFill>
+                <a:blip r:embed="rId4" cstate="print">
+                  <a:extLst>
+                    <a:ext uri="{28A0092B-C50C-407E-A947-70E740481C1C}">
+                      <a14:useLocalDpi xmlns:a14="http://schemas.microsoft.com/office/drawing/2010/main" val="0"/>
+                    </a:ext>
+                  </a:extLst>
+                </a:blip>
+                <a:stretch>
+                  <a:fillRect/>
+                </a:stretch>
+              </p:blipFill>
+              <p:spPr>
+                <a:xfrm flipH="1">
+                  <a:off x="10622023" y="1215607"/>
+                  <a:ext cx="295085" cy="295085"/>
+                </a:xfrm>
+                <a:prstGeom prst="rect">
+                  <a:avLst/>
+                </a:prstGeom>
+                <a:grpFill/>
+                <a:ln>
+                  <a:noFill/>
+                </a:ln>
+              </p:spPr>
+            </p:pic>
+            <p:pic>
+              <p:nvPicPr>
+                <p:cNvPr id="121" name="图片 120">
+                  <a:extLst>
+                    <a:ext uri="{FF2B5EF4-FFF2-40B4-BE49-F238E27FC236}">
+                      <a16:creationId xmlns:a16="http://schemas.microsoft.com/office/drawing/2014/main" id="{1D2EE463-3600-466C-BB9E-E5E8F32E23A9}"/>
+                    </a:ext>
+                  </a:extLst>
+                </p:cNvPr>
+                <p:cNvPicPr>
+                  <a:picLocks noChangeAspect="1"/>
+                </p:cNvPicPr>
+                <p:nvPr/>
+              </p:nvPicPr>
+              <p:blipFill>
+                <a:blip r:embed="rId4" cstate="print">
+                  <a:extLst>
+                    <a:ext uri="{28A0092B-C50C-407E-A947-70E740481C1C}">
+                      <a14:useLocalDpi xmlns:a14="http://schemas.microsoft.com/office/drawing/2010/main" val="0"/>
+                    </a:ext>
+                  </a:extLst>
+                </a:blip>
+                <a:stretch>
+                  <a:fillRect/>
+                </a:stretch>
+              </p:blipFill>
+              <p:spPr>
+                <a:xfrm flipH="1">
+                  <a:off x="10333001" y="1215607"/>
+                  <a:ext cx="295085" cy="295085"/>
+                </a:xfrm>
+                <a:prstGeom prst="rect">
+                  <a:avLst/>
+                </a:prstGeom>
+                <a:grpFill/>
+                <a:ln>
+                  <a:noFill/>
+                </a:ln>
+              </p:spPr>
+            </p:pic>
+            <p:pic>
+              <p:nvPicPr>
+                <p:cNvPr id="122" name="图片 121">
+                  <a:extLst>
+                    <a:ext uri="{FF2B5EF4-FFF2-40B4-BE49-F238E27FC236}">
+                      <a16:creationId xmlns:a16="http://schemas.microsoft.com/office/drawing/2014/main" id="{336AB377-7FB6-48AF-A3DE-23273EE8389F}"/>
+                    </a:ext>
+                  </a:extLst>
+                </p:cNvPr>
+                <p:cNvPicPr>
+                  <a:picLocks noChangeAspect="1"/>
+                </p:cNvPicPr>
+                <p:nvPr/>
+              </p:nvPicPr>
+              <p:blipFill>
+                <a:blip r:embed="rId4" cstate="print">
+                  <a:extLst>
+                    <a:ext uri="{28A0092B-C50C-407E-A947-70E740481C1C}">
+                      <a14:useLocalDpi xmlns:a14="http://schemas.microsoft.com/office/drawing/2010/main" val="0"/>
+                    </a:ext>
+                  </a:extLst>
+                </a:blip>
+                <a:stretch>
+                  <a:fillRect/>
+                </a:stretch>
+              </p:blipFill>
+              <p:spPr>
+                <a:xfrm flipH="1">
+                  <a:off x="11200068" y="1215606"/>
+                  <a:ext cx="295085" cy="295085"/>
+                </a:xfrm>
+                <a:prstGeom prst="rect">
+                  <a:avLst/>
+                </a:prstGeom>
+                <a:grpFill/>
+                <a:ln>
+                  <a:noFill/>
+                </a:ln>
+              </p:spPr>
+            </p:pic>
+            <p:pic>
+              <p:nvPicPr>
+                <p:cNvPr id="123" name="图片 122">
+                  <a:extLst>
+                    <a:ext uri="{FF2B5EF4-FFF2-40B4-BE49-F238E27FC236}">
+                      <a16:creationId xmlns:a16="http://schemas.microsoft.com/office/drawing/2014/main" id="{98718E4E-2318-4CA5-A0DC-DDF388C04D8C}"/>
+                    </a:ext>
+                  </a:extLst>
+                </p:cNvPr>
+                <p:cNvPicPr>
+                  <a:picLocks noChangeAspect="1"/>
+                </p:cNvPicPr>
+                <p:nvPr/>
+              </p:nvPicPr>
+              <p:blipFill>
+                <a:blip r:embed="rId4" cstate="print">
+                  <a:extLst>
+                    <a:ext uri="{28A0092B-C50C-407E-A947-70E740481C1C}">
+                      <a14:useLocalDpi xmlns:a14="http://schemas.microsoft.com/office/drawing/2010/main" val="0"/>
+                    </a:ext>
+                  </a:extLst>
+                </a:blip>
+                <a:stretch>
+                  <a:fillRect/>
+                </a:stretch>
+              </p:blipFill>
+              <p:spPr>
+                <a:xfrm flipH="1">
+                  <a:off x="10911045" y="1215606"/>
+                  <a:ext cx="295085" cy="295085"/>
+                </a:xfrm>
+                <a:prstGeom prst="rect">
+                  <a:avLst/>
+                </a:prstGeom>
+                <a:grpFill/>
+                <a:ln>
+                  <a:noFill/>
+                </a:ln>
+              </p:spPr>
+            </p:pic>
+          </p:grpSp>
+          <p:pic>
+            <p:nvPicPr>
+              <p:cNvPr id="126" name="图片 125">
+                <a:extLst>
+                  <a:ext uri="{FF2B5EF4-FFF2-40B4-BE49-F238E27FC236}">
+                    <a16:creationId xmlns:a16="http://schemas.microsoft.com/office/drawing/2014/main" id="{1FCCC886-C2F9-4C7B-AF4C-72F8E9A5A589}"/>
+                  </a:ext>
+                </a:extLst>
+              </p:cNvPr>
+              <p:cNvPicPr>
+                <a:picLocks noChangeAspect="1"/>
+              </p:cNvPicPr>
+              <p:nvPr/>
+            </p:nvPicPr>
+            <p:blipFill>
+              <a:blip r:embed="rId10" cstate="print">
+                <a:extLst>
+                  <a:ext uri="{28A0092B-C50C-407E-A947-70E740481C1C}">
+                    <a14:useLocalDpi xmlns:a14="http://schemas.microsoft.com/office/drawing/2010/main" val="0"/>
+                  </a:ext>
+                </a:extLst>
+              </a:blip>
+              <a:stretch>
+                <a:fillRect/>
+              </a:stretch>
+            </p:blipFill>
+            <p:spPr>
+              <a:xfrm flipH="1">
+                <a:off x="5774734" y="789902"/>
+                <a:ext cx="295200" cy="295200"/>
+              </a:xfrm>
+              <a:prstGeom prst="rect">
+                <a:avLst/>
+              </a:prstGeom>
+              <a:grpFill/>
+            </p:spPr>
+          </p:pic>
+          <p:pic>
+            <p:nvPicPr>
+              <p:cNvPr id="127" name="图片 126">
+                <a:extLst>
+                  <a:ext uri="{FF2B5EF4-FFF2-40B4-BE49-F238E27FC236}">
+                    <a16:creationId xmlns:a16="http://schemas.microsoft.com/office/drawing/2014/main" id="{8C5CF999-E8D7-43A9-BB37-AA859F001382}"/>
+                  </a:ext>
+                </a:extLst>
+              </p:cNvPr>
+              <p:cNvPicPr>
+                <a:picLocks noChangeAspect="1"/>
+              </p:cNvPicPr>
+              <p:nvPr/>
+            </p:nvPicPr>
+            <p:blipFill>
+              <a:blip r:embed="rId10" cstate="print">
+                <a:extLst>
+                  <a:ext uri="{28A0092B-C50C-407E-A947-70E740481C1C}">
+                    <a14:useLocalDpi xmlns:a14="http://schemas.microsoft.com/office/drawing/2010/main" val="0"/>
+                  </a:ext>
+                </a:extLst>
+              </a:blip>
+              <a:stretch>
+                <a:fillRect/>
+              </a:stretch>
+            </p:blipFill>
+            <p:spPr>
+              <a:xfrm flipH="1">
+                <a:off x="6065165" y="789902"/>
+                <a:ext cx="295200" cy="295200"/>
+              </a:xfrm>
+              <a:prstGeom prst="rect">
+                <a:avLst/>
+              </a:prstGeom>
+              <a:grpFill/>
+            </p:spPr>
+          </p:pic>
+          <p:pic>
+            <p:nvPicPr>
+              <p:cNvPr id="128" name="图片 127">
+                <a:extLst>
+                  <a:ext uri="{FF2B5EF4-FFF2-40B4-BE49-F238E27FC236}">
+                    <a16:creationId xmlns:a16="http://schemas.microsoft.com/office/drawing/2014/main" id="{C9056822-CFC6-472D-BBFA-25C337CA5C55}"/>
+                  </a:ext>
+                </a:extLst>
+              </p:cNvPr>
+              <p:cNvPicPr>
+                <a:picLocks noChangeAspect="1"/>
+              </p:cNvPicPr>
+              <p:nvPr/>
+            </p:nvPicPr>
+            <p:blipFill>
+              <a:blip r:embed="rId10" cstate="print">
+                <a:extLst>
+                  <a:ext uri="{28A0092B-C50C-407E-A947-70E740481C1C}">
+                    <a14:useLocalDpi xmlns:a14="http://schemas.microsoft.com/office/drawing/2010/main" val="0"/>
+                  </a:ext>
+                </a:extLst>
+              </a:blip>
+              <a:stretch>
+                <a:fillRect/>
+              </a:stretch>
+            </p:blipFill>
+            <p:spPr>
+              <a:xfrm flipH="1">
+                <a:off x="6646027" y="789902"/>
+                <a:ext cx="295200" cy="295200"/>
+              </a:xfrm>
+              <a:prstGeom prst="rect">
+                <a:avLst/>
+              </a:prstGeom>
+              <a:grpFill/>
+            </p:spPr>
+          </p:pic>
+          <p:pic>
+            <p:nvPicPr>
+              <p:cNvPr id="129" name="图片 128">
+                <a:extLst>
+                  <a:ext uri="{FF2B5EF4-FFF2-40B4-BE49-F238E27FC236}">
+                    <a16:creationId xmlns:a16="http://schemas.microsoft.com/office/drawing/2014/main" id="{5540CF0A-C34C-4DFA-B145-9B5B2CBC5904}"/>
+                  </a:ext>
+                </a:extLst>
+              </p:cNvPr>
+              <p:cNvPicPr>
+                <a:picLocks noChangeAspect="1"/>
+              </p:cNvPicPr>
+              <p:nvPr/>
+            </p:nvPicPr>
+            <p:blipFill>
+              <a:blip r:embed="rId10" cstate="print">
+                <a:extLst>
+                  <a:ext uri="{28A0092B-C50C-407E-A947-70E740481C1C}">
+                    <a14:useLocalDpi xmlns:a14="http://schemas.microsoft.com/office/drawing/2010/main" val="0"/>
+                  </a:ext>
+                </a:extLst>
+              </a:blip>
+              <a:stretch>
+                <a:fillRect/>
+              </a:stretch>
+            </p:blipFill>
+            <p:spPr>
+              <a:xfrm flipH="1">
+                <a:off x="6355596" y="789902"/>
+                <a:ext cx="295200" cy="295200"/>
+              </a:xfrm>
+              <a:prstGeom prst="rect">
+                <a:avLst/>
+              </a:prstGeom>
+              <a:grpFill/>
+            </p:spPr>
+          </p:pic>
+          <p:pic>
+            <p:nvPicPr>
+              <p:cNvPr id="130" name="图片 129">
+                <a:extLst>
+                  <a:ext uri="{FF2B5EF4-FFF2-40B4-BE49-F238E27FC236}">
+                    <a16:creationId xmlns:a16="http://schemas.microsoft.com/office/drawing/2014/main" id="{CFB94579-4C48-478D-975C-B563B534C615}"/>
+                  </a:ext>
+                </a:extLst>
+              </p:cNvPr>
+              <p:cNvPicPr>
+                <a:picLocks noChangeAspect="1"/>
+              </p:cNvPicPr>
+              <p:nvPr/>
+            </p:nvPicPr>
+            <p:blipFill>
+              <a:blip r:embed="rId10" cstate="print">
+                <a:extLst>
+                  <a:ext uri="{28A0092B-C50C-407E-A947-70E740481C1C}">
+                    <a14:useLocalDpi xmlns:a14="http://schemas.microsoft.com/office/drawing/2010/main" val="0"/>
+                  </a:ext>
+                </a:extLst>
+              </a:blip>
+              <a:stretch>
+                <a:fillRect/>
+              </a:stretch>
+            </p:blipFill>
+            <p:spPr>
+              <a:xfrm flipH="1">
+                <a:off x="6936457" y="789902"/>
                 <a:ext cx="295200" cy="295200"/>
               </a:xfrm>
               <a:prstGeom prst="rect">
@@ -11167,12 +14126,72 @@
             </p:spPr>
           </p:pic>
         </p:grpSp>
+      </p:grpSp>
+      <p:grpSp>
+        <p:nvGrpSpPr>
+          <p:cNvPr id="12" name="组合 11">
+            <a:extLst>
+              <a:ext uri="{FF2B5EF4-FFF2-40B4-BE49-F238E27FC236}">
+                <a16:creationId xmlns:a16="http://schemas.microsoft.com/office/drawing/2014/main" id="{163BD930-A9BD-45E3-BB03-D1E8BF2D6978}"/>
+              </a:ext>
+            </a:extLst>
+          </p:cNvPr>
+          <p:cNvGrpSpPr/>
+          <p:nvPr/>
+        </p:nvGrpSpPr>
+        <p:grpSpPr>
+          <a:xfrm>
+            <a:off x="3849854" y="1878126"/>
+            <a:ext cx="1395392" cy="526561"/>
+            <a:chOff x="2785429" y="1922139"/>
+            <a:chExt cx="1395392" cy="526561"/>
+          </a:xfrm>
+        </p:grpSpPr>
+        <p:pic>
+          <p:nvPicPr>
+            <p:cNvPr id="10" name="图片 9">
+              <a:extLst>
+                <a:ext uri="{FF2B5EF4-FFF2-40B4-BE49-F238E27FC236}">
+                  <a16:creationId xmlns:a16="http://schemas.microsoft.com/office/drawing/2014/main" id="{B961742F-5509-4E75-95D1-1F5830608E49}"/>
+                </a:ext>
+              </a:extLst>
+            </p:cNvPr>
+            <p:cNvPicPr>
+              <a:picLocks noChangeAspect="1"/>
+            </p:cNvPicPr>
+            <p:nvPr/>
+          </p:nvPicPr>
+          <p:blipFill>
+            <a:blip r:embed="rId11">
+              <a:extLst>
+                <a:ext uri="{28A0092B-C50C-407E-A947-70E740481C1C}">
+                  <a14:useLocalDpi xmlns:a14="http://schemas.microsoft.com/office/drawing/2010/main" val="0"/>
+                </a:ext>
+              </a:extLst>
+            </a:blip>
+            <a:stretch>
+              <a:fillRect/>
+            </a:stretch>
+          </p:blipFill>
+          <p:spPr>
+            <a:xfrm>
+              <a:off x="2785429" y="1922139"/>
+              <a:ext cx="526561" cy="526561"/>
+            </a:xfrm>
+            <a:prstGeom prst="rect">
+              <a:avLst/>
+            </a:prstGeom>
+            <a:solidFill>
+              <a:schemeClr val="bg1"/>
+            </a:solidFill>
+          </p:spPr>
+        </p:pic>
         <p:sp>
           <p:nvSpPr>
-            <p:cNvPr id="230" name="矩形 229">
+            <p:cNvPr id="73" name="矩形 72">
               <a:extLst>
                 <a:ext uri="{FF2B5EF4-FFF2-40B4-BE49-F238E27FC236}">
-                  <a16:creationId xmlns:a16="http://schemas.microsoft.com/office/drawing/2014/main" id="{38EAECC0-CCB3-4750-9EC2-260B1A1693AD}"/>
+                  <a16:creationId xmlns:a16="http://schemas.microsoft.com/office/drawing/2014/main" id="{EEE8FC07-3146-4A66-AC9D-3E8A7036BEDE}"/>
                 </a:ext>
               </a:extLst>
             </p:cNvPr>
@@ -11181,13 +14200,188 @@
           </p:nvSpPr>
           <p:spPr>
             <a:xfrm>
-              <a:off x="7923666" y="3656683"/>
-              <a:ext cx="1373438" cy="242955"/>
+              <a:off x="3270139" y="2053098"/>
+              <a:ext cx="910682" cy="242955"/>
             </a:xfrm>
             <a:prstGeom prst="rect">
               <a:avLst/>
             </a:prstGeom>
-            <a:grpFill/>
+            <a:solidFill>
+              <a:schemeClr val="bg1"/>
+            </a:solidFill>
+            <a:ln w="57150">
+              <a:noFill/>
+              <a:prstDash val="lgDash"/>
+            </a:ln>
+          </p:spPr>
+          <p:style>
+            <a:lnRef idx="2">
+              <a:schemeClr val="accent1">
+                <a:shade val="50000"/>
+              </a:schemeClr>
+            </a:lnRef>
+            <a:fillRef idx="1">
+              <a:schemeClr val="accent1"/>
+            </a:fillRef>
+            <a:effectRef idx="0">
+              <a:schemeClr val="accent1"/>
+            </a:effectRef>
+            <a:fontRef idx="minor">
+              <a:schemeClr val="lt1"/>
+            </a:fontRef>
+          </p:style>
+          <p:txBody>
+            <a:bodyPr rtlCol="0" anchor="ctr"/>
+            <a:lstStyle/>
+            <a:p>
+              <a:pPr algn="ctr"/>
+              <a:r>
+                <a:rPr lang="zh-CN" altLang="en-US" sz="1400" dirty="0">
+                  <a:solidFill>
+                    <a:schemeClr val="tx1"/>
+                  </a:solidFill>
+                </a:rPr>
+                <a:t>查询请求</a:t>
+              </a:r>
+            </a:p>
+          </p:txBody>
+        </p:sp>
+      </p:grpSp>
+      <p:cxnSp>
+        <p:nvCxnSpPr>
+          <p:cNvPr id="138" name="直接箭头连接符 137">
+            <a:extLst>
+              <a:ext uri="{FF2B5EF4-FFF2-40B4-BE49-F238E27FC236}">
+                <a16:creationId xmlns:a16="http://schemas.microsoft.com/office/drawing/2014/main" id="{871CE4A9-51E1-4A85-845A-73E336A304A0}"/>
+              </a:ext>
+            </a:extLst>
+          </p:cNvPr>
+          <p:cNvCxnSpPr>
+            <a:cxnSpLocks/>
+          </p:cNvCxnSpPr>
+          <p:nvPr/>
+        </p:nvCxnSpPr>
+        <p:spPr>
+          <a:xfrm flipH="1">
+            <a:off x="1903445" y="1406663"/>
+            <a:ext cx="1243356" cy="0"/>
+          </a:xfrm>
+          <a:prstGeom prst="straightConnector1">
+            <a:avLst/>
+          </a:prstGeom>
+          <a:ln w="28575">
+            <a:solidFill>
+              <a:schemeClr val="accent6"/>
+            </a:solidFill>
+            <a:prstDash val="lgDashDot"/>
+            <a:headEnd type="none" w="med" len="med"/>
+            <a:tailEnd type="triangle"/>
+          </a:ln>
+        </p:spPr>
+        <p:style>
+          <a:lnRef idx="3">
+            <a:schemeClr val="dk1"/>
+          </a:lnRef>
+          <a:fillRef idx="0">
+            <a:schemeClr val="dk1"/>
+          </a:fillRef>
+          <a:effectRef idx="2">
+            <a:schemeClr val="dk1"/>
+          </a:effectRef>
+          <a:fontRef idx="minor">
+            <a:schemeClr val="tx1"/>
+          </a:fontRef>
+        </p:style>
+      </p:cxnSp>
+      <p:cxnSp>
+        <p:nvCxnSpPr>
+          <p:cNvPr id="139" name="直接箭头连接符 138">
+            <a:extLst>
+              <a:ext uri="{FF2B5EF4-FFF2-40B4-BE49-F238E27FC236}">
+                <a16:creationId xmlns:a16="http://schemas.microsoft.com/office/drawing/2014/main" id="{00C2F0F8-FF7F-47C7-AC8B-C13C3DF48136}"/>
+              </a:ext>
+            </a:extLst>
+          </p:cNvPr>
+          <p:cNvCxnSpPr>
+            <a:cxnSpLocks/>
+          </p:cNvCxnSpPr>
+          <p:nvPr/>
+        </p:nvCxnSpPr>
+        <p:spPr>
+          <a:xfrm>
+            <a:off x="1948395" y="1221587"/>
+            <a:ext cx="1198406" cy="1"/>
+          </a:xfrm>
+          <a:prstGeom prst="straightConnector1">
+            <a:avLst/>
+          </a:prstGeom>
+          <a:ln w="28575">
+            <a:solidFill>
+              <a:schemeClr val="accent6"/>
+            </a:solidFill>
+            <a:prstDash val="lgDashDot"/>
+            <a:headEnd type="none" w="med" len="med"/>
+            <a:tailEnd type="triangle"/>
+          </a:ln>
+        </p:spPr>
+        <p:style>
+          <a:lnRef idx="3">
+            <a:schemeClr val="dk1"/>
+          </a:lnRef>
+          <a:fillRef idx="0">
+            <a:schemeClr val="dk1"/>
+          </a:fillRef>
+          <a:effectRef idx="2">
+            <a:schemeClr val="dk1"/>
+          </a:effectRef>
+          <a:fontRef idx="minor">
+            <a:schemeClr val="tx1"/>
+          </a:fontRef>
+        </p:style>
+      </p:cxnSp>
+      <p:grpSp>
+        <p:nvGrpSpPr>
+          <p:cNvPr id="89" name="组合 88">
+            <a:extLst>
+              <a:ext uri="{FF2B5EF4-FFF2-40B4-BE49-F238E27FC236}">
+                <a16:creationId xmlns:a16="http://schemas.microsoft.com/office/drawing/2014/main" id="{BA93D5E3-E8AB-4814-ACE7-908684D79DF6}"/>
+              </a:ext>
+            </a:extLst>
+          </p:cNvPr>
+          <p:cNvGrpSpPr/>
+          <p:nvPr/>
+        </p:nvGrpSpPr>
+        <p:grpSpPr>
+          <a:xfrm>
+            <a:off x="7644288" y="1916426"/>
+            <a:ext cx="2317110" cy="590400"/>
+            <a:chOff x="7644288" y="1916426"/>
+            <a:chExt cx="2317110" cy="590400"/>
+          </a:xfrm>
+        </p:grpSpPr>
+        <p:sp>
+          <p:nvSpPr>
+            <p:cNvPr id="218" name="矩形 217">
+              <a:extLst>
+                <a:ext uri="{FF2B5EF4-FFF2-40B4-BE49-F238E27FC236}">
+                  <a16:creationId xmlns:a16="http://schemas.microsoft.com/office/drawing/2014/main" id="{673A29C4-10CC-481F-AEC6-1CDE88CCDDAE}"/>
+                </a:ext>
+              </a:extLst>
+            </p:cNvPr>
+            <p:cNvSpPr/>
+            <p:nvPr/>
+          </p:nvSpPr>
+          <p:spPr>
+            <a:xfrm>
+              <a:off x="7644288" y="2090148"/>
+              <a:ext cx="1346666" cy="242955"/>
+            </a:xfrm>
+            <a:prstGeom prst="rect">
+              <a:avLst/>
+            </a:prstGeom>
+            <a:solidFill>
+              <a:schemeClr val="bg1"/>
+            </a:solidFill>
             <a:ln w="57150">
               <a:noFill/>
               <a:prstDash val="lgDash"/>
@@ -11225,57 +14419,936 @@
             </a:p>
           </p:txBody>
         </p:sp>
+        <p:grpSp>
+          <p:nvGrpSpPr>
+            <p:cNvPr id="88" name="组合 87">
+              <a:extLst>
+                <a:ext uri="{FF2B5EF4-FFF2-40B4-BE49-F238E27FC236}">
+                  <a16:creationId xmlns:a16="http://schemas.microsoft.com/office/drawing/2014/main" id="{87DF2276-B2A4-4E41-8E70-E8FC62F514FD}"/>
+                </a:ext>
+              </a:extLst>
+            </p:cNvPr>
+            <p:cNvGrpSpPr/>
+            <p:nvPr/>
+          </p:nvGrpSpPr>
+          <p:grpSpPr>
+            <a:xfrm>
+              <a:off x="8975334" y="1916426"/>
+              <a:ext cx="986064" cy="590400"/>
+              <a:chOff x="8975334" y="1916426"/>
+              <a:chExt cx="986064" cy="590400"/>
+            </a:xfrm>
+          </p:grpSpPr>
+          <p:pic>
+            <p:nvPicPr>
+              <p:cNvPr id="133" name="图片 132">
+                <a:extLst>
+                  <a:ext uri="{FF2B5EF4-FFF2-40B4-BE49-F238E27FC236}">
+                    <a16:creationId xmlns:a16="http://schemas.microsoft.com/office/drawing/2014/main" id="{3C4EE167-41AD-47F5-8257-77D8F8FCD4E1}"/>
+                  </a:ext>
+                </a:extLst>
+              </p:cNvPr>
+              <p:cNvPicPr>
+                <a:picLocks noChangeAspect="1"/>
+              </p:cNvPicPr>
+              <p:nvPr/>
+            </p:nvPicPr>
+            <p:blipFill>
+              <a:blip r:embed="rId10" cstate="print">
+                <a:extLst>
+                  <a:ext uri="{28A0092B-C50C-407E-A947-70E740481C1C}">
+                    <a14:useLocalDpi xmlns:a14="http://schemas.microsoft.com/office/drawing/2010/main" val="0"/>
+                  </a:ext>
+                </a:extLst>
+              </a:blip>
+              <a:stretch>
+                <a:fillRect/>
+              </a:stretch>
+            </p:blipFill>
+            <p:spPr>
+              <a:xfrm flipH="1">
+                <a:off x="8975334" y="1916426"/>
+                <a:ext cx="295200" cy="295200"/>
+              </a:xfrm>
+              <a:prstGeom prst="rect">
+                <a:avLst/>
+              </a:prstGeom>
+              <a:solidFill>
+                <a:schemeClr val="bg1"/>
+              </a:solidFill>
+            </p:spPr>
+          </p:pic>
+          <p:pic>
+            <p:nvPicPr>
+              <p:cNvPr id="134" name="图片 133">
+                <a:extLst>
+                  <a:ext uri="{FF2B5EF4-FFF2-40B4-BE49-F238E27FC236}">
+                    <a16:creationId xmlns:a16="http://schemas.microsoft.com/office/drawing/2014/main" id="{A48B9A42-46AE-42C7-9C7F-C14C3DFB9B9A}"/>
+                  </a:ext>
+                </a:extLst>
+              </p:cNvPr>
+              <p:cNvPicPr>
+                <a:picLocks noChangeAspect="1"/>
+              </p:cNvPicPr>
+              <p:nvPr/>
+            </p:nvPicPr>
+            <p:blipFill>
+              <a:blip r:embed="rId10" cstate="print">
+                <a:extLst>
+                  <a:ext uri="{28A0092B-C50C-407E-A947-70E740481C1C}">
+                    <a14:useLocalDpi xmlns:a14="http://schemas.microsoft.com/office/drawing/2010/main" val="0"/>
+                  </a:ext>
+                </a:extLst>
+              </a:blip>
+              <a:stretch>
+                <a:fillRect/>
+              </a:stretch>
+            </p:blipFill>
+            <p:spPr>
+              <a:xfrm flipH="1">
+                <a:off x="9244606" y="1916426"/>
+                <a:ext cx="295200" cy="295200"/>
+              </a:xfrm>
+              <a:prstGeom prst="rect">
+                <a:avLst/>
+              </a:prstGeom>
+              <a:solidFill>
+                <a:schemeClr val="bg1"/>
+              </a:solidFill>
+            </p:spPr>
+          </p:pic>
+          <p:pic>
+            <p:nvPicPr>
+              <p:cNvPr id="135" name="图片 134">
+                <a:extLst>
+                  <a:ext uri="{FF2B5EF4-FFF2-40B4-BE49-F238E27FC236}">
+                    <a16:creationId xmlns:a16="http://schemas.microsoft.com/office/drawing/2014/main" id="{33BDC142-C217-4AEA-B0B6-7A25FBC29A9D}"/>
+                  </a:ext>
+                </a:extLst>
+              </p:cNvPr>
+              <p:cNvPicPr>
+                <a:picLocks noChangeAspect="1"/>
+              </p:cNvPicPr>
+              <p:nvPr/>
+            </p:nvPicPr>
+            <p:blipFill>
+              <a:blip r:embed="rId10" cstate="print">
+                <a:extLst>
+                  <a:ext uri="{28A0092B-C50C-407E-A947-70E740481C1C}">
+                    <a14:useLocalDpi xmlns:a14="http://schemas.microsoft.com/office/drawing/2010/main" val="0"/>
+                  </a:ext>
+                </a:extLst>
+              </a:blip>
+              <a:stretch>
+                <a:fillRect/>
+              </a:stretch>
+            </p:blipFill>
+            <p:spPr>
+              <a:xfrm flipH="1">
+                <a:off x="9375768" y="2211626"/>
+                <a:ext cx="295200" cy="295200"/>
+              </a:xfrm>
+              <a:prstGeom prst="rect">
+                <a:avLst/>
+              </a:prstGeom>
+              <a:solidFill>
+                <a:schemeClr val="bg1"/>
+              </a:solidFill>
+            </p:spPr>
+          </p:pic>
+          <p:pic>
+            <p:nvPicPr>
+              <p:cNvPr id="136" name="图片 135">
+                <a:extLst>
+                  <a:ext uri="{FF2B5EF4-FFF2-40B4-BE49-F238E27FC236}">
+                    <a16:creationId xmlns:a16="http://schemas.microsoft.com/office/drawing/2014/main" id="{ED346168-F232-4B8F-8507-0497F9759A43}"/>
+                  </a:ext>
+                </a:extLst>
+              </p:cNvPr>
+              <p:cNvPicPr>
+                <a:picLocks noChangeAspect="1"/>
+              </p:cNvPicPr>
+              <p:nvPr/>
+            </p:nvPicPr>
+            <p:blipFill>
+              <a:blip r:embed="rId10" cstate="print">
+                <a:extLst>
+                  <a:ext uri="{28A0092B-C50C-407E-A947-70E740481C1C}">
+                    <a14:useLocalDpi xmlns:a14="http://schemas.microsoft.com/office/drawing/2010/main" val="0"/>
+                  </a:ext>
+                </a:extLst>
+              </a:blip>
+              <a:stretch>
+                <a:fillRect/>
+              </a:stretch>
+            </p:blipFill>
+            <p:spPr>
+              <a:xfrm flipH="1">
+                <a:off x="9085337" y="2211626"/>
+                <a:ext cx="295200" cy="295200"/>
+              </a:xfrm>
+              <a:prstGeom prst="rect">
+                <a:avLst/>
+              </a:prstGeom>
+              <a:solidFill>
+                <a:schemeClr val="bg1"/>
+              </a:solidFill>
+            </p:spPr>
+          </p:pic>
+          <p:pic>
+            <p:nvPicPr>
+              <p:cNvPr id="137" name="图片 136">
+                <a:extLst>
+                  <a:ext uri="{FF2B5EF4-FFF2-40B4-BE49-F238E27FC236}">
+                    <a16:creationId xmlns:a16="http://schemas.microsoft.com/office/drawing/2014/main" id="{E951B1A4-1319-4C8B-944C-9E0298A837E7}"/>
+                  </a:ext>
+                </a:extLst>
+              </p:cNvPr>
+              <p:cNvPicPr>
+                <a:picLocks noChangeAspect="1"/>
+              </p:cNvPicPr>
+              <p:nvPr/>
+            </p:nvPicPr>
+            <p:blipFill>
+              <a:blip r:embed="rId10" cstate="print">
+                <a:extLst>
+                  <a:ext uri="{28A0092B-C50C-407E-A947-70E740481C1C}">
+                    <a14:useLocalDpi xmlns:a14="http://schemas.microsoft.com/office/drawing/2010/main" val="0"/>
+                  </a:ext>
+                </a:extLst>
+              </a:blip>
+              <a:stretch>
+                <a:fillRect/>
+              </a:stretch>
+            </p:blipFill>
+            <p:spPr>
+              <a:xfrm flipH="1">
+                <a:off x="9666198" y="2211626"/>
+                <a:ext cx="295200" cy="295200"/>
+              </a:xfrm>
+              <a:prstGeom prst="rect">
+                <a:avLst/>
+              </a:prstGeom>
+              <a:solidFill>
+                <a:schemeClr val="bg1"/>
+              </a:solidFill>
+            </p:spPr>
+          </p:pic>
+          <p:pic>
+            <p:nvPicPr>
+              <p:cNvPr id="145" name="图片 144">
+                <a:extLst>
+                  <a:ext uri="{FF2B5EF4-FFF2-40B4-BE49-F238E27FC236}">
+                    <a16:creationId xmlns:a16="http://schemas.microsoft.com/office/drawing/2014/main" id="{14936CE9-83AD-46BC-B74B-9AA99F15C5EA}"/>
+                  </a:ext>
+                </a:extLst>
+              </p:cNvPr>
+              <p:cNvPicPr>
+                <a:picLocks noChangeAspect="1"/>
+              </p:cNvPicPr>
+              <p:nvPr/>
+            </p:nvPicPr>
+            <p:blipFill>
+              <a:blip r:embed="rId10" cstate="print">
+                <a:extLst>
+                  <a:ext uri="{28A0092B-C50C-407E-A947-70E740481C1C}">
+                    <a14:useLocalDpi xmlns:a14="http://schemas.microsoft.com/office/drawing/2010/main" val="0"/>
+                  </a:ext>
+                </a:extLst>
+              </a:blip>
+              <a:stretch>
+                <a:fillRect/>
+              </a:stretch>
+            </p:blipFill>
+            <p:spPr>
+              <a:xfrm flipH="1">
+                <a:off x="9513878" y="1916426"/>
+                <a:ext cx="295200" cy="295200"/>
+              </a:xfrm>
+              <a:prstGeom prst="rect">
+                <a:avLst/>
+              </a:prstGeom>
+              <a:solidFill>
+                <a:schemeClr val="bg1"/>
+              </a:solidFill>
+            </p:spPr>
+          </p:pic>
+        </p:grpSp>
       </p:grpSp>
-      <p:cxnSp>
-        <p:nvCxnSpPr>
-          <p:cNvPr id="232" name="直接箭头连接符 231">
+      <p:grpSp>
+        <p:nvGrpSpPr>
+          <p:cNvPr id="104" name="组合 103">
             <a:extLst>
               <a:ext uri="{FF2B5EF4-FFF2-40B4-BE49-F238E27FC236}">
-                <a16:creationId xmlns:a16="http://schemas.microsoft.com/office/drawing/2014/main" id="{0CBFD6A4-7719-4C83-BB40-C8ECB7900A08}"/>
+                <a16:creationId xmlns:a16="http://schemas.microsoft.com/office/drawing/2014/main" id="{61EC9F24-86DF-4446-806C-C8F0498C4608}"/>
               </a:ext>
             </a:extLst>
           </p:cNvPr>
-          <p:cNvCxnSpPr>
-            <a:cxnSpLocks/>
-          </p:cNvCxnSpPr>
+          <p:cNvGrpSpPr/>
           <p:nvPr/>
-        </p:nvCxnSpPr>
+        </p:nvGrpSpPr>
+        <p:grpSpPr>
+          <a:xfrm>
+            <a:off x="375723" y="2617206"/>
+            <a:ext cx="3405415" cy="1482414"/>
+            <a:chOff x="97147" y="2570990"/>
+            <a:chExt cx="3097352" cy="1552231"/>
+          </a:xfrm>
+        </p:grpSpPr>
+        <p:sp>
+          <p:nvSpPr>
+            <p:cNvPr id="96" name="矩形 95">
+              <a:extLst>
+                <a:ext uri="{FF2B5EF4-FFF2-40B4-BE49-F238E27FC236}">
+                  <a16:creationId xmlns:a16="http://schemas.microsoft.com/office/drawing/2014/main" id="{9DABE4BD-B368-472F-871B-6C3DEE6FBC65}"/>
+                </a:ext>
+              </a:extLst>
+            </p:cNvPr>
+            <p:cNvSpPr/>
+            <p:nvPr/>
+          </p:nvSpPr>
+          <p:spPr>
+            <a:xfrm>
+              <a:off x="97147" y="2570990"/>
+              <a:ext cx="3097352" cy="1552231"/>
+            </a:xfrm>
+            <a:prstGeom prst="rect">
+              <a:avLst/>
+            </a:prstGeom>
+            <a:noFill/>
+            <a:ln w="9525">
+              <a:solidFill>
+                <a:schemeClr val="tx1"/>
+              </a:solidFill>
+            </a:ln>
+          </p:spPr>
+          <p:style>
+            <a:lnRef idx="2">
+              <a:schemeClr val="accent1">
+                <a:shade val="50000"/>
+              </a:schemeClr>
+            </a:lnRef>
+            <a:fillRef idx="1">
+              <a:schemeClr val="accent1"/>
+            </a:fillRef>
+            <a:effectRef idx="0">
+              <a:schemeClr val="accent1"/>
+            </a:effectRef>
+            <a:fontRef idx="minor">
+              <a:schemeClr val="lt1"/>
+            </a:fontRef>
+          </p:style>
+          <p:txBody>
+            <a:bodyPr rtlCol="0" anchor="ctr"/>
+            <a:lstStyle/>
+            <a:p>
+              <a:pPr algn="ctr"/>
+              <a:endParaRPr lang="zh-CN" altLang="en-US"/>
+            </a:p>
+          </p:txBody>
+        </p:sp>
+        <p:grpSp>
+          <p:nvGrpSpPr>
+            <p:cNvPr id="102" name="组合 101">
+              <a:extLst>
+                <a:ext uri="{FF2B5EF4-FFF2-40B4-BE49-F238E27FC236}">
+                  <a16:creationId xmlns:a16="http://schemas.microsoft.com/office/drawing/2014/main" id="{B8EBB42A-8DF7-4C22-9814-797125FFBF06}"/>
+                </a:ext>
+              </a:extLst>
+            </p:cNvPr>
+            <p:cNvGrpSpPr/>
+            <p:nvPr/>
+          </p:nvGrpSpPr>
+          <p:grpSpPr>
+            <a:xfrm>
+              <a:off x="237985" y="2681417"/>
+              <a:ext cx="2610209" cy="1331377"/>
+              <a:chOff x="237985" y="2701408"/>
+              <a:chExt cx="2610209" cy="1331377"/>
+            </a:xfrm>
+          </p:grpSpPr>
+          <p:grpSp>
+            <p:nvGrpSpPr>
+              <p:cNvPr id="92" name="组合 91">
+                <a:extLst>
+                  <a:ext uri="{FF2B5EF4-FFF2-40B4-BE49-F238E27FC236}">
+                    <a16:creationId xmlns:a16="http://schemas.microsoft.com/office/drawing/2014/main" id="{C0719900-FE68-4537-898A-C3787FE4A692}"/>
+                  </a:ext>
+                </a:extLst>
+              </p:cNvPr>
+              <p:cNvGrpSpPr/>
+              <p:nvPr/>
+            </p:nvGrpSpPr>
+            <p:grpSpPr>
+              <a:xfrm>
+                <a:off x="237985" y="2701408"/>
+                <a:ext cx="2610209" cy="298035"/>
+                <a:chOff x="94419" y="2679561"/>
+                <a:chExt cx="2610209" cy="298035"/>
+              </a:xfrm>
+            </p:grpSpPr>
+            <p:sp>
+              <p:nvSpPr>
+                <p:cNvPr id="150" name="矩形 149">
+                  <a:extLst>
+                    <a:ext uri="{FF2B5EF4-FFF2-40B4-BE49-F238E27FC236}">
+                      <a16:creationId xmlns:a16="http://schemas.microsoft.com/office/drawing/2014/main" id="{5A6C66F8-B458-4B3B-97D6-76E37B5CD2D2}"/>
+                    </a:ext>
+                  </a:extLst>
+                </p:cNvPr>
+                <p:cNvSpPr/>
+                <p:nvPr/>
+              </p:nvSpPr>
+              <p:spPr>
+                <a:xfrm>
+                  <a:off x="94419" y="2679561"/>
+                  <a:ext cx="1980000" cy="298035"/>
+                </a:xfrm>
+                <a:prstGeom prst="rect">
+                  <a:avLst/>
+                </a:prstGeom>
+                <a:solidFill>
+                  <a:schemeClr val="bg1"/>
+                </a:solidFill>
+                <a:ln w="28575">
+                  <a:noFill/>
+                  <a:prstDash val="solid"/>
+                </a:ln>
+              </p:spPr>
+              <p:style>
+                <a:lnRef idx="2">
+                  <a:schemeClr val="accent1">
+                    <a:shade val="50000"/>
+                  </a:schemeClr>
+                </a:lnRef>
+                <a:fillRef idx="1">
+                  <a:schemeClr val="accent1"/>
+                </a:fillRef>
+                <a:effectRef idx="0">
+                  <a:schemeClr val="accent1"/>
+                </a:effectRef>
+                <a:fontRef idx="minor">
+                  <a:schemeClr val="lt1"/>
+                </a:fontRef>
+              </p:style>
+              <p:txBody>
+                <a:bodyPr rtlCol="0" anchor="ctr"/>
+                <a:lstStyle/>
+                <a:p>
+                  <a:pPr algn="ctr"/>
+                  <a:r>
+                    <a:rPr lang="zh-CN" altLang="en-US" sz="1400" dirty="0">
+                      <a:solidFill>
+                        <a:schemeClr val="accent6"/>
+                      </a:solidFill>
+                    </a:rPr>
+                    <a:t>应用收集器相关数据流</a:t>
+                  </a:r>
+                </a:p>
+              </p:txBody>
+            </p:sp>
+            <p:cxnSp>
+              <p:nvCxnSpPr>
+                <p:cNvPr id="159" name="直接箭头连接符 158">
+                  <a:extLst>
+                    <a:ext uri="{FF2B5EF4-FFF2-40B4-BE49-F238E27FC236}">
+                      <a16:creationId xmlns:a16="http://schemas.microsoft.com/office/drawing/2014/main" id="{5AC9D880-BF35-46A3-BDE5-98480ADDCC8C}"/>
+                    </a:ext>
+                  </a:extLst>
+                </p:cNvPr>
+                <p:cNvCxnSpPr>
+                  <a:cxnSpLocks/>
+                </p:cNvCxnSpPr>
+                <p:nvPr/>
+              </p:nvCxnSpPr>
+              <p:spPr>
+                <a:xfrm flipV="1">
+                  <a:off x="1989217" y="2827669"/>
+                  <a:ext cx="715411" cy="909"/>
+                </a:xfrm>
+                <a:prstGeom prst="straightConnector1">
+                  <a:avLst/>
+                </a:prstGeom>
+                <a:ln w="28575">
+                  <a:solidFill>
+                    <a:schemeClr val="accent6"/>
+                  </a:solidFill>
+                  <a:prstDash val="lgDashDot"/>
+                  <a:headEnd type="none" w="med" len="med"/>
+                  <a:tailEnd type="triangle"/>
+                </a:ln>
+              </p:spPr>
+              <p:style>
+                <a:lnRef idx="3">
+                  <a:schemeClr val="dk1"/>
+                </a:lnRef>
+                <a:fillRef idx="0">
+                  <a:schemeClr val="dk1"/>
+                </a:fillRef>
+                <a:effectRef idx="2">
+                  <a:schemeClr val="dk1"/>
+                </a:effectRef>
+                <a:fontRef idx="minor">
+                  <a:schemeClr val="tx1"/>
+                </a:fontRef>
+              </p:style>
+            </p:cxnSp>
+          </p:grpSp>
+          <p:grpSp>
+            <p:nvGrpSpPr>
+              <p:cNvPr id="93" name="组合 92">
+                <a:extLst>
+                  <a:ext uri="{FF2B5EF4-FFF2-40B4-BE49-F238E27FC236}">
+                    <a16:creationId xmlns:a16="http://schemas.microsoft.com/office/drawing/2014/main" id="{BADA2121-3245-47A8-B63B-DEB0E8A90CFF}"/>
+                  </a:ext>
+                </a:extLst>
+              </p:cNvPr>
+              <p:cNvGrpSpPr/>
+              <p:nvPr/>
+            </p:nvGrpSpPr>
+            <p:grpSpPr>
+              <a:xfrm>
+                <a:off x="237985" y="3045855"/>
+                <a:ext cx="2610209" cy="298035"/>
+                <a:chOff x="94419" y="3038572"/>
+                <a:chExt cx="2610209" cy="298035"/>
+              </a:xfrm>
+            </p:grpSpPr>
+            <p:sp>
+              <p:nvSpPr>
+                <p:cNvPr id="151" name="矩形 150">
+                  <a:extLst>
+                    <a:ext uri="{FF2B5EF4-FFF2-40B4-BE49-F238E27FC236}">
+                      <a16:creationId xmlns:a16="http://schemas.microsoft.com/office/drawing/2014/main" id="{9A62F073-21E6-430D-92EF-C4052C98B40C}"/>
+                    </a:ext>
+                  </a:extLst>
+                </p:cNvPr>
+                <p:cNvSpPr/>
+                <p:nvPr/>
+              </p:nvSpPr>
+              <p:spPr>
+                <a:xfrm>
+                  <a:off x="94419" y="3038572"/>
+                  <a:ext cx="1980000" cy="298035"/>
+                </a:xfrm>
+                <a:prstGeom prst="rect">
+                  <a:avLst/>
+                </a:prstGeom>
+                <a:solidFill>
+                  <a:schemeClr val="bg1"/>
+                </a:solidFill>
+                <a:ln w="28575">
+                  <a:noFill/>
+                  <a:prstDash val="solid"/>
+                </a:ln>
+              </p:spPr>
+              <p:style>
+                <a:lnRef idx="2">
+                  <a:schemeClr val="accent1">
+                    <a:shade val="50000"/>
+                  </a:schemeClr>
+                </a:lnRef>
+                <a:fillRef idx="1">
+                  <a:schemeClr val="accent1"/>
+                </a:fillRef>
+                <a:effectRef idx="0">
+                  <a:schemeClr val="accent1"/>
+                </a:effectRef>
+                <a:fontRef idx="minor">
+                  <a:schemeClr val="lt1"/>
+                </a:fontRef>
+              </p:style>
+              <p:txBody>
+                <a:bodyPr rtlCol="0" anchor="ctr"/>
+                <a:lstStyle/>
+                <a:p>
+                  <a:pPr algn="ctr"/>
+                  <a:r>
+                    <a:rPr lang="zh-CN" altLang="en-US" sz="1400" dirty="0">
+                      <a:solidFill>
+                        <a:srgbClr val="EA8B00"/>
+                      </a:solidFill>
+                    </a:rPr>
+                    <a:t>应用过滤器相关数据流</a:t>
+                  </a:r>
+                </a:p>
+              </p:txBody>
+            </p:sp>
+            <p:cxnSp>
+              <p:nvCxnSpPr>
+                <p:cNvPr id="160" name="直接箭头连接符 159">
+                  <a:extLst>
+                    <a:ext uri="{FF2B5EF4-FFF2-40B4-BE49-F238E27FC236}">
+                      <a16:creationId xmlns:a16="http://schemas.microsoft.com/office/drawing/2014/main" id="{B2D34648-B06F-4642-B566-926AFE1877F0}"/>
+                    </a:ext>
+                  </a:extLst>
+                </p:cNvPr>
+                <p:cNvCxnSpPr>
+                  <a:cxnSpLocks/>
+                </p:cNvCxnSpPr>
+                <p:nvPr/>
+              </p:nvCxnSpPr>
+              <p:spPr>
+                <a:xfrm flipV="1">
+                  <a:off x="1989217" y="3204922"/>
+                  <a:ext cx="715411" cy="909"/>
+                </a:xfrm>
+                <a:prstGeom prst="straightConnector1">
+                  <a:avLst/>
+                </a:prstGeom>
+                <a:ln w="28575">
+                  <a:solidFill>
+                    <a:schemeClr val="accent2"/>
+                  </a:solidFill>
+                  <a:prstDash val="lgDashDot"/>
+                  <a:headEnd type="none" w="med" len="med"/>
+                  <a:tailEnd type="triangle"/>
+                </a:ln>
+              </p:spPr>
+              <p:style>
+                <a:lnRef idx="3">
+                  <a:schemeClr val="dk1"/>
+                </a:lnRef>
+                <a:fillRef idx="0">
+                  <a:schemeClr val="dk1"/>
+                </a:fillRef>
+                <a:effectRef idx="2">
+                  <a:schemeClr val="dk1"/>
+                </a:effectRef>
+                <a:fontRef idx="minor">
+                  <a:schemeClr val="tx1"/>
+                </a:fontRef>
+              </p:style>
+            </p:cxnSp>
+          </p:grpSp>
+          <p:grpSp>
+            <p:nvGrpSpPr>
+              <p:cNvPr id="94" name="组合 93">
+                <a:extLst>
+                  <a:ext uri="{FF2B5EF4-FFF2-40B4-BE49-F238E27FC236}">
+                    <a16:creationId xmlns:a16="http://schemas.microsoft.com/office/drawing/2014/main" id="{3594608E-D82A-4678-BA91-E4B775F28A8A}"/>
+                  </a:ext>
+                </a:extLst>
+              </p:cNvPr>
+              <p:cNvGrpSpPr/>
+              <p:nvPr/>
+            </p:nvGrpSpPr>
+            <p:grpSpPr>
+              <a:xfrm>
+                <a:off x="237985" y="3390302"/>
+                <a:ext cx="2610209" cy="298035"/>
+                <a:chOff x="94419" y="3397583"/>
+                <a:chExt cx="2610209" cy="298035"/>
+              </a:xfrm>
+            </p:grpSpPr>
+            <p:sp>
+              <p:nvSpPr>
+                <p:cNvPr id="149" name="矩形 148">
+                  <a:extLst>
+                    <a:ext uri="{FF2B5EF4-FFF2-40B4-BE49-F238E27FC236}">
+                      <a16:creationId xmlns:a16="http://schemas.microsoft.com/office/drawing/2014/main" id="{51CA8F7A-863D-4AF6-AB75-6E4580405261}"/>
+                    </a:ext>
+                  </a:extLst>
+                </p:cNvPr>
+                <p:cNvSpPr/>
+                <p:nvPr/>
+              </p:nvSpPr>
+              <p:spPr>
+                <a:xfrm>
+                  <a:off x="94419" y="3397583"/>
+                  <a:ext cx="1980000" cy="298035"/>
+                </a:xfrm>
+                <a:prstGeom prst="rect">
+                  <a:avLst/>
+                </a:prstGeom>
+                <a:solidFill>
+                  <a:schemeClr val="bg1"/>
+                </a:solidFill>
+                <a:ln w="28575">
+                  <a:noFill/>
+                  <a:prstDash val="solid"/>
+                </a:ln>
+              </p:spPr>
+              <p:style>
+                <a:lnRef idx="2">
+                  <a:schemeClr val="accent1">
+                    <a:shade val="50000"/>
+                  </a:schemeClr>
+                </a:lnRef>
+                <a:fillRef idx="1">
+                  <a:schemeClr val="accent1"/>
+                </a:fillRef>
+                <a:effectRef idx="0">
+                  <a:schemeClr val="accent1"/>
+                </a:effectRef>
+                <a:fontRef idx="minor">
+                  <a:schemeClr val="lt1"/>
+                </a:fontRef>
+              </p:style>
+              <p:txBody>
+                <a:bodyPr rtlCol="0" anchor="ctr"/>
+                <a:lstStyle/>
+                <a:p>
+                  <a:pPr algn="ctr"/>
+                  <a:r>
+                    <a:rPr lang="zh-CN" altLang="en-US" sz="1400" dirty="0">
+                      <a:solidFill>
+                        <a:schemeClr val="accent5"/>
+                      </a:solidFill>
+                    </a:rPr>
+                    <a:t>迭代搜索器相关数据流</a:t>
+                  </a:r>
+                </a:p>
+              </p:txBody>
+            </p:sp>
+            <p:cxnSp>
+              <p:nvCxnSpPr>
+                <p:cNvPr id="161" name="直接箭头连接符 160">
+                  <a:extLst>
+                    <a:ext uri="{FF2B5EF4-FFF2-40B4-BE49-F238E27FC236}">
+                      <a16:creationId xmlns:a16="http://schemas.microsoft.com/office/drawing/2014/main" id="{CB1C2046-4E16-4597-AB4E-0B1F1801FB3B}"/>
+                    </a:ext>
+                  </a:extLst>
+                </p:cNvPr>
+                <p:cNvCxnSpPr>
+                  <a:cxnSpLocks/>
+                </p:cNvCxnSpPr>
+                <p:nvPr/>
+              </p:nvCxnSpPr>
+              <p:spPr>
+                <a:xfrm flipV="1">
+                  <a:off x="1989217" y="3565193"/>
+                  <a:ext cx="715411" cy="909"/>
+                </a:xfrm>
+                <a:prstGeom prst="straightConnector1">
+                  <a:avLst/>
+                </a:prstGeom>
+                <a:ln w="28575">
+                  <a:solidFill>
+                    <a:schemeClr val="accent5"/>
+                  </a:solidFill>
+                  <a:prstDash val="lgDashDot"/>
+                  <a:headEnd type="none" w="med" len="med"/>
+                  <a:tailEnd type="triangle"/>
+                </a:ln>
+              </p:spPr>
+              <p:style>
+                <a:lnRef idx="3">
+                  <a:schemeClr val="dk1"/>
+                </a:lnRef>
+                <a:fillRef idx="0">
+                  <a:schemeClr val="dk1"/>
+                </a:fillRef>
+                <a:effectRef idx="2">
+                  <a:schemeClr val="dk1"/>
+                </a:effectRef>
+                <a:fontRef idx="minor">
+                  <a:schemeClr val="tx1"/>
+                </a:fontRef>
+              </p:style>
+            </p:cxnSp>
+          </p:grpSp>
+          <p:grpSp>
+            <p:nvGrpSpPr>
+              <p:cNvPr id="101" name="组合 100">
+                <a:extLst>
+                  <a:ext uri="{FF2B5EF4-FFF2-40B4-BE49-F238E27FC236}">
+                    <a16:creationId xmlns:a16="http://schemas.microsoft.com/office/drawing/2014/main" id="{D40947AC-023D-4639-BB4E-2CB7833562D9}"/>
+                  </a:ext>
+                </a:extLst>
+              </p:cNvPr>
+              <p:cNvGrpSpPr/>
+              <p:nvPr/>
+            </p:nvGrpSpPr>
+            <p:grpSpPr>
+              <a:xfrm>
+                <a:off x="237985" y="3734750"/>
+                <a:ext cx="2610209" cy="298035"/>
+                <a:chOff x="237985" y="3734750"/>
+                <a:chExt cx="2610209" cy="298035"/>
+              </a:xfrm>
+            </p:grpSpPr>
+            <p:sp>
+              <p:nvSpPr>
+                <p:cNvPr id="163" name="矩形 162">
+                  <a:extLst>
+                    <a:ext uri="{FF2B5EF4-FFF2-40B4-BE49-F238E27FC236}">
+                      <a16:creationId xmlns:a16="http://schemas.microsoft.com/office/drawing/2014/main" id="{4461C2AE-F242-4C39-8BC1-7F1C00E0E85B}"/>
+                    </a:ext>
+                  </a:extLst>
+                </p:cNvPr>
+                <p:cNvSpPr/>
+                <p:nvPr/>
+              </p:nvSpPr>
+              <p:spPr>
+                <a:xfrm>
+                  <a:off x="237985" y="3734750"/>
+                  <a:ext cx="1980000" cy="298035"/>
+                </a:xfrm>
+                <a:prstGeom prst="rect">
+                  <a:avLst/>
+                </a:prstGeom>
+                <a:solidFill>
+                  <a:schemeClr val="bg1"/>
+                </a:solidFill>
+                <a:ln w="28575">
+                  <a:noFill/>
+                  <a:prstDash val="solid"/>
+                </a:ln>
+              </p:spPr>
+              <p:style>
+                <a:lnRef idx="2">
+                  <a:schemeClr val="accent1">
+                    <a:shade val="50000"/>
+                  </a:schemeClr>
+                </a:lnRef>
+                <a:fillRef idx="1">
+                  <a:schemeClr val="accent1"/>
+                </a:fillRef>
+                <a:effectRef idx="0">
+                  <a:schemeClr val="accent1"/>
+                </a:effectRef>
+                <a:fontRef idx="minor">
+                  <a:schemeClr val="lt1"/>
+                </a:fontRef>
+              </p:style>
+              <p:txBody>
+                <a:bodyPr rtlCol="0" anchor="ctr"/>
+                <a:lstStyle/>
+                <a:p>
+                  <a:pPr algn="ctr"/>
+                  <a:r>
+                    <a:rPr lang="zh-CN" altLang="en-US" sz="1400">
+                      <a:solidFill>
+                        <a:srgbClr val="C00000"/>
+                      </a:solidFill>
+                    </a:rPr>
+                    <a:t>工具输入</a:t>
+                  </a:r>
+                  <a:r>
+                    <a:rPr lang="zh-CN" altLang="en-US" sz="1400" dirty="0">
+                      <a:solidFill>
+                        <a:srgbClr val="C00000"/>
+                      </a:solidFill>
+                    </a:rPr>
+                    <a:t>与输出</a:t>
+                  </a:r>
+                </a:p>
+              </p:txBody>
+            </p:sp>
+            <p:cxnSp>
+              <p:nvCxnSpPr>
+                <p:cNvPr id="164" name="直接箭头连接符 163">
+                  <a:extLst>
+                    <a:ext uri="{FF2B5EF4-FFF2-40B4-BE49-F238E27FC236}">
+                      <a16:creationId xmlns:a16="http://schemas.microsoft.com/office/drawing/2014/main" id="{CA2D38E9-CC9C-4B7D-A6CD-7B7FC3B7E592}"/>
+                    </a:ext>
+                  </a:extLst>
+                </p:cNvPr>
+                <p:cNvCxnSpPr>
+                  <a:cxnSpLocks/>
+                </p:cNvCxnSpPr>
+                <p:nvPr/>
+              </p:nvCxnSpPr>
+              <p:spPr>
+                <a:xfrm flipV="1">
+                  <a:off x="2132783" y="3902360"/>
+                  <a:ext cx="715411" cy="909"/>
+                </a:xfrm>
+                <a:prstGeom prst="straightConnector1">
+                  <a:avLst/>
+                </a:prstGeom>
+                <a:ln w="28575">
+                  <a:solidFill>
+                    <a:srgbClr val="B42200"/>
+                  </a:solidFill>
+                  <a:prstDash val="solid"/>
+                  <a:headEnd type="none" w="med" len="med"/>
+                  <a:tailEnd type="triangle"/>
+                </a:ln>
+              </p:spPr>
+              <p:style>
+                <a:lnRef idx="3">
+                  <a:schemeClr val="dk1"/>
+                </a:lnRef>
+                <a:fillRef idx="0">
+                  <a:schemeClr val="dk1"/>
+                </a:fillRef>
+                <a:effectRef idx="2">
+                  <a:schemeClr val="dk1"/>
+                </a:effectRef>
+                <a:fontRef idx="minor">
+                  <a:schemeClr val="tx1"/>
+                </a:fontRef>
+              </p:style>
+            </p:cxnSp>
+          </p:grpSp>
+        </p:grpSp>
+      </p:grpSp>
+      <p:sp>
+        <p:nvSpPr>
+          <p:cNvPr id="172" name="矩形 171">
+            <a:extLst>
+              <a:ext uri="{FF2B5EF4-FFF2-40B4-BE49-F238E27FC236}">
+                <a16:creationId xmlns:a16="http://schemas.microsoft.com/office/drawing/2014/main" id="{76E939BA-F017-4EB8-85F8-39BD6AF503D3}"/>
+              </a:ext>
+            </a:extLst>
+          </p:cNvPr>
+          <p:cNvSpPr/>
+          <p:nvPr/>
+        </p:nvSpPr>
         <p:spPr>
-          <a:xfrm flipH="1" flipV="1">
-            <a:off x="7570010" y="3222665"/>
-            <a:ext cx="2365" cy="406360"/>
+          <a:xfrm>
+            <a:off x="562515" y="1504401"/>
+            <a:ext cx="133734" cy="242955"/>
           </a:xfrm>
-          <a:prstGeom prst="straightConnector1">
+          <a:prstGeom prst="rect">
             <a:avLst/>
           </a:prstGeom>
-          <a:ln w="28575">
-            <a:solidFill>
-              <a:srgbClr val="C00000"/>
-            </a:solidFill>
-            <a:prstDash val="solid"/>
-            <a:headEnd type="none" w="med" len="med"/>
-            <a:tailEnd type="triangle"/>
+          <a:solidFill>
+            <a:schemeClr val="bg1"/>
+          </a:solidFill>
+          <a:ln w="57150">
+            <a:noFill/>
+            <a:prstDash val="lgDash"/>
           </a:ln>
         </p:spPr>
         <p:style>
-          <a:lnRef idx="3">
-            <a:schemeClr val="dk1"/>
+          <a:lnRef idx="2">
+            <a:schemeClr val="accent1">
+              <a:shade val="50000"/>
+            </a:schemeClr>
           </a:lnRef>
-          <a:fillRef idx="0">
-            <a:schemeClr val="dk1"/>
+          <a:fillRef idx="1">
+            <a:schemeClr val="accent1"/>
           </a:fillRef>
-          <a:effectRef idx="2">
-            <a:schemeClr val="dk1"/>
+          <a:effectRef idx="0">
+            <a:schemeClr val="accent1"/>
           </a:effectRef>
           <a:fontRef idx="minor">
-            <a:schemeClr val="tx1"/>
+            <a:schemeClr val="lt1"/>
           </a:fontRef>
         </p:style>
-      </p:cxnSp>
+        <p:txBody>
+          <a:bodyPr rtlCol="0" anchor="ctr"/>
+          <a:lstStyle/>
+          <a:p>
+            <a:pPr algn="ctr"/>
+            <a:r>
+              <a:rPr lang="zh-CN" altLang="en-US" sz="1400" dirty="0">
+                <a:solidFill>
+                  <a:schemeClr val="tx1"/>
+                </a:solidFill>
+              </a:rPr>
+              <a:t>应用来源</a:t>
+            </a:r>
+          </a:p>
+        </p:txBody>
+      </p:sp>
     </p:spTree>
     <p:extLst>
       <p:ext uri="{BB962C8B-B14F-4D97-AF65-F5344CB8AC3E}">
-        <p14:creationId xmlns:p14="http://schemas.microsoft.com/office/powerpoint/2010/main" val="1166616651"/>
+        <p14:creationId xmlns:p14="http://schemas.microsoft.com/office/powerpoint/2010/main" val="2642943566"/>
       </p:ext>
     </p:extLst>
   </p:cSld>

--- a/edwin_2019/Figures/edwin-overview.pptx
+++ b/edwin_2019/Figures/edwin-overview.pptx
@@ -367,8 +367,8 @@
   </pc:docChgLst>
   <pc:docChgLst>
     <pc:chgData name="唐 崇斌 Edwin" userId="769f27267cb83406" providerId="LiveId" clId="{5950B5EE-091A-4B6E-A0E4-F7E0BA907422}"/>
-    <pc:docChg chg="undo custSel addSld modSld">
-      <pc:chgData name="唐 崇斌 Edwin" userId="769f27267cb83406" providerId="LiveId" clId="{5950B5EE-091A-4B6E-A0E4-F7E0BA907422}" dt="2020-03-23T15:44:34.910" v="1379"/>
+    <pc:docChg chg="undo redo custSel addSld modSld">
+      <pc:chgData name="唐 崇斌 Edwin" userId="769f27267cb83406" providerId="LiveId" clId="{5950B5EE-091A-4B6E-A0E4-F7E0BA907422}" dt="2020-03-23T17:57:09.864" v="3806" actId="12788"/>
       <pc:docMkLst>
         <pc:docMk/>
       </pc:docMkLst>
@@ -468,7 +468,7 @@
         </pc:cxnChg>
       </pc:sldChg>
       <pc:sldChg chg="addSp delSp modSp">
-        <pc:chgData name="唐 崇斌 Edwin" userId="769f27267cb83406" providerId="LiveId" clId="{5950B5EE-091A-4B6E-A0E4-F7E0BA907422}" dt="2020-03-23T14:10:17.229" v="38" actId="693"/>
+        <pc:chgData name="唐 崇斌 Edwin" userId="769f27267cb83406" providerId="LiveId" clId="{5950B5EE-091A-4B6E-A0E4-F7E0BA907422}" dt="2020-03-23T16:31:37.234" v="1488"/>
         <pc:sldMkLst>
           <pc:docMk/>
           <pc:sldMk cId="1166616651" sldId="261"/>
@@ -529,6 +529,22 @@
             <ac:grpSpMk id="16" creationId="{63A7B5DD-25BA-4A60-B5F3-E33A13A8BB76}"/>
           </ac:grpSpMkLst>
         </pc:grpChg>
+        <pc:grpChg chg="add del">
+          <ac:chgData name="唐 崇斌 Edwin" userId="769f27267cb83406" providerId="LiveId" clId="{5950B5EE-091A-4B6E-A0E4-F7E0BA907422}" dt="2020-03-23T16:31:30.798" v="1484"/>
+          <ac:grpSpMkLst>
+            <pc:docMk/>
+            <pc:sldMk cId="1166616651" sldId="261"/>
+            <ac:grpSpMk id="65" creationId="{6794C3F4-02C2-4EA0-95CA-7ECCDB5FEFBC}"/>
+          </ac:grpSpMkLst>
+        </pc:grpChg>
+        <pc:grpChg chg="add del">
+          <ac:chgData name="唐 崇斌 Edwin" userId="769f27267cb83406" providerId="LiveId" clId="{5950B5EE-091A-4B6E-A0E4-F7E0BA907422}" dt="2020-03-23T16:31:37.234" v="1488"/>
+          <ac:grpSpMkLst>
+            <pc:docMk/>
+            <pc:sldMk cId="1166616651" sldId="261"/>
+            <ac:grpSpMk id="74" creationId="{03961420-F2CD-43F4-97FC-700061D7C422}"/>
+          </ac:grpSpMkLst>
+        </pc:grpChg>
         <pc:grpChg chg="mod">
           <ac:chgData name="唐 崇斌 Edwin" userId="769f27267cb83406" providerId="LiveId" clId="{5950B5EE-091A-4B6E-A0E4-F7E0BA907422}" dt="2020-03-23T14:07:19.118" v="14" actId="164"/>
           <ac:grpSpMkLst>
@@ -563,7 +579,7 @@
         </pc:cxnChg>
       </pc:sldChg>
       <pc:sldChg chg="addSp delSp modSp add">
-        <pc:chgData name="唐 崇斌 Edwin" userId="769f27267cb83406" providerId="LiveId" clId="{5950B5EE-091A-4B6E-A0E4-F7E0BA907422}" dt="2020-03-23T15:44:34.910" v="1379"/>
+        <pc:chgData name="唐 崇斌 Edwin" userId="769f27267cb83406" providerId="LiveId" clId="{5950B5EE-091A-4B6E-A0E4-F7E0BA907422}" dt="2020-03-23T17:57:09.864" v="3806" actId="12788"/>
         <pc:sldMkLst>
           <pc:docMk/>
           <pc:sldMk cId="2642943566" sldId="262"/>
@@ -585,23 +601,23 @@
           </ac:spMkLst>
         </pc:spChg>
         <pc:spChg chg="add mod">
-          <ac:chgData name="唐 崇斌 Edwin" userId="769f27267cb83406" providerId="LiveId" clId="{5950B5EE-091A-4B6E-A0E4-F7E0BA907422}" dt="2020-03-23T14:21:11.237" v="216" actId="164"/>
+          <ac:chgData name="唐 崇斌 Edwin" userId="769f27267cb83406" providerId="LiveId" clId="{5950B5EE-091A-4B6E-A0E4-F7E0BA907422}" dt="2020-03-23T16:57:38.284" v="2458" actId="1076"/>
           <ac:spMkLst>
             <pc:docMk/>
             <pc:sldMk cId="2642943566" sldId="262"/>
             <ac:spMk id="73" creationId="{EEE8FC07-3146-4A66-AC9D-3E8A7036BEDE}"/>
           </ac:spMkLst>
         </pc:spChg>
-        <pc:spChg chg="mod">
-          <ac:chgData name="唐 崇斌 Edwin" userId="769f27267cb83406" providerId="LiveId" clId="{5950B5EE-091A-4B6E-A0E4-F7E0BA907422}" dt="2020-03-23T15:11:17.098" v="1169" actId="1038"/>
+        <pc:spChg chg="del mod topLvl">
+          <ac:chgData name="唐 崇斌 Edwin" userId="769f27267cb83406" providerId="LiveId" clId="{5950B5EE-091A-4B6E-A0E4-F7E0BA907422}" dt="2020-03-23T16:57:43.339" v="2465" actId="478"/>
           <ac:spMkLst>
             <pc:docMk/>
             <pc:sldMk cId="2642943566" sldId="262"/>
             <ac:spMk id="91" creationId="{18942709-C62A-4C09-96C2-3D84008BB1DB}"/>
           </ac:spMkLst>
         </pc:spChg>
-        <pc:spChg chg="add mod ord topLvl">
-          <ac:chgData name="唐 崇斌 Edwin" userId="769f27267cb83406" providerId="LiveId" clId="{5950B5EE-091A-4B6E-A0E4-F7E0BA907422}" dt="2020-03-23T15:09:25.764" v="1101" actId="164"/>
+        <pc:spChg chg="add del mod ord topLvl">
+          <ac:chgData name="唐 崇斌 Edwin" userId="769f27267cb83406" providerId="LiveId" clId="{5950B5EE-091A-4B6E-A0E4-F7E0BA907422}" dt="2020-03-23T16:57:43.339" v="2465" actId="478"/>
           <ac:spMkLst>
             <pc:docMk/>
             <pc:sldMk cId="2642943566" sldId="262"/>
@@ -624,12 +640,20 @@
             <ac:spMk id="99" creationId="{00C37BC6-AF06-44E7-9F9C-F65BC3232D2A}"/>
           </ac:spMkLst>
         </pc:spChg>
+        <pc:spChg chg="del mod topLvl">
+          <ac:chgData name="唐 崇斌 Edwin" userId="769f27267cb83406" providerId="LiveId" clId="{5950B5EE-091A-4B6E-A0E4-F7E0BA907422}" dt="2020-03-23T16:57:43.339" v="2465" actId="478"/>
+          <ac:spMkLst>
+            <pc:docMk/>
+            <pc:sldMk cId="2642943566" sldId="262"/>
+            <ac:spMk id="108" creationId="{8D2451B4-5A7E-4456-9AEB-2140050CD8E3}"/>
+          </ac:spMkLst>
+        </pc:spChg>
         <pc:spChg chg="mod">
-          <ac:chgData name="唐 崇斌 Edwin" userId="769f27267cb83406" providerId="LiveId" clId="{5950B5EE-091A-4B6E-A0E4-F7E0BA907422}" dt="2020-03-23T15:01:29.732" v="910" actId="1037"/>
+          <ac:chgData name="唐 崇斌 Edwin" userId="769f27267cb83406" providerId="LiveId" clId="{5950B5EE-091A-4B6E-A0E4-F7E0BA907422}" dt="2020-03-23T16:38:47.609" v="1541" actId="1076"/>
           <ac:spMkLst>
             <pc:docMk/>
             <pc:sldMk cId="2642943566" sldId="262"/>
-            <ac:spMk id="108" creationId="{8D2451B4-5A7E-4456-9AEB-2140050CD8E3}"/>
+            <ac:spMk id="112" creationId="{B9DC4382-D70D-4F58-AB53-A311A98D486F}"/>
           </ac:spMkLst>
         </pc:spChg>
         <pc:spChg chg="del">
@@ -640,16 +664,16 @@
             <ac:spMk id="112" creationId="{BDB867D4-8A12-4602-8B32-7B5488302359}"/>
           </ac:spMkLst>
         </pc:spChg>
-        <pc:spChg chg="add del mod ord">
-          <ac:chgData name="唐 崇斌 Edwin" userId="769f27267cb83406" providerId="LiveId" clId="{5950B5EE-091A-4B6E-A0E4-F7E0BA907422}" dt="2020-03-23T15:14:20.435" v="1238" actId="1035"/>
+        <pc:spChg chg="add del mod ord topLvl">
+          <ac:chgData name="唐 崇斌 Edwin" userId="769f27267cb83406" providerId="LiveId" clId="{5950B5EE-091A-4B6E-A0E4-F7E0BA907422}" dt="2020-03-23T16:57:43.339" v="2465" actId="478"/>
           <ac:spMkLst>
             <pc:docMk/>
             <pc:sldMk cId="2642943566" sldId="262"/>
             <ac:spMk id="124" creationId="{6D291F6E-5D95-40E1-8C1C-776433FCF543}"/>
           </ac:spMkLst>
         </pc:spChg>
-        <pc:spChg chg="mod">
-          <ac:chgData name="唐 崇斌 Edwin" userId="769f27267cb83406" providerId="LiveId" clId="{5950B5EE-091A-4B6E-A0E4-F7E0BA907422}" dt="2020-03-23T15:01:47.057" v="954" actId="1038"/>
+        <pc:spChg chg="del mod topLvl">
+          <ac:chgData name="唐 崇斌 Edwin" userId="769f27267cb83406" providerId="LiveId" clId="{5950B5EE-091A-4B6E-A0E4-F7E0BA907422}" dt="2020-03-23T16:57:43.339" v="2465" actId="478"/>
           <ac:spMkLst>
             <pc:docMk/>
             <pc:sldMk cId="2642943566" sldId="262"/>
@@ -696,6 +720,14 @@
             <ac:spMk id="157" creationId="{0A6A9A43-802D-489B-B71C-67B5786BC8BA}"/>
           </ac:spMkLst>
         </pc:spChg>
+        <pc:spChg chg="add mod ord topLvl">
+          <ac:chgData name="唐 崇斌 Edwin" userId="769f27267cb83406" providerId="LiveId" clId="{5950B5EE-091A-4B6E-A0E4-F7E0BA907422}" dt="2020-03-23T16:57:38.907" v="2464" actId="478"/>
+          <ac:spMkLst>
+            <pc:docMk/>
+            <pc:sldMk cId="2642943566" sldId="262"/>
+            <ac:spMk id="162" creationId="{3DD37A53-E240-4A9F-B715-15473EC80603}"/>
+          </ac:spMkLst>
+        </pc:spChg>
         <pc:spChg chg="add mod">
           <ac:chgData name="唐 崇斌 Edwin" userId="769f27267cb83406" providerId="LiveId" clId="{5950B5EE-091A-4B6E-A0E4-F7E0BA907422}" dt="2020-03-23T15:44:34.910" v="1379"/>
           <ac:spMkLst>
@@ -704,12 +736,100 @@
             <ac:spMk id="163" creationId="{4461C2AE-F242-4C39-8BC1-7F1C00E0E85B}"/>
           </ac:spMkLst>
         </pc:spChg>
+        <pc:spChg chg="mod topLvl">
+          <ac:chgData name="唐 崇斌 Edwin" userId="769f27267cb83406" providerId="LiveId" clId="{5950B5EE-091A-4B6E-A0E4-F7E0BA907422}" dt="2020-03-23T17:48:49.050" v="3558" actId="164"/>
+          <ac:spMkLst>
+            <pc:docMk/>
+            <pc:sldMk cId="2642943566" sldId="262"/>
+            <ac:spMk id="170" creationId="{006767DB-51A8-4B0C-93EC-87FAC7A5F891}"/>
+          </ac:spMkLst>
+        </pc:spChg>
+        <pc:spChg chg="add mod topLvl">
+          <ac:chgData name="唐 崇斌 Edwin" userId="769f27267cb83406" providerId="LiveId" clId="{5950B5EE-091A-4B6E-A0E4-F7E0BA907422}" dt="2020-03-23T16:42:06.050" v="1687" actId="1035"/>
+          <ac:spMkLst>
+            <pc:docMk/>
+            <pc:sldMk cId="2642943566" sldId="262"/>
+            <ac:spMk id="172" creationId="{76E939BA-F017-4EB8-85F8-39BD6AF503D3}"/>
+          </ac:spMkLst>
+        </pc:spChg>
+        <pc:spChg chg="mod">
+          <ac:chgData name="唐 崇斌 Edwin" userId="769f27267cb83406" providerId="LiveId" clId="{5950B5EE-091A-4B6E-A0E4-F7E0BA907422}" dt="2020-03-23T17:07:34.462" v="2888" actId="1038"/>
+          <ac:spMkLst>
+            <pc:docMk/>
+            <pc:sldMk cId="2642943566" sldId="262"/>
+            <ac:spMk id="177" creationId="{FFB755C4-56DF-4170-9C21-6B504A47273E}"/>
+          </ac:spMkLst>
+        </pc:spChg>
+        <pc:spChg chg="mod">
+          <ac:chgData name="唐 崇斌 Edwin" userId="769f27267cb83406" providerId="LiveId" clId="{5950B5EE-091A-4B6E-A0E4-F7E0BA907422}" dt="2020-03-23T17:07:34.462" v="2888" actId="1038"/>
+          <ac:spMkLst>
+            <pc:docMk/>
+            <pc:sldMk cId="2642943566" sldId="262"/>
+            <ac:spMk id="179" creationId="{2101671E-5A62-46E3-97C7-5EF065BF4AAB}"/>
+          </ac:spMkLst>
+        </pc:spChg>
+        <pc:spChg chg="mod">
+          <ac:chgData name="唐 崇斌 Edwin" userId="769f27267cb83406" providerId="LiveId" clId="{5950B5EE-091A-4B6E-A0E4-F7E0BA907422}" dt="2020-03-23T17:07:34.462" v="2888" actId="1038"/>
+          <ac:spMkLst>
+            <pc:docMk/>
+            <pc:sldMk cId="2642943566" sldId="262"/>
+            <ac:spMk id="183" creationId="{3F9EB6BA-EFB1-4C5F-A425-64F6D173DA31}"/>
+          </ac:spMkLst>
+        </pc:spChg>
+        <pc:spChg chg="mod">
+          <ac:chgData name="唐 崇斌 Edwin" userId="769f27267cb83406" providerId="LiveId" clId="{5950B5EE-091A-4B6E-A0E4-F7E0BA907422}" dt="2020-03-23T17:07:34.462" v="2888" actId="1038"/>
+          <ac:spMkLst>
+            <pc:docMk/>
+            <pc:sldMk cId="2642943566" sldId="262"/>
+            <ac:spMk id="185" creationId="{9A77F7BB-D503-48DC-BD7F-DD48A6E7905B}"/>
+          </ac:spMkLst>
+        </pc:spChg>
         <pc:spChg chg="add mod">
-          <ac:chgData name="唐 崇斌 Edwin" userId="769f27267cb83406" providerId="LiveId" clId="{5950B5EE-091A-4B6E-A0E4-F7E0BA907422}" dt="2020-03-23T15:28:27.083" v="1375" actId="1037"/>
+          <ac:chgData name="唐 崇斌 Edwin" userId="769f27267cb83406" providerId="LiveId" clId="{5950B5EE-091A-4B6E-A0E4-F7E0BA907422}" dt="2020-03-23T17:52:01.604" v="3633" actId="1038"/>
           <ac:spMkLst>
             <pc:docMk/>
             <pc:sldMk cId="2642943566" sldId="262"/>
-            <ac:spMk id="172" creationId="{76E939BA-F017-4EB8-85F8-39BD6AF503D3}"/>
+            <ac:spMk id="187" creationId="{8E4D84CC-5052-48BB-89AD-460E5171AB87}"/>
+          </ac:spMkLst>
+        </pc:spChg>
+        <pc:spChg chg="add mod">
+          <ac:chgData name="唐 崇斌 Edwin" userId="769f27267cb83406" providerId="LiveId" clId="{5950B5EE-091A-4B6E-A0E4-F7E0BA907422}" dt="2020-03-23T17:52:01.604" v="3633" actId="1038"/>
+          <ac:spMkLst>
+            <pc:docMk/>
+            <pc:sldMk cId="2642943566" sldId="262"/>
+            <ac:spMk id="188" creationId="{B93E4B85-2A9F-43EB-AB46-C8F190ED42F1}"/>
+          </ac:spMkLst>
+        </pc:spChg>
+        <pc:spChg chg="add mod">
+          <ac:chgData name="唐 崇斌 Edwin" userId="769f27267cb83406" providerId="LiveId" clId="{5950B5EE-091A-4B6E-A0E4-F7E0BA907422}" dt="2020-03-23T17:57:09.864" v="3806" actId="12788"/>
+          <ac:spMkLst>
+            <pc:docMk/>
+            <pc:sldMk cId="2642943566" sldId="262"/>
+            <ac:spMk id="189" creationId="{8B96C59B-3AFF-4203-ABFE-3ABEA3382D66}"/>
+          </ac:spMkLst>
+        </pc:spChg>
+        <pc:spChg chg="mod">
+          <ac:chgData name="唐 崇斌 Edwin" userId="769f27267cb83406" providerId="LiveId" clId="{5950B5EE-091A-4B6E-A0E4-F7E0BA907422}" dt="2020-03-23T17:01:12.827" v="2691" actId="1037"/>
+          <ac:spMkLst>
+            <pc:docMk/>
+            <pc:sldMk cId="2642943566" sldId="262"/>
+            <ac:spMk id="191" creationId="{94173864-4BEB-43FB-9830-5B920C8A93C8}"/>
+          </ac:spMkLst>
+        </pc:spChg>
+        <pc:spChg chg="mod">
+          <ac:chgData name="唐 崇斌 Edwin" userId="769f27267cb83406" providerId="LiveId" clId="{5950B5EE-091A-4B6E-A0E4-F7E0BA907422}" dt="2020-03-23T17:08:29.320" v="2908" actId="14100"/>
+          <ac:spMkLst>
+            <pc:docMk/>
+            <pc:sldMk cId="2642943566" sldId="262"/>
+            <ac:spMk id="194" creationId="{3F3D20F1-B1B6-4333-94FE-131B31D37E52}"/>
+          </ac:spMkLst>
+        </pc:spChg>
+        <pc:spChg chg="add mod">
+          <ac:chgData name="唐 崇斌 Edwin" userId="769f27267cb83406" providerId="LiveId" clId="{5950B5EE-091A-4B6E-A0E4-F7E0BA907422}" dt="2020-03-23T17:52:01.604" v="3633" actId="1038"/>
+          <ac:spMkLst>
+            <pc:docMk/>
+            <pc:sldMk cId="2642943566" sldId="262"/>
+            <ac:spMk id="196" creationId="{65C8A5E3-6C70-47A6-8465-331A2F689106}"/>
           </ac:spMkLst>
         </pc:spChg>
         <pc:spChg chg="del mod topLvl">
@@ -728,8 +848,16 @@
             <ac:spMk id="198" creationId="{4AB548EE-86D9-41C2-89D1-899B548E3A95}"/>
           </ac:spMkLst>
         </pc:spChg>
-        <pc:spChg chg="mod">
-          <ac:chgData name="唐 崇斌 Edwin" userId="769f27267cb83406" providerId="LiveId" clId="{5950B5EE-091A-4B6E-A0E4-F7E0BA907422}" dt="2020-03-23T14:46:22.091" v="485"/>
+        <pc:spChg chg="mod topLvl">
+          <ac:chgData name="唐 崇斌 Edwin" userId="769f27267cb83406" providerId="LiveId" clId="{5950B5EE-091A-4B6E-A0E4-F7E0BA907422}" dt="2020-03-23T17:56:59.925" v="3804" actId="164"/>
+          <ac:spMkLst>
+            <pc:docMk/>
+            <pc:sldMk cId="2642943566" sldId="262"/>
+            <ac:spMk id="205" creationId="{7125F7C5-1C01-42F9-A6C9-780FAD0A2296}"/>
+          </ac:spMkLst>
+        </pc:spChg>
+        <pc:spChg chg="mod topLvl">
+          <ac:chgData name="唐 崇斌 Edwin" userId="769f27267cb83406" providerId="LiveId" clId="{5950B5EE-091A-4B6E-A0E4-F7E0BA907422}" dt="2020-03-23T16:35:13.776" v="1501" actId="164"/>
           <ac:spMkLst>
             <pc:docMk/>
             <pc:sldMk cId="2642943566" sldId="262"/>
@@ -737,15 +865,23 @@
           </ac:spMkLst>
         </pc:spChg>
         <pc:spChg chg="mod topLvl">
-          <ac:chgData name="唐 崇斌 Edwin" userId="769f27267cb83406" providerId="LiveId" clId="{5950B5EE-091A-4B6E-A0E4-F7E0BA907422}" dt="2020-03-23T15:10:36.511" v="1142"/>
+          <ac:chgData name="唐 崇斌 Edwin" userId="769f27267cb83406" providerId="LiveId" clId="{5950B5EE-091A-4B6E-A0E4-F7E0BA907422}" dt="2020-03-23T16:57:38.220" v="2456" actId="1076"/>
           <ac:spMkLst>
             <pc:docMk/>
             <pc:sldMk cId="2642943566" sldId="262"/>
             <ac:spMk id="218" creationId="{673A29C4-10CC-481F-AEC6-1CDE88CCDDAE}"/>
           </ac:spMkLst>
         </pc:spChg>
+        <pc:spChg chg="mod">
+          <ac:chgData name="唐 崇斌 Edwin" userId="769f27267cb83406" providerId="LiveId" clId="{5950B5EE-091A-4B6E-A0E4-F7E0BA907422}" dt="2020-03-23T17:51:35.252" v="3607" actId="1076"/>
+          <ac:spMkLst>
+            <pc:docMk/>
+            <pc:sldMk cId="2642943566" sldId="262"/>
+            <ac:spMk id="220" creationId="{1068F0CE-A4FB-4447-975A-5B4275990A27}"/>
+          </ac:spMkLst>
+        </pc:spChg>
         <pc:spChg chg="mod ord">
-          <ac:chgData name="唐 崇斌 Edwin" userId="769f27267cb83406" providerId="LiveId" clId="{5950B5EE-091A-4B6E-A0E4-F7E0BA907422}" dt="2020-03-23T15:09:48.621" v="1103" actId="164"/>
+          <ac:chgData name="唐 崇斌 Edwin" userId="769f27267cb83406" providerId="LiveId" clId="{5950B5EE-091A-4B6E-A0E4-F7E0BA907422}" dt="2020-03-23T16:51:43.369" v="1973" actId="1037"/>
           <ac:spMkLst>
             <pc:docMk/>
             <pc:sldMk cId="2642943566" sldId="262"/>
@@ -760,24 +896,64 @@
             <ac:spMk id="226" creationId="{86BD3BCA-9C82-422B-933D-13E65E2B4E33}"/>
           </ac:spMkLst>
         </pc:spChg>
-        <pc:spChg chg="mod">
-          <ac:chgData name="唐 崇斌 Edwin" userId="769f27267cb83406" providerId="LiveId" clId="{5950B5EE-091A-4B6E-A0E4-F7E0BA907422}" dt="2020-03-23T15:16:55.811" v="1256" actId="20577"/>
+        <pc:spChg chg="mod ord">
+          <ac:chgData name="唐 崇斌 Edwin" userId="769f27267cb83406" providerId="LiveId" clId="{5950B5EE-091A-4B6E-A0E4-F7E0BA907422}" dt="2020-03-23T16:46:14.617" v="1787" actId="1076"/>
           <ac:spMkLst>
             <pc:docMk/>
             <pc:sldMk cId="2642943566" sldId="262"/>
             <ac:spMk id="230" creationId="{38EAECC0-CCB3-4750-9EC2-260B1A1693AD}"/>
           </ac:spMkLst>
         </pc:spChg>
-        <pc:grpChg chg="mod">
-          <ac:chgData name="唐 崇斌 Edwin" userId="769f27267cb83406" providerId="LiveId" clId="{5950B5EE-091A-4B6E-A0E4-F7E0BA907422}" dt="2020-03-23T15:01:57.602" v="986" actId="1037"/>
+        <pc:spChg chg="mod">
+          <ac:chgData name="唐 崇斌 Edwin" userId="769f27267cb83406" providerId="LiveId" clId="{5950B5EE-091A-4B6E-A0E4-F7E0BA907422}" dt="2020-03-23T17:04:08.462" v="2761" actId="12788"/>
+          <ac:spMkLst>
+            <pc:docMk/>
+            <pc:sldMk cId="2642943566" sldId="262"/>
+            <ac:spMk id="242" creationId="{5415EC34-BA69-4C1B-A138-52C2249EA649}"/>
+          </ac:spMkLst>
+        </pc:spChg>
+        <pc:spChg chg="mod">
+          <ac:chgData name="唐 崇斌 Edwin" userId="769f27267cb83406" providerId="LiveId" clId="{5950B5EE-091A-4B6E-A0E4-F7E0BA907422}" dt="2020-03-23T17:44:40.966" v="3433" actId="1076"/>
+          <ac:spMkLst>
+            <pc:docMk/>
+            <pc:sldMk cId="2642943566" sldId="262"/>
+            <ac:spMk id="246" creationId="{8A0B81D4-CD1D-48C6-8DA4-C1DC1C7ABE3B}"/>
+          </ac:spMkLst>
+        </pc:spChg>
+        <pc:spChg chg="mod topLvl">
+          <ac:chgData name="唐 崇斌 Edwin" userId="769f27267cb83406" providerId="LiveId" clId="{5950B5EE-091A-4B6E-A0E4-F7E0BA907422}" dt="2020-03-23T17:51:02.855" v="3604" actId="1038"/>
+          <ac:spMkLst>
+            <pc:docMk/>
+            <pc:sldMk cId="2642943566" sldId="262"/>
+            <ac:spMk id="255" creationId="{2FF36763-E03D-4DFA-B609-5604CFE1155C}"/>
+          </ac:spMkLst>
+        </pc:spChg>
+        <pc:spChg chg="mod">
+          <ac:chgData name="唐 崇斌 Edwin" userId="769f27267cb83406" providerId="LiveId" clId="{5950B5EE-091A-4B6E-A0E4-F7E0BA907422}" dt="2020-03-23T17:50:39.396" v="3592" actId="1076"/>
+          <ac:spMkLst>
+            <pc:docMk/>
+            <pc:sldMk cId="2642943566" sldId="262"/>
+            <ac:spMk id="262" creationId="{45639766-0179-4CA8-A360-C385C1D590E8}"/>
+          </ac:spMkLst>
+        </pc:spChg>
+        <pc:spChg chg="mod">
+          <ac:chgData name="唐 崇斌 Edwin" userId="769f27267cb83406" providerId="LiveId" clId="{5950B5EE-091A-4B6E-A0E4-F7E0BA907422}" dt="2020-03-23T17:03:31.500" v="2752" actId="12788"/>
+          <ac:spMkLst>
+            <pc:docMk/>
+            <pc:sldMk cId="2642943566" sldId="262"/>
+            <ac:spMk id="265" creationId="{2FA44859-26DC-4E0A-B143-2307C5E6D5B7}"/>
+          </ac:spMkLst>
+        </pc:spChg>
+        <pc:grpChg chg="del mod">
+          <ac:chgData name="唐 崇斌 Edwin" userId="769f27267cb83406" providerId="LiveId" clId="{5950B5EE-091A-4B6E-A0E4-F7E0BA907422}" dt="2020-03-23T16:30:39.755" v="1473" actId="165"/>
           <ac:grpSpMkLst>
             <pc:docMk/>
             <pc:sldMk cId="2642943566" sldId="262"/>
             <ac:grpSpMk id="2" creationId="{3BDA039D-BCBE-49DA-9EE4-78F79CD5943C}"/>
           </ac:grpSpMkLst>
         </pc:grpChg>
-        <pc:grpChg chg="add mod">
-          <ac:chgData name="唐 崇斌 Edwin" userId="769f27267cb83406" providerId="LiveId" clId="{5950B5EE-091A-4B6E-A0E4-F7E0BA907422}" dt="2020-03-23T15:11:21.700" v="1187" actId="1038"/>
+        <pc:grpChg chg="add del mod topLvl">
+          <ac:chgData name="唐 崇斌 Edwin" userId="769f27267cb83406" providerId="LiveId" clId="{5950B5EE-091A-4B6E-A0E4-F7E0BA907422}" dt="2020-03-23T16:57:43.339" v="2465" actId="478"/>
           <ac:grpSpMkLst>
             <pc:docMk/>
             <pc:sldMk cId="2642943566" sldId="262"/>
@@ -792,8 +968,8 @@
             <ac:grpSpMk id="8" creationId="{F8617ABC-8075-4E36-9A69-69D9E4DFBD8E}"/>
           </ac:grpSpMkLst>
         </pc:grpChg>
-        <pc:grpChg chg="add mod">
-          <ac:chgData name="唐 崇斌 Edwin" userId="769f27267cb83406" providerId="LiveId" clId="{5950B5EE-091A-4B6E-A0E4-F7E0BA907422}" dt="2020-03-23T15:11:17.098" v="1169" actId="1038"/>
+        <pc:grpChg chg="add del mod topLvl">
+          <ac:chgData name="唐 崇斌 Edwin" userId="769f27267cb83406" providerId="LiveId" clId="{5950B5EE-091A-4B6E-A0E4-F7E0BA907422}" dt="2020-03-23T16:57:43.339" v="2465" actId="478"/>
           <ac:grpSpMkLst>
             <pc:docMk/>
             <pc:sldMk cId="2642943566" sldId="262"/>
@@ -808,8 +984,8 @@
             <ac:grpSpMk id="14" creationId="{75B9521E-7201-4F5C-8497-4948EB748C11}"/>
           </ac:grpSpMkLst>
         </pc:grpChg>
-        <pc:grpChg chg="mod">
-          <ac:chgData name="唐 崇斌 Edwin" userId="769f27267cb83406" providerId="LiveId" clId="{5950B5EE-091A-4B6E-A0E4-F7E0BA907422}" dt="2020-03-23T14:26:04.466" v="250" actId="1037"/>
+        <pc:grpChg chg="mod topLvl">
+          <ac:chgData name="唐 崇斌 Edwin" userId="769f27267cb83406" providerId="LiveId" clId="{5950B5EE-091A-4B6E-A0E4-F7E0BA907422}" dt="2020-03-23T16:35:13.776" v="1501" actId="164"/>
           <ac:grpSpMkLst>
             <pc:docMk/>
             <pc:sldMk cId="2642943566" sldId="262"/>
@@ -832,12 +1008,100 @@
             <ac:grpSpMk id="17" creationId="{1E4B38DC-79AD-4C70-B336-1D0F3B090AC8}"/>
           </ac:grpSpMkLst>
         </pc:grpChg>
+        <pc:grpChg chg="add del mod">
+          <ac:chgData name="唐 崇斌 Edwin" userId="769f27267cb83406" providerId="LiveId" clId="{5950B5EE-091A-4B6E-A0E4-F7E0BA907422}" dt="2020-03-23T16:34:50.969" v="1498" actId="165"/>
+          <ac:grpSpMkLst>
+            <pc:docMk/>
+            <pc:sldMk cId="2642943566" sldId="262"/>
+            <ac:grpSpMk id="17" creationId="{DC7D9A11-95AC-48A9-AB66-3B0438DA9649}"/>
+          </ac:grpSpMkLst>
+        </pc:grpChg>
+        <pc:grpChg chg="add del mod">
+          <ac:chgData name="唐 崇斌 Edwin" userId="769f27267cb83406" providerId="LiveId" clId="{5950B5EE-091A-4B6E-A0E4-F7E0BA907422}" dt="2020-03-23T16:57:43.339" v="2465" actId="478"/>
+          <ac:grpSpMkLst>
+            <pc:docMk/>
+            <pc:sldMk cId="2642943566" sldId="262"/>
+            <ac:grpSpMk id="28" creationId="{E76AFB09-234D-4240-9096-E60B08134216}"/>
+          </ac:grpSpMkLst>
+        </pc:grpChg>
         <pc:grpChg chg="add mod">
-          <ac:chgData name="唐 崇斌 Edwin" userId="769f27267cb83406" providerId="LiveId" clId="{5950B5EE-091A-4B6E-A0E4-F7E0BA907422}" dt="2020-03-23T14:52:48.127" v="597" actId="1037"/>
+          <ac:chgData name="唐 崇斌 Edwin" userId="769f27267cb83406" providerId="LiveId" clId="{5950B5EE-091A-4B6E-A0E4-F7E0BA907422}" dt="2020-03-23T17:52:01.604" v="3633" actId="1038"/>
           <ac:grpSpMkLst>
             <pc:docMk/>
             <pc:sldMk cId="2642943566" sldId="262"/>
+            <ac:grpSpMk id="34" creationId="{EA897312-C7B4-44E6-9C74-B42DB8747165}"/>
+          </ac:grpSpMkLst>
+        </pc:grpChg>
+        <pc:grpChg chg="add del mod">
+          <ac:chgData name="唐 崇斌 Edwin" userId="769f27267cb83406" providerId="LiveId" clId="{5950B5EE-091A-4B6E-A0E4-F7E0BA907422}" dt="2020-03-23T16:57:43.339" v="2465" actId="478"/>
+          <ac:grpSpMkLst>
+            <pc:docMk/>
+            <pc:sldMk cId="2642943566" sldId="262"/>
+            <ac:grpSpMk id="44" creationId="{C7B87E73-02C1-4E5E-A3C0-B21707700A38}"/>
+          </ac:grpSpMkLst>
+        </pc:grpChg>
+        <pc:grpChg chg="add mod">
+          <ac:chgData name="唐 崇斌 Edwin" userId="769f27267cb83406" providerId="LiveId" clId="{5950B5EE-091A-4B6E-A0E4-F7E0BA907422}" dt="2020-03-23T17:57:09.864" v="3806" actId="12788"/>
+          <ac:grpSpMkLst>
+            <pc:docMk/>
+            <pc:sldMk cId="2642943566" sldId="262"/>
+            <ac:grpSpMk id="45" creationId="{C33F1390-73C2-4BBA-AA3A-D3FC10BE929B}"/>
+          </ac:grpSpMkLst>
+        </pc:grpChg>
+        <pc:grpChg chg="add mod">
+          <ac:chgData name="唐 崇斌 Edwin" userId="769f27267cb83406" providerId="LiveId" clId="{5950B5EE-091A-4B6E-A0E4-F7E0BA907422}" dt="2020-03-23T16:43:56.026" v="1707" actId="12788"/>
+          <ac:grpSpMkLst>
+            <pc:docMk/>
+            <pc:sldMk cId="2642943566" sldId="262"/>
+            <ac:grpSpMk id="61" creationId="{58A34C73-E903-40FC-B5D6-D2C9415B9A00}"/>
+          </ac:grpSpMkLst>
+        </pc:grpChg>
+        <pc:grpChg chg="add mod">
+          <ac:chgData name="唐 崇斌 Edwin" userId="769f27267cb83406" providerId="LiveId" clId="{5950B5EE-091A-4B6E-A0E4-F7E0BA907422}" dt="2020-03-23T16:43:56.026" v="1707" actId="12788"/>
+          <ac:grpSpMkLst>
+            <pc:docMk/>
+            <pc:sldMk cId="2642943566" sldId="262"/>
+            <ac:grpSpMk id="62" creationId="{A0C3A3F3-12AA-4838-A01F-7465D66EE113}"/>
+          </ac:grpSpMkLst>
+        </pc:grpChg>
+        <pc:grpChg chg="add del mod">
+          <ac:chgData name="唐 崇斌 Edwin" userId="769f27267cb83406" providerId="LiveId" clId="{5950B5EE-091A-4B6E-A0E4-F7E0BA907422}" dt="2020-03-23T16:57:43.339" v="2465" actId="478"/>
+          <ac:grpSpMkLst>
+            <pc:docMk/>
+            <pc:sldMk cId="2642943566" sldId="262"/>
+            <ac:grpSpMk id="63" creationId="{6547EACB-7616-45A5-958F-ACE7C89F6AF7}"/>
+          </ac:grpSpMkLst>
+        </pc:grpChg>
+        <pc:grpChg chg="add del mod">
+          <ac:chgData name="唐 崇斌 Edwin" userId="769f27267cb83406" providerId="LiveId" clId="{5950B5EE-091A-4B6E-A0E4-F7E0BA907422}" dt="2020-03-23T16:57:43.339" v="2465" actId="478"/>
+          <ac:grpSpMkLst>
+            <pc:docMk/>
+            <pc:sldMk cId="2642943566" sldId="262"/>
+            <ac:grpSpMk id="69" creationId="{1E111B18-C206-49DC-8B25-D33D0123A765}"/>
+          </ac:grpSpMkLst>
+        </pc:grpChg>
+        <pc:grpChg chg="add del mod topLvl">
+          <ac:chgData name="唐 崇斌 Edwin" userId="769f27267cb83406" providerId="LiveId" clId="{5950B5EE-091A-4B6E-A0E4-F7E0BA907422}" dt="2020-03-23T16:57:43.339" v="2465" actId="478"/>
+          <ac:grpSpMkLst>
+            <pc:docMk/>
+            <pc:sldMk cId="2642943566" sldId="262"/>
             <ac:grpSpMk id="78" creationId="{B1FE4D9A-3AA4-4AB4-922F-041B59611266}"/>
+          </ac:grpSpMkLst>
+        </pc:grpChg>
+        <pc:grpChg chg="add mod">
+          <ac:chgData name="唐 崇斌 Edwin" userId="769f27267cb83406" providerId="LiveId" clId="{5950B5EE-091A-4B6E-A0E4-F7E0BA907422}" dt="2020-03-23T16:57:38.849" v="2462" actId="164"/>
+          <ac:grpSpMkLst>
+            <pc:docMk/>
+            <pc:sldMk cId="2642943566" sldId="262"/>
+            <ac:grpSpMk id="86" creationId="{810D18A9-23B9-4AAC-AD38-BFDA98A95B35}"/>
+          </ac:grpSpMkLst>
+        </pc:grpChg>
+        <pc:grpChg chg="add del mod">
+          <ac:chgData name="唐 崇斌 Edwin" userId="769f27267cb83406" providerId="LiveId" clId="{5950B5EE-091A-4B6E-A0E4-F7E0BA907422}" dt="2020-03-23T16:42:16.663" v="1688" actId="478"/>
+          <ac:grpSpMkLst>
+            <pc:docMk/>
+            <pc:sldMk cId="2642943566" sldId="262"/>
+            <ac:grpSpMk id="87" creationId="{01AEE0A1-BC13-4C8A-9715-8834AB637555}"/>
           </ac:grpSpMkLst>
         </pc:grpChg>
         <pc:grpChg chg="add mod">
@@ -848,8 +1112,8 @@
             <ac:grpSpMk id="88" creationId="{87DF2276-B2A4-4E41-8E70-E8FC62F514FD}"/>
           </ac:grpSpMkLst>
         </pc:grpChg>
-        <pc:grpChg chg="add mod">
-          <ac:chgData name="唐 崇斌 Edwin" userId="769f27267cb83406" providerId="LiveId" clId="{5950B5EE-091A-4B6E-A0E4-F7E0BA907422}" dt="2020-03-23T15:00:39.849" v="890" actId="164"/>
+        <pc:grpChg chg="add del mod topLvl">
+          <ac:chgData name="唐 崇斌 Edwin" userId="769f27267cb83406" providerId="LiveId" clId="{5950B5EE-091A-4B6E-A0E4-F7E0BA907422}" dt="2020-03-23T16:57:43.339" v="2465" actId="478"/>
           <ac:grpSpMkLst>
             <pc:docMk/>
             <pc:sldMk cId="2642943566" sldId="262"/>
@@ -857,7 +1121,7 @@
           </ac:grpSpMkLst>
         </pc:grpChg>
         <pc:grpChg chg="add mod topLvl">
-          <ac:chgData name="唐 崇斌 Edwin" userId="769f27267cb83406" providerId="LiveId" clId="{5950B5EE-091A-4B6E-A0E4-F7E0BA907422}" dt="2020-03-23T15:09:23.983" v="1100" actId="12789"/>
+          <ac:chgData name="唐 崇斌 Edwin" userId="769f27267cb83406" providerId="LiveId" clId="{5950B5EE-091A-4B6E-A0E4-F7E0BA907422}" dt="2020-03-23T16:43:56.026" v="1707" actId="12788"/>
           <ac:grpSpMkLst>
             <pc:docMk/>
             <pc:sldMk cId="2642943566" sldId="262"/>
@@ -865,7 +1129,7 @@
           </ac:grpSpMkLst>
         </pc:grpChg>
         <pc:grpChg chg="add mod topLvl">
-          <ac:chgData name="唐 崇斌 Edwin" userId="769f27267cb83406" providerId="LiveId" clId="{5950B5EE-091A-4B6E-A0E4-F7E0BA907422}" dt="2020-03-23T15:09:23.983" v="1100" actId="12789"/>
+          <ac:chgData name="唐 崇斌 Edwin" userId="769f27267cb83406" providerId="LiveId" clId="{5950B5EE-091A-4B6E-A0E4-F7E0BA907422}" dt="2020-03-23T16:43:56.026" v="1707" actId="12788"/>
           <ac:grpSpMkLst>
             <pc:docMk/>
             <pc:sldMk cId="2642943566" sldId="262"/>
@@ -873,7 +1137,7 @@
           </ac:grpSpMkLst>
         </pc:grpChg>
         <pc:grpChg chg="add mod topLvl">
-          <ac:chgData name="唐 崇斌 Edwin" userId="769f27267cb83406" providerId="LiveId" clId="{5950B5EE-091A-4B6E-A0E4-F7E0BA907422}" dt="2020-03-23T15:09:23.983" v="1100" actId="12789"/>
+          <ac:chgData name="唐 崇斌 Edwin" userId="769f27267cb83406" providerId="LiveId" clId="{5950B5EE-091A-4B6E-A0E4-F7E0BA907422}" dt="2020-03-23T16:43:56.026" v="1707" actId="12788"/>
           <ac:grpSpMkLst>
             <pc:docMk/>
             <pc:sldMk cId="2642943566" sldId="262"/>
@@ -896,36 +1160,60 @@
             <ac:grpSpMk id="100" creationId="{9F9076ED-338D-4F32-8C34-5B763DACEC28}"/>
           </ac:grpSpMkLst>
         </pc:grpChg>
-        <pc:grpChg chg="add mod">
-          <ac:chgData name="唐 崇斌 Edwin" userId="769f27267cb83406" providerId="LiveId" clId="{5950B5EE-091A-4B6E-A0E4-F7E0BA907422}" dt="2020-03-23T15:09:23.983" v="1100" actId="12789"/>
+        <pc:grpChg chg="add mod topLvl">
+          <ac:chgData name="唐 崇斌 Edwin" userId="769f27267cb83406" providerId="LiveId" clId="{5950B5EE-091A-4B6E-A0E4-F7E0BA907422}" dt="2020-03-23T16:43:56.026" v="1707" actId="12788"/>
           <ac:grpSpMkLst>
             <pc:docMk/>
             <pc:sldMk cId="2642943566" sldId="262"/>
             <ac:grpSpMk id="101" creationId="{D40947AC-023D-4639-BB4E-2CB7833562D9}"/>
           </ac:grpSpMkLst>
         </pc:grpChg>
-        <pc:grpChg chg="add mod">
-          <ac:chgData name="唐 崇斌 Edwin" userId="769f27267cb83406" providerId="LiveId" clId="{5950B5EE-091A-4B6E-A0E4-F7E0BA907422}" dt="2020-03-23T15:09:25.764" v="1101" actId="164"/>
+        <pc:grpChg chg="add del mod topLvl">
+          <ac:chgData name="唐 崇斌 Edwin" userId="769f27267cb83406" providerId="LiveId" clId="{5950B5EE-091A-4B6E-A0E4-F7E0BA907422}" dt="2020-03-23T16:43:07.626" v="1692" actId="165"/>
           <ac:grpSpMkLst>
             <pc:docMk/>
             <pc:sldMk cId="2642943566" sldId="262"/>
             <ac:grpSpMk id="102" creationId="{B8EBB42A-8DF7-4C22-9814-797125FFBF06}"/>
           </ac:grpSpMkLst>
         </pc:grpChg>
-        <pc:grpChg chg="add mod">
-          <ac:chgData name="唐 崇斌 Edwin" userId="769f27267cb83406" providerId="LiveId" clId="{5950B5EE-091A-4B6E-A0E4-F7E0BA907422}" dt="2020-03-23T15:28:21.285" v="1373" actId="1038"/>
+        <pc:grpChg chg="add mod topLvl">
+          <ac:chgData name="唐 崇斌 Edwin" userId="769f27267cb83406" providerId="LiveId" clId="{5950B5EE-091A-4B6E-A0E4-F7E0BA907422}" dt="2020-03-23T16:38:39.561" v="1538" actId="164"/>
+          <ac:grpSpMkLst>
+            <pc:docMk/>
+            <pc:sldMk cId="2642943566" sldId="262"/>
+            <ac:grpSpMk id="103" creationId="{AE1D727B-A4EC-40F5-8FE5-17391BC343EE}"/>
+          </ac:grpSpMkLst>
+        </pc:grpChg>
+        <pc:grpChg chg="add del mod">
+          <ac:chgData name="唐 崇斌 Edwin" userId="769f27267cb83406" providerId="LiveId" clId="{5950B5EE-091A-4B6E-A0E4-F7E0BA907422}" dt="2020-03-23T16:42:58.369" v="1690" actId="165"/>
           <ac:grpSpMkLst>
             <pc:docMk/>
             <pc:sldMk cId="2642943566" sldId="262"/>
             <ac:grpSpMk id="104" creationId="{61EC9F24-86DF-4446-806C-C8F0498C4608}"/>
           </ac:grpSpMkLst>
         </pc:grpChg>
+        <pc:grpChg chg="add del mod topLvl">
+          <ac:chgData name="唐 崇斌 Edwin" userId="769f27267cb83406" providerId="LiveId" clId="{5950B5EE-091A-4B6E-A0E4-F7E0BA907422}" dt="2020-03-23T16:57:43.339" v="2465" actId="478"/>
+          <ac:grpSpMkLst>
+            <pc:docMk/>
+            <pc:sldMk cId="2642943566" sldId="262"/>
+            <ac:grpSpMk id="105" creationId="{DBE1B31D-1A01-4B7E-976F-943BE4426A96}"/>
+          </ac:grpSpMkLst>
+        </pc:grpChg>
         <pc:grpChg chg="add mod">
-          <ac:chgData name="唐 崇斌 Edwin" userId="769f27267cb83406" providerId="LiveId" clId="{5950B5EE-091A-4B6E-A0E4-F7E0BA907422}" dt="2020-03-23T15:09:50.987" v="1118" actId="1038"/>
+          <ac:chgData name="唐 崇斌 Edwin" userId="769f27267cb83406" providerId="LiveId" clId="{5950B5EE-091A-4B6E-A0E4-F7E0BA907422}" dt="2020-03-23T16:57:37.874" v="2447" actId="164"/>
           <ac:grpSpMkLst>
             <pc:docMk/>
             <pc:sldMk cId="2642943566" sldId="262"/>
-            <ac:grpSpMk id="105" creationId="{DBE1B31D-1A01-4B7E-976F-943BE4426A96}"/>
+            <ac:grpSpMk id="113" creationId="{67770A9E-E466-41A7-95D8-6BFF534E19FC}"/>
+          </ac:grpSpMkLst>
+        </pc:grpChg>
+        <pc:grpChg chg="add del mod">
+          <ac:chgData name="唐 崇斌 Edwin" userId="769f27267cb83406" providerId="LiveId" clId="{5950B5EE-091A-4B6E-A0E4-F7E0BA907422}" dt="2020-03-23T17:07:51.524" v="2890" actId="165"/>
+          <ac:grpSpMkLst>
+            <pc:docMk/>
+            <pc:sldMk cId="2642943566" sldId="262"/>
+            <ac:grpSpMk id="116" creationId="{B6C7B8EC-5C95-4430-B2EE-CF6DDE571D3A}"/>
           </ac:grpSpMkLst>
         </pc:grpChg>
         <pc:grpChg chg="mod">
@@ -936,12 +1224,220 @@
             <ac:grpSpMk id="119" creationId="{89B27CA3-E9C8-4EC2-A5BA-8DCE6D9AAA75}"/>
           </ac:grpSpMkLst>
         </pc:grpChg>
+        <pc:grpChg chg="del mod topLvl">
+          <ac:chgData name="唐 崇斌 Edwin" userId="769f27267cb83406" providerId="LiveId" clId="{5950B5EE-091A-4B6E-A0E4-F7E0BA907422}" dt="2020-03-23T16:31:24.858" v="1482"/>
+          <ac:grpSpMkLst>
+            <pc:docMk/>
+            <pc:sldMk cId="2642943566" sldId="262"/>
+            <ac:grpSpMk id="158" creationId="{39366B66-811F-4DE5-AE0B-DA1D48DA279E}"/>
+          </ac:grpSpMkLst>
+        </pc:grpChg>
+        <pc:grpChg chg="add del mod">
+          <ac:chgData name="唐 崇斌 Edwin" userId="769f27267cb83406" providerId="LiveId" clId="{5950B5EE-091A-4B6E-A0E4-F7E0BA907422}" dt="2020-03-23T16:58:09.490" v="2468" actId="165"/>
+          <ac:grpSpMkLst>
+            <pc:docMk/>
+            <pc:sldMk cId="2642943566" sldId="262"/>
+            <ac:grpSpMk id="169" creationId="{692A4A97-048D-4BE8-94E4-B15F5587D653}"/>
+          </ac:grpSpMkLst>
+        </pc:grpChg>
+        <pc:grpChg chg="del mod topLvl">
+          <ac:chgData name="唐 崇斌 Edwin" userId="769f27267cb83406" providerId="LiveId" clId="{5950B5EE-091A-4B6E-A0E4-F7E0BA907422}" dt="2020-03-23T16:58:30.763" v="2471" actId="165"/>
+          <ac:grpSpMkLst>
+            <pc:docMk/>
+            <pc:sldMk cId="2642943566" sldId="262"/>
+            <ac:grpSpMk id="171" creationId="{4C21219D-1A58-4FAC-8282-BBFAA6716330}"/>
+          </ac:grpSpMkLst>
+        </pc:grpChg>
+        <pc:grpChg chg="del mod topLvl">
+          <ac:chgData name="唐 崇斌 Edwin" userId="769f27267cb83406" providerId="LiveId" clId="{5950B5EE-091A-4B6E-A0E4-F7E0BA907422}" dt="2020-03-23T17:07:55.190" v="2891" actId="165"/>
+          <ac:grpSpMkLst>
+            <pc:docMk/>
+            <pc:sldMk cId="2642943566" sldId="262"/>
+            <ac:grpSpMk id="173" creationId="{E71E5A9D-F4A5-40D1-9EC7-7C5F352F806B}"/>
+          </ac:grpSpMkLst>
+        </pc:grpChg>
+        <pc:grpChg chg="del mod topLvl">
+          <ac:chgData name="唐 崇斌 Edwin" userId="769f27267cb83406" providerId="LiveId" clId="{5950B5EE-091A-4B6E-A0E4-F7E0BA907422}" dt="2020-03-23T17:07:58.334" v="2892" actId="165"/>
+          <ac:grpSpMkLst>
+            <pc:docMk/>
+            <pc:sldMk cId="2642943566" sldId="262"/>
+            <ac:grpSpMk id="174" creationId="{C3C1470C-405C-4ADC-B5C0-A073E56C5E57}"/>
+          </ac:grpSpMkLst>
+        </pc:grpChg>
         <pc:grpChg chg="mod topLvl">
-          <ac:chgData name="唐 崇斌 Edwin" userId="769f27267cb83406" providerId="LiveId" clId="{5950B5EE-091A-4B6E-A0E4-F7E0BA907422}" dt="2020-03-23T15:13:21.083" v="1223" actId="688"/>
+          <ac:chgData name="唐 崇斌 Edwin" userId="769f27267cb83406" providerId="LiveId" clId="{5950B5EE-091A-4B6E-A0E4-F7E0BA907422}" dt="2020-03-23T17:14:10.648" v="3202" actId="554"/>
           <ac:grpSpMkLst>
             <pc:docMk/>
             <pc:sldMk cId="2642943566" sldId="262"/>
-            <ac:grpSpMk id="158" creationId="{39366B66-811F-4DE5-AE0B-DA1D48DA279E}"/>
+            <ac:grpSpMk id="175" creationId="{0698C4F3-FDC4-443C-8313-C15C1B053C6D}"/>
+          </ac:grpSpMkLst>
+        </pc:grpChg>
+        <pc:grpChg chg="mod topLvl">
+          <ac:chgData name="唐 崇斌 Edwin" userId="769f27267cb83406" providerId="LiveId" clId="{5950B5EE-091A-4B6E-A0E4-F7E0BA907422}" dt="2020-03-23T17:14:10.648" v="3202" actId="554"/>
+          <ac:grpSpMkLst>
+            <pc:docMk/>
+            <pc:sldMk cId="2642943566" sldId="262"/>
+            <ac:grpSpMk id="176" creationId="{6900AE2E-C358-48F8-ADC7-C3970AB50E96}"/>
+          </ac:grpSpMkLst>
+        </pc:grpChg>
+        <pc:grpChg chg="mod topLvl">
+          <ac:chgData name="唐 崇斌 Edwin" userId="769f27267cb83406" providerId="LiveId" clId="{5950B5EE-091A-4B6E-A0E4-F7E0BA907422}" dt="2020-03-23T17:14:00.196" v="3200" actId="164"/>
+          <ac:grpSpMkLst>
+            <pc:docMk/>
+            <pc:sldMk cId="2642943566" sldId="262"/>
+            <ac:grpSpMk id="181" creationId="{FA123FC8-C2C0-4D20-B2EC-BFFF05544260}"/>
+          </ac:grpSpMkLst>
+        </pc:grpChg>
+        <pc:grpChg chg="mod topLvl">
+          <ac:chgData name="唐 崇斌 Edwin" userId="769f27267cb83406" providerId="LiveId" clId="{5950B5EE-091A-4B6E-A0E4-F7E0BA907422}" dt="2020-03-23T17:14:00.196" v="3200" actId="164"/>
+          <ac:grpSpMkLst>
+            <pc:docMk/>
+            <pc:sldMk cId="2642943566" sldId="262"/>
+            <ac:grpSpMk id="182" creationId="{C751C51E-99BA-41A0-9108-36CF8C6178C3}"/>
+          </ac:grpSpMkLst>
+        </pc:grpChg>
+        <pc:grpChg chg="add mod">
+          <ac:chgData name="唐 崇斌 Edwin" userId="769f27267cb83406" providerId="LiveId" clId="{5950B5EE-091A-4B6E-A0E4-F7E0BA907422}" dt="2020-03-23T17:54:24.250" v="3754" actId="1038"/>
+          <ac:grpSpMkLst>
+            <pc:docMk/>
+            <pc:sldMk cId="2642943566" sldId="262"/>
+            <ac:grpSpMk id="190" creationId="{97B6FF74-975B-4236-BC20-BF34E6B4CD79}"/>
+          </ac:grpSpMkLst>
+        </pc:grpChg>
+        <pc:grpChg chg="add mod">
+          <ac:chgData name="唐 崇斌 Edwin" userId="769f27267cb83406" providerId="LiveId" clId="{5950B5EE-091A-4B6E-A0E4-F7E0BA907422}" dt="2020-03-23T17:54:45.299" v="3769" actId="1035"/>
+          <ac:grpSpMkLst>
+            <pc:docMk/>
+            <pc:sldMk cId="2642943566" sldId="262"/>
+            <ac:grpSpMk id="193" creationId="{53E81466-A620-44CF-A5C1-66EA07C939FC}"/>
+          </ac:grpSpMkLst>
+        </pc:grpChg>
+        <pc:grpChg chg="add del mod">
+          <ac:chgData name="唐 崇斌 Edwin" userId="769f27267cb83406" providerId="LiveId" clId="{5950B5EE-091A-4B6E-A0E4-F7E0BA907422}" dt="2020-03-23T17:56:52.839" v="3802" actId="165"/>
+          <ac:grpSpMkLst>
+            <pc:docMk/>
+            <pc:sldMk cId="2642943566" sldId="262"/>
+            <ac:grpSpMk id="203" creationId="{1BD26C05-4BA0-4A9F-B739-F7472E55FB9E}"/>
+          </ac:grpSpMkLst>
+        </pc:grpChg>
+        <pc:grpChg chg="mod topLvl">
+          <ac:chgData name="唐 崇斌 Edwin" userId="769f27267cb83406" providerId="LiveId" clId="{5950B5EE-091A-4B6E-A0E4-F7E0BA907422}" dt="2020-03-23T17:57:09.864" v="3806" actId="12788"/>
+          <ac:grpSpMkLst>
+            <pc:docMk/>
+            <pc:sldMk cId="2642943566" sldId="262"/>
+            <ac:grpSpMk id="204" creationId="{45A11373-85C4-4896-876B-06D64718BA83}"/>
+          </ac:grpSpMkLst>
+        </pc:grpChg>
+        <pc:grpChg chg="add mod">
+          <ac:chgData name="唐 崇斌 Edwin" userId="769f27267cb83406" providerId="LiveId" clId="{5950B5EE-091A-4B6E-A0E4-F7E0BA907422}" dt="2020-03-23T17:52:13.608" v="3640" actId="12788"/>
+          <ac:grpSpMkLst>
+            <pc:docMk/>
+            <pc:sldMk cId="2642943566" sldId="262"/>
+            <ac:grpSpMk id="209" creationId="{01FCB14A-E373-463D-900C-B7B33A324A02}"/>
+          </ac:grpSpMkLst>
+        </pc:grpChg>
+        <pc:grpChg chg="add mod">
+          <ac:chgData name="唐 崇斌 Edwin" userId="769f27267cb83406" providerId="LiveId" clId="{5950B5EE-091A-4B6E-A0E4-F7E0BA907422}" dt="2020-03-23T17:52:01.604" v="3633" actId="1038"/>
+          <ac:grpSpMkLst>
+            <pc:docMk/>
+            <pc:sldMk cId="2642943566" sldId="262"/>
+            <ac:grpSpMk id="219" creationId="{814A09A5-7545-40EA-B513-AFE4B8658FE2}"/>
+          </ac:grpSpMkLst>
+        </pc:grpChg>
+        <pc:grpChg chg="del mod topLvl">
+          <ac:chgData name="唐 崇斌 Edwin" userId="769f27267cb83406" providerId="LiveId" clId="{5950B5EE-091A-4B6E-A0E4-F7E0BA907422}" dt="2020-03-23T16:57:43.339" v="2465" actId="478"/>
+          <ac:grpSpMkLst>
+            <pc:docMk/>
+            <pc:sldMk cId="2642943566" sldId="262"/>
+            <ac:grpSpMk id="231" creationId="{C7FDC3FD-7734-4E55-9520-79D89EF89009}"/>
+          </ac:grpSpMkLst>
+        </pc:grpChg>
+        <pc:grpChg chg="add mod">
+          <ac:chgData name="唐 崇斌 Edwin" userId="769f27267cb83406" providerId="LiveId" clId="{5950B5EE-091A-4B6E-A0E4-F7E0BA907422}" dt="2020-03-23T17:54:11.930" v="3750" actId="1038"/>
+          <ac:grpSpMkLst>
+            <pc:docMk/>
+            <pc:sldMk cId="2642943566" sldId="262"/>
+            <ac:grpSpMk id="240" creationId="{AADCFA32-9DC5-4089-802F-45D22CA7623F}"/>
+          </ac:grpSpMkLst>
+        </pc:grpChg>
+        <pc:grpChg chg="add mod">
+          <ac:chgData name="唐 崇斌 Edwin" userId="769f27267cb83406" providerId="LiveId" clId="{5950B5EE-091A-4B6E-A0E4-F7E0BA907422}" dt="2020-03-23T17:52:01.604" v="3633" actId="1038"/>
+          <ac:grpSpMkLst>
+            <pc:docMk/>
+            <pc:sldMk cId="2642943566" sldId="262"/>
+            <ac:grpSpMk id="245" creationId="{4D82D008-5C27-4B40-BC60-AB5F6CD7651D}"/>
+          </ac:grpSpMkLst>
+        </pc:grpChg>
+        <pc:grpChg chg="add del mod">
+          <ac:chgData name="唐 崇斌 Edwin" userId="769f27267cb83406" providerId="LiveId" clId="{5950B5EE-091A-4B6E-A0E4-F7E0BA907422}" dt="2020-03-23T17:06:17.224" v="2856" actId="165"/>
+          <ac:grpSpMkLst>
+            <pc:docMk/>
+            <pc:sldMk cId="2642943566" sldId="262"/>
+            <ac:grpSpMk id="254" creationId="{C6344CDB-29CE-4E8E-BB3B-EC1980C1C0B9}"/>
+          </ac:grpSpMkLst>
+        </pc:grpChg>
+        <pc:grpChg chg="mod topLvl">
+          <ac:chgData name="唐 崇斌 Edwin" userId="769f27267cb83406" providerId="LiveId" clId="{5950B5EE-091A-4B6E-A0E4-F7E0BA907422}" dt="2020-03-23T17:06:38.785" v="2862" actId="164"/>
+          <ac:grpSpMkLst>
+            <pc:docMk/>
+            <pc:sldMk cId="2642943566" sldId="262"/>
+            <ac:grpSpMk id="256" creationId="{F954619E-18B2-41C0-99FC-6FF4FFCDBD53}"/>
+          </ac:grpSpMkLst>
+        </pc:grpChg>
+        <pc:grpChg chg="add mod">
+          <ac:chgData name="唐 崇斌 Edwin" userId="769f27267cb83406" providerId="LiveId" clId="{5950B5EE-091A-4B6E-A0E4-F7E0BA907422}" dt="2020-03-23T17:52:13.608" v="3640" actId="12788"/>
+          <ac:grpSpMkLst>
+            <pc:docMk/>
+            <pc:sldMk cId="2642943566" sldId="262"/>
+            <ac:grpSpMk id="264" creationId="{090D22F9-D440-4ED4-88EE-9F38AE3C6320}"/>
+          </ac:grpSpMkLst>
+        </pc:grpChg>
+        <pc:grpChg chg="add mod">
+          <ac:chgData name="唐 崇斌 Edwin" userId="769f27267cb83406" providerId="LiveId" clId="{5950B5EE-091A-4B6E-A0E4-F7E0BA907422}" dt="2020-03-23T17:06:29.880" v="2860" actId="164"/>
+          <ac:grpSpMkLst>
+            <pc:docMk/>
+            <pc:sldMk cId="2642943566" sldId="262"/>
+            <ac:grpSpMk id="271" creationId="{D1C0CACD-A848-4F32-9F73-2216B485F157}"/>
+          </ac:grpSpMkLst>
+        </pc:grpChg>
+        <pc:grpChg chg="add mod">
+          <ac:chgData name="唐 崇斌 Edwin" userId="769f27267cb83406" providerId="LiveId" clId="{5950B5EE-091A-4B6E-A0E4-F7E0BA907422}" dt="2020-03-23T17:52:01.604" v="3633" actId="1038"/>
+          <ac:grpSpMkLst>
+            <pc:docMk/>
+            <pc:sldMk cId="2642943566" sldId="262"/>
+            <ac:grpSpMk id="272" creationId="{F094A865-F322-4281-A615-DF05A0FCE301}"/>
+          </ac:grpSpMkLst>
+        </pc:grpChg>
+        <pc:grpChg chg="add mod">
+          <ac:chgData name="唐 崇斌 Edwin" userId="769f27267cb83406" providerId="LiveId" clId="{5950B5EE-091A-4B6E-A0E4-F7E0BA907422}" dt="2020-03-23T17:09:49.536" v="2968" actId="571"/>
+          <ac:grpSpMkLst>
+            <pc:docMk/>
+            <pc:sldMk cId="2642943566" sldId="262"/>
+            <ac:grpSpMk id="279" creationId="{2C9A234F-C0CC-4EC6-81AF-E8473FA4CC98}"/>
+          </ac:grpSpMkLst>
+        </pc:grpChg>
+        <pc:grpChg chg="add mod">
+          <ac:chgData name="唐 崇斌 Edwin" userId="769f27267cb83406" providerId="LiveId" clId="{5950B5EE-091A-4B6E-A0E4-F7E0BA907422}" dt="2020-03-23T17:09:49.536" v="2968" actId="571"/>
+          <ac:grpSpMkLst>
+            <pc:docMk/>
+            <pc:sldMk cId="2642943566" sldId="262"/>
+            <ac:grpSpMk id="282" creationId="{F062D35D-1AD4-4B32-B3FA-E766C3C7B4FC}"/>
+          </ac:grpSpMkLst>
+        </pc:grpChg>
+        <pc:grpChg chg="add mod">
+          <ac:chgData name="唐 崇斌 Edwin" userId="769f27267cb83406" providerId="LiveId" clId="{5950B5EE-091A-4B6E-A0E4-F7E0BA907422}" dt="2020-03-23T17:48:49.050" v="3558" actId="164"/>
+          <ac:grpSpMkLst>
+            <pc:docMk/>
+            <pc:sldMk cId="2642943566" sldId="262"/>
+            <ac:grpSpMk id="292" creationId="{BBA39101-2C0B-44D5-9165-E20AAF5F9661}"/>
+          </ac:grpSpMkLst>
+        </pc:grpChg>
+        <pc:grpChg chg="add mod">
+          <ac:chgData name="唐 崇斌 Edwin" userId="769f27267cb83406" providerId="LiveId" clId="{5950B5EE-091A-4B6E-A0E4-F7E0BA907422}" dt="2020-03-23T17:48:49.050" v="3558" actId="164"/>
+          <ac:grpSpMkLst>
+            <pc:docMk/>
+            <pc:sldMk cId="2642943566" sldId="262"/>
+            <ac:grpSpMk id="293" creationId="{63DD55F9-BC29-4533-BA58-F1E678E9BCF2}"/>
           </ac:grpSpMkLst>
         </pc:grpChg>
         <pc:picChg chg="add mod">
@@ -968,6 +1464,22 @@
             <ac:picMk id="13" creationId="{64441A86-282A-4748-A914-189124D88159}"/>
           </ac:picMkLst>
         </pc:picChg>
+        <pc:picChg chg="add del mod topLvl">
+          <ac:chgData name="唐 崇斌 Edwin" userId="769f27267cb83406" providerId="LiveId" clId="{5950B5EE-091A-4B6E-A0E4-F7E0BA907422}" dt="2020-03-23T16:57:38.907" v="2464" actId="478"/>
+          <ac:picMkLst>
+            <pc:docMk/>
+            <pc:sldMk cId="2642943566" sldId="262"/>
+            <ac:picMk id="68" creationId="{7759C60B-8DFF-4FD1-9EF9-751AB79A85D4}"/>
+          </ac:picMkLst>
+        </pc:picChg>
+        <pc:picChg chg="add del mod">
+          <ac:chgData name="唐 崇斌 Edwin" userId="769f27267cb83406" providerId="LiveId" clId="{5950B5EE-091A-4B6E-A0E4-F7E0BA907422}" dt="2020-03-23T16:57:43.339" v="2465" actId="478"/>
+          <ac:picMkLst>
+            <pc:docMk/>
+            <pc:sldMk cId="2642943566" sldId="262"/>
+            <ac:picMk id="85" creationId="{11F2E5DD-CB9B-4102-B144-83A1A533401C}"/>
+          </ac:picMkLst>
+        </pc:picChg>
         <pc:picChg chg="mod topLvl">
           <ac:chgData name="唐 崇斌 Edwin" userId="769f27267cb83406" providerId="LiveId" clId="{5950B5EE-091A-4B6E-A0E4-F7E0BA907422}" dt="2020-03-23T15:00:38.747" v="889" actId="164"/>
           <ac:picMkLst>
@@ -1064,8 +1576,88 @@
             <ac:picMk id="156" creationId="{5F247478-C762-4F96-891C-379A00364905}"/>
           </ac:picMkLst>
         </pc:picChg>
-        <pc:cxnChg chg="mod">
-          <ac:chgData name="唐 崇斌 Edwin" userId="769f27267cb83406" providerId="LiveId" clId="{5950B5EE-091A-4B6E-A0E4-F7E0BA907422}" dt="2020-03-23T15:11:17.098" v="1169" actId="1038"/>
+        <pc:picChg chg="mod">
+          <ac:chgData name="唐 崇斌 Edwin" userId="769f27267cb83406" providerId="LiveId" clId="{5950B5EE-091A-4B6E-A0E4-F7E0BA907422}" dt="2020-03-23T17:56:48.668" v="3801" actId="408"/>
+          <ac:picMkLst>
+            <pc:docMk/>
+            <pc:sldMk cId="2642943566" sldId="262"/>
+            <ac:picMk id="206" creationId="{30FF77F8-D51D-4E1F-B955-6D3AFD2222B2}"/>
+          </ac:picMkLst>
+        </pc:picChg>
+        <pc:picChg chg="mod">
+          <ac:chgData name="唐 崇斌 Edwin" userId="769f27267cb83406" providerId="LiveId" clId="{5950B5EE-091A-4B6E-A0E4-F7E0BA907422}" dt="2020-03-23T17:56:48.668" v="3801" actId="408"/>
+          <ac:picMkLst>
+            <pc:docMk/>
+            <pc:sldMk cId="2642943566" sldId="262"/>
+            <ac:picMk id="207" creationId="{D93C3C4A-3C79-4173-80D2-62A97C04DDB3}"/>
+          </ac:picMkLst>
+        </pc:picChg>
+        <pc:picChg chg="mod">
+          <ac:chgData name="唐 崇斌 Edwin" userId="769f27267cb83406" providerId="LiveId" clId="{5950B5EE-091A-4B6E-A0E4-F7E0BA907422}" dt="2020-03-23T17:56:48.668" v="3801" actId="408"/>
+          <ac:picMkLst>
+            <pc:docMk/>
+            <pc:sldMk cId="2642943566" sldId="262"/>
+            <ac:picMk id="208" creationId="{A97AEBE5-5B3B-4C53-8A78-E190AC6594DA}"/>
+          </ac:picMkLst>
+        </pc:picChg>
+        <pc:picChg chg="mod">
+          <ac:chgData name="唐 崇斌 Edwin" userId="769f27267cb83406" providerId="LiveId" clId="{5950B5EE-091A-4B6E-A0E4-F7E0BA907422}" dt="2020-03-23T17:04:08.462" v="2761" actId="12788"/>
+          <ac:picMkLst>
+            <pc:docMk/>
+            <pc:sldMk cId="2642943566" sldId="262"/>
+            <ac:picMk id="241" creationId="{96D7E9B9-AD5D-4E6F-9973-BABDFB751AD1}"/>
+          </ac:picMkLst>
+        </pc:picChg>
+        <pc:picChg chg="mod">
+          <ac:chgData name="唐 崇斌 Edwin" userId="769f27267cb83406" providerId="LiveId" clId="{5950B5EE-091A-4B6E-A0E4-F7E0BA907422}" dt="2020-03-23T17:50:08.134" v="3583" actId="688"/>
+          <ac:picMkLst>
+            <pc:docMk/>
+            <pc:sldMk cId="2642943566" sldId="262"/>
+            <ac:picMk id="257" creationId="{7F648CE7-EEA1-4A60-ABDF-2060466F9E66}"/>
+          </ac:picMkLst>
+        </pc:picChg>
+        <pc:picChg chg="mod">
+          <ac:chgData name="唐 崇斌 Edwin" userId="769f27267cb83406" providerId="LiveId" clId="{5950B5EE-091A-4B6E-A0E4-F7E0BA907422}" dt="2020-03-23T17:50:08.134" v="3583" actId="688"/>
+          <ac:picMkLst>
+            <pc:docMk/>
+            <pc:sldMk cId="2642943566" sldId="262"/>
+            <ac:picMk id="258" creationId="{4274A4E9-D4DA-406A-8D91-30A413CE10FF}"/>
+          </ac:picMkLst>
+        </pc:picChg>
+        <pc:picChg chg="mod">
+          <ac:chgData name="唐 崇斌 Edwin" userId="769f27267cb83406" providerId="LiveId" clId="{5950B5EE-091A-4B6E-A0E4-F7E0BA907422}" dt="2020-03-23T17:50:33.165" v="3591" actId="1076"/>
+          <ac:picMkLst>
+            <pc:docMk/>
+            <pc:sldMk cId="2642943566" sldId="262"/>
+            <ac:picMk id="259" creationId="{64DD947F-310D-4EA7-A113-D0FB40401FCD}"/>
+          </ac:picMkLst>
+        </pc:picChg>
+        <pc:picChg chg="mod">
+          <ac:chgData name="唐 崇斌 Edwin" userId="769f27267cb83406" providerId="LiveId" clId="{5950B5EE-091A-4B6E-A0E4-F7E0BA907422}" dt="2020-03-23T17:50:08.134" v="3583" actId="688"/>
+          <ac:picMkLst>
+            <pc:docMk/>
+            <pc:sldMk cId="2642943566" sldId="262"/>
+            <ac:picMk id="260" creationId="{FB32EEF6-AEB1-4DA2-9BF8-CE9B73768289}"/>
+          </ac:picMkLst>
+        </pc:picChg>
+        <pc:picChg chg="mod">
+          <ac:chgData name="唐 崇斌 Edwin" userId="769f27267cb83406" providerId="LiveId" clId="{5950B5EE-091A-4B6E-A0E4-F7E0BA907422}" dt="2020-03-23T17:50:08.134" v="3583" actId="688"/>
+          <ac:picMkLst>
+            <pc:docMk/>
+            <pc:sldMk cId="2642943566" sldId="262"/>
+            <ac:picMk id="261" creationId="{3B1750DD-C421-4F79-8BAF-C8DD819C9BEE}"/>
+          </ac:picMkLst>
+        </pc:picChg>
+        <pc:picChg chg="mod">
+          <ac:chgData name="唐 崇斌 Edwin" userId="769f27267cb83406" providerId="LiveId" clId="{5950B5EE-091A-4B6E-A0E4-F7E0BA907422}" dt="2020-03-23T17:03:31.500" v="2752" actId="12788"/>
+          <ac:picMkLst>
+            <pc:docMk/>
+            <pc:sldMk cId="2642943566" sldId="262"/>
+            <ac:picMk id="266" creationId="{D0510ED5-1EB4-48C1-BE87-D536C5564A5C}"/>
+          </ac:picMkLst>
+        </pc:picChg>
+        <pc:cxnChg chg="del mod topLvl">
+          <ac:chgData name="唐 崇斌 Edwin" userId="769f27267cb83406" providerId="LiveId" clId="{5950B5EE-091A-4B6E-A0E4-F7E0BA907422}" dt="2020-03-23T16:57:43.339" v="2465" actId="478"/>
           <ac:cxnSpMkLst>
             <pc:docMk/>
             <pc:sldMk cId="2642943566" sldId="262"/>
@@ -1088,8 +1680,8 @@
             <ac:cxnSpMk id="28" creationId="{F0C20826-CB33-461C-BE67-CFDD135F6DC8}"/>
           </ac:cxnSpMkLst>
         </pc:cxnChg>
-        <pc:cxnChg chg="mod">
-          <ac:chgData name="唐 崇斌 Edwin" userId="769f27267cb83406" providerId="LiveId" clId="{5950B5EE-091A-4B6E-A0E4-F7E0BA907422}" dt="2020-03-23T15:42:56.156" v="1377" actId="14100"/>
+        <pc:cxnChg chg="del mod topLvl">
+          <ac:chgData name="唐 崇斌 Edwin" userId="769f27267cb83406" providerId="LiveId" clId="{5950B5EE-091A-4B6E-A0E4-F7E0BA907422}" dt="2020-03-23T16:57:43.339" v="2465" actId="478"/>
           <ac:cxnSpMkLst>
             <pc:docMk/>
             <pc:sldMk cId="2642943566" sldId="262"/>
@@ -1185,15 +1777,23 @@
           </ac:cxnSpMkLst>
         </pc:cxnChg>
         <pc:cxnChg chg="add mod">
-          <ac:chgData name="唐 崇斌 Edwin" userId="769f27267cb83406" providerId="LiveId" clId="{5950B5EE-091A-4B6E-A0E4-F7E0BA907422}" dt="2020-03-23T15:22:06.653" v="1325" actId="1036"/>
+          <ac:chgData name="唐 崇斌 Edwin" userId="769f27267cb83406" providerId="LiveId" clId="{5950B5EE-091A-4B6E-A0E4-F7E0BA907422}" dt="2020-03-23T17:52:01.604" v="3633" actId="1038"/>
+          <ac:cxnSpMkLst>
+            <pc:docMk/>
+            <pc:sldMk cId="2642943566" sldId="262"/>
+            <ac:cxnSpMk id="117" creationId="{E63A7099-D16C-46D5-AE6F-34948B45C17E}"/>
+          </ac:cxnSpMkLst>
+        </pc:cxnChg>
+        <pc:cxnChg chg="add del mod topLvl">
+          <ac:chgData name="唐 崇斌 Edwin" userId="769f27267cb83406" providerId="LiveId" clId="{5950B5EE-091A-4B6E-A0E4-F7E0BA907422}" dt="2020-03-23T16:57:43.339" v="2465" actId="478"/>
           <ac:cxnSpMkLst>
             <pc:docMk/>
             <pc:sldMk cId="2642943566" sldId="262"/>
             <ac:cxnSpMk id="138" creationId="{871CE4A9-51E1-4A85-845A-73E336A304A0}"/>
           </ac:cxnSpMkLst>
         </pc:cxnChg>
-        <pc:cxnChg chg="add mod">
-          <ac:chgData name="唐 崇斌 Edwin" userId="769f27267cb83406" providerId="LiveId" clId="{5950B5EE-091A-4B6E-A0E4-F7E0BA907422}" dt="2020-03-23T15:21:58.530" v="1289" actId="1036"/>
+        <pc:cxnChg chg="add del mod topLvl">
+          <ac:chgData name="唐 崇斌 Edwin" userId="769f27267cb83406" providerId="LiveId" clId="{5950B5EE-091A-4B6E-A0E4-F7E0BA907422}" dt="2020-03-23T16:57:43.339" v="2465" actId="478"/>
           <ac:cxnSpMkLst>
             <pc:docMk/>
             <pc:sldMk cId="2642943566" sldId="262"/>
@@ -1208,16 +1808,16 @@
             <ac:cxnSpMk id="144" creationId="{1C990A7F-8D8D-4E68-ADA1-8243C90D657E}"/>
           </ac:cxnSpMkLst>
         </pc:cxnChg>
-        <pc:cxnChg chg="mod">
-          <ac:chgData name="唐 崇斌 Edwin" userId="769f27267cb83406" providerId="LiveId" clId="{5950B5EE-091A-4B6E-A0E4-F7E0BA907422}" dt="2020-03-23T15:11:17.098" v="1169" actId="1038"/>
+        <pc:cxnChg chg="del mod topLvl">
+          <ac:chgData name="唐 崇斌 Edwin" userId="769f27267cb83406" providerId="LiveId" clId="{5950B5EE-091A-4B6E-A0E4-F7E0BA907422}" dt="2020-03-23T16:57:43.339" v="2465" actId="478"/>
           <ac:cxnSpMkLst>
             <pc:docMk/>
             <pc:sldMk cId="2642943566" sldId="262"/>
             <ac:cxnSpMk id="146" creationId="{7755E390-2CA9-40E6-8045-B3B3BEDECA2B}"/>
           </ac:cxnSpMkLst>
         </pc:cxnChg>
-        <pc:cxnChg chg="mod">
-          <ac:chgData name="唐 崇斌 Edwin" userId="769f27267cb83406" providerId="LiveId" clId="{5950B5EE-091A-4B6E-A0E4-F7E0BA907422}" dt="2020-03-23T14:52:51.653" v="599" actId="1037"/>
+        <pc:cxnChg chg="del mod topLvl">
+          <ac:chgData name="唐 崇斌 Edwin" userId="769f27267cb83406" providerId="LiveId" clId="{5950B5EE-091A-4B6E-A0E4-F7E0BA907422}" dt="2020-03-23T16:57:43.339" v="2465" actId="478"/>
           <ac:cxnSpMkLst>
             <pc:docMk/>
             <pc:sldMk cId="2642943566" sldId="262"/>
@@ -1272,28 +1872,156 @@
             <ac:cxnSpMk id="165" creationId="{21B42458-70C1-404D-AE6B-B41B7C1E5583}"/>
           </ac:cxnSpMkLst>
         </pc:cxnChg>
+        <pc:cxnChg chg="add del mod">
+          <ac:chgData name="唐 崇斌 Edwin" userId="769f27267cb83406" providerId="LiveId" clId="{5950B5EE-091A-4B6E-A0E4-F7E0BA907422}" dt="2020-03-23T16:57:43.339" v="2465" actId="478"/>
+          <ac:cxnSpMkLst>
+            <pc:docMk/>
+            <pc:sldMk cId="2642943566" sldId="262"/>
+            <ac:cxnSpMk id="165" creationId="{6757F21F-653D-4F3E-BC5A-CF9AD0FB3CC3}"/>
+          </ac:cxnSpMkLst>
+        </pc:cxnChg>
         <pc:cxnChg chg="mod">
-          <ac:chgData name="唐 崇斌 Edwin" userId="769f27267cb83406" providerId="LiveId" clId="{5950B5EE-091A-4B6E-A0E4-F7E0BA907422}" dt="2020-03-23T15:01:29.732" v="910" actId="1037"/>
+          <ac:chgData name="唐 崇斌 Edwin" userId="769f27267cb83406" providerId="LiveId" clId="{5950B5EE-091A-4B6E-A0E4-F7E0BA907422}" dt="2020-03-23T17:07:34.462" v="2888" actId="1038"/>
+          <ac:cxnSpMkLst>
+            <pc:docMk/>
+            <pc:sldMk cId="2642943566" sldId="262"/>
+            <ac:cxnSpMk id="178" creationId="{A68D602C-A3B0-4C9E-9614-1A43ECFB04C3}"/>
+          </ac:cxnSpMkLst>
+        </pc:cxnChg>
+        <pc:cxnChg chg="mod">
+          <ac:chgData name="唐 崇斌 Edwin" userId="769f27267cb83406" providerId="LiveId" clId="{5950B5EE-091A-4B6E-A0E4-F7E0BA907422}" dt="2020-03-23T17:22:14.045" v="3369" actId="693"/>
+          <ac:cxnSpMkLst>
+            <pc:docMk/>
+            <pc:sldMk cId="2642943566" sldId="262"/>
+            <ac:cxnSpMk id="180" creationId="{BEF2693C-7DF9-41E9-BD06-7DD56C4BA9A2}"/>
+          </ac:cxnSpMkLst>
+        </pc:cxnChg>
+        <pc:cxnChg chg="mod">
+          <ac:chgData name="唐 崇斌 Edwin" userId="769f27267cb83406" providerId="LiveId" clId="{5950B5EE-091A-4B6E-A0E4-F7E0BA907422}" dt="2020-03-23T17:22:21.807" v="3370" actId="693"/>
+          <ac:cxnSpMkLst>
+            <pc:docMk/>
+            <pc:sldMk cId="2642943566" sldId="262"/>
+            <ac:cxnSpMk id="184" creationId="{A0951C13-4CDD-42FE-B076-D86C1638B4E8}"/>
+          </ac:cxnSpMkLst>
+        </pc:cxnChg>
+        <pc:cxnChg chg="mod">
+          <ac:chgData name="唐 崇斌 Edwin" userId="769f27267cb83406" providerId="LiveId" clId="{5950B5EE-091A-4B6E-A0E4-F7E0BA907422}" dt="2020-03-23T17:22:21.807" v="3370" actId="693"/>
+          <ac:cxnSpMkLst>
+            <pc:docMk/>
+            <pc:sldMk cId="2642943566" sldId="262"/>
+            <ac:cxnSpMk id="186" creationId="{2ACD21E4-28D9-4704-ADE1-451536945594}"/>
+          </ac:cxnSpMkLst>
+        </pc:cxnChg>
+        <pc:cxnChg chg="add mod">
+          <ac:chgData name="唐 崇斌 Edwin" userId="769f27267cb83406" providerId="LiveId" clId="{5950B5EE-091A-4B6E-A0E4-F7E0BA907422}" dt="2020-03-23T17:57:09.864" v="3806" actId="12788"/>
+          <ac:cxnSpMkLst>
+            <pc:docMk/>
+            <pc:sldMk cId="2642943566" sldId="262"/>
+            <ac:cxnSpMk id="197" creationId="{307F1FD1-23EA-407B-9C1D-897E8F9E91F5}"/>
+          </ac:cxnSpMkLst>
+        </pc:cxnChg>
+        <pc:cxnChg chg="add mod">
+          <ac:chgData name="唐 崇斌 Edwin" userId="769f27267cb83406" providerId="LiveId" clId="{5950B5EE-091A-4B6E-A0E4-F7E0BA907422}" dt="2020-03-23T17:57:09.864" v="3806" actId="12788"/>
+          <ac:cxnSpMkLst>
+            <pc:docMk/>
+            <pc:sldMk cId="2642943566" sldId="262"/>
+            <ac:cxnSpMk id="198" creationId="{CE19A948-E279-4663-B0A0-44FF72584935}"/>
+          </ac:cxnSpMkLst>
+        </pc:cxnChg>
+        <pc:cxnChg chg="add mod">
+          <ac:chgData name="唐 崇斌 Edwin" userId="769f27267cb83406" providerId="LiveId" clId="{5950B5EE-091A-4B6E-A0E4-F7E0BA907422}" dt="2020-03-23T17:52:01.604" v="3633" actId="1038"/>
+          <ac:cxnSpMkLst>
+            <pc:docMk/>
+            <pc:sldMk cId="2642943566" sldId="262"/>
+            <ac:cxnSpMk id="199" creationId="{71825B62-6EC6-478C-842F-0F54CC304C0C}"/>
+          </ac:cxnSpMkLst>
+        </pc:cxnChg>
+        <pc:cxnChg chg="add del mod">
+          <ac:chgData name="唐 崇斌 Edwin" userId="769f27267cb83406" providerId="LiveId" clId="{5950B5EE-091A-4B6E-A0E4-F7E0BA907422}" dt="2020-03-23T17:13:40.858" v="3195" actId="478"/>
+          <ac:cxnSpMkLst>
+            <pc:docMk/>
+            <pc:sldMk cId="2642943566" sldId="262"/>
+            <ac:cxnSpMk id="200" creationId="{0C869853-87C4-4CCC-96B7-2D6EBA8CE72D}"/>
+          </ac:cxnSpMkLst>
+        </pc:cxnChg>
+        <pc:cxnChg chg="add mod">
+          <ac:chgData name="唐 崇斌 Edwin" userId="769f27267cb83406" providerId="LiveId" clId="{5950B5EE-091A-4B6E-A0E4-F7E0BA907422}" dt="2020-03-23T17:57:09.864" v="3806" actId="12788"/>
+          <ac:cxnSpMkLst>
+            <pc:docMk/>
+            <pc:sldMk cId="2642943566" sldId="262"/>
+            <ac:cxnSpMk id="201" creationId="{A4E380D6-E5AA-4B5B-B3E9-DBFCEE4F03FA}"/>
+          </ac:cxnSpMkLst>
+        </pc:cxnChg>
+        <pc:cxnChg chg="add mod">
+          <ac:chgData name="唐 崇斌 Edwin" userId="769f27267cb83406" providerId="LiveId" clId="{5950B5EE-091A-4B6E-A0E4-F7E0BA907422}" dt="2020-03-23T17:52:01.604" v="3633" actId="1038"/>
+          <ac:cxnSpMkLst>
+            <pc:docMk/>
+            <pc:sldMk cId="2642943566" sldId="262"/>
+            <ac:cxnSpMk id="202" creationId="{FC603C95-93C5-492C-B84B-5F3845432E73}"/>
+          </ac:cxnSpMkLst>
+        </pc:cxnChg>
+        <pc:cxnChg chg="del mod topLvl">
+          <ac:chgData name="唐 崇斌 Edwin" userId="769f27267cb83406" providerId="LiveId" clId="{5950B5EE-091A-4B6E-A0E4-F7E0BA907422}" dt="2020-03-23T16:57:43.339" v="2465" actId="478"/>
           <ac:cxnSpMkLst>
             <pc:docMk/>
             <pc:sldMk cId="2642943566" sldId="262"/>
             <ac:cxnSpMk id="210" creationId="{56248D90-04BA-4318-9EFA-CAF04B06F20B}"/>
           </ac:cxnSpMkLst>
         </pc:cxnChg>
-        <pc:cxnChg chg="mod">
-          <ac:chgData name="唐 崇斌 Edwin" userId="769f27267cb83406" providerId="LiveId" clId="{5950B5EE-091A-4B6E-A0E4-F7E0BA907422}" dt="2020-03-23T15:09:55.957" v="1139" actId="1037"/>
+        <pc:cxnChg chg="del mod topLvl">
+          <ac:chgData name="唐 崇斌 Edwin" userId="769f27267cb83406" providerId="LiveId" clId="{5950B5EE-091A-4B6E-A0E4-F7E0BA907422}" dt="2020-03-23T16:57:43.339" v="2465" actId="478"/>
           <ac:cxnSpMkLst>
             <pc:docMk/>
             <pc:sldMk cId="2642943566" sldId="262"/>
             <ac:cxnSpMk id="213" creationId="{2856A72C-02D8-4B27-B712-B82396AB79AE}"/>
           </ac:cxnSpMkLst>
         </pc:cxnChg>
-        <pc:cxnChg chg="mod">
-          <ac:chgData name="唐 崇斌 Edwin" userId="769f27267cb83406" providerId="LiveId" clId="{5950B5EE-091A-4B6E-A0E4-F7E0BA907422}" dt="2020-03-23T14:55:37.832" v="750" actId="1038"/>
+        <pc:cxnChg chg="add del mod">
+          <ac:chgData name="唐 崇斌 Edwin" userId="769f27267cb83406" providerId="LiveId" clId="{5950B5EE-091A-4B6E-A0E4-F7E0BA907422}" dt="2020-03-23T17:48:36.693" v="3555" actId="478"/>
           <ac:cxnSpMkLst>
             <pc:docMk/>
             <pc:sldMk cId="2642943566" sldId="262"/>
+            <ac:cxnSpMk id="216" creationId="{37CE79F2-6453-42F4-A3BB-D80D3B56909B}"/>
+          </ac:cxnSpMkLst>
+        </pc:cxnChg>
+        <pc:cxnChg chg="del mod topLvl">
+          <ac:chgData name="唐 崇斌 Edwin" userId="769f27267cb83406" providerId="LiveId" clId="{5950B5EE-091A-4B6E-A0E4-F7E0BA907422}" dt="2020-03-23T16:57:43.339" v="2465" actId="478"/>
+          <ac:cxnSpMkLst>
+            <pc:docMk/>
+            <pc:sldMk cId="2642943566" sldId="262"/>
             <ac:cxnSpMk id="232" creationId="{0CBFD6A4-7719-4C83-BB40-C8ECB7900A08}"/>
+          </ac:cxnSpMkLst>
+        </pc:cxnChg>
+        <pc:cxnChg chg="add mod">
+          <ac:chgData name="唐 崇斌 Edwin" userId="769f27267cb83406" providerId="LiveId" clId="{5950B5EE-091A-4B6E-A0E4-F7E0BA907422}" dt="2020-03-23T17:52:01.604" v="3633" actId="1038"/>
+          <ac:cxnSpMkLst>
+            <pc:docMk/>
+            <pc:sldMk cId="2642943566" sldId="262"/>
+            <ac:cxnSpMk id="243" creationId="{25251829-DAAC-4EED-AD10-BEF5552F8808}"/>
+          </ac:cxnSpMkLst>
+        </pc:cxnChg>
+        <pc:cxnChg chg="add mod">
+          <ac:chgData name="唐 崇斌 Edwin" userId="769f27267cb83406" providerId="LiveId" clId="{5950B5EE-091A-4B6E-A0E4-F7E0BA907422}" dt="2020-03-23T17:52:01.604" v="3633" actId="1038"/>
+          <ac:cxnSpMkLst>
+            <pc:docMk/>
+            <pc:sldMk cId="2642943566" sldId="262"/>
+            <ac:cxnSpMk id="244" creationId="{766120E9-F20C-43F1-8972-4ACFBB803DC9}"/>
+          </ac:cxnSpMkLst>
+        </pc:cxnChg>
+        <pc:cxnChg chg="add mod">
+          <ac:chgData name="唐 崇斌 Edwin" userId="769f27267cb83406" providerId="LiveId" clId="{5950B5EE-091A-4B6E-A0E4-F7E0BA907422}" dt="2020-03-23T17:52:01.604" v="3633" actId="1038"/>
+          <ac:cxnSpMkLst>
+            <pc:docMk/>
+            <pc:sldMk cId="2642943566" sldId="262"/>
+            <ac:cxnSpMk id="263" creationId="{810A3D51-1FB5-4908-BC34-279446F25AA0}"/>
+          </ac:cxnSpMkLst>
+        </pc:cxnChg>
+        <pc:cxnChg chg="add mod">
+          <ac:chgData name="唐 崇斌 Edwin" userId="769f27267cb83406" providerId="LiveId" clId="{5950B5EE-091A-4B6E-A0E4-F7E0BA907422}" dt="2020-03-23T17:54:45.299" v="3769" actId="1035"/>
+          <ac:cxnSpMkLst>
+            <pc:docMk/>
+            <pc:sldMk cId="2642943566" sldId="262"/>
+            <ac:cxnSpMk id="289" creationId="{BFFE2316-AF51-4357-89AB-F5ADAD9092BD}"/>
           </ac:cxnSpMkLst>
         </pc:cxnChg>
       </pc:sldChg>
@@ -3298,7 +4026,7 @@
           <a:p>
             <a:fld id="{2397B9A4-A1A7-4F69-B67A-5CE7E47DA859}" type="datetimeFigureOut">
               <a:rPr lang="zh-CN" altLang="en-US" smtClean="0"/>
-              <a:t>2020/3/23</a:t>
+              <a:t>2020/3/24</a:t>
             </a:fld>
             <a:endParaRPr lang="zh-CN" altLang="en-US"/>
           </a:p>
@@ -3466,7 +4194,7 @@
           <a:p>
             <a:fld id="{2397B9A4-A1A7-4F69-B67A-5CE7E47DA859}" type="datetimeFigureOut">
               <a:rPr lang="zh-CN" altLang="en-US" smtClean="0"/>
-              <a:t>2020/3/23</a:t>
+              <a:t>2020/3/24</a:t>
             </a:fld>
             <a:endParaRPr lang="zh-CN" altLang="en-US"/>
           </a:p>
@@ -3644,7 +4372,7 @@
           <a:p>
             <a:fld id="{2397B9A4-A1A7-4F69-B67A-5CE7E47DA859}" type="datetimeFigureOut">
               <a:rPr lang="zh-CN" altLang="en-US" smtClean="0"/>
-              <a:t>2020/3/23</a:t>
+              <a:t>2020/3/24</a:t>
             </a:fld>
             <a:endParaRPr lang="zh-CN" altLang="en-US"/>
           </a:p>
@@ -3812,7 +4540,7 @@
           <a:p>
             <a:fld id="{2397B9A4-A1A7-4F69-B67A-5CE7E47DA859}" type="datetimeFigureOut">
               <a:rPr lang="zh-CN" altLang="en-US" smtClean="0"/>
-              <a:t>2020/3/23</a:t>
+              <a:t>2020/3/24</a:t>
             </a:fld>
             <a:endParaRPr lang="zh-CN" altLang="en-US"/>
           </a:p>
@@ -4057,7 +4785,7 @@
           <a:p>
             <a:fld id="{2397B9A4-A1A7-4F69-B67A-5CE7E47DA859}" type="datetimeFigureOut">
               <a:rPr lang="zh-CN" altLang="en-US" smtClean="0"/>
-              <a:t>2020/3/23</a:t>
+              <a:t>2020/3/24</a:t>
             </a:fld>
             <a:endParaRPr lang="zh-CN" altLang="en-US"/>
           </a:p>
@@ -4286,7 +5014,7 @@
           <a:p>
             <a:fld id="{2397B9A4-A1A7-4F69-B67A-5CE7E47DA859}" type="datetimeFigureOut">
               <a:rPr lang="zh-CN" altLang="en-US" smtClean="0"/>
-              <a:t>2020/3/23</a:t>
+              <a:t>2020/3/24</a:t>
             </a:fld>
             <a:endParaRPr lang="zh-CN" altLang="en-US"/>
           </a:p>
@@ -4650,7 +5378,7 @@
           <a:p>
             <a:fld id="{2397B9A4-A1A7-4F69-B67A-5CE7E47DA859}" type="datetimeFigureOut">
               <a:rPr lang="zh-CN" altLang="en-US" smtClean="0"/>
-              <a:t>2020/3/23</a:t>
+              <a:t>2020/3/24</a:t>
             </a:fld>
             <a:endParaRPr lang="zh-CN" altLang="en-US"/>
           </a:p>
@@ -4767,7 +5495,7 @@
           <a:p>
             <a:fld id="{2397B9A4-A1A7-4F69-B67A-5CE7E47DA859}" type="datetimeFigureOut">
               <a:rPr lang="zh-CN" altLang="en-US" smtClean="0"/>
-              <a:t>2020/3/23</a:t>
+              <a:t>2020/3/24</a:t>
             </a:fld>
             <a:endParaRPr lang="zh-CN" altLang="en-US"/>
           </a:p>
@@ -4862,7 +5590,7 @@
           <a:p>
             <a:fld id="{2397B9A4-A1A7-4F69-B67A-5CE7E47DA859}" type="datetimeFigureOut">
               <a:rPr lang="zh-CN" altLang="en-US" smtClean="0"/>
-              <a:t>2020/3/23</a:t>
+              <a:t>2020/3/24</a:t>
             </a:fld>
             <a:endParaRPr lang="zh-CN" altLang="en-US"/>
           </a:p>
@@ -5137,7 +5865,7 @@
           <a:p>
             <a:fld id="{2397B9A4-A1A7-4F69-B67A-5CE7E47DA859}" type="datetimeFigureOut">
               <a:rPr lang="zh-CN" altLang="en-US" smtClean="0"/>
-              <a:t>2020/3/23</a:t>
+              <a:t>2020/3/24</a:t>
             </a:fld>
             <a:endParaRPr lang="zh-CN" altLang="en-US"/>
           </a:p>
@@ -5389,7 +6117,7 @@
           <a:p>
             <a:fld id="{2397B9A4-A1A7-4F69-B67A-5CE7E47DA859}" type="datetimeFigureOut">
               <a:rPr lang="zh-CN" altLang="en-US" smtClean="0"/>
-              <a:t>2020/3/23</a:t>
+              <a:t>2020/3/24</a:t>
             </a:fld>
             <a:endParaRPr lang="zh-CN" altLang="en-US"/>
           </a:p>
@@ -5600,7 +6328,7 @@
           <a:p>
             <a:fld id="{2397B9A4-A1A7-4F69-B67A-5CE7E47DA859}" type="datetimeFigureOut">
               <a:rPr lang="zh-CN" altLang="en-US" smtClean="0"/>
-              <a:t>2020/3/23</a:t>
+              <a:t>2020/3/24</a:t>
             </a:fld>
             <a:endParaRPr lang="zh-CN" altLang="en-US"/>
           </a:p>
@@ -12120,12 +12848,635 @@
           <a:chExt cx="0" cy="0"/>
         </a:xfrm>
       </p:grpSpPr>
+      <p:grpSp>
+        <p:nvGrpSpPr>
+          <p:cNvPr id="34" name="组合 33">
+            <a:extLst>
+              <a:ext uri="{FF2B5EF4-FFF2-40B4-BE49-F238E27FC236}">
+                <a16:creationId xmlns:a16="http://schemas.microsoft.com/office/drawing/2014/main" id="{EA897312-C7B4-44E6-9C74-B42DB8747165}"/>
+              </a:ext>
+            </a:extLst>
+          </p:cNvPr>
+          <p:cNvGrpSpPr/>
+          <p:nvPr/>
+        </p:nvGrpSpPr>
+        <p:grpSpPr>
+          <a:xfrm>
+            <a:off x="5595907" y="3937545"/>
+            <a:ext cx="6141735" cy="918147"/>
+            <a:chOff x="5825703" y="4700205"/>
+            <a:chExt cx="6141735" cy="918147"/>
+          </a:xfrm>
+        </p:grpSpPr>
+        <p:sp>
+          <p:nvSpPr>
+            <p:cNvPr id="170" name="矩形 169">
+              <a:extLst>
+                <a:ext uri="{FF2B5EF4-FFF2-40B4-BE49-F238E27FC236}">
+                  <a16:creationId xmlns:a16="http://schemas.microsoft.com/office/drawing/2014/main" id="{006767DB-51A8-4B0C-93EC-87FAC7A5F891}"/>
+                </a:ext>
+              </a:extLst>
+            </p:cNvPr>
+            <p:cNvSpPr/>
+            <p:nvPr/>
+          </p:nvSpPr>
+          <p:spPr>
+            <a:xfrm>
+              <a:off x="5825703" y="4700205"/>
+              <a:ext cx="6141735" cy="918147"/>
+            </a:xfrm>
+            <a:prstGeom prst="rect">
+              <a:avLst/>
+            </a:prstGeom>
+            <a:noFill/>
+            <a:ln w="9525">
+              <a:solidFill>
+                <a:schemeClr val="tx1"/>
+              </a:solidFill>
+            </a:ln>
+          </p:spPr>
+          <p:style>
+            <a:lnRef idx="2">
+              <a:schemeClr val="accent1">
+                <a:shade val="50000"/>
+              </a:schemeClr>
+            </a:lnRef>
+            <a:fillRef idx="1">
+              <a:schemeClr val="accent1"/>
+            </a:fillRef>
+            <a:effectRef idx="0">
+              <a:schemeClr val="accent1"/>
+            </a:effectRef>
+            <a:fontRef idx="minor">
+              <a:schemeClr val="lt1"/>
+            </a:fontRef>
+          </p:style>
+          <p:txBody>
+            <a:bodyPr rtlCol="0" anchor="ctr"/>
+            <a:lstStyle/>
+            <a:p>
+              <a:pPr algn="ctr"/>
+              <a:endParaRPr lang="zh-CN" altLang="en-US" sz="2000"/>
+            </a:p>
+          </p:txBody>
+        </p:sp>
+        <p:grpSp>
+          <p:nvGrpSpPr>
+            <p:cNvPr id="292" name="组合 291">
+              <a:extLst>
+                <a:ext uri="{FF2B5EF4-FFF2-40B4-BE49-F238E27FC236}">
+                  <a16:creationId xmlns:a16="http://schemas.microsoft.com/office/drawing/2014/main" id="{BBA39101-2C0B-44D5-9165-E20AAF5F9661}"/>
+                </a:ext>
+              </a:extLst>
+            </p:cNvPr>
+            <p:cNvGrpSpPr/>
+            <p:nvPr/>
+          </p:nvGrpSpPr>
+          <p:grpSpPr>
+            <a:xfrm>
+              <a:off x="5835662" y="4826041"/>
+              <a:ext cx="2893283" cy="630520"/>
+              <a:chOff x="4452818" y="4324511"/>
+              <a:chExt cx="2893283" cy="630520"/>
+            </a:xfrm>
+          </p:grpSpPr>
+          <p:grpSp>
+            <p:nvGrpSpPr>
+              <p:cNvPr id="181" name="组合 180">
+                <a:extLst>
+                  <a:ext uri="{FF2B5EF4-FFF2-40B4-BE49-F238E27FC236}">
+                    <a16:creationId xmlns:a16="http://schemas.microsoft.com/office/drawing/2014/main" id="{FA123FC8-C2C0-4D20-B2EC-BFFF05544260}"/>
+                  </a:ext>
+                </a:extLst>
+              </p:cNvPr>
+              <p:cNvGrpSpPr/>
+              <p:nvPr/>
+            </p:nvGrpSpPr>
+            <p:grpSpPr>
+              <a:xfrm>
+                <a:off x="4452818" y="4324511"/>
+                <a:ext cx="2893283" cy="297281"/>
+                <a:chOff x="39994" y="2679561"/>
+                <a:chExt cx="2755344" cy="298035"/>
+              </a:xfrm>
+            </p:grpSpPr>
+            <p:sp>
+              <p:nvSpPr>
+                <p:cNvPr id="185" name="矩形 184">
+                  <a:extLst>
+                    <a:ext uri="{FF2B5EF4-FFF2-40B4-BE49-F238E27FC236}">
+                      <a16:creationId xmlns:a16="http://schemas.microsoft.com/office/drawing/2014/main" id="{9A77F7BB-D503-48DC-BD7F-DD48A6E7905B}"/>
+                    </a:ext>
+                  </a:extLst>
+                </p:cNvPr>
+                <p:cNvSpPr/>
+                <p:nvPr/>
+              </p:nvSpPr>
+              <p:spPr>
+                <a:xfrm>
+                  <a:off x="39994" y="2679561"/>
+                  <a:ext cx="1980000" cy="298035"/>
+                </a:xfrm>
+                <a:prstGeom prst="rect">
+                  <a:avLst/>
+                </a:prstGeom>
+                <a:solidFill>
+                  <a:schemeClr val="bg1"/>
+                </a:solidFill>
+                <a:ln w="28575">
+                  <a:noFill/>
+                  <a:prstDash val="solid"/>
+                </a:ln>
+              </p:spPr>
+              <p:style>
+                <a:lnRef idx="2">
+                  <a:schemeClr val="accent1">
+                    <a:shade val="50000"/>
+                  </a:schemeClr>
+                </a:lnRef>
+                <a:fillRef idx="1">
+                  <a:schemeClr val="accent1"/>
+                </a:fillRef>
+                <a:effectRef idx="0">
+                  <a:schemeClr val="accent1"/>
+                </a:effectRef>
+                <a:fontRef idx="minor">
+                  <a:schemeClr val="lt1"/>
+                </a:fontRef>
+              </p:style>
+              <p:txBody>
+                <a:bodyPr rtlCol="0" anchor="ctr"/>
+                <a:lstStyle/>
+                <a:p>
+                  <a:pPr algn="ctr"/>
+                  <a:r>
+                    <a:rPr lang="zh-CN" altLang="en-US" sz="1400" dirty="0">
+                      <a:solidFill>
+                        <a:schemeClr val="accent6"/>
+                      </a:solidFill>
+                    </a:rPr>
+                    <a:t>应用收集器相关数据流</a:t>
+                  </a:r>
+                </a:p>
+              </p:txBody>
+            </p:sp>
+            <p:cxnSp>
+              <p:nvCxnSpPr>
+                <p:cNvPr id="186" name="直接箭头连接符 185">
+                  <a:extLst>
+                    <a:ext uri="{FF2B5EF4-FFF2-40B4-BE49-F238E27FC236}">
+                      <a16:creationId xmlns:a16="http://schemas.microsoft.com/office/drawing/2014/main" id="{2ACD21E4-28D9-4704-ADE1-451536945594}"/>
+                    </a:ext>
+                  </a:extLst>
+                </p:cNvPr>
+                <p:cNvCxnSpPr>
+                  <a:cxnSpLocks/>
+                </p:cNvCxnSpPr>
+                <p:nvPr/>
+              </p:nvCxnSpPr>
+              <p:spPr>
+                <a:xfrm flipV="1">
+                  <a:off x="2079927" y="2827669"/>
+                  <a:ext cx="715411" cy="909"/>
+                </a:xfrm>
+                <a:prstGeom prst="straightConnector1">
+                  <a:avLst/>
+                </a:prstGeom>
+                <a:ln w="28575">
+                  <a:solidFill>
+                    <a:schemeClr val="accent6"/>
+                  </a:solidFill>
+                  <a:prstDash val="dash"/>
+                  <a:headEnd type="none" w="med" len="med"/>
+                  <a:tailEnd type="triangle"/>
+                </a:ln>
+              </p:spPr>
+              <p:style>
+                <a:lnRef idx="3">
+                  <a:schemeClr val="dk1"/>
+                </a:lnRef>
+                <a:fillRef idx="0">
+                  <a:schemeClr val="dk1"/>
+                </a:fillRef>
+                <a:effectRef idx="2">
+                  <a:schemeClr val="dk1"/>
+                </a:effectRef>
+                <a:fontRef idx="minor">
+                  <a:schemeClr val="tx1"/>
+                </a:fontRef>
+              </p:style>
+            </p:cxnSp>
+          </p:grpSp>
+          <p:grpSp>
+            <p:nvGrpSpPr>
+              <p:cNvPr id="182" name="组合 181">
+                <a:extLst>
+                  <a:ext uri="{FF2B5EF4-FFF2-40B4-BE49-F238E27FC236}">
+                    <a16:creationId xmlns:a16="http://schemas.microsoft.com/office/drawing/2014/main" id="{C751C51E-99BA-41A0-9108-36CF8C6178C3}"/>
+                  </a:ext>
+                </a:extLst>
+              </p:cNvPr>
+              <p:cNvGrpSpPr/>
+              <p:nvPr/>
+            </p:nvGrpSpPr>
+            <p:grpSpPr>
+              <a:xfrm>
+                <a:off x="4452818" y="4657750"/>
+                <a:ext cx="2893282" cy="297281"/>
+                <a:chOff x="39993" y="3038572"/>
+                <a:chExt cx="2755345" cy="298035"/>
+              </a:xfrm>
+            </p:grpSpPr>
+            <p:sp>
+              <p:nvSpPr>
+                <p:cNvPr id="183" name="矩形 182">
+                  <a:extLst>
+                    <a:ext uri="{FF2B5EF4-FFF2-40B4-BE49-F238E27FC236}">
+                      <a16:creationId xmlns:a16="http://schemas.microsoft.com/office/drawing/2014/main" id="{3F9EB6BA-EFB1-4C5F-A425-64F6D173DA31}"/>
+                    </a:ext>
+                  </a:extLst>
+                </p:cNvPr>
+                <p:cNvSpPr/>
+                <p:nvPr/>
+              </p:nvSpPr>
+              <p:spPr>
+                <a:xfrm>
+                  <a:off x="39993" y="3038572"/>
+                  <a:ext cx="1980000" cy="298035"/>
+                </a:xfrm>
+                <a:prstGeom prst="rect">
+                  <a:avLst/>
+                </a:prstGeom>
+                <a:solidFill>
+                  <a:schemeClr val="bg1"/>
+                </a:solidFill>
+                <a:ln w="28575">
+                  <a:noFill/>
+                  <a:prstDash val="solid"/>
+                </a:ln>
+              </p:spPr>
+              <p:style>
+                <a:lnRef idx="2">
+                  <a:schemeClr val="accent1">
+                    <a:shade val="50000"/>
+                  </a:schemeClr>
+                </a:lnRef>
+                <a:fillRef idx="1">
+                  <a:schemeClr val="accent1"/>
+                </a:fillRef>
+                <a:effectRef idx="0">
+                  <a:schemeClr val="accent1"/>
+                </a:effectRef>
+                <a:fontRef idx="minor">
+                  <a:schemeClr val="lt1"/>
+                </a:fontRef>
+              </p:style>
+              <p:txBody>
+                <a:bodyPr rtlCol="0" anchor="ctr"/>
+                <a:lstStyle/>
+                <a:p>
+                  <a:pPr algn="ctr"/>
+                  <a:r>
+                    <a:rPr lang="zh-CN" altLang="en-US" sz="1400" dirty="0">
+                      <a:solidFill>
+                        <a:srgbClr val="EA8B00"/>
+                      </a:solidFill>
+                    </a:rPr>
+                    <a:t>应用过滤器相关数据流</a:t>
+                  </a:r>
+                </a:p>
+              </p:txBody>
+            </p:sp>
+            <p:cxnSp>
+              <p:nvCxnSpPr>
+                <p:cNvPr id="184" name="直接箭头连接符 183">
+                  <a:extLst>
+                    <a:ext uri="{FF2B5EF4-FFF2-40B4-BE49-F238E27FC236}">
+                      <a16:creationId xmlns:a16="http://schemas.microsoft.com/office/drawing/2014/main" id="{A0951C13-4CDD-42FE-B076-D86C1638B4E8}"/>
+                    </a:ext>
+                  </a:extLst>
+                </p:cNvPr>
+                <p:cNvCxnSpPr>
+                  <a:cxnSpLocks/>
+                </p:cNvCxnSpPr>
+                <p:nvPr/>
+              </p:nvCxnSpPr>
+              <p:spPr>
+                <a:xfrm flipV="1">
+                  <a:off x="2079927" y="3204922"/>
+                  <a:ext cx="715411" cy="909"/>
+                </a:xfrm>
+                <a:prstGeom prst="straightConnector1">
+                  <a:avLst/>
+                </a:prstGeom>
+                <a:ln w="28575">
+                  <a:solidFill>
+                    <a:schemeClr val="accent2"/>
+                  </a:solidFill>
+                  <a:prstDash val="dash"/>
+                  <a:headEnd type="none" w="med" len="med"/>
+                  <a:tailEnd type="triangle"/>
+                </a:ln>
+              </p:spPr>
+              <p:style>
+                <a:lnRef idx="3">
+                  <a:schemeClr val="dk1"/>
+                </a:lnRef>
+                <a:fillRef idx="0">
+                  <a:schemeClr val="dk1"/>
+                </a:fillRef>
+                <a:effectRef idx="2">
+                  <a:schemeClr val="dk1"/>
+                </a:effectRef>
+                <a:fontRef idx="minor">
+                  <a:schemeClr val="tx1"/>
+                </a:fontRef>
+              </p:style>
+            </p:cxnSp>
+          </p:grpSp>
+        </p:grpSp>
+        <p:grpSp>
+          <p:nvGrpSpPr>
+            <p:cNvPr id="293" name="组合 292">
+              <a:extLst>
+                <a:ext uri="{FF2B5EF4-FFF2-40B4-BE49-F238E27FC236}">
+                  <a16:creationId xmlns:a16="http://schemas.microsoft.com/office/drawing/2014/main" id="{63DD55F9-BC29-4533-BA58-F1E678E9BCF2}"/>
+                </a:ext>
+              </a:extLst>
+            </p:cNvPr>
+            <p:cNvGrpSpPr/>
+            <p:nvPr/>
+          </p:nvGrpSpPr>
+          <p:grpSpPr>
+            <a:xfrm>
+              <a:off x="8896571" y="4826041"/>
+              <a:ext cx="2893281" cy="630519"/>
+              <a:chOff x="7513727" y="4324512"/>
+              <a:chExt cx="2893281" cy="630519"/>
+            </a:xfrm>
+          </p:grpSpPr>
+          <p:grpSp>
+            <p:nvGrpSpPr>
+              <p:cNvPr id="175" name="组合 174">
+                <a:extLst>
+                  <a:ext uri="{FF2B5EF4-FFF2-40B4-BE49-F238E27FC236}">
+                    <a16:creationId xmlns:a16="http://schemas.microsoft.com/office/drawing/2014/main" id="{0698C4F3-FDC4-443C-8313-C15C1B053C6D}"/>
+                  </a:ext>
+                </a:extLst>
+              </p:cNvPr>
+              <p:cNvGrpSpPr/>
+              <p:nvPr/>
+            </p:nvGrpSpPr>
+            <p:grpSpPr>
+              <a:xfrm>
+                <a:off x="7513730" y="4324512"/>
+                <a:ext cx="2893277" cy="297281"/>
+                <a:chOff x="39995" y="3397583"/>
+                <a:chExt cx="2755340" cy="298035"/>
+              </a:xfrm>
+            </p:grpSpPr>
+            <p:sp>
+              <p:nvSpPr>
+                <p:cNvPr id="179" name="矩形 178">
+                  <a:extLst>
+                    <a:ext uri="{FF2B5EF4-FFF2-40B4-BE49-F238E27FC236}">
+                      <a16:creationId xmlns:a16="http://schemas.microsoft.com/office/drawing/2014/main" id="{2101671E-5A62-46E3-97C7-5EF065BF4AAB}"/>
+                    </a:ext>
+                  </a:extLst>
+                </p:cNvPr>
+                <p:cNvSpPr/>
+                <p:nvPr/>
+              </p:nvSpPr>
+              <p:spPr>
+                <a:xfrm>
+                  <a:off x="39995" y="3397583"/>
+                  <a:ext cx="1980000" cy="298035"/>
+                </a:xfrm>
+                <a:prstGeom prst="rect">
+                  <a:avLst/>
+                </a:prstGeom>
+                <a:solidFill>
+                  <a:schemeClr val="bg1"/>
+                </a:solidFill>
+                <a:ln w="28575">
+                  <a:noFill/>
+                  <a:prstDash val="solid"/>
+                </a:ln>
+              </p:spPr>
+              <p:style>
+                <a:lnRef idx="2">
+                  <a:schemeClr val="accent1">
+                    <a:shade val="50000"/>
+                  </a:schemeClr>
+                </a:lnRef>
+                <a:fillRef idx="1">
+                  <a:schemeClr val="accent1"/>
+                </a:fillRef>
+                <a:effectRef idx="0">
+                  <a:schemeClr val="accent1"/>
+                </a:effectRef>
+                <a:fontRef idx="minor">
+                  <a:schemeClr val="lt1"/>
+                </a:fontRef>
+              </p:style>
+              <p:txBody>
+                <a:bodyPr rtlCol="0" anchor="ctr"/>
+                <a:lstStyle/>
+                <a:p>
+                  <a:pPr algn="ctr"/>
+                  <a:r>
+                    <a:rPr lang="zh-CN" altLang="en-US" sz="1400" dirty="0">
+                      <a:solidFill>
+                        <a:schemeClr val="accent5"/>
+                      </a:solidFill>
+                    </a:rPr>
+                    <a:t>迭代搜索器相关数据流</a:t>
+                  </a:r>
+                </a:p>
+              </p:txBody>
+            </p:sp>
+            <p:cxnSp>
+              <p:nvCxnSpPr>
+                <p:cNvPr id="180" name="直接箭头连接符 179">
+                  <a:extLst>
+                    <a:ext uri="{FF2B5EF4-FFF2-40B4-BE49-F238E27FC236}">
+                      <a16:creationId xmlns:a16="http://schemas.microsoft.com/office/drawing/2014/main" id="{BEF2693C-7DF9-41E9-BD06-7DD56C4BA9A2}"/>
+                    </a:ext>
+                  </a:extLst>
+                </p:cNvPr>
+                <p:cNvCxnSpPr>
+                  <a:cxnSpLocks/>
+                </p:cNvCxnSpPr>
+                <p:nvPr/>
+              </p:nvCxnSpPr>
+              <p:spPr>
+                <a:xfrm flipV="1">
+                  <a:off x="2079924" y="3565192"/>
+                  <a:ext cx="715411" cy="909"/>
+                </a:xfrm>
+                <a:prstGeom prst="straightConnector1">
+                  <a:avLst/>
+                </a:prstGeom>
+                <a:ln w="28575">
+                  <a:solidFill>
+                    <a:schemeClr val="accent5"/>
+                  </a:solidFill>
+                  <a:prstDash val="dash"/>
+                  <a:headEnd type="none" w="med" len="med"/>
+                  <a:tailEnd type="triangle"/>
+                </a:ln>
+              </p:spPr>
+              <p:style>
+                <a:lnRef idx="3">
+                  <a:schemeClr val="dk1"/>
+                </a:lnRef>
+                <a:fillRef idx="0">
+                  <a:schemeClr val="dk1"/>
+                </a:fillRef>
+                <a:effectRef idx="2">
+                  <a:schemeClr val="dk1"/>
+                </a:effectRef>
+                <a:fontRef idx="minor">
+                  <a:schemeClr val="tx1"/>
+                </a:fontRef>
+              </p:style>
+            </p:cxnSp>
+          </p:grpSp>
+          <p:grpSp>
+            <p:nvGrpSpPr>
+              <p:cNvPr id="176" name="组合 175">
+                <a:extLst>
+                  <a:ext uri="{FF2B5EF4-FFF2-40B4-BE49-F238E27FC236}">
+                    <a16:creationId xmlns:a16="http://schemas.microsoft.com/office/drawing/2014/main" id="{6900AE2E-C358-48F8-ADC7-C3970AB50E96}"/>
+                  </a:ext>
+                </a:extLst>
+              </p:cNvPr>
+              <p:cNvGrpSpPr/>
+              <p:nvPr/>
+            </p:nvGrpSpPr>
+            <p:grpSpPr>
+              <a:xfrm>
+                <a:off x="7513727" y="4657750"/>
+                <a:ext cx="2893281" cy="297281"/>
+                <a:chOff x="183559" y="3734750"/>
+                <a:chExt cx="2755344" cy="298035"/>
+              </a:xfrm>
+            </p:grpSpPr>
+            <p:sp>
+              <p:nvSpPr>
+                <p:cNvPr id="177" name="矩形 176">
+                  <a:extLst>
+                    <a:ext uri="{FF2B5EF4-FFF2-40B4-BE49-F238E27FC236}">
+                      <a16:creationId xmlns:a16="http://schemas.microsoft.com/office/drawing/2014/main" id="{FFB755C4-56DF-4170-9C21-6B504A47273E}"/>
+                    </a:ext>
+                  </a:extLst>
+                </p:cNvPr>
+                <p:cNvSpPr/>
+                <p:nvPr/>
+              </p:nvSpPr>
+              <p:spPr>
+                <a:xfrm>
+                  <a:off x="183559" y="3734750"/>
+                  <a:ext cx="1980000" cy="298035"/>
+                </a:xfrm>
+                <a:prstGeom prst="rect">
+                  <a:avLst/>
+                </a:prstGeom>
+                <a:solidFill>
+                  <a:schemeClr val="bg1"/>
+                </a:solidFill>
+                <a:ln w="28575">
+                  <a:noFill/>
+                  <a:prstDash val="solid"/>
+                </a:ln>
+              </p:spPr>
+              <p:style>
+                <a:lnRef idx="2">
+                  <a:schemeClr val="accent1">
+                    <a:shade val="50000"/>
+                  </a:schemeClr>
+                </a:lnRef>
+                <a:fillRef idx="1">
+                  <a:schemeClr val="accent1"/>
+                </a:fillRef>
+                <a:effectRef idx="0">
+                  <a:schemeClr val="accent1"/>
+                </a:effectRef>
+                <a:fontRef idx="minor">
+                  <a:schemeClr val="lt1"/>
+                </a:fontRef>
+              </p:style>
+              <p:txBody>
+                <a:bodyPr rtlCol="0" anchor="ctr"/>
+                <a:lstStyle/>
+                <a:p>
+                  <a:pPr algn="ctr"/>
+                  <a:r>
+                    <a:rPr lang="zh-CN" altLang="en-US" sz="1400" dirty="0">
+                      <a:solidFill>
+                        <a:srgbClr val="C00000"/>
+                      </a:solidFill>
+                    </a:rPr>
+                    <a:t>工具输入与输出</a:t>
+                  </a:r>
+                </a:p>
+              </p:txBody>
+            </p:sp>
+            <p:cxnSp>
+              <p:nvCxnSpPr>
+                <p:cNvPr id="178" name="直接箭头连接符 177">
+                  <a:extLst>
+                    <a:ext uri="{FF2B5EF4-FFF2-40B4-BE49-F238E27FC236}">
+                      <a16:creationId xmlns:a16="http://schemas.microsoft.com/office/drawing/2014/main" id="{A68D602C-A3B0-4C9E-9614-1A43ECFB04C3}"/>
+                    </a:ext>
+                  </a:extLst>
+                </p:cNvPr>
+                <p:cNvCxnSpPr>
+                  <a:cxnSpLocks/>
+                </p:cNvCxnSpPr>
+                <p:nvPr/>
+              </p:nvCxnSpPr>
+              <p:spPr>
+                <a:xfrm flipV="1">
+                  <a:off x="2223492" y="3902359"/>
+                  <a:ext cx="715411" cy="909"/>
+                </a:xfrm>
+                <a:prstGeom prst="straightConnector1">
+                  <a:avLst/>
+                </a:prstGeom>
+                <a:ln w="28575">
+                  <a:solidFill>
+                    <a:srgbClr val="B42200"/>
+                  </a:solidFill>
+                  <a:prstDash val="solid"/>
+                  <a:headEnd type="none" w="med" len="med"/>
+                  <a:tailEnd type="triangle"/>
+                </a:ln>
+              </p:spPr>
+              <p:style>
+                <a:lnRef idx="3">
+                  <a:schemeClr val="dk1"/>
+                </a:lnRef>
+                <a:fillRef idx="0">
+                  <a:schemeClr val="dk1"/>
+                </a:fillRef>
+                <a:effectRef idx="2">
+                  <a:schemeClr val="dk1"/>
+                </a:effectRef>
+                <a:fontRef idx="minor">
+                  <a:schemeClr val="tx1"/>
+                </a:fontRef>
+              </p:style>
+            </p:cxnSp>
+          </p:grpSp>
+        </p:grpSp>
+      </p:grpSp>
       <p:sp>
         <p:nvSpPr>
-          <p:cNvPr id="124" name="矩形 123">
+          <p:cNvPr id="187" name="矩形 186">
             <a:extLst>
               <a:ext uri="{FF2B5EF4-FFF2-40B4-BE49-F238E27FC236}">
-                <a16:creationId xmlns:a16="http://schemas.microsoft.com/office/drawing/2014/main" id="{6D291F6E-5D95-40E1-8C1C-776433FCF543}"/>
+                <a16:creationId xmlns:a16="http://schemas.microsoft.com/office/drawing/2014/main" id="{8E4D84CC-5052-48BB-89AD-460E5171AB87}"/>
               </a:ext>
             </a:extLst>
           </p:cNvPr>
@@ -12134,8 +13485,8 @@
         </p:nvSpPr>
         <p:spPr>
           <a:xfrm>
-            <a:off x="1364830" y="877506"/>
-            <a:ext cx="2320762" cy="242955"/>
+            <a:off x="8633809" y="1131010"/>
+            <a:ext cx="1356914" cy="242955"/>
           </a:xfrm>
           <a:prstGeom prst="rect">
             <a:avLst/>
@@ -12175,17 +13526,33 @@
                   <a:schemeClr val="tx1"/>
                 </a:solidFill>
               </a:rPr>
-              <a:t>应用查询与爬取</a:t>
+              <a:t>应用查询</a:t>
+            </a:r>
+            <a:endParaRPr lang="en-US" altLang="zh-CN" sz="1400" dirty="0">
+              <a:solidFill>
+                <a:schemeClr val="tx1"/>
+              </a:solidFill>
+            </a:endParaRPr>
+          </a:p>
+          <a:p>
+            <a:pPr algn="ctr"/>
+            <a:r>
+              <a:rPr lang="zh-CN" altLang="en-US" sz="1400" dirty="0">
+                <a:solidFill>
+                  <a:schemeClr val="tx1"/>
+                </a:solidFill>
+              </a:rPr>
+              <a:t>与爬取</a:t>
             </a:r>
           </a:p>
         </p:txBody>
       </p:sp>
       <p:sp>
         <p:nvSpPr>
-          <p:cNvPr id="91" name="矩形 90">
+          <p:cNvPr id="188" name="矩形 187">
             <a:extLst>
               <a:ext uri="{FF2B5EF4-FFF2-40B4-BE49-F238E27FC236}">
-                <a16:creationId xmlns:a16="http://schemas.microsoft.com/office/drawing/2014/main" id="{18942709-C62A-4C09-96C2-3D84008BB1DB}"/>
+                <a16:creationId xmlns:a16="http://schemas.microsoft.com/office/drawing/2014/main" id="{B93E4B85-2A9F-43EB-AB46-C8F190ED42F1}"/>
               </a:ext>
             </a:extLst>
           </p:cNvPr>
@@ -12194,7 +13561,7 @@
         </p:nvSpPr>
         <p:spPr>
           <a:xfrm>
-            <a:off x="3208297" y="1140385"/>
+            <a:off x="6866775" y="1469876"/>
             <a:ext cx="1800000" cy="372395"/>
           </a:xfrm>
           <a:prstGeom prst="rect">
@@ -12244,10 +13611,10 @@
       </p:sp>
       <p:sp>
         <p:nvSpPr>
-          <p:cNvPr id="108" name="矩形 107">
+          <p:cNvPr id="189" name="矩形 188">
             <a:extLst>
               <a:ext uri="{FF2B5EF4-FFF2-40B4-BE49-F238E27FC236}">
-                <a16:creationId xmlns:a16="http://schemas.microsoft.com/office/drawing/2014/main" id="{8D2451B4-5A7E-4456-9AEB-2140050CD8E3}"/>
+                <a16:creationId xmlns:a16="http://schemas.microsoft.com/office/drawing/2014/main" id="{8B96C59B-3AFF-4203-ABFE-3ABEA3382D66}"/>
               </a:ext>
             </a:extLst>
           </p:cNvPr>
@@ -12256,7 +13623,7 @@
         </p:nvSpPr>
         <p:spPr>
           <a:xfrm>
-            <a:off x="8618714" y="1140385"/>
+            <a:off x="1954025" y="3378334"/>
             <a:ext cx="1800000" cy="372395"/>
           </a:xfrm>
           <a:prstGeom prst="rect">
@@ -12306,10 +13673,10 @@
       </p:sp>
       <p:grpSp>
         <p:nvGrpSpPr>
-          <p:cNvPr id="105" name="组合 104">
+          <p:cNvPr id="190" name="组合 189">
             <a:extLst>
               <a:ext uri="{FF2B5EF4-FFF2-40B4-BE49-F238E27FC236}">
-                <a16:creationId xmlns:a16="http://schemas.microsoft.com/office/drawing/2014/main" id="{DBE1B31D-1A01-4B7E-976F-943BE4426A96}"/>
+                <a16:creationId xmlns:a16="http://schemas.microsoft.com/office/drawing/2014/main" id="{97B6FF74-975B-4236-BC20-BF34E6B4CD79}"/>
               </a:ext>
             </a:extLst>
           </p:cNvPr>
@@ -12318,18 +13685,18 @@
         </p:nvGrpSpPr>
         <p:grpSpPr>
           <a:xfrm>
-            <a:off x="10390818" y="2110008"/>
-            <a:ext cx="1330823" cy="557240"/>
-            <a:chOff x="10717389" y="2110008"/>
-            <a:chExt cx="1330823" cy="557240"/>
+            <a:off x="3997140" y="4092073"/>
+            <a:ext cx="1448544" cy="625997"/>
+            <a:chOff x="11490972" y="2110008"/>
+            <a:chExt cx="1289441" cy="557240"/>
           </a:xfrm>
         </p:grpSpPr>
         <p:sp>
           <p:nvSpPr>
-            <p:cNvPr id="225" name="矩形 224">
+            <p:cNvPr id="191" name="矩形 190">
               <a:extLst>
                 <a:ext uri="{FF2B5EF4-FFF2-40B4-BE49-F238E27FC236}">
-                  <a16:creationId xmlns:a16="http://schemas.microsoft.com/office/drawing/2014/main" id="{3B78E93F-B6B6-4856-B831-265439C290ED}"/>
+                  <a16:creationId xmlns:a16="http://schemas.microsoft.com/office/drawing/2014/main" id="{94173864-4BEB-43FB-9830-5B920C8A93C8}"/>
                 </a:ext>
               </a:extLst>
             </p:cNvPr>
@@ -12338,8 +13705,8 @@
           </p:nvSpPr>
           <p:spPr>
             <a:xfrm>
-              <a:off x="10717389" y="2279275"/>
-              <a:ext cx="916722" cy="242955"/>
+              <a:off x="11905975" y="2279275"/>
+              <a:ext cx="874438" cy="242955"/>
             </a:xfrm>
             <a:prstGeom prst="rect">
               <a:avLst/>
@@ -12410,10 +13777,10 @@
         </p:sp>
         <p:pic>
           <p:nvPicPr>
-            <p:cNvPr id="11" name="图片 10">
+            <p:cNvPr id="192" name="图片 191">
               <a:extLst>
                 <a:ext uri="{FF2B5EF4-FFF2-40B4-BE49-F238E27FC236}">
-                  <a16:creationId xmlns:a16="http://schemas.microsoft.com/office/drawing/2014/main" id="{CA826542-93FA-41D7-89FA-26A30E787FE4}"/>
+                  <a16:creationId xmlns:a16="http://schemas.microsoft.com/office/drawing/2014/main" id="{D227D189-3AAF-4FE9-9427-E8CF657CB68F}"/>
                 </a:ext>
               </a:extLst>
             </p:cNvPr>
@@ -12447,10 +13814,10 @@
       </p:grpSp>
       <p:grpSp>
         <p:nvGrpSpPr>
-          <p:cNvPr id="78" name="组合 77">
+          <p:cNvPr id="193" name="组合 192">
             <a:extLst>
               <a:ext uri="{FF2B5EF4-FFF2-40B4-BE49-F238E27FC236}">
-                <a16:creationId xmlns:a16="http://schemas.microsoft.com/office/drawing/2014/main" id="{B1FE4D9A-3AA4-4AB4-922F-041B59611266}"/>
+                <a16:creationId xmlns:a16="http://schemas.microsoft.com/office/drawing/2014/main" id="{53E81466-A620-44CF-A5C1-66EA07C939FC}"/>
               </a:ext>
             </a:extLst>
           </p:cNvPr>
@@ -12459,18 +13826,18 @@
         </p:nvGrpSpPr>
         <p:grpSpPr>
           <a:xfrm>
-            <a:off x="10505918" y="2779367"/>
-            <a:ext cx="1338285" cy="557240"/>
+            <a:off x="4047252" y="685921"/>
+            <a:ext cx="1348321" cy="625997"/>
             <a:chOff x="10875034" y="2779367"/>
-            <a:chExt cx="1338285" cy="557240"/>
+            <a:chExt cx="1200227" cy="557240"/>
           </a:xfrm>
         </p:grpSpPr>
         <p:sp>
           <p:nvSpPr>
-            <p:cNvPr id="226" name="矩形 225">
+            <p:cNvPr id="194" name="矩形 193">
               <a:extLst>
                 <a:ext uri="{FF2B5EF4-FFF2-40B4-BE49-F238E27FC236}">
-                  <a16:creationId xmlns:a16="http://schemas.microsoft.com/office/drawing/2014/main" id="{86BD3BCA-9C82-422B-933D-13E65E2B4E33}"/>
+                  <a16:creationId xmlns:a16="http://schemas.microsoft.com/office/drawing/2014/main" id="{3F3D20F1-B1B6-4333-94FE-131B31D37E52}"/>
                 </a:ext>
               </a:extLst>
             </p:cNvPr>
@@ -12480,7 +13847,7 @@
           <p:spPr>
             <a:xfrm>
               <a:off x="11274264" y="2966481"/>
-              <a:ext cx="939055" cy="242955"/>
+              <a:ext cx="800997" cy="242955"/>
             </a:xfrm>
             <a:prstGeom prst="rect">
               <a:avLst/>
@@ -12551,10 +13918,10 @@
         </p:sp>
         <p:pic>
           <p:nvPicPr>
-            <p:cNvPr id="13" name="图片 12">
+            <p:cNvPr id="195" name="图片 194">
               <a:extLst>
                 <a:ext uri="{FF2B5EF4-FFF2-40B4-BE49-F238E27FC236}">
-                  <a16:creationId xmlns:a16="http://schemas.microsoft.com/office/drawing/2014/main" id="{64441A86-282A-4748-A914-189124D88159}"/>
+                  <a16:creationId xmlns:a16="http://schemas.microsoft.com/office/drawing/2014/main" id="{9ED6573E-E3B7-4F1F-AF82-0F466F9E4344}"/>
                 </a:ext>
               </a:extLst>
             </p:cNvPr>
@@ -12586,150 +13953,12 @@
           </p:spPr>
         </p:pic>
       </p:grpSp>
-      <p:grpSp>
-        <p:nvGrpSpPr>
-          <p:cNvPr id="15" name="组合 14">
+      <p:sp>
+        <p:nvSpPr>
+          <p:cNvPr id="196" name="矩形 195">
             <a:extLst>
               <a:ext uri="{FF2B5EF4-FFF2-40B4-BE49-F238E27FC236}">
-                <a16:creationId xmlns:a16="http://schemas.microsoft.com/office/drawing/2014/main" id="{D42C5858-FBC7-4C68-AE36-64AD40260C03}"/>
-              </a:ext>
-            </a:extLst>
-          </p:cNvPr>
-          <p:cNvGrpSpPr/>
-          <p:nvPr/>
-        </p:nvGrpSpPr>
-        <p:grpSpPr>
-          <a:xfrm>
-            <a:off x="11043778" y="1179039"/>
-            <a:ext cx="873130" cy="295086"/>
-            <a:chOff x="10622023" y="1215606"/>
-            <a:chExt cx="873130" cy="295086"/>
-          </a:xfrm>
-        </p:grpSpPr>
-        <p:pic>
-          <p:nvPicPr>
-            <p:cNvPr id="114" name="图片 113">
-              <a:extLst>
-                <a:ext uri="{FF2B5EF4-FFF2-40B4-BE49-F238E27FC236}">
-                  <a16:creationId xmlns:a16="http://schemas.microsoft.com/office/drawing/2014/main" id="{8A8FF76C-545D-42B3-BE3F-EC5665105C41}"/>
-                </a:ext>
-              </a:extLst>
-            </p:cNvPr>
-            <p:cNvPicPr>
-              <a:picLocks noChangeAspect="1"/>
-            </p:cNvPicPr>
-            <p:nvPr/>
-          </p:nvPicPr>
-          <p:blipFill>
-            <a:blip r:embed="rId4" cstate="print">
-              <a:extLst>
-                <a:ext uri="{28A0092B-C50C-407E-A947-70E740481C1C}">
-                  <a14:useLocalDpi xmlns:a14="http://schemas.microsoft.com/office/drawing/2010/main" val="0"/>
-                </a:ext>
-              </a:extLst>
-            </a:blip>
-            <a:stretch>
-              <a:fillRect/>
-            </a:stretch>
-          </p:blipFill>
-          <p:spPr>
-            <a:xfrm flipH="1">
-              <a:off x="10622023" y="1215607"/>
-              <a:ext cx="295085" cy="295085"/>
-            </a:xfrm>
-            <a:prstGeom prst="rect">
-              <a:avLst/>
-            </a:prstGeom>
-            <a:ln>
-              <a:noFill/>
-            </a:ln>
-          </p:spPr>
-        </p:pic>
-        <p:pic>
-          <p:nvPicPr>
-            <p:cNvPr id="117" name="图片 116">
-              <a:extLst>
-                <a:ext uri="{FF2B5EF4-FFF2-40B4-BE49-F238E27FC236}">
-                  <a16:creationId xmlns:a16="http://schemas.microsoft.com/office/drawing/2014/main" id="{A7940C54-766F-427A-A2F4-AB5FA1F3850D}"/>
-                </a:ext>
-              </a:extLst>
-            </p:cNvPr>
-            <p:cNvPicPr>
-              <a:picLocks noChangeAspect="1"/>
-            </p:cNvPicPr>
-            <p:nvPr/>
-          </p:nvPicPr>
-          <p:blipFill>
-            <a:blip r:embed="rId4" cstate="print">
-              <a:extLst>
-                <a:ext uri="{28A0092B-C50C-407E-A947-70E740481C1C}">
-                  <a14:useLocalDpi xmlns:a14="http://schemas.microsoft.com/office/drawing/2010/main" val="0"/>
-                </a:ext>
-              </a:extLst>
-            </a:blip>
-            <a:stretch>
-              <a:fillRect/>
-            </a:stretch>
-          </p:blipFill>
-          <p:spPr>
-            <a:xfrm flipH="1">
-              <a:off x="11200068" y="1215606"/>
-              <a:ext cx="295085" cy="295085"/>
-            </a:xfrm>
-            <a:prstGeom prst="rect">
-              <a:avLst/>
-            </a:prstGeom>
-            <a:ln>
-              <a:noFill/>
-            </a:ln>
-          </p:spPr>
-        </p:pic>
-        <p:pic>
-          <p:nvPicPr>
-            <p:cNvPr id="118" name="图片 117">
-              <a:extLst>
-                <a:ext uri="{FF2B5EF4-FFF2-40B4-BE49-F238E27FC236}">
-                  <a16:creationId xmlns:a16="http://schemas.microsoft.com/office/drawing/2014/main" id="{56FF6239-57BB-49C7-BFE7-3AF28128CCFD}"/>
-                </a:ext>
-              </a:extLst>
-            </p:cNvPr>
-            <p:cNvPicPr>
-              <a:picLocks noChangeAspect="1"/>
-            </p:cNvPicPr>
-            <p:nvPr/>
-          </p:nvPicPr>
-          <p:blipFill>
-            <a:blip r:embed="rId4" cstate="print">
-              <a:extLst>
-                <a:ext uri="{28A0092B-C50C-407E-A947-70E740481C1C}">
-                  <a14:useLocalDpi xmlns:a14="http://schemas.microsoft.com/office/drawing/2010/main" val="0"/>
-                </a:ext>
-              </a:extLst>
-            </a:blip>
-            <a:stretch>
-              <a:fillRect/>
-            </a:stretch>
-          </p:blipFill>
-          <p:spPr>
-            <a:xfrm flipH="1">
-              <a:off x="10911045" y="1215606"/>
-              <a:ext cx="295085" cy="295085"/>
-            </a:xfrm>
-            <a:prstGeom prst="rect">
-              <a:avLst/>
-            </a:prstGeom>
-            <a:ln>
-              <a:noFill/>
-            </a:ln>
-          </p:spPr>
-        </p:pic>
-      </p:grpSp>
-      <p:sp>
-        <p:nvSpPr>
-          <p:cNvPr id="142" name="矩形 141">
-            <a:extLst>
-              <a:ext uri="{FF2B5EF4-FFF2-40B4-BE49-F238E27FC236}">
-                <a16:creationId xmlns:a16="http://schemas.microsoft.com/office/drawing/2014/main" id="{E25BAEBA-8F45-435A-8A3B-A30C6BD1F3BD}"/>
+                <a16:creationId xmlns:a16="http://schemas.microsoft.com/office/drawing/2014/main" id="{65C8A5E3-6C70-47A6-8465-331A2F689106}"/>
               </a:ext>
             </a:extLst>
           </p:cNvPr>
@@ -12738,7 +13967,7 @@
         </p:nvSpPr>
         <p:spPr>
           <a:xfrm>
-            <a:off x="5796969" y="2808995"/>
+            <a:off x="1954025" y="1469876"/>
             <a:ext cx="1800000" cy="372395"/>
           </a:xfrm>
           <a:prstGeom prst="rect">
@@ -12788,33 +14017,33 @@
       </p:sp>
       <p:cxnSp>
         <p:nvCxnSpPr>
-          <p:cNvPr id="20" name="直接箭头连接符 19">
+          <p:cNvPr id="197" name="直接箭头连接符 196">
             <a:extLst>
               <a:ext uri="{FF2B5EF4-FFF2-40B4-BE49-F238E27FC236}">
-                <a16:creationId xmlns:a16="http://schemas.microsoft.com/office/drawing/2014/main" id="{58D6F731-7271-486D-BE38-1BE49FAE8F9F}"/>
+                <a16:creationId xmlns:a16="http://schemas.microsoft.com/office/drawing/2014/main" id="{307F1FD1-23EA-407B-9C1D-897E8F9E91F5}"/>
               </a:ext>
             </a:extLst>
           </p:cNvPr>
           <p:cNvCxnSpPr>
             <a:cxnSpLocks/>
-            <a:stCxn id="91" idx="3"/>
-            <a:endCxn id="108" idx="1"/>
+            <a:stCxn id="188" idx="2"/>
+            <a:endCxn id="189" idx="3"/>
           </p:cNvCxnSpPr>
           <p:nvPr/>
         </p:nvCxnSpPr>
         <p:spPr>
-          <a:xfrm>
-            <a:off x="5008297" y="1326583"/>
-            <a:ext cx="3610417" cy="0"/>
+          <a:xfrm rot="5400000">
+            <a:off x="4899270" y="697026"/>
+            <a:ext cx="1722261" cy="4012750"/>
           </a:xfrm>
-          <a:prstGeom prst="straightConnector1">
+          <a:prstGeom prst="bentConnector2">
             <a:avLst/>
           </a:prstGeom>
           <a:ln w="28575">
             <a:solidFill>
               <a:schemeClr val="accent5"/>
             </a:solidFill>
-            <a:prstDash val="lgDashDot"/>
+            <a:prstDash val="dash"/>
             <a:headEnd type="none" w="med" len="med"/>
             <a:tailEnd type="triangle"/>
           </a:ln>
@@ -12836,32 +14065,33 @@
       </p:cxnSp>
       <p:cxnSp>
         <p:nvCxnSpPr>
-          <p:cNvPr id="29" name="连接符: 肘形 28">
+          <p:cNvPr id="198" name="连接符: 肘形 197">
             <a:extLst>
               <a:ext uri="{FF2B5EF4-FFF2-40B4-BE49-F238E27FC236}">
-                <a16:creationId xmlns:a16="http://schemas.microsoft.com/office/drawing/2014/main" id="{7137AA24-A58B-4D3F-8D37-D3E135C87901}"/>
+                <a16:creationId xmlns:a16="http://schemas.microsoft.com/office/drawing/2014/main" id="{CE19A948-E279-4663-B0A0-44FF72584935}"/>
               </a:ext>
             </a:extLst>
           </p:cNvPr>
           <p:cNvCxnSpPr>
             <a:cxnSpLocks/>
-            <a:stCxn id="108" idx="2"/>
+            <a:stCxn id="189" idx="0"/>
+            <a:endCxn id="196" idx="2"/>
           </p:cNvCxnSpPr>
           <p:nvPr/>
         </p:nvCxnSpPr>
         <p:spPr>
-          <a:xfrm rot="5400000">
-            <a:off x="7886440" y="1279028"/>
-            <a:ext cx="1398523" cy="1866027"/>
+          <a:xfrm flipV="1">
+            <a:off x="2854025" y="1842271"/>
+            <a:ext cx="0" cy="1536063"/>
           </a:xfrm>
-          <a:prstGeom prst="bentConnector2">
+          <a:prstGeom prst="straightConnector1">
             <a:avLst/>
           </a:prstGeom>
           <a:ln w="28575">
             <a:solidFill>
               <a:schemeClr val="accent5"/>
             </a:solidFill>
-            <a:prstDash val="lgDashDot"/>
+            <a:prstDash val="dash"/>
             <a:headEnd type="none" w="med" len="med"/>
             <a:tailEnd type="triangle"/>
           </a:ln>
@@ -12883,33 +14113,33 @@
       </p:cxnSp>
       <p:cxnSp>
         <p:nvCxnSpPr>
-          <p:cNvPr id="146" name="连接符: 肘形 145">
+          <p:cNvPr id="199" name="连接符: 肘形 198">
             <a:extLst>
               <a:ext uri="{FF2B5EF4-FFF2-40B4-BE49-F238E27FC236}">
-                <a16:creationId xmlns:a16="http://schemas.microsoft.com/office/drawing/2014/main" id="{7755E390-2CA9-40E6-8045-B3B3BEDECA2B}"/>
+                <a16:creationId xmlns:a16="http://schemas.microsoft.com/office/drawing/2014/main" id="{71825B62-6EC6-478C-842F-0F54CC304C0C}"/>
               </a:ext>
             </a:extLst>
           </p:cNvPr>
           <p:cNvCxnSpPr>
             <a:cxnSpLocks/>
-            <a:stCxn id="142" idx="1"/>
-            <a:endCxn id="91" idx="2"/>
+            <a:stCxn id="196" idx="3"/>
+            <a:endCxn id="188" idx="1"/>
           </p:cNvCxnSpPr>
           <p:nvPr/>
         </p:nvCxnSpPr>
         <p:spPr>
-          <a:xfrm rot="10800000">
-            <a:off x="4108297" y="1512781"/>
-            <a:ext cx="1688672" cy="1482413"/>
+          <a:xfrm>
+            <a:off x="3754025" y="1656074"/>
+            <a:ext cx="3112750" cy="0"/>
           </a:xfrm>
-          <a:prstGeom prst="bentConnector2">
+          <a:prstGeom prst="straightConnector1">
             <a:avLst/>
           </a:prstGeom>
           <a:ln w="28575">
             <a:solidFill>
               <a:schemeClr val="accent5"/>
             </a:solidFill>
-            <a:prstDash val="lgDashDot"/>
+            <a:prstDash val="dash"/>
             <a:headEnd type="none" w="med" len="med"/>
             <a:tailEnd type="triangle"/>
           </a:ln>
@@ -12931,330 +14161,23 @@
       </p:cxnSp>
       <p:cxnSp>
         <p:nvCxnSpPr>
-          <p:cNvPr id="148" name="直接箭头连接符 147">
+          <p:cNvPr id="201" name="直接箭头连接符 209">
             <a:extLst>
               <a:ext uri="{FF2B5EF4-FFF2-40B4-BE49-F238E27FC236}">
-                <a16:creationId xmlns:a16="http://schemas.microsoft.com/office/drawing/2014/main" id="{DB9E6460-EDF6-4D43-971D-37E03164FCCF}"/>
+                <a16:creationId xmlns:a16="http://schemas.microsoft.com/office/drawing/2014/main" id="{A4E380D6-E5AA-4B5B-B3E9-DBFCEE4F03FA}"/>
               </a:ext>
             </a:extLst>
           </p:cNvPr>
           <p:cNvCxnSpPr>
             <a:cxnSpLocks/>
+            <a:stCxn id="189" idx="2"/>
           </p:cNvCxnSpPr>
           <p:nvPr/>
         </p:nvCxnSpPr>
         <p:spPr>
           <a:xfrm>
-            <a:off x="7669388" y="3060768"/>
-            <a:ext cx="2783650" cy="0"/>
-          </a:xfrm>
-          <a:prstGeom prst="straightConnector1">
-            <a:avLst/>
-          </a:prstGeom>
-          <a:ln w="28575">
-            <a:solidFill>
-              <a:srgbClr val="B42200"/>
-            </a:solidFill>
-            <a:headEnd type="none" w="med" len="med"/>
-            <a:tailEnd type="triangle"/>
-          </a:ln>
-        </p:spPr>
-        <p:style>
-          <a:lnRef idx="3">
-            <a:schemeClr val="dk1"/>
-          </a:lnRef>
-          <a:fillRef idx="0">
-            <a:schemeClr val="dk1"/>
-          </a:fillRef>
-          <a:effectRef idx="2">
-            <a:schemeClr val="dk1"/>
-          </a:effectRef>
-          <a:fontRef idx="minor">
-            <a:schemeClr val="tx1"/>
-          </a:fontRef>
-        </p:style>
-      </p:cxnSp>
-      <p:grpSp>
-        <p:nvGrpSpPr>
-          <p:cNvPr id="158" name="组合 157">
-            <a:extLst>
-              <a:ext uri="{FF2B5EF4-FFF2-40B4-BE49-F238E27FC236}">
-                <a16:creationId xmlns:a16="http://schemas.microsoft.com/office/drawing/2014/main" id="{39366B66-811F-4DE5-AE0B-DA1D48DA279E}"/>
-              </a:ext>
-            </a:extLst>
-          </p:cNvPr>
-          <p:cNvGrpSpPr/>
-          <p:nvPr/>
-        </p:nvGrpSpPr>
-        <p:grpSpPr>
-          <a:xfrm rot="5400000">
-            <a:off x="463193" y="1253244"/>
-            <a:ext cx="1672701" cy="887877"/>
-            <a:chOff x="353446" y="1813036"/>
-            <a:chExt cx="1835811" cy="974460"/>
-          </a:xfrm>
-        </p:grpSpPr>
-        <p:sp>
-          <p:nvSpPr>
-            <p:cNvPr id="157" name="文本框 156">
-              <a:extLst>
-                <a:ext uri="{FF2B5EF4-FFF2-40B4-BE49-F238E27FC236}">
-                  <a16:creationId xmlns:a16="http://schemas.microsoft.com/office/drawing/2014/main" id="{0A6A9A43-802D-489B-B71C-67B5786BC8BA}"/>
-                </a:ext>
-              </a:extLst>
-            </p:cNvPr>
-            <p:cNvSpPr txBox="1"/>
-            <p:nvPr/>
-          </p:nvSpPr>
-          <p:spPr>
-            <a:xfrm rot="16200000">
-              <a:off x="1666572" y="1754122"/>
-              <a:ext cx="440611" cy="604759"/>
-            </a:xfrm>
-            <a:prstGeom prst="rect">
-              <a:avLst/>
-            </a:prstGeom>
-            <a:noFill/>
-            <a:ln>
-              <a:noFill/>
-            </a:ln>
-          </p:spPr>
-          <p:txBody>
-            <a:bodyPr wrap="square" rtlCol="0">
-              <a:spAutoFit/>
-            </a:bodyPr>
-            <a:lstStyle/>
-            <a:p>
-              <a:pPr algn="ctr"/>
-              <a:r>
-                <a:rPr lang="en-US" altLang="zh-CN" b="1" dirty="0">
-                  <a:latin typeface="Times New Roman" panose="02020603050405020304" pitchFamily="18" charset="0"/>
-                  <a:cs typeface="Times New Roman" panose="02020603050405020304" pitchFamily="18" charset="0"/>
-                </a:rPr>
-                <a:t>…</a:t>
-              </a:r>
-              <a:endParaRPr lang="zh-CN" altLang="en-US" b="1" dirty="0">
-                <a:latin typeface="Times New Roman" panose="02020603050405020304" pitchFamily="18" charset="0"/>
-                <a:cs typeface="Times New Roman" panose="02020603050405020304" pitchFamily="18" charset="0"/>
-              </a:endParaRPr>
-            </a:p>
-          </p:txBody>
-        </p:sp>
-        <p:pic>
-          <p:nvPicPr>
-            <p:cNvPr id="152" name="图片 151">
-              <a:extLst>
-                <a:ext uri="{FF2B5EF4-FFF2-40B4-BE49-F238E27FC236}">
-                  <a16:creationId xmlns:a16="http://schemas.microsoft.com/office/drawing/2014/main" id="{13C699A4-5CF4-4A9B-AAEA-57F474219BDD}"/>
-                </a:ext>
-              </a:extLst>
-            </p:cNvPr>
-            <p:cNvPicPr>
-              <a:picLocks noChangeAspect="1"/>
-            </p:cNvPicPr>
-            <p:nvPr/>
-          </p:nvPicPr>
-          <p:blipFill>
-            <a:blip r:embed="rId5" cstate="print">
-              <a:extLst>
-                <a:ext uri="{28A0092B-C50C-407E-A947-70E740481C1C}">
-                  <a14:useLocalDpi xmlns:a14="http://schemas.microsoft.com/office/drawing/2010/main" val="0"/>
-                </a:ext>
-              </a:extLst>
-            </a:blip>
-            <a:stretch>
-              <a:fillRect/>
-            </a:stretch>
-          </p:blipFill>
-          <p:spPr>
-            <a:xfrm rot="16200000">
-              <a:off x="981877" y="1836198"/>
-              <a:ext cx="427229" cy="427226"/>
-            </a:xfrm>
-            <a:prstGeom prst="rect">
-              <a:avLst/>
-            </a:prstGeom>
-            <a:ln>
-              <a:noFill/>
-            </a:ln>
-          </p:spPr>
-        </p:pic>
-        <p:pic>
-          <p:nvPicPr>
-            <p:cNvPr id="153" name="图片 152">
-              <a:extLst>
-                <a:ext uri="{FF2B5EF4-FFF2-40B4-BE49-F238E27FC236}">
-                  <a16:creationId xmlns:a16="http://schemas.microsoft.com/office/drawing/2014/main" id="{313DF1E5-1121-474F-B3EE-BB7A0CDAAD86}"/>
-                </a:ext>
-              </a:extLst>
-            </p:cNvPr>
-            <p:cNvPicPr>
-              <a:picLocks noChangeAspect="1"/>
-            </p:cNvPicPr>
-            <p:nvPr/>
-          </p:nvPicPr>
-          <p:blipFill>
-            <a:blip r:embed="rId6" cstate="print">
-              <a:extLst>
-                <a:ext uri="{28A0092B-C50C-407E-A947-70E740481C1C}">
-                  <a14:useLocalDpi xmlns:a14="http://schemas.microsoft.com/office/drawing/2010/main" val="0"/>
-                </a:ext>
-              </a:extLst>
-            </a:blip>
-            <a:stretch>
-              <a:fillRect/>
-            </a:stretch>
-          </p:blipFill>
-          <p:spPr>
-            <a:xfrm rot="16200000">
-              <a:off x="385235" y="2360269"/>
-              <a:ext cx="427229" cy="427226"/>
-            </a:xfrm>
-            <a:prstGeom prst="rect">
-              <a:avLst/>
-            </a:prstGeom>
-            <a:ln>
-              <a:noFill/>
-            </a:ln>
-          </p:spPr>
-        </p:pic>
-        <p:pic>
-          <p:nvPicPr>
-            <p:cNvPr id="154" name="图片 153">
-              <a:extLst>
-                <a:ext uri="{FF2B5EF4-FFF2-40B4-BE49-F238E27FC236}">
-                  <a16:creationId xmlns:a16="http://schemas.microsoft.com/office/drawing/2014/main" id="{992133F3-8D92-4948-83E0-800D45414E21}"/>
-                </a:ext>
-              </a:extLst>
-            </p:cNvPr>
-            <p:cNvPicPr>
-              <a:picLocks noChangeAspect="1"/>
-            </p:cNvPicPr>
-            <p:nvPr/>
-          </p:nvPicPr>
-          <p:blipFill>
-            <a:blip r:embed="rId7" cstate="print">
-              <a:extLst>
-                <a:ext uri="{28A0092B-C50C-407E-A947-70E740481C1C}">
-                  <a14:useLocalDpi xmlns:a14="http://schemas.microsoft.com/office/drawing/2010/main" val="0"/>
-                </a:ext>
-              </a:extLst>
-            </a:blip>
-            <a:stretch>
-              <a:fillRect/>
-            </a:stretch>
-          </p:blipFill>
-          <p:spPr>
-            <a:xfrm rot="16200000">
-              <a:off x="1588582" y="2359201"/>
-              <a:ext cx="429364" cy="427226"/>
-            </a:xfrm>
-            <a:prstGeom prst="rect">
-              <a:avLst/>
-            </a:prstGeom>
-            <a:ln>
-              <a:noFill/>
-            </a:ln>
-          </p:spPr>
-        </p:pic>
-        <p:pic>
-          <p:nvPicPr>
-            <p:cNvPr id="155" name="图片 154">
-              <a:extLst>
-                <a:ext uri="{FF2B5EF4-FFF2-40B4-BE49-F238E27FC236}">
-                  <a16:creationId xmlns:a16="http://schemas.microsoft.com/office/drawing/2014/main" id="{E55C0C30-BCEB-49CD-AC6A-BDF60A21F03D}"/>
-                </a:ext>
-              </a:extLst>
-            </p:cNvPr>
-            <p:cNvPicPr>
-              <a:picLocks noChangeAspect="1"/>
-            </p:cNvPicPr>
-            <p:nvPr/>
-          </p:nvPicPr>
-          <p:blipFill>
-            <a:blip r:embed="rId8" cstate="print">
-              <a:extLst>
-                <a:ext uri="{28A0092B-C50C-407E-A947-70E740481C1C}">
-                  <a14:useLocalDpi xmlns:a14="http://schemas.microsoft.com/office/drawing/2010/main" val="0"/>
-                </a:ext>
-              </a:extLst>
-            </a:blip>
-            <a:stretch>
-              <a:fillRect/>
-            </a:stretch>
-          </p:blipFill>
-          <p:spPr>
-            <a:xfrm rot="16200000">
-              <a:off x="986843" y="2360269"/>
-              <a:ext cx="427229" cy="427226"/>
-            </a:xfrm>
-            <a:prstGeom prst="rect">
-              <a:avLst/>
-            </a:prstGeom>
-            <a:ln>
-              <a:noFill/>
-            </a:ln>
-          </p:spPr>
-        </p:pic>
-        <p:pic>
-          <p:nvPicPr>
-            <p:cNvPr id="156" name="图片 155">
-              <a:extLst>
-                <a:ext uri="{FF2B5EF4-FFF2-40B4-BE49-F238E27FC236}">
-                  <a16:creationId xmlns:a16="http://schemas.microsoft.com/office/drawing/2014/main" id="{5F247478-C762-4F96-891C-379A00364905}"/>
-                </a:ext>
-              </a:extLst>
-            </p:cNvPr>
-            <p:cNvPicPr>
-              <a:picLocks noChangeAspect="1"/>
-            </p:cNvPicPr>
-            <p:nvPr/>
-          </p:nvPicPr>
-          <p:blipFill rotWithShape="1">
-            <a:blip r:embed="rId9" cstate="print">
-              <a:extLst>
-                <a:ext uri="{28A0092B-C50C-407E-A947-70E740481C1C}">
-                  <a14:useLocalDpi xmlns:a14="http://schemas.microsoft.com/office/drawing/2010/main" val="0"/>
-                </a:ext>
-              </a:extLst>
-            </a:blip>
-            <a:srcRect l="24982" t="25055" r="21345" b="22582"/>
-            <a:stretch/>
-          </p:blipFill>
-          <p:spPr>
-            <a:xfrm rot="16200000">
-              <a:off x="347840" y="1818642"/>
-              <a:ext cx="459614" cy="448401"/>
-            </a:xfrm>
-            <a:prstGeom prst="rect">
-              <a:avLst/>
-            </a:prstGeom>
-            <a:ln>
-              <a:noFill/>
-            </a:ln>
-          </p:spPr>
-        </p:pic>
-      </p:grpSp>
-      <p:cxnSp>
-        <p:nvCxnSpPr>
-          <p:cNvPr id="210" name="直接箭头连接符 209">
-            <a:extLst>
-              <a:ext uri="{FF2B5EF4-FFF2-40B4-BE49-F238E27FC236}">
-                <a16:creationId xmlns:a16="http://schemas.microsoft.com/office/drawing/2014/main" id="{56248D90-04BA-4318-9EFA-CAF04B06F20B}"/>
-              </a:ext>
-            </a:extLst>
-          </p:cNvPr>
-          <p:cNvCxnSpPr>
-            <a:cxnSpLocks/>
-            <a:stCxn id="108" idx="3"/>
-            <a:endCxn id="114" idx="3"/>
-          </p:cNvCxnSpPr>
-          <p:nvPr/>
-        </p:nvCxnSpPr>
-        <p:spPr>
-          <a:xfrm>
-            <a:off x="10418714" y="1326583"/>
-            <a:ext cx="625064" cy="0"/>
+            <a:off x="2854025" y="3750729"/>
+            <a:ext cx="0" cy="501592"/>
           </a:xfrm>
           <a:prstGeom prst="straightConnector1">
             <a:avLst/>
@@ -13263,7 +14186,7 @@
             <a:solidFill>
               <a:srgbClr val="EA8B00"/>
             </a:solidFill>
-            <a:prstDash val="lgDashDot"/>
+            <a:prstDash val="dash"/>
             <a:headEnd type="none" w="med" len="med"/>
             <a:tailEnd type="triangle"/>
           </a:ln>
@@ -13285,10 +14208,10 @@
       </p:cxnSp>
       <p:cxnSp>
         <p:nvCxnSpPr>
-          <p:cNvPr id="213" name="直接箭头连接符 212">
+          <p:cNvPr id="202" name="直接箭头连接符 201">
             <a:extLst>
               <a:ext uri="{FF2B5EF4-FFF2-40B4-BE49-F238E27FC236}">
-                <a16:creationId xmlns:a16="http://schemas.microsoft.com/office/drawing/2014/main" id="{2856A72C-02D8-4B27-B712-B82396AB79AE}"/>
+                <a16:creationId xmlns:a16="http://schemas.microsoft.com/office/drawing/2014/main" id="{FC603C95-93C5-492C-B84B-5F3845432E73}"/>
               </a:ext>
             </a:extLst>
           </p:cNvPr>
@@ -13298,9 +14221,9 @@
           <p:nvPr/>
         </p:nvCxnSpPr>
         <p:spPr>
-          <a:xfrm flipH="1">
-            <a:off x="11474633" y="1536019"/>
-            <a:ext cx="5711" cy="466560"/>
+          <a:xfrm>
+            <a:off x="3481707" y="4399873"/>
+            <a:ext cx="533131" cy="0"/>
           </a:xfrm>
           <a:prstGeom prst="straightConnector1">
             <a:avLst/>
@@ -13329,72 +14252,12 @@
           </a:fontRef>
         </p:style>
       </p:cxnSp>
-      <p:sp>
-        <p:nvSpPr>
-          <p:cNvPr id="217" name="矩形 216">
+      <p:grpSp>
+        <p:nvGrpSpPr>
+          <p:cNvPr id="45" name="组合 44">
             <a:extLst>
               <a:ext uri="{FF2B5EF4-FFF2-40B4-BE49-F238E27FC236}">
-                <a16:creationId xmlns:a16="http://schemas.microsoft.com/office/drawing/2014/main" id="{4EBB2C86-4E17-4BCF-AE40-A6CCB5F1A080}"/>
-              </a:ext>
-            </a:extLst>
-          </p:cNvPr>
-          <p:cNvSpPr/>
-          <p:nvPr/>
-        </p:nvSpPr>
-        <p:spPr>
-          <a:xfrm>
-            <a:off x="10855364" y="860831"/>
-            <a:ext cx="1249955" cy="242955"/>
-          </a:xfrm>
-          <a:prstGeom prst="rect">
-            <a:avLst/>
-          </a:prstGeom>
-          <a:solidFill>
-            <a:schemeClr val="bg1"/>
-          </a:solidFill>
-          <a:ln w="57150">
-            <a:noFill/>
-            <a:prstDash val="lgDash"/>
-          </a:ln>
-        </p:spPr>
-        <p:style>
-          <a:lnRef idx="2">
-            <a:schemeClr val="accent1">
-              <a:shade val="50000"/>
-            </a:schemeClr>
-          </a:lnRef>
-          <a:fillRef idx="1">
-            <a:schemeClr val="accent1"/>
-          </a:fillRef>
-          <a:effectRef idx="0">
-            <a:schemeClr val="accent1"/>
-          </a:effectRef>
-          <a:fontRef idx="minor">
-            <a:schemeClr val="lt1"/>
-          </a:fontRef>
-        </p:style>
-        <p:txBody>
-          <a:bodyPr rtlCol="0" anchor="ctr"/>
-          <a:lstStyle/>
-          <a:p>
-            <a:pPr algn="ctr"/>
-            <a:r>
-              <a:rPr lang="zh-CN" altLang="en-US" sz="1400" dirty="0">
-                <a:solidFill>
-                  <a:schemeClr val="tx1"/>
-                </a:solidFill>
-              </a:rPr>
-              <a:t>仿冒应用数据</a:t>
-            </a:r>
-          </a:p>
-        </p:txBody>
-      </p:sp>
-      <p:grpSp>
-        <p:nvGrpSpPr>
-          <p:cNvPr id="2" name="组合 1">
-            <a:extLst>
-              <a:ext uri="{FF2B5EF4-FFF2-40B4-BE49-F238E27FC236}">
-                <a16:creationId xmlns:a16="http://schemas.microsoft.com/office/drawing/2014/main" id="{3BDA039D-BCBE-49DA-9EE4-78F79CD5943C}"/>
+                <a16:creationId xmlns:a16="http://schemas.microsoft.com/office/drawing/2014/main" id="{C33F1390-73C2-4BBA-AA3A-D3FC10BE929B}"/>
               </a:ext>
             </a:extLst>
           </p:cNvPr>
@@ -13403,18 +14266,18 @@
         </p:nvGrpSpPr>
         <p:grpSpPr>
           <a:xfrm>
-            <a:off x="5828992" y="3212689"/>
-            <a:ext cx="2195334" cy="770741"/>
-            <a:chOff x="7348816" y="3222665"/>
-            <a:chExt cx="2195334" cy="770741"/>
+            <a:off x="2229048" y="4295291"/>
+            <a:ext cx="1249955" cy="555048"/>
+            <a:chOff x="2225873" y="4279508"/>
+            <a:chExt cx="1249955" cy="555048"/>
           </a:xfrm>
         </p:grpSpPr>
         <p:grpSp>
           <p:nvGrpSpPr>
-            <p:cNvPr id="231" name="组合 230">
+            <p:cNvPr id="204" name="组合 203">
               <a:extLst>
                 <a:ext uri="{FF2B5EF4-FFF2-40B4-BE49-F238E27FC236}">
-                  <a16:creationId xmlns:a16="http://schemas.microsoft.com/office/drawing/2014/main" id="{C7FDC3FD-7734-4E55-9520-79D89EF89009}"/>
+                  <a16:creationId xmlns:a16="http://schemas.microsoft.com/office/drawing/2014/main" id="{45A11373-85C4-4896-876B-06D64718BA83}"/>
                 </a:ext>
               </a:extLst>
             </p:cNvPr>
@@ -13423,244 +14286,197 @@
           </p:nvGrpSpPr>
           <p:grpSpPr>
             <a:xfrm>
-              <a:off x="7348816" y="3698206"/>
-              <a:ext cx="2195334" cy="295200"/>
-              <a:chOff x="7348816" y="3650581"/>
-              <a:chExt cx="2195334" cy="295200"/>
+              <a:off x="2414285" y="4279508"/>
+              <a:ext cx="873130" cy="295086"/>
+              <a:chOff x="10622023" y="1215606"/>
+              <a:chExt cx="873130" cy="295086"/>
             </a:xfrm>
-            <a:solidFill>
-              <a:schemeClr val="bg1"/>
-            </a:solidFill>
           </p:grpSpPr>
-          <p:grpSp>
-            <p:nvGrpSpPr>
-              <p:cNvPr id="229" name="组合 228">
+          <p:pic>
+            <p:nvPicPr>
+              <p:cNvPr id="206" name="图片 205">
                 <a:extLst>
                   <a:ext uri="{FF2B5EF4-FFF2-40B4-BE49-F238E27FC236}">
-                    <a16:creationId xmlns:a16="http://schemas.microsoft.com/office/drawing/2014/main" id="{9B00A8A8-C810-455C-A2E2-B61FF8A836D9}"/>
+                    <a16:creationId xmlns:a16="http://schemas.microsoft.com/office/drawing/2014/main" id="{30FF77F8-D51D-4E1F-B955-6D3AFD2222B2}"/>
                   </a:ext>
                 </a:extLst>
               </p:cNvPr>
-              <p:cNvGrpSpPr/>
+              <p:cNvPicPr>
+                <a:picLocks noChangeAspect="1"/>
+              </p:cNvPicPr>
               <p:nvPr/>
-            </p:nvGrpSpPr>
-            <p:grpSpPr>
-              <a:xfrm>
-                <a:off x="7348816" y="3650581"/>
-                <a:ext cx="565142" cy="295200"/>
-                <a:chOff x="8909620" y="1934602"/>
-                <a:chExt cx="565142" cy="295200"/>
-              </a:xfrm>
-              <a:grpFill/>
-            </p:grpSpPr>
-            <p:pic>
-              <p:nvPicPr>
-                <p:cNvPr id="227" name="图片 226">
-                  <a:extLst>
-                    <a:ext uri="{FF2B5EF4-FFF2-40B4-BE49-F238E27FC236}">
-                      <a16:creationId xmlns:a16="http://schemas.microsoft.com/office/drawing/2014/main" id="{9FCF9736-F568-4F7E-950F-E1FCAF6A3D89}"/>
-                    </a:ext>
-                  </a:extLst>
-                </p:cNvPr>
-                <p:cNvPicPr>
-                  <a:picLocks noChangeAspect="1"/>
-                </p:cNvPicPr>
-                <p:nvPr/>
-              </p:nvPicPr>
-              <p:blipFill>
-                <a:blip r:embed="rId10" cstate="print">
-                  <a:extLst>
-                    <a:ext uri="{28A0092B-C50C-407E-A947-70E740481C1C}">
-                      <a14:useLocalDpi xmlns:a14="http://schemas.microsoft.com/office/drawing/2010/main" val="0"/>
-                    </a:ext>
-                  </a:extLst>
-                </a:blip>
-                <a:stretch>
-                  <a:fillRect/>
-                </a:stretch>
-              </p:blipFill>
-              <p:spPr>
-                <a:xfrm flipH="1">
-                  <a:off x="8909620" y="1934602"/>
-                  <a:ext cx="295200" cy="295200"/>
-                </a:xfrm>
-                <a:prstGeom prst="rect">
-                  <a:avLst/>
-                </a:prstGeom>
-                <a:grpFill/>
-              </p:spPr>
-            </p:pic>
-            <p:pic>
-              <p:nvPicPr>
-                <p:cNvPr id="228" name="图片 227">
-                  <a:extLst>
-                    <a:ext uri="{FF2B5EF4-FFF2-40B4-BE49-F238E27FC236}">
-                      <a16:creationId xmlns:a16="http://schemas.microsoft.com/office/drawing/2014/main" id="{E6CBFA14-66E1-4B9E-A429-FDA12BE2F975}"/>
-                    </a:ext>
-                  </a:extLst>
-                </p:cNvPr>
-                <p:cNvPicPr>
-                  <a:picLocks noChangeAspect="1"/>
-                </p:cNvPicPr>
-                <p:nvPr/>
-              </p:nvPicPr>
-              <p:blipFill>
-                <a:blip r:embed="rId10" cstate="print">
-                  <a:extLst>
-                    <a:ext uri="{28A0092B-C50C-407E-A947-70E740481C1C}">
-                      <a14:useLocalDpi xmlns:a14="http://schemas.microsoft.com/office/drawing/2010/main" val="0"/>
-                    </a:ext>
-                  </a:extLst>
-                </a:blip>
-                <a:stretch>
-                  <a:fillRect/>
-                </a:stretch>
-              </p:blipFill>
-              <p:spPr>
-                <a:xfrm flipH="1">
-                  <a:off x="9179562" y="1934602"/>
-                  <a:ext cx="295200" cy="295200"/>
-                </a:xfrm>
-                <a:prstGeom prst="rect">
-                  <a:avLst/>
-                </a:prstGeom>
-                <a:grpFill/>
-              </p:spPr>
-            </p:pic>
-          </p:grpSp>
-          <p:sp>
-            <p:nvSpPr>
-              <p:cNvPr id="230" name="矩形 229">
+            </p:nvPicPr>
+            <p:blipFill>
+              <a:blip r:embed="rId4" cstate="print">
                 <a:extLst>
-                  <a:ext uri="{FF2B5EF4-FFF2-40B4-BE49-F238E27FC236}">
-                    <a16:creationId xmlns:a16="http://schemas.microsoft.com/office/drawing/2014/main" id="{38EAECC0-CCB3-4750-9EC2-260B1A1693AD}"/>
+                  <a:ext uri="{28A0092B-C50C-407E-A947-70E740481C1C}">
+                    <a14:useLocalDpi xmlns:a14="http://schemas.microsoft.com/office/drawing/2010/main" val="0"/>
                   </a:ext>
                 </a:extLst>
-              </p:cNvPr>
-              <p:cNvSpPr/>
-              <p:nvPr/>
-            </p:nvSpPr>
+              </a:blip>
+              <a:stretch>
+                <a:fillRect/>
+              </a:stretch>
+            </p:blipFill>
             <p:spPr>
-              <a:xfrm>
-                <a:off x="7923665" y="3656683"/>
-                <a:ext cx="1620485" cy="242955"/>
+              <a:xfrm flipH="1">
+                <a:off x="10622023" y="1215607"/>
+                <a:ext cx="295085" cy="295085"/>
               </a:xfrm>
               <a:prstGeom prst="rect">
                 <a:avLst/>
               </a:prstGeom>
-              <a:grpFill/>
-              <a:ln w="57150">
+              <a:ln>
                 <a:noFill/>
-                <a:prstDash val="lgDash"/>
               </a:ln>
             </p:spPr>
-            <p:style>
-              <a:lnRef idx="2">
-                <a:schemeClr val="accent1">
-                  <a:shade val="50000"/>
-                </a:schemeClr>
-              </a:lnRef>
-              <a:fillRef idx="1">
-                <a:schemeClr val="accent1"/>
-              </a:fillRef>
-              <a:effectRef idx="0">
-                <a:schemeClr val="accent1"/>
-              </a:effectRef>
-              <a:fontRef idx="minor">
-                <a:schemeClr val="lt1"/>
-              </a:fontRef>
-            </p:style>
-            <p:txBody>
-              <a:bodyPr rtlCol="0" anchor="ctr"/>
-              <a:lstStyle/>
-              <a:p>
-                <a:pPr algn="ctr"/>
-                <a:r>
-                  <a:rPr lang="zh-CN" altLang="en-US" sz="1400" dirty="0">
-                    <a:solidFill>
-                      <a:schemeClr val="tx1"/>
-                    </a:solidFill>
-                  </a:rPr>
-                  <a:t>初始正版应用数据</a:t>
-                </a:r>
-                <a:endParaRPr lang="en-US" altLang="zh-CN" sz="1400" dirty="0">
+          </p:pic>
+          <p:pic>
+            <p:nvPicPr>
+              <p:cNvPr id="207" name="图片 206">
+                <a:extLst>
+                  <a:ext uri="{FF2B5EF4-FFF2-40B4-BE49-F238E27FC236}">
+                    <a16:creationId xmlns:a16="http://schemas.microsoft.com/office/drawing/2014/main" id="{D93C3C4A-3C79-4173-80D2-62A97C04DDB3}"/>
+                  </a:ext>
+                </a:extLst>
+              </p:cNvPr>
+              <p:cNvPicPr>
+                <a:picLocks noChangeAspect="1"/>
+              </p:cNvPicPr>
+              <p:nvPr/>
+            </p:nvPicPr>
+            <p:blipFill>
+              <a:blip r:embed="rId4" cstate="print">
+                <a:extLst>
+                  <a:ext uri="{28A0092B-C50C-407E-A947-70E740481C1C}">
+                    <a14:useLocalDpi xmlns:a14="http://schemas.microsoft.com/office/drawing/2010/main" val="0"/>
+                  </a:ext>
+                </a:extLst>
+              </a:blip>
+              <a:stretch>
+                <a:fillRect/>
+              </a:stretch>
+            </p:blipFill>
+            <p:spPr>
+              <a:xfrm flipH="1">
+                <a:off x="11200068" y="1215606"/>
+                <a:ext cx="295085" cy="295085"/>
+              </a:xfrm>
+              <a:prstGeom prst="rect">
+                <a:avLst/>
+              </a:prstGeom>
+              <a:ln>
+                <a:noFill/>
+              </a:ln>
+            </p:spPr>
+          </p:pic>
+          <p:pic>
+            <p:nvPicPr>
+              <p:cNvPr id="208" name="图片 207">
+                <a:extLst>
+                  <a:ext uri="{FF2B5EF4-FFF2-40B4-BE49-F238E27FC236}">
+                    <a16:creationId xmlns:a16="http://schemas.microsoft.com/office/drawing/2014/main" id="{A97AEBE5-5B3B-4C53-8A78-E190AC6594DA}"/>
+                  </a:ext>
+                </a:extLst>
+              </p:cNvPr>
+              <p:cNvPicPr>
+                <a:picLocks noChangeAspect="1"/>
+              </p:cNvPicPr>
+              <p:nvPr/>
+            </p:nvPicPr>
+            <p:blipFill>
+              <a:blip r:embed="rId4" cstate="print">
+                <a:extLst>
+                  <a:ext uri="{28A0092B-C50C-407E-A947-70E740481C1C}">
+                    <a14:useLocalDpi xmlns:a14="http://schemas.microsoft.com/office/drawing/2010/main" val="0"/>
+                  </a:ext>
+                </a:extLst>
+              </a:blip>
+              <a:stretch>
+                <a:fillRect/>
+              </a:stretch>
+            </p:blipFill>
+            <p:spPr>
+              <a:xfrm flipH="1">
+                <a:off x="10911046" y="1215606"/>
+                <a:ext cx="295085" cy="295085"/>
+              </a:xfrm>
+              <a:prstGeom prst="rect">
+                <a:avLst/>
+              </a:prstGeom>
+              <a:ln>
+                <a:noFill/>
+              </a:ln>
+            </p:spPr>
+          </p:pic>
+        </p:grpSp>
+        <p:sp>
+          <p:nvSpPr>
+            <p:cNvPr id="205" name="矩形 204">
+              <a:extLst>
+                <a:ext uri="{FF2B5EF4-FFF2-40B4-BE49-F238E27FC236}">
+                  <a16:creationId xmlns:a16="http://schemas.microsoft.com/office/drawing/2014/main" id="{7125F7C5-1C01-42F9-A6C9-780FAD0A2296}"/>
+                </a:ext>
+              </a:extLst>
+            </p:cNvPr>
+            <p:cNvSpPr/>
+            <p:nvPr/>
+          </p:nvSpPr>
+          <p:spPr>
+            <a:xfrm>
+              <a:off x="2225873" y="4591601"/>
+              <a:ext cx="1249955" cy="242955"/>
+            </a:xfrm>
+            <a:prstGeom prst="rect">
+              <a:avLst/>
+            </a:prstGeom>
+            <a:solidFill>
+              <a:schemeClr val="bg1"/>
+            </a:solidFill>
+            <a:ln w="57150">
+              <a:noFill/>
+              <a:prstDash val="lgDash"/>
+            </a:ln>
+          </p:spPr>
+          <p:style>
+            <a:lnRef idx="2">
+              <a:schemeClr val="accent1">
+                <a:shade val="50000"/>
+              </a:schemeClr>
+            </a:lnRef>
+            <a:fillRef idx="1">
+              <a:schemeClr val="accent1"/>
+            </a:fillRef>
+            <a:effectRef idx="0">
+              <a:schemeClr val="accent1"/>
+            </a:effectRef>
+            <a:fontRef idx="minor">
+              <a:schemeClr val="lt1"/>
+            </a:fontRef>
+          </p:style>
+          <p:txBody>
+            <a:bodyPr rtlCol="0" anchor="ctr"/>
+            <a:lstStyle/>
+            <a:p>
+              <a:pPr algn="ctr"/>
+              <a:r>
+                <a:rPr lang="zh-CN" altLang="en-US" sz="1400" dirty="0">
                   <a:solidFill>
                     <a:schemeClr val="tx1"/>
                   </a:solidFill>
-                </a:endParaRPr>
-              </a:p>
-              <a:p>
-                <a:pPr algn="ctr"/>
-                <a:r>
-                  <a:rPr lang="zh-CN" altLang="en-US" sz="1400" dirty="0">
-                    <a:solidFill>
-                      <a:schemeClr val="tx1"/>
-                    </a:solidFill>
-                  </a:rPr>
-                  <a:t>（输入）</a:t>
-                </a:r>
-                <a:endParaRPr lang="en-US" altLang="zh-CN" sz="1400" dirty="0">
-                  <a:solidFill>
-                    <a:schemeClr val="tx1"/>
-                  </a:solidFill>
-                </a:endParaRPr>
-              </a:p>
-            </p:txBody>
-          </p:sp>
-        </p:grpSp>
-        <p:cxnSp>
-          <p:nvCxnSpPr>
-            <p:cNvPr id="232" name="直接箭头连接符 231">
-              <a:extLst>
-                <a:ext uri="{FF2B5EF4-FFF2-40B4-BE49-F238E27FC236}">
-                  <a16:creationId xmlns:a16="http://schemas.microsoft.com/office/drawing/2014/main" id="{0CBFD6A4-7719-4C83-BB40-C8ECB7900A08}"/>
-                </a:ext>
-              </a:extLst>
-            </p:cNvPr>
-            <p:cNvCxnSpPr>
-              <a:cxnSpLocks/>
-            </p:cNvCxnSpPr>
-            <p:nvPr/>
-          </p:nvCxnSpPr>
-          <p:spPr>
-            <a:xfrm flipH="1" flipV="1">
-              <a:off x="7620344" y="3222665"/>
-              <a:ext cx="2365" cy="406360"/>
-            </a:xfrm>
-            <a:prstGeom prst="straightConnector1">
-              <a:avLst/>
-            </a:prstGeom>
-            <a:ln w="28575">
-              <a:solidFill>
-                <a:srgbClr val="C00000"/>
-              </a:solidFill>
-              <a:prstDash val="solid"/>
-              <a:headEnd type="none" w="med" len="med"/>
-              <a:tailEnd type="triangle"/>
-            </a:ln>
-          </p:spPr>
-          <p:style>
-            <a:lnRef idx="3">
-              <a:schemeClr val="dk1"/>
-            </a:lnRef>
-            <a:fillRef idx="0">
-              <a:schemeClr val="dk1"/>
-            </a:fillRef>
-            <a:effectRef idx="2">
-              <a:schemeClr val="dk1"/>
-            </a:effectRef>
-            <a:fontRef idx="minor">
-              <a:schemeClr val="tx1"/>
-            </a:fontRef>
-          </p:style>
-        </p:cxnSp>
+                </a:rPr>
+                <a:t>仿冒应用数据</a:t>
+              </a:r>
+            </a:p>
+          </p:txBody>
+        </p:sp>
       </p:grpSp>
       <p:grpSp>
         <p:nvGrpSpPr>
-          <p:cNvPr id="6" name="组合 5">
+          <p:cNvPr id="209" name="组合 208">
             <a:extLst>
               <a:ext uri="{FF2B5EF4-FFF2-40B4-BE49-F238E27FC236}">
-                <a16:creationId xmlns:a16="http://schemas.microsoft.com/office/drawing/2014/main" id="{A21C08FA-B1FC-49F0-99F8-519E38F72ACA}"/>
+                <a16:creationId xmlns:a16="http://schemas.microsoft.com/office/drawing/2014/main" id="{01FCB14A-E373-463D-900C-B7B33A324A02}"/>
               </a:ext>
             </a:extLst>
           </p:cNvPr>
@@ -13669,18 +14485,21 @@
         </p:nvGrpSpPr>
         <p:grpSpPr>
           <a:xfrm>
-            <a:off x="5991932" y="987462"/>
-            <a:ext cx="1491790" cy="861618"/>
-            <a:chOff x="6061116" y="987462"/>
-            <a:chExt cx="1491790" cy="861618"/>
+            <a:off x="48955" y="1414573"/>
+            <a:ext cx="1620485" cy="637227"/>
+            <a:chOff x="6823005" y="3650581"/>
+            <a:chExt cx="1620485" cy="637227"/>
           </a:xfrm>
+          <a:solidFill>
+            <a:schemeClr val="bg1"/>
+          </a:solidFill>
         </p:grpSpPr>
         <p:sp>
           <p:nvSpPr>
-            <p:cNvPr id="66" name="矩形 65">
+            <p:cNvPr id="211" name="矩形 210">
               <a:extLst>
                 <a:ext uri="{FF2B5EF4-FFF2-40B4-BE49-F238E27FC236}">
-                  <a16:creationId xmlns:a16="http://schemas.microsoft.com/office/drawing/2014/main" id="{3A39C45B-D865-4680-A88C-B8B7B6623B26}"/>
+                  <a16:creationId xmlns:a16="http://schemas.microsoft.com/office/drawing/2014/main" id="{20239BD5-10F7-4886-81E8-B6520F097A9E}"/>
                 </a:ext>
               </a:extLst>
             </p:cNvPr>
@@ -13689,7 +14508,203 @@
           </p:nvSpPr>
           <p:spPr>
             <a:xfrm>
-              <a:off x="6061116" y="1606125"/>
+              <a:off x="6823005" y="4044853"/>
+              <a:ext cx="1620485" cy="242955"/>
+            </a:xfrm>
+            <a:prstGeom prst="rect">
+              <a:avLst/>
+            </a:prstGeom>
+            <a:grpFill/>
+            <a:ln w="57150">
+              <a:noFill/>
+              <a:prstDash val="lgDash"/>
+            </a:ln>
+          </p:spPr>
+          <p:style>
+            <a:lnRef idx="2">
+              <a:schemeClr val="accent1">
+                <a:shade val="50000"/>
+              </a:schemeClr>
+            </a:lnRef>
+            <a:fillRef idx="1">
+              <a:schemeClr val="accent1"/>
+            </a:fillRef>
+            <a:effectRef idx="0">
+              <a:schemeClr val="accent1"/>
+            </a:effectRef>
+            <a:fontRef idx="minor">
+              <a:schemeClr val="lt1"/>
+            </a:fontRef>
+          </p:style>
+          <p:txBody>
+            <a:bodyPr rtlCol="0" anchor="ctr"/>
+            <a:lstStyle/>
+            <a:p>
+              <a:pPr algn="ctr"/>
+              <a:r>
+                <a:rPr lang="zh-CN" altLang="en-US" sz="1400" dirty="0">
+                  <a:solidFill>
+                    <a:schemeClr val="tx1"/>
+                  </a:solidFill>
+                </a:rPr>
+                <a:t>初始正版应用数据</a:t>
+              </a:r>
+              <a:endParaRPr lang="en-US" altLang="zh-CN" sz="1400" dirty="0">
+                <a:solidFill>
+                  <a:schemeClr val="tx1"/>
+                </a:solidFill>
+              </a:endParaRPr>
+            </a:p>
+            <a:p>
+              <a:pPr algn="ctr"/>
+              <a:r>
+                <a:rPr lang="zh-CN" altLang="en-US" sz="1400" dirty="0">
+                  <a:solidFill>
+                    <a:schemeClr val="tx1"/>
+                  </a:solidFill>
+                </a:rPr>
+                <a:t>（输入）</a:t>
+              </a:r>
+              <a:endParaRPr lang="en-US" altLang="zh-CN" sz="1400" dirty="0">
+                <a:solidFill>
+                  <a:schemeClr val="tx1"/>
+                </a:solidFill>
+              </a:endParaRPr>
+            </a:p>
+          </p:txBody>
+        </p:sp>
+        <p:grpSp>
+          <p:nvGrpSpPr>
+            <p:cNvPr id="212" name="组合 211">
+              <a:extLst>
+                <a:ext uri="{FF2B5EF4-FFF2-40B4-BE49-F238E27FC236}">
+                  <a16:creationId xmlns:a16="http://schemas.microsoft.com/office/drawing/2014/main" id="{F07453B5-53F5-4156-BF86-7E0FFE51D2C5}"/>
+                </a:ext>
+              </a:extLst>
+            </p:cNvPr>
+            <p:cNvGrpSpPr/>
+            <p:nvPr/>
+          </p:nvGrpSpPr>
+          <p:grpSpPr>
+            <a:xfrm>
+              <a:off x="7348816" y="3650581"/>
+              <a:ext cx="565142" cy="295200"/>
+              <a:chOff x="8909620" y="1934602"/>
+              <a:chExt cx="565142" cy="295200"/>
+            </a:xfrm>
+            <a:grpFill/>
+          </p:grpSpPr>
+          <p:pic>
+            <p:nvPicPr>
+              <p:cNvPr id="214" name="图片 213">
+                <a:extLst>
+                  <a:ext uri="{FF2B5EF4-FFF2-40B4-BE49-F238E27FC236}">
+                    <a16:creationId xmlns:a16="http://schemas.microsoft.com/office/drawing/2014/main" id="{213E42F8-2578-4A18-9D78-C182D5B25FA2}"/>
+                  </a:ext>
+                </a:extLst>
+              </p:cNvPr>
+              <p:cNvPicPr>
+                <a:picLocks noChangeAspect="1"/>
+              </p:cNvPicPr>
+              <p:nvPr/>
+            </p:nvPicPr>
+            <p:blipFill>
+              <a:blip r:embed="rId5" cstate="print">
+                <a:extLst>
+                  <a:ext uri="{28A0092B-C50C-407E-A947-70E740481C1C}">
+                    <a14:useLocalDpi xmlns:a14="http://schemas.microsoft.com/office/drawing/2010/main" val="0"/>
+                  </a:ext>
+                </a:extLst>
+              </a:blip>
+              <a:stretch>
+                <a:fillRect/>
+              </a:stretch>
+            </p:blipFill>
+            <p:spPr>
+              <a:xfrm flipH="1">
+                <a:off x="8909620" y="1934602"/>
+                <a:ext cx="295200" cy="295200"/>
+              </a:xfrm>
+              <a:prstGeom prst="rect">
+                <a:avLst/>
+              </a:prstGeom>
+              <a:grpFill/>
+            </p:spPr>
+          </p:pic>
+          <p:pic>
+            <p:nvPicPr>
+              <p:cNvPr id="215" name="图片 214">
+                <a:extLst>
+                  <a:ext uri="{FF2B5EF4-FFF2-40B4-BE49-F238E27FC236}">
+                    <a16:creationId xmlns:a16="http://schemas.microsoft.com/office/drawing/2014/main" id="{B20C985C-871F-463C-B3BF-178E52F478FA}"/>
+                  </a:ext>
+                </a:extLst>
+              </p:cNvPr>
+              <p:cNvPicPr>
+                <a:picLocks noChangeAspect="1"/>
+              </p:cNvPicPr>
+              <p:nvPr/>
+            </p:nvPicPr>
+            <p:blipFill>
+              <a:blip r:embed="rId5" cstate="print">
+                <a:extLst>
+                  <a:ext uri="{28A0092B-C50C-407E-A947-70E740481C1C}">
+                    <a14:useLocalDpi xmlns:a14="http://schemas.microsoft.com/office/drawing/2010/main" val="0"/>
+                  </a:ext>
+                </a:extLst>
+              </a:blip>
+              <a:stretch>
+                <a:fillRect/>
+              </a:stretch>
+            </p:blipFill>
+            <p:spPr>
+              <a:xfrm flipH="1">
+                <a:off x="9179562" y="1934602"/>
+                <a:ext cx="295200" cy="295200"/>
+              </a:xfrm>
+              <a:prstGeom prst="rect">
+                <a:avLst/>
+              </a:prstGeom>
+              <a:grpFill/>
+            </p:spPr>
+          </p:pic>
+        </p:grpSp>
+      </p:grpSp>
+      <p:grpSp>
+        <p:nvGrpSpPr>
+          <p:cNvPr id="219" name="组合 218">
+            <a:extLst>
+              <a:ext uri="{FF2B5EF4-FFF2-40B4-BE49-F238E27FC236}">
+                <a16:creationId xmlns:a16="http://schemas.microsoft.com/office/drawing/2014/main" id="{814A09A5-7545-40EA-B513-AFE4B8658FE2}"/>
+              </a:ext>
+            </a:extLst>
+          </p:cNvPr>
+          <p:cNvGrpSpPr/>
+          <p:nvPr/>
+        </p:nvGrpSpPr>
+        <p:grpSpPr>
+          <a:xfrm>
+            <a:off x="5852876" y="2349167"/>
+            <a:ext cx="2632007" cy="590285"/>
+            <a:chOff x="4886032" y="987462"/>
+            <a:chExt cx="2632007" cy="590285"/>
+          </a:xfrm>
+        </p:grpSpPr>
+        <p:sp>
+          <p:nvSpPr>
+            <p:cNvPr id="220" name="矩形 219">
+              <a:extLst>
+                <a:ext uri="{FF2B5EF4-FFF2-40B4-BE49-F238E27FC236}">
+                  <a16:creationId xmlns:a16="http://schemas.microsoft.com/office/drawing/2014/main" id="{1068F0CE-A4FB-4447-975A-5B4275990A27}"/>
+                </a:ext>
+              </a:extLst>
+            </p:cNvPr>
+            <p:cNvSpPr/>
+            <p:nvPr/>
+          </p:nvSpPr>
+          <p:spPr>
+            <a:xfrm>
+              <a:off x="4886032" y="1161068"/>
               <a:ext cx="1491790" cy="242955"/>
             </a:xfrm>
             <a:prstGeom prst="rect">
@@ -13737,10 +14752,10 @@
         </p:sp>
         <p:grpSp>
           <p:nvGrpSpPr>
-            <p:cNvPr id="16" name="组合 15">
+            <p:cNvPr id="221" name="组合 220">
               <a:extLst>
                 <a:ext uri="{FF2B5EF4-FFF2-40B4-BE49-F238E27FC236}">
-                  <a16:creationId xmlns:a16="http://schemas.microsoft.com/office/drawing/2014/main" id="{63A7B5DD-25BA-4A60-B5F3-E33A13A8BB76}"/>
+                  <a16:creationId xmlns:a16="http://schemas.microsoft.com/office/drawing/2014/main" id="{A04AED74-557A-4435-8B08-EF8B652C8216}"/>
                 </a:ext>
               </a:extLst>
             </p:cNvPr>
@@ -13760,10 +14775,10 @@
           </p:grpSpPr>
           <p:grpSp>
             <p:nvGrpSpPr>
-              <p:cNvPr id="119" name="组合 118">
+              <p:cNvPr id="222" name="组合 221">
                 <a:extLst>
                   <a:ext uri="{FF2B5EF4-FFF2-40B4-BE49-F238E27FC236}">
-                    <a16:creationId xmlns:a16="http://schemas.microsoft.com/office/drawing/2014/main" id="{89B27CA3-E9C8-4EC2-A5BA-8DCE6D9AAA75}"/>
+                    <a16:creationId xmlns:a16="http://schemas.microsoft.com/office/drawing/2014/main" id="{86B252F8-AD31-4413-87D9-F60770D691B6}"/>
                   </a:ext>
                 </a:extLst>
               </p:cNvPr>
@@ -13781,10 +14796,10 @@
             </p:grpSpPr>
             <p:pic>
               <p:nvPicPr>
-                <p:cNvPr id="120" name="图片 119">
+                <p:cNvPr id="236" name="图片 235">
                   <a:extLst>
                     <a:ext uri="{FF2B5EF4-FFF2-40B4-BE49-F238E27FC236}">
-                      <a16:creationId xmlns:a16="http://schemas.microsoft.com/office/drawing/2014/main" id="{B496635B-CEB2-47CA-9BE5-9769FF985F09}"/>
+                      <a16:creationId xmlns:a16="http://schemas.microsoft.com/office/drawing/2014/main" id="{CF99F8C5-98F9-4222-B383-61F4C5D13A0B}"/>
                     </a:ext>
                   </a:extLst>
                 </p:cNvPr>
@@ -13821,10 +14836,10 @@
             </p:pic>
             <p:pic>
               <p:nvPicPr>
-                <p:cNvPr id="121" name="图片 120">
+                <p:cNvPr id="237" name="图片 236">
                   <a:extLst>
                     <a:ext uri="{FF2B5EF4-FFF2-40B4-BE49-F238E27FC236}">
-                      <a16:creationId xmlns:a16="http://schemas.microsoft.com/office/drawing/2014/main" id="{1D2EE463-3600-466C-BB9E-E5E8F32E23A9}"/>
+                      <a16:creationId xmlns:a16="http://schemas.microsoft.com/office/drawing/2014/main" id="{3FE94328-974F-495A-B017-AE1160E8D79B}"/>
                     </a:ext>
                   </a:extLst>
                 </p:cNvPr>
@@ -13861,10 +14876,10 @@
             </p:pic>
             <p:pic>
               <p:nvPicPr>
-                <p:cNvPr id="122" name="图片 121">
+                <p:cNvPr id="238" name="图片 237">
                   <a:extLst>
                     <a:ext uri="{FF2B5EF4-FFF2-40B4-BE49-F238E27FC236}">
-                      <a16:creationId xmlns:a16="http://schemas.microsoft.com/office/drawing/2014/main" id="{336AB377-7FB6-48AF-A3DE-23273EE8389F}"/>
+                      <a16:creationId xmlns:a16="http://schemas.microsoft.com/office/drawing/2014/main" id="{C9688F9F-65F4-40AE-8A7E-6C4C7BC4E472}"/>
                     </a:ext>
                   </a:extLst>
                 </p:cNvPr>
@@ -13901,10 +14916,10 @@
             </p:pic>
             <p:pic>
               <p:nvPicPr>
-                <p:cNvPr id="123" name="图片 122">
+                <p:cNvPr id="239" name="图片 238">
                   <a:extLst>
                     <a:ext uri="{FF2B5EF4-FFF2-40B4-BE49-F238E27FC236}">
-                      <a16:creationId xmlns:a16="http://schemas.microsoft.com/office/drawing/2014/main" id="{98718E4E-2318-4CA5-A0DC-DDF388C04D8C}"/>
+                      <a16:creationId xmlns:a16="http://schemas.microsoft.com/office/drawing/2014/main" id="{9E881667-ECCA-4C07-83BD-B0464DC0A030}"/>
                     </a:ext>
                   </a:extLst>
                 </p:cNvPr>
@@ -13942,10 +14957,10 @@
           </p:grpSp>
           <p:pic>
             <p:nvPicPr>
-              <p:cNvPr id="126" name="图片 125">
+              <p:cNvPr id="223" name="图片 222">
                 <a:extLst>
                   <a:ext uri="{FF2B5EF4-FFF2-40B4-BE49-F238E27FC236}">
-                    <a16:creationId xmlns:a16="http://schemas.microsoft.com/office/drawing/2014/main" id="{1FCCC886-C2F9-4C7B-AF4C-72F8E9A5A589}"/>
+                    <a16:creationId xmlns:a16="http://schemas.microsoft.com/office/drawing/2014/main" id="{9601587F-05ED-4095-8A5E-4B46827CF5ED}"/>
                   </a:ext>
                 </a:extLst>
               </p:cNvPr>
@@ -13955,7 +14970,7 @@
               <p:nvPr/>
             </p:nvPicPr>
             <p:blipFill>
-              <a:blip r:embed="rId10" cstate="print">
+              <a:blip r:embed="rId5" cstate="print">
                 <a:extLst>
                   <a:ext uri="{28A0092B-C50C-407E-A947-70E740481C1C}">
                     <a14:useLocalDpi xmlns:a14="http://schemas.microsoft.com/office/drawing/2010/main" val="0"/>
@@ -13979,10 +14994,10 @@
           </p:pic>
           <p:pic>
             <p:nvPicPr>
-              <p:cNvPr id="127" name="图片 126">
+              <p:cNvPr id="224" name="图片 223">
                 <a:extLst>
                   <a:ext uri="{FF2B5EF4-FFF2-40B4-BE49-F238E27FC236}">
-                    <a16:creationId xmlns:a16="http://schemas.microsoft.com/office/drawing/2014/main" id="{8C5CF999-E8D7-43A9-BB37-AA859F001382}"/>
+                    <a16:creationId xmlns:a16="http://schemas.microsoft.com/office/drawing/2014/main" id="{58605433-CBA2-4BE7-A9E6-B59CE3FE5A4F}"/>
                   </a:ext>
                 </a:extLst>
               </p:cNvPr>
@@ -13992,7 +15007,7 @@
               <p:nvPr/>
             </p:nvPicPr>
             <p:blipFill>
-              <a:blip r:embed="rId10" cstate="print">
+              <a:blip r:embed="rId5" cstate="print">
                 <a:extLst>
                   <a:ext uri="{28A0092B-C50C-407E-A947-70E740481C1C}">
                     <a14:useLocalDpi xmlns:a14="http://schemas.microsoft.com/office/drawing/2010/main" val="0"/>
@@ -14016,10 +15031,10 @@
           </p:pic>
           <p:pic>
             <p:nvPicPr>
-              <p:cNvPr id="128" name="图片 127">
+              <p:cNvPr id="233" name="图片 232">
                 <a:extLst>
                   <a:ext uri="{FF2B5EF4-FFF2-40B4-BE49-F238E27FC236}">
-                    <a16:creationId xmlns:a16="http://schemas.microsoft.com/office/drawing/2014/main" id="{C9056822-CFC6-472D-BBFA-25C337CA5C55}"/>
+                    <a16:creationId xmlns:a16="http://schemas.microsoft.com/office/drawing/2014/main" id="{5B752241-3A91-46EC-AB01-1F389391B01B}"/>
                   </a:ext>
                 </a:extLst>
               </p:cNvPr>
@@ -14029,7 +15044,7 @@
               <p:nvPr/>
             </p:nvPicPr>
             <p:blipFill>
-              <a:blip r:embed="rId10" cstate="print">
+              <a:blip r:embed="rId5" cstate="print">
                 <a:extLst>
                   <a:ext uri="{28A0092B-C50C-407E-A947-70E740481C1C}">
                     <a14:useLocalDpi xmlns:a14="http://schemas.microsoft.com/office/drawing/2010/main" val="0"/>
@@ -14053,10 +15068,10 @@
           </p:pic>
           <p:pic>
             <p:nvPicPr>
-              <p:cNvPr id="129" name="图片 128">
+              <p:cNvPr id="234" name="图片 233">
                 <a:extLst>
                   <a:ext uri="{FF2B5EF4-FFF2-40B4-BE49-F238E27FC236}">
-                    <a16:creationId xmlns:a16="http://schemas.microsoft.com/office/drawing/2014/main" id="{5540CF0A-C34C-4DFA-B145-9B5B2CBC5904}"/>
+                    <a16:creationId xmlns:a16="http://schemas.microsoft.com/office/drawing/2014/main" id="{E7634BBA-EC0C-4DAA-BB67-7F571A4F5DE6}"/>
                   </a:ext>
                 </a:extLst>
               </p:cNvPr>
@@ -14066,7 +15081,7 @@
               <p:nvPr/>
             </p:nvPicPr>
             <p:blipFill>
-              <a:blip r:embed="rId10" cstate="print">
+              <a:blip r:embed="rId5" cstate="print">
                 <a:extLst>
                   <a:ext uri="{28A0092B-C50C-407E-A947-70E740481C1C}">
                     <a14:useLocalDpi xmlns:a14="http://schemas.microsoft.com/office/drawing/2010/main" val="0"/>
@@ -14090,10 +15105,10 @@
           </p:pic>
           <p:pic>
             <p:nvPicPr>
-              <p:cNvPr id="130" name="图片 129">
+              <p:cNvPr id="235" name="图片 234">
                 <a:extLst>
                   <a:ext uri="{FF2B5EF4-FFF2-40B4-BE49-F238E27FC236}">
-                    <a16:creationId xmlns:a16="http://schemas.microsoft.com/office/drawing/2014/main" id="{CFB94579-4C48-478D-975C-B563B534C615}"/>
+                    <a16:creationId xmlns:a16="http://schemas.microsoft.com/office/drawing/2014/main" id="{E98E1FAF-668C-4E32-BC2F-5A94C1760389}"/>
                   </a:ext>
                 </a:extLst>
               </p:cNvPr>
@@ -14103,7 +15118,7 @@
               <p:nvPr/>
             </p:nvPicPr>
             <p:blipFill>
-              <a:blip r:embed="rId10" cstate="print">
+              <a:blip r:embed="rId5" cstate="print">
                 <a:extLst>
                   <a:ext uri="{28A0092B-C50C-407E-A947-70E740481C1C}">
                     <a14:useLocalDpi xmlns:a14="http://schemas.microsoft.com/office/drawing/2010/main" val="0"/>
@@ -14129,10 +15144,10 @@
       </p:grpSp>
       <p:grpSp>
         <p:nvGrpSpPr>
-          <p:cNvPr id="12" name="组合 11">
+          <p:cNvPr id="240" name="组合 239">
             <a:extLst>
               <a:ext uri="{FF2B5EF4-FFF2-40B4-BE49-F238E27FC236}">
-                <a16:creationId xmlns:a16="http://schemas.microsoft.com/office/drawing/2014/main" id="{163BD930-A9BD-45E3-BB03-D1E8BF2D6978}"/>
+                <a16:creationId xmlns:a16="http://schemas.microsoft.com/office/drawing/2014/main" id="{AADCFA32-9DC5-4089-802F-45D22CA7623F}"/>
               </a:ext>
             </a:extLst>
           </p:cNvPr>
@@ -14141,18 +15156,18 @@
         </p:nvGrpSpPr>
         <p:grpSpPr>
           <a:xfrm>
-            <a:off x="3849854" y="1878126"/>
-            <a:ext cx="1395392" cy="526561"/>
-            <a:chOff x="2785429" y="1922139"/>
-            <a:chExt cx="1395392" cy="526561"/>
+            <a:off x="5352642" y="1456308"/>
+            <a:ext cx="910682" cy="689600"/>
+            <a:chOff x="2589364" y="2023382"/>
+            <a:chExt cx="910682" cy="689600"/>
           </a:xfrm>
         </p:grpSpPr>
         <p:pic>
           <p:nvPicPr>
-            <p:cNvPr id="10" name="图片 9">
+            <p:cNvPr id="241" name="图片 240">
               <a:extLst>
                 <a:ext uri="{FF2B5EF4-FFF2-40B4-BE49-F238E27FC236}">
-                  <a16:creationId xmlns:a16="http://schemas.microsoft.com/office/drawing/2014/main" id="{B961742F-5509-4E75-95D1-1F5830608E49}"/>
+                  <a16:creationId xmlns:a16="http://schemas.microsoft.com/office/drawing/2014/main" id="{96D7E9B9-AD5D-4E6F-9973-BABDFB751AD1}"/>
                 </a:ext>
               </a:extLst>
             </p:cNvPr>
@@ -14162,7 +15177,7 @@
             <p:nvPr/>
           </p:nvPicPr>
           <p:blipFill>
-            <a:blip r:embed="rId11">
+            <a:blip r:embed="rId6">
               <a:extLst>
                 <a:ext uri="{28A0092B-C50C-407E-A947-70E740481C1C}">
                   <a14:useLocalDpi xmlns:a14="http://schemas.microsoft.com/office/drawing/2010/main" val="0"/>
@@ -14175,8 +15190,8 @@
           </p:blipFill>
           <p:spPr>
             <a:xfrm>
-              <a:off x="2785429" y="1922139"/>
-              <a:ext cx="526561" cy="526561"/>
+              <a:off x="2832046" y="2023382"/>
+              <a:ext cx="425318" cy="425318"/>
             </a:xfrm>
             <a:prstGeom prst="rect">
               <a:avLst/>
@@ -14188,10 +15203,10 @@
         </p:pic>
         <p:sp>
           <p:nvSpPr>
-            <p:cNvPr id="73" name="矩形 72">
+            <p:cNvPr id="242" name="矩形 241">
               <a:extLst>
                 <a:ext uri="{FF2B5EF4-FFF2-40B4-BE49-F238E27FC236}">
-                  <a16:creationId xmlns:a16="http://schemas.microsoft.com/office/drawing/2014/main" id="{EEE8FC07-3146-4A66-AC9D-3E8A7036BEDE}"/>
+                  <a16:creationId xmlns:a16="http://schemas.microsoft.com/office/drawing/2014/main" id="{5415EC34-BA69-4C1B-A138-52C2249EA649}"/>
                 </a:ext>
               </a:extLst>
             </p:cNvPr>
@@ -14200,7 +15215,7 @@
           </p:nvSpPr>
           <p:spPr>
             <a:xfrm>
-              <a:off x="3270139" y="2053098"/>
+              <a:off x="2589364" y="2470027"/>
               <a:ext cx="910682" cy="242955"/>
             </a:xfrm>
             <a:prstGeom prst="rect">
@@ -14249,10 +15264,10 @@
       </p:grpSp>
       <p:cxnSp>
         <p:nvCxnSpPr>
-          <p:cNvPr id="138" name="直接箭头连接符 137">
+          <p:cNvPr id="243" name="直接箭头连接符 137">
             <a:extLst>
               <a:ext uri="{FF2B5EF4-FFF2-40B4-BE49-F238E27FC236}">
-                <a16:creationId xmlns:a16="http://schemas.microsoft.com/office/drawing/2014/main" id="{871CE4A9-51E1-4A85-845A-73E336A304A0}"/>
+                <a16:creationId xmlns:a16="http://schemas.microsoft.com/office/drawing/2014/main" id="{25251829-DAAC-4EED-AD10-BEF5552F8808}"/>
               </a:ext>
             </a:extLst>
           </p:cNvPr>
@@ -14262,9 +15277,9 @@
           <p:nvPr/>
         </p:nvCxnSpPr>
         <p:spPr>
-          <a:xfrm flipH="1">
-            <a:off x="1903445" y="1406663"/>
-            <a:ext cx="1243356" cy="0"/>
+          <a:xfrm>
+            <a:off x="8782484" y="1558360"/>
+            <a:ext cx="1161584" cy="0"/>
           </a:xfrm>
           <a:prstGeom prst="straightConnector1">
             <a:avLst/>
@@ -14273,7 +15288,7 @@
             <a:solidFill>
               <a:schemeClr val="accent6"/>
             </a:solidFill>
-            <a:prstDash val="lgDashDot"/>
+            <a:prstDash val="dash"/>
             <a:headEnd type="none" w="med" len="med"/>
             <a:tailEnd type="triangle"/>
           </a:ln>
@@ -14295,10 +15310,10 @@
       </p:cxnSp>
       <p:cxnSp>
         <p:nvCxnSpPr>
-          <p:cNvPr id="139" name="直接箭头连接符 138">
+          <p:cNvPr id="244" name="直接箭头连接符 138">
             <a:extLst>
               <a:ext uri="{FF2B5EF4-FFF2-40B4-BE49-F238E27FC236}">
-                <a16:creationId xmlns:a16="http://schemas.microsoft.com/office/drawing/2014/main" id="{00C2F0F8-FF7F-47C7-AC8B-C13C3DF48136}"/>
+                <a16:creationId xmlns:a16="http://schemas.microsoft.com/office/drawing/2014/main" id="{766120E9-F20C-43F1-8972-4ACFBB803DC9}"/>
               </a:ext>
             </a:extLst>
           </p:cNvPr>
@@ -14308,9 +15323,9 @@
           <p:nvPr/>
         </p:nvCxnSpPr>
         <p:spPr>
-          <a:xfrm>
-            <a:off x="1948395" y="1221587"/>
-            <a:ext cx="1198406" cy="1"/>
+          <a:xfrm flipH="1">
+            <a:off x="8774095" y="1765264"/>
+            <a:ext cx="1161584" cy="0"/>
           </a:xfrm>
           <a:prstGeom prst="straightConnector1">
             <a:avLst/>
@@ -14319,7 +15334,7 @@
             <a:solidFill>
               <a:schemeClr val="accent6"/>
             </a:solidFill>
-            <a:prstDash val="lgDashDot"/>
+            <a:prstDash val="dash"/>
             <a:headEnd type="none" w="med" len="med"/>
             <a:tailEnd type="triangle"/>
           </a:ln>
@@ -14341,10 +15356,10 @@
       </p:cxnSp>
       <p:grpSp>
         <p:nvGrpSpPr>
-          <p:cNvPr id="89" name="组合 88">
+          <p:cNvPr id="245" name="组合 244">
             <a:extLst>
               <a:ext uri="{FF2B5EF4-FFF2-40B4-BE49-F238E27FC236}">
-                <a16:creationId xmlns:a16="http://schemas.microsoft.com/office/drawing/2014/main" id="{BA93D5E3-E8AB-4814-ACE7-908684D79DF6}"/>
+                <a16:creationId xmlns:a16="http://schemas.microsoft.com/office/drawing/2014/main" id="{4D82D008-5C27-4B40-BC60-AB5F6CD7651D}"/>
               </a:ext>
             </a:extLst>
           </p:cNvPr>
@@ -14353,18 +15368,18 @@
         </p:nvGrpSpPr>
         <p:grpSpPr>
           <a:xfrm>
-            <a:off x="7644288" y="1916426"/>
-            <a:ext cx="2317110" cy="590400"/>
-            <a:chOff x="7644288" y="1916426"/>
-            <a:chExt cx="2317110" cy="590400"/>
+            <a:off x="2304421" y="2373926"/>
+            <a:ext cx="1986297" cy="590400"/>
+            <a:chOff x="8975334" y="1916426"/>
+            <a:chExt cx="1986297" cy="590400"/>
           </a:xfrm>
         </p:grpSpPr>
         <p:sp>
           <p:nvSpPr>
-            <p:cNvPr id="218" name="矩形 217">
+            <p:cNvPr id="246" name="矩形 245">
               <a:extLst>
                 <a:ext uri="{FF2B5EF4-FFF2-40B4-BE49-F238E27FC236}">
-                  <a16:creationId xmlns:a16="http://schemas.microsoft.com/office/drawing/2014/main" id="{673A29C4-10CC-481F-AEC6-1CDE88CCDDAE}"/>
+                  <a16:creationId xmlns:a16="http://schemas.microsoft.com/office/drawing/2014/main" id="{8A0B81D4-CD1D-48C6-8DA4-C1DC1C7ABE3B}"/>
                 </a:ext>
               </a:extLst>
             </p:cNvPr>
@@ -14373,8 +15388,8 @@
           </p:nvSpPr>
           <p:spPr>
             <a:xfrm>
-              <a:off x="7644288" y="2090148"/>
-              <a:ext cx="1346666" cy="242955"/>
+              <a:off x="9614965" y="1998971"/>
+              <a:ext cx="1346666" cy="413920"/>
             </a:xfrm>
             <a:prstGeom prst="rect">
               <a:avLst/>
@@ -14414,17 +15429,33 @@
                     <a:schemeClr val="tx1"/>
                   </a:solidFill>
                 </a:rPr>
-                <a:t>正版应用数据</a:t>
+                <a:t>正版应用</a:t>
+              </a:r>
+              <a:endParaRPr lang="en-US" altLang="zh-CN" sz="1400" dirty="0">
+                <a:solidFill>
+                  <a:schemeClr val="tx1"/>
+                </a:solidFill>
+              </a:endParaRPr>
+            </a:p>
+            <a:p>
+              <a:pPr algn="ctr"/>
+              <a:r>
+                <a:rPr lang="zh-CN" altLang="en-US" sz="1400" dirty="0">
+                  <a:solidFill>
+                    <a:schemeClr val="tx1"/>
+                  </a:solidFill>
+                </a:rPr>
+                <a:t>数据</a:t>
               </a:r>
             </a:p>
           </p:txBody>
         </p:sp>
         <p:grpSp>
           <p:nvGrpSpPr>
-            <p:cNvPr id="88" name="组合 87">
+            <p:cNvPr id="247" name="组合 246">
               <a:extLst>
                 <a:ext uri="{FF2B5EF4-FFF2-40B4-BE49-F238E27FC236}">
-                  <a16:creationId xmlns:a16="http://schemas.microsoft.com/office/drawing/2014/main" id="{87DF2276-B2A4-4E41-8E70-E8FC62F514FD}"/>
+                  <a16:creationId xmlns:a16="http://schemas.microsoft.com/office/drawing/2014/main" id="{39C18B90-BC6E-4961-9EE0-399BEDB190AE}"/>
                 </a:ext>
               </a:extLst>
             </p:cNvPr>
@@ -14441,10 +15472,10 @@
           </p:grpSpPr>
           <p:pic>
             <p:nvPicPr>
-              <p:cNvPr id="133" name="图片 132">
+              <p:cNvPr id="248" name="图片 247">
                 <a:extLst>
                   <a:ext uri="{FF2B5EF4-FFF2-40B4-BE49-F238E27FC236}">
-                    <a16:creationId xmlns:a16="http://schemas.microsoft.com/office/drawing/2014/main" id="{3C4EE167-41AD-47F5-8257-77D8F8FCD4E1}"/>
+                    <a16:creationId xmlns:a16="http://schemas.microsoft.com/office/drawing/2014/main" id="{EE8B66A6-702C-4CB1-8D82-F70C467E77FB}"/>
                   </a:ext>
                 </a:extLst>
               </p:cNvPr>
@@ -14454,7 +15485,7 @@
               <p:nvPr/>
             </p:nvPicPr>
             <p:blipFill>
-              <a:blip r:embed="rId10" cstate="print">
+              <a:blip r:embed="rId5" cstate="print">
                 <a:extLst>
                   <a:ext uri="{28A0092B-C50C-407E-A947-70E740481C1C}">
                     <a14:useLocalDpi xmlns:a14="http://schemas.microsoft.com/office/drawing/2010/main" val="0"/>
@@ -14480,10 +15511,10 @@
           </p:pic>
           <p:pic>
             <p:nvPicPr>
-              <p:cNvPr id="134" name="图片 133">
+              <p:cNvPr id="249" name="图片 248">
                 <a:extLst>
                   <a:ext uri="{FF2B5EF4-FFF2-40B4-BE49-F238E27FC236}">
-                    <a16:creationId xmlns:a16="http://schemas.microsoft.com/office/drawing/2014/main" id="{A48B9A42-46AE-42C7-9C7F-C14C3DFB9B9A}"/>
+                    <a16:creationId xmlns:a16="http://schemas.microsoft.com/office/drawing/2014/main" id="{6ABBF024-658B-41BD-8267-E00D6DD72F51}"/>
                   </a:ext>
                 </a:extLst>
               </p:cNvPr>
@@ -14493,7 +15524,7 @@
               <p:nvPr/>
             </p:nvPicPr>
             <p:blipFill>
-              <a:blip r:embed="rId10" cstate="print">
+              <a:blip r:embed="rId5" cstate="print">
                 <a:extLst>
                   <a:ext uri="{28A0092B-C50C-407E-A947-70E740481C1C}">
                     <a14:useLocalDpi xmlns:a14="http://schemas.microsoft.com/office/drawing/2010/main" val="0"/>
@@ -14519,10 +15550,10 @@
           </p:pic>
           <p:pic>
             <p:nvPicPr>
-              <p:cNvPr id="135" name="图片 134">
+              <p:cNvPr id="250" name="图片 249">
                 <a:extLst>
                   <a:ext uri="{FF2B5EF4-FFF2-40B4-BE49-F238E27FC236}">
-                    <a16:creationId xmlns:a16="http://schemas.microsoft.com/office/drawing/2014/main" id="{33BDC142-C217-4AEA-B0B6-7A25FBC29A9D}"/>
+                    <a16:creationId xmlns:a16="http://schemas.microsoft.com/office/drawing/2014/main" id="{4F393E4E-E8ED-4FC6-A73C-F96A511A6A81}"/>
                   </a:ext>
                 </a:extLst>
               </p:cNvPr>
@@ -14532,7 +15563,7 @@
               <p:nvPr/>
             </p:nvPicPr>
             <p:blipFill>
-              <a:blip r:embed="rId10" cstate="print">
+              <a:blip r:embed="rId5" cstate="print">
                 <a:extLst>
                   <a:ext uri="{28A0092B-C50C-407E-A947-70E740481C1C}">
                     <a14:useLocalDpi xmlns:a14="http://schemas.microsoft.com/office/drawing/2010/main" val="0"/>
@@ -14558,10 +15589,10 @@
           </p:pic>
           <p:pic>
             <p:nvPicPr>
-              <p:cNvPr id="136" name="图片 135">
+              <p:cNvPr id="251" name="图片 250">
                 <a:extLst>
                   <a:ext uri="{FF2B5EF4-FFF2-40B4-BE49-F238E27FC236}">
-                    <a16:creationId xmlns:a16="http://schemas.microsoft.com/office/drawing/2014/main" id="{ED346168-F232-4B8F-8507-0497F9759A43}"/>
+                    <a16:creationId xmlns:a16="http://schemas.microsoft.com/office/drawing/2014/main" id="{BBCA83A7-1740-463A-AE5F-5ADDEDA31E29}"/>
                   </a:ext>
                 </a:extLst>
               </p:cNvPr>
@@ -14571,7 +15602,7 @@
               <p:nvPr/>
             </p:nvPicPr>
             <p:blipFill>
-              <a:blip r:embed="rId10" cstate="print">
+              <a:blip r:embed="rId5" cstate="print">
                 <a:extLst>
                   <a:ext uri="{28A0092B-C50C-407E-A947-70E740481C1C}">
                     <a14:useLocalDpi xmlns:a14="http://schemas.microsoft.com/office/drawing/2010/main" val="0"/>
@@ -14597,10 +15628,10 @@
           </p:pic>
           <p:pic>
             <p:nvPicPr>
-              <p:cNvPr id="137" name="图片 136">
+              <p:cNvPr id="252" name="图片 251">
                 <a:extLst>
                   <a:ext uri="{FF2B5EF4-FFF2-40B4-BE49-F238E27FC236}">
-                    <a16:creationId xmlns:a16="http://schemas.microsoft.com/office/drawing/2014/main" id="{E951B1A4-1319-4C8B-944C-9E0298A837E7}"/>
+                    <a16:creationId xmlns:a16="http://schemas.microsoft.com/office/drawing/2014/main" id="{1D58E062-DB32-43D4-8D1B-081C1CCC42A9}"/>
                   </a:ext>
                 </a:extLst>
               </p:cNvPr>
@@ -14610,7 +15641,7 @@
               <p:nvPr/>
             </p:nvPicPr>
             <p:blipFill>
-              <a:blip r:embed="rId10" cstate="print">
+              <a:blip r:embed="rId5" cstate="print">
                 <a:extLst>
                   <a:ext uri="{28A0092B-C50C-407E-A947-70E740481C1C}">
                     <a14:useLocalDpi xmlns:a14="http://schemas.microsoft.com/office/drawing/2010/main" val="0"/>
@@ -14636,10 +15667,10 @@
           </p:pic>
           <p:pic>
             <p:nvPicPr>
-              <p:cNvPr id="145" name="图片 144">
+              <p:cNvPr id="253" name="图片 252">
                 <a:extLst>
                   <a:ext uri="{FF2B5EF4-FFF2-40B4-BE49-F238E27FC236}">
-                    <a16:creationId xmlns:a16="http://schemas.microsoft.com/office/drawing/2014/main" id="{14936CE9-83AD-46BC-B74B-9AA99F15C5EA}"/>
+                    <a16:creationId xmlns:a16="http://schemas.microsoft.com/office/drawing/2014/main" id="{585246F6-5FD0-430D-8C3D-A312F1DD3108}"/>
                   </a:ext>
                 </a:extLst>
               </p:cNvPr>
@@ -14649,7 +15680,7 @@
               <p:nvPr/>
             </p:nvPicPr>
             <p:blipFill>
-              <a:blip r:embed="rId10" cstate="print">
+              <a:blip r:embed="rId5" cstate="print">
                 <a:extLst>
                   <a:ext uri="{28A0092B-C50C-407E-A947-70E740481C1C}">
                     <a14:useLocalDpi xmlns:a14="http://schemas.microsoft.com/office/drawing/2010/main" val="0"/>
@@ -14677,10 +15708,10 @@
       </p:grpSp>
       <p:grpSp>
         <p:nvGrpSpPr>
-          <p:cNvPr id="104" name="组合 103">
+          <p:cNvPr id="272" name="组合 271">
             <a:extLst>
               <a:ext uri="{FF2B5EF4-FFF2-40B4-BE49-F238E27FC236}">
-                <a16:creationId xmlns:a16="http://schemas.microsoft.com/office/drawing/2014/main" id="{61EC9F24-86DF-4446-806C-C8F0498C4608}"/>
+                <a16:creationId xmlns:a16="http://schemas.microsoft.com/office/drawing/2014/main" id="{F094A865-F322-4281-A615-DF05A0FCE301}"/>
               </a:ext>
             </a:extLst>
           </p:cNvPr>
@@ -14688,19 +15719,19 @@
           <p:nvPr/>
         </p:nvGrpSpPr>
         <p:grpSpPr>
-          <a:xfrm>
-            <a:off x="375723" y="2617206"/>
-            <a:ext cx="3405415" cy="1482414"/>
-            <a:chOff x="97147" y="2570990"/>
-            <a:chExt cx="3097352" cy="1552231"/>
+          <a:xfrm rot="5400000">
+            <a:off x="9554673" y="1551237"/>
+            <a:ext cx="2257837" cy="1327796"/>
+            <a:chOff x="8652877" y="1141623"/>
+            <a:chExt cx="2354836" cy="1384842"/>
           </a:xfrm>
         </p:grpSpPr>
         <p:sp>
           <p:nvSpPr>
-            <p:cNvPr id="96" name="矩形 95">
+            <p:cNvPr id="255" name="矩形 254">
               <a:extLst>
                 <a:ext uri="{FF2B5EF4-FFF2-40B4-BE49-F238E27FC236}">
-                  <a16:creationId xmlns:a16="http://schemas.microsoft.com/office/drawing/2014/main" id="{9DABE4BD-B368-472F-871B-6C3DEE6FBC65}"/>
+                  <a16:creationId xmlns:a16="http://schemas.microsoft.com/office/drawing/2014/main" id="{2FF36763-E03D-4DFA-B609-5604CFE1155C}"/>
                 </a:ext>
               </a:extLst>
             </p:cNvPr>
@@ -14708,18 +15739,19 @@
             <p:nvPr/>
           </p:nvSpPr>
           <p:spPr>
-            <a:xfrm>
-              <a:off x="97147" y="2570990"/>
-              <a:ext cx="3097352" cy="1552231"/>
+            <a:xfrm rot="16200000">
+              <a:off x="8081934" y="1712566"/>
+              <a:ext cx="1384842" cy="242955"/>
             </a:xfrm>
             <a:prstGeom prst="rect">
               <a:avLst/>
             </a:prstGeom>
-            <a:noFill/>
-            <a:ln w="9525">
-              <a:solidFill>
-                <a:schemeClr val="tx1"/>
-              </a:solidFill>
+            <a:solidFill>
+              <a:schemeClr val="bg1"/>
+            </a:solidFill>
+            <a:ln w="57150">
+              <a:noFill/>
+              <a:prstDash val="lgDash"/>
             </a:ln>
           </p:spPr>
           <p:style>
@@ -14743,16 +15775,23 @@
             <a:lstStyle/>
             <a:p>
               <a:pPr algn="ctr"/>
-              <a:endParaRPr lang="zh-CN" altLang="en-US"/>
+              <a:r>
+                <a:rPr lang="zh-CN" altLang="en-US" sz="1400" dirty="0">
+                  <a:solidFill>
+                    <a:schemeClr val="tx1"/>
+                  </a:solidFill>
+                </a:rPr>
+                <a:t>应用来源</a:t>
+              </a:r>
             </a:p>
           </p:txBody>
         </p:sp>
         <p:grpSp>
           <p:nvGrpSpPr>
-            <p:cNvPr id="102" name="组合 101">
+            <p:cNvPr id="256" name="组合 255">
               <a:extLst>
                 <a:ext uri="{FF2B5EF4-FFF2-40B4-BE49-F238E27FC236}">
-                  <a16:creationId xmlns:a16="http://schemas.microsoft.com/office/drawing/2014/main" id="{B8EBB42A-8DF7-4C22-9814-797125FFBF06}"/>
+                  <a16:creationId xmlns:a16="http://schemas.microsoft.com/office/drawing/2014/main" id="{F954619E-18B2-41C0-99FC-6FF4FFCDBD53}"/>
                 </a:ext>
               </a:extLst>
             </p:cNvPr>
@@ -14761,590 +15800,529 @@
           </p:nvGrpSpPr>
           <p:grpSpPr>
             <a:xfrm>
-              <a:off x="237985" y="2681417"/>
-              <a:ext cx="2610209" cy="1331377"/>
-              <a:chOff x="237985" y="2701408"/>
-              <a:chExt cx="2610209" cy="1331377"/>
+              <a:off x="9007304" y="1265975"/>
+              <a:ext cx="2000409" cy="1067124"/>
+              <a:chOff x="4381049" y="766229"/>
+              <a:chExt cx="1258147" cy="671162"/>
             </a:xfrm>
           </p:grpSpPr>
-          <p:grpSp>
-            <p:nvGrpSpPr>
-              <p:cNvPr id="92" name="组合 91">
+          <p:pic>
+            <p:nvPicPr>
+              <p:cNvPr id="257" name="图片 256">
                 <a:extLst>
                   <a:ext uri="{FF2B5EF4-FFF2-40B4-BE49-F238E27FC236}">
-                    <a16:creationId xmlns:a16="http://schemas.microsoft.com/office/drawing/2014/main" id="{C0719900-FE68-4537-898A-C3787FE4A692}"/>
+                    <a16:creationId xmlns:a16="http://schemas.microsoft.com/office/drawing/2014/main" id="{7F648CE7-EEA1-4A60-ABDF-2060466F9E66}"/>
                   </a:ext>
                 </a:extLst>
               </p:cNvPr>
-              <p:cNvGrpSpPr/>
+              <p:cNvPicPr>
+                <a:picLocks noChangeAspect="1"/>
+              </p:cNvPicPr>
               <p:nvPr/>
-            </p:nvGrpSpPr>
-            <p:grpSpPr>
-              <a:xfrm>
-                <a:off x="237985" y="2701408"/>
-                <a:ext cx="2610209" cy="298035"/>
-                <a:chOff x="94419" y="2679561"/>
-                <a:chExt cx="2610209" cy="298035"/>
+            </p:nvPicPr>
+            <p:blipFill>
+              <a:blip r:embed="rId7" cstate="print">
+                <a:extLst>
+                  <a:ext uri="{28A0092B-C50C-407E-A947-70E740481C1C}">
+                    <a14:useLocalDpi xmlns:a14="http://schemas.microsoft.com/office/drawing/2010/main" val="0"/>
+                  </a:ext>
+                </a:extLst>
+              </a:blip>
+              <a:stretch>
+                <a:fillRect/>
+              </a:stretch>
+            </p:blipFill>
+            <p:spPr>
+              <a:xfrm rot="16200000">
+                <a:off x="4813882" y="782183"/>
+                <a:ext cx="294254" cy="294253"/>
               </a:xfrm>
-            </p:grpSpPr>
-            <p:sp>
-              <p:nvSpPr>
-                <p:cNvPr id="150" name="矩形 149">
-                  <a:extLst>
-                    <a:ext uri="{FF2B5EF4-FFF2-40B4-BE49-F238E27FC236}">
-                      <a16:creationId xmlns:a16="http://schemas.microsoft.com/office/drawing/2014/main" id="{5A6C66F8-B458-4B3B-97D6-76E37B5CD2D2}"/>
-                    </a:ext>
-                  </a:extLst>
-                </p:cNvPr>
-                <p:cNvSpPr/>
-                <p:nvPr/>
-              </p:nvSpPr>
-              <p:spPr>
-                <a:xfrm>
-                  <a:off x="94419" y="2679561"/>
-                  <a:ext cx="1980000" cy="298035"/>
-                </a:xfrm>
-                <a:prstGeom prst="rect">
-                  <a:avLst/>
-                </a:prstGeom>
-                <a:solidFill>
-                  <a:schemeClr val="bg1"/>
-                </a:solidFill>
-                <a:ln w="28575">
-                  <a:noFill/>
-                  <a:prstDash val="solid"/>
-                </a:ln>
-              </p:spPr>
-              <p:style>
-                <a:lnRef idx="2">
-                  <a:schemeClr val="accent1">
-                    <a:shade val="50000"/>
-                  </a:schemeClr>
-                </a:lnRef>
-                <a:fillRef idx="1">
-                  <a:schemeClr val="accent1"/>
-                </a:fillRef>
-                <a:effectRef idx="0">
-                  <a:schemeClr val="accent1"/>
-                </a:effectRef>
-                <a:fontRef idx="minor">
-                  <a:schemeClr val="lt1"/>
-                </a:fontRef>
-              </p:style>
-              <p:txBody>
-                <a:bodyPr rtlCol="0" anchor="ctr"/>
-                <a:lstStyle/>
-                <a:p>
-                  <a:pPr algn="ctr"/>
-                  <a:r>
-                    <a:rPr lang="zh-CN" altLang="en-US" sz="1400" dirty="0">
-                      <a:solidFill>
-                        <a:schemeClr val="accent6"/>
-                      </a:solidFill>
-                    </a:rPr>
-                    <a:t>应用收集器相关数据流</a:t>
-                  </a:r>
-                </a:p>
-              </p:txBody>
-            </p:sp>
-            <p:cxnSp>
-              <p:nvCxnSpPr>
-                <p:cNvPr id="159" name="直接箭头连接符 158">
-                  <a:extLst>
-                    <a:ext uri="{FF2B5EF4-FFF2-40B4-BE49-F238E27FC236}">
-                      <a16:creationId xmlns:a16="http://schemas.microsoft.com/office/drawing/2014/main" id="{5AC9D880-BF35-46A3-BDE5-98480ADDCC8C}"/>
-                    </a:ext>
-                  </a:extLst>
-                </p:cNvPr>
-                <p:cNvCxnSpPr>
-                  <a:cxnSpLocks/>
-                </p:cNvCxnSpPr>
-                <p:nvPr/>
-              </p:nvCxnSpPr>
-              <p:spPr>
-                <a:xfrm flipV="1">
-                  <a:off x="1989217" y="2827669"/>
-                  <a:ext cx="715411" cy="909"/>
-                </a:xfrm>
-                <a:prstGeom prst="straightConnector1">
-                  <a:avLst/>
-                </a:prstGeom>
-                <a:ln w="28575">
-                  <a:solidFill>
-                    <a:schemeClr val="accent6"/>
-                  </a:solidFill>
-                  <a:prstDash val="lgDashDot"/>
-                  <a:headEnd type="none" w="med" len="med"/>
-                  <a:tailEnd type="triangle"/>
-                </a:ln>
-              </p:spPr>
-              <p:style>
-                <a:lnRef idx="3">
-                  <a:schemeClr val="dk1"/>
-                </a:lnRef>
-                <a:fillRef idx="0">
-                  <a:schemeClr val="dk1"/>
-                </a:fillRef>
-                <a:effectRef idx="2">
-                  <a:schemeClr val="dk1"/>
-                </a:effectRef>
-                <a:fontRef idx="minor">
-                  <a:schemeClr val="tx1"/>
-                </a:fontRef>
-              </p:style>
-            </p:cxnSp>
-          </p:grpSp>
-          <p:grpSp>
-            <p:nvGrpSpPr>
-              <p:cNvPr id="93" name="组合 92">
+              <a:prstGeom prst="rect">
+                <a:avLst/>
+              </a:prstGeom>
+              <a:ln>
+                <a:noFill/>
+              </a:ln>
+            </p:spPr>
+          </p:pic>
+          <p:pic>
+            <p:nvPicPr>
+              <p:cNvPr id="258" name="图片 257">
                 <a:extLst>
                   <a:ext uri="{FF2B5EF4-FFF2-40B4-BE49-F238E27FC236}">
-                    <a16:creationId xmlns:a16="http://schemas.microsoft.com/office/drawing/2014/main" id="{BADA2121-3245-47A8-B63B-DEB0E8A90CFF}"/>
+                    <a16:creationId xmlns:a16="http://schemas.microsoft.com/office/drawing/2014/main" id="{4274A4E9-D4DA-406A-8D91-30A413CE10FF}"/>
                   </a:ext>
                 </a:extLst>
               </p:cNvPr>
-              <p:cNvGrpSpPr/>
+              <p:cNvPicPr>
+                <a:picLocks noChangeAspect="1"/>
+              </p:cNvPicPr>
               <p:nvPr/>
-            </p:nvGrpSpPr>
-            <p:grpSpPr>
-              <a:xfrm>
-                <a:off x="237985" y="3045855"/>
-                <a:ext cx="2610209" cy="298035"/>
-                <a:chOff x="94419" y="3038572"/>
-                <a:chExt cx="2610209" cy="298035"/>
+            </p:nvPicPr>
+            <p:blipFill>
+              <a:blip r:embed="rId8" cstate="print">
+                <a:extLst>
+                  <a:ext uri="{28A0092B-C50C-407E-A947-70E740481C1C}">
+                    <a14:useLocalDpi xmlns:a14="http://schemas.microsoft.com/office/drawing/2010/main" val="0"/>
+                  </a:ext>
+                </a:extLst>
+              </a:blip>
+              <a:stretch>
+                <a:fillRect/>
+              </a:stretch>
+            </p:blipFill>
+            <p:spPr>
+              <a:xfrm rot="16200000">
+                <a:off x="4402944" y="1143137"/>
+                <a:ext cx="294254" cy="294253"/>
               </a:xfrm>
-            </p:grpSpPr>
-            <p:sp>
-              <p:nvSpPr>
-                <p:cNvPr id="151" name="矩形 150">
-                  <a:extLst>
-                    <a:ext uri="{FF2B5EF4-FFF2-40B4-BE49-F238E27FC236}">
-                      <a16:creationId xmlns:a16="http://schemas.microsoft.com/office/drawing/2014/main" id="{9A62F073-21E6-430D-92EF-C4052C98B40C}"/>
-                    </a:ext>
-                  </a:extLst>
-                </p:cNvPr>
-                <p:cNvSpPr/>
-                <p:nvPr/>
-              </p:nvSpPr>
-              <p:spPr>
-                <a:xfrm>
-                  <a:off x="94419" y="3038572"/>
-                  <a:ext cx="1980000" cy="298035"/>
-                </a:xfrm>
-                <a:prstGeom prst="rect">
-                  <a:avLst/>
-                </a:prstGeom>
-                <a:solidFill>
-                  <a:schemeClr val="bg1"/>
-                </a:solidFill>
-                <a:ln w="28575">
-                  <a:noFill/>
-                  <a:prstDash val="solid"/>
-                </a:ln>
-              </p:spPr>
-              <p:style>
-                <a:lnRef idx="2">
-                  <a:schemeClr val="accent1">
-                    <a:shade val="50000"/>
-                  </a:schemeClr>
-                </a:lnRef>
-                <a:fillRef idx="1">
-                  <a:schemeClr val="accent1"/>
-                </a:fillRef>
-                <a:effectRef idx="0">
-                  <a:schemeClr val="accent1"/>
-                </a:effectRef>
-                <a:fontRef idx="minor">
-                  <a:schemeClr val="lt1"/>
-                </a:fontRef>
-              </p:style>
-              <p:txBody>
-                <a:bodyPr rtlCol="0" anchor="ctr"/>
-                <a:lstStyle/>
-                <a:p>
-                  <a:pPr algn="ctr"/>
-                  <a:r>
-                    <a:rPr lang="zh-CN" altLang="en-US" sz="1400" dirty="0">
-                      <a:solidFill>
-                        <a:srgbClr val="EA8B00"/>
-                      </a:solidFill>
-                    </a:rPr>
-                    <a:t>应用过滤器相关数据流</a:t>
-                  </a:r>
-                </a:p>
-              </p:txBody>
-            </p:sp>
-            <p:cxnSp>
-              <p:nvCxnSpPr>
-                <p:cNvPr id="160" name="直接箭头连接符 159">
-                  <a:extLst>
-                    <a:ext uri="{FF2B5EF4-FFF2-40B4-BE49-F238E27FC236}">
-                      <a16:creationId xmlns:a16="http://schemas.microsoft.com/office/drawing/2014/main" id="{B2D34648-B06F-4642-B566-926AFE1877F0}"/>
-                    </a:ext>
-                  </a:extLst>
-                </p:cNvPr>
-                <p:cNvCxnSpPr>
-                  <a:cxnSpLocks/>
-                </p:cNvCxnSpPr>
-                <p:nvPr/>
-              </p:nvCxnSpPr>
-              <p:spPr>
-                <a:xfrm flipV="1">
-                  <a:off x="1989217" y="3204922"/>
-                  <a:ext cx="715411" cy="909"/>
-                </a:xfrm>
-                <a:prstGeom prst="straightConnector1">
-                  <a:avLst/>
-                </a:prstGeom>
-                <a:ln w="28575">
-                  <a:solidFill>
-                    <a:schemeClr val="accent2"/>
-                  </a:solidFill>
-                  <a:prstDash val="lgDashDot"/>
-                  <a:headEnd type="none" w="med" len="med"/>
-                  <a:tailEnd type="triangle"/>
-                </a:ln>
-              </p:spPr>
-              <p:style>
-                <a:lnRef idx="3">
-                  <a:schemeClr val="dk1"/>
-                </a:lnRef>
-                <a:fillRef idx="0">
-                  <a:schemeClr val="dk1"/>
-                </a:fillRef>
-                <a:effectRef idx="2">
-                  <a:schemeClr val="dk1"/>
-                </a:effectRef>
-                <a:fontRef idx="minor">
-                  <a:schemeClr val="tx1"/>
-                </a:fontRef>
-              </p:style>
-            </p:cxnSp>
-          </p:grpSp>
-          <p:grpSp>
-            <p:nvGrpSpPr>
-              <p:cNvPr id="94" name="组合 93">
+              <a:prstGeom prst="rect">
+                <a:avLst/>
+              </a:prstGeom>
+              <a:ln>
+                <a:noFill/>
+              </a:ln>
+            </p:spPr>
+          </p:pic>
+          <p:pic>
+            <p:nvPicPr>
+              <p:cNvPr id="259" name="图片 258">
                 <a:extLst>
                   <a:ext uri="{FF2B5EF4-FFF2-40B4-BE49-F238E27FC236}">
-                    <a16:creationId xmlns:a16="http://schemas.microsoft.com/office/drawing/2014/main" id="{3594608E-D82A-4678-BA91-E4B775F28A8A}"/>
+                    <a16:creationId xmlns:a16="http://schemas.microsoft.com/office/drawing/2014/main" id="{64DD947F-310D-4EA7-A113-D0FB40401FCD}"/>
                   </a:ext>
                 </a:extLst>
               </p:cNvPr>
-              <p:cNvGrpSpPr/>
+              <p:cNvPicPr>
+                <a:picLocks noChangeAspect="1"/>
+              </p:cNvPicPr>
               <p:nvPr/>
-            </p:nvGrpSpPr>
-            <p:grpSpPr>
-              <a:xfrm>
-                <a:off x="237985" y="3390302"/>
-                <a:ext cx="2610209" cy="298035"/>
-                <a:chOff x="94419" y="3397583"/>
-                <a:chExt cx="2610209" cy="298035"/>
+            </p:nvPicPr>
+            <p:blipFill>
+              <a:blip r:embed="rId9" cstate="print">
+                <a:extLst>
+                  <a:ext uri="{28A0092B-C50C-407E-A947-70E740481C1C}">
+                    <a14:useLocalDpi xmlns:a14="http://schemas.microsoft.com/office/drawing/2010/main" val="0"/>
+                  </a:ext>
+                </a:extLst>
+              </a:blip>
+              <a:stretch>
+                <a:fillRect/>
+              </a:stretch>
+            </p:blipFill>
+            <p:spPr>
+              <a:xfrm rot="16200000">
+                <a:off x="5229814" y="1142401"/>
+                <a:ext cx="295725" cy="294253"/>
               </a:xfrm>
-            </p:grpSpPr>
-            <p:sp>
-              <p:nvSpPr>
-                <p:cNvPr id="149" name="矩形 148">
-                  <a:extLst>
-                    <a:ext uri="{FF2B5EF4-FFF2-40B4-BE49-F238E27FC236}">
-                      <a16:creationId xmlns:a16="http://schemas.microsoft.com/office/drawing/2014/main" id="{51CA8F7A-863D-4AF6-AB75-6E4580405261}"/>
-                    </a:ext>
-                  </a:extLst>
-                </p:cNvPr>
-                <p:cNvSpPr/>
-                <p:nvPr/>
-              </p:nvSpPr>
-              <p:spPr>
-                <a:xfrm>
-                  <a:off x="94419" y="3397583"/>
-                  <a:ext cx="1980000" cy="298035"/>
-                </a:xfrm>
-                <a:prstGeom prst="rect">
-                  <a:avLst/>
-                </a:prstGeom>
-                <a:solidFill>
-                  <a:schemeClr val="bg1"/>
-                </a:solidFill>
-                <a:ln w="28575">
-                  <a:noFill/>
-                  <a:prstDash val="solid"/>
-                </a:ln>
-              </p:spPr>
-              <p:style>
-                <a:lnRef idx="2">
-                  <a:schemeClr val="accent1">
-                    <a:shade val="50000"/>
-                  </a:schemeClr>
-                </a:lnRef>
-                <a:fillRef idx="1">
-                  <a:schemeClr val="accent1"/>
-                </a:fillRef>
-                <a:effectRef idx="0">
-                  <a:schemeClr val="accent1"/>
-                </a:effectRef>
-                <a:fontRef idx="minor">
-                  <a:schemeClr val="lt1"/>
-                </a:fontRef>
-              </p:style>
-              <p:txBody>
-                <a:bodyPr rtlCol="0" anchor="ctr"/>
-                <a:lstStyle/>
-                <a:p>
-                  <a:pPr algn="ctr"/>
-                  <a:r>
-                    <a:rPr lang="zh-CN" altLang="en-US" sz="1400" dirty="0">
-                      <a:solidFill>
-                        <a:schemeClr val="accent5"/>
-                      </a:solidFill>
-                    </a:rPr>
-                    <a:t>迭代搜索器相关数据流</a:t>
-                  </a:r>
-                </a:p>
-              </p:txBody>
-            </p:sp>
-            <p:cxnSp>
-              <p:nvCxnSpPr>
-                <p:cNvPr id="161" name="直接箭头连接符 160">
-                  <a:extLst>
-                    <a:ext uri="{FF2B5EF4-FFF2-40B4-BE49-F238E27FC236}">
-                      <a16:creationId xmlns:a16="http://schemas.microsoft.com/office/drawing/2014/main" id="{CB1C2046-4E16-4597-AB4E-0B1F1801FB3B}"/>
-                    </a:ext>
-                  </a:extLst>
-                </p:cNvPr>
-                <p:cNvCxnSpPr>
-                  <a:cxnSpLocks/>
-                </p:cNvCxnSpPr>
-                <p:nvPr/>
-              </p:nvCxnSpPr>
-              <p:spPr>
-                <a:xfrm flipV="1">
-                  <a:off x="1989217" y="3565193"/>
-                  <a:ext cx="715411" cy="909"/>
-                </a:xfrm>
-                <a:prstGeom prst="straightConnector1">
-                  <a:avLst/>
-                </a:prstGeom>
-                <a:ln w="28575">
-                  <a:solidFill>
-                    <a:schemeClr val="accent5"/>
-                  </a:solidFill>
-                  <a:prstDash val="lgDashDot"/>
-                  <a:headEnd type="none" w="med" len="med"/>
-                  <a:tailEnd type="triangle"/>
-                </a:ln>
-              </p:spPr>
-              <p:style>
-                <a:lnRef idx="3">
-                  <a:schemeClr val="dk1"/>
-                </a:lnRef>
-                <a:fillRef idx="0">
-                  <a:schemeClr val="dk1"/>
-                </a:fillRef>
-                <a:effectRef idx="2">
-                  <a:schemeClr val="dk1"/>
-                </a:effectRef>
-                <a:fontRef idx="minor">
-                  <a:schemeClr val="tx1"/>
-                </a:fontRef>
-              </p:style>
-            </p:cxnSp>
-          </p:grpSp>
-          <p:grpSp>
-            <p:nvGrpSpPr>
-              <p:cNvPr id="101" name="组合 100">
+              <a:prstGeom prst="rect">
+                <a:avLst/>
+              </a:prstGeom>
+              <a:ln>
+                <a:noFill/>
+              </a:ln>
+            </p:spPr>
+          </p:pic>
+          <p:pic>
+            <p:nvPicPr>
+              <p:cNvPr id="260" name="图片 259">
                 <a:extLst>
                   <a:ext uri="{FF2B5EF4-FFF2-40B4-BE49-F238E27FC236}">
-                    <a16:creationId xmlns:a16="http://schemas.microsoft.com/office/drawing/2014/main" id="{D40947AC-023D-4639-BB4E-2CB7833562D9}"/>
+                    <a16:creationId xmlns:a16="http://schemas.microsoft.com/office/drawing/2014/main" id="{FB32EEF6-AEB1-4DA2-9BF8-CE9B73768289}"/>
                   </a:ext>
                 </a:extLst>
               </p:cNvPr>
-              <p:cNvGrpSpPr/>
+              <p:cNvPicPr>
+                <a:picLocks noChangeAspect="1"/>
+              </p:cNvPicPr>
               <p:nvPr/>
-            </p:nvGrpSpPr>
-            <p:grpSpPr>
-              <a:xfrm>
-                <a:off x="237985" y="3734750"/>
-                <a:ext cx="2610209" cy="298035"/>
-                <a:chOff x="237985" y="3734750"/>
-                <a:chExt cx="2610209" cy="298035"/>
+            </p:nvPicPr>
+            <p:blipFill>
+              <a:blip r:embed="rId10" cstate="print">
+                <a:extLst>
+                  <a:ext uri="{28A0092B-C50C-407E-A947-70E740481C1C}">
+                    <a14:useLocalDpi xmlns:a14="http://schemas.microsoft.com/office/drawing/2010/main" val="0"/>
+                  </a:ext>
+                </a:extLst>
+              </a:blip>
+              <a:stretch>
+                <a:fillRect/>
+              </a:stretch>
+            </p:blipFill>
+            <p:spPr>
+              <a:xfrm rot="16200000">
+                <a:off x="4817302" y="1143137"/>
+                <a:ext cx="294254" cy="294253"/>
               </a:xfrm>
-            </p:grpSpPr>
-            <p:sp>
-              <p:nvSpPr>
-                <p:cNvPr id="163" name="矩形 162">
-                  <a:extLst>
-                    <a:ext uri="{FF2B5EF4-FFF2-40B4-BE49-F238E27FC236}">
-                      <a16:creationId xmlns:a16="http://schemas.microsoft.com/office/drawing/2014/main" id="{4461C2AE-F242-4C39-8BC1-7F1C00E0E85B}"/>
-                    </a:ext>
-                  </a:extLst>
-                </p:cNvPr>
-                <p:cNvSpPr/>
-                <p:nvPr/>
-              </p:nvSpPr>
-              <p:spPr>
-                <a:xfrm>
-                  <a:off x="237985" y="3734750"/>
-                  <a:ext cx="1980000" cy="298035"/>
-                </a:xfrm>
-                <a:prstGeom prst="rect">
-                  <a:avLst/>
-                </a:prstGeom>
-                <a:solidFill>
-                  <a:schemeClr val="bg1"/>
-                </a:solidFill>
-                <a:ln w="28575">
-                  <a:noFill/>
-                  <a:prstDash val="solid"/>
-                </a:ln>
-              </p:spPr>
-              <p:style>
-                <a:lnRef idx="2">
-                  <a:schemeClr val="accent1">
-                    <a:shade val="50000"/>
-                  </a:schemeClr>
-                </a:lnRef>
-                <a:fillRef idx="1">
-                  <a:schemeClr val="accent1"/>
-                </a:fillRef>
-                <a:effectRef idx="0">
-                  <a:schemeClr val="accent1"/>
-                </a:effectRef>
-                <a:fontRef idx="minor">
-                  <a:schemeClr val="lt1"/>
-                </a:fontRef>
-              </p:style>
-              <p:txBody>
-                <a:bodyPr rtlCol="0" anchor="ctr"/>
-                <a:lstStyle/>
-                <a:p>
-                  <a:pPr algn="ctr"/>
-                  <a:r>
-                    <a:rPr lang="zh-CN" altLang="en-US" sz="1400">
-                      <a:solidFill>
-                        <a:srgbClr val="C00000"/>
-                      </a:solidFill>
-                    </a:rPr>
-                    <a:t>工具输入</a:t>
-                  </a:r>
-                  <a:r>
-                    <a:rPr lang="zh-CN" altLang="en-US" sz="1400" dirty="0">
-                      <a:solidFill>
-                        <a:srgbClr val="C00000"/>
-                      </a:solidFill>
-                    </a:rPr>
-                    <a:t>与输出</a:t>
-                  </a:r>
-                </a:p>
-              </p:txBody>
-            </p:sp>
-            <p:cxnSp>
-              <p:nvCxnSpPr>
-                <p:cNvPr id="164" name="直接箭头连接符 163">
-                  <a:extLst>
-                    <a:ext uri="{FF2B5EF4-FFF2-40B4-BE49-F238E27FC236}">
-                      <a16:creationId xmlns:a16="http://schemas.microsoft.com/office/drawing/2014/main" id="{CA2D38E9-CC9C-4B7D-A6CD-7B7FC3B7E592}"/>
-                    </a:ext>
-                  </a:extLst>
-                </p:cNvPr>
-                <p:cNvCxnSpPr>
-                  <a:cxnSpLocks/>
-                </p:cNvCxnSpPr>
-                <p:nvPr/>
-              </p:nvCxnSpPr>
-              <p:spPr>
-                <a:xfrm flipV="1">
-                  <a:off x="2132783" y="3902360"/>
-                  <a:ext cx="715411" cy="909"/>
-                </a:xfrm>
-                <a:prstGeom prst="straightConnector1">
-                  <a:avLst/>
-                </a:prstGeom>
-                <a:ln w="28575">
-                  <a:solidFill>
-                    <a:srgbClr val="B42200"/>
-                  </a:solidFill>
-                  <a:prstDash val="solid"/>
-                  <a:headEnd type="none" w="med" len="med"/>
-                  <a:tailEnd type="triangle"/>
-                </a:ln>
-              </p:spPr>
-              <p:style>
-                <a:lnRef idx="3">
-                  <a:schemeClr val="dk1"/>
-                </a:lnRef>
-                <a:fillRef idx="0">
-                  <a:schemeClr val="dk1"/>
-                </a:fillRef>
-                <a:effectRef idx="2">
-                  <a:schemeClr val="dk1"/>
-                </a:effectRef>
-                <a:fontRef idx="minor">
-                  <a:schemeClr val="tx1"/>
-                </a:fontRef>
-              </p:style>
-            </p:cxnSp>
-          </p:grpSp>
+              <a:prstGeom prst="rect">
+                <a:avLst/>
+              </a:prstGeom>
+              <a:ln>
+                <a:noFill/>
+              </a:ln>
+            </p:spPr>
+          </p:pic>
+          <p:pic>
+            <p:nvPicPr>
+              <p:cNvPr id="261" name="图片 260">
+                <a:extLst>
+                  <a:ext uri="{FF2B5EF4-FFF2-40B4-BE49-F238E27FC236}">
+                    <a16:creationId xmlns:a16="http://schemas.microsoft.com/office/drawing/2014/main" id="{3B1750DD-C421-4F79-8BAF-C8DD819C9BEE}"/>
+                  </a:ext>
+                </a:extLst>
+              </p:cNvPr>
+              <p:cNvPicPr>
+                <a:picLocks noChangeAspect="1"/>
+              </p:cNvPicPr>
+              <p:nvPr/>
+            </p:nvPicPr>
+            <p:blipFill rotWithShape="1">
+              <a:blip r:embed="rId11" cstate="print">
+                <a:extLst>
+                  <a:ext uri="{28A0092B-C50C-407E-A947-70E740481C1C}">
+                    <a14:useLocalDpi xmlns:a14="http://schemas.microsoft.com/office/drawing/2010/main" val="0"/>
+                  </a:ext>
+                </a:extLst>
+              </a:blip>
+              <a:srcRect l="24982" t="25055" r="21345" b="22582"/>
+              <a:stretch/>
+            </p:blipFill>
+            <p:spPr>
+              <a:xfrm rot="16200000">
+                <a:off x="4377188" y="770091"/>
+                <a:ext cx="316559" cy="308837"/>
+              </a:xfrm>
+              <a:prstGeom prst="rect">
+                <a:avLst/>
+              </a:prstGeom>
+              <a:ln>
+                <a:noFill/>
+              </a:ln>
+            </p:spPr>
+          </p:pic>
+          <p:sp>
+            <p:nvSpPr>
+              <p:cNvPr id="262" name="文本框 261">
+                <a:extLst>
+                  <a:ext uri="{FF2B5EF4-FFF2-40B4-BE49-F238E27FC236}">
+                    <a16:creationId xmlns:a16="http://schemas.microsoft.com/office/drawing/2014/main" id="{45639766-0179-4CA8-A360-C385C1D590E8}"/>
+                  </a:ext>
+                </a:extLst>
+              </p:cNvPr>
+              <p:cNvSpPr txBox="1"/>
+              <p:nvPr/>
+            </p:nvSpPr>
+            <p:spPr>
+              <a:xfrm rot="16200000">
+                <a:off x="5279195" y="709700"/>
+                <a:ext cx="303471" cy="416530"/>
+              </a:xfrm>
+              <a:prstGeom prst="rect">
+                <a:avLst/>
+              </a:prstGeom>
+              <a:noFill/>
+              <a:ln>
+                <a:noFill/>
+              </a:ln>
+            </p:spPr>
+            <p:txBody>
+              <a:bodyPr wrap="square" rtlCol="0">
+                <a:spAutoFit/>
+              </a:bodyPr>
+              <a:lstStyle/>
+              <a:p>
+                <a:pPr algn="ctr"/>
+                <a:r>
+                  <a:rPr lang="en-US" altLang="zh-CN" b="1" dirty="0">
+                    <a:latin typeface="Times New Roman" panose="02020603050405020304" pitchFamily="18" charset="0"/>
+                    <a:cs typeface="Times New Roman" panose="02020603050405020304" pitchFamily="18" charset="0"/>
+                  </a:rPr>
+                  <a:t>…</a:t>
+                </a:r>
+                <a:endParaRPr lang="zh-CN" altLang="en-US" b="1" dirty="0">
+                  <a:latin typeface="Times New Roman" panose="02020603050405020304" pitchFamily="18" charset="0"/>
+                  <a:cs typeface="Times New Roman" panose="02020603050405020304" pitchFamily="18" charset="0"/>
+                </a:endParaRPr>
+              </a:p>
+            </p:txBody>
+          </p:sp>
         </p:grpSp>
       </p:grpSp>
-      <p:sp>
-        <p:nvSpPr>
-          <p:cNvPr id="172" name="矩形 171">
+      <p:cxnSp>
+        <p:nvCxnSpPr>
+          <p:cNvPr id="263" name="直接箭头连接符 262">
             <a:extLst>
               <a:ext uri="{FF2B5EF4-FFF2-40B4-BE49-F238E27FC236}">
-                <a16:creationId xmlns:a16="http://schemas.microsoft.com/office/drawing/2014/main" id="{76E939BA-F017-4EB8-85F8-39BD6AF503D3}"/>
+                <a16:creationId xmlns:a16="http://schemas.microsoft.com/office/drawing/2014/main" id="{810A3D51-1FB5-4908-BC34-279446F25AA0}"/>
               </a:ext>
             </a:extLst>
           </p:cNvPr>
-          <p:cNvSpPr/>
+          <p:cNvCxnSpPr>
+            <a:cxnSpLocks/>
+          </p:cNvCxnSpPr>
           <p:nvPr/>
-        </p:nvSpPr>
+        </p:nvCxnSpPr>
         <p:spPr>
           <a:xfrm>
-            <a:off x="562515" y="1504401"/>
-            <a:ext cx="133734" cy="242955"/>
+            <a:off x="1284190" y="3551203"/>
+            <a:ext cx="577331" cy="0"/>
           </a:xfrm>
-          <a:prstGeom prst="rect">
+          <a:prstGeom prst="straightConnector1">
             <a:avLst/>
           </a:prstGeom>
-          <a:solidFill>
-            <a:schemeClr val="bg1"/>
-          </a:solidFill>
-          <a:ln w="57150">
-            <a:noFill/>
-            <a:prstDash val="lgDash"/>
+          <a:ln w="28575">
+            <a:solidFill>
+              <a:srgbClr val="B42200"/>
+            </a:solidFill>
+            <a:headEnd type="none" w="med" len="med"/>
+            <a:tailEnd type="triangle"/>
           </a:ln>
         </p:spPr>
         <p:style>
-          <a:lnRef idx="2">
-            <a:schemeClr val="accent1">
-              <a:shade val="50000"/>
-            </a:schemeClr>
+          <a:lnRef idx="3">
+            <a:schemeClr val="dk1"/>
           </a:lnRef>
-          <a:fillRef idx="1">
-            <a:schemeClr val="accent1"/>
+          <a:fillRef idx="0">
+            <a:schemeClr val="dk1"/>
           </a:fillRef>
-          <a:effectRef idx="0">
-            <a:schemeClr val="accent1"/>
+          <a:effectRef idx="2">
+            <a:schemeClr val="dk1"/>
           </a:effectRef>
           <a:fontRef idx="minor">
-            <a:schemeClr val="lt1"/>
+            <a:schemeClr val="tx1"/>
           </a:fontRef>
         </p:style>
-        <p:txBody>
-          <a:bodyPr rtlCol="0" anchor="ctr"/>
-          <a:lstStyle/>
-          <a:p>
-            <a:pPr algn="ctr"/>
-            <a:r>
-              <a:rPr lang="zh-CN" altLang="en-US" sz="1400" dirty="0">
+      </p:cxnSp>
+      <p:grpSp>
+        <p:nvGrpSpPr>
+          <p:cNvPr id="264" name="组合 263">
+            <a:extLst>
+              <a:ext uri="{FF2B5EF4-FFF2-40B4-BE49-F238E27FC236}">
+                <a16:creationId xmlns:a16="http://schemas.microsoft.com/office/drawing/2014/main" id="{090D22F9-D440-4ED4-88EE-9F38AE3C6320}"/>
+              </a:ext>
+            </a:extLst>
+          </p:cNvPr>
+          <p:cNvGrpSpPr/>
+          <p:nvPr/>
+        </p:nvGrpSpPr>
+        <p:grpSpPr>
+          <a:xfrm>
+            <a:off x="184804" y="3249256"/>
+            <a:ext cx="1348786" cy="721153"/>
+            <a:chOff x="2632681" y="385827"/>
+            <a:chExt cx="1348786" cy="721153"/>
+          </a:xfrm>
+        </p:grpSpPr>
+        <p:sp>
+          <p:nvSpPr>
+            <p:cNvPr id="265" name="矩形 264">
+              <a:extLst>
+                <a:ext uri="{FF2B5EF4-FFF2-40B4-BE49-F238E27FC236}">
+                  <a16:creationId xmlns:a16="http://schemas.microsoft.com/office/drawing/2014/main" id="{2FA44859-26DC-4E0A-B143-2307C5E6D5B7}"/>
+                </a:ext>
+              </a:extLst>
+            </p:cNvPr>
+            <p:cNvSpPr/>
+            <p:nvPr/>
+          </p:nvSpPr>
+          <p:spPr>
+            <a:xfrm>
+              <a:off x="2632681" y="864025"/>
+              <a:ext cx="1348786" cy="242955"/>
+            </a:xfrm>
+            <a:prstGeom prst="rect">
+              <a:avLst/>
+            </a:prstGeom>
+            <a:solidFill>
+              <a:schemeClr val="bg1"/>
+            </a:solidFill>
+            <a:ln w="57150">
+              <a:noFill/>
+              <a:prstDash val="lgDash"/>
+            </a:ln>
+          </p:spPr>
+          <p:style>
+            <a:lnRef idx="2">
+              <a:schemeClr val="accent1">
+                <a:shade val="50000"/>
+              </a:schemeClr>
+            </a:lnRef>
+            <a:fillRef idx="1">
+              <a:schemeClr val="accent1"/>
+            </a:fillRef>
+            <a:effectRef idx="0">
+              <a:schemeClr val="accent1"/>
+            </a:effectRef>
+            <a:fontRef idx="minor">
+              <a:schemeClr val="lt1"/>
+            </a:fontRef>
+          </p:style>
+          <p:txBody>
+            <a:bodyPr rtlCol="0" anchor="ctr"/>
+            <a:lstStyle/>
+            <a:p>
+              <a:pPr algn="ctr"/>
+              <a:r>
+                <a:rPr lang="zh-CN" altLang="en-US" sz="1400" dirty="0">
+                  <a:solidFill>
+                    <a:schemeClr val="tx1"/>
+                  </a:solidFill>
+                </a:rPr>
+                <a:t>正版安全证书</a:t>
+              </a:r>
+              <a:endParaRPr lang="en-US" altLang="zh-CN" sz="1400" dirty="0">
                 <a:solidFill>
                   <a:schemeClr val="tx1"/>
                 </a:solidFill>
-              </a:rPr>
-              <a:t>应用来源</a:t>
-            </a:r>
-          </a:p>
-        </p:txBody>
-      </p:sp>
+              </a:endParaRPr>
+            </a:p>
+            <a:p>
+              <a:pPr algn="ctr"/>
+              <a:r>
+                <a:rPr lang="zh-CN" altLang="en-US" sz="1400" dirty="0">
+                  <a:solidFill>
+                    <a:schemeClr val="tx1"/>
+                  </a:solidFill>
+                </a:rPr>
+                <a:t>（输入）</a:t>
+              </a:r>
+              <a:endParaRPr lang="en-US" altLang="zh-CN" sz="1400" dirty="0">
+                <a:solidFill>
+                  <a:schemeClr val="tx1"/>
+                </a:solidFill>
+              </a:endParaRPr>
+            </a:p>
+          </p:txBody>
+        </p:sp>
+        <p:pic>
+          <p:nvPicPr>
+            <p:cNvPr id="266" name="图片 265">
+              <a:extLst>
+                <a:ext uri="{FF2B5EF4-FFF2-40B4-BE49-F238E27FC236}">
+                  <a16:creationId xmlns:a16="http://schemas.microsoft.com/office/drawing/2014/main" id="{D0510ED5-1EB4-48C1-BE87-D536C5564A5C}"/>
+                </a:ext>
+              </a:extLst>
+            </p:cNvPr>
+            <p:cNvPicPr>
+              <a:picLocks noChangeAspect="1"/>
+            </p:cNvPicPr>
+            <p:nvPr/>
+          </p:nvPicPr>
+          <p:blipFill>
+            <a:blip r:embed="rId12">
+              <a:extLst>
+                <a:ext uri="{28A0092B-C50C-407E-A947-70E740481C1C}">
+                  <a14:useLocalDpi xmlns:a14="http://schemas.microsoft.com/office/drawing/2010/main" val="0"/>
+                </a:ext>
+              </a:extLst>
+            </a:blip>
+            <a:stretch>
+              <a:fillRect/>
+            </a:stretch>
+          </p:blipFill>
+          <p:spPr>
+            <a:xfrm>
+              <a:off x="3120082" y="385827"/>
+              <a:ext cx="373985" cy="373985"/>
+            </a:xfrm>
+            <a:prstGeom prst="rect">
+              <a:avLst/>
+            </a:prstGeom>
+          </p:spPr>
+        </p:pic>
+      </p:grpSp>
+      <p:cxnSp>
+        <p:nvCxnSpPr>
+          <p:cNvPr id="289" name="直接箭头连接符 231">
+            <a:extLst>
+              <a:ext uri="{FF2B5EF4-FFF2-40B4-BE49-F238E27FC236}">
+                <a16:creationId xmlns:a16="http://schemas.microsoft.com/office/drawing/2014/main" id="{BFFE2316-AF51-4357-89AB-F5ADAD9092BD}"/>
+              </a:ext>
+            </a:extLst>
+          </p:cNvPr>
+          <p:cNvCxnSpPr>
+            <a:cxnSpLocks/>
+            <a:endCxn id="195" idx="1"/>
+          </p:cNvCxnSpPr>
+          <p:nvPr/>
+        </p:nvCxnSpPr>
+        <p:spPr>
+          <a:xfrm rot="5400000" flipH="1" flipV="1">
+            <a:off x="3236133" y="616813"/>
+            <a:ext cx="429011" cy="1193227"/>
+          </a:xfrm>
+          <a:prstGeom prst="bentConnector2">
+            <a:avLst/>
+          </a:prstGeom>
+          <a:ln w="28575">
+            <a:solidFill>
+              <a:srgbClr val="C00000"/>
+            </a:solidFill>
+            <a:prstDash val="solid"/>
+            <a:headEnd type="none" w="med" len="med"/>
+            <a:tailEnd type="triangle"/>
+          </a:ln>
+        </p:spPr>
+        <p:style>
+          <a:lnRef idx="3">
+            <a:schemeClr val="dk1"/>
+          </a:lnRef>
+          <a:fillRef idx="0">
+            <a:schemeClr val="dk1"/>
+          </a:fillRef>
+          <a:effectRef idx="2">
+            <a:schemeClr val="dk1"/>
+          </a:effectRef>
+          <a:fontRef idx="minor">
+            <a:schemeClr val="tx1"/>
+          </a:fontRef>
+        </p:style>
+      </p:cxnSp>
+      <p:cxnSp>
+        <p:nvCxnSpPr>
+          <p:cNvPr id="117" name="直接箭头连接符 116">
+            <a:extLst>
+              <a:ext uri="{FF2B5EF4-FFF2-40B4-BE49-F238E27FC236}">
+                <a16:creationId xmlns:a16="http://schemas.microsoft.com/office/drawing/2014/main" id="{E63A7099-D16C-46D5-AE6F-34948B45C17E}"/>
+              </a:ext>
+            </a:extLst>
+          </p:cNvPr>
+          <p:cNvCxnSpPr>
+            <a:cxnSpLocks/>
+          </p:cNvCxnSpPr>
+          <p:nvPr/>
+        </p:nvCxnSpPr>
+        <p:spPr>
+          <a:xfrm>
+            <a:off x="1284190" y="1656073"/>
+            <a:ext cx="577331" cy="0"/>
+          </a:xfrm>
+          <a:prstGeom prst="straightConnector1">
+            <a:avLst/>
+          </a:prstGeom>
+          <a:ln w="28575">
+            <a:solidFill>
+              <a:srgbClr val="B42200"/>
+            </a:solidFill>
+            <a:headEnd type="none" w="med" len="med"/>
+            <a:tailEnd type="triangle"/>
+          </a:ln>
+        </p:spPr>
+        <p:style>
+          <a:lnRef idx="3">
+            <a:schemeClr val="dk1"/>
+          </a:lnRef>
+          <a:fillRef idx="0">
+            <a:schemeClr val="dk1"/>
+          </a:fillRef>
+          <a:effectRef idx="2">
+            <a:schemeClr val="dk1"/>
+          </a:effectRef>
+          <a:fontRef idx="minor">
+            <a:schemeClr val="tx1"/>
+          </a:fontRef>
+        </p:style>
+      </p:cxnSp>
     </p:spTree>
     <p:extLst>
       <p:ext uri="{BB962C8B-B14F-4D97-AF65-F5344CB8AC3E}">

--- a/edwin_2019/Figures/edwin-overview.pptx
+++ b/edwin_2019/Figures/edwin-overview.pptx
@@ -368,7 +368,7 @@
   <pc:docChgLst>
     <pc:chgData name="唐 崇斌 Edwin" userId="769f27267cb83406" providerId="LiveId" clId="{5950B5EE-091A-4B6E-A0E4-F7E0BA907422}"/>
     <pc:docChg chg="undo redo custSel addSld modSld">
-      <pc:chgData name="唐 崇斌 Edwin" userId="769f27267cb83406" providerId="LiveId" clId="{5950B5EE-091A-4B6E-A0E4-F7E0BA907422}" dt="2020-03-23T17:57:09.864" v="3806" actId="12788"/>
+      <pc:chgData name="唐 崇斌 Edwin" userId="769f27267cb83406" providerId="LiveId" clId="{5950B5EE-091A-4B6E-A0E4-F7E0BA907422}" dt="2020-03-24T00:40:32.253" v="3818" actId="552"/>
       <pc:docMkLst>
         <pc:docMk/>
       </pc:docMkLst>
@@ -579,7 +579,7 @@
         </pc:cxnChg>
       </pc:sldChg>
       <pc:sldChg chg="addSp delSp modSp add">
-        <pc:chgData name="唐 崇斌 Edwin" userId="769f27267cb83406" providerId="LiveId" clId="{5950B5EE-091A-4B6E-A0E4-F7E0BA907422}" dt="2020-03-23T17:57:09.864" v="3806" actId="12788"/>
+        <pc:chgData name="唐 崇斌 Edwin" userId="769f27267cb83406" providerId="LiveId" clId="{5950B5EE-091A-4B6E-A0E4-F7E0BA907422}" dt="2020-03-24T00:40:32.253" v="3818" actId="552"/>
         <pc:sldMkLst>
           <pc:docMk/>
           <pc:sldMk cId="2642943566" sldId="262"/>
@@ -1297,7 +1297,7 @@
           </ac:grpSpMkLst>
         </pc:grpChg>
         <pc:grpChg chg="add mod">
-          <ac:chgData name="唐 崇斌 Edwin" userId="769f27267cb83406" providerId="LiveId" clId="{5950B5EE-091A-4B6E-A0E4-F7E0BA907422}" dt="2020-03-23T17:54:24.250" v="3754" actId="1038"/>
+          <ac:chgData name="唐 崇斌 Edwin" userId="769f27267cb83406" providerId="LiveId" clId="{5950B5EE-091A-4B6E-A0E4-F7E0BA907422}" dt="2020-03-24T00:40:32.253" v="3818" actId="552"/>
           <ac:grpSpMkLst>
             <pc:docMk/>
             <pc:sldMk cId="2642943566" sldId="262"/>
@@ -1305,7 +1305,7 @@
           </ac:grpSpMkLst>
         </pc:grpChg>
         <pc:grpChg chg="add mod">
-          <ac:chgData name="唐 崇斌 Edwin" userId="769f27267cb83406" providerId="LiveId" clId="{5950B5EE-091A-4B6E-A0E4-F7E0BA907422}" dt="2020-03-23T17:54:45.299" v="3769" actId="1035"/>
+          <ac:chgData name="唐 崇斌 Edwin" userId="769f27267cb83406" providerId="LiveId" clId="{5950B5EE-091A-4B6E-A0E4-F7E0BA907422}" dt="2020-03-24T00:40:32.253" v="3818" actId="552"/>
           <ac:grpSpMkLst>
             <pc:docMk/>
             <pc:sldMk cId="2642943566" sldId="262"/>
@@ -2017,7 +2017,7 @@
           </ac:cxnSpMkLst>
         </pc:cxnChg>
         <pc:cxnChg chg="add mod">
-          <ac:chgData name="唐 崇斌 Edwin" userId="769f27267cb83406" providerId="LiveId" clId="{5950B5EE-091A-4B6E-A0E4-F7E0BA907422}" dt="2020-03-23T17:54:45.299" v="3769" actId="1035"/>
+          <ac:chgData name="唐 崇斌 Edwin" userId="769f27267cb83406" providerId="LiveId" clId="{5950B5EE-091A-4B6E-A0E4-F7E0BA907422}" dt="2020-03-24T00:40:17.365" v="3815" actId="1038"/>
           <ac:cxnSpMkLst>
             <pc:docMk/>
             <pc:sldMk cId="2642943566" sldId="262"/>
@@ -2057,493 +2057,6 @@
           </ac:picMkLst>
         </pc:picChg>
       </pc:sldChg>
-      <pc:sldChg chg="addSp delSp modSp add del">
-        <pc:chgData name="唐 崇斌 Edwin" userId="769f27267cb83406" providerId="LiveId" clId="{F749D1A7-B6C5-40CC-A752-898961211CE4}" dt="2020-03-22T11:39:35.479" v="2072" actId="2696"/>
-        <pc:sldMkLst>
-          <pc:docMk/>
-          <pc:sldMk cId="2609734185" sldId="259"/>
-        </pc:sldMkLst>
-        <pc:spChg chg="del">
-          <ac:chgData name="唐 崇斌 Edwin" userId="769f27267cb83406" providerId="LiveId" clId="{F749D1A7-B6C5-40CC-A752-898961211CE4}" dt="2020-03-21T01:17:38.354" v="21" actId="478"/>
-          <ac:spMkLst>
-            <pc:docMk/>
-            <pc:sldMk cId="2609734185" sldId="259"/>
-            <ac:spMk id="2" creationId="{63F366D0-03B1-4877-9A11-E074C0A3D63B}"/>
-          </ac:spMkLst>
-        </pc:spChg>
-        <pc:spChg chg="del">
-          <ac:chgData name="唐 崇斌 Edwin" userId="769f27267cb83406" providerId="LiveId" clId="{F749D1A7-B6C5-40CC-A752-898961211CE4}" dt="2020-03-21T01:17:41.430" v="22" actId="478"/>
-          <ac:spMkLst>
-            <pc:docMk/>
-            <pc:sldMk cId="2609734185" sldId="259"/>
-            <ac:spMk id="3" creationId="{1E05FF09-A73E-4736-8A8A-31C2398EE7AF}"/>
-          </ac:spMkLst>
-        </pc:spChg>
-        <pc:spChg chg="add del">
-          <ac:chgData name="唐 崇斌 Edwin" userId="769f27267cb83406" providerId="LiveId" clId="{F749D1A7-B6C5-40CC-A752-898961211CE4}" dt="2020-03-21T01:17:36.555" v="20"/>
-          <ac:spMkLst>
-            <pc:docMk/>
-            <pc:sldMk cId="2609734185" sldId="259"/>
-            <ac:spMk id="5" creationId="{79E59B9F-4473-491F-9D6E-627F64E7B312}"/>
-          </ac:spMkLst>
-        </pc:spChg>
-        <pc:spChg chg="add del">
-          <ac:chgData name="唐 崇斌 Edwin" userId="769f27267cb83406" providerId="LiveId" clId="{F749D1A7-B6C5-40CC-A752-898961211CE4}" dt="2020-03-21T01:17:36.555" v="20"/>
-          <ac:spMkLst>
-            <pc:docMk/>
-            <pc:sldMk cId="2609734185" sldId="259"/>
-            <ac:spMk id="6" creationId="{B130E891-070E-4AF5-81AF-61B092697E18}"/>
-          </ac:spMkLst>
-        </pc:spChg>
-        <pc:spChg chg="add del">
-          <ac:chgData name="唐 崇斌 Edwin" userId="769f27267cb83406" providerId="LiveId" clId="{F749D1A7-B6C5-40CC-A752-898961211CE4}" dt="2020-03-21T01:17:36.555" v="20"/>
-          <ac:spMkLst>
-            <pc:docMk/>
-            <pc:sldMk cId="2609734185" sldId="259"/>
-            <ac:spMk id="11" creationId="{3042ED33-8CAD-4FDD-BD23-6AED1EEBC041}"/>
-          </ac:spMkLst>
-        </pc:spChg>
-        <pc:spChg chg="add del">
-          <ac:chgData name="唐 崇斌 Edwin" userId="769f27267cb83406" providerId="LiveId" clId="{F749D1A7-B6C5-40CC-A752-898961211CE4}" dt="2020-03-21T01:17:36.555" v="20"/>
-          <ac:spMkLst>
-            <pc:docMk/>
-            <pc:sldMk cId="2609734185" sldId="259"/>
-            <ac:spMk id="15" creationId="{7433C0A9-8E8E-4106-BD46-C42E096A8BC6}"/>
-          </ac:spMkLst>
-        </pc:spChg>
-        <pc:spChg chg="add del">
-          <ac:chgData name="唐 崇斌 Edwin" userId="769f27267cb83406" providerId="LiveId" clId="{F749D1A7-B6C5-40CC-A752-898961211CE4}" dt="2020-03-21T01:17:36.555" v="20"/>
-          <ac:spMkLst>
-            <pc:docMk/>
-            <pc:sldMk cId="2609734185" sldId="259"/>
-            <ac:spMk id="16" creationId="{99E3871C-BA04-4BE0-B12C-82477DC27AD6}"/>
-          </ac:spMkLst>
-        </pc:spChg>
-        <pc:spChg chg="add del">
-          <ac:chgData name="唐 崇斌 Edwin" userId="769f27267cb83406" providerId="LiveId" clId="{F749D1A7-B6C5-40CC-A752-898961211CE4}" dt="2020-03-21T01:17:36.555" v="20"/>
-          <ac:spMkLst>
-            <pc:docMk/>
-            <pc:sldMk cId="2609734185" sldId="259"/>
-            <ac:spMk id="19" creationId="{1AB71A96-BB6E-401B-ADA9-84A34A47F5D3}"/>
-          </ac:spMkLst>
-        </pc:spChg>
-        <pc:spChg chg="add del">
-          <ac:chgData name="唐 崇斌 Edwin" userId="769f27267cb83406" providerId="LiveId" clId="{F749D1A7-B6C5-40CC-A752-898961211CE4}" dt="2020-03-21T01:17:36.555" v="20"/>
-          <ac:spMkLst>
-            <pc:docMk/>
-            <pc:sldMk cId="2609734185" sldId="259"/>
-            <ac:spMk id="22" creationId="{04EBF1F5-80A9-4492-9A1A-6338849F8962}"/>
-          </ac:spMkLst>
-        </pc:spChg>
-        <pc:spChg chg="add del">
-          <ac:chgData name="唐 崇斌 Edwin" userId="769f27267cb83406" providerId="LiveId" clId="{F749D1A7-B6C5-40CC-A752-898961211CE4}" dt="2020-03-21T01:17:36.555" v="20"/>
-          <ac:spMkLst>
-            <pc:docMk/>
-            <pc:sldMk cId="2609734185" sldId="259"/>
-            <ac:spMk id="46" creationId="{7545BD2A-D797-4646-B645-306EE79BFB2D}"/>
-          </ac:spMkLst>
-        </pc:spChg>
-        <pc:spChg chg="add del">
-          <ac:chgData name="唐 崇斌 Edwin" userId="769f27267cb83406" providerId="LiveId" clId="{F749D1A7-B6C5-40CC-A752-898961211CE4}" dt="2020-03-21T01:17:36.555" v="20"/>
-          <ac:spMkLst>
-            <pc:docMk/>
-            <pc:sldMk cId="2609734185" sldId="259"/>
-            <ac:spMk id="47" creationId="{2A823E3F-C934-4809-9217-0453C05CB65C}"/>
-          </ac:spMkLst>
-        </pc:spChg>
-        <pc:spChg chg="add del">
-          <ac:chgData name="唐 崇斌 Edwin" userId="769f27267cb83406" providerId="LiveId" clId="{F749D1A7-B6C5-40CC-A752-898961211CE4}" dt="2020-03-21T01:17:36.555" v="20"/>
-          <ac:spMkLst>
-            <pc:docMk/>
-            <pc:sldMk cId="2609734185" sldId="259"/>
-            <ac:spMk id="48" creationId="{D490B913-CD4E-4947-A374-824F56B8CD89}"/>
-          </ac:spMkLst>
-        </pc:spChg>
-        <pc:spChg chg="add del">
-          <ac:chgData name="唐 崇斌 Edwin" userId="769f27267cb83406" providerId="LiveId" clId="{F749D1A7-B6C5-40CC-A752-898961211CE4}" dt="2020-03-21T01:17:36.555" v="20"/>
-          <ac:spMkLst>
-            <pc:docMk/>
-            <pc:sldMk cId="2609734185" sldId="259"/>
-            <ac:spMk id="49" creationId="{A2B77CFD-0C70-41CC-A9D2-510EDF71BA64}"/>
-          </ac:spMkLst>
-        </pc:spChg>
-        <pc:spChg chg="add mod topLvl">
-          <ac:chgData name="唐 崇斌 Edwin" userId="769f27267cb83406" providerId="LiveId" clId="{F749D1A7-B6C5-40CC-A752-898961211CE4}" dt="2020-03-21T01:22:41.121" v="93" actId="165"/>
-          <ac:spMkLst>
-            <pc:docMk/>
-            <pc:sldMk cId="2609734185" sldId="259"/>
-            <ac:spMk id="51" creationId="{B9D59110-9004-4BDA-B0F4-17EE2C13BF3F}"/>
-          </ac:spMkLst>
-        </pc:spChg>
-        <pc:spChg chg="add mod topLvl">
-          <ac:chgData name="唐 崇斌 Edwin" userId="769f27267cb83406" providerId="LiveId" clId="{F749D1A7-B6C5-40CC-A752-898961211CE4}" dt="2020-03-21T01:22:41.121" v="93" actId="165"/>
-          <ac:spMkLst>
-            <pc:docMk/>
-            <pc:sldMk cId="2609734185" sldId="259"/>
-            <ac:spMk id="52" creationId="{FCEBFB51-2E0D-495C-8824-D46074A2105C}"/>
-          </ac:spMkLst>
-        </pc:spChg>
-        <pc:spChg chg="add mod topLvl">
-          <ac:chgData name="唐 崇斌 Edwin" userId="769f27267cb83406" providerId="LiveId" clId="{F749D1A7-B6C5-40CC-A752-898961211CE4}" dt="2020-03-21T01:22:41.121" v="93" actId="165"/>
-          <ac:spMkLst>
-            <pc:docMk/>
-            <pc:sldMk cId="2609734185" sldId="259"/>
-            <ac:spMk id="57" creationId="{F5639C9F-0F9B-48E5-A12D-DA91346F6FAB}"/>
-          </ac:spMkLst>
-        </pc:spChg>
-        <pc:spChg chg="add mod topLvl">
-          <ac:chgData name="唐 崇斌 Edwin" userId="769f27267cb83406" providerId="LiveId" clId="{F749D1A7-B6C5-40CC-A752-898961211CE4}" dt="2020-03-21T01:22:41.121" v="93" actId="165"/>
-          <ac:spMkLst>
-            <pc:docMk/>
-            <pc:sldMk cId="2609734185" sldId="259"/>
-            <ac:spMk id="61" creationId="{44F86E2C-EF41-4B92-97B3-B4CB07A32D2C}"/>
-          </ac:spMkLst>
-        </pc:spChg>
-        <pc:spChg chg="add mod topLvl">
-          <ac:chgData name="唐 崇斌 Edwin" userId="769f27267cb83406" providerId="LiveId" clId="{F749D1A7-B6C5-40CC-A752-898961211CE4}" dt="2020-03-21T01:22:41.121" v="93" actId="165"/>
-          <ac:spMkLst>
-            <pc:docMk/>
-            <pc:sldMk cId="2609734185" sldId="259"/>
-            <ac:spMk id="62" creationId="{69BD1BD8-CB07-415B-8764-4F21C90D7D36}"/>
-          </ac:spMkLst>
-        </pc:spChg>
-        <pc:spChg chg="add mod topLvl">
-          <ac:chgData name="唐 崇斌 Edwin" userId="769f27267cb83406" providerId="LiveId" clId="{F749D1A7-B6C5-40CC-A752-898961211CE4}" dt="2020-03-21T01:22:41.121" v="93" actId="165"/>
-          <ac:spMkLst>
-            <pc:docMk/>
-            <pc:sldMk cId="2609734185" sldId="259"/>
-            <ac:spMk id="65" creationId="{EB7A6B76-2B18-4B61-A36D-5A91D7B016F5}"/>
-          </ac:spMkLst>
-        </pc:spChg>
-        <pc:spChg chg="add mod topLvl">
-          <ac:chgData name="唐 崇斌 Edwin" userId="769f27267cb83406" providerId="LiveId" clId="{F749D1A7-B6C5-40CC-A752-898961211CE4}" dt="2020-03-21T01:24:18.545" v="128" actId="164"/>
-          <ac:spMkLst>
-            <pc:docMk/>
-            <pc:sldMk cId="2609734185" sldId="259"/>
-            <ac:spMk id="68" creationId="{0F74233E-FF58-4F92-A73D-CC4DF7FC4511}"/>
-          </ac:spMkLst>
-        </pc:spChg>
-        <pc:spChg chg="add mod topLvl">
-          <ac:chgData name="唐 崇斌 Edwin" userId="769f27267cb83406" providerId="LiveId" clId="{F749D1A7-B6C5-40CC-A752-898961211CE4}" dt="2020-03-21T01:22:41.121" v="93" actId="165"/>
-          <ac:spMkLst>
-            <pc:docMk/>
-            <pc:sldMk cId="2609734185" sldId="259"/>
-            <ac:spMk id="92" creationId="{4CF66F24-EB60-4F8A-8464-39B1FC5A9866}"/>
-          </ac:spMkLst>
-        </pc:spChg>
-        <pc:spChg chg="add mod topLvl">
-          <ac:chgData name="唐 崇斌 Edwin" userId="769f27267cb83406" providerId="LiveId" clId="{F749D1A7-B6C5-40CC-A752-898961211CE4}" dt="2020-03-21T01:22:41.121" v="93" actId="165"/>
-          <ac:spMkLst>
-            <pc:docMk/>
-            <pc:sldMk cId="2609734185" sldId="259"/>
-            <ac:spMk id="93" creationId="{246B31B9-D1BB-4BA1-8674-808E4E2F995A}"/>
-          </ac:spMkLst>
-        </pc:spChg>
-        <pc:spChg chg="add mod topLvl">
-          <ac:chgData name="唐 崇斌 Edwin" userId="769f27267cb83406" providerId="LiveId" clId="{F749D1A7-B6C5-40CC-A752-898961211CE4}" dt="2020-03-21T01:22:41.121" v="93" actId="165"/>
-          <ac:spMkLst>
-            <pc:docMk/>
-            <pc:sldMk cId="2609734185" sldId="259"/>
-            <ac:spMk id="94" creationId="{F38C6A5F-FD73-4A35-905C-37F5C65A206F}"/>
-          </ac:spMkLst>
-        </pc:spChg>
-        <pc:spChg chg="add del mod">
-          <ac:chgData name="唐 崇斌 Edwin" userId="769f27267cb83406" providerId="LiveId" clId="{F749D1A7-B6C5-40CC-A752-898961211CE4}" dt="2020-03-21T01:18:22.126" v="31" actId="478"/>
-          <ac:spMkLst>
-            <pc:docMk/>
-            <pc:sldMk cId="2609734185" sldId="259"/>
-            <ac:spMk id="95" creationId="{79B6E889-838F-4DD4-821F-39307EE1A589}"/>
-          </ac:spMkLst>
-        </pc:spChg>
-        <pc:spChg chg="add mod">
-          <ac:chgData name="唐 崇斌 Edwin" userId="769f27267cb83406" providerId="LiveId" clId="{F749D1A7-B6C5-40CC-A752-898961211CE4}" dt="2020-03-21T01:23:28.231" v="121" actId="1037"/>
-          <ac:spMkLst>
-            <pc:docMk/>
-            <pc:sldMk cId="2609734185" sldId="259"/>
-            <ac:spMk id="97" creationId="{5963D4BE-04FD-4DE7-9194-8CECA994ADFC}"/>
-          </ac:spMkLst>
-        </pc:spChg>
-        <pc:spChg chg="add del mod">
-          <ac:chgData name="唐 崇斌 Edwin" userId="769f27267cb83406" providerId="LiveId" clId="{F749D1A7-B6C5-40CC-A752-898961211CE4}" dt="2020-03-21T01:20:49.982" v="55" actId="478"/>
-          <ac:spMkLst>
-            <pc:docMk/>
-            <pc:sldMk cId="2609734185" sldId="259"/>
-            <ac:spMk id="98" creationId="{8F689040-2257-4EBC-B587-6E4212B755EA}"/>
-          </ac:spMkLst>
-        </pc:spChg>
-        <pc:spChg chg="add del mod">
-          <ac:chgData name="唐 崇斌 Edwin" userId="769f27267cb83406" providerId="LiveId" clId="{F749D1A7-B6C5-40CC-A752-898961211CE4}" dt="2020-03-21T01:21:17.985" v="59" actId="478"/>
-          <ac:spMkLst>
-            <pc:docMk/>
-            <pc:sldMk cId="2609734185" sldId="259"/>
-            <ac:spMk id="99" creationId="{6D1BF7B6-1387-4D8E-9A3B-7AA609CF91F9}"/>
-          </ac:spMkLst>
-        </pc:spChg>
-        <pc:spChg chg="add del mod">
-          <ac:chgData name="唐 崇斌 Edwin" userId="769f27267cb83406" providerId="LiveId" clId="{F749D1A7-B6C5-40CC-A752-898961211CE4}" dt="2020-03-21T01:21:36.914" v="63" actId="478"/>
-          <ac:spMkLst>
-            <pc:docMk/>
-            <pc:sldMk cId="2609734185" sldId="259"/>
-            <ac:spMk id="100" creationId="{E095B0A4-267A-4422-8867-B4ACFBDFFE20}"/>
-          </ac:spMkLst>
-        </pc:spChg>
-        <pc:spChg chg="add del mod">
-          <ac:chgData name="唐 崇斌 Edwin" userId="769f27267cb83406" providerId="LiveId" clId="{F749D1A7-B6C5-40CC-A752-898961211CE4}" dt="2020-03-21T01:22:04.088" v="70" actId="478"/>
-          <ac:spMkLst>
-            <pc:docMk/>
-            <pc:sldMk cId="2609734185" sldId="259"/>
-            <ac:spMk id="101" creationId="{9C4DD030-6302-418B-9F77-BE8C88F1F5BD}"/>
-          </ac:spMkLst>
-        </pc:spChg>
-        <pc:spChg chg="add del mod">
-          <ac:chgData name="唐 崇斌 Edwin" userId="769f27267cb83406" providerId="LiveId" clId="{F749D1A7-B6C5-40CC-A752-898961211CE4}" dt="2020-03-21T01:22:21.067" v="76" actId="478"/>
-          <ac:spMkLst>
-            <pc:docMk/>
-            <pc:sldMk cId="2609734185" sldId="259"/>
-            <ac:spMk id="102" creationId="{A1F5311A-3F16-451D-B2DA-4BF29BDB93C2}"/>
-          </ac:spMkLst>
-        </pc:spChg>
-        <pc:spChg chg="add del mod">
-          <ac:chgData name="唐 崇斌 Edwin" userId="769f27267cb83406" providerId="LiveId" clId="{F749D1A7-B6C5-40CC-A752-898961211CE4}" dt="2020-03-21T01:23:09.340" v="97" actId="478"/>
-          <ac:spMkLst>
-            <pc:docMk/>
-            <pc:sldMk cId="2609734185" sldId="259"/>
-            <ac:spMk id="103" creationId="{8D021544-86A8-41A3-8882-31595A730129}"/>
-          </ac:spMkLst>
-        </pc:spChg>
-        <pc:spChg chg="add del mod">
-          <ac:chgData name="唐 崇斌 Edwin" userId="769f27267cb83406" providerId="LiveId" clId="{F749D1A7-B6C5-40CC-A752-898961211CE4}" dt="2020-03-21T01:23:52.987" v="127" actId="478"/>
-          <ac:spMkLst>
-            <pc:docMk/>
-            <pc:sldMk cId="2609734185" sldId="259"/>
-            <ac:spMk id="104" creationId="{1669C0E2-CCDA-4D01-86EF-30756C376DC8}"/>
-          </ac:spMkLst>
-        </pc:spChg>
-        <pc:grpChg chg="add del">
-          <ac:chgData name="唐 崇斌 Edwin" userId="769f27267cb83406" providerId="LiveId" clId="{F749D1A7-B6C5-40CC-A752-898961211CE4}" dt="2020-03-21T01:17:36.555" v="20"/>
-          <ac:grpSpMkLst>
-            <pc:docMk/>
-            <pc:sldMk cId="2609734185" sldId="259"/>
-            <ac:grpSpMk id="8" creationId="{DE2201E2-11DB-4C02-9B2D-5EE5A3AEDAF2}"/>
-          </ac:grpSpMkLst>
-        </pc:grpChg>
-        <pc:grpChg chg="add del">
-          <ac:chgData name="唐 崇斌 Edwin" userId="769f27267cb83406" providerId="LiveId" clId="{F749D1A7-B6C5-40CC-A752-898961211CE4}" dt="2020-03-21T01:17:36.555" v="20"/>
-          <ac:grpSpMkLst>
-            <pc:docMk/>
-            <pc:sldMk cId="2609734185" sldId="259"/>
-            <ac:grpSpMk id="12" creationId="{BA298EE2-5CA6-4120-B048-72D5077CD97E}"/>
-          </ac:grpSpMkLst>
-        </pc:grpChg>
-        <pc:grpChg chg="add del">
-          <ac:chgData name="唐 崇斌 Edwin" userId="769f27267cb83406" providerId="LiveId" clId="{F749D1A7-B6C5-40CC-A752-898961211CE4}" dt="2020-03-21T01:17:36.555" v="20"/>
-          <ac:grpSpMkLst>
-            <pc:docMk/>
-            <pc:sldMk cId="2609734185" sldId="259"/>
-            <ac:grpSpMk id="23" creationId="{70041DDF-FDC6-4F9C-95BC-3F43C2C8958F}"/>
-          </ac:grpSpMkLst>
-        </pc:grpChg>
-        <pc:grpChg chg="add del">
-          <ac:chgData name="唐 崇斌 Edwin" userId="769f27267cb83406" providerId="LiveId" clId="{F749D1A7-B6C5-40CC-A752-898961211CE4}" dt="2020-03-21T01:17:36.555" v="20"/>
-          <ac:grpSpMkLst>
-            <pc:docMk/>
-            <pc:sldMk cId="2609734185" sldId="259"/>
-            <ac:grpSpMk id="30" creationId="{E3CAB8FB-E48D-4076-9D46-3453DC8C696F}"/>
-          </ac:grpSpMkLst>
-        </pc:grpChg>
-        <pc:grpChg chg="add del">
-          <ac:chgData name="唐 崇斌 Edwin" userId="769f27267cb83406" providerId="LiveId" clId="{F749D1A7-B6C5-40CC-A752-898961211CE4}" dt="2020-03-21T01:17:36.555" v="20"/>
-          <ac:grpSpMkLst>
-            <pc:docMk/>
-            <pc:sldMk cId="2609734185" sldId="259"/>
-            <ac:grpSpMk id="38" creationId="{BDFC64C8-10BF-419F-85CE-A024CF1D4EA6}"/>
-          </ac:grpSpMkLst>
-        </pc:grpChg>
-        <pc:grpChg chg="add mod topLvl">
-          <ac:chgData name="唐 崇斌 Edwin" userId="769f27267cb83406" providerId="LiveId" clId="{F749D1A7-B6C5-40CC-A752-898961211CE4}" dt="2020-03-21T01:22:41.121" v="93" actId="165"/>
-          <ac:grpSpMkLst>
-            <pc:docMk/>
-            <pc:sldMk cId="2609734185" sldId="259"/>
-            <ac:grpSpMk id="54" creationId="{4355A270-0C1E-4121-A294-8FFE0ED2212E}"/>
-          </ac:grpSpMkLst>
-        </pc:grpChg>
-        <pc:grpChg chg="add mod topLvl">
-          <ac:chgData name="唐 崇斌 Edwin" userId="769f27267cb83406" providerId="LiveId" clId="{F749D1A7-B6C5-40CC-A752-898961211CE4}" dt="2020-03-22T10:28:39.004" v="1147" actId="1076"/>
-          <ac:grpSpMkLst>
-            <pc:docMk/>
-            <pc:sldMk cId="2609734185" sldId="259"/>
-            <ac:grpSpMk id="58" creationId="{BFFC4FAE-F3E0-4720-8E22-7E214EA911E1}"/>
-          </ac:grpSpMkLst>
-        </pc:grpChg>
-        <pc:grpChg chg="add mod topLvl">
-          <ac:chgData name="唐 崇斌 Edwin" userId="769f27267cb83406" providerId="LiveId" clId="{F749D1A7-B6C5-40CC-A752-898961211CE4}" dt="2020-03-21T01:24:18.545" v="128" actId="164"/>
-          <ac:grpSpMkLst>
-            <pc:docMk/>
-            <pc:sldMk cId="2609734185" sldId="259"/>
-            <ac:grpSpMk id="69" creationId="{51337E6F-31A5-4711-9D46-B96815CB42E9}"/>
-          </ac:grpSpMkLst>
-        </pc:grpChg>
-        <pc:grpChg chg="add mod topLvl">
-          <ac:chgData name="唐 崇斌 Edwin" userId="769f27267cb83406" providerId="LiveId" clId="{F749D1A7-B6C5-40CC-A752-898961211CE4}" dt="2020-03-21T01:23:13.056" v="109" actId="1036"/>
-          <ac:grpSpMkLst>
-            <pc:docMk/>
-            <pc:sldMk cId="2609734185" sldId="259"/>
-            <ac:grpSpMk id="76" creationId="{20E9282F-B6ED-42B4-B52C-5891C13F3030}"/>
-          </ac:grpSpMkLst>
-        </pc:grpChg>
-        <pc:grpChg chg="add mod topLvl">
-          <ac:chgData name="唐 崇斌 Edwin" userId="769f27267cb83406" providerId="LiveId" clId="{F749D1A7-B6C5-40CC-A752-898961211CE4}" dt="2020-03-21T01:22:41.121" v="93" actId="165"/>
-          <ac:grpSpMkLst>
-            <pc:docMk/>
-            <pc:sldMk cId="2609734185" sldId="259"/>
-            <ac:grpSpMk id="84" creationId="{EF2A9655-BCF0-4014-A4BB-9B156B17924E}"/>
-          </ac:grpSpMkLst>
-        </pc:grpChg>
-        <pc:grpChg chg="add del mod">
-          <ac:chgData name="唐 崇斌 Edwin" userId="769f27267cb83406" providerId="LiveId" clId="{F749D1A7-B6C5-40CC-A752-898961211CE4}" dt="2020-03-21T01:22:41.121" v="93" actId="165"/>
-          <ac:grpSpMkLst>
-            <pc:docMk/>
-            <pc:sldMk cId="2609734185" sldId="259"/>
-            <ac:grpSpMk id="96" creationId="{D5DF1B69-24DF-4FA5-A5F7-660E0396A3BD}"/>
-          </ac:grpSpMkLst>
-        </pc:grpChg>
-        <pc:grpChg chg="add mod">
-          <ac:chgData name="唐 崇斌 Edwin" userId="769f27267cb83406" providerId="LiveId" clId="{F749D1A7-B6C5-40CC-A752-898961211CE4}" dt="2020-03-21T01:24:19.902" v="136" actId="1037"/>
-          <ac:grpSpMkLst>
-            <pc:docMk/>
-            <pc:sldMk cId="2609734185" sldId="259"/>
-            <ac:grpSpMk id="105" creationId="{39889AAF-33FD-4EF3-B65E-BC9D4CD95E04}"/>
-          </ac:grpSpMkLst>
-        </pc:grpChg>
-        <pc:picChg chg="add del">
-          <ac:chgData name="唐 崇斌 Edwin" userId="769f27267cb83406" providerId="LiveId" clId="{F749D1A7-B6C5-40CC-A752-898961211CE4}" dt="2020-03-21T01:17:36.555" v="20"/>
-          <ac:picMkLst>
-            <pc:docMk/>
-            <pc:sldMk cId="2609734185" sldId="259"/>
-            <ac:picMk id="7" creationId="{E4AAF49F-11D1-4B95-B713-DE4E74870A96}"/>
-          </ac:picMkLst>
-        </pc:picChg>
-        <pc:picChg chg="add del">
-          <ac:chgData name="唐 崇斌 Edwin" userId="769f27267cb83406" providerId="LiveId" clId="{F749D1A7-B6C5-40CC-A752-898961211CE4}" dt="2020-03-21T01:17:36.555" v="20"/>
-          <ac:picMkLst>
-            <pc:docMk/>
-            <pc:sldMk cId="2609734185" sldId="259"/>
-            <ac:picMk id="17" creationId="{FB51DB0A-327C-40CB-8A10-0D1AB91A02B7}"/>
-          </ac:picMkLst>
-        </pc:picChg>
-        <pc:picChg chg="add mod topLvl">
-          <ac:chgData name="唐 崇斌 Edwin" userId="769f27267cb83406" providerId="LiveId" clId="{F749D1A7-B6C5-40CC-A752-898961211CE4}" dt="2020-03-21T01:22:41.121" v="93" actId="165"/>
-          <ac:picMkLst>
-            <pc:docMk/>
-            <pc:sldMk cId="2609734185" sldId="259"/>
-            <ac:picMk id="53" creationId="{1358EE7C-8732-4EBA-AB41-239269E85185}"/>
-          </ac:picMkLst>
-        </pc:picChg>
-        <pc:picChg chg="add mod topLvl">
-          <ac:chgData name="唐 崇斌 Edwin" userId="769f27267cb83406" providerId="LiveId" clId="{F749D1A7-B6C5-40CC-A752-898961211CE4}" dt="2020-03-21T01:22:41.121" v="93" actId="165"/>
-          <ac:picMkLst>
-            <pc:docMk/>
-            <pc:sldMk cId="2609734185" sldId="259"/>
-            <ac:picMk id="63" creationId="{D2119E40-BF45-4A44-A53E-1EA530A292C6}"/>
-          </ac:picMkLst>
-        </pc:picChg>
-        <pc:cxnChg chg="add del">
-          <ac:chgData name="唐 崇斌 Edwin" userId="769f27267cb83406" providerId="LiveId" clId="{F749D1A7-B6C5-40CC-A752-898961211CE4}" dt="2020-03-21T01:17:36.555" v="20"/>
-          <ac:cxnSpMkLst>
-            <pc:docMk/>
-            <pc:sldMk cId="2609734185" sldId="259"/>
-            <ac:cxnSpMk id="4" creationId="{0066ED71-AC75-4E70-BF58-16366F63F0A1}"/>
-          </ac:cxnSpMkLst>
-        </pc:cxnChg>
-        <pc:cxnChg chg="add del">
-          <ac:chgData name="唐 崇斌 Edwin" userId="769f27267cb83406" providerId="LiveId" clId="{F749D1A7-B6C5-40CC-A752-898961211CE4}" dt="2020-03-21T01:17:36.555" v="20"/>
-          <ac:cxnSpMkLst>
-            <pc:docMk/>
-            <pc:sldMk cId="2609734185" sldId="259"/>
-            <ac:cxnSpMk id="18" creationId="{9C408FC1-3AE9-480A-924C-A46EB012606D}"/>
-          </ac:cxnSpMkLst>
-        </pc:cxnChg>
-        <pc:cxnChg chg="add del">
-          <ac:chgData name="唐 崇斌 Edwin" userId="769f27267cb83406" providerId="LiveId" clId="{F749D1A7-B6C5-40CC-A752-898961211CE4}" dt="2020-03-21T01:17:36.555" v="20"/>
-          <ac:cxnSpMkLst>
-            <pc:docMk/>
-            <pc:sldMk cId="2609734185" sldId="259"/>
-            <ac:cxnSpMk id="20" creationId="{750EBE61-C5B3-4A93-805B-3BC170E1CE42}"/>
-          </ac:cxnSpMkLst>
-        </pc:cxnChg>
-        <pc:cxnChg chg="add del">
-          <ac:chgData name="唐 崇斌 Edwin" userId="769f27267cb83406" providerId="LiveId" clId="{F749D1A7-B6C5-40CC-A752-898961211CE4}" dt="2020-03-21T01:17:36.555" v="20"/>
-          <ac:cxnSpMkLst>
-            <pc:docMk/>
-            <pc:sldMk cId="2609734185" sldId="259"/>
-            <ac:cxnSpMk id="21" creationId="{5ACBE86A-1043-4756-93C2-E8645D70B028}"/>
-          </ac:cxnSpMkLst>
-        </pc:cxnChg>
-        <pc:cxnChg chg="add del">
-          <ac:chgData name="唐 崇斌 Edwin" userId="769f27267cb83406" providerId="LiveId" clId="{F749D1A7-B6C5-40CC-A752-898961211CE4}" dt="2020-03-21T01:17:36.555" v="20"/>
-          <ac:cxnSpMkLst>
-            <pc:docMk/>
-            <pc:sldMk cId="2609734185" sldId="259"/>
-            <ac:cxnSpMk id="44" creationId="{FD230354-51CE-425E-84B7-7D383060E6A0}"/>
-          </ac:cxnSpMkLst>
-        </pc:cxnChg>
-        <pc:cxnChg chg="add del">
-          <ac:chgData name="唐 崇斌 Edwin" userId="769f27267cb83406" providerId="LiveId" clId="{F749D1A7-B6C5-40CC-A752-898961211CE4}" dt="2020-03-21T01:17:36.555" v="20"/>
-          <ac:cxnSpMkLst>
-            <pc:docMk/>
-            <pc:sldMk cId="2609734185" sldId="259"/>
-            <ac:cxnSpMk id="45" creationId="{C3C813EC-3FD8-4991-919F-279E330A8395}"/>
-          </ac:cxnSpMkLst>
-        </pc:cxnChg>
-        <pc:cxnChg chg="add mod topLvl">
-          <ac:chgData name="唐 崇斌 Edwin" userId="769f27267cb83406" providerId="LiveId" clId="{F749D1A7-B6C5-40CC-A752-898961211CE4}" dt="2020-03-21T01:22:41.121" v="93" actId="165"/>
-          <ac:cxnSpMkLst>
-            <pc:docMk/>
-            <pc:sldMk cId="2609734185" sldId="259"/>
-            <ac:cxnSpMk id="50" creationId="{4EA4163A-E935-4FD6-ACE2-D1D5342D68DB}"/>
-          </ac:cxnSpMkLst>
-        </pc:cxnChg>
-        <pc:cxnChg chg="add mod topLvl">
-          <ac:chgData name="唐 崇斌 Edwin" userId="769f27267cb83406" providerId="LiveId" clId="{F749D1A7-B6C5-40CC-A752-898961211CE4}" dt="2020-03-21T01:22:41.121" v="93" actId="165"/>
-          <ac:cxnSpMkLst>
-            <pc:docMk/>
-            <pc:sldMk cId="2609734185" sldId="259"/>
-            <ac:cxnSpMk id="64" creationId="{50BFBB60-2BAB-416A-9D02-EBDE3C6A5446}"/>
-          </ac:cxnSpMkLst>
-        </pc:cxnChg>
-        <pc:cxnChg chg="add mod topLvl">
-          <ac:chgData name="唐 崇斌 Edwin" userId="769f27267cb83406" providerId="LiveId" clId="{F749D1A7-B6C5-40CC-A752-898961211CE4}" dt="2020-03-21T01:22:41.121" v="93" actId="165"/>
-          <ac:cxnSpMkLst>
-            <pc:docMk/>
-            <pc:sldMk cId="2609734185" sldId="259"/>
-            <ac:cxnSpMk id="66" creationId="{AA1B01EE-9B64-47A8-B7F6-BA1615B56006}"/>
-          </ac:cxnSpMkLst>
-        </pc:cxnChg>
-        <pc:cxnChg chg="add mod topLvl">
-          <ac:chgData name="唐 崇斌 Edwin" userId="769f27267cb83406" providerId="LiveId" clId="{F749D1A7-B6C5-40CC-A752-898961211CE4}" dt="2020-03-21T01:22:41.121" v="93" actId="165"/>
-          <ac:cxnSpMkLst>
-            <pc:docMk/>
-            <pc:sldMk cId="2609734185" sldId="259"/>
-            <ac:cxnSpMk id="67" creationId="{03647B27-5354-4C6E-81EF-DDBCB4AF973B}"/>
-          </ac:cxnSpMkLst>
-        </pc:cxnChg>
-        <pc:cxnChg chg="add mod topLvl">
-          <ac:chgData name="唐 崇斌 Edwin" userId="769f27267cb83406" providerId="LiveId" clId="{F749D1A7-B6C5-40CC-A752-898961211CE4}" dt="2020-03-21T01:22:41.121" v="93" actId="165"/>
-          <ac:cxnSpMkLst>
-            <pc:docMk/>
-            <pc:sldMk cId="2609734185" sldId="259"/>
-            <ac:cxnSpMk id="90" creationId="{7372FD11-AB12-428A-A85F-C7BD77204FBE}"/>
-          </ac:cxnSpMkLst>
-        </pc:cxnChg>
-        <pc:cxnChg chg="add mod topLvl">
-          <ac:chgData name="唐 崇斌 Edwin" userId="769f27267cb83406" providerId="LiveId" clId="{F749D1A7-B6C5-40CC-A752-898961211CE4}" dt="2020-03-21T01:22:41.121" v="93" actId="165"/>
-          <ac:cxnSpMkLst>
-            <pc:docMk/>
-            <pc:sldMk cId="2609734185" sldId="259"/>
-            <ac:cxnSpMk id="91" creationId="{1E914CBF-1D5A-440D-8AA3-75F94EB69CBD}"/>
-          </ac:cxnSpMkLst>
-        </pc:cxnChg>
-      </pc:sldChg>
       <pc:sldChg chg="addSp delSp modSp add">
         <pc:chgData name="唐 崇斌 Edwin" userId="769f27267cb83406" providerId="LiveId" clId="{F749D1A7-B6C5-40CC-A752-898961211CE4}" dt="2020-03-22T12:02:43.610" v="2560" actId="1037"/>
         <pc:sldMkLst>
@@ -3872,24 +3385,10 @@
         </pc:cxnChg>
       </pc:sldChg>
       <pc:sldChg chg="add del">
-        <pc:chgData name="唐 崇斌 Edwin" userId="769f27267cb83406" providerId="LiveId" clId="{F749D1A7-B6C5-40CC-A752-898961211CE4}" dt="2020-03-22T11:40:02.040" v="2076"/>
-        <pc:sldMkLst>
-          <pc:docMk/>
-          <pc:sldMk cId="688858635" sldId="261"/>
-        </pc:sldMkLst>
-      </pc:sldChg>
-      <pc:sldChg chg="add del">
         <pc:chgData name="唐 崇斌 Edwin" userId="769f27267cb83406" providerId="LiveId" clId="{F749D1A7-B6C5-40CC-A752-898961211CE4}" dt="2020-03-22T11:40:17.642" v="2081"/>
         <pc:sldMkLst>
           <pc:docMk/>
           <pc:sldMk cId="1166616651" sldId="261"/>
-        </pc:sldMkLst>
-      </pc:sldChg>
-      <pc:sldChg chg="add del">
-        <pc:chgData name="唐 崇斌 Edwin" userId="769f27267cb83406" providerId="LiveId" clId="{F749D1A7-B6C5-40CC-A752-898961211CE4}" dt="2020-03-22T11:39:57.549" v="2074" actId="2696"/>
-        <pc:sldMkLst>
-          <pc:docMk/>
-          <pc:sldMk cId="4126895415" sldId="261"/>
         </pc:sldMkLst>
       </pc:sldChg>
     </pc:docChg>
@@ -13685,7 +13184,7 @@
         </p:nvGrpSpPr>
         <p:grpSpPr>
           <a:xfrm>
-            <a:off x="3997140" y="4092073"/>
+            <a:off x="4064711" y="685922"/>
             <a:ext cx="1448544" cy="625997"/>
             <a:chOff x="11490972" y="2110008"/>
             <a:chExt cx="1289441" cy="557240"/>
@@ -13826,7 +13325,7 @@
         </p:nvGrpSpPr>
         <p:grpSpPr>
           <a:xfrm>
-            <a:off x="4047252" y="685921"/>
+            <a:off x="4064711" y="4083619"/>
             <a:ext cx="1348321" cy="625997"/>
             <a:chOff x="10875034" y="2779367"/>
             <a:chExt cx="1200227" cy="557240"/>
@@ -16242,7 +15741,6 @@
           </p:cNvPr>
           <p:cNvCxnSpPr>
             <a:cxnSpLocks/>
-            <a:endCxn id="195" idx="1"/>
           </p:cNvCxnSpPr>
           <p:nvPr/>
         </p:nvCxnSpPr>

--- a/edwin_2019/Figures/edwin-overview.pptx
+++ b/edwin_2019/Figures/edwin-overview.pptx
@@ -6,8 +6,8 @@
   </p:sldMasterIdLst>
   <p:sldIdLst>
     <p:sldId id="258" r:id="rId2"/>
-    <p:sldId id="260" r:id="rId3"/>
-    <p:sldId id="261" r:id="rId4"/>
+    <p:sldId id="261" r:id="rId3"/>
+    <p:sldId id="260" r:id="rId4"/>
     <p:sldId id="262" r:id="rId5"/>
   </p:sldIdLst>
   <p:sldSz cx="12192000" cy="6858000"/>
@@ -367,99 +367,643 @@
   </pc:docChgLst>
   <pc:docChgLst>
     <pc:chgData name="唐 崇斌 Edwin" userId="769f27267cb83406" providerId="LiveId" clId="{5950B5EE-091A-4B6E-A0E4-F7E0BA907422}"/>
-    <pc:docChg chg="undo redo custSel addSld modSld">
-      <pc:chgData name="唐 崇斌 Edwin" userId="769f27267cb83406" providerId="LiveId" clId="{5950B5EE-091A-4B6E-A0E4-F7E0BA907422}" dt="2020-03-24T00:40:32.253" v="3818" actId="552"/>
+    <pc:docChg chg="undo redo custSel addSld modSld sldOrd">
+      <pc:chgData name="唐 崇斌 Edwin" userId="769f27267cb83406" providerId="LiveId" clId="{5950B5EE-091A-4B6E-A0E4-F7E0BA907422}" dt="2020-03-25T05:02:47.447" v="4414" actId="14100"/>
       <pc:docMkLst>
         <pc:docMk/>
       </pc:docMkLst>
-      <pc:sldChg chg="modSp">
-        <pc:chgData name="唐 崇斌 Edwin" userId="769f27267cb83406" providerId="LiveId" clId="{5950B5EE-091A-4B6E-A0E4-F7E0BA907422}" dt="2020-03-22T12:05:31.572" v="13" actId="1037"/>
+      <pc:sldChg chg="addSp delSp modSp ord">
+        <pc:chgData name="唐 崇斌 Edwin" userId="769f27267cb83406" providerId="LiveId" clId="{5950B5EE-091A-4B6E-A0E4-F7E0BA907422}" dt="2020-03-25T05:02:47.447" v="4414" actId="14100"/>
         <pc:sldMkLst>
           <pc:docMk/>
           <pc:sldMk cId="3037902655" sldId="260"/>
         </pc:sldMkLst>
+        <pc:spChg chg="del mod topLvl">
+          <ac:chgData name="唐 崇斌 Edwin" userId="769f27267cb83406" providerId="LiveId" clId="{5950B5EE-091A-4B6E-A0E4-F7E0BA907422}" dt="2020-03-25T04:58:07.659" v="4372" actId="478"/>
+          <ac:spMkLst>
+            <pc:docMk/>
+            <pc:sldMk cId="3037902655" sldId="260"/>
+            <ac:spMk id="38" creationId="{6355A9E9-ACDF-4CB4-842D-A0A271730521}"/>
+          </ac:spMkLst>
+        </pc:spChg>
+        <pc:spChg chg="mod topLvl">
+          <ac:chgData name="唐 崇斌 Edwin" userId="769f27267cb83406" providerId="LiveId" clId="{5950B5EE-091A-4B6E-A0E4-F7E0BA907422}" dt="2020-03-25T04:44:54.478" v="4065" actId="1037"/>
+          <ac:spMkLst>
+            <pc:docMk/>
+            <pc:sldMk cId="3037902655" sldId="260"/>
+            <ac:spMk id="52" creationId="{59C83732-3EF7-4AAF-8C8E-59ACC7A9B800}"/>
+          </ac:spMkLst>
+        </pc:spChg>
+        <pc:spChg chg="add mod">
+          <ac:chgData name="唐 崇斌 Edwin" userId="769f27267cb83406" providerId="LiveId" clId="{5950B5EE-091A-4B6E-A0E4-F7E0BA907422}" dt="2020-03-25T05:00:08.494" v="4391" actId="1076"/>
+          <ac:spMkLst>
+            <pc:docMk/>
+            <pc:sldMk cId="3037902655" sldId="260"/>
+            <ac:spMk id="80" creationId="{0F8FB120-7D3A-4E70-8086-0110457115A4}"/>
+          </ac:spMkLst>
+        </pc:spChg>
+        <pc:spChg chg="add mod">
+          <ac:chgData name="唐 崇斌 Edwin" userId="769f27267cb83406" providerId="LiveId" clId="{5950B5EE-091A-4B6E-A0E4-F7E0BA907422}" dt="2020-03-25T05:00:19.720" v="4394" actId="1037"/>
+          <ac:spMkLst>
+            <pc:docMk/>
+            <pc:sldMk cId="3037902655" sldId="260"/>
+            <ac:spMk id="81" creationId="{D69217E1-9EBA-4921-8BDA-11476203D2EA}"/>
+          </ac:spMkLst>
+        </pc:spChg>
         <pc:spChg chg="mod">
-          <ac:chgData name="唐 崇斌 Edwin" userId="769f27267cb83406" providerId="LiveId" clId="{5950B5EE-091A-4B6E-A0E4-F7E0BA907422}" dt="2020-03-22T12:05:31.572" v="13" actId="1037"/>
+          <ac:chgData name="唐 崇斌 Edwin" userId="769f27267cb83406" providerId="LiveId" clId="{5950B5EE-091A-4B6E-A0E4-F7E0BA907422}" dt="2020-03-25T04:52:13.484" v="4260" actId="1076"/>
+          <ac:spMkLst>
+            <pc:docMk/>
+            <pc:sldMk cId="3037902655" sldId="260"/>
+            <ac:spMk id="86" creationId="{3A23CBE1-25F8-4593-8928-C7D1A58F2668}"/>
+          </ac:spMkLst>
+        </pc:spChg>
+        <pc:spChg chg="add mod ord">
+          <ac:chgData name="唐 崇斌 Edwin" userId="769f27267cb83406" providerId="LiveId" clId="{5950B5EE-091A-4B6E-A0E4-F7E0BA907422}" dt="2020-03-25T04:56:29.825" v="4327" actId="1035"/>
+          <ac:spMkLst>
+            <pc:docMk/>
+            <pc:sldMk cId="3037902655" sldId="260"/>
+            <ac:spMk id="104" creationId="{6141D0E1-D7CE-4CCF-8FA7-F5F8BC0CBBD1}"/>
+          </ac:spMkLst>
+        </pc:spChg>
+        <pc:spChg chg="add del mod ord">
+          <ac:chgData name="唐 崇斌 Edwin" userId="769f27267cb83406" providerId="LiveId" clId="{5950B5EE-091A-4B6E-A0E4-F7E0BA907422}" dt="2020-03-25T05:00:08.494" v="4391" actId="1076"/>
+          <ac:spMkLst>
+            <pc:docMk/>
+            <pc:sldMk cId="3037902655" sldId="260"/>
+            <ac:spMk id="106" creationId="{8955DF60-55BD-4A6A-A3EE-522B1D1DB5FA}"/>
+          </ac:spMkLst>
+        </pc:spChg>
+        <pc:spChg chg="add mod">
+          <ac:chgData name="唐 崇斌 Edwin" userId="769f27267cb83406" providerId="LiveId" clId="{5950B5EE-091A-4B6E-A0E4-F7E0BA907422}" dt="2020-03-25T05:00:37.753" v="4407" actId="1037"/>
+          <ac:spMkLst>
+            <pc:docMk/>
+            <pc:sldMk cId="3037902655" sldId="260"/>
+            <ac:spMk id="109" creationId="{65A5CCC7-F683-4578-B635-B59EDDBD7F17}"/>
+          </ac:spMkLst>
+        </pc:spChg>
+        <pc:spChg chg="mod">
+          <ac:chgData name="唐 崇斌 Edwin" userId="769f27267cb83406" providerId="LiveId" clId="{5950B5EE-091A-4B6E-A0E4-F7E0BA907422}" dt="2020-03-25T05:00:08.494" v="4391" actId="1076"/>
           <ac:spMkLst>
             <pc:docMk/>
             <pc:sldMk cId="3037902655" sldId="260"/>
             <ac:spMk id="142" creationId="{E25BAEBA-8F45-435A-8A3B-A30C6BD1F3BD}"/>
           </ac:spMkLst>
         </pc:spChg>
+        <pc:spChg chg="mod topLvl">
+          <ac:chgData name="唐 崇斌 Edwin" userId="769f27267cb83406" providerId="LiveId" clId="{5950B5EE-091A-4B6E-A0E4-F7E0BA907422}" dt="2020-03-25T04:47:43.134" v="4173" actId="207"/>
+          <ac:spMkLst>
+            <pc:docMk/>
+            <pc:sldMk cId="3037902655" sldId="260"/>
+            <ac:spMk id="238" creationId="{CAF45A72-2999-4E36-BB0C-16EFD0CBF21E}"/>
+          </ac:spMkLst>
+        </pc:spChg>
         <pc:spChg chg="mod">
-          <ac:chgData name="唐 崇斌 Edwin" userId="769f27267cb83406" providerId="LiveId" clId="{5950B5EE-091A-4B6E-A0E4-F7E0BA907422}" dt="2020-03-22T12:05:31.572" v="13" actId="1037"/>
+          <ac:chgData name="唐 崇斌 Edwin" userId="769f27267cb83406" providerId="LiveId" clId="{5950B5EE-091A-4B6E-A0E4-F7E0BA907422}" dt="2020-03-25T05:02:47.447" v="4414" actId="14100"/>
           <ac:spMkLst>
             <pc:docMk/>
             <pc:sldMk cId="3037902655" sldId="260"/>
             <ac:spMk id="239" creationId="{4E37F4D6-9BB4-4403-87A1-0C16A9CFBBEE}"/>
           </ac:spMkLst>
         </pc:spChg>
-        <pc:spChg chg="mod">
-          <ac:chgData name="唐 崇斌 Edwin" userId="769f27267cb83406" providerId="LiveId" clId="{5950B5EE-091A-4B6E-A0E4-F7E0BA907422}" dt="2020-03-22T12:05:31.572" v="13" actId="1037"/>
+        <pc:spChg chg="mod topLvl">
+          <ac:chgData name="唐 崇斌 Edwin" userId="769f27267cb83406" providerId="LiveId" clId="{5950B5EE-091A-4B6E-A0E4-F7E0BA907422}" dt="2020-03-25T04:47:43.134" v="4173" actId="207"/>
+          <ac:spMkLst>
+            <pc:docMk/>
+            <pc:sldMk cId="3037902655" sldId="260"/>
+            <ac:spMk id="240" creationId="{796953AE-C535-4F59-A3E1-61EEB14BBEF7}"/>
+          </ac:spMkLst>
+        </pc:spChg>
+        <pc:spChg chg="mod topLvl">
+          <ac:chgData name="唐 崇斌 Edwin" userId="769f27267cb83406" providerId="LiveId" clId="{5950B5EE-091A-4B6E-A0E4-F7E0BA907422}" dt="2020-03-25T04:47:43.134" v="4173" actId="207"/>
+          <ac:spMkLst>
+            <pc:docMk/>
+            <pc:sldMk cId="3037902655" sldId="260"/>
+            <ac:spMk id="241" creationId="{E677E85B-03E0-429B-94BB-1BBC4242884E}"/>
+          </ac:spMkLst>
+        </pc:spChg>
+        <pc:spChg chg="del mod topLvl">
+          <ac:chgData name="唐 崇斌 Edwin" userId="769f27267cb83406" providerId="LiveId" clId="{5950B5EE-091A-4B6E-A0E4-F7E0BA907422}" dt="2020-03-25T04:36:18.489" v="3874" actId="478"/>
+          <ac:spMkLst>
+            <pc:docMk/>
+            <pc:sldMk cId="3037902655" sldId="260"/>
+            <ac:spMk id="255" creationId="{2D590E40-7F2D-452A-AA19-01E451E05309}"/>
+          </ac:spMkLst>
+        </pc:spChg>
+        <pc:spChg chg="del mod">
+          <ac:chgData name="唐 崇斌 Edwin" userId="769f27267cb83406" providerId="LiveId" clId="{5950B5EE-091A-4B6E-A0E4-F7E0BA907422}" dt="2020-03-25T04:36:25.584" v="3876" actId="478"/>
           <ac:spMkLst>
             <pc:docMk/>
             <pc:sldMk cId="3037902655" sldId="260"/>
             <ac:spMk id="263" creationId="{9551EA7C-FBF4-4C68-8154-6FCCD380781B}"/>
           </ac:spMkLst>
         </pc:spChg>
+        <pc:grpChg chg="add del mod topLvl">
+          <ac:chgData name="唐 崇斌 Edwin" userId="769f27267cb83406" providerId="LiveId" clId="{5950B5EE-091A-4B6E-A0E4-F7E0BA907422}" dt="2020-03-25T04:36:20.052" v="3875" actId="478"/>
+          <ac:grpSpMkLst>
+            <pc:docMk/>
+            <pc:sldMk cId="3037902655" sldId="260"/>
+            <ac:grpSpMk id="2" creationId="{A95ABC88-1531-4E32-86DC-83F29804AC6E}"/>
+          </ac:grpSpMkLst>
+        </pc:grpChg>
+        <pc:grpChg chg="add del mod">
+          <ac:chgData name="唐 崇斌 Edwin" userId="769f27267cb83406" providerId="LiveId" clId="{5950B5EE-091A-4B6E-A0E4-F7E0BA907422}" dt="2020-03-25T04:36:18.489" v="3874" actId="478"/>
+          <ac:grpSpMkLst>
+            <pc:docMk/>
+            <pc:sldMk cId="3037902655" sldId="260"/>
+            <ac:grpSpMk id="3" creationId="{7FE5597E-BCE2-4178-8DFE-379BF8E5F542}"/>
+          </ac:grpSpMkLst>
+        </pc:grpChg>
+        <pc:grpChg chg="add del mod">
+          <ac:chgData name="唐 崇斌 Edwin" userId="769f27267cb83406" providerId="LiveId" clId="{5950B5EE-091A-4B6E-A0E4-F7E0BA907422}" dt="2020-03-25T04:40:30.571" v="3932" actId="165"/>
+          <ac:grpSpMkLst>
+            <pc:docMk/>
+            <pc:sldMk cId="3037902655" sldId="260"/>
+            <ac:grpSpMk id="4" creationId="{60080455-AD67-4DEB-999D-3D3938FC45EA}"/>
+          </ac:grpSpMkLst>
+        </pc:grpChg>
+        <pc:grpChg chg="add mod">
+          <ac:chgData name="唐 崇斌 Edwin" userId="769f27267cb83406" providerId="LiveId" clId="{5950B5EE-091A-4B6E-A0E4-F7E0BA907422}" dt="2020-03-25T05:00:08.494" v="4391" actId="1076"/>
+          <ac:grpSpMkLst>
+            <pc:docMk/>
+            <pc:sldMk cId="3037902655" sldId="260"/>
+            <ac:grpSpMk id="5" creationId="{9397DD88-6FB2-4552-A9FA-5257A061A2D4}"/>
+          </ac:grpSpMkLst>
+        </pc:grpChg>
+        <pc:grpChg chg="add mod">
+          <ac:chgData name="唐 崇斌 Edwin" userId="769f27267cb83406" providerId="LiveId" clId="{5950B5EE-091A-4B6E-A0E4-F7E0BA907422}" dt="2020-03-25T04:41:26.619" v="3943" actId="164"/>
+          <ac:grpSpMkLst>
+            <pc:docMk/>
+            <pc:sldMk cId="3037902655" sldId="260"/>
+            <ac:grpSpMk id="6" creationId="{7FD7136B-BE89-4929-A16E-939C1F296040}"/>
+          </ac:grpSpMkLst>
+        </pc:grpChg>
+        <pc:grpChg chg="add del mod">
+          <ac:chgData name="唐 崇斌 Edwin" userId="769f27267cb83406" providerId="LiveId" clId="{5950B5EE-091A-4B6E-A0E4-F7E0BA907422}" dt="2020-03-25T04:42:18.867" v="3955" actId="165"/>
+          <ac:grpSpMkLst>
+            <pc:docMk/>
+            <pc:sldMk cId="3037902655" sldId="260"/>
+            <ac:grpSpMk id="7" creationId="{9D21002C-4D33-4369-AED5-D80A6F67E14C}"/>
+          </ac:grpSpMkLst>
+        </pc:grpChg>
+        <pc:grpChg chg="add mod topLvl">
+          <ac:chgData name="唐 崇斌 Edwin" userId="769f27267cb83406" providerId="LiveId" clId="{5950B5EE-091A-4B6E-A0E4-F7E0BA907422}" dt="2020-03-25T05:00:08.494" v="4391" actId="1076"/>
+          <ac:grpSpMkLst>
+            <pc:docMk/>
+            <pc:sldMk cId="3037902655" sldId="260"/>
+            <ac:grpSpMk id="8" creationId="{1683635F-EA0D-4A94-95E8-B7FF81090350}"/>
+          </ac:grpSpMkLst>
+        </pc:grpChg>
+        <pc:grpChg chg="add mod">
+          <ac:chgData name="唐 崇斌 Edwin" userId="769f27267cb83406" providerId="LiveId" clId="{5950B5EE-091A-4B6E-A0E4-F7E0BA907422}" dt="2020-03-25T05:00:08.494" v="4391" actId="1076"/>
+          <ac:grpSpMkLst>
+            <pc:docMk/>
+            <pc:sldMk cId="3037902655" sldId="260"/>
+            <ac:grpSpMk id="9" creationId="{1F830992-2AE4-4054-935F-EA07BEEDC1E1}"/>
+          </ac:grpSpMkLst>
+        </pc:grpChg>
+        <pc:grpChg chg="add del mod">
+          <ac:chgData name="唐 崇斌 Edwin" userId="769f27267cb83406" providerId="LiveId" clId="{5950B5EE-091A-4B6E-A0E4-F7E0BA907422}" dt="2020-03-25T04:58:07.659" v="4372" actId="478"/>
+          <ac:grpSpMkLst>
+            <pc:docMk/>
+            <pc:sldMk cId="3037902655" sldId="260"/>
+            <ac:grpSpMk id="10" creationId="{6D683A50-B3AE-414D-B4BA-6DFE70C4FA6D}"/>
+          </ac:grpSpMkLst>
+        </pc:grpChg>
+        <pc:grpChg chg="add mod">
+          <ac:chgData name="唐 崇斌 Edwin" userId="769f27267cb83406" providerId="LiveId" clId="{5950B5EE-091A-4B6E-A0E4-F7E0BA907422}" dt="2020-03-25T05:00:08.494" v="4391" actId="1076"/>
+          <ac:grpSpMkLst>
+            <pc:docMk/>
+            <pc:sldMk cId="3037902655" sldId="260"/>
+            <ac:grpSpMk id="18" creationId="{B9E407C7-7EFB-4935-A140-3EB49A26D285}"/>
+          </ac:grpSpMkLst>
+        </pc:grpChg>
+        <pc:grpChg chg="add del mod">
+          <ac:chgData name="唐 崇斌 Edwin" userId="769f27267cb83406" providerId="LiveId" clId="{5950B5EE-091A-4B6E-A0E4-F7E0BA907422}" dt="2020-03-25T04:37:03.612" v="3881" actId="165"/>
+          <ac:grpSpMkLst>
+            <pc:docMk/>
+            <pc:sldMk cId="3037902655" sldId="260"/>
+            <ac:grpSpMk id="35" creationId="{1847B9E1-6163-47C0-8D69-C1DC125EDF12}"/>
+          </ac:grpSpMkLst>
+        </pc:grpChg>
+        <pc:grpChg chg="del mod topLvl">
+          <ac:chgData name="唐 崇斌 Edwin" userId="769f27267cb83406" providerId="LiveId" clId="{5950B5EE-091A-4B6E-A0E4-F7E0BA907422}" dt="2020-03-25T04:37:49.397" v="3890" actId="165"/>
+          <ac:grpSpMkLst>
+            <pc:docMk/>
+            <pc:sldMk cId="3037902655" sldId="260"/>
+            <ac:grpSpMk id="36" creationId="{98D8722C-3A7F-4E3D-86E5-A6E4ADF26573}"/>
+          </ac:grpSpMkLst>
+        </pc:grpChg>
+        <pc:grpChg chg="del mod topLvl">
+          <ac:chgData name="唐 崇斌 Edwin" userId="769f27267cb83406" providerId="LiveId" clId="{5950B5EE-091A-4B6E-A0E4-F7E0BA907422}" dt="2020-03-25T04:40:34.350" v="3934" actId="165"/>
+          <ac:grpSpMkLst>
+            <pc:docMk/>
+            <pc:sldMk cId="3037902655" sldId="260"/>
+            <ac:grpSpMk id="39" creationId="{45932E38-CEF5-43C5-AEF5-E89C81900161}"/>
+          </ac:grpSpMkLst>
+        </pc:grpChg>
+        <pc:grpChg chg="add del mod">
+          <ac:chgData name="唐 崇斌 Edwin" userId="769f27267cb83406" providerId="LiveId" clId="{5950B5EE-091A-4B6E-A0E4-F7E0BA907422}" dt="2020-03-25T04:44:24.282" v="4048" actId="165"/>
+          <ac:grpSpMkLst>
+            <pc:docMk/>
+            <pc:sldMk cId="3037902655" sldId="260"/>
+            <ac:grpSpMk id="51" creationId="{9C7B1FC1-2461-488D-8002-4597F8156204}"/>
+          </ac:grpSpMkLst>
+        </pc:grpChg>
+        <pc:grpChg chg="mod topLvl">
+          <ac:chgData name="唐 崇斌 Edwin" userId="769f27267cb83406" providerId="LiveId" clId="{5950B5EE-091A-4B6E-A0E4-F7E0BA907422}" dt="2020-03-25T04:45:27.435" v="4119" actId="12789"/>
+          <ac:grpSpMkLst>
+            <pc:docMk/>
+            <pc:sldMk cId="3037902655" sldId="260"/>
+            <ac:grpSpMk id="53" creationId="{40830674-C4E9-46FF-83C2-8C98FE0B5BC8}"/>
+          </ac:grpSpMkLst>
+        </pc:grpChg>
+        <pc:grpChg chg="del">
+          <ac:chgData name="唐 崇斌 Edwin" userId="769f27267cb83406" providerId="LiveId" clId="{5950B5EE-091A-4B6E-A0E4-F7E0BA907422}" dt="2020-03-25T04:43:52.442" v="4042" actId="478"/>
+          <ac:grpSpMkLst>
+            <pc:docMk/>
+            <pc:sldMk cId="3037902655" sldId="260"/>
+            <ac:grpSpMk id="54" creationId="{B109E6A7-D2CF-4EE7-9A6E-8AD0279F2E4E}"/>
+          </ac:grpSpMkLst>
+        </pc:grpChg>
+        <pc:grpChg chg="add mod">
+          <ac:chgData name="唐 崇斌 Edwin" userId="769f27267cb83406" providerId="LiveId" clId="{5950B5EE-091A-4B6E-A0E4-F7E0BA907422}" dt="2020-03-25T05:00:08.494" v="4391" actId="1076"/>
+          <ac:grpSpMkLst>
+            <pc:docMk/>
+            <pc:sldMk cId="3037902655" sldId="260"/>
+            <ac:grpSpMk id="70" creationId="{C790FDAB-C34F-4E6F-B8D1-2BE33AC3B4EE}"/>
+          </ac:grpSpMkLst>
+        </pc:grpChg>
         <pc:grpChg chg="mod">
-          <ac:chgData name="唐 崇斌 Edwin" userId="769f27267cb83406" providerId="LiveId" clId="{5950B5EE-091A-4B6E-A0E4-F7E0BA907422}" dt="2020-03-22T12:05:31.572" v="13" actId="1037"/>
+          <ac:chgData name="唐 崇斌 Edwin" userId="769f27267cb83406" providerId="LiveId" clId="{5950B5EE-091A-4B6E-A0E4-F7E0BA907422}" dt="2020-03-25T04:46:00.964" v="4166"/>
+          <ac:grpSpMkLst>
+            <pc:docMk/>
+            <pc:sldMk cId="3037902655" sldId="260"/>
+            <ac:grpSpMk id="72" creationId="{A0591254-D44E-4D9E-ACA9-0FFCA546A33B}"/>
+          </ac:grpSpMkLst>
+        </pc:grpChg>
+        <pc:grpChg chg="add del mod">
+          <ac:chgData name="唐 崇斌 Edwin" userId="769f27267cb83406" providerId="LiveId" clId="{5950B5EE-091A-4B6E-A0E4-F7E0BA907422}" dt="2020-03-25T04:48:01.532" v="4175"/>
+          <ac:grpSpMkLst>
+            <pc:docMk/>
+            <pc:sldMk cId="3037902655" sldId="260"/>
+            <ac:grpSpMk id="76" creationId="{49435C34-C77E-442D-B137-24AC05A8E5AC}"/>
+          </ac:grpSpMkLst>
+        </pc:grpChg>
+        <pc:grpChg chg="add mod">
+          <ac:chgData name="唐 崇斌 Edwin" userId="769f27267cb83406" providerId="LiveId" clId="{5950B5EE-091A-4B6E-A0E4-F7E0BA907422}" dt="2020-03-25T05:00:08.494" v="4391" actId="1076"/>
+          <ac:grpSpMkLst>
+            <pc:docMk/>
+            <pc:sldMk cId="3037902655" sldId="260"/>
+            <ac:grpSpMk id="85" creationId="{8296AABF-8CE7-4A28-B56D-5A37748C8C99}"/>
+          </ac:grpSpMkLst>
+        </pc:grpChg>
+        <pc:grpChg chg="del">
+          <ac:chgData name="唐 崇斌 Edwin" userId="769f27267cb83406" providerId="LiveId" clId="{5950B5EE-091A-4B6E-A0E4-F7E0BA907422}" dt="2020-03-25T04:52:04.593" v="4259" actId="478"/>
+          <ac:grpSpMkLst>
+            <pc:docMk/>
+            <pc:sldMk cId="3037902655" sldId="260"/>
+            <ac:grpSpMk id="87" creationId="{1F4C25A8-76B4-4D1D-99FA-DDED4CA23F5F}"/>
+          </ac:grpSpMkLst>
+        </pc:grpChg>
+        <pc:grpChg chg="add mod">
+          <ac:chgData name="唐 崇斌 Edwin" userId="769f27267cb83406" providerId="LiveId" clId="{5950B5EE-091A-4B6E-A0E4-F7E0BA907422}" dt="2020-03-25T05:00:08.494" v="4391" actId="1076"/>
+          <ac:grpSpMkLst>
+            <pc:docMk/>
+            <pc:sldMk cId="3037902655" sldId="260"/>
+            <ac:grpSpMk id="92" creationId="{D6BC32EA-F0EE-46F2-BE89-3234D1786CB4}"/>
+          </ac:grpSpMkLst>
+        </pc:grpChg>
+        <pc:grpChg chg="add mod">
+          <ac:chgData name="唐 崇斌 Edwin" userId="769f27267cb83406" providerId="LiveId" clId="{5950B5EE-091A-4B6E-A0E4-F7E0BA907422}" dt="2020-03-25T04:52:40.481" v="4264" actId="571"/>
+          <ac:grpSpMkLst>
+            <pc:docMk/>
+            <pc:sldMk cId="3037902655" sldId="260"/>
+            <ac:grpSpMk id="95" creationId="{3BD3072D-B3E4-4E49-BA89-9800DC138258}"/>
+          </ac:grpSpMkLst>
+        </pc:grpChg>
+        <pc:grpChg chg="add del mod">
+          <ac:chgData name="唐 崇斌 Edwin" userId="769f27267cb83406" providerId="LiveId" clId="{5950B5EE-091A-4B6E-A0E4-F7E0BA907422}" dt="2020-03-25T04:36:14.533" v="3873" actId="478"/>
           <ac:grpSpMkLst>
             <pc:docMk/>
             <pc:sldMk cId="3037902655" sldId="260"/>
             <ac:grpSpMk id="231" creationId="{C7FDC3FD-7734-4E55-9520-79D89EF89009}"/>
           </ac:grpSpMkLst>
         </pc:grpChg>
-        <pc:grpChg chg="mod">
-          <ac:chgData name="唐 崇斌 Edwin" userId="769f27267cb83406" providerId="LiveId" clId="{5950B5EE-091A-4B6E-A0E4-F7E0BA907422}" dt="2020-03-22T12:05:31.572" v="13" actId="1037"/>
+        <pc:grpChg chg="del mod">
+          <ac:chgData name="唐 崇斌 Edwin" userId="769f27267cb83406" providerId="LiveId" clId="{5950B5EE-091A-4B6E-A0E4-F7E0BA907422}" dt="2020-03-25T04:38:24.842" v="3899" actId="165"/>
           <ac:grpSpMkLst>
             <pc:docMk/>
             <pc:sldMk cId="3037902655" sldId="260"/>
             <ac:grpSpMk id="242" creationId="{E410AC92-0266-425F-AA8C-C0DC5DEF4637}"/>
           </ac:grpSpMkLst>
         </pc:grpChg>
-        <pc:grpChg chg="mod">
-          <ac:chgData name="唐 崇斌 Edwin" userId="769f27267cb83406" providerId="LiveId" clId="{5950B5EE-091A-4B6E-A0E4-F7E0BA907422}" dt="2020-03-22T12:05:31.572" v="13" actId="1037"/>
+        <pc:grpChg chg="del mod">
+          <ac:chgData name="唐 崇斌 Edwin" userId="769f27267cb83406" providerId="LiveId" clId="{5950B5EE-091A-4B6E-A0E4-F7E0BA907422}" dt="2020-03-25T04:30:32.298" v="3831"/>
+          <ac:grpSpMkLst>
+            <pc:docMk/>
+            <pc:sldMk cId="3037902655" sldId="260"/>
+            <ac:grpSpMk id="249" creationId="{33F97D15-CF3E-4FB1-81A7-D3AC26A34BD8}"/>
+          </ac:grpSpMkLst>
+        </pc:grpChg>
+        <pc:grpChg chg="del mod">
+          <ac:chgData name="唐 崇斌 Edwin" userId="769f27267cb83406" providerId="LiveId" clId="{5950B5EE-091A-4B6E-A0E4-F7E0BA907422}" dt="2020-03-25T04:30:32.298" v="3831"/>
           <ac:grpSpMkLst>
             <pc:docMk/>
             <pc:sldMk cId="3037902655" sldId="260"/>
             <ac:grpSpMk id="256" creationId="{4F1B97B5-3C15-40A8-95C1-5FBA6BD58F3F}"/>
           </ac:grpSpMkLst>
         </pc:grpChg>
-        <pc:grpChg chg="mod">
-          <ac:chgData name="唐 崇斌 Edwin" userId="769f27267cb83406" providerId="LiveId" clId="{5950B5EE-091A-4B6E-A0E4-F7E0BA907422}" dt="2020-03-22T12:05:31.572" v="13" actId="1037"/>
+        <pc:grpChg chg="del mod">
+          <ac:chgData name="唐 崇斌 Edwin" userId="769f27267cb83406" providerId="LiveId" clId="{5950B5EE-091A-4B6E-A0E4-F7E0BA907422}" dt="2020-03-25T04:36:52.049" v="3878" actId="478"/>
           <ac:grpSpMkLst>
             <pc:docMk/>
             <pc:sldMk cId="3037902655" sldId="260"/>
             <ac:grpSpMk id="272" creationId="{6F3CCEA5-30ED-40BF-97F4-436C24FFAEBA}"/>
           </ac:grpSpMkLst>
         </pc:grpChg>
-        <pc:grpChg chg="mod">
-          <ac:chgData name="唐 崇斌 Edwin" userId="769f27267cb83406" providerId="LiveId" clId="{5950B5EE-091A-4B6E-A0E4-F7E0BA907422}" dt="2020-03-22T12:05:31.572" v="13" actId="1037"/>
+        <pc:grpChg chg="del mod">
+          <ac:chgData name="唐 崇斌 Edwin" userId="769f27267cb83406" providerId="LiveId" clId="{5950B5EE-091A-4B6E-A0E4-F7E0BA907422}" dt="2020-03-25T04:36:32.244" v="3877" actId="478"/>
           <ac:grpSpMkLst>
             <pc:docMk/>
             <pc:sldMk cId="3037902655" sldId="260"/>
             <ac:grpSpMk id="276" creationId="{71CDEE4F-77A8-48A3-B813-12F904CF7203}"/>
           </ac:grpSpMkLst>
         </pc:grpChg>
+        <pc:picChg chg="add mod">
+          <ac:chgData name="唐 崇斌 Edwin" userId="769f27267cb83406" providerId="LiveId" clId="{5950B5EE-091A-4B6E-A0E4-F7E0BA907422}" dt="2020-03-25T04:56:08.274" v="4309" actId="164"/>
+          <ac:picMkLst>
+            <pc:docMk/>
+            <pc:sldMk cId="3037902655" sldId="260"/>
+            <ac:picMk id="17" creationId="{98297D5B-C176-4331-AD5B-603B56168AA9}"/>
+          </ac:picMkLst>
+        </pc:picChg>
+        <pc:picChg chg="add mod">
+          <ac:chgData name="唐 崇斌 Edwin" userId="769f27267cb83406" providerId="LiveId" clId="{5950B5EE-091A-4B6E-A0E4-F7E0BA907422}" dt="2020-03-25T04:31:08.455" v="3846" actId="164"/>
+          <ac:picMkLst>
+            <pc:docMk/>
+            <pc:sldMk cId="3037902655" sldId="260"/>
+            <ac:picMk id="30" creationId="{DBCDA28B-CC24-4C89-A7E4-FA8533AB652A}"/>
+          </ac:picMkLst>
+        </pc:picChg>
+        <pc:picChg chg="add mod">
+          <ac:chgData name="唐 崇斌 Edwin" userId="769f27267cb83406" providerId="LiveId" clId="{5950B5EE-091A-4B6E-A0E4-F7E0BA907422}" dt="2020-03-25T04:31:08.455" v="3846" actId="164"/>
+          <ac:picMkLst>
+            <pc:docMk/>
+            <pc:sldMk cId="3037902655" sldId="260"/>
+            <ac:picMk id="31" creationId="{64100895-308C-4E76-8283-3E0833980E5D}"/>
+          </ac:picMkLst>
+        </pc:picChg>
+        <pc:picChg chg="add mod">
+          <ac:chgData name="唐 崇斌 Edwin" userId="769f27267cb83406" providerId="LiveId" clId="{5950B5EE-091A-4B6E-A0E4-F7E0BA907422}" dt="2020-03-25T04:31:08.455" v="3846" actId="164"/>
+          <ac:picMkLst>
+            <pc:docMk/>
+            <pc:sldMk cId="3037902655" sldId="260"/>
+            <ac:picMk id="32" creationId="{CEAF9DA0-11A1-43A7-AAC8-EB1EBF4531B3}"/>
+          </ac:picMkLst>
+        </pc:picChg>
+        <pc:picChg chg="mod topLvl">
+          <ac:chgData name="唐 崇斌 Edwin" userId="769f27267cb83406" providerId="LiveId" clId="{5950B5EE-091A-4B6E-A0E4-F7E0BA907422}" dt="2020-03-25T05:00:08.494" v="4391" actId="1076"/>
+          <ac:picMkLst>
+            <pc:docMk/>
+            <pc:sldMk cId="3037902655" sldId="260"/>
+            <ac:picMk id="37" creationId="{42F3669A-B126-4C23-91C0-F3D6D6E30556}"/>
+          </ac:picMkLst>
+        </pc:picChg>
+        <pc:picChg chg="mod topLvl">
+          <ac:chgData name="唐 崇斌 Edwin" userId="769f27267cb83406" providerId="LiveId" clId="{5950B5EE-091A-4B6E-A0E4-F7E0BA907422}" dt="2020-03-25T04:50:20.722" v="4244" actId="408"/>
+          <ac:picMkLst>
+            <pc:docMk/>
+            <pc:sldMk cId="3037902655" sldId="260"/>
+            <ac:picMk id="40" creationId="{6A383AF6-7C0F-4058-8D59-3E0F10E2EB06}"/>
+          </ac:picMkLst>
+        </pc:picChg>
+        <pc:picChg chg="mod topLvl">
+          <ac:chgData name="唐 崇斌 Edwin" userId="769f27267cb83406" providerId="LiveId" clId="{5950B5EE-091A-4B6E-A0E4-F7E0BA907422}" dt="2020-03-25T04:50:20.722" v="4244" actId="408"/>
+          <ac:picMkLst>
+            <pc:docMk/>
+            <pc:sldMk cId="3037902655" sldId="260"/>
+            <ac:picMk id="41" creationId="{63A57BEE-6F50-46D0-9E1D-20EFDF33BA98}"/>
+          </ac:picMkLst>
+        </pc:picChg>
+        <pc:picChg chg="mod topLvl">
+          <ac:chgData name="唐 崇斌 Edwin" userId="769f27267cb83406" providerId="LiveId" clId="{5950B5EE-091A-4B6E-A0E4-F7E0BA907422}" dt="2020-03-25T04:50:20.722" v="4244" actId="408"/>
+          <ac:picMkLst>
+            <pc:docMk/>
+            <pc:sldMk cId="3037902655" sldId="260"/>
+            <ac:picMk id="42" creationId="{DA1A549A-6F28-4E2A-B566-7D45910BD5CB}"/>
+          </ac:picMkLst>
+        </pc:picChg>
+        <pc:picChg chg="mod topLvl">
+          <ac:chgData name="唐 崇斌 Edwin" userId="769f27267cb83406" providerId="LiveId" clId="{5950B5EE-091A-4B6E-A0E4-F7E0BA907422}" dt="2020-03-25T04:50:20.722" v="4244" actId="408"/>
+          <ac:picMkLst>
+            <pc:docMk/>
+            <pc:sldMk cId="3037902655" sldId="260"/>
+            <ac:picMk id="43" creationId="{16446ED6-36E7-4B4C-993C-825C82C6288A}"/>
+          </ac:picMkLst>
+        </pc:picChg>
+        <pc:picChg chg="mod topLvl">
+          <ac:chgData name="唐 崇斌 Edwin" userId="769f27267cb83406" providerId="LiveId" clId="{5950B5EE-091A-4B6E-A0E4-F7E0BA907422}" dt="2020-03-25T04:50:20.722" v="4244" actId="408"/>
+          <ac:picMkLst>
+            <pc:docMk/>
+            <pc:sldMk cId="3037902655" sldId="260"/>
+            <ac:picMk id="44" creationId="{3D43E315-DE59-40FC-A3EA-79E4BC509848}"/>
+          </ac:picMkLst>
+        </pc:picChg>
+        <pc:picChg chg="del">
+          <ac:chgData name="唐 崇斌 Edwin" userId="769f27267cb83406" providerId="LiveId" clId="{5950B5EE-091A-4B6E-A0E4-F7E0BA907422}" dt="2020-03-25T04:43:52.442" v="4042" actId="478"/>
+          <ac:picMkLst>
+            <pc:docMk/>
+            <pc:sldMk cId="3037902655" sldId="260"/>
+            <ac:picMk id="55" creationId="{610B5588-B634-4775-9AAD-0A35C0FFA1D1}"/>
+          </ac:picMkLst>
+        </pc:picChg>
+        <pc:picChg chg="del">
+          <ac:chgData name="唐 崇斌 Edwin" userId="769f27267cb83406" providerId="LiveId" clId="{5950B5EE-091A-4B6E-A0E4-F7E0BA907422}" dt="2020-03-25T04:43:52.442" v="4042" actId="478"/>
+          <ac:picMkLst>
+            <pc:docMk/>
+            <pc:sldMk cId="3037902655" sldId="260"/>
+            <ac:picMk id="56" creationId="{31459FA5-D35F-45C4-8E8C-85685C003996}"/>
+          </ac:picMkLst>
+        </pc:picChg>
         <pc:picChg chg="mod">
-          <ac:chgData name="唐 崇斌 Edwin" userId="769f27267cb83406" providerId="LiveId" clId="{5950B5EE-091A-4B6E-A0E4-F7E0BA907422}" dt="2020-03-22T12:05:31.572" v="13" actId="1037"/>
+          <ac:chgData name="唐 崇斌 Edwin" userId="769f27267cb83406" providerId="LiveId" clId="{5950B5EE-091A-4B6E-A0E4-F7E0BA907422}" dt="2020-03-25T04:44:33.018" v="4050" actId="408"/>
+          <ac:picMkLst>
+            <pc:docMk/>
+            <pc:sldMk cId="3037902655" sldId="260"/>
+            <ac:picMk id="57" creationId="{D6A1F167-E379-4550-9201-24474925DA5F}"/>
+          </ac:picMkLst>
+        </pc:picChg>
+        <pc:picChg chg="del mod">
+          <ac:chgData name="唐 崇斌 Edwin" userId="769f27267cb83406" providerId="LiveId" clId="{5950B5EE-091A-4B6E-A0E4-F7E0BA907422}" dt="2020-03-25T04:43:52.442" v="4042" actId="478"/>
+          <ac:picMkLst>
+            <pc:docMk/>
+            <pc:sldMk cId="3037902655" sldId="260"/>
+            <ac:picMk id="58" creationId="{22B6C6B5-A766-4968-8B34-E400DAF40E09}"/>
+          </ac:picMkLst>
+        </pc:picChg>
+        <pc:picChg chg="mod">
+          <ac:chgData name="唐 崇斌 Edwin" userId="769f27267cb83406" providerId="LiveId" clId="{5950B5EE-091A-4B6E-A0E4-F7E0BA907422}" dt="2020-03-25T04:44:33.018" v="4050" actId="408"/>
+          <ac:picMkLst>
+            <pc:docMk/>
+            <pc:sldMk cId="3037902655" sldId="260"/>
+            <ac:picMk id="59" creationId="{D1B37D41-323B-4ED6-A6B5-0B59FAD22B4C}"/>
+          </ac:picMkLst>
+        </pc:picChg>
+        <pc:picChg chg="del">
+          <ac:chgData name="唐 崇斌 Edwin" userId="769f27267cb83406" providerId="LiveId" clId="{5950B5EE-091A-4B6E-A0E4-F7E0BA907422}" dt="2020-03-25T04:43:52.442" v="4042" actId="478"/>
+          <ac:picMkLst>
+            <pc:docMk/>
+            <pc:sldMk cId="3037902655" sldId="260"/>
+            <ac:picMk id="60" creationId="{3B1E579F-F649-4434-80D2-EE43727AEADE}"/>
+          </ac:picMkLst>
+        </pc:picChg>
+        <pc:picChg chg="del">
+          <ac:chgData name="唐 崇斌 Edwin" userId="769f27267cb83406" providerId="LiveId" clId="{5950B5EE-091A-4B6E-A0E4-F7E0BA907422}" dt="2020-03-25T04:43:52.442" v="4042" actId="478"/>
+          <ac:picMkLst>
+            <pc:docMk/>
+            <pc:sldMk cId="3037902655" sldId="260"/>
+            <ac:picMk id="61" creationId="{CE28E7F2-4B3D-4F9E-9838-83D45D54AE62}"/>
+          </ac:picMkLst>
+        </pc:picChg>
+        <pc:picChg chg="mod">
+          <ac:chgData name="唐 崇斌 Edwin" userId="769f27267cb83406" providerId="LiveId" clId="{5950B5EE-091A-4B6E-A0E4-F7E0BA907422}" dt="2020-03-25T04:44:33.018" v="4050" actId="408"/>
+          <ac:picMkLst>
+            <pc:docMk/>
+            <pc:sldMk cId="3037902655" sldId="260"/>
+            <ac:picMk id="62" creationId="{92E7CFDB-5266-444B-84B7-F9E48113B6B6}"/>
+          </ac:picMkLst>
+        </pc:picChg>
+        <pc:picChg chg="del">
+          <ac:chgData name="唐 崇斌 Edwin" userId="769f27267cb83406" providerId="LiveId" clId="{5950B5EE-091A-4B6E-A0E4-F7E0BA907422}" dt="2020-03-25T04:43:52.442" v="4042" actId="478"/>
+          <ac:picMkLst>
+            <pc:docMk/>
+            <pc:sldMk cId="3037902655" sldId="260"/>
+            <ac:picMk id="63" creationId="{BC09439E-F506-4691-BFBA-474AF04C046C}"/>
+          </ac:picMkLst>
+        </pc:picChg>
+        <pc:picChg chg="del">
+          <ac:chgData name="唐 崇斌 Edwin" userId="769f27267cb83406" providerId="LiveId" clId="{5950B5EE-091A-4B6E-A0E4-F7E0BA907422}" dt="2020-03-25T04:52:04.593" v="4259" actId="478"/>
+          <ac:picMkLst>
+            <pc:docMk/>
+            <pc:sldMk cId="3037902655" sldId="260"/>
+            <ac:picMk id="88" creationId="{1FC7AE28-2BCF-413F-8C70-78EF7B1C78A9}"/>
+          </ac:picMkLst>
+        </pc:picChg>
+        <pc:picChg chg="del">
+          <ac:chgData name="唐 崇斌 Edwin" userId="769f27267cb83406" providerId="LiveId" clId="{5950B5EE-091A-4B6E-A0E4-F7E0BA907422}" dt="2020-03-25T04:52:04.593" v="4259" actId="478"/>
+          <ac:picMkLst>
+            <pc:docMk/>
+            <pc:sldMk cId="3037902655" sldId="260"/>
+            <ac:picMk id="90" creationId="{541AE307-175E-4428-8423-D65A8D0758EE}"/>
+          </ac:picMkLst>
+        </pc:picChg>
+        <pc:picChg chg="del">
+          <ac:chgData name="唐 崇斌 Edwin" userId="769f27267cb83406" providerId="LiveId" clId="{5950B5EE-091A-4B6E-A0E4-F7E0BA907422}" dt="2020-03-25T04:52:04.593" v="4259" actId="478"/>
+          <ac:picMkLst>
+            <pc:docMk/>
+            <pc:sldMk cId="3037902655" sldId="260"/>
+            <ac:picMk id="91" creationId="{AD672D35-BC99-4DF2-9ADA-FD3A2D4BB2C2}"/>
+          </ac:picMkLst>
+        </pc:picChg>
+        <pc:picChg chg="del mod">
+          <ac:chgData name="唐 崇斌 Edwin" userId="769f27267cb83406" providerId="LiveId" clId="{5950B5EE-091A-4B6E-A0E4-F7E0BA907422}" dt="2020-03-25T04:33:16.018" v="3859" actId="478"/>
           <ac:picMkLst>
             <pc:docMk/>
             <pc:sldMk cId="3037902655" sldId="260"/>
             <ac:picMk id="237" creationId="{CCC36057-6DAE-4E75-AA9E-D5EAB8B462E1}"/>
           </ac:picMkLst>
         </pc:picChg>
-        <pc:cxnChg chg="mod">
-          <ac:chgData name="唐 崇斌 Edwin" userId="769f27267cb83406" providerId="LiveId" clId="{5950B5EE-091A-4B6E-A0E4-F7E0BA907422}" dt="2020-03-22T12:05:31.572" v="13" actId="1037"/>
+        <pc:picChg chg="del mod">
+          <ac:chgData name="唐 崇斌 Edwin" userId="769f27267cb83406" providerId="LiveId" clId="{5950B5EE-091A-4B6E-A0E4-F7E0BA907422}" dt="2020-03-25T04:30:32.298" v="3831"/>
+          <ac:picMkLst>
+            <pc:docMk/>
+            <pc:sldMk cId="3037902655" sldId="260"/>
+            <ac:picMk id="250" creationId="{ACD6A9F4-8EFF-4A46-ACDF-59F2CE8DF241}"/>
+          </ac:picMkLst>
+        </pc:picChg>
+        <pc:picChg chg="del mod">
+          <ac:chgData name="唐 崇斌 Edwin" userId="769f27267cb83406" providerId="LiveId" clId="{5950B5EE-091A-4B6E-A0E4-F7E0BA907422}" dt="2020-03-25T04:30:32.298" v="3831"/>
+          <ac:picMkLst>
+            <pc:docMk/>
+            <pc:sldMk cId="3037902655" sldId="260"/>
+            <ac:picMk id="251" creationId="{8D8B0613-CDEA-4B1E-991C-7212B29BE258}"/>
+          </ac:picMkLst>
+        </pc:picChg>
+        <pc:picChg chg="del mod">
+          <ac:chgData name="唐 崇斌 Edwin" userId="769f27267cb83406" providerId="LiveId" clId="{5950B5EE-091A-4B6E-A0E4-F7E0BA907422}" dt="2020-03-25T04:30:32.298" v="3831"/>
+          <ac:picMkLst>
+            <pc:docMk/>
+            <pc:sldMk cId="3037902655" sldId="260"/>
+            <ac:picMk id="252" creationId="{E7BD2F19-AD41-4CAF-95D8-792B7034F67D}"/>
+          </ac:picMkLst>
+        </pc:picChg>
+        <pc:picChg chg="add mod topLvl">
+          <ac:chgData name="唐 崇斌 Edwin" userId="769f27267cb83406" providerId="LiveId" clId="{5950B5EE-091A-4B6E-A0E4-F7E0BA907422}" dt="2020-03-25T04:50:20.722" v="4244" actId="408"/>
+          <ac:picMkLst>
+            <pc:docMk/>
+            <pc:sldMk cId="3037902655" sldId="260"/>
+            <ac:picMk id="1026" creationId="{E70BF45E-579F-490E-B728-9A2ACF53ACFF}"/>
+          </ac:picMkLst>
+        </pc:picChg>
+        <pc:cxnChg chg="add mod">
+          <ac:chgData name="唐 崇斌 Edwin" userId="769f27267cb83406" providerId="LiveId" clId="{5950B5EE-091A-4B6E-A0E4-F7E0BA907422}" dt="2020-03-25T05:00:25.915" v="4395" actId="14100"/>
+          <ac:cxnSpMkLst>
+            <pc:docMk/>
+            <pc:sldMk cId="3037902655" sldId="260"/>
+            <ac:cxnSpMk id="66" creationId="{92F011BC-43FB-432A-8804-136312274809}"/>
+          </ac:cxnSpMkLst>
+        </pc:cxnChg>
+        <pc:cxnChg chg="add mod">
+          <ac:chgData name="唐 崇斌 Edwin" userId="769f27267cb83406" providerId="LiveId" clId="{5950B5EE-091A-4B6E-A0E4-F7E0BA907422}" dt="2020-03-25T05:00:08.494" v="4391" actId="1076"/>
+          <ac:cxnSpMkLst>
+            <pc:docMk/>
+            <pc:sldMk cId="3037902655" sldId="260"/>
+            <ac:cxnSpMk id="82" creationId="{840FF86F-8FD1-44EC-B79C-D0660E43EA96}"/>
+          </ac:cxnSpMkLst>
+        </pc:cxnChg>
+        <pc:cxnChg chg="add mod">
+          <ac:chgData name="唐 崇斌 Edwin" userId="769f27267cb83406" providerId="LiveId" clId="{5950B5EE-091A-4B6E-A0E4-F7E0BA907422}" dt="2020-03-25T05:00:08.494" v="4391" actId="1076"/>
+          <ac:cxnSpMkLst>
+            <pc:docMk/>
+            <pc:sldMk cId="3037902655" sldId="260"/>
+            <ac:cxnSpMk id="84" creationId="{B445162C-AF38-4C80-9EED-559F8C008428}"/>
+          </ac:cxnSpMkLst>
+        </pc:cxnChg>
+        <pc:cxnChg chg="add mod ord">
+          <ac:chgData name="唐 崇斌 Edwin" userId="769f27267cb83406" providerId="LiveId" clId="{5950B5EE-091A-4B6E-A0E4-F7E0BA907422}" dt="2020-03-25T05:00:08.494" v="4391" actId="1076"/>
+          <ac:cxnSpMkLst>
+            <pc:docMk/>
+            <pc:sldMk cId="3037902655" sldId="260"/>
+            <ac:cxnSpMk id="98" creationId="{70ADA928-6E3C-4F8F-9034-6B28B322708F}"/>
+          </ac:cxnSpMkLst>
+        </pc:cxnChg>
+        <pc:cxnChg chg="add mod">
+          <ac:chgData name="唐 崇斌 Edwin" userId="769f27267cb83406" providerId="LiveId" clId="{5950B5EE-091A-4B6E-A0E4-F7E0BA907422}" dt="2020-03-25T04:53:33.266" v="4281" actId="571"/>
+          <ac:cxnSpMkLst>
+            <pc:docMk/>
+            <pc:sldMk cId="3037902655" sldId="260"/>
+            <ac:cxnSpMk id="99" creationId="{D220B582-6DF7-49CA-8A30-ADFC5ADDC5B3}"/>
+          </ac:cxnSpMkLst>
+        </pc:cxnChg>
+        <pc:cxnChg chg="add mod">
+          <ac:chgData name="唐 崇斌 Edwin" userId="769f27267cb83406" providerId="LiveId" clId="{5950B5EE-091A-4B6E-A0E4-F7E0BA907422}" dt="2020-03-25T05:00:08.494" v="4391" actId="1076"/>
+          <ac:cxnSpMkLst>
+            <pc:docMk/>
+            <pc:sldMk cId="3037902655" sldId="260"/>
+            <ac:cxnSpMk id="100" creationId="{D492A8E1-45AA-469A-80B6-6900283EEF02}"/>
+          </ac:cxnSpMkLst>
+        </pc:cxnChg>
+        <pc:cxnChg chg="del mod">
+          <ac:chgData name="唐 崇斌 Edwin" userId="769f27267cb83406" providerId="LiveId" clId="{5950B5EE-091A-4B6E-A0E4-F7E0BA907422}" dt="2020-03-25T04:38:15.202" v="3895" actId="478"/>
           <ac:cxnSpMkLst>
             <pc:docMk/>
             <pc:sldMk cId="3037902655" sldId="260"/>
             <ac:cxnSpMk id="265" creationId="{3FD3BE06-9F73-4E00-8FBF-13F65A946C11}"/>
           </ac:cxnSpMkLst>
         </pc:cxnChg>
-        <pc:cxnChg chg="mod">
-          <ac:chgData name="唐 崇斌 Edwin" userId="769f27267cb83406" providerId="LiveId" clId="{5950B5EE-091A-4B6E-A0E4-F7E0BA907422}" dt="2020-03-22T12:05:31.572" v="13" actId="1037"/>
+        <pc:cxnChg chg="del mod">
+          <ac:chgData name="唐 崇斌 Edwin" userId="769f27267cb83406" providerId="LiveId" clId="{5950B5EE-091A-4B6E-A0E4-F7E0BA907422}" dt="2020-03-25T04:53:15.328" v="4275" actId="478"/>
           <ac:cxnSpMkLst>
             <pc:docMk/>
             <pc:sldMk cId="3037902655" sldId="260"/>
@@ -467,8 +1011,8 @@
           </ac:cxnSpMkLst>
         </pc:cxnChg>
       </pc:sldChg>
-      <pc:sldChg chg="addSp delSp modSp">
-        <pc:chgData name="唐 崇斌 Edwin" userId="769f27267cb83406" providerId="LiveId" clId="{5950B5EE-091A-4B6E-A0E4-F7E0BA907422}" dt="2020-03-23T16:31:37.234" v="1488"/>
+      <pc:sldChg chg="addSp delSp modSp ord">
+        <pc:chgData name="唐 崇斌 Edwin" userId="769f27267cb83406" providerId="LiveId" clId="{5950B5EE-091A-4B6E-A0E4-F7E0BA907422}" dt="2020-03-25T04:28:49.518" v="3819"/>
         <pc:sldMkLst>
           <pc:docMk/>
           <pc:sldMk cId="1166616651" sldId="261"/>
@@ -579,7 +1123,7 @@
         </pc:cxnChg>
       </pc:sldChg>
       <pc:sldChg chg="addSp delSp modSp add">
-        <pc:chgData name="唐 崇斌 Edwin" userId="769f27267cb83406" providerId="LiveId" clId="{5950B5EE-091A-4B6E-A0E4-F7E0BA907422}" dt="2020-03-24T00:40:32.253" v="3818" actId="552"/>
+        <pc:chgData name="唐 崇斌 Edwin" userId="769f27267cb83406" providerId="LiveId" clId="{5950B5EE-091A-4B6E-A0E4-F7E0BA907422}" dt="2020-03-25T04:34:47.111" v="3870" actId="478"/>
         <pc:sldMkLst>
           <pc:docMk/>
           <pc:sldMk cId="2642943566" sldId="262"/>
@@ -849,7 +1393,7 @@
           </ac:spMkLst>
         </pc:spChg>
         <pc:spChg chg="mod topLvl">
-          <ac:chgData name="唐 崇斌 Edwin" userId="769f27267cb83406" providerId="LiveId" clId="{5950B5EE-091A-4B6E-A0E4-F7E0BA907422}" dt="2020-03-23T17:56:59.925" v="3804" actId="164"/>
+          <ac:chgData name="唐 崇斌 Edwin" userId="769f27267cb83406" providerId="LiveId" clId="{5950B5EE-091A-4B6E-A0E4-F7E0BA907422}" dt="2020-03-25T04:34:17.238" v="3868" actId="164"/>
           <ac:spMkLst>
             <pc:docMk/>
             <pc:sldMk cId="2642943566" sldId="262"/>
@@ -928,8 +1472,8 @@
             <ac:spMk id="255" creationId="{2FF36763-E03D-4DFA-B609-5604CFE1155C}"/>
           </ac:spMkLst>
         </pc:spChg>
-        <pc:spChg chg="mod">
-          <ac:chgData name="唐 崇斌 Edwin" userId="769f27267cb83406" providerId="LiveId" clId="{5950B5EE-091A-4B6E-A0E4-F7E0BA907422}" dt="2020-03-23T17:50:39.396" v="3592" actId="1076"/>
+        <pc:spChg chg="del mod">
+          <ac:chgData name="唐 崇斌 Edwin" userId="769f27267cb83406" providerId="LiveId" clId="{5950B5EE-091A-4B6E-A0E4-F7E0BA907422}" dt="2020-03-25T04:32:40.708" v="3853" actId="478"/>
           <ac:spMkLst>
             <pc:docMk/>
             <pc:sldMk cId="2642943566" sldId="262"/>
@@ -952,6 +1496,30 @@
             <ac:grpSpMk id="2" creationId="{3BDA039D-BCBE-49DA-9EE4-78F79CD5943C}"/>
           </ac:grpSpMkLst>
         </pc:grpChg>
+        <pc:grpChg chg="add mod">
+          <ac:chgData name="唐 崇斌 Edwin" userId="769f27267cb83406" providerId="LiveId" clId="{5950B5EE-091A-4B6E-A0E4-F7E0BA907422}" dt="2020-03-25T04:33:04.234" v="3857" actId="164"/>
+          <ac:grpSpMkLst>
+            <pc:docMk/>
+            <pc:sldMk cId="2642943566" sldId="262"/>
+            <ac:grpSpMk id="2" creationId="{E802239B-03CC-4D38-8AD5-7D09F1A90C8B}"/>
+          </ac:grpSpMkLst>
+        </pc:grpChg>
+        <pc:grpChg chg="add mod">
+          <ac:chgData name="唐 崇斌 Edwin" userId="769f27267cb83406" providerId="LiveId" clId="{5950B5EE-091A-4B6E-A0E4-F7E0BA907422}" dt="2020-03-25T04:34:17.238" v="3868" actId="164"/>
+          <ac:grpSpMkLst>
+            <pc:docMk/>
+            <pc:sldMk cId="2642943566" sldId="262"/>
+            <ac:grpSpMk id="3" creationId="{E73DD011-EFAE-4F17-8D86-1B6C4685565D}"/>
+          </ac:grpSpMkLst>
+        </pc:grpChg>
+        <pc:grpChg chg="add mod">
+          <ac:chgData name="唐 崇斌 Edwin" userId="769f27267cb83406" providerId="LiveId" clId="{5950B5EE-091A-4B6E-A0E4-F7E0BA907422}" dt="2020-03-25T04:34:27.869" v="3869" actId="1076"/>
+          <ac:grpSpMkLst>
+            <pc:docMk/>
+            <pc:sldMk cId="2642943566" sldId="262"/>
+            <ac:grpSpMk id="4" creationId="{2E496C7C-107F-424F-8C49-B9EAD279B6CA}"/>
+          </ac:grpSpMkLst>
+        </pc:grpChg>
         <pc:grpChg chg="add del mod topLvl">
           <ac:chgData name="唐 崇斌 Edwin" userId="769f27267cb83406" providerId="LiveId" clId="{5950B5EE-091A-4B6E-A0E4-F7E0BA907422}" dt="2020-03-23T16:57:43.339" v="2465" actId="478"/>
           <ac:grpSpMkLst>
@@ -1040,8 +1608,8 @@
             <ac:grpSpMk id="44" creationId="{C7B87E73-02C1-4E5E-A3C0-B21707700A38}"/>
           </ac:grpSpMkLst>
         </pc:grpChg>
-        <pc:grpChg chg="add mod">
-          <ac:chgData name="唐 崇斌 Edwin" userId="769f27267cb83406" providerId="LiveId" clId="{5950B5EE-091A-4B6E-A0E4-F7E0BA907422}" dt="2020-03-23T17:57:09.864" v="3806" actId="12788"/>
+        <pc:grpChg chg="add del mod">
+          <ac:chgData name="唐 崇斌 Edwin" userId="769f27267cb83406" providerId="LiveId" clId="{5950B5EE-091A-4B6E-A0E4-F7E0BA907422}" dt="2020-03-25T04:33:58.701" v="3863" actId="165"/>
           <ac:grpSpMkLst>
             <pc:docMk/>
             <pc:sldMk cId="2642943566" sldId="262"/>
@@ -1320,8 +1888,8 @@
             <ac:grpSpMk id="203" creationId="{1BD26C05-4BA0-4A9F-B739-F7472E55FB9E}"/>
           </ac:grpSpMkLst>
         </pc:grpChg>
-        <pc:grpChg chg="mod topLvl">
-          <ac:chgData name="唐 崇斌 Edwin" userId="769f27267cb83406" providerId="LiveId" clId="{5950B5EE-091A-4B6E-A0E4-F7E0BA907422}" dt="2020-03-23T17:57:09.864" v="3806" actId="12788"/>
+        <pc:grpChg chg="del mod topLvl">
+          <ac:chgData name="唐 崇斌 Edwin" userId="769f27267cb83406" providerId="LiveId" clId="{5950B5EE-091A-4B6E-A0E4-F7E0BA907422}" dt="2020-03-25T04:34:02.212" v="3864" actId="165"/>
           <ac:grpSpMkLst>
             <pc:docMk/>
             <pc:sldMk cId="2642943566" sldId="262"/>
@@ -1401,7 +1969,7 @@
           </ac:grpSpMkLst>
         </pc:grpChg>
         <pc:grpChg chg="add mod">
-          <ac:chgData name="唐 崇斌 Edwin" userId="769f27267cb83406" providerId="LiveId" clId="{5950B5EE-091A-4B6E-A0E4-F7E0BA907422}" dt="2020-03-23T17:52:01.604" v="3633" actId="1038"/>
+          <ac:chgData name="唐 崇斌 Edwin" userId="769f27267cb83406" providerId="LiveId" clId="{5950B5EE-091A-4B6E-A0E4-F7E0BA907422}" dt="2020-03-25T04:33:04.234" v="3857" actId="164"/>
           <ac:grpSpMkLst>
             <pc:docMk/>
             <pc:sldMk cId="2642943566" sldId="262"/>
@@ -1480,6 +2048,22 @@
             <ac:picMk id="85" creationId="{11F2E5DD-CB9B-4102-B144-83A1A533401C}"/>
           </ac:picMkLst>
         </pc:picChg>
+        <pc:picChg chg="add mod">
+          <ac:chgData name="唐 崇斌 Edwin" userId="769f27267cb83406" providerId="LiveId" clId="{5950B5EE-091A-4B6E-A0E4-F7E0BA907422}" dt="2020-03-25T04:33:04.234" v="3857" actId="164"/>
+          <ac:picMkLst>
+            <pc:docMk/>
+            <pc:sldMk cId="2642943566" sldId="262"/>
+            <ac:picMk id="86" creationId="{F1122667-C9A1-4D9A-A5CF-43D6F610E8ED}"/>
+          </ac:picMkLst>
+        </pc:picChg>
+        <pc:picChg chg="add mod">
+          <ac:chgData name="唐 崇斌 Edwin" userId="769f27267cb83406" providerId="LiveId" clId="{5950B5EE-091A-4B6E-A0E4-F7E0BA907422}" dt="2020-03-25T04:34:10.712" v="3866" actId="164"/>
+          <ac:picMkLst>
+            <pc:docMk/>
+            <pc:sldMk cId="2642943566" sldId="262"/>
+            <ac:picMk id="88" creationId="{0026CE20-E9E7-4681-ACC6-CED77858FD1D}"/>
+          </ac:picMkLst>
+        </pc:picChg>
         <pc:picChg chg="mod topLvl">
           <ac:chgData name="唐 崇斌 Edwin" userId="769f27267cb83406" providerId="LiveId" clId="{5950B5EE-091A-4B6E-A0E4-F7E0BA907422}" dt="2020-03-23T15:00:38.747" v="889" actId="164"/>
           <ac:picMkLst>
@@ -1576,24 +2160,24 @@
             <ac:picMk id="156" creationId="{5F247478-C762-4F96-891C-379A00364905}"/>
           </ac:picMkLst>
         </pc:picChg>
-        <pc:picChg chg="mod">
-          <ac:chgData name="唐 崇斌 Edwin" userId="769f27267cb83406" providerId="LiveId" clId="{5950B5EE-091A-4B6E-A0E4-F7E0BA907422}" dt="2020-03-23T17:56:48.668" v="3801" actId="408"/>
+        <pc:picChg chg="mod topLvl">
+          <ac:chgData name="唐 崇斌 Edwin" userId="769f27267cb83406" providerId="LiveId" clId="{5950B5EE-091A-4B6E-A0E4-F7E0BA907422}" dt="2020-03-25T04:34:10.712" v="3866" actId="164"/>
           <ac:picMkLst>
             <pc:docMk/>
             <pc:sldMk cId="2642943566" sldId="262"/>
             <ac:picMk id="206" creationId="{30FF77F8-D51D-4E1F-B955-6D3AFD2222B2}"/>
           </ac:picMkLst>
         </pc:picChg>
-        <pc:picChg chg="mod">
-          <ac:chgData name="唐 崇斌 Edwin" userId="769f27267cb83406" providerId="LiveId" clId="{5950B5EE-091A-4B6E-A0E4-F7E0BA907422}" dt="2020-03-23T17:56:48.668" v="3801" actId="408"/>
+        <pc:picChg chg="mod topLvl">
+          <ac:chgData name="唐 崇斌 Edwin" userId="769f27267cb83406" providerId="LiveId" clId="{5950B5EE-091A-4B6E-A0E4-F7E0BA907422}" dt="2020-03-25T04:34:10.712" v="3866" actId="164"/>
           <ac:picMkLst>
             <pc:docMk/>
             <pc:sldMk cId="2642943566" sldId="262"/>
             <ac:picMk id="207" creationId="{D93C3C4A-3C79-4173-80D2-62A97C04DDB3}"/>
           </ac:picMkLst>
         </pc:picChg>
-        <pc:picChg chg="mod">
-          <ac:chgData name="唐 崇斌 Edwin" userId="769f27267cb83406" providerId="LiveId" clId="{5950B5EE-091A-4B6E-A0E4-F7E0BA907422}" dt="2020-03-23T17:56:48.668" v="3801" actId="408"/>
+        <pc:picChg chg="mod topLvl">
+          <ac:chgData name="唐 崇斌 Edwin" userId="769f27267cb83406" providerId="LiveId" clId="{5950B5EE-091A-4B6E-A0E4-F7E0BA907422}" dt="2020-03-25T04:34:10.712" v="3866" actId="164"/>
           <ac:picMkLst>
             <pc:docMk/>
             <pc:sldMk cId="2642943566" sldId="262"/>
@@ -1608,6 +2192,14 @@
             <ac:picMk id="241" creationId="{96D7E9B9-AD5D-4E6F-9973-BABDFB751AD1}"/>
           </ac:picMkLst>
         </pc:picChg>
+        <pc:picChg chg="del">
+          <ac:chgData name="唐 崇斌 Edwin" userId="769f27267cb83406" providerId="LiveId" clId="{5950B5EE-091A-4B6E-A0E4-F7E0BA907422}" dt="2020-03-25T04:34:47.111" v="3870" actId="478"/>
+          <ac:picMkLst>
+            <pc:docMk/>
+            <pc:sldMk cId="2642943566" sldId="262"/>
+            <ac:picMk id="248" creationId="{EE8B66A6-702C-4CB1-8D82-F70C467E77FB}"/>
+          </ac:picMkLst>
+        </pc:picChg>
         <pc:picChg chg="mod">
           <ac:chgData name="唐 崇斌 Edwin" userId="769f27267cb83406" providerId="LiveId" clId="{5950B5EE-091A-4B6E-A0E4-F7E0BA907422}" dt="2020-03-23T17:50:08.134" v="3583" actId="688"/>
           <ac:picMkLst>
@@ -1625,7 +2217,7 @@
           </ac:picMkLst>
         </pc:picChg>
         <pc:picChg chg="mod">
-          <ac:chgData name="唐 崇斌 Edwin" userId="769f27267cb83406" providerId="LiveId" clId="{5950B5EE-091A-4B6E-A0E4-F7E0BA907422}" dt="2020-03-23T17:50:33.165" v="3591" actId="1076"/>
+          <ac:chgData name="唐 崇斌 Edwin" userId="769f27267cb83406" providerId="LiveId" clId="{5950B5EE-091A-4B6E-A0E4-F7E0BA907422}" dt="2020-03-25T04:32:36.738" v="3852" actId="1076"/>
           <ac:picMkLst>
             <pc:docMk/>
             <pc:sldMk cId="2642943566" sldId="262"/>
@@ -3525,7 +4117,7 @@
           <a:p>
             <a:fld id="{2397B9A4-A1A7-4F69-B67A-5CE7E47DA859}" type="datetimeFigureOut">
               <a:rPr lang="zh-CN" altLang="en-US" smtClean="0"/>
-              <a:t>2020/3/24</a:t>
+              <a:t>2020/3/25</a:t>
             </a:fld>
             <a:endParaRPr lang="zh-CN" altLang="en-US"/>
           </a:p>
@@ -3693,7 +4285,7 @@
           <a:p>
             <a:fld id="{2397B9A4-A1A7-4F69-B67A-5CE7E47DA859}" type="datetimeFigureOut">
               <a:rPr lang="zh-CN" altLang="en-US" smtClean="0"/>
-              <a:t>2020/3/24</a:t>
+              <a:t>2020/3/25</a:t>
             </a:fld>
             <a:endParaRPr lang="zh-CN" altLang="en-US"/>
           </a:p>
@@ -3871,7 +4463,7 @@
           <a:p>
             <a:fld id="{2397B9A4-A1A7-4F69-B67A-5CE7E47DA859}" type="datetimeFigureOut">
               <a:rPr lang="zh-CN" altLang="en-US" smtClean="0"/>
-              <a:t>2020/3/24</a:t>
+              <a:t>2020/3/25</a:t>
             </a:fld>
             <a:endParaRPr lang="zh-CN" altLang="en-US"/>
           </a:p>
@@ -4039,7 +4631,7 @@
           <a:p>
             <a:fld id="{2397B9A4-A1A7-4F69-B67A-5CE7E47DA859}" type="datetimeFigureOut">
               <a:rPr lang="zh-CN" altLang="en-US" smtClean="0"/>
-              <a:t>2020/3/24</a:t>
+              <a:t>2020/3/25</a:t>
             </a:fld>
             <a:endParaRPr lang="zh-CN" altLang="en-US"/>
           </a:p>
@@ -4284,7 +4876,7 @@
           <a:p>
             <a:fld id="{2397B9A4-A1A7-4F69-B67A-5CE7E47DA859}" type="datetimeFigureOut">
               <a:rPr lang="zh-CN" altLang="en-US" smtClean="0"/>
-              <a:t>2020/3/24</a:t>
+              <a:t>2020/3/25</a:t>
             </a:fld>
             <a:endParaRPr lang="zh-CN" altLang="en-US"/>
           </a:p>
@@ -4513,7 +5105,7 @@
           <a:p>
             <a:fld id="{2397B9A4-A1A7-4F69-B67A-5CE7E47DA859}" type="datetimeFigureOut">
               <a:rPr lang="zh-CN" altLang="en-US" smtClean="0"/>
-              <a:t>2020/3/24</a:t>
+              <a:t>2020/3/25</a:t>
             </a:fld>
             <a:endParaRPr lang="zh-CN" altLang="en-US"/>
           </a:p>
@@ -4877,7 +5469,7 @@
           <a:p>
             <a:fld id="{2397B9A4-A1A7-4F69-B67A-5CE7E47DA859}" type="datetimeFigureOut">
               <a:rPr lang="zh-CN" altLang="en-US" smtClean="0"/>
-              <a:t>2020/3/24</a:t>
+              <a:t>2020/3/25</a:t>
             </a:fld>
             <a:endParaRPr lang="zh-CN" altLang="en-US"/>
           </a:p>
@@ -4994,7 +5586,7 @@
           <a:p>
             <a:fld id="{2397B9A4-A1A7-4F69-B67A-5CE7E47DA859}" type="datetimeFigureOut">
               <a:rPr lang="zh-CN" altLang="en-US" smtClean="0"/>
-              <a:t>2020/3/24</a:t>
+              <a:t>2020/3/25</a:t>
             </a:fld>
             <a:endParaRPr lang="zh-CN" altLang="en-US"/>
           </a:p>
@@ -5089,7 +5681,7 @@
           <a:p>
             <a:fld id="{2397B9A4-A1A7-4F69-B67A-5CE7E47DA859}" type="datetimeFigureOut">
               <a:rPr lang="zh-CN" altLang="en-US" smtClean="0"/>
-              <a:t>2020/3/24</a:t>
+              <a:t>2020/3/25</a:t>
             </a:fld>
             <a:endParaRPr lang="zh-CN" altLang="en-US"/>
           </a:p>
@@ -5364,7 +5956,7 @@
           <a:p>
             <a:fld id="{2397B9A4-A1A7-4F69-B67A-5CE7E47DA859}" type="datetimeFigureOut">
               <a:rPr lang="zh-CN" altLang="en-US" smtClean="0"/>
-              <a:t>2020/3/24</a:t>
+              <a:t>2020/3/25</a:t>
             </a:fld>
             <a:endParaRPr lang="zh-CN" altLang="en-US"/>
           </a:p>
@@ -5616,7 +6208,7 @@
           <a:p>
             <a:fld id="{2397B9A4-A1A7-4F69-B67A-5CE7E47DA859}" type="datetimeFigureOut">
               <a:rPr lang="zh-CN" altLang="en-US" smtClean="0"/>
-              <a:t>2020/3/24</a:t>
+              <a:t>2020/3/25</a:t>
             </a:fld>
             <a:endParaRPr lang="zh-CN" altLang="en-US"/>
           </a:p>
@@ -5827,7 +6419,7 @@
           <a:p>
             <a:fld id="{2397B9A4-A1A7-4F69-B67A-5CE7E47DA859}" type="datetimeFigureOut">
               <a:rPr lang="zh-CN" altLang="en-US" smtClean="0"/>
-              <a:t>2020/3/24</a:t>
+              <a:t>2020/3/25</a:t>
             </a:fld>
             <a:endParaRPr lang="zh-CN" altLang="en-US"/>
           </a:p>
@@ -8312,1228 +8904,6 @@
 </file>
 
 <file path=ppt/slides/slide2.xml><?xml version="1.0" encoding="utf-8"?>
-<p:sld xmlns:a="http://schemas.openxmlformats.org/drawingml/2006/main" xmlns:r="http://schemas.openxmlformats.org/officeDocument/2006/relationships" xmlns:p="http://schemas.openxmlformats.org/presentationml/2006/main">
-  <p:cSld>
-    <p:spTree>
-      <p:nvGrpSpPr>
-        <p:cNvPr id="1" name=""/>
-        <p:cNvGrpSpPr/>
-        <p:nvPr/>
-      </p:nvGrpSpPr>
-      <p:grpSpPr>
-        <a:xfrm>
-          <a:off x="0" y="0"/>
-          <a:ext cx="0" cy="0"/>
-          <a:chOff x="0" y="0"/>
-          <a:chExt cx="0" cy="0"/>
-        </a:xfrm>
-      </p:grpSpPr>
-      <p:sp>
-        <p:nvSpPr>
-          <p:cNvPr id="142" name="矩形 141">
-            <a:extLst>
-              <a:ext uri="{FF2B5EF4-FFF2-40B4-BE49-F238E27FC236}">
-                <a16:creationId xmlns:a16="http://schemas.microsoft.com/office/drawing/2014/main" id="{E25BAEBA-8F45-435A-8A3B-A30C6BD1F3BD}"/>
-              </a:ext>
-            </a:extLst>
-          </p:cNvPr>
-          <p:cNvSpPr/>
-          <p:nvPr/>
-        </p:nvSpPr>
-        <p:spPr>
-          <a:xfrm>
-            <a:off x="3588002" y="1885985"/>
-            <a:ext cx="2854044" cy="1898113"/>
-          </a:xfrm>
-          <a:prstGeom prst="rect">
-            <a:avLst/>
-          </a:prstGeom>
-          <a:solidFill>
-            <a:schemeClr val="bg1"/>
-          </a:solidFill>
-          <a:ln w="12700">
-            <a:solidFill>
-              <a:schemeClr val="tx1"/>
-            </a:solidFill>
-            <a:prstDash val="dash"/>
-          </a:ln>
-        </p:spPr>
-        <p:style>
-          <a:lnRef idx="2">
-            <a:schemeClr val="accent1">
-              <a:shade val="50000"/>
-            </a:schemeClr>
-          </a:lnRef>
-          <a:fillRef idx="1">
-            <a:schemeClr val="accent1"/>
-          </a:fillRef>
-          <a:effectRef idx="0">
-            <a:schemeClr val="accent1"/>
-          </a:effectRef>
-          <a:fontRef idx="minor">
-            <a:schemeClr val="lt1"/>
-          </a:fontRef>
-        </p:style>
-        <p:txBody>
-          <a:bodyPr rtlCol="0" anchor="ctr"/>
-          <a:lstStyle/>
-          <a:p>
-            <a:pPr algn="ctr"/>
-            <a:endParaRPr lang="zh-CN" altLang="en-US" dirty="0">
-              <a:solidFill>
-                <a:schemeClr val="tx1"/>
-              </a:solidFill>
-            </a:endParaRPr>
-          </a:p>
-        </p:txBody>
-      </p:sp>
-      <p:grpSp>
-        <p:nvGrpSpPr>
-          <p:cNvPr id="231" name="组合 230">
-            <a:extLst>
-              <a:ext uri="{FF2B5EF4-FFF2-40B4-BE49-F238E27FC236}">
-                <a16:creationId xmlns:a16="http://schemas.microsoft.com/office/drawing/2014/main" id="{C7FDC3FD-7734-4E55-9520-79D89EF89009}"/>
-              </a:ext>
-            </a:extLst>
-          </p:cNvPr>
-          <p:cNvGrpSpPr/>
-          <p:nvPr/>
-        </p:nvGrpSpPr>
-        <p:grpSpPr>
-          <a:xfrm>
-            <a:off x="4115148" y="974242"/>
-            <a:ext cx="2066411" cy="386101"/>
-            <a:chOff x="7348816" y="3650581"/>
-            <a:chExt cx="1718498" cy="321095"/>
-          </a:xfrm>
-          <a:solidFill>
-            <a:schemeClr val="bg1"/>
-          </a:solidFill>
-        </p:grpSpPr>
-        <p:grpSp>
-          <p:nvGrpSpPr>
-            <p:cNvPr id="229" name="组合 228">
-              <a:extLst>
-                <a:ext uri="{FF2B5EF4-FFF2-40B4-BE49-F238E27FC236}">
-                  <a16:creationId xmlns:a16="http://schemas.microsoft.com/office/drawing/2014/main" id="{9B00A8A8-C810-455C-A2E2-B61FF8A836D9}"/>
-                </a:ext>
-              </a:extLst>
-            </p:cNvPr>
-            <p:cNvGrpSpPr/>
-            <p:nvPr/>
-          </p:nvGrpSpPr>
-          <p:grpSpPr>
-            <a:xfrm>
-              <a:off x="7348816" y="3650581"/>
-              <a:ext cx="565142" cy="295200"/>
-              <a:chOff x="8909620" y="1934602"/>
-              <a:chExt cx="565142" cy="295200"/>
-            </a:xfrm>
-            <a:grpFill/>
-          </p:grpSpPr>
-          <p:pic>
-            <p:nvPicPr>
-              <p:cNvPr id="227" name="图片 226">
-                <a:extLst>
-                  <a:ext uri="{FF2B5EF4-FFF2-40B4-BE49-F238E27FC236}">
-                    <a16:creationId xmlns:a16="http://schemas.microsoft.com/office/drawing/2014/main" id="{9FCF9736-F568-4F7E-950F-E1FCAF6A3D89}"/>
-                  </a:ext>
-                </a:extLst>
-              </p:cNvPr>
-              <p:cNvPicPr>
-                <a:picLocks noChangeAspect="1"/>
-              </p:cNvPicPr>
-              <p:nvPr/>
-            </p:nvPicPr>
-            <p:blipFill>
-              <a:blip r:embed="rId2" cstate="print">
-                <a:extLst>
-                  <a:ext uri="{28A0092B-C50C-407E-A947-70E740481C1C}">
-                    <a14:useLocalDpi xmlns:a14="http://schemas.microsoft.com/office/drawing/2010/main" val="0"/>
-                  </a:ext>
-                </a:extLst>
-              </a:blip>
-              <a:stretch>
-                <a:fillRect/>
-              </a:stretch>
-            </p:blipFill>
-            <p:spPr>
-              <a:xfrm flipH="1">
-                <a:off x="8909620" y="1934602"/>
-                <a:ext cx="295200" cy="295200"/>
-              </a:xfrm>
-              <a:prstGeom prst="rect">
-                <a:avLst/>
-              </a:prstGeom>
-              <a:grpFill/>
-            </p:spPr>
-          </p:pic>
-          <p:pic>
-            <p:nvPicPr>
-              <p:cNvPr id="228" name="图片 227">
-                <a:extLst>
-                  <a:ext uri="{FF2B5EF4-FFF2-40B4-BE49-F238E27FC236}">
-                    <a16:creationId xmlns:a16="http://schemas.microsoft.com/office/drawing/2014/main" id="{E6CBFA14-66E1-4B9E-A429-FDA12BE2F975}"/>
-                  </a:ext>
-                </a:extLst>
-              </p:cNvPr>
-              <p:cNvPicPr>
-                <a:picLocks noChangeAspect="1"/>
-              </p:cNvPicPr>
-              <p:nvPr/>
-            </p:nvPicPr>
-            <p:blipFill>
-              <a:blip r:embed="rId2" cstate="print">
-                <a:extLst>
-                  <a:ext uri="{28A0092B-C50C-407E-A947-70E740481C1C}">
-                    <a14:useLocalDpi xmlns:a14="http://schemas.microsoft.com/office/drawing/2010/main" val="0"/>
-                  </a:ext>
-                </a:extLst>
-              </a:blip>
-              <a:stretch>
-                <a:fillRect/>
-              </a:stretch>
-            </p:blipFill>
-            <p:spPr>
-              <a:xfrm flipH="1">
-                <a:off x="9179562" y="1934602"/>
-                <a:ext cx="295200" cy="295200"/>
-              </a:xfrm>
-              <a:prstGeom prst="rect">
-                <a:avLst/>
-              </a:prstGeom>
-              <a:grpFill/>
-            </p:spPr>
-          </p:pic>
-        </p:grpSp>
-        <p:sp>
-          <p:nvSpPr>
-            <p:cNvPr id="230" name="矩形 229">
-              <a:extLst>
-                <a:ext uri="{FF2B5EF4-FFF2-40B4-BE49-F238E27FC236}">
-                  <a16:creationId xmlns:a16="http://schemas.microsoft.com/office/drawing/2014/main" id="{38EAECC0-CCB3-4750-9EC2-260B1A1693AD}"/>
-                </a:ext>
-              </a:extLst>
-            </p:cNvPr>
-            <p:cNvSpPr/>
-            <p:nvPr/>
-          </p:nvSpPr>
-          <p:spPr>
-            <a:xfrm>
-              <a:off x="7923666" y="3656684"/>
-              <a:ext cx="1143648" cy="314992"/>
-            </a:xfrm>
-            <a:prstGeom prst="rect">
-              <a:avLst/>
-            </a:prstGeom>
-            <a:grpFill/>
-            <a:ln w="57150">
-              <a:noFill/>
-              <a:prstDash val="lgDash"/>
-            </a:ln>
-          </p:spPr>
-          <p:style>
-            <a:lnRef idx="2">
-              <a:schemeClr val="accent1">
-                <a:shade val="50000"/>
-              </a:schemeClr>
-            </a:lnRef>
-            <a:fillRef idx="1">
-              <a:schemeClr val="accent1"/>
-            </a:fillRef>
-            <a:effectRef idx="0">
-              <a:schemeClr val="accent1"/>
-            </a:effectRef>
-            <a:fontRef idx="minor">
-              <a:schemeClr val="lt1"/>
-            </a:fontRef>
-          </p:style>
-          <p:txBody>
-            <a:bodyPr rtlCol="0" anchor="ctr"/>
-            <a:lstStyle/>
-            <a:p>
-              <a:pPr algn="ctr"/>
-              <a:r>
-                <a:rPr lang="zh-CN" altLang="en-US" sz="1400" dirty="0">
-                  <a:solidFill>
-                    <a:schemeClr val="tx1"/>
-                  </a:solidFill>
-                </a:rPr>
-                <a:t>正版应用数据</a:t>
-              </a:r>
-            </a:p>
-          </p:txBody>
-        </p:sp>
-      </p:grpSp>
-      <p:pic>
-        <p:nvPicPr>
-          <p:cNvPr id="237" name="Picture 2" descr="https://www.appscan.io/static/images/login_logo.png?9107c90">
-            <a:extLst>
-              <a:ext uri="{FF2B5EF4-FFF2-40B4-BE49-F238E27FC236}">
-                <a16:creationId xmlns:a16="http://schemas.microsoft.com/office/drawing/2014/main" id="{CCC36057-6DAE-4E75-AA9E-D5EAB8B462E1}"/>
-              </a:ext>
-            </a:extLst>
-          </p:cNvPr>
-          <p:cNvPicPr>
-            <a:picLocks noChangeAspect="1" noChangeArrowheads="1"/>
-          </p:cNvPicPr>
-          <p:nvPr/>
-        </p:nvPicPr>
-        <p:blipFill>
-          <a:blip r:embed="rId3">
-            <a:extLst>
-              <a:ext uri="{28A0092B-C50C-407E-A947-70E740481C1C}">
-                <a14:useLocalDpi xmlns:a14="http://schemas.microsoft.com/office/drawing/2010/main" val="0"/>
-              </a:ext>
-            </a:extLst>
-          </a:blip>
-          <a:srcRect/>
-          <a:stretch>
-            <a:fillRect/>
-          </a:stretch>
-        </p:blipFill>
-        <p:spPr bwMode="auto">
-          <a:xfrm>
-            <a:off x="129423" y="2467606"/>
-            <a:ext cx="2410523" cy="530837"/>
-          </a:xfrm>
-          <a:prstGeom prst="rect">
-            <a:avLst/>
-          </a:prstGeom>
-          <a:noFill/>
-          <a:extLst>
-            <a:ext uri="{909E8E84-426E-40DD-AFC4-6F175D3DCCD1}">
-              <a14:hiddenFill xmlns:a14="http://schemas.microsoft.com/office/drawing/2010/main">
-                <a:solidFill>
-                  <a:srgbClr val="FFFFFF"/>
-                </a:solidFill>
-              </a14:hiddenFill>
-            </a:ext>
-          </a:extLst>
-        </p:spPr>
-      </p:pic>
-      <p:sp>
-        <p:nvSpPr>
-          <p:cNvPr id="239" name="矩形 238">
-            <a:extLst>
-              <a:ext uri="{FF2B5EF4-FFF2-40B4-BE49-F238E27FC236}">
-                <a16:creationId xmlns:a16="http://schemas.microsoft.com/office/drawing/2014/main" id="{4E37F4D6-9BB4-4403-87A1-0C16A9CFBBEE}"/>
-              </a:ext>
-            </a:extLst>
-          </p:cNvPr>
-          <p:cNvSpPr/>
-          <p:nvPr/>
-        </p:nvSpPr>
-        <p:spPr>
-          <a:xfrm>
-            <a:off x="3704495" y="3538505"/>
-            <a:ext cx="1531234" cy="584775"/>
-          </a:xfrm>
-          <a:prstGeom prst="rect">
-            <a:avLst/>
-          </a:prstGeom>
-          <a:solidFill>
-            <a:schemeClr val="bg1"/>
-          </a:solidFill>
-        </p:spPr>
-        <p:txBody>
-          <a:bodyPr wrap="square">
-            <a:spAutoFit/>
-          </a:bodyPr>
-          <a:lstStyle/>
-          <a:p>
-            <a:pPr algn="ctr"/>
-            <a:r>
-              <a:rPr lang="zh-CN" altLang="en-US" sz="1600" dirty="0"/>
-              <a:t>应用筛选框架</a:t>
-            </a:r>
-            <a:endParaRPr lang="en-US" altLang="zh-CN" sz="1600" dirty="0"/>
-          </a:p>
-          <a:p>
-            <a:pPr algn="ctr"/>
-            <a:r>
-              <a:rPr lang="en-US" altLang="zh-CN" sz="1600" dirty="0" err="1"/>
-              <a:t>FakeRevealer</a:t>
-            </a:r>
-            <a:endParaRPr lang="zh-CN" altLang="en-US" sz="1600" dirty="0"/>
-          </a:p>
-        </p:txBody>
-      </p:sp>
-      <p:grpSp>
-        <p:nvGrpSpPr>
-          <p:cNvPr id="242" name="组合 241">
-            <a:extLst>
-              <a:ext uri="{FF2B5EF4-FFF2-40B4-BE49-F238E27FC236}">
-                <a16:creationId xmlns:a16="http://schemas.microsoft.com/office/drawing/2014/main" id="{E410AC92-0266-425F-AA8C-C0DC5DEF4637}"/>
-              </a:ext>
-            </a:extLst>
-          </p:cNvPr>
-          <p:cNvGrpSpPr/>
-          <p:nvPr/>
-        </p:nvGrpSpPr>
-        <p:grpSpPr>
-          <a:xfrm>
-            <a:off x="4059900" y="2109160"/>
-            <a:ext cx="2043598" cy="1319841"/>
-            <a:chOff x="6786163" y="1370994"/>
-            <a:chExt cx="2838247" cy="1953572"/>
-          </a:xfrm>
-        </p:grpSpPr>
-        <p:sp>
-          <p:nvSpPr>
-            <p:cNvPr id="238" name="矩形 237">
-              <a:extLst>
-                <a:ext uri="{FF2B5EF4-FFF2-40B4-BE49-F238E27FC236}">
-                  <a16:creationId xmlns:a16="http://schemas.microsoft.com/office/drawing/2014/main" id="{CAF45A72-2999-4E36-BB0C-16EFD0CBF21E}"/>
-                </a:ext>
-              </a:extLst>
-            </p:cNvPr>
-            <p:cNvSpPr/>
-            <p:nvPr/>
-          </p:nvSpPr>
-          <p:spPr>
-            <a:xfrm>
-              <a:off x="6786163" y="1370994"/>
-              <a:ext cx="2838247" cy="502360"/>
-            </a:xfrm>
-            <a:prstGeom prst="rect">
-              <a:avLst/>
-            </a:prstGeom>
-            <a:solidFill>
-              <a:schemeClr val="bg1"/>
-            </a:solidFill>
-            <a:ln w="12700">
-              <a:solidFill>
-                <a:schemeClr val="tx1"/>
-              </a:solidFill>
-              <a:prstDash val="solid"/>
-            </a:ln>
-          </p:spPr>
-          <p:style>
-            <a:lnRef idx="2">
-              <a:schemeClr val="accent1">
-                <a:shade val="50000"/>
-              </a:schemeClr>
-            </a:lnRef>
-            <a:fillRef idx="1">
-              <a:schemeClr val="accent1"/>
-            </a:fillRef>
-            <a:effectRef idx="0">
-              <a:schemeClr val="accent1"/>
-            </a:effectRef>
-            <a:fontRef idx="minor">
-              <a:schemeClr val="lt1"/>
-            </a:fontRef>
-          </p:style>
-          <p:txBody>
-            <a:bodyPr rtlCol="0" anchor="ctr"/>
-            <a:lstStyle/>
-            <a:p>
-              <a:pPr algn="ctr"/>
-              <a:r>
-                <a:rPr lang="zh-CN" altLang="en-US" sz="1600" dirty="0">
-                  <a:solidFill>
-                    <a:schemeClr val="tx1"/>
-                  </a:solidFill>
-                </a:rPr>
-                <a:t>应用收集器</a:t>
-              </a:r>
-            </a:p>
-          </p:txBody>
-        </p:sp>
-        <p:sp>
-          <p:nvSpPr>
-            <p:cNvPr id="240" name="矩形 239">
-              <a:extLst>
-                <a:ext uri="{FF2B5EF4-FFF2-40B4-BE49-F238E27FC236}">
-                  <a16:creationId xmlns:a16="http://schemas.microsoft.com/office/drawing/2014/main" id="{796953AE-C535-4F59-A3E1-61EEB14BBEF7}"/>
-                </a:ext>
-              </a:extLst>
-            </p:cNvPr>
-            <p:cNvSpPr/>
-            <p:nvPr/>
-          </p:nvSpPr>
-          <p:spPr>
-            <a:xfrm>
-              <a:off x="6786163" y="2096600"/>
-              <a:ext cx="2838247" cy="502359"/>
-            </a:xfrm>
-            <a:prstGeom prst="rect">
-              <a:avLst/>
-            </a:prstGeom>
-            <a:solidFill>
-              <a:schemeClr val="bg1"/>
-            </a:solidFill>
-            <a:ln w="12700">
-              <a:solidFill>
-                <a:schemeClr val="tx1"/>
-              </a:solidFill>
-              <a:prstDash val="solid"/>
-            </a:ln>
-          </p:spPr>
-          <p:style>
-            <a:lnRef idx="2">
-              <a:schemeClr val="accent1">
-                <a:shade val="50000"/>
-              </a:schemeClr>
-            </a:lnRef>
-            <a:fillRef idx="1">
-              <a:schemeClr val="accent1"/>
-            </a:fillRef>
-            <a:effectRef idx="0">
-              <a:schemeClr val="accent1"/>
-            </a:effectRef>
-            <a:fontRef idx="minor">
-              <a:schemeClr val="lt1"/>
-            </a:fontRef>
-          </p:style>
-          <p:txBody>
-            <a:bodyPr rtlCol="0" anchor="ctr"/>
-            <a:lstStyle/>
-            <a:p>
-              <a:pPr algn="ctr"/>
-              <a:r>
-                <a:rPr lang="zh-CN" altLang="en-US" sz="1600" dirty="0">
-                  <a:solidFill>
-                    <a:schemeClr val="tx1"/>
-                  </a:solidFill>
-                </a:rPr>
-                <a:t>迭代搜索器</a:t>
-              </a:r>
-            </a:p>
-          </p:txBody>
-        </p:sp>
-        <p:sp>
-          <p:nvSpPr>
-            <p:cNvPr id="241" name="矩形 240">
-              <a:extLst>
-                <a:ext uri="{FF2B5EF4-FFF2-40B4-BE49-F238E27FC236}">
-                  <a16:creationId xmlns:a16="http://schemas.microsoft.com/office/drawing/2014/main" id="{E677E85B-03E0-429B-94BB-1BBC4242884E}"/>
-                </a:ext>
-              </a:extLst>
-            </p:cNvPr>
-            <p:cNvSpPr/>
-            <p:nvPr/>
-          </p:nvSpPr>
-          <p:spPr>
-            <a:xfrm>
-              <a:off x="6786163" y="2822207"/>
-              <a:ext cx="2838247" cy="502359"/>
-            </a:xfrm>
-            <a:prstGeom prst="rect">
-              <a:avLst/>
-            </a:prstGeom>
-            <a:solidFill>
-              <a:schemeClr val="bg1"/>
-            </a:solidFill>
-            <a:ln w="12700">
-              <a:solidFill>
-                <a:schemeClr val="tx1"/>
-              </a:solidFill>
-              <a:prstDash val="solid"/>
-            </a:ln>
-          </p:spPr>
-          <p:style>
-            <a:lnRef idx="2">
-              <a:schemeClr val="accent1">
-                <a:shade val="50000"/>
-              </a:schemeClr>
-            </a:lnRef>
-            <a:fillRef idx="1">
-              <a:schemeClr val="accent1"/>
-            </a:fillRef>
-            <a:effectRef idx="0">
-              <a:schemeClr val="accent1"/>
-            </a:effectRef>
-            <a:fontRef idx="minor">
-              <a:schemeClr val="lt1"/>
-            </a:fontRef>
-          </p:style>
-          <p:txBody>
-            <a:bodyPr rtlCol="0" anchor="ctr"/>
-            <a:lstStyle/>
-            <a:p>
-              <a:pPr algn="ctr"/>
-              <a:r>
-                <a:rPr lang="zh-CN" altLang="en-US" sz="1600" dirty="0">
-                  <a:solidFill>
-                    <a:schemeClr val="tx1"/>
-                  </a:solidFill>
-                </a:rPr>
-                <a:t>应用筛选器</a:t>
-              </a:r>
-            </a:p>
-          </p:txBody>
-        </p:sp>
-      </p:grpSp>
-      <p:grpSp>
-        <p:nvGrpSpPr>
-          <p:cNvPr id="256" name="组合 255">
-            <a:extLst>
-              <a:ext uri="{FF2B5EF4-FFF2-40B4-BE49-F238E27FC236}">
-                <a16:creationId xmlns:a16="http://schemas.microsoft.com/office/drawing/2014/main" id="{4F1B97B5-3C15-40A8-95C1-5FBA6BD58F3F}"/>
-              </a:ext>
-            </a:extLst>
-          </p:cNvPr>
-          <p:cNvGrpSpPr/>
-          <p:nvPr/>
-        </p:nvGrpSpPr>
-        <p:grpSpPr>
-          <a:xfrm>
-            <a:off x="7629496" y="2243287"/>
-            <a:ext cx="1320062" cy="761723"/>
-            <a:chOff x="6880042" y="2230280"/>
-            <a:chExt cx="790445" cy="456115"/>
-          </a:xfrm>
-        </p:grpSpPr>
-        <p:grpSp>
-          <p:nvGrpSpPr>
-            <p:cNvPr id="249" name="组合 248">
-              <a:extLst>
-                <a:ext uri="{FF2B5EF4-FFF2-40B4-BE49-F238E27FC236}">
-                  <a16:creationId xmlns:a16="http://schemas.microsoft.com/office/drawing/2014/main" id="{33F97D15-CF3E-4FB1-81A7-D3AC26A34BD8}"/>
-                </a:ext>
-              </a:extLst>
-            </p:cNvPr>
-            <p:cNvGrpSpPr/>
-            <p:nvPr/>
-          </p:nvGrpSpPr>
-          <p:grpSpPr>
-            <a:xfrm>
-              <a:off x="6880042" y="2473994"/>
-              <a:ext cx="790445" cy="212401"/>
-              <a:chOff x="10622023" y="1215606"/>
-              <a:chExt cx="790445" cy="212401"/>
-            </a:xfrm>
-          </p:grpSpPr>
-          <p:pic>
-            <p:nvPicPr>
-              <p:cNvPr id="250" name="图片 249">
-                <a:extLst>
-                  <a:ext uri="{FF2B5EF4-FFF2-40B4-BE49-F238E27FC236}">
-                    <a16:creationId xmlns:a16="http://schemas.microsoft.com/office/drawing/2014/main" id="{ACD6A9F4-8EFF-4A46-ACDF-59F2CE8DF241}"/>
-                  </a:ext>
-                </a:extLst>
-              </p:cNvPr>
-              <p:cNvPicPr>
-                <a:picLocks noChangeAspect="1"/>
-              </p:cNvPicPr>
-              <p:nvPr/>
-            </p:nvPicPr>
-            <p:blipFill>
-              <a:blip r:embed="rId4" cstate="print">
-                <a:extLst>
-                  <a:ext uri="{28A0092B-C50C-407E-A947-70E740481C1C}">
-                    <a14:useLocalDpi xmlns:a14="http://schemas.microsoft.com/office/drawing/2010/main" val="0"/>
-                  </a:ext>
-                </a:extLst>
-              </a:blip>
-              <a:stretch>
-                <a:fillRect/>
-              </a:stretch>
-            </p:blipFill>
-            <p:spPr>
-              <a:xfrm flipH="1">
-                <a:off x="10622023" y="1215607"/>
-                <a:ext cx="212400" cy="212400"/>
-              </a:xfrm>
-              <a:prstGeom prst="rect">
-                <a:avLst/>
-              </a:prstGeom>
-              <a:ln>
-                <a:noFill/>
-              </a:ln>
-            </p:spPr>
-          </p:pic>
-          <p:pic>
-            <p:nvPicPr>
-              <p:cNvPr id="251" name="图片 250">
-                <a:extLst>
-                  <a:ext uri="{FF2B5EF4-FFF2-40B4-BE49-F238E27FC236}">
-                    <a16:creationId xmlns:a16="http://schemas.microsoft.com/office/drawing/2014/main" id="{8D8B0613-CDEA-4B1E-991C-7212B29BE258}"/>
-                  </a:ext>
-                </a:extLst>
-              </p:cNvPr>
-              <p:cNvPicPr>
-                <a:picLocks noChangeAspect="1"/>
-              </p:cNvPicPr>
-              <p:nvPr/>
-            </p:nvPicPr>
-            <p:blipFill>
-              <a:blip r:embed="rId4" cstate="print">
-                <a:extLst>
-                  <a:ext uri="{28A0092B-C50C-407E-A947-70E740481C1C}">
-                    <a14:useLocalDpi xmlns:a14="http://schemas.microsoft.com/office/drawing/2010/main" val="0"/>
-                  </a:ext>
-                </a:extLst>
-              </a:blip>
-              <a:stretch>
-                <a:fillRect/>
-              </a:stretch>
-            </p:blipFill>
-            <p:spPr>
-              <a:xfrm flipH="1">
-                <a:off x="11200068" y="1215606"/>
-                <a:ext cx="212400" cy="212400"/>
-              </a:xfrm>
-              <a:prstGeom prst="rect">
-                <a:avLst/>
-              </a:prstGeom>
-              <a:ln>
-                <a:noFill/>
-              </a:ln>
-            </p:spPr>
-          </p:pic>
-          <p:pic>
-            <p:nvPicPr>
-              <p:cNvPr id="252" name="图片 251">
-                <a:extLst>
-                  <a:ext uri="{FF2B5EF4-FFF2-40B4-BE49-F238E27FC236}">
-                    <a16:creationId xmlns:a16="http://schemas.microsoft.com/office/drawing/2014/main" id="{E7BD2F19-AD41-4CAF-95D8-792B7034F67D}"/>
-                  </a:ext>
-                </a:extLst>
-              </p:cNvPr>
-              <p:cNvPicPr>
-                <a:picLocks noChangeAspect="1"/>
-              </p:cNvPicPr>
-              <p:nvPr/>
-            </p:nvPicPr>
-            <p:blipFill>
-              <a:blip r:embed="rId4" cstate="print">
-                <a:extLst>
-                  <a:ext uri="{28A0092B-C50C-407E-A947-70E740481C1C}">
-                    <a14:useLocalDpi xmlns:a14="http://schemas.microsoft.com/office/drawing/2010/main" val="0"/>
-                  </a:ext>
-                </a:extLst>
-              </a:blip>
-              <a:stretch>
-                <a:fillRect/>
-              </a:stretch>
-            </p:blipFill>
-            <p:spPr>
-              <a:xfrm flipH="1">
-                <a:off x="10911045" y="1215606"/>
-                <a:ext cx="212400" cy="212400"/>
-              </a:xfrm>
-              <a:prstGeom prst="rect">
-                <a:avLst/>
-              </a:prstGeom>
-              <a:ln>
-                <a:noFill/>
-              </a:ln>
-            </p:spPr>
-          </p:pic>
-        </p:grpSp>
-        <p:sp>
-          <p:nvSpPr>
-            <p:cNvPr id="255" name="矩形 254">
-              <a:extLst>
-                <a:ext uri="{FF2B5EF4-FFF2-40B4-BE49-F238E27FC236}">
-                  <a16:creationId xmlns:a16="http://schemas.microsoft.com/office/drawing/2014/main" id="{2D590E40-7F2D-452A-AA19-01E451E05309}"/>
-                </a:ext>
-              </a:extLst>
-            </p:cNvPr>
-            <p:cNvSpPr/>
-            <p:nvPr/>
-          </p:nvSpPr>
-          <p:spPr>
-            <a:xfrm>
-              <a:off x="6983567" y="2230280"/>
-              <a:ext cx="583394" cy="226801"/>
-            </a:xfrm>
-            <a:prstGeom prst="rect">
-              <a:avLst/>
-            </a:prstGeom>
-            <a:solidFill>
-              <a:schemeClr val="bg1"/>
-            </a:solidFill>
-            <a:ln w="57150">
-              <a:noFill/>
-              <a:prstDash val="lgDash"/>
-            </a:ln>
-          </p:spPr>
-          <p:style>
-            <a:lnRef idx="2">
-              <a:schemeClr val="accent1">
-                <a:shade val="50000"/>
-              </a:schemeClr>
-            </a:lnRef>
-            <a:fillRef idx="1">
-              <a:schemeClr val="accent1"/>
-            </a:fillRef>
-            <a:effectRef idx="0">
-              <a:schemeClr val="accent1"/>
-            </a:effectRef>
-            <a:fontRef idx="minor">
-              <a:schemeClr val="lt1"/>
-            </a:fontRef>
-          </p:style>
-          <p:txBody>
-            <a:bodyPr rtlCol="0" anchor="ctr"/>
-            <a:lstStyle/>
-            <a:p>
-              <a:pPr algn="ctr"/>
-              <a:r>
-                <a:rPr lang="zh-CN" altLang="en-US" sz="1400" dirty="0">
-                  <a:solidFill>
-                    <a:schemeClr val="tx1"/>
-                  </a:solidFill>
-                </a:rPr>
-                <a:t>仿冒应用</a:t>
-              </a:r>
-            </a:p>
-          </p:txBody>
-        </p:sp>
-      </p:grpSp>
-      <p:sp>
-        <p:nvSpPr>
-          <p:cNvPr id="263" name="左大括号 262">
-            <a:extLst>
-              <a:ext uri="{FF2B5EF4-FFF2-40B4-BE49-F238E27FC236}">
-                <a16:creationId xmlns:a16="http://schemas.microsoft.com/office/drawing/2014/main" id="{9551EA7C-FBF4-4C68-8154-6FCCD380781B}"/>
-              </a:ext>
-            </a:extLst>
-          </p:cNvPr>
-          <p:cNvSpPr/>
-          <p:nvPr/>
-        </p:nvSpPr>
-        <p:spPr>
-          <a:xfrm>
-            <a:off x="9253099" y="879637"/>
-            <a:ext cx="883908" cy="3778886"/>
-          </a:xfrm>
-          <a:prstGeom prst="leftBrace">
-            <a:avLst/>
-          </a:prstGeom>
-          <a:ln w="19050">
-            <a:solidFill>
-              <a:schemeClr val="dk1"/>
-            </a:solidFill>
-            <a:headEnd type="none" w="med" len="med"/>
-            <a:tailEnd type="none" w="med" len="med"/>
-          </a:ln>
-        </p:spPr>
-        <p:style>
-          <a:lnRef idx="3">
-            <a:schemeClr val="dk1"/>
-          </a:lnRef>
-          <a:fillRef idx="0">
-            <a:schemeClr val="dk1"/>
-          </a:fillRef>
-          <a:effectRef idx="2">
-            <a:schemeClr val="dk1"/>
-          </a:effectRef>
-          <a:fontRef idx="minor">
-            <a:schemeClr val="tx1"/>
-          </a:fontRef>
-        </p:style>
-        <p:txBody>
-          <a:bodyPr rtlCol="0" anchor="ctr"/>
-          <a:lstStyle/>
-          <a:p>
-            <a:pPr algn="ctr"/>
-            <a:endParaRPr lang="zh-CN" altLang="en-US"/>
-          </a:p>
-        </p:txBody>
-      </p:sp>
-      <p:cxnSp>
-        <p:nvCxnSpPr>
-          <p:cNvPr id="265" name="直接箭头连接符 264">
-            <a:extLst>
-              <a:ext uri="{FF2B5EF4-FFF2-40B4-BE49-F238E27FC236}">
-                <a16:creationId xmlns:a16="http://schemas.microsoft.com/office/drawing/2014/main" id="{3FD3BE06-9F73-4E00-8FBF-13F65A946C11}"/>
-              </a:ext>
-            </a:extLst>
-          </p:cNvPr>
-          <p:cNvCxnSpPr/>
-          <p:nvPr/>
-        </p:nvCxnSpPr>
-        <p:spPr>
-          <a:xfrm>
-            <a:off x="6692871" y="2769080"/>
-            <a:ext cx="685800" cy="0"/>
-          </a:xfrm>
-          <a:prstGeom prst="straightConnector1">
-            <a:avLst/>
-          </a:prstGeom>
-          <a:ln w="19050">
-            <a:headEnd type="none" w="med" len="med"/>
-            <a:tailEnd type="triangle"/>
-          </a:ln>
-        </p:spPr>
-        <p:style>
-          <a:lnRef idx="3">
-            <a:schemeClr val="dk1"/>
-          </a:lnRef>
-          <a:fillRef idx="0">
-            <a:schemeClr val="dk1"/>
-          </a:fillRef>
-          <a:effectRef idx="2">
-            <a:schemeClr val="dk1"/>
-          </a:effectRef>
-          <a:fontRef idx="minor">
-            <a:schemeClr val="tx1"/>
-          </a:fontRef>
-        </p:style>
-      </p:cxnSp>
-      <p:grpSp>
-        <p:nvGrpSpPr>
-          <p:cNvPr id="272" name="组合 271">
-            <a:extLst>
-              <a:ext uri="{FF2B5EF4-FFF2-40B4-BE49-F238E27FC236}">
-                <a16:creationId xmlns:a16="http://schemas.microsoft.com/office/drawing/2014/main" id="{6F3CCEA5-30ED-40BF-97F4-436C24FFAEBA}"/>
-              </a:ext>
-            </a:extLst>
-          </p:cNvPr>
-          <p:cNvGrpSpPr/>
-          <p:nvPr/>
-        </p:nvGrpSpPr>
-        <p:grpSpPr>
-          <a:xfrm>
-            <a:off x="2667701" y="2692880"/>
-            <a:ext cx="714374" cy="152400"/>
-            <a:chOff x="2550255" y="2692880"/>
-            <a:chExt cx="714374" cy="152400"/>
-          </a:xfrm>
-        </p:grpSpPr>
-        <p:cxnSp>
-          <p:nvCxnSpPr>
-            <p:cNvPr id="267" name="直接箭头连接符 266">
-              <a:extLst>
-                <a:ext uri="{FF2B5EF4-FFF2-40B4-BE49-F238E27FC236}">
-                  <a16:creationId xmlns:a16="http://schemas.microsoft.com/office/drawing/2014/main" id="{BC4A9953-90B7-4687-BFF8-8811B61FA9A7}"/>
-                </a:ext>
-              </a:extLst>
-            </p:cNvPr>
-            <p:cNvCxnSpPr/>
-            <p:nvPr/>
-          </p:nvCxnSpPr>
-          <p:spPr>
-            <a:xfrm>
-              <a:off x="2569304" y="2692880"/>
-              <a:ext cx="695325" cy="0"/>
-            </a:xfrm>
-            <a:prstGeom prst="straightConnector1">
-              <a:avLst/>
-            </a:prstGeom>
-            <a:ln w="19050">
-              <a:headEnd type="none" w="med" len="med"/>
-              <a:tailEnd type="triangle"/>
-            </a:ln>
-          </p:spPr>
-          <p:style>
-            <a:lnRef idx="3">
-              <a:schemeClr val="dk1"/>
-            </a:lnRef>
-            <a:fillRef idx="0">
-              <a:schemeClr val="dk1"/>
-            </a:fillRef>
-            <a:effectRef idx="2">
-              <a:schemeClr val="dk1"/>
-            </a:effectRef>
-            <a:fontRef idx="minor">
-              <a:schemeClr val="tx1"/>
-            </a:fontRef>
-          </p:style>
-        </p:cxnSp>
-        <p:cxnSp>
-          <p:nvCxnSpPr>
-            <p:cNvPr id="268" name="直接箭头连接符 267">
-              <a:extLst>
-                <a:ext uri="{FF2B5EF4-FFF2-40B4-BE49-F238E27FC236}">
-                  <a16:creationId xmlns:a16="http://schemas.microsoft.com/office/drawing/2014/main" id="{EC8B5391-A977-49A7-B80D-30F7972BF3A7}"/>
-                </a:ext>
-              </a:extLst>
-            </p:cNvPr>
-            <p:cNvCxnSpPr>
-              <a:cxnSpLocks/>
-            </p:cNvCxnSpPr>
-            <p:nvPr/>
-          </p:nvCxnSpPr>
-          <p:spPr>
-            <a:xfrm flipH="1">
-              <a:off x="2550255" y="2845280"/>
-              <a:ext cx="695324" cy="0"/>
-            </a:xfrm>
-            <a:prstGeom prst="straightConnector1">
-              <a:avLst/>
-            </a:prstGeom>
-            <a:ln w="19050">
-              <a:headEnd type="none" w="med" len="med"/>
-              <a:tailEnd type="triangle"/>
-            </a:ln>
-          </p:spPr>
-          <p:style>
-            <a:lnRef idx="3">
-              <a:schemeClr val="dk1"/>
-            </a:lnRef>
-            <a:fillRef idx="0">
-              <a:schemeClr val="dk1"/>
-            </a:fillRef>
-            <a:effectRef idx="2">
-              <a:schemeClr val="dk1"/>
-            </a:effectRef>
-            <a:fontRef idx="minor">
-              <a:schemeClr val="tx1"/>
-            </a:fontRef>
-          </p:style>
-        </p:cxnSp>
-      </p:grpSp>
-      <p:grpSp>
-        <p:nvGrpSpPr>
-          <p:cNvPr id="276" name="组合 275">
-            <a:extLst>
-              <a:ext uri="{FF2B5EF4-FFF2-40B4-BE49-F238E27FC236}">
-                <a16:creationId xmlns:a16="http://schemas.microsoft.com/office/drawing/2014/main" id="{71CDEE4F-77A8-48A3-B813-12F904CF7203}"/>
-              </a:ext>
-            </a:extLst>
-          </p:cNvPr>
-          <p:cNvGrpSpPr/>
-          <p:nvPr/>
-        </p:nvGrpSpPr>
-        <p:grpSpPr>
-          <a:xfrm>
-            <a:off x="9969173" y="1075483"/>
-            <a:ext cx="2255132" cy="3387193"/>
-            <a:chOff x="9839667" y="1168139"/>
-            <a:chExt cx="2540739" cy="3387193"/>
-          </a:xfrm>
-        </p:grpSpPr>
-        <p:sp>
-          <p:nvSpPr>
-            <p:cNvPr id="273" name="矩形 272">
-              <a:extLst>
-                <a:ext uri="{FF2B5EF4-FFF2-40B4-BE49-F238E27FC236}">
-                  <a16:creationId xmlns:a16="http://schemas.microsoft.com/office/drawing/2014/main" id="{6160CF72-44D6-4E41-AD92-D006C8FBC225}"/>
-                </a:ext>
-              </a:extLst>
-            </p:cNvPr>
-            <p:cNvSpPr/>
-            <p:nvPr/>
-          </p:nvSpPr>
-          <p:spPr>
-            <a:xfrm>
-              <a:off x="9839667" y="1168139"/>
-              <a:ext cx="2540739" cy="339396"/>
-            </a:xfrm>
-            <a:prstGeom prst="rect">
-              <a:avLst/>
-            </a:prstGeom>
-            <a:solidFill>
-              <a:schemeClr val="bg1"/>
-            </a:solidFill>
-            <a:ln w="12700">
-              <a:noFill/>
-              <a:prstDash val="solid"/>
-            </a:ln>
-          </p:spPr>
-          <p:style>
-            <a:lnRef idx="2">
-              <a:schemeClr val="accent1">
-                <a:shade val="50000"/>
-              </a:schemeClr>
-            </a:lnRef>
-            <a:fillRef idx="1">
-              <a:schemeClr val="accent1"/>
-            </a:fillRef>
-            <a:effectRef idx="0">
-              <a:schemeClr val="accent1"/>
-            </a:effectRef>
-            <a:fontRef idx="minor">
-              <a:schemeClr val="lt1"/>
-            </a:fontRef>
-          </p:style>
-          <p:txBody>
-            <a:bodyPr rtlCol="0" anchor="ctr"/>
-            <a:lstStyle/>
-            <a:p>
-              <a:pPr algn="ctr"/>
-              <a:r>
-                <a:rPr lang="zh-CN" altLang="en-US" sz="2000" dirty="0">
-                  <a:solidFill>
-                    <a:schemeClr val="tx1"/>
-                  </a:solidFill>
-                </a:rPr>
-                <a:t>数据挖掘与发现</a:t>
-              </a:r>
-            </a:p>
-          </p:txBody>
-        </p:sp>
-        <p:sp>
-          <p:nvSpPr>
-            <p:cNvPr id="274" name="矩形 273">
-              <a:extLst>
-                <a:ext uri="{FF2B5EF4-FFF2-40B4-BE49-F238E27FC236}">
-                  <a16:creationId xmlns:a16="http://schemas.microsoft.com/office/drawing/2014/main" id="{571F3F2C-A95C-49D2-80C2-4CF73041DB97}"/>
-                </a:ext>
-              </a:extLst>
-            </p:cNvPr>
-            <p:cNvSpPr/>
-            <p:nvPr/>
-          </p:nvSpPr>
-          <p:spPr>
-            <a:xfrm>
-              <a:off x="9839667" y="2692038"/>
-              <a:ext cx="2540739" cy="339396"/>
-            </a:xfrm>
-            <a:prstGeom prst="rect">
-              <a:avLst/>
-            </a:prstGeom>
-            <a:solidFill>
-              <a:schemeClr val="bg1"/>
-            </a:solidFill>
-            <a:ln w="12700">
-              <a:noFill/>
-              <a:prstDash val="solid"/>
-            </a:ln>
-          </p:spPr>
-          <p:style>
-            <a:lnRef idx="2">
-              <a:schemeClr val="accent1">
-                <a:shade val="50000"/>
-              </a:schemeClr>
-            </a:lnRef>
-            <a:fillRef idx="1">
-              <a:schemeClr val="accent1"/>
-            </a:fillRef>
-            <a:effectRef idx="0">
-              <a:schemeClr val="accent1"/>
-            </a:effectRef>
-            <a:fontRef idx="minor">
-              <a:schemeClr val="lt1"/>
-            </a:fontRef>
-          </p:style>
-          <p:txBody>
-            <a:bodyPr rtlCol="0" anchor="ctr"/>
-            <a:lstStyle/>
-            <a:p>
-              <a:pPr algn="ctr"/>
-              <a:r>
-                <a:rPr lang="zh-CN" altLang="en-US" sz="2000" dirty="0">
-                  <a:solidFill>
-                    <a:schemeClr val="tx1"/>
-                  </a:solidFill>
-                </a:rPr>
-                <a:t>仿冒案例分析</a:t>
-              </a:r>
-            </a:p>
-          </p:txBody>
-        </p:sp>
-        <p:sp>
-          <p:nvSpPr>
-            <p:cNvPr id="275" name="矩形 274">
-              <a:extLst>
-                <a:ext uri="{FF2B5EF4-FFF2-40B4-BE49-F238E27FC236}">
-                  <a16:creationId xmlns:a16="http://schemas.microsoft.com/office/drawing/2014/main" id="{A0BE8E6A-2FD1-4A87-B4A8-72EB708A6E52}"/>
-                </a:ext>
-              </a:extLst>
-            </p:cNvPr>
-            <p:cNvSpPr/>
-            <p:nvPr/>
-          </p:nvSpPr>
-          <p:spPr>
-            <a:xfrm>
-              <a:off x="9839667" y="4215936"/>
-              <a:ext cx="2540739" cy="339396"/>
-            </a:xfrm>
-            <a:prstGeom prst="rect">
-              <a:avLst/>
-            </a:prstGeom>
-            <a:solidFill>
-              <a:schemeClr val="bg1"/>
-            </a:solidFill>
-            <a:ln w="12700">
-              <a:noFill/>
-              <a:prstDash val="solid"/>
-            </a:ln>
-          </p:spPr>
-          <p:style>
-            <a:lnRef idx="2">
-              <a:schemeClr val="accent1">
-                <a:shade val="50000"/>
-              </a:schemeClr>
-            </a:lnRef>
-            <a:fillRef idx="1">
-              <a:schemeClr val="accent1"/>
-            </a:fillRef>
-            <a:effectRef idx="0">
-              <a:schemeClr val="accent1"/>
-            </a:effectRef>
-            <a:fontRef idx="minor">
-              <a:schemeClr val="lt1"/>
-            </a:fontRef>
-          </p:style>
-          <p:txBody>
-            <a:bodyPr rtlCol="0" anchor="ctr"/>
-            <a:lstStyle/>
-            <a:p>
-              <a:pPr algn="ctr"/>
-              <a:r>
-                <a:rPr lang="zh-CN" altLang="en-US" sz="2000" dirty="0">
-                  <a:solidFill>
-                    <a:schemeClr val="tx1"/>
-                  </a:solidFill>
-                </a:rPr>
-                <a:t>市场反馈分析</a:t>
-              </a:r>
-            </a:p>
-          </p:txBody>
-        </p:sp>
-      </p:grpSp>
-      <p:cxnSp>
-        <p:nvCxnSpPr>
-          <p:cNvPr id="278" name="直接箭头连接符 277">
-            <a:extLst>
-              <a:ext uri="{FF2B5EF4-FFF2-40B4-BE49-F238E27FC236}">
-                <a16:creationId xmlns:a16="http://schemas.microsoft.com/office/drawing/2014/main" id="{AB273FED-E25C-413B-827C-169718954686}"/>
-              </a:ext>
-            </a:extLst>
-          </p:cNvPr>
-          <p:cNvCxnSpPr/>
-          <p:nvPr/>
-        </p:nvCxnSpPr>
-        <p:spPr>
-          <a:xfrm>
-            <a:off x="5015024" y="1433853"/>
-            <a:ext cx="0" cy="335900"/>
-          </a:xfrm>
-          <a:prstGeom prst="straightConnector1">
-            <a:avLst/>
-          </a:prstGeom>
-          <a:ln w="19050">
-            <a:headEnd type="none" w="med" len="med"/>
-            <a:tailEnd type="triangle"/>
-          </a:ln>
-        </p:spPr>
-        <p:style>
-          <a:lnRef idx="3">
-            <a:schemeClr val="dk1"/>
-          </a:lnRef>
-          <a:fillRef idx="0">
-            <a:schemeClr val="dk1"/>
-          </a:fillRef>
-          <a:effectRef idx="2">
-            <a:schemeClr val="dk1"/>
-          </a:effectRef>
-          <a:fontRef idx="minor">
-            <a:schemeClr val="tx1"/>
-          </a:fontRef>
-        </p:style>
-      </p:cxnSp>
-    </p:spTree>
-    <p:extLst>
-      <p:ext uri="{BB962C8B-B14F-4D97-AF65-F5344CB8AC3E}">
-        <p14:creationId xmlns:p14="http://schemas.microsoft.com/office/powerpoint/2010/main" val="3037902655"/>
-      </p:ext>
-    </p:extLst>
-  </p:cSld>
-  <p:clrMapOvr>
-    <a:masterClrMapping/>
-  </p:clrMapOvr>
-</p:sld>
-</file>
-
-<file path=ppt/slides/slide3.xml><?xml version="1.0" encoding="utf-8"?>
 <p:sld xmlns:a="http://schemas.openxmlformats.org/drawingml/2006/main" xmlns:r="http://schemas.openxmlformats.org/officeDocument/2006/relationships" xmlns:p="http://schemas.openxmlformats.org/presentationml/2006/main">
   <p:cSld>
     <p:spTree>
@@ -12330,6 +11700,1923 @@
 </p:sld>
 </file>
 
+<file path=ppt/slides/slide3.xml><?xml version="1.0" encoding="utf-8"?>
+<p:sld xmlns:a="http://schemas.openxmlformats.org/drawingml/2006/main" xmlns:r="http://schemas.openxmlformats.org/officeDocument/2006/relationships" xmlns:p="http://schemas.openxmlformats.org/presentationml/2006/main">
+  <p:cSld>
+    <p:spTree>
+      <p:nvGrpSpPr>
+        <p:cNvPr id="1" name=""/>
+        <p:cNvGrpSpPr/>
+        <p:nvPr/>
+      </p:nvGrpSpPr>
+      <p:grpSpPr>
+        <a:xfrm>
+          <a:off x="0" y="0"/>
+          <a:ext cx="0" cy="0"/>
+          <a:chOff x="0" y="0"/>
+          <a:chExt cx="0" cy="0"/>
+        </a:xfrm>
+      </p:grpSpPr>
+      <p:sp>
+        <p:nvSpPr>
+          <p:cNvPr id="106" name="矩形 105">
+            <a:extLst>
+              <a:ext uri="{FF2B5EF4-FFF2-40B4-BE49-F238E27FC236}">
+                <a16:creationId xmlns:a16="http://schemas.microsoft.com/office/drawing/2014/main" id="{8955DF60-55BD-4A6A-A3EE-522B1D1DB5FA}"/>
+              </a:ext>
+            </a:extLst>
+          </p:cNvPr>
+          <p:cNvSpPr/>
+          <p:nvPr/>
+        </p:nvSpPr>
+        <p:spPr>
+          <a:xfrm>
+            <a:off x="6609506" y="1193346"/>
+            <a:ext cx="3383894" cy="674098"/>
+          </a:xfrm>
+          <a:prstGeom prst="rect">
+            <a:avLst/>
+          </a:prstGeom>
+          <a:solidFill>
+            <a:schemeClr val="bg1"/>
+          </a:solidFill>
+          <a:ln w="19050">
+            <a:solidFill>
+              <a:schemeClr val="tx1"/>
+            </a:solidFill>
+            <a:prstDash val="dash"/>
+          </a:ln>
+        </p:spPr>
+        <p:style>
+          <a:lnRef idx="2">
+            <a:schemeClr val="accent1">
+              <a:shade val="50000"/>
+            </a:schemeClr>
+          </a:lnRef>
+          <a:fillRef idx="1">
+            <a:schemeClr val="accent1"/>
+          </a:fillRef>
+          <a:effectRef idx="0">
+            <a:schemeClr val="accent1"/>
+          </a:effectRef>
+          <a:fontRef idx="minor">
+            <a:schemeClr val="lt1"/>
+          </a:fontRef>
+        </p:style>
+        <p:txBody>
+          <a:bodyPr rtlCol="0" anchor="ctr"/>
+          <a:lstStyle/>
+          <a:p>
+            <a:pPr algn="ctr"/>
+            <a:endParaRPr lang="zh-CN" altLang="en-US" dirty="0">
+              <a:solidFill>
+                <a:schemeClr val="tx1"/>
+              </a:solidFill>
+            </a:endParaRPr>
+          </a:p>
+        </p:txBody>
+      </p:sp>
+      <p:cxnSp>
+        <p:nvCxnSpPr>
+          <p:cNvPr id="98" name="直接箭头连接符 97">
+            <a:extLst>
+              <a:ext uri="{FF2B5EF4-FFF2-40B4-BE49-F238E27FC236}">
+                <a16:creationId xmlns:a16="http://schemas.microsoft.com/office/drawing/2014/main" id="{70ADA928-6E3C-4F8F-9034-6B28B322708F}"/>
+              </a:ext>
+            </a:extLst>
+          </p:cNvPr>
+          <p:cNvCxnSpPr>
+            <a:cxnSpLocks/>
+          </p:cNvCxnSpPr>
+          <p:nvPr/>
+        </p:nvCxnSpPr>
+        <p:spPr>
+          <a:xfrm>
+            <a:off x="2975789" y="1956014"/>
+            <a:ext cx="0" cy="448420"/>
+          </a:xfrm>
+          <a:prstGeom prst="straightConnector1">
+            <a:avLst/>
+          </a:prstGeom>
+          <a:ln w="19050">
+            <a:solidFill>
+              <a:schemeClr val="tx1"/>
+            </a:solidFill>
+            <a:prstDash val="dash"/>
+            <a:headEnd type="none" w="med" len="med"/>
+            <a:tailEnd type="triangle"/>
+          </a:ln>
+        </p:spPr>
+        <p:style>
+          <a:lnRef idx="3">
+            <a:schemeClr val="accent1"/>
+          </a:lnRef>
+          <a:fillRef idx="0">
+            <a:schemeClr val="accent1"/>
+          </a:fillRef>
+          <a:effectRef idx="2">
+            <a:schemeClr val="accent1"/>
+          </a:effectRef>
+          <a:fontRef idx="minor">
+            <a:schemeClr val="tx1"/>
+          </a:fontRef>
+        </p:style>
+      </p:cxnSp>
+      <p:sp>
+        <p:nvSpPr>
+          <p:cNvPr id="142" name="矩形 141">
+            <a:extLst>
+              <a:ext uri="{FF2B5EF4-FFF2-40B4-BE49-F238E27FC236}">
+                <a16:creationId xmlns:a16="http://schemas.microsoft.com/office/drawing/2014/main" id="{E25BAEBA-8F45-435A-8A3B-A30C6BD1F3BD}"/>
+              </a:ext>
+            </a:extLst>
+          </p:cNvPr>
+          <p:cNvSpPr/>
+          <p:nvPr/>
+        </p:nvSpPr>
+        <p:spPr>
+          <a:xfrm>
+            <a:off x="1891374" y="2489044"/>
+            <a:ext cx="6635681" cy="757076"/>
+          </a:xfrm>
+          <a:prstGeom prst="rect">
+            <a:avLst/>
+          </a:prstGeom>
+          <a:solidFill>
+            <a:schemeClr val="bg1"/>
+          </a:solidFill>
+          <a:ln w="19050">
+            <a:solidFill>
+              <a:schemeClr val="accent5"/>
+            </a:solidFill>
+            <a:prstDash val="dash"/>
+          </a:ln>
+        </p:spPr>
+        <p:style>
+          <a:lnRef idx="2">
+            <a:schemeClr val="accent1">
+              <a:shade val="50000"/>
+            </a:schemeClr>
+          </a:lnRef>
+          <a:fillRef idx="1">
+            <a:schemeClr val="accent1"/>
+          </a:fillRef>
+          <a:effectRef idx="0">
+            <a:schemeClr val="accent1"/>
+          </a:effectRef>
+          <a:fontRef idx="minor">
+            <a:schemeClr val="lt1"/>
+          </a:fontRef>
+        </p:style>
+        <p:txBody>
+          <a:bodyPr rtlCol="0" anchor="ctr"/>
+          <a:lstStyle/>
+          <a:p>
+            <a:pPr algn="ctr"/>
+            <a:endParaRPr lang="zh-CN" altLang="en-US" dirty="0">
+              <a:solidFill>
+                <a:schemeClr val="tx1"/>
+              </a:solidFill>
+            </a:endParaRPr>
+          </a:p>
+        </p:txBody>
+      </p:sp>
+      <p:sp>
+        <p:nvSpPr>
+          <p:cNvPr id="239" name="矩形 238">
+            <a:extLst>
+              <a:ext uri="{FF2B5EF4-FFF2-40B4-BE49-F238E27FC236}">
+                <a16:creationId xmlns:a16="http://schemas.microsoft.com/office/drawing/2014/main" id="{4E37F4D6-9BB4-4403-87A1-0C16A9CFBBEE}"/>
+              </a:ext>
+            </a:extLst>
+          </p:cNvPr>
+          <p:cNvSpPr/>
+          <p:nvPr/>
+        </p:nvSpPr>
+        <p:spPr>
+          <a:xfrm>
+            <a:off x="5165288" y="2278641"/>
+            <a:ext cx="3096101" cy="338554"/>
+          </a:xfrm>
+          <a:prstGeom prst="rect">
+            <a:avLst/>
+          </a:prstGeom>
+          <a:solidFill>
+            <a:schemeClr val="bg1"/>
+          </a:solidFill>
+        </p:spPr>
+        <p:txBody>
+          <a:bodyPr wrap="square">
+            <a:spAutoFit/>
+          </a:bodyPr>
+          <a:lstStyle/>
+          <a:p>
+            <a:pPr algn="ctr"/>
+            <a:r>
+              <a:rPr lang="zh-CN" altLang="en-US" sz="1600" dirty="0">
+                <a:solidFill>
+                  <a:schemeClr val="accent5"/>
+                </a:solidFill>
+              </a:rPr>
+              <a:t>仿冒应用筛选框架</a:t>
+            </a:r>
+            <a:r>
+              <a:rPr lang="en-US" altLang="zh-CN" sz="1600" dirty="0">
+                <a:solidFill>
+                  <a:schemeClr val="accent5"/>
+                </a:solidFill>
+              </a:rPr>
+              <a:t> </a:t>
+            </a:r>
+            <a:r>
+              <a:rPr lang="en-US" altLang="zh-CN" sz="1600" dirty="0" err="1">
+                <a:solidFill>
+                  <a:schemeClr val="accent5"/>
+                </a:solidFill>
+              </a:rPr>
+              <a:t>FakeRevealer</a:t>
+            </a:r>
+            <a:endParaRPr lang="zh-CN" altLang="en-US" sz="1600" dirty="0">
+              <a:solidFill>
+                <a:schemeClr val="accent5"/>
+              </a:solidFill>
+            </a:endParaRPr>
+          </a:p>
+        </p:txBody>
+      </p:sp>
+      <p:grpSp>
+        <p:nvGrpSpPr>
+          <p:cNvPr id="5" name="组合 4">
+            <a:extLst>
+              <a:ext uri="{FF2B5EF4-FFF2-40B4-BE49-F238E27FC236}">
+                <a16:creationId xmlns:a16="http://schemas.microsoft.com/office/drawing/2014/main" id="{9397DD88-6FB2-4552-A9FA-5257A061A2D4}"/>
+              </a:ext>
+            </a:extLst>
+          </p:cNvPr>
+          <p:cNvGrpSpPr/>
+          <p:nvPr/>
+        </p:nvGrpSpPr>
+        <p:grpSpPr>
+          <a:xfrm>
+            <a:off x="2017346" y="2713124"/>
+            <a:ext cx="6383737" cy="339396"/>
+            <a:chOff x="1962652" y="2141686"/>
+            <a:chExt cx="6383737" cy="339396"/>
+          </a:xfrm>
+        </p:grpSpPr>
+        <p:sp>
+          <p:nvSpPr>
+            <p:cNvPr id="238" name="矩形 237">
+              <a:extLst>
+                <a:ext uri="{FF2B5EF4-FFF2-40B4-BE49-F238E27FC236}">
+                  <a16:creationId xmlns:a16="http://schemas.microsoft.com/office/drawing/2014/main" id="{CAF45A72-2999-4E36-BB0C-16EFD0CBF21E}"/>
+                </a:ext>
+              </a:extLst>
+            </p:cNvPr>
+            <p:cNvSpPr/>
+            <p:nvPr/>
+          </p:nvSpPr>
+          <p:spPr>
+            <a:xfrm>
+              <a:off x="1962652" y="2141686"/>
+              <a:ext cx="2043598" cy="339396"/>
+            </a:xfrm>
+            <a:prstGeom prst="rect">
+              <a:avLst/>
+            </a:prstGeom>
+            <a:solidFill>
+              <a:schemeClr val="bg1"/>
+            </a:solidFill>
+            <a:ln w="12700">
+              <a:solidFill>
+                <a:schemeClr val="accent5"/>
+              </a:solidFill>
+              <a:prstDash val="solid"/>
+            </a:ln>
+          </p:spPr>
+          <p:style>
+            <a:lnRef idx="2">
+              <a:schemeClr val="accent1">
+                <a:shade val="50000"/>
+              </a:schemeClr>
+            </a:lnRef>
+            <a:fillRef idx="1">
+              <a:schemeClr val="accent1"/>
+            </a:fillRef>
+            <a:effectRef idx="0">
+              <a:schemeClr val="accent1"/>
+            </a:effectRef>
+            <a:fontRef idx="minor">
+              <a:schemeClr val="lt1"/>
+            </a:fontRef>
+          </p:style>
+          <p:txBody>
+            <a:bodyPr rtlCol="0" anchor="ctr"/>
+            <a:lstStyle/>
+            <a:p>
+              <a:pPr algn="ctr"/>
+              <a:r>
+                <a:rPr lang="zh-CN" altLang="en-US" sz="1600" dirty="0">
+                  <a:solidFill>
+                    <a:schemeClr val="accent5"/>
+                  </a:solidFill>
+                </a:rPr>
+                <a:t>应用收集器</a:t>
+              </a:r>
+            </a:p>
+          </p:txBody>
+        </p:sp>
+        <p:sp>
+          <p:nvSpPr>
+            <p:cNvPr id="240" name="矩形 239">
+              <a:extLst>
+                <a:ext uri="{FF2B5EF4-FFF2-40B4-BE49-F238E27FC236}">
+                  <a16:creationId xmlns:a16="http://schemas.microsoft.com/office/drawing/2014/main" id="{796953AE-C535-4F59-A3E1-61EEB14BBEF7}"/>
+                </a:ext>
+              </a:extLst>
+            </p:cNvPr>
+            <p:cNvSpPr/>
+            <p:nvPr/>
+          </p:nvSpPr>
+          <p:spPr>
+            <a:xfrm>
+              <a:off x="6302791" y="2141686"/>
+              <a:ext cx="2043598" cy="339396"/>
+            </a:xfrm>
+            <a:prstGeom prst="rect">
+              <a:avLst/>
+            </a:prstGeom>
+            <a:solidFill>
+              <a:schemeClr val="bg1"/>
+            </a:solidFill>
+            <a:ln w="12700">
+              <a:solidFill>
+                <a:schemeClr val="accent5"/>
+              </a:solidFill>
+              <a:prstDash val="solid"/>
+            </a:ln>
+          </p:spPr>
+          <p:style>
+            <a:lnRef idx="2">
+              <a:schemeClr val="accent1">
+                <a:shade val="50000"/>
+              </a:schemeClr>
+            </a:lnRef>
+            <a:fillRef idx="1">
+              <a:schemeClr val="accent1"/>
+            </a:fillRef>
+            <a:effectRef idx="0">
+              <a:schemeClr val="accent1"/>
+            </a:effectRef>
+            <a:fontRef idx="minor">
+              <a:schemeClr val="lt1"/>
+            </a:fontRef>
+          </p:style>
+          <p:txBody>
+            <a:bodyPr rtlCol="0" anchor="ctr"/>
+            <a:lstStyle/>
+            <a:p>
+              <a:pPr algn="ctr"/>
+              <a:r>
+                <a:rPr lang="zh-CN" altLang="en-US" sz="1600" dirty="0">
+                  <a:solidFill>
+                    <a:schemeClr val="accent5"/>
+                  </a:solidFill>
+                </a:rPr>
+                <a:t>迭代搜索器</a:t>
+              </a:r>
+            </a:p>
+          </p:txBody>
+        </p:sp>
+        <p:sp>
+          <p:nvSpPr>
+            <p:cNvPr id="241" name="矩形 240">
+              <a:extLst>
+                <a:ext uri="{FF2B5EF4-FFF2-40B4-BE49-F238E27FC236}">
+                  <a16:creationId xmlns:a16="http://schemas.microsoft.com/office/drawing/2014/main" id="{E677E85B-03E0-429B-94BB-1BBC4242884E}"/>
+                </a:ext>
+              </a:extLst>
+            </p:cNvPr>
+            <p:cNvSpPr/>
+            <p:nvPr/>
+          </p:nvSpPr>
+          <p:spPr>
+            <a:xfrm>
+              <a:off x="4132722" y="2141686"/>
+              <a:ext cx="2043598" cy="339396"/>
+            </a:xfrm>
+            <a:prstGeom prst="rect">
+              <a:avLst/>
+            </a:prstGeom>
+            <a:solidFill>
+              <a:schemeClr val="bg1"/>
+            </a:solidFill>
+            <a:ln w="12700">
+              <a:solidFill>
+                <a:schemeClr val="accent5"/>
+              </a:solidFill>
+              <a:prstDash val="solid"/>
+            </a:ln>
+          </p:spPr>
+          <p:style>
+            <a:lnRef idx="2">
+              <a:schemeClr val="accent1">
+                <a:shade val="50000"/>
+              </a:schemeClr>
+            </a:lnRef>
+            <a:fillRef idx="1">
+              <a:schemeClr val="accent1"/>
+            </a:fillRef>
+            <a:effectRef idx="0">
+              <a:schemeClr val="accent1"/>
+            </a:effectRef>
+            <a:fontRef idx="minor">
+              <a:schemeClr val="lt1"/>
+            </a:fontRef>
+          </p:style>
+          <p:txBody>
+            <a:bodyPr rtlCol="0" anchor="ctr"/>
+            <a:lstStyle/>
+            <a:p>
+              <a:pPr algn="ctr"/>
+              <a:r>
+                <a:rPr lang="zh-CN" altLang="en-US" sz="1600" dirty="0">
+                  <a:solidFill>
+                    <a:schemeClr val="accent5"/>
+                  </a:solidFill>
+                </a:rPr>
+                <a:t>应用筛选器</a:t>
+              </a:r>
+            </a:p>
+          </p:txBody>
+        </p:sp>
+      </p:grpSp>
+      <p:pic>
+        <p:nvPicPr>
+          <p:cNvPr id="37" name="Picture 2" descr="https://www.appscan.io/static/images/login_logo.png?9107c90">
+            <a:extLst>
+              <a:ext uri="{FF2B5EF4-FFF2-40B4-BE49-F238E27FC236}">
+                <a16:creationId xmlns:a16="http://schemas.microsoft.com/office/drawing/2014/main" id="{42F3669A-B126-4C23-91C0-F3D6D6E30556}"/>
+              </a:ext>
+            </a:extLst>
+          </p:cNvPr>
+          <p:cNvPicPr>
+            <a:picLocks noChangeAspect="1" noChangeArrowheads="1"/>
+          </p:cNvPicPr>
+          <p:nvPr/>
+        </p:nvPicPr>
+        <p:blipFill>
+          <a:blip r:embed="rId2">
+            <a:extLst>
+              <a:ext uri="{28A0092B-C50C-407E-A947-70E740481C1C}">
+                <a14:useLocalDpi xmlns:a14="http://schemas.microsoft.com/office/drawing/2010/main" val="0"/>
+              </a:ext>
+            </a:extLst>
+          </a:blip>
+          <a:srcRect/>
+          <a:stretch>
+            <a:fillRect/>
+          </a:stretch>
+        </p:blipFill>
+        <p:spPr bwMode="auto">
+          <a:xfrm>
+            <a:off x="1927873" y="1360208"/>
+            <a:ext cx="2160466" cy="475771"/>
+          </a:xfrm>
+          <a:prstGeom prst="rect">
+            <a:avLst/>
+          </a:prstGeom>
+          <a:noFill/>
+          <a:extLst>
+            <a:ext uri="{909E8E84-426E-40DD-AFC4-6F175D3DCCD1}">
+              <a14:hiddenFill xmlns:a14="http://schemas.microsoft.com/office/drawing/2010/main">
+                <a:solidFill>
+                  <a:srgbClr val="FFFFFF"/>
+                </a:solidFill>
+              </a14:hiddenFill>
+            </a:ext>
+          </a:extLst>
+        </p:spPr>
+      </p:pic>
+      <p:grpSp>
+        <p:nvGrpSpPr>
+          <p:cNvPr id="8" name="组合 7">
+            <a:extLst>
+              <a:ext uri="{FF2B5EF4-FFF2-40B4-BE49-F238E27FC236}">
+                <a16:creationId xmlns:a16="http://schemas.microsoft.com/office/drawing/2014/main" id="{1683635F-EA0D-4A94-95E8-B7FF81090350}"/>
+              </a:ext>
+            </a:extLst>
+          </p:cNvPr>
+          <p:cNvGrpSpPr/>
+          <p:nvPr/>
+        </p:nvGrpSpPr>
+        <p:grpSpPr>
+          <a:xfrm>
+            <a:off x="6712225" y="1329917"/>
+            <a:ext cx="3095800" cy="448581"/>
+            <a:chOff x="5052952" y="1497558"/>
+            <a:chExt cx="3095800" cy="448581"/>
+          </a:xfrm>
+        </p:grpSpPr>
+        <p:pic>
+          <p:nvPicPr>
+            <p:cNvPr id="40" name="图片 39">
+              <a:extLst>
+                <a:ext uri="{FF2B5EF4-FFF2-40B4-BE49-F238E27FC236}">
+                  <a16:creationId xmlns:a16="http://schemas.microsoft.com/office/drawing/2014/main" id="{6A383AF6-7C0F-4058-8D59-3E0F10E2EB06}"/>
+                </a:ext>
+              </a:extLst>
+            </p:cNvPr>
+            <p:cNvPicPr>
+              <a:picLocks noChangeAspect="1"/>
+            </p:cNvPicPr>
+            <p:nvPr/>
+          </p:nvPicPr>
+          <p:blipFill>
+            <a:blip r:embed="rId3" cstate="print">
+              <a:extLst>
+                <a:ext uri="{28A0092B-C50C-407E-A947-70E740481C1C}">
+                  <a14:useLocalDpi xmlns:a14="http://schemas.microsoft.com/office/drawing/2010/main" val="0"/>
+                </a:ext>
+              </a:extLst>
+            </a:blip>
+            <a:stretch>
+              <a:fillRect/>
+            </a:stretch>
+          </p:blipFill>
+          <p:spPr>
+            <a:xfrm>
+              <a:off x="6113185" y="1497558"/>
+              <a:ext cx="448581" cy="448580"/>
+            </a:xfrm>
+            <a:prstGeom prst="rect">
+              <a:avLst/>
+            </a:prstGeom>
+            <a:ln>
+              <a:noFill/>
+            </a:ln>
+          </p:spPr>
+        </p:pic>
+        <p:pic>
+          <p:nvPicPr>
+            <p:cNvPr id="41" name="图片 40">
+              <a:extLst>
+                <a:ext uri="{FF2B5EF4-FFF2-40B4-BE49-F238E27FC236}">
+                  <a16:creationId xmlns:a16="http://schemas.microsoft.com/office/drawing/2014/main" id="{63A57BEE-6F50-46D0-9E1D-20EFDF33BA98}"/>
+                </a:ext>
+              </a:extLst>
+            </p:cNvPr>
+            <p:cNvPicPr>
+              <a:picLocks noChangeAspect="1"/>
+            </p:cNvPicPr>
+            <p:nvPr/>
+          </p:nvPicPr>
+          <p:blipFill>
+            <a:blip r:embed="rId4" cstate="print">
+              <a:extLst>
+                <a:ext uri="{28A0092B-C50C-407E-A947-70E740481C1C}">
+                  <a14:useLocalDpi xmlns:a14="http://schemas.microsoft.com/office/drawing/2010/main" val="0"/>
+                </a:ext>
+              </a:extLst>
+            </a:blip>
+            <a:stretch>
+              <a:fillRect/>
+            </a:stretch>
+          </p:blipFill>
+          <p:spPr>
+            <a:xfrm>
+              <a:off x="6642180" y="1497558"/>
+              <a:ext cx="448581" cy="448580"/>
+            </a:xfrm>
+            <a:prstGeom prst="rect">
+              <a:avLst/>
+            </a:prstGeom>
+            <a:ln>
+              <a:noFill/>
+            </a:ln>
+          </p:spPr>
+        </p:pic>
+        <p:pic>
+          <p:nvPicPr>
+            <p:cNvPr id="42" name="图片 41">
+              <a:extLst>
+                <a:ext uri="{FF2B5EF4-FFF2-40B4-BE49-F238E27FC236}">
+                  <a16:creationId xmlns:a16="http://schemas.microsoft.com/office/drawing/2014/main" id="{DA1A549A-6F28-4E2A-B566-7D45910BD5CB}"/>
+                </a:ext>
+              </a:extLst>
+            </p:cNvPr>
+            <p:cNvPicPr>
+              <a:picLocks noChangeAspect="1"/>
+            </p:cNvPicPr>
+            <p:nvPr/>
+          </p:nvPicPr>
+          <p:blipFill>
+            <a:blip r:embed="rId5" cstate="print">
+              <a:extLst>
+                <a:ext uri="{28A0092B-C50C-407E-A947-70E740481C1C}">
+                  <a14:useLocalDpi xmlns:a14="http://schemas.microsoft.com/office/drawing/2010/main" val="0"/>
+                </a:ext>
+              </a:extLst>
+            </a:blip>
+            <a:stretch>
+              <a:fillRect/>
+            </a:stretch>
+          </p:blipFill>
+          <p:spPr>
+            <a:xfrm>
+              <a:off x="5052952" y="1497558"/>
+              <a:ext cx="450824" cy="448580"/>
+            </a:xfrm>
+            <a:prstGeom prst="rect">
+              <a:avLst/>
+            </a:prstGeom>
+            <a:ln>
+              <a:noFill/>
+            </a:ln>
+          </p:spPr>
+        </p:pic>
+        <p:pic>
+          <p:nvPicPr>
+            <p:cNvPr id="43" name="图片 42">
+              <a:extLst>
+                <a:ext uri="{FF2B5EF4-FFF2-40B4-BE49-F238E27FC236}">
+                  <a16:creationId xmlns:a16="http://schemas.microsoft.com/office/drawing/2014/main" id="{16446ED6-36E7-4B4C-993C-825C82C6288A}"/>
+                </a:ext>
+              </a:extLst>
+            </p:cNvPr>
+            <p:cNvPicPr>
+              <a:picLocks noChangeAspect="1"/>
+            </p:cNvPicPr>
+            <p:nvPr/>
+          </p:nvPicPr>
+          <p:blipFill>
+            <a:blip r:embed="rId6" cstate="print">
+              <a:extLst>
+                <a:ext uri="{28A0092B-C50C-407E-A947-70E740481C1C}">
+                  <a14:useLocalDpi xmlns:a14="http://schemas.microsoft.com/office/drawing/2010/main" val="0"/>
+                </a:ext>
+              </a:extLst>
+            </a:blip>
+            <a:stretch>
+              <a:fillRect/>
+            </a:stretch>
+          </p:blipFill>
+          <p:spPr>
+            <a:xfrm>
+              <a:off x="5584190" y="1497558"/>
+              <a:ext cx="448581" cy="448580"/>
+            </a:xfrm>
+            <a:prstGeom prst="rect">
+              <a:avLst/>
+            </a:prstGeom>
+            <a:ln>
+              <a:noFill/>
+            </a:ln>
+          </p:spPr>
+        </p:pic>
+        <p:pic>
+          <p:nvPicPr>
+            <p:cNvPr id="44" name="图片 43">
+              <a:extLst>
+                <a:ext uri="{FF2B5EF4-FFF2-40B4-BE49-F238E27FC236}">
+                  <a16:creationId xmlns:a16="http://schemas.microsoft.com/office/drawing/2014/main" id="{3D43E315-DE59-40FC-A3EA-79E4BC509848}"/>
+                </a:ext>
+              </a:extLst>
+            </p:cNvPr>
+            <p:cNvPicPr>
+              <a:picLocks noChangeAspect="1"/>
+            </p:cNvPicPr>
+            <p:nvPr/>
+          </p:nvPicPr>
+          <p:blipFill rotWithShape="1">
+            <a:blip r:embed="rId7" cstate="print">
+              <a:extLst>
+                <a:ext uri="{28A0092B-C50C-407E-A947-70E740481C1C}">
+                  <a14:useLocalDpi xmlns:a14="http://schemas.microsoft.com/office/drawing/2010/main" val="0"/>
+                </a:ext>
+              </a:extLst>
+            </a:blip>
+            <a:srcRect l="24982" t="25055" r="21345" b="22582"/>
+            <a:stretch/>
+          </p:blipFill>
+          <p:spPr>
+            <a:xfrm>
+              <a:off x="7171175" y="1497558"/>
+              <a:ext cx="448581" cy="437638"/>
+            </a:xfrm>
+            <a:prstGeom prst="rect">
+              <a:avLst/>
+            </a:prstGeom>
+            <a:ln>
+              <a:noFill/>
+            </a:ln>
+          </p:spPr>
+        </p:pic>
+        <p:pic>
+          <p:nvPicPr>
+            <p:cNvPr id="1026" name="Picture 2" descr="“360手机助手”的图片搜索结果">
+              <a:extLst>
+                <a:ext uri="{FF2B5EF4-FFF2-40B4-BE49-F238E27FC236}">
+                  <a16:creationId xmlns:a16="http://schemas.microsoft.com/office/drawing/2014/main" id="{E70BF45E-579F-490E-B728-9A2ACF53ACFF}"/>
+                </a:ext>
+              </a:extLst>
+            </p:cNvPr>
+            <p:cNvPicPr>
+              <a:picLocks noChangeAspect="1" noChangeArrowheads="1"/>
+            </p:cNvPicPr>
+            <p:nvPr/>
+          </p:nvPicPr>
+          <p:blipFill>
+            <a:blip r:embed="rId8">
+              <a:extLst>
+                <a:ext uri="{28A0092B-C50C-407E-A947-70E740481C1C}">
+                  <a14:useLocalDpi xmlns:a14="http://schemas.microsoft.com/office/drawing/2010/main" val="0"/>
+                </a:ext>
+              </a:extLst>
+            </a:blip>
+            <a:srcRect/>
+            <a:stretch>
+              <a:fillRect/>
+            </a:stretch>
+          </p:blipFill>
+          <p:spPr bwMode="auto">
+            <a:xfrm>
+              <a:off x="7700171" y="1497558"/>
+              <a:ext cx="448581" cy="448581"/>
+            </a:xfrm>
+            <a:prstGeom prst="rect">
+              <a:avLst/>
+            </a:prstGeom>
+            <a:noFill/>
+            <a:extLst>
+              <a:ext uri="{909E8E84-426E-40DD-AFC4-6F175D3DCCD1}">
+                <a14:hiddenFill xmlns:a14="http://schemas.microsoft.com/office/drawing/2010/main">
+                  <a:solidFill>
+                    <a:srgbClr val="FFFFFF"/>
+                  </a:solidFill>
+                </a14:hiddenFill>
+              </a:ext>
+            </a:extLst>
+          </p:spPr>
+        </p:pic>
+      </p:grpSp>
+      <p:grpSp>
+        <p:nvGrpSpPr>
+          <p:cNvPr id="9" name="组合 8">
+            <a:extLst>
+              <a:ext uri="{FF2B5EF4-FFF2-40B4-BE49-F238E27FC236}">
+                <a16:creationId xmlns:a16="http://schemas.microsoft.com/office/drawing/2014/main" id="{1F830992-2AE4-4054-935F-EA07BEEDC1E1}"/>
+              </a:ext>
+            </a:extLst>
+          </p:cNvPr>
+          <p:cNvGrpSpPr/>
+          <p:nvPr/>
+        </p:nvGrpSpPr>
+        <p:grpSpPr>
+          <a:xfrm>
+            <a:off x="4475488" y="1246305"/>
+            <a:ext cx="1751465" cy="295200"/>
+            <a:chOff x="2111317" y="798979"/>
+            <a:chExt cx="1751465" cy="295200"/>
+          </a:xfrm>
+        </p:grpSpPr>
+        <p:sp>
+          <p:nvSpPr>
+            <p:cNvPr id="52" name="矩形 51">
+              <a:extLst>
+                <a:ext uri="{FF2B5EF4-FFF2-40B4-BE49-F238E27FC236}">
+                  <a16:creationId xmlns:a16="http://schemas.microsoft.com/office/drawing/2014/main" id="{59C83732-3EF7-4AAF-8C8E-59ACC7A9B800}"/>
+                </a:ext>
+              </a:extLst>
+            </p:cNvPr>
+            <p:cNvSpPr/>
+            <p:nvPr/>
+          </p:nvSpPr>
+          <p:spPr>
+            <a:xfrm>
+              <a:off x="2111317" y="825101"/>
+              <a:ext cx="961516" cy="242955"/>
+            </a:xfrm>
+            <a:prstGeom prst="rect">
+              <a:avLst/>
+            </a:prstGeom>
+            <a:solidFill>
+              <a:schemeClr val="bg1"/>
+            </a:solidFill>
+            <a:ln w="57150">
+              <a:noFill/>
+              <a:prstDash val="lgDash"/>
+            </a:ln>
+          </p:spPr>
+          <p:style>
+            <a:lnRef idx="2">
+              <a:schemeClr val="accent1">
+                <a:shade val="50000"/>
+              </a:schemeClr>
+            </a:lnRef>
+            <a:fillRef idx="1">
+              <a:schemeClr val="accent1"/>
+            </a:fillRef>
+            <a:effectRef idx="0">
+              <a:schemeClr val="accent1"/>
+            </a:effectRef>
+            <a:fontRef idx="minor">
+              <a:schemeClr val="lt1"/>
+            </a:fontRef>
+          </p:style>
+          <p:txBody>
+            <a:bodyPr rtlCol="0" anchor="ctr"/>
+            <a:lstStyle/>
+            <a:p>
+              <a:pPr algn="ctr"/>
+              <a:r>
+                <a:rPr lang="zh-CN" altLang="en-US" sz="1400" dirty="0">
+                  <a:solidFill>
+                    <a:schemeClr val="tx1"/>
+                  </a:solidFill>
+                </a:rPr>
+                <a:t>应用数据</a:t>
+              </a:r>
+            </a:p>
+          </p:txBody>
+        </p:sp>
+        <p:grpSp>
+          <p:nvGrpSpPr>
+            <p:cNvPr id="53" name="组合 52">
+              <a:extLst>
+                <a:ext uri="{FF2B5EF4-FFF2-40B4-BE49-F238E27FC236}">
+                  <a16:creationId xmlns:a16="http://schemas.microsoft.com/office/drawing/2014/main" id="{40830674-C4E9-46FF-83C2-8C98FE0B5BC8}"/>
+                </a:ext>
+              </a:extLst>
+            </p:cNvPr>
+            <p:cNvGrpSpPr/>
+            <p:nvPr/>
+          </p:nvGrpSpPr>
+          <p:grpSpPr>
+            <a:xfrm>
+              <a:off x="2986722" y="798979"/>
+              <a:ext cx="876060" cy="295200"/>
+              <a:chOff x="6646027" y="788394"/>
+              <a:chExt cx="876060" cy="295200"/>
+            </a:xfrm>
+            <a:solidFill>
+              <a:schemeClr val="bg1"/>
+            </a:solidFill>
+          </p:grpSpPr>
+          <p:pic>
+            <p:nvPicPr>
+              <p:cNvPr id="62" name="图片 61">
+                <a:extLst>
+                  <a:ext uri="{FF2B5EF4-FFF2-40B4-BE49-F238E27FC236}">
+                    <a16:creationId xmlns:a16="http://schemas.microsoft.com/office/drawing/2014/main" id="{92E7CFDB-5266-444B-84B7-F9E48113B6B6}"/>
+                  </a:ext>
+                </a:extLst>
+              </p:cNvPr>
+              <p:cNvPicPr>
+                <a:picLocks noChangeAspect="1"/>
+              </p:cNvPicPr>
+              <p:nvPr/>
+            </p:nvPicPr>
+            <p:blipFill>
+              <a:blip r:embed="rId9" cstate="print">
+                <a:extLst>
+                  <a:ext uri="{28A0092B-C50C-407E-A947-70E740481C1C}">
+                    <a14:useLocalDpi xmlns:a14="http://schemas.microsoft.com/office/drawing/2010/main" val="0"/>
+                  </a:ext>
+                </a:extLst>
+              </a:blip>
+              <a:stretch>
+                <a:fillRect/>
+              </a:stretch>
+            </p:blipFill>
+            <p:spPr>
+              <a:xfrm flipH="1">
+                <a:off x="7227002" y="788452"/>
+                <a:ext cx="295085" cy="295085"/>
+              </a:xfrm>
+              <a:prstGeom prst="rect">
+                <a:avLst/>
+              </a:prstGeom>
+              <a:grpFill/>
+              <a:ln>
+                <a:noFill/>
+              </a:ln>
+            </p:spPr>
+          </p:pic>
+          <p:pic>
+            <p:nvPicPr>
+              <p:cNvPr id="57" name="图片 56">
+                <a:extLst>
+                  <a:ext uri="{FF2B5EF4-FFF2-40B4-BE49-F238E27FC236}">
+                    <a16:creationId xmlns:a16="http://schemas.microsoft.com/office/drawing/2014/main" id="{D6A1F167-E379-4550-9201-24474925DA5F}"/>
+                  </a:ext>
+                </a:extLst>
+              </p:cNvPr>
+              <p:cNvPicPr>
+                <a:picLocks noChangeAspect="1"/>
+              </p:cNvPicPr>
+              <p:nvPr/>
+            </p:nvPicPr>
+            <p:blipFill>
+              <a:blip r:embed="rId10" cstate="print">
+                <a:extLst>
+                  <a:ext uri="{28A0092B-C50C-407E-A947-70E740481C1C}">
+                    <a14:useLocalDpi xmlns:a14="http://schemas.microsoft.com/office/drawing/2010/main" val="0"/>
+                  </a:ext>
+                </a:extLst>
+              </a:blip>
+              <a:stretch>
+                <a:fillRect/>
+              </a:stretch>
+            </p:blipFill>
+            <p:spPr>
+              <a:xfrm flipH="1">
+                <a:off x="6646027" y="788394"/>
+                <a:ext cx="295200" cy="295200"/>
+              </a:xfrm>
+              <a:prstGeom prst="rect">
+                <a:avLst/>
+              </a:prstGeom>
+              <a:grpFill/>
+            </p:spPr>
+          </p:pic>
+          <p:pic>
+            <p:nvPicPr>
+              <p:cNvPr id="59" name="图片 58">
+                <a:extLst>
+                  <a:ext uri="{FF2B5EF4-FFF2-40B4-BE49-F238E27FC236}">
+                    <a16:creationId xmlns:a16="http://schemas.microsoft.com/office/drawing/2014/main" id="{D1B37D41-323B-4ED6-A6B5-0B59FAD22B4C}"/>
+                  </a:ext>
+                </a:extLst>
+              </p:cNvPr>
+              <p:cNvPicPr>
+                <a:picLocks noChangeAspect="1"/>
+              </p:cNvPicPr>
+              <p:nvPr/>
+            </p:nvPicPr>
+            <p:blipFill>
+              <a:blip r:embed="rId10" cstate="print">
+                <a:extLst>
+                  <a:ext uri="{28A0092B-C50C-407E-A947-70E740481C1C}">
+                    <a14:useLocalDpi xmlns:a14="http://schemas.microsoft.com/office/drawing/2010/main" val="0"/>
+                  </a:ext>
+                </a:extLst>
+              </a:blip>
+              <a:stretch>
+                <a:fillRect/>
+              </a:stretch>
+            </p:blipFill>
+            <p:spPr>
+              <a:xfrm flipH="1">
+                <a:off x="6936515" y="788394"/>
+                <a:ext cx="295200" cy="295200"/>
+              </a:xfrm>
+              <a:prstGeom prst="rect">
+                <a:avLst/>
+              </a:prstGeom>
+              <a:grpFill/>
+            </p:spPr>
+          </p:pic>
+        </p:grpSp>
+      </p:grpSp>
+      <p:cxnSp>
+        <p:nvCxnSpPr>
+          <p:cNvPr id="66" name="直接箭头连接符 65">
+            <a:extLst>
+              <a:ext uri="{FF2B5EF4-FFF2-40B4-BE49-F238E27FC236}">
+                <a16:creationId xmlns:a16="http://schemas.microsoft.com/office/drawing/2014/main" id="{92F011BC-43FB-432A-8804-136312274809}"/>
+              </a:ext>
+            </a:extLst>
+          </p:cNvPr>
+          <p:cNvCxnSpPr>
+            <a:cxnSpLocks/>
+          </p:cNvCxnSpPr>
+          <p:nvPr/>
+        </p:nvCxnSpPr>
+        <p:spPr>
+          <a:xfrm flipH="1">
+            <a:off x="4187416" y="1595241"/>
+            <a:ext cx="2335394" cy="0"/>
+          </a:xfrm>
+          <a:prstGeom prst="straightConnector1">
+            <a:avLst/>
+          </a:prstGeom>
+          <a:ln w="19050">
+            <a:solidFill>
+              <a:schemeClr val="tx1"/>
+            </a:solidFill>
+            <a:prstDash val="dash"/>
+            <a:headEnd type="none" w="med" len="med"/>
+            <a:tailEnd type="triangle"/>
+          </a:ln>
+        </p:spPr>
+        <p:style>
+          <a:lnRef idx="3">
+            <a:schemeClr val="accent1"/>
+          </a:lnRef>
+          <a:fillRef idx="0">
+            <a:schemeClr val="accent1"/>
+          </a:fillRef>
+          <a:effectRef idx="2">
+            <a:schemeClr val="accent1"/>
+          </a:effectRef>
+          <a:fontRef idx="minor">
+            <a:schemeClr val="tx1"/>
+          </a:fontRef>
+        </p:style>
+      </p:cxnSp>
+      <p:grpSp>
+        <p:nvGrpSpPr>
+          <p:cNvPr id="70" name="组合 69">
+            <a:extLst>
+              <a:ext uri="{FF2B5EF4-FFF2-40B4-BE49-F238E27FC236}">
+                <a16:creationId xmlns:a16="http://schemas.microsoft.com/office/drawing/2014/main" id="{C790FDAB-C34F-4E6F-B8D1-2BE33AC3B4EE}"/>
+              </a:ext>
+            </a:extLst>
+          </p:cNvPr>
+          <p:cNvGrpSpPr/>
+          <p:nvPr/>
+        </p:nvGrpSpPr>
+        <p:grpSpPr>
+          <a:xfrm>
+            <a:off x="3047534" y="2025002"/>
+            <a:ext cx="1751465" cy="295200"/>
+            <a:chOff x="2111317" y="798979"/>
+            <a:chExt cx="1751465" cy="295200"/>
+          </a:xfrm>
+        </p:grpSpPr>
+        <p:sp>
+          <p:nvSpPr>
+            <p:cNvPr id="71" name="矩形 70">
+              <a:extLst>
+                <a:ext uri="{FF2B5EF4-FFF2-40B4-BE49-F238E27FC236}">
+                  <a16:creationId xmlns:a16="http://schemas.microsoft.com/office/drawing/2014/main" id="{1AA097A6-D73D-47CC-92E9-E69AA30ECA46}"/>
+                </a:ext>
+              </a:extLst>
+            </p:cNvPr>
+            <p:cNvSpPr/>
+            <p:nvPr/>
+          </p:nvSpPr>
+          <p:spPr>
+            <a:xfrm>
+              <a:off x="2111317" y="825101"/>
+              <a:ext cx="961516" cy="242955"/>
+            </a:xfrm>
+            <a:prstGeom prst="rect">
+              <a:avLst/>
+            </a:prstGeom>
+            <a:solidFill>
+              <a:schemeClr val="bg1"/>
+            </a:solidFill>
+            <a:ln w="57150">
+              <a:noFill/>
+              <a:prstDash val="lgDash"/>
+            </a:ln>
+          </p:spPr>
+          <p:style>
+            <a:lnRef idx="2">
+              <a:schemeClr val="accent1">
+                <a:shade val="50000"/>
+              </a:schemeClr>
+            </a:lnRef>
+            <a:fillRef idx="1">
+              <a:schemeClr val="accent1"/>
+            </a:fillRef>
+            <a:effectRef idx="0">
+              <a:schemeClr val="accent1"/>
+            </a:effectRef>
+            <a:fontRef idx="minor">
+              <a:schemeClr val="lt1"/>
+            </a:fontRef>
+          </p:style>
+          <p:txBody>
+            <a:bodyPr rtlCol="0" anchor="ctr"/>
+            <a:lstStyle/>
+            <a:p>
+              <a:pPr algn="ctr"/>
+              <a:r>
+                <a:rPr lang="zh-CN" altLang="en-US" sz="1400" dirty="0">
+                  <a:solidFill>
+                    <a:schemeClr val="tx1"/>
+                  </a:solidFill>
+                </a:rPr>
+                <a:t>应用数据</a:t>
+              </a:r>
+            </a:p>
+          </p:txBody>
+        </p:sp>
+        <p:grpSp>
+          <p:nvGrpSpPr>
+            <p:cNvPr id="72" name="组合 71">
+              <a:extLst>
+                <a:ext uri="{FF2B5EF4-FFF2-40B4-BE49-F238E27FC236}">
+                  <a16:creationId xmlns:a16="http://schemas.microsoft.com/office/drawing/2014/main" id="{A0591254-D44E-4D9E-ACA9-0FFCA546A33B}"/>
+                </a:ext>
+              </a:extLst>
+            </p:cNvPr>
+            <p:cNvGrpSpPr/>
+            <p:nvPr/>
+          </p:nvGrpSpPr>
+          <p:grpSpPr>
+            <a:xfrm>
+              <a:off x="2986722" y="798979"/>
+              <a:ext cx="876060" cy="295200"/>
+              <a:chOff x="6646027" y="788394"/>
+              <a:chExt cx="876060" cy="295200"/>
+            </a:xfrm>
+            <a:solidFill>
+              <a:schemeClr val="bg1"/>
+            </a:solidFill>
+          </p:grpSpPr>
+          <p:pic>
+            <p:nvPicPr>
+              <p:cNvPr id="73" name="图片 72">
+                <a:extLst>
+                  <a:ext uri="{FF2B5EF4-FFF2-40B4-BE49-F238E27FC236}">
+                    <a16:creationId xmlns:a16="http://schemas.microsoft.com/office/drawing/2014/main" id="{36D1836A-3FB0-4F72-BEC8-7E3D2BADEFF1}"/>
+                  </a:ext>
+                </a:extLst>
+              </p:cNvPr>
+              <p:cNvPicPr>
+                <a:picLocks noChangeAspect="1"/>
+              </p:cNvPicPr>
+              <p:nvPr/>
+            </p:nvPicPr>
+            <p:blipFill>
+              <a:blip r:embed="rId9" cstate="print">
+                <a:extLst>
+                  <a:ext uri="{28A0092B-C50C-407E-A947-70E740481C1C}">
+                    <a14:useLocalDpi xmlns:a14="http://schemas.microsoft.com/office/drawing/2010/main" val="0"/>
+                  </a:ext>
+                </a:extLst>
+              </a:blip>
+              <a:stretch>
+                <a:fillRect/>
+              </a:stretch>
+            </p:blipFill>
+            <p:spPr>
+              <a:xfrm flipH="1">
+                <a:off x="7227002" y="788452"/>
+                <a:ext cx="295085" cy="295085"/>
+              </a:xfrm>
+              <a:prstGeom prst="rect">
+                <a:avLst/>
+              </a:prstGeom>
+              <a:grpFill/>
+              <a:ln>
+                <a:noFill/>
+              </a:ln>
+            </p:spPr>
+          </p:pic>
+          <p:pic>
+            <p:nvPicPr>
+              <p:cNvPr id="74" name="图片 73">
+                <a:extLst>
+                  <a:ext uri="{FF2B5EF4-FFF2-40B4-BE49-F238E27FC236}">
+                    <a16:creationId xmlns:a16="http://schemas.microsoft.com/office/drawing/2014/main" id="{8749B7C5-5930-40DC-8F89-8E99B799D91D}"/>
+                  </a:ext>
+                </a:extLst>
+              </p:cNvPr>
+              <p:cNvPicPr>
+                <a:picLocks noChangeAspect="1"/>
+              </p:cNvPicPr>
+              <p:nvPr/>
+            </p:nvPicPr>
+            <p:blipFill>
+              <a:blip r:embed="rId10" cstate="print">
+                <a:extLst>
+                  <a:ext uri="{28A0092B-C50C-407E-A947-70E740481C1C}">
+                    <a14:useLocalDpi xmlns:a14="http://schemas.microsoft.com/office/drawing/2010/main" val="0"/>
+                  </a:ext>
+                </a:extLst>
+              </a:blip>
+              <a:stretch>
+                <a:fillRect/>
+              </a:stretch>
+            </p:blipFill>
+            <p:spPr>
+              <a:xfrm flipH="1">
+                <a:off x="6646027" y="788394"/>
+                <a:ext cx="295200" cy="295200"/>
+              </a:xfrm>
+              <a:prstGeom prst="rect">
+                <a:avLst/>
+              </a:prstGeom>
+              <a:grpFill/>
+            </p:spPr>
+          </p:pic>
+          <p:pic>
+            <p:nvPicPr>
+              <p:cNvPr id="75" name="图片 74">
+                <a:extLst>
+                  <a:ext uri="{FF2B5EF4-FFF2-40B4-BE49-F238E27FC236}">
+                    <a16:creationId xmlns:a16="http://schemas.microsoft.com/office/drawing/2014/main" id="{8DA256E0-2CEA-4D3C-A3FD-7348046B17D5}"/>
+                  </a:ext>
+                </a:extLst>
+              </p:cNvPr>
+              <p:cNvPicPr>
+                <a:picLocks noChangeAspect="1"/>
+              </p:cNvPicPr>
+              <p:nvPr/>
+            </p:nvPicPr>
+            <p:blipFill>
+              <a:blip r:embed="rId10" cstate="print">
+                <a:extLst>
+                  <a:ext uri="{28A0092B-C50C-407E-A947-70E740481C1C}">
+                    <a14:useLocalDpi xmlns:a14="http://schemas.microsoft.com/office/drawing/2010/main" val="0"/>
+                  </a:ext>
+                </a:extLst>
+              </a:blip>
+              <a:stretch>
+                <a:fillRect/>
+              </a:stretch>
+            </p:blipFill>
+            <p:spPr>
+              <a:xfrm flipH="1">
+                <a:off x="6936515" y="788394"/>
+                <a:ext cx="295200" cy="295200"/>
+              </a:xfrm>
+              <a:prstGeom prst="rect">
+                <a:avLst/>
+              </a:prstGeom>
+              <a:grpFill/>
+            </p:spPr>
+          </p:pic>
+        </p:grpSp>
+      </p:grpSp>
+      <p:sp>
+        <p:nvSpPr>
+          <p:cNvPr id="80" name="矩形 79">
+            <a:extLst>
+              <a:ext uri="{FF2B5EF4-FFF2-40B4-BE49-F238E27FC236}">
+                <a16:creationId xmlns:a16="http://schemas.microsoft.com/office/drawing/2014/main" id="{0F8FB120-7D3A-4E70-8086-0110457115A4}"/>
+              </a:ext>
+            </a:extLst>
+          </p:cNvPr>
+          <p:cNvSpPr/>
+          <p:nvPr/>
+        </p:nvSpPr>
+        <p:spPr>
+          <a:xfrm>
+            <a:off x="1888889" y="3857473"/>
+            <a:ext cx="2880000" cy="540000"/>
+          </a:xfrm>
+          <a:prstGeom prst="rect">
+            <a:avLst/>
+          </a:prstGeom>
+          <a:solidFill>
+            <a:schemeClr val="bg1"/>
+          </a:solidFill>
+          <a:ln w="19050">
+            <a:solidFill>
+              <a:schemeClr val="accent2"/>
+            </a:solidFill>
+            <a:prstDash val="solid"/>
+          </a:ln>
+        </p:spPr>
+        <p:style>
+          <a:lnRef idx="2">
+            <a:schemeClr val="accent1">
+              <a:shade val="50000"/>
+            </a:schemeClr>
+          </a:lnRef>
+          <a:fillRef idx="1">
+            <a:schemeClr val="accent1"/>
+          </a:fillRef>
+          <a:effectRef idx="0">
+            <a:schemeClr val="accent1"/>
+          </a:effectRef>
+          <a:fontRef idx="minor">
+            <a:schemeClr val="lt1"/>
+          </a:fontRef>
+        </p:style>
+        <p:txBody>
+          <a:bodyPr rtlCol="0" anchor="ctr"/>
+          <a:lstStyle/>
+          <a:p>
+            <a:pPr algn="ctr"/>
+            <a:r>
+              <a:rPr lang="zh-CN" altLang="en-US" sz="1600" dirty="0">
+                <a:solidFill>
+                  <a:schemeClr val="accent2"/>
+                </a:solidFill>
+              </a:rPr>
+              <a:t>仿冒应用特征解读</a:t>
+            </a:r>
+          </a:p>
+        </p:txBody>
+      </p:sp>
+      <p:sp>
+        <p:nvSpPr>
+          <p:cNvPr id="81" name="矩形 80">
+            <a:extLst>
+              <a:ext uri="{FF2B5EF4-FFF2-40B4-BE49-F238E27FC236}">
+                <a16:creationId xmlns:a16="http://schemas.microsoft.com/office/drawing/2014/main" id="{D69217E1-9EBA-4921-8BDA-11476203D2EA}"/>
+              </a:ext>
+            </a:extLst>
+          </p:cNvPr>
+          <p:cNvSpPr/>
+          <p:nvPr/>
+        </p:nvSpPr>
+        <p:spPr>
+          <a:xfrm>
+            <a:off x="7030906" y="3857473"/>
+            <a:ext cx="2880000" cy="540000"/>
+          </a:xfrm>
+          <a:prstGeom prst="rect">
+            <a:avLst/>
+          </a:prstGeom>
+          <a:solidFill>
+            <a:schemeClr val="bg1"/>
+          </a:solidFill>
+          <a:ln w="19050">
+            <a:solidFill>
+              <a:schemeClr val="accent6"/>
+            </a:solidFill>
+            <a:prstDash val="solid"/>
+          </a:ln>
+        </p:spPr>
+        <p:style>
+          <a:lnRef idx="2">
+            <a:schemeClr val="accent1">
+              <a:shade val="50000"/>
+            </a:schemeClr>
+          </a:lnRef>
+          <a:fillRef idx="1">
+            <a:schemeClr val="accent1"/>
+          </a:fillRef>
+          <a:effectRef idx="0">
+            <a:schemeClr val="accent1"/>
+          </a:effectRef>
+          <a:fontRef idx="minor">
+            <a:schemeClr val="lt1"/>
+          </a:fontRef>
+        </p:style>
+        <p:txBody>
+          <a:bodyPr rtlCol="0" anchor="ctr"/>
+          <a:lstStyle/>
+          <a:p>
+            <a:pPr algn="ctr"/>
+            <a:r>
+              <a:rPr lang="zh-CN" altLang="en-US" sz="1600" dirty="0">
+                <a:solidFill>
+                  <a:schemeClr val="accent6"/>
+                </a:solidFill>
+              </a:rPr>
+              <a:t>仿冒应用评论分析</a:t>
+            </a:r>
+          </a:p>
+        </p:txBody>
+      </p:sp>
+      <p:cxnSp>
+        <p:nvCxnSpPr>
+          <p:cNvPr id="82" name="直接箭头连接符 81">
+            <a:extLst>
+              <a:ext uri="{FF2B5EF4-FFF2-40B4-BE49-F238E27FC236}">
+                <a16:creationId xmlns:a16="http://schemas.microsoft.com/office/drawing/2014/main" id="{840FF86F-8FD1-44EC-B79C-D0660E43EA96}"/>
+              </a:ext>
+            </a:extLst>
+          </p:cNvPr>
+          <p:cNvCxnSpPr>
+            <a:cxnSpLocks/>
+          </p:cNvCxnSpPr>
+          <p:nvPr/>
+        </p:nvCxnSpPr>
+        <p:spPr>
+          <a:xfrm>
+            <a:off x="2025268" y="3335206"/>
+            <a:ext cx="0" cy="448420"/>
+          </a:xfrm>
+          <a:prstGeom prst="straightConnector1">
+            <a:avLst/>
+          </a:prstGeom>
+          <a:ln>
+            <a:solidFill>
+              <a:schemeClr val="tx1"/>
+            </a:solidFill>
+            <a:prstDash val="dash"/>
+            <a:headEnd type="none" w="med" len="med"/>
+            <a:tailEnd type="triangle"/>
+          </a:ln>
+        </p:spPr>
+        <p:style>
+          <a:lnRef idx="3">
+            <a:schemeClr val="accent1"/>
+          </a:lnRef>
+          <a:fillRef idx="0">
+            <a:schemeClr val="accent1"/>
+          </a:fillRef>
+          <a:effectRef idx="2">
+            <a:schemeClr val="accent1"/>
+          </a:effectRef>
+          <a:fontRef idx="minor">
+            <a:schemeClr val="tx1"/>
+          </a:fontRef>
+        </p:style>
+      </p:cxnSp>
+      <p:cxnSp>
+        <p:nvCxnSpPr>
+          <p:cNvPr id="84" name="直接箭头连接符 83">
+            <a:extLst>
+              <a:ext uri="{FF2B5EF4-FFF2-40B4-BE49-F238E27FC236}">
+                <a16:creationId xmlns:a16="http://schemas.microsoft.com/office/drawing/2014/main" id="{B445162C-AF38-4C80-9EED-559F8C008428}"/>
+              </a:ext>
+            </a:extLst>
+          </p:cNvPr>
+          <p:cNvCxnSpPr>
+            <a:cxnSpLocks/>
+          </p:cNvCxnSpPr>
+          <p:nvPr/>
+        </p:nvCxnSpPr>
+        <p:spPr>
+          <a:xfrm>
+            <a:off x="7163049" y="3335206"/>
+            <a:ext cx="0" cy="448420"/>
+          </a:xfrm>
+          <a:prstGeom prst="straightConnector1">
+            <a:avLst/>
+          </a:prstGeom>
+          <a:ln>
+            <a:solidFill>
+              <a:schemeClr val="tx1"/>
+            </a:solidFill>
+            <a:prstDash val="dash"/>
+            <a:headEnd type="none" w="med" len="med"/>
+            <a:tailEnd type="triangle"/>
+          </a:ln>
+        </p:spPr>
+        <p:style>
+          <a:lnRef idx="3">
+            <a:schemeClr val="accent1"/>
+          </a:lnRef>
+          <a:fillRef idx="0">
+            <a:schemeClr val="accent1"/>
+          </a:fillRef>
+          <a:effectRef idx="2">
+            <a:schemeClr val="accent1"/>
+          </a:effectRef>
+          <a:fontRef idx="minor">
+            <a:schemeClr val="tx1"/>
+          </a:fontRef>
+        </p:style>
+      </p:cxnSp>
+      <p:grpSp>
+        <p:nvGrpSpPr>
+          <p:cNvPr id="85" name="组合 84">
+            <a:extLst>
+              <a:ext uri="{FF2B5EF4-FFF2-40B4-BE49-F238E27FC236}">
+                <a16:creationId xmlns:a16="http://schemas.microsoft.com/office/drawing/2014/main" id="{8296AABF-8CE7-4A28-B56D-5A37748C8C99}"/>
+              </a:ext>
+            </a:extLst>
+          </p:cNvPr>
+          <p:cNvGrpSpPr/>
+          <p:nvPr/>
+        </p:nvGrpSpPr>
+        <p:grpSpPr>
+          <a:xfrm>
+            <a:off x="2106500" y="3411874"/>
+            <a:ext cx="1508211" cy="295085"/>
+            <a:chOff x="1876585" y="4295291"/>
+            <a:chExt cx="1508211" cy="295085"/>
+          </a:xfrm>
+        </p:grpSpPr>
+        <p:sp>
+          <p:nvSpPr>
+            <p:cNvPr id="86" name="矩形 85">
+              <a:extLst>
+                <a:ext uri="{FF2B5EF4-FFF2-40B4-BE49-F238E27FC236}">
+                  <a16:creationId xmlns:a16="http://schemas.microsoft.com/office/drawing/2014/main" id="{3A23CBE1-25F8-4593-8928-C7D1A58F2668}"/>
+                </a:ext>
+              </a:extLst>
+            </p:cNvPr>
+            <p:cNvSpPr/>
+            <p:nvPr/>
+          </p:nvSpPr>
+          <p:spPr>
+            <a:xfrm>
+              <a:off x="1876585" y="4314443"/>
+              <a:ext cx="1249955" cy="242955"/>
+            </a:xfrm>
+            <a:prstGeom prst="rect">
+              <a:avLst/>
+            </a:prstGeom>
+            <a:solidFill>
+              <a:schemeClr val="bg1"/>
+            </a:solidFill>
+            <a:ln w="57150">
+              <a:noFill/>
+              <a:prstDash val="lgDash"/>
+            </a:ln>
+          </p:spPr>
+          <p:style>
+            <a:lnRef idx="2">
+              <a:schemeClr val="accent1">
+                <a:shade val="50000"/>
+              </a:schemeClr>
+            </a:lnRef>
+            <a:fillRef idx="1">
+              <a:schemeClr val="accent1"/>
+            </a:fillRef>
+            <a:effectRef idx="0">
+              <a:schemeClr val="accent1"/>
+            </a:effectRef>
+            <a:fontRef idx="minor">
+              <a:schemeClr val="lt1"/>
+            </a:fontRef>
+          </p:style>
+          <p:txBody>
+            <a:bodyPr rtlCol="0" anchor="ctr"/>
+            <a:lstStyle/>
+            <a:p>
+              <a:pPr algn="ctr"/>
+              <a:r>
+                <a:rPr lang="zh-CN" altLang="en-US" sz="1400" dirty="0">
+                  <a:solidFill>
+                    <a:schemeClr val="tx1"/>
+                  </a:solidFill>
+                </a:rPr>
+                <a:t>仿冒应用数据</a:t>
+              </a:r>
+            </a:p>
+          </p:txBody>
+        </p:sp>
+        <p:pic>
+          <p:nvPicPr>
+            <p:cNvPr id="89" name="图片 88">
+              <a:extLst>
+                <a:ext uri="{FF2B5EF4-FFF2-40B4-BE49-F238E27FC236}">
+                  <a16:creationId xmlns:a16="http://schemas.microsoft.com/office/drawing/2014/main" id="{D939BBAA-2076-49BE-A612-6BBAF6F5C4E2}"/>
+                </a:ext>
+              </a:extLst>
+            </p:cNvPr>
+            <p:cNvPicPr>
+              <a:picLocks noChangeAspect="1"/>
+            </p:cNvPicPr>
+            <p:nvPr/>
+          </p:nvPicPr>
+          <p:blipFill>
+            <a:blip r:embed="rId9" cstate="print">
+              <a:extLst>
+                <a:ext uri="{28A0092B-C50C-407E-A947-70E740481C1C}">
+                  <a14:useLocalDpi xmlns:a14="http://schemas.microsoft.com/office/drawing/2010/main" val="0"/>
+                </a:ext>
+              </a:extLst>
+            </a:blip>
+            <a:stretch>
+              <a:fillRect/>
+            </a:stretch>
+          </p:blipFill>
+          <p:spPr>
+            <a:xfrm flipH="1">
+              <a:off x="3089711" y="4295291"/>
+              <a:ext cx="295085" cy="295085"/>
+            </a:xfrm>
+            <a:prstGeom prst="rect">
+              <a:avLst/>
+            </a:prstGeom>
+            <a:ln>
+              <a:noFill/>
+            </a:ln>
+          </p:spPr>
+        </p:pic>
+      </p:grpSp>
+      <p:grpSp>
+        <p:nvGrpSpPr>
+          <p:cNvPr id="92" name="组合 91">
+            <a:extLst>
+              <a:ext uri="{FF2B5EF4-FFF2-40B4-BE49-F238E27FC236}">
+                <a16:creationId xmlns:a16="http://schemas.microsoft.com/office/drawing/2014/main" id="{D6BC32EA-F0EE-46F2-BE89-3234D1786CB4}"/>
+              </a:ext>
+            </a:extLst>
+          </p:cNvPr>
+          <p:cNvGrpSpPr/>
+          <p:nvPr/>
+        </p:nvGrpSpPr>
+        <p:grpSpPr>
+          <a:xfrm>
+            <a:off x="7241823" y="3420985"/>
+            <a:ext cx="1508211" cy="295085"/>
+            <a:chOff x="1876585" y="4295291"/>
+            <a:chExt cx="1508211" cy="295085"/>
+          </a:xfrm>
+        </p:grpSpPr>
+        <p:sp>
+          <p:nvSpPr>
+            <p:cNvPr id="93" name="矩形 92">
+              <a:extLst>
+                <a:ext uri="{FF2B5EF4-FFF2-40B4-BE49-F238E27FC236}">
+                  <a16:creationId xmlns:a16="http://schemas.microsoft.com/office/drawing/2014/main" id="{72253F2D-7AA8-4779-B5E3-E30498F55EBC}"/>
+                </a:ext>
+              </a:extLst>
+            </p:cNvPr>
+            <p:cNvSpPr/>
+            <p:nvPr/>
+          </p:nvSpPr>
+          <p:spPr>
+            <a:xfrm>
+              <a:off x="1876585" y="4314443"/>
+              <a:ext cx="1249955" cy="242955"/>
+            </a:xfrm>
+            <a:prstGeom prst="rect">
+              <a:avLst/>
+            </a:prstGeom>
+            <a:solidFill>
+              <a:schemeClr val="bg1"/>
+            </a:solidFill>
+            <a:ln w="57150">
+              <a:noFill/>
+              <a:prstDash val="lgDash"/>
+            </a:ln>
+          </p:spPr>
+          <p:style>
+            <a:lnRef idx="2">
+              <a:schemeClr val="accent1">
+                <a:shade val="50000"/>
+              </a:schemeClr>
+            </a:lnRef>
+            <a:fillRef idx="1">
+              <a:schemeClr val="accent1"/>
+            </a:fillRef>
+            <a:effectRef idx="0">
+              <a:schemeClr val="accent1"/>
+            </a:effectRef>
+            <a:fontRef idx="minor">
+              <a:schemeClr val="lt1"/>
+            </a:fontRef>
+          </p:style>
+          <p:txBody>
+            <a:bodyPr rtlCol="0" anchor="ctr"/>
+            <a:lstStyle/>
+            <a:p>
+              <a:pPr algn="ctr"/>
+              <a:r>
+                <a:rPr lang="zh-CN" altLang="en-US" sz="1400" dirty="0">
+                  <a:solidFill>
+                    <a:schemeClr val="tx1"/>
+                  </a:solidFill>
+                </a:rPr>
+                <a:t>仿冒应用数据</a:t>
+              </a:r>
+            </a:p>
+          </p:txBody>
+        </p:sp>
+        <p:pic>
+          <p:nvPicPr>
+            <p:cNvPr id="94" name="图片 93">
+              <a:extLst>
+                <a:ext uri="{FF2B5EF4-FFF2-40B4-BE49-F238E27FC236}">
+                  <a16:creationId xmlns:a16="http://schemas.microsoft.com/office/drawing/2014/main" id="{15E45CCC-6493-42ED-AB54-2A44B05EB620}"/>
+                </a:ext>
+              </a:extLst>
+            </p:cNvPr>
+            <p:cNvPicPr>
+              <a:picLocks noChangeAspect="1"/>
+            </p:cNvPicPr>
+            <p:nvPr/>
+          </p:nvPicPr>
+          <p:blipFill>
+            <a:blip r:embed="rId9" cstate="print">
+              <a:extLst>
+                <a:ext uri="{28A0092B-C50C-407E-A947-70E740481C1C}">
+                  <a14:useLocalDpi xmlns:a14="http://schemas.microsoft.com/office/drawing/2010/main" val="0"/>
+                </a:ext>
+              </a:extLst>
+            </a:blip>
+            <a:stretch>
+              <a:fillRect/>
+            </a:stretch>
+          </p:blipFill>
+          <p:spPr>
+            <a:xfrm flipH="1">
+              <a:off x="3089711" y="4295291"/>
+              <a:ext cx="295085" cy="295085"/>
+            </a:xfrm>
+            <a:prstGeom prst="rect">
+              <a:avLst/>
+            </a:prstGeom>
+            <a:ln>
+              <a:noFill/>
+            </a:ln>
+          </p:spPr>
+        </p:pic>
+      </p:grpSp>
+      <p:cxnSp>
+        <p:nvCxnSpPr>
+          <p:cNvPr id="100" name="直接箭头连接符 99">
+            <a:extLst>
+              <a:ext uri="{FF2B5EF4-FFF2-40B4-BE49-F238E27FC236}">
+                <a16:creationId xmlns:a16="http://schemas.microsoft.com/office/drawing/2014/main" id="{D492A8E1-45AA-469A-80B6-6900283EEF02}"/>
+              </a:ext>
+            </a:extLst>
+          </p:cNvPr>
+          <p:cNvCxnSpPr>
+            <a:cxnSpLocks/>
+          </p:cNvCxnSpPr>
+          <p:nvPr/>
+        </p:nvCxnSpPr>
+        <p:spPr>
+          <a:xfrm>
+            <a:off x="9583734" y="1971254"/>
+            <a:ext cx="0" cy="1812372"/>
+          </a:xfrm>
+          <a:prstGeom prst="straightConnector1">
+            <a:avLst/>
+          </a:prstGeom>
+          <a:ln>
+            <a:solidFill>
+              <a:schemeClr val="tx1"/>
+            </a:solidFill>
+            <a:prstDash val="dash"/>
+            <a:headEnd type="none" w="med" len="med"/>
+            <a:tailEnd type="triangle"/>
+          </a:ln>
+        </p:spPr>
+        <p:style>
+          <a:lnRef idx="3">
+            <a:schemeClr val="accent1"/>
+          </a:lnRef>
+          <a:fillRef idx="0">
+            <a:schemeClr val="accent1"/>
+          </a:fillRef>
+          <a:effectRef idx="2">
+            <a:schemeClr val="accent1"/>
+          </a:effectRef>
+          <a:fontRef idx="minor">
+            <a:schemeClr val="tx1"/>
+          </a:fontRef>
+        </p:style>
+      </p:cxnSp>
+      <p:grpSp>
+        <p:nvGrpSpPr>
+          <p:cNvPr id="18" name="组合 17">
+            <a:extLst>
+              <a:ext uri="{FF2B5EF4-FFF2-40B4-BE49-F238E27FC236}">
+                <a16:creationId xmlns:a16="http://schemas.microsoft.com/office/drawing/2014/main" id="{B9E407C7-7EFB-4935-A140-3EB49A26D285}"/>
+              </a:ext>
+            </a:extLst>
+          </p:cNvPr>
+          <p:cNvGrpSpPr/>
+          <p:nvPr/>
+        </p:nvGrpSpPr>
+        <p:grpSpPr>
+          <a:xfrm>
+            <a:off x="8189726" y="2019488"/>
+            <a:ext cx="1315733" cy="295086"/>
+            <a:chOff x="6943956" y="2093414"/>
+            <a:chExt cx="1315733" cy="295086"/>
+          </a:xfrm>
+        </p:grpSpPr>
+        <p:sp>
+          <p:nvSpPr>
+            <p:cNvPr id="104" name="矩形 103">
+              <a:extLst>
+                <a:ext uri="{FF2B5EF4-FFF2-40B4-BE49-F238E27FC236}">
+                  <a16:creationId xmlns:a16="http://schemas.microsoft.com/office/drawing/2014/main" id="{6141D0E1-D7CE-4CCF-8FA7-F5F8BC0CBBD1}"/>
+                </a:ext>
+              </a:extLst>
+            </p:cNvPr>
+            <p:cNvSpPr/>
+            <p:nvPr/>
+          </p:nvSpPr>
+          <p:spPr>
+            <a:xfrm>
+              <a:off x="6943956" y="2119480"/>
+              <a:ext cx="1249955" cy="242955"/>
+            </a:xfrm>
+            <a:prstGeom prst="rect">
+              <a:avLst/>
+            </a:prstGeom>
+            <a:solidFill>
+              <a:schemeClr val="bg1"/>
+            </a:solidFill>
+            <a:ln w="57150">
+              <a:noFill/>
+              <a:prstDash val="lgDash"/>
+            </a:ln>
+          </p:spPr>
+          <p:style>
+            <a:lnRef idx="2">
+              <a:schemeClr val="accent1">
+                <a:shade val="50000"/>
+              </a:schemeClr>
+            </a:lnRef>
+            <a:fillRef idx="1">
+              <a:schemeClr val="accent1"/>
+            </a:fillRef>
+            <a:effectRef idx="0">
+              <a:schemeClr val="accent1"/>
+            </a:effectRef>
+            <a:fontRef idx="minor">
+              <a:schemeClr val="lt1"/>
+            </a:fontRef>
+          </p:style>
+          <p:txBody>
+            <a:bodyPr rtlCol="0" anchor="ctr"/>
+            <a:lstStyle/>
+            <a:p>
+              <a:pPr algn="ctr"/>
+              <a:r>
+                <a:rPr lang="zh-CN" altLang="en-US" sz="1400" dirty="0">
+                  <a:solidFill>
+                    <a:schemeClr val="tx1"/>
+                  </a:solidFill>
+                </a:rPr>
+                <a:t>评论数据</a:t>
+              </a:r>
+            </a:p>
+          </p:txBody>
+        </p:sp>
+        <p:pic>
+          <p:nvPicPr>
+            <p:cNvPr id="17" name="图片 16">
+              <a:extLst>
+                <a:ext uri="{FF2B5EF4-FFF2-40B4-BE49-F238E27FC236}">
+                  <a16:creationId xmlns:a16="http://schemas.microsoft.com/office/drawing/2014/main" id="{98297D5B-C176-4331-AD5B-603B56168AA9}"/>
+                </a:ext>
+              </a:extLst>
+            </p:cNvPr>
+            <p:cNvPicPr>
+              <a:picLocks noChangeAspect="1"/>
+            </p:cNvPicPr>
+            <p:nvPr/>
+          </p:nvPicPr>
+          <p:blipFill>
+            <a:blip r:embed="rId11">
+              <a:extLst>
+                <a:ext uri="{28A0092B-C50C-407E-A947-70E740481C1C}">
+                  <a14:useLocalDpi xmlns:a14="http://schemas.microsoft.com/office/drawing/2010/main" val="0"/>
+                </a:ext>
+              </a:extLst>
+            </a:blip>
+            <a:stretch>
+              <a:fillRect/>
+            </a:stretch>
+          </p:blipFill>
+          <p:spPr>
+            <a:xfrm>
+              <a:off x="7964603" y="2093414"/>
+              <a:ext cx="295086" cy="295086"/>
+            </a:xfrm>
+            <a:prstGeom prst="rect">
+              <a:avLst/>
+            </a:prstGeom>
+          </p:spPr>
+        </p:pic>
+      </p:grpSp>
+      <p:sp>
+        <p:nvSpPr>
+          <p:cNvPr id="109" name="矩形 108">
+            <a:extLst>
+              <a:ext uri="{FF2B5EF4-FFF2-40B4-BE49-F238E27FC236}">
+                <a16:creationId xmlns:a16="http://schemas.microsoft.com/office/drawing/2014/main" id="{65A5CCC7-F683-4578-B635-B59EDDBD7F17}"/>
+              </a:ext>
+            </a:extLst>
+          </p:cNvPr>
+          <p:cNvSpPr/>
+          <p:nvPr/>
+        </p:nvSpPr>
+        <p:spPr>
+          <a:xfrm>
+            <a:off x="8633460" y="990384"/>
+            <a:ext cx="1080750" cy="338554"/>
+          </a:xfrm>
+          <a:prstGeom prst="rect">
+            <a:avLst/>
+          </a:prstGeom>
+          <a:solidFill>
+            <a:schemeClr val="bg1"/>
+          </a:solidFill>
+          <a:ln>
+            <a:noFill/>
+          </a:ln>
+        </p:spPr>
+        <p:txBody>
+          <a:bodyPr wrap="square">
+            <a:spAutoFit/>
+          </a:bodyPr>
+          <a:lstStyle/>
+          <a:p>
+            <a:pPr algn="ctr"/>
+            <a:r>
+              <a:rPr lang="zh-CN" altLang="en-US" sz="1600" dirty="0"/>
+              <a:t>应用市场</a:t>
+            </a:r>
+          </a:p>
+        </p:txBody>
+      </p:sp>
+    </p:spTree>
+    <p:extLst>
+      <p:ext uri="{BB962C8B-B14F-4D97-AF65-F5344CB8AC3E}">
+        <p14:creationId xmlns:p14="http://schemas.microsoft.com/office/powerpoint/2010/main" val="3037902655"/>
+      </p:ext>
+    </p:extLst>
+  </p:cSld>
+  <p:clrMapOvr>
+    <a:masterClrMapping/>
+  </p:clrMapOvr>
+</p:sld>
+</file>
+
 <file path=ppt/slides/slide4.xml><?xml version="1.0" encoding="utf-8"?>
 <p:sld xmlns:a="http://schemas.openxmlformats.org/drawingml/2006/main" xmlns:r="http://schemas.openxmlformats.org/officeDocument/2006/relationships" xmlns:p="http://schemas.openxmlformats.org/presentationml/2006/main">
   <p:cSld>
@@ -13753,225 +15040,6 @@
       </p:cxnSp>
       <p:grpSp>
         <p:nvGrpSpPr>
-          <p:cNvPr id="45" name="组合 44">
-            <a:extLst>
-              <a:ext uri="{FF2B5EF4-FFF2-40B4-BE49-F238E27FC236}">
-                <a16:creationId xmlns:a16="http://schemas.microsoft.com/office/drawing/2014/main" id="{C33F1390-73C2-4BBA-AA3A-D3FC10BE929B}"/>
-              </a:ext>
-            </a:extLst>
-          </p:cNvPr>
-          <p:cNvGrpSpPr/>
-          <p:nvPr/>
-        </p:nvGrpSpPr>
-        <p:grpSpPr>
-          <a:xfrm>
-            <a:off x="2229048" y="4295291"/>
-            <a:ext cx="1249955" cy="555048"/>
-            <a:chOff x="2225873" y="4279508"/>
-            <a:chExt cx="1249955" cy="555048"/>
-          </a:xfrm>
-        </p:grpSpPr>
-        <p:grpSp>
-          <p:nvGrpSpPr>
-            <p:cNvPr id="204" name="组合 203">
-              <a:extLst>
-                <a:ext uri="{FF2B5EF4-FFF2-40B4-BE49-F238E27FC236}">
-                  <a16:creationId xmlns:a16="http://schemas.microsoft.com/office/drawing/2014/main" id="{45A11373-85C4-4896-876B-06D64718BA83}"/>
-                </a:ext>
-              </a:extLst>
-            </p:cNvPr>
-            <p:cNvGrpSpPr/>
-            <p:nvPr/>
-          </p:nvGrpSpPr>
-          <p:grpSpPr>
-            <a:xfrm>
-              <a:off x="2414285" y="4279508"/>
-              <a:ext cx="873130" cy="295086"/>
-              <a:chOff x="10622023" y="1215606"/>
-              <a:chExt cx="873130" cy="295086"/>
-            </a:xfrm>
-          </p:grpSpPr>
-          <p:pic>
-            <p:nvPicPr>
-              <p:cNvPr id="206" name="图片 205">
-                <a:extLst>
-                  <a:ext uri="{FF2B5EF4-FFF2-40B4-BE49-F238E27FC236}">
-                    <a16:creationId xmlns:a16="http://schemas.microsoft.com/office/drawing/2014/main" id="{30FF77F8-D51D-4E1F-B955-6D3AFD2222B2}"/>
-                  </a:ext>
-                </a:extLst>
-              </p:cNvPr>
-              <p:cNvPicPr>
-                <a:picLocks noChangeAspect="1"/>
-              </p:cNvPicPr>
-              <p:nvPr/>
-            </p:nvPicPr>
-            <p:blipFill>
-              <a:blip r:embed="rId4" cstate="print">
-                <a:extLst>
-                  <a:ext uri="{28A0092B-C50C-407E-A947-70E740481C1C}">
-                    <a14:useLocalDpi xmlns:a14="http://schemas.microsoft.com/office/drawing/2010/main" val="0"/>
-                  </a:ext>
-                </a:extLst>
-              </a:blip>
-              <a:stretch>
-                <a:fillRect/>
-              </a:stretch>
-            </p:blipFill>
-            <p:spPr>
-              <a:xfrm flipH="1">
-                <a:off x="10622023" y="1215607"/>
-                <a:ext cx="295085" cy="295085"/>
-              </a:xfrm>
-              <a:prstGeom prst="rect">
-                <a:avLst/>
-              </a:prstGeom>
-              <a:ln>
-                <a:noFill/>
-              </a:ln>
-            </p:spPr>
-          </p:pic>
-          <p:pic>
-            <p:nvPicPr>
-              <p:cNvPr id="207" name="图片 206">
-                <a:extLst>
-                  <a:ext uri="{FF2B5EF4-FFF2-40B4-BE49-F238E27FC236}">
-                    <a16:creationId xmlns:a16="http://schemas.microsoft.com/office/drawing/2014/main" id="{D93C3C4A-3C79-4173-80D2-62A97C04DDB3}"/>
-                  </a:ext>
-                </a:extLst>
-              </p:cNvPr>
-              <p:cNvPicPr>
-                <a:picLocks noChangeAspect="1"/>
-              </p:cNvPicPr>
-              <p:nvPr/>
-            </p:nvPicPr>
-            <p:blipFill>
-              <a:blip r:embed="rId4" cstate="print">
-                <a:extLst>
-                  <a:ext uri="{28A0092B-C50C-407E-A947-70E740481C1C}">
-                    <a14:useLocalDpi xmlns:a14="http://schemas.microsoft.com/office/drawing/2010/main" val="0"/>
-                  </a:ext>
-                </a:extLst>
-              </a:blip>
-              <a:stretch>
-                <a:fillRect/>
-              </a:stretch>
-            </p:blipFill>
-            <p:spPr>
-              <a:xfrm flipH="1">
-                <a:off x="11200068" y="1215606"/>
-                <a:ext cx="295085" cy="295085"/>
-              </a:xfrm>
-              <a:prstGeom prst="rect">
-                <a:avLst/>
-              </a:prstGeom>
-              <a:ln>
-                <a:noFill/>
-              </a:ln>
-            </p:spPr>
-          </p:pic>
-          <p:pic>
-            <p:nvPicPr>
-              <p:cNvPr id="208" name="图片 207">
-                <a:extLst>
-                  <a:ext uri="{FF2B5EF4-FFF2-40B4-BE49-F238E27FC236}">
-                    <a16:creationId xmlns:a16="http://schemas.microsoft.com/office/drawing/2014/main" id="{A97AEBE5-5B3B-4C53-8A78-E190AC6594DA}"/>
-                  </a:ext>
-                </a:extLst>
-              </p:cNvPr>
-              <p:cNvPicPr>
-                <a:picLocks noChangeAspect="1"/>
-              </p:cNvPicPr>
-              <p:nvPr/>
-            </p:nvPicPr>
-            <p:blipFill>
-              <a:blip r:embed="rId4" cstate="print">
-                <a:extLst>
-                  <a:ext uri="{28A0092B-C50C-407E-A947-70E740481C1C}">
-                    <a14:useLocalDpi xmlns:a14="http://schemas.microsoft.com/office/drawing/2010/main" val="0"/>
-                  </a:ext>
-                </a:extLst>
-              </a:blip>
-              <a:stretch>
-                <a:fillRect/>
-              </a:stretch>
-            </p:blipFill>
-            <p:spPr>
-              <a:xfrm flipH="1">
-                <a:off x="10911046" y="1215606"/>
-                <a:ext cx="295085" cy="295085"/>
-              </a:xfrm>
-              <a:prstGeom prst="rect">
-                <a:avLst/>
-              </a:prstGeom>
-              <a:ln>
-                <a:noFill/>
-              </a:ln>
-            </p:spPr>
-          </p:pic>
-        </p:grpSp>
-        <p:sp>
-          <p:nvSpPr>
-            <p:cNvPr id="205" name="矩形 204">
-              <a:extLst>
-                <a:ext uri="{FF2B5EF4-FFF2-40B4-BE49-F238E27FC236}">
-                  <a16:creationId xmlns:a16="http://schemas.microsoft.com/office/drawing/2014/main" id="{7125F7C5-1C01-42F9-A6C9-780FAD0A2296}"/>
-                </a:ext>
-              </a:extLst>
-            </p:cNvPr>
-            <p:cNvSpPr/>
-            <p:nvPr/>
-          </p:nvSpPr>
-          <p:spPr>
-            <a:xfrm>
-              <a:off x="2225873" y="4591601"/>
-              <a:ext cx="1249955" cy="242955"/>
-            </a:xfrm>
-            <a:prstGeom prst="rect">
-              <a:avLst/>
-            </a:prstGeom>
-            <a:solidFill>
-              <a:schemeClr val="bg1"/>
-            </a:solidFill>
-            <a:ln w="57150">
-              <a:noFill/>
-              <a:prstDash val="lgDash"/>
-            </a:ln>
-          </p:spPr>
-          <p:style>
-            <a:lnRef idx="2">
-              <a:schemeClr val="accent1">
-                <a:shade val="50000"/>
-              </a:schemeClr>
-            </a:lnRef>
-            <a:fillRef idx="1">
-              <a:schemeClr val="accent1"/>
-            </a:fillRef>
-            <a:effectRef idx="0">
-              <a:schemeClr val="accent1"/>
-            </a:effectRef>
-            <a:fontRef idx="minor">
-              <a:schemeClr val="lt1"/>
-            </a:fontRef>
-          </p:style>
-          <p:txBody>
-            <a:bodyPr rtlCol="0" anchor="ctr"/>
-            <a:lstStyle/>
-            <a:p>
-              <a:pPr algn="ctr"/>
-              <a:r>
-                <a:rPr lang="zh-CN" altLang="en-US" sz="1400" dirty="0">
-                  <a:solidFill>
-                    <a:schemeClr val="tx1"/>
-                  </a:solidFill>
-                </a:rPr>
-                <a:t>仿冒应用数据</a:t>
-              </a:r>
-            </a:p>
-          </p:txBody>
-        </p:sp>
-      </p:grpSp>
-      <p:grpSp>
-        <p:nvGrpSpPr>
           <p:cNvPr id="209" name="组合 208">
             <a:extLst>
               <a:ext uri="{FF2B5EF4-FFF2-40B4-BE49-F238E27FC236}">
@@ -14108,7 +15176,7 @@
               <p:nvPr/>
             </p:nvPicPr>
             <p:blipFill>
-              <a:blip r:embed="rId5" cstate="print">
+              <a:blip r:embed="rId4" cstate="print">
                 <a:extLst>
                   <a:ext uri="{28A0092B-C50C-407E-A947-70E740481C1C}">
                     <a14:useLocalDpi xmlns:a14="http://schemas.microsoft.com/office/drawing/2010/main" val="0"/>
@@ -14145,7 +15213,7 @@
               <p:nvPr/>
             </p:nvPicPr>
             <p:blipFill>
-              <a:blip r:embed="rId5" cstate="print">
+              <a:blip r:embed="rId4" cstate="print">
                 <a:extLst>
                   <a:ext uri="{28A0092B-C50C-407E-A947-70E740481C1C}">
                     <a14:useLocalDpi xmlns:a14="http://schemas.microsoft.com/office/drawing/2010/main" val="0"/>
@@ -14308,7 +15376,7 @@
                 <p:nvPr/>
               </p:nvPicPr>
               <p:blipFill>
-                <a:blip r:embed="rId4" cstate="print">
+                <a:blip r:embed="rId5" cstate="print">
                   <a:extLst>
                     <a:ext uri="{28A0092B-C50C-407E-A947-70E740481C1C}">
                       <a14:useLocalDpi xmlns:a14="http://schemas.microsoft.com/office/drawing/2010/main" val="0"/>
@@ -14348,7 +15416,7 @@
                 <p:nvPr/>
               </p:nvPicPr>
               <p:blipFill>
-                <a:blip r:embed="rId4" cstate="print">
+                <a:blip r:embed="rId5" cstate="print">
                   <a:extLst>
                     <a:ext uri="{28A0092B-C50C-407E-A947-70E740481C1C}">
                       <a14:useLocalDpi xmlns:a14="http://schemas.microsoft.com/office/drawing/2010/main" val="0"/>
@@ -14388,7 +15456,7 @@
                 <p:nvPr/>
               </p:nvPicPr>
               <p:blipFill>
-                <a:blip r:embed="rId4" cstate="print">
+                <a:blip r:embed="rId5" cstate="print">
                   <a:extLst>
                     <a:ext uri="{28A0092B-C50C-407E-A947-70E740481C1C}">
                       <a14:useLocalDpi xmlns:a14="http://schemas.microsoft.com/office/drawing/2010/main" val="0"/>
@@ -14428,7 +15496,7 @@
                 <p:nvPr/>
               </p:nvPicPr>
               <p:blipFill>
-                <a:blip r:embed="rId4" cstate="print">
+                <a:blip r:embed="rId5" cstate="print">
                   <a:extLst>
                     <a:ext uri="{28A0092B-C50C-407E-A947-70E740481C1C}">
                       <a14:useLocalDpi xmlns:a14="http://schemas.microsoft.com/office/drawing/2010/main" val="0"/>
@@ -14469,7 +15537,7 @@
               <p:nvPr/>
             </p:nvPicPr>
             <p:blipFill>
-              <a:blip r:embed="rId5" cstate="print">
+              <a:blip r:embed="rId4" cstate="print">
                 <a:extLst>
                   <a:ext uri="{28A0092B-C50C-407E-A947-70E740481C1C}">
                     <a14:useLocalDpi xmlns:a14="http://schemas.microsoft.com/office/drawing/2010/main" val="0"/>
@@ -14506,7 +15574,7 @@
               <p:nvPr/>
             </p:nvPicPr>
             <p:blipFill>
-              <a:blip r:embed="rId5" cstate="print">
+              <a:blip r:embed="rId4" cstate="print">
                 <a:extLst>
                   <a:ext uri="{28A0092B-C50C-407E-A947-70E740481C1C}">
                     <a14:useLocalDpi xmlns:a14="http://schemas.microsoft.com/office/drawing/2010/main" val="0"/>
@@ -14543,7 +15611,7 @@
               <p:nvPr/>
             </p:nvPicPr>
             <p:blipFill>
-              <a:blip r:embed="rId5" cstate="print">
+              <a:blip r:embed="rId4" cstate="print">
                 <a:extLst>
                   <a:ext uri="{28A0092B-C50C-407E-A947-70E740481C1C}">
                     <a14:useLocalDpi xmlns:a14="http://schemas.microsoft.com/office/drawing/2010/main" val="0"/>
@@ -14580,7 +15648,7 @@
               <p:nvPr/>
             </p:nvPicPr>
             <p:blipFill>
-              <a:blip r:embed="rId5" cstate="print">
+              <a:blip r:embed="rId4" cstate="print">
                 <a:extLst>
                   <a:ext uri="{28A0092B-C50C-407E-A947-70E740481C1C}">
                     <a14:useLocalDpi xmlns:a14="http://schemas.microsoft.com/office/drawing/2010/main" val="0"/>
@@ -14617,7 +15685,7 @@
               <p:nvPr/>
             </p:nvPicPr>
             <p:blipFill>
-              <a:blip r:embed="rId5" cstate="print">
+              <a:blip r:embed="rId4" cstate="print">
                 <a:extLst>
                   <a:ext uri="{28A0092B-C50C-407E-A947-70E740481C1C}">
                     <a14:useLocalDpi xmlns:a14="http://schemas.microsoft.com/office/drawing/2010/main" val="0"/>
@@ -14867,10 +15935,10 @@
         </p:nvGrpSpPr>
         <p:grpSpPr>
           <a:xfrm>
-            <a:off x="2304421" y="2373926"/>
-            <a:ext cx="1986297" cy="590400"/>
-            <a:chOff x="8975334" y="1916426"/>
-            <a:chExt cx="1986297" cy="590400"/>
+            <a:off x="2414424" y="2373926"/>
+            <a:ext cx="1876294" cy="590400"/>
+            <a:chOff x="9085337" y="1916426"/>
+            <a:chExt cx="1876294" cy="590400"/>
           </a:xfrm>
         </p:grpSpPr>
         <p:sp>
@@ -14963,51 +16031,12 @@
           </p:nvGrpSpPr>
           <p:grpSpPr>
             <a:xfrm>
-              <a:off x="8975334" y="1916426"/>
-              <a:ext cx="986064" cy="590400"/>
-              <a:chOff x="8975334" y="1916426"/>
-              <a:chExt cx="986064" cy="590400"/>
+              <a:off x="9085337" y="1916426"/>
+              <a:ext cx="876061" cy="590400"/>
+              <a:chOff x="9085337" y="1916426"/>
+              <a:chExt cx="876061" cy="590400"/>
             </a:xfrm>
           </p:grpSpPr>
-          <p:pic>
-            <p:nvPicPr>
-              <p:cNvPr id="248" name="图片 247">
-                <a:extLst>
-                  <a:ext uri="{FF2B5EF4-FFF2-40B4-BE49-F238E27FC236}">
-                    <a16:creationId xmlns:a16="http://schemas.microsoft.com/office/drawing/2014/main" id="{EE8B66A6-702C-4CB1-8D82-F70C467E77FB}"/>
-                  </a:ext>
-                </a:extLst>
-              </p:cNvPr>
-              <p:cNvPicPr>
-                <a:picLocks noChangeAspect="1"/>
-              </p:cNvPicPr>
-              <p:nvPr/>
-            </p:nvPicPr>
-            <p:blipFill>
-              <a:blip r:embed="rId5" cstate="print">
-                <a:extLst>
-                  <a:ext uri="{28A0092B-C50C-407E-A947-70E740481C1C}">
-                    <a14:useLocalDpi xmlns:a14="http://schemas.microsoft.com/office/drawing/2010/main" val="0"/>
-                  </a:ext>
-                </a:extLst>
-              </a:blip>
-              <a:stretch>
-                <a:fillRect/>
-              </a:stretch>
-            </p:blipFill>
-            <p:spPr>
-              <a:xfrm flipH="1">
-                <a:off x="8975334" y="1916426"/>
-                <a:ext cx="295200" cy="295200"/>
-              </a:xfrm>
-              <a:prstGeom prst="rect">
-                <a:avLst/>
-              </a:prstGeom>
-              <a:solidFill>
-                <a:schemeClr val="bg1"/>
-              </a:solidFill>
-            </p:spPr>
-          </p:pic>
           <p:pic>
             <p:nvPicPr>
               <p:cNvPr id="249" name="图片 248">
@@ -15023,7 +16052,7 @@
               <p:nvPr/>
             </p:nvPicPr>
             <p:blipFill>
-              <a:blip r:embed="rId5" cstate="print">
+              <a:blip r:embed="rId4" cstate="print">
                 <a:extLst>
                   <a:ext uri="{28A0092B-C50C-407E-A947-70E740481C1C}">
                     <a14:useLocalDpi xmlns:a14="http://schemas.microsoft.com/office/drawing/2010/main" val="0"/>
@@ -15062,7 +16091,7 @@
               <p:nvPr/>
             </p:nvPicPr>
             <p:blipFill>
-              <a:blip r:embed="rId5" cstate="print">
+              <a:blip r:embed="rId4" cstate="print">
                 <a:extLst>
                   <a:ext uri="{28A0092B-C50C-407E-A947-70E740481C1C}">
                     <a14:useLocalDpi xmlns:a14="http://schemas.microsoft.com/office/drawing/2010/main" val="0"/>
@@ -15101,7 +16130,7 @@
               <p:nvPr/>
             </p:nvPicPr>
             <p:blipFill>
-              <a:blip r:embed="rId5" cstate="print">
+              <a:blip r:embed="rId4" cstate="print">
                 <a:extLst>
                   <a:ext uri="{28A0092B-C50C-407E-A947-70E740481C1C}">
                     <a14:useLocalDpi xmlns:a14="http://schemas.microsoft.com/office/drawing/2010/main" val="0"/>
@@ -15140,7 +16169,7 @@
               <p:nvPr/>
             </p:nvPicPr>
             <p:blipFill>
-              <a:blip r:embed="rId5" cstate="print">
+              <a:blip r:embed="rId4" cstate="print">
                 <a:extLst>
                   <a:ext uri="{28A0092B-C50C-407E-A947-70E740481C1C}">
                     <a14:useLocalDpi xmlns:a14="http://schemas.microsoft.com/office/drawing/2010/main" val="0"/>
@@ -15179,7 +16208,7 @@
               <p:nvPr/>
             </p:nvPicPr>
             <p:blipFill>
-              <a:blip r:embed="rId5" cstate="print">
+              <a:blip r:embed="rId4" cstate="print">
                 <a:extLst>
                   <a:ext uri="{28A0092B-C50C-407E-A947-70E740481C1C}">
                     <a14:useLocalDpi xmlns:a14="http://schemas.microsoft.com/office/drawing/2010/main" val="0"/>
@@ -15203,348 +16232,6 @@
               </a:solidFill>
             </p:spPr>
           </p:pic>
-        </p:grpSp>
-      </p:grpSp>
-      <p:grpSp>
-        <p:nvGrpSpPr>
-          <p:cNvPr id="272" name="组合 271">
-            <a:extLst>
-              <a:ext uri="{FF2B5EF4-FFF2-40B4-BE49-F238E27FC236}">
-                <a16:creationId xmlns:a16="http://schemas.microsoft.com/office/drawing/2014/main" id="{F094A865-F322-4281-A615-DF05A0FCE301}"/>
-              </a:ext>
-            </a:extLst>
-          </p:cNvPr>
-          <p:cNvGrpSpPr/>
-          <p:nvPr/>
-        </p:nvGrpSpPr>
-        <p:grpSpPr>
-          <a:xfrm rot="5400000">
-            <a:off x="9554673" y="1551237"/>
-            <a:ext cx="2257837" cy="1327796"/>
-            <a:chOff x="8652877" y="1141623"/>
-            <a:chExt cx="2354836" cy="1384842"/>
-          </a:xfrm>
-        </p:grpSpPr>
-        <p:sp>
-          <p:nvSpPr>
-            <p:cNvPr id="255" name="矩形 254">
-              <a:extLst>
-                <a:ext uri="{FF2B5EF4-FFF2-40B4-BE49-F238E27FC236}">
-                  <a16:creationId xmlns:a16="http://schemas.microsoft.com/office/drawing/2014/main" id="{2FF36763-E03D-4DFA-B609-5604CFE1155C}"/>
-                </a:ext>
-              </a:extLst>
-            </p:cNvPr>
-            <p:cNvSpPr/>
-            <p:nvPr/>
-          </p:nvSpPr>
-          <p:spPr>
-            <a:xfrm rot="16200000">
-              <a:off x="8081934" y="1712566"/>
-              <a:ext cx="1384842" cy="242955"/>
-            </a:xfrm>
-            <a:prstGeom prst="rect">
-              <a:avLst/>
-            </a:prstGeom>
-            <a:solidFill>
-              <a:schemeClr val="bg1"/>
-            </a:solidFill>
-            <a:ln w="57150">
-              <a:noFill/>
-              <a:prstDash val="lgDash"/>
-            </a:ln>
-          </p:spPr>
-          <p:style>
-            <a:lnRef idx="2">
-              <a:schemeClr val="accent1">
-                <a:shade val="50000"/>
-              </a:schemeClr>
-            </a:lnRef>
-            <a:fillRef idx="1">
-              <a:schemeClr val="accent1"/>
-            </a:fillRef>
-            <a:effectRef idx="0">
-              <a:schemeClr val="accent1"/>
-            </a:effectRef>
-            <a:fontRef idx="minor">
-              <a:schemeClr val="lt1"/>
-            </a:fontRef>
-          </p:style>
-          <p:txBody>
-            <a:bodyPr rtlCol="0" anchor="ctr"/>
-            <a:lstStyle/>
-            <a:p>
-              <a:pPr algn="ctr"/>
-              <a:r>
-                <a:rPr lang="zh-CN" altLang="en-US" sz="1400" dirty="0">
-                  <a:solidFill>
-                    <a:schemeClr val="tx1"/>
-                  </a:solidFill>
-                </a:rPr>
-                <a:t>应用来源</a:t>
-              </a:r>
-            </a:p>
-          </p:txBody>
-        </p:sp>
-        <p:grpSp>
-          <p:nvGrpSpPr>
-            <p:cNvPr id="256" name="组合 255">
-              <a:extLst>
-                <a:ext uri="{FF2B5EF4-FFF2-40B4-BE49-F238E27FC236}">
-                  <a16:creationId xmlns:a16="http://schemas.microsoft.com/office/drawing/2014/main" id="{F954619E-18B2-41C0-99FC-6FF4FFCDBD53}"/>
-                </a:ext>
-              </a:extLst>
-            </p:cNvPr>
-            <p:cNvGrpSpPr/>
-            <p:nvPr/>
-          </p:nvGrpSpPr>
-          <p:grpSpPr>
-            <a:xfrm>
-              <a:off x="9007304" y="1265975"/>
-              <a:ext cx="2000409" cy="1067124"/>
-              <a:chOff x="4381049" y="766229"/>
-              <a:chExt cx="1258147" cy="671162"/>
-            </a:xfrm>
-          </p:grpSpPr>
-          <p:pic>
-            <p:nvPicPr>
-              <p:cNvPr id="257" name="图片 256">
-                <a:extLst>
-                  <a:ext uri="{FF2B5EF4-FFF2-40B4-BE49-F238E27FC236}">
-                    <a16:creationId xmlns:a16="http://schemas.microsoft.com/office/drawing/2014/main" id="{7F648CE7-EEA1-4A60-ABDF-2060466F9E66}"/>
-                  </a:ext>
-                </a:extLst>
-              </p:cNvPr>
-              <p:cNvPicPr>
-                <a:picLocks noChangeAspect="1"/>
-              </p:cNvPicPr>
-              <p:nvPr/>
-            </p:nvPicPr>
-            <p:blipFill>
-              <a:blip r:embed="rId7" cstate="print">
-                <a:extLst>
-                  <a:ext uri="{28A0092B-C50C-407E-A947-70E740481C1C}">
-                    <a14:useLocalDpi xmlns:a14="http://schemas.microsoft.com/office/drawing/2010/main" val="0"/>
-                  </a:ext>
-                </a:extLst>
-              </a:blip>
-              <a:stretch>
-                <a:fillRect/>
-              </a:stretch>
-            </p:blipFill>
-            <p:spPr>
-              <a:xfrm rot="16200000">
-                <a:off x="4813882" y="782183"/>
-                <a:ext cx="294254" cy="294253"/>
-              </a:xfrm>
-              <a:prstGeom prst="rect">
-                <a:avLst/>
-              </a:prstGeom>
-              <a:ln>
-                <a:noFill/>
-              </a:ln>
-            </p:spPr>
-          </p:pic>
-          <p:pic>
-            <p:nvPicPr>
-              <p:cNvPr id="258" name="图片 257">
-                <a:extLst>
-                  <a:ext uri="{FF2B5EF4-FFF2-40B4-BE49-F238E27FC236}">
-                    <a16:creationId xmlns:a16="http://schemas.microsoft.com/office/drawing/2014/main" id="{4274A4E9-D4DA-406A-8D91-30A413CE10FF}"/>
-                  </a:ext>
-                </a:extLst>
-              </p:cNvPr>
-              <p:cNvPicPr>
-                <a:picLocks noChangeAspect="1"/>
-              </p:cNvPicPr>
-              <p:nvPr/>
-            </p:nvPicPr>
-            <p:blipFill>
-              <a:blip r:embed="rId8" cstate="print">
-                <a:extLst>
-                  <a:ext uri="{28A0092B-C50C-407E-A947-70E740481C1C}">
-                    <a14:useLocalDpi xmlns:a14="http://schemas.microsoft.com/office/drawing/2010/main" val="0"/>
-                  </a:ext>
-                </a:extLst>
-              </a:blip>
-              <a:stretch>
-                <a:fillRect/>
-              </a:stretch>
-            </p:blipFill>
-            <p:spPr>
-              <a:xfrm rot="16200000">
-                <a:off x="4402944" y="1143137"/>
-                <a:ext cx="294254" cy="294253"/>
-              </a:xfrm>
-              <a:prstGeom prst="rect">
-                <a:avLst/>
-              </a:prstGeom>
-              <a:ln>
-                <a:noFill/>
-              </a:ln>
-            </p:spPr>
-          </p:pic>
-          <p:pic>
-            <p:nvPicPr>
-              <p:cNvPr id="259" name="图片 258">
-                <a:extLst>
-                  <a:ext uri="{FF2B5EF4-FFF2-40B4-BE49-F238E27FC236}">
-                    <a16:creationId xmlns:a16="http://schemas.microsoft.com/office/drawing/2014/main" id="{64DD947F-310D-4EA7-A113-D0FB40401FCD}"/>
-                  </a:ext>
-                </a:extLst>
-              </p:cNvPr>
-              <p:cNvPicPr>
-                <a:picLocks noChangeAspect="1"/>
-              </p:cNvPicPr>
-              <p:nvPr/>
-            </p:nvPicPr>
-            <p:blipFill>
-              <a:blip r:embed="rId9" cstate="print">
-                <a:extLst>
-                  <a:ext uri="{28A0092B-C50C-407E-A947-70E740481C1C}">
-                    <a14:useLocalDpi xmlns:a14="http://schemas.microsoft.com/office/drawing/2010/main" val="0"/>
-                  </a:ext>
-                </a:extLst>
-              </a:blip>
-              <a:stretch>
-                <a:fillRect/>
-              </a:stretch>
-            </p:blipFill>
-            <p:spPr>
-              <a:xfrm rot="16200000">
-                <a:off x="5229814" y="1142401"/>
-                <a:ext cx="295725" cy="294253"/>
-              </a:xfrm>
-              <a:prstGeom prst="rect">
-                <a:avLst/>
-              </a:prstGeom>
-              <a:ln>
-                <a:noFill/>
-              </a:ln>
-            </p:spPr>
-          </p:pic>
-          <p:pic>
-            <p:nvPicPr>
-              <p:cNvPr id="260" name="图片 259">
-                <a:extLst>
-                  <a:ext uri="{FF2B5EF4-FFF2-40B4-BE49-F238E27FC236}">
-                    <a16:creationId xmlns:a16="http://schemas.microsoft.com/office/drawing/2014/main" id="{FB32EEF6-AEB1-4DA2-9BF8-CE9B73768289}"/>
-                  </a:ext>
-                </a:extLst>
-              </p:cNvPr>
-              <p:cNvPicPr>
-                <a:picLocks noChangeAspect="1"/>
-              </p:cNvPicPr>
-              <p:nvPr/>
-            </p:nvPicPr>
-            <p:blipFill>
-              <a:blip r:embed="rId10" cstate="print">
-                <a:extLst>
-                  <a:ext uri="{28A0092B-C50C-407E-A947-70E740481C1C}">
-                    <a14:useLocalDpi xmlns:a14="http://schemas.microsoft.com/office/drawing/2010/main" val="0"/>
-                  </a:ext>
-                </a:extLst>
-              </a:blip>
-              <a:stretch>
-                <a:fillRect/>
-              </a:stretch>
-            </p:blipFill>
-            <p:spPr>
-              <a:xfrm rot="16200000">
-                <a:off x="4817302" y="1143137"/>
-                <a:ext cx="294254" cy="294253"/>
-              </a:xfrm>
-              <a:prstGeom prst="rect">
-                <a:avLst/>
-              </a:prstGeom>
-              <a:ln>
-                <a:noFill/>
-              </a:ln>
-            </p:spPr>
-          </p:pic>
-          <p:pic>
-            <p:nvPicPr>
-              <p:cNvPr id="261" name="图片 260">
-                <a:extLst>
-                  <a:ext uri="{FF2B5EF4-FFF2-40B4-BE49-F238E27FC236}">
-                    <a16:creationId xmlns:a16="http://schemas.microsoft.com/office/drawing/2014/main" id="{3B1750DD-C421-4F79-8BAF-C8DD819C9BEE}"/>
-                  </a:ext>
-                </a:extLst>
-              </p:cNvPr>
-              <p:cNvPicPr>
-                <a:picLocks noChangeAspect="1"/>
-              </p:cNvPicPr>
-              <p:nvPr/>
-            </p:nvPicPr>
-            <p:blipFill rotWithShape="1">
-              <a:blip r:embed="rId11" cstate="print">
-                <a:extLst>
-                  <a:ext uri="{28A0092B-C50C-407E-A947-70E740481C1C}">
-                    <a14:useLocalDpi xmlns:a14="http://schemas.microsoft.com/office/drawing/2010/main" val="0"/>
-                  </a:ext>
-                </a:extLst>
-              </a:blip>
-              <a:srcRect l="24982" t="25055" r="21345" b="22582"/>
-              <a:stretch/>
-            </p:blipFill>
-            <p:spPr>
-              <a:xfrm rot="16200000">
-                <a:off x="4377188" y="770091"/>
-                <a:ext cx="316559" cy="308837"/>
-              </a:xfrm>
-              <a:prstGeom prst="rect">
-                <a:avLst/>
-              </a:prstGeom>
-              <a:ln>
-                <a:noFill/>
-              </a:ln>
-            </p:spPr>
-          </p:pic>
-          <p:sp>
-            <p:nvSpPr>
-              <p:cNvPr id="262" name="文本框 261">
-                <a:extLst>
-                  <a:ext uri="{FF2B5EF4-FFF2-40B4-BE49-F238E27FC236}">
-                    <a16:creationId xmlns:a16="http://schemas.microsoft.com/office/drawing/2014/main" id="{45639766-0179-4CA8-A360-C385C1D590E8}"/>
-                  </a:ext>
-                </a:extLst>
-              </p:cNvPr>
-              <p:cNvSpPr txBox="1"/>
-              <p:nvPr/>
-            </p:nvSpPr>
-            <p:spPr>
-              <a:xfrm rot="16200000">
-                <a:off x="5279195" y="709700"/>
-                <a:ext cx="303471" cy="416530"/>
-              </a:xfrm>
-              <a:prstGeom prst="rect">
-                <a:avLst/>
-              </a:prstGeom>
-              <a:noFill/>
-              <a:ln>
-                <a:noFill/>
-              </a:ln>
-            </p:spPr>
-            <p:txBody>
-              <a:bodyPr wrap="square" rtlCol="0">
-                <a:spAutoFit/>
-              </a:bodyPr>
-              <a:lstStyle/>
-              <a:p>
-                <a:pPr algn="ctr"/>
-                <a:r>
-                  <a:rPr lang="en-US" altLang="zh-CN" b="1" dirty="0">
-                    <a:latin typeface="Times New Roman" panose="02020603050405020304" pitchFamily="18" charset="0"/>
-                    <a:cs typeface="Times New Roman" panose="02020603050405020304" pitchFamily="18" charset="0"/>
-                  </a:rPr>
-                  <a:t>…</a:t>
-                </a:r>
-                <a:endParaRPr lang="zh-CN" altLang="en-US" b="1" dirty="0">
-                  <a:latin typeface="Times New Roman" panose="02020603050405020304" pitchFamily="18" charset="0"/>
-                  <a:cs typeface="Times New Roman" panose="02020603050405020304" pitchFamily="18" charset="0"/>
-                </a:endParaRPr>
-              </a:p>
-            </p:txBody>
-          </p:sp>
         </p:grpSp>
       </p:grpSp>
       <p:cxnSp>
@@ -15708,7 +16395,7 @@
             <p:nvPr/>
           </p:nvPicPr>
           <p:blipFill>
-            <a:blip r:embed="rId12">
+            <a:blip r:embed="rId7">
               <a:extLst>
                 <a:ext uri="{28A0092B-C50C-407E-A947-70E740481C1C}">
                   <a14:useLocalDpi xmlns:a14="http://schemas.microsoft.com/office/drawing/2010/main" val="0"/>
@@ -15821,6 +16508,631 @@
           </a:fontRef>
         </p:style>
       </p:cxnSp>
+      <p:grpSp>
+        <p:nvGrpSpPr>
+          <p:cNvPr id="2" name="组合 1">
+            <a:extLst>
+              <a:ext uri="{FF2B5EF4-FFF2-40B4-BE49-F238E27FC236}">
+                <a16:creationId xmlns:a16="http://schemas.microsoft.com/office/drawing/2014/main" id="{E802239B-03CC-4D38-8AD5-7D09F1A90C8B}"/>
+              </a:ext>
+            </a:extLst>
+          </p:cNvPr>
+          <p:cNvGrpSpPr/>
+          <p:nvPr/>
+        </p:nvGrpSpPr>
+        <p:grpSpPr>
+          <a:xfrm>
+            <a:off x="9191263" y="1086220"/>
+            <a:ext cx="2156227" cy="2094288"/>
+            <a:chOff x="9191263" y="1086220"/>
+            <a:chExt cx="2156227" cy="2094288"/>
+          </a:xfrm>
+        </p:grpSpPr>
+        <p:grpSp>
+          <p:nvGrpSpPr>
+            <p:cNvPr id="272" name="组合 271">
+              <a:extLst>
+                <a:ext uri="{FF2B5EF4-FFF2-40B4-BE49-F238E27FC236}">
+                  <a16:creationId xmlns:a16="http://schemas.microsoft.com/office/drawing/2014/main" id="{F094A865-F322-4281-A615-DF05A0FCE301}"/>
+                </a:ext>
+              </a:extLst>
+            </p:cNvPr>
+            <p:cNvGrpSpPr/>
+            <p:nvPr/>
+          </p:nvGrpSpPr>
+          <p:grpSpPr>
+            <a:xfrm rot="5400000">
+              <a:off x="9752306" y="944504"/>
+              <a:ext cx="1453467" cy="1736900"/>
+              <a:chOff x="8652877" y="1141623"/>
+              <a:chExt cx="1515909" cy="1811522"/>
+            </a:xfrm>
+          </p:grpSpPr>
+          <p:sp>
+            <p:nvSpPr>
+              <p:cNvPr id="255" name="矩形 254">
+                <a:extLst>
+                  <a:ext uri="{FF2B5EF4-FFF2-40B4-BE49-F238E27FC236}">
+                    <a16:creationId xmlns:a16="http://schemas.microsoft.com/office/drawing/2014/main" id="{2FF36763-E03D-4DFA-B609-5604CFE1155C}"/>
+                  </a:ext>
+                </a:extLst>
+              </p:cNvPr>
+              <p:cNvSpPr/>
+              <p:nvPr/>
+            </p:nvSpPr>
+            <p:spPr>
+              <a:xfrm rot="16200000">
+                <a:off x="8081934" y="1712566"/>
+                <a:ext cx="1384842" cy="242955"/>
+              </a:xfrm>
+              <a:prstGeom prst="rect">
+                <a:avLst/>
+              </a:prstGeom>
+              <a:solidFill>
+                <a:schemeClr val="bg1"/>
+              </a:solidFill>
+              <a:ln w="57150">
+                <a:noFill/>
+                <a:prstDash val="lgDash"/>
+              </a:ln>
+            </p:spPr>
+            <p:style>
+              <a:lnRef idx="2">
+                <a:schemeClr val="accent1">
+                  <a:shade val="50000"/>
+                </a:schemeClr>
+              </a:lnRef>
+              <a:fillRef idx="1">
+                <a:schemeClr val="accent1"/>
+              </a:fillRef>
+              <a:effectRef idx="0">
+                <a:schemeClr val="accent1"/>
+              </a:effectRef>
+              <a:fontRef idx="minor">
+                <a:schemeClr val="lt1"/>
+              </a:fontRef>
+            </p:style>
+            <p:txBody>
+              <a:bodyPr rtlCol="0" anchor="ctr"/>
+              <a:lstStyle/>
+              <a:p>
+                <a:pPr algn="ctr"/>
+                <a:r>
+                  <a:rPr lang="zh-CN" altLang="en-US" sz="1400" dirty="0">
+                    <a:solidFill>
+                      <a:schemeClr val="tx1"/>
+                    </a:solidFill>
+                  </a:rPr>
+                  <a:t>应用来源</a:t>
+                </a:r>
+              </a:p>
+            </p:txBody>
+          </p:sp>
+          <p:grpSp>
+            <p:nvGrpSpPr>
+              <p:cNvPr id="256" name="组合 255">
+                <a:extLst>
+                  <a:ext uri="{FF2B5EF4-FFF2-40B4-BE49-F238E27FC236}">
+                    <a16:creationId xmlns:a16="http://schemas.microsoft.com/office/drawing/2014/main" id="{F954619E-18B2-41C0-99FC-6FF4FFCDBD53}"/>
+                  </a:ext>
+                </a:extLst>
+              </p:cNvPr>
+              <p:cNvGrpSpPr/>
+              <p:nvPr/>
+            </p:nvGrpSpPr>
+            <p:grpSpPr>
+              <a:xfrm>
+                <a:off x="9007307" y="1265976"/>
+                <a:ext cx="1161479" cy="1687169"/>
+                <a:chOff x="4381049" y="766230"/>
+                <a:chExt cx="730506" cy="1061136"/>
+              </a:xfrm>
+            </p:grpSpPr>
+            <p:pic>
+              <p:nvPicPr>
+                <p:cNvPr id="257" name="图片 256">
+                  <a:extLst>
+                    <a:ext uri="{FF2B5EF4-FFF2-40B4-BE49-F238E27FC236}">
+                      <a16:creationId xmlns:a16="http://schemas.microsoft.com/office/drawing/2014/main" id="{7F648CE7-EEA1-4A60-ABDF-2060466F9E66}"/>
+                    </a:ext>
+                  </a:extLst>
+                </p:cNvPr>
+                <p:cNvPicPr>
+                  <a:picLocks noChangeAspect="1"/>
+                </p:cNvPicPr>
+                <p:nvPr/>
+              </p:nvPicPr>
+              <p:blipFill>
+                <a:blip r:embed="rId8" cstate="print">
+                  <a:extLst>
+                    <a:ext uri="{28A0092B-C50C-407E-A947-70E740481C1C}">
+                      <a14:useLocalDpi xmlns:a14="http://schemas.microsoft.com/office/drawing/2010/main" val="0"/>
+                    </a:ext>
+                  </a:extLst>
+                </a:blip>
+                <a:stretch>
+                  <a:fillRect/>
+                </a:stretch>
+              </p:blipFill>
+              <p:spPr>
+                <a:xfrm rot="16200000">
+                  <a:off x="4813882" y="782183"/>
+                  <a:ext cx="294254" cy="294253"/>
+                </a:xfrm>
+                <a:prstGeom prst="rect">
+                  <a:avLst/>
+                </a:prstGeom>
+                <a:ln>
+                  <a:noFill/>
+                </a:ln>
+              </p:spPr>
+            </p:pic>
+            <p:pic>
+              <p:nvPicPr>
+                <p:cNvPr id="258" name="图片 257">
+                  <a:extLst>
+                    <a:ext uri="{FF2B5EF4-FFF2-40B4-BE49-F238E27FC236}">
+                      <a16:creationId xmlns:a16="http://schemas.microsoft.com/office/drawing/2014/main" id="{4274A4E9-D4DA-406A-8D91-30A413CE10FF}"/>
+                    </a:ext>
+                  </a:extLst>
+                </p:cNvPr>
+                <p:cNvPicPr>
+                  <a:picLocks noChangeAspect="1"/>
+                </p:cNvPicPr>
+                <p:nvPr/>
+              </p:nvPicPr>
+              <p:blipFill>
+                <a:blip r:embed="rId9" cstate="print">
+                  <a:extLst>
+                    <a:ext uri="{28A0092B-C50C-407E-A947-70E740481C1C}">
+                      <a14:useLocalDpi xmlns:a14="http://schemas.microsoft.com/office/drawing/2010/main" val="0"/>
+                    </a:ext>
+                  </a:extLst>
+                </a:blip>
+                <a:stretch>
+                  <a:fillRect/>
+                </a:stretch>
+              </p:blipFill>
+              <p:spPr>
+                <a:xfrm rot="16200000">
+                  <a:off x="4402944" y="1143137"/>
+                  <a:ext cx="294254" cy="294253"/>
+                </a:xfrm>
+                <a:prstGeom prst="rect">
+                  <a:avLst/>
+                </a:prstGeom>
+                <a:ln>
+                  <a:noFill/>
+                </a:ln>
+              </p:spPr>
+            </p:pic>
+            <p:pic>
+              <p:nvPicPr>
+                <p:cNvPr id="259" name="图片 258">
+                  <a:extLst>
+                    <a:ext uri="{FF2B5EF4-FFF2-40B4-BE49-F238E27FC236}">
+                      <a16:creationId xmlns:a16="http://schemas.microsoft.com/office/drawing/2014/main" id="{64DD947F-310D-4EA7-A113-D0FB40401FCD}"/>
+                    </a:ext>
+                  </a:extLst>
+                </p:cNvPr>
+                <p:cNvPicPr>
+                  <a:picLocks noChangeAspect="1"/>
+                </p:cNvPicPr>
+                <p:nvPr/>
+              </p:nvPicPr>
+              <p:blipFill>
+                <a:blip r:embed="rId10" cstate="print">
+                  <a:extLst>
+                    <a:ext uri="{28A0092B-C50C-407E-A947-70E740481C1C}">
+                      <a14:useLocalDpi xmlns:a14="http://schemas.microsoft.com/office/drawing/2010/main" val="0"/>
+                    </a:ext>
+                  </a:extLst>
+                </a:blip>
+                <a:stretch>
+                  <a:fillRect/>
+                </a:stretch>
+              </p:blipFill>
+              <p:spPr>
+                <a:xfrm rot="16200000">
+                  <a:off x="4812043" y="1532377"/>
+                  <a:ext cx="295725" cy="294253"/>
+                </a:xfrm>
+                <a:prstGeom prst="rect">
+                  <a:avLst/>
+                </a:prstGeom>
+                <a:ln>
+                  <a:noFill/>
+                </a:ln>
+              </p:spPr>
+            </p:pic>
+            <p:pic>
+              <p:nvPicPr>
+                <p:cNvPr id="260" name="图片 259">
+                  <a:extLst>
+                    <a:ext uri="{FF2B5EF4-FFF2-40B4-BE49-F238E27FC236}">
+                      <a16:creationId xmlns:a16="http://schemas.microsoft.com/office/drawing/2014/main" id="{FB32EEF6-AEB1-4DA2-9BF8-CE9B73768289}"/>
+                    </a:ext>
+                  </a:extLst>
+                </p:cNvPr>
+                <p:cNvPicPr>
+                  <a:picLocks noChangeAspect="1"/>
+                </p:cNvPicPr>
+                <p:nvPr/>
+              </p:nvPicPr>
+              <p:blipFill>
+                <a:blip r:embed="rId11" cstate="print">
+                  <a:extLst>
+                    <a:ext uri="{28A0092B-C50C-407E-A947-70E740481C1C}">
+                      <a14:useLocalDpi xmlns:a14="http://schemas.microsoft.com/office/drawing/2010/main" val="0"/>
+                    </a:ext>
+                  </a:extLst>
+                </a:blip>
+                <a:stretch>
+                  <a:fillRect/>
+                </a:stretch>
+              </p:blipFill>
+              <p:spPr>
+                <a:xfrm rot="16200000">
+                  <a:off x="4817302" y="1143137"/>
+                  <a:ext cx="294254" cy="294253"/>
+                </a:xfrm>
+                <a:prstGeom prst="rect">
+                  <a:avLst/>
+                </a:prstGeom>
+                <a:ln>
+                  <a:noFill/>
+                </a:ln>
+              </p:spPr>
+            </p:pic>
+            <p:pic>
+              <p:nvPicPr>
+                <p:cNvPr id="261" name="图片 260">
+                  <a:extLst>
+                    <a:ext uri="{FF2B5EF4-FFF2-40B4-BE49-F238E27FC236}">
+                      <a16:creationId xmlns:a16="http://schemas.microsoft.com/office/drawing/2014/main" id="{3B1750DD-C421-4F79-8BAF-C8DD819C9BEE}"/>
+                    </a:ext>
+                  </a:extLst>
+                </p:cNvPr>
+                <p:cNvPicPr>
+                  <a:picLocks noChangeAspect="1"/>
+                </p:cNvPicPr>
+                <p:nvPr/>
+              </p:nvPicPr>
+              <p:blipFill rotWithShape="1">
+                <a:blip r:embed="rId12" cstate="print">
+                  <a:extLst>
+                    <a:ext uri="{28A0092B-C50C-407E-A947-70E740481C1C}">
+                      <a14:useLocalDpi xmlns:a14="http://schemas.microsoft.com/office/drawing/2010/main" val="0"/>
+                    </a:ext>
+                  </a:extLst>
+                </a:blip>
+                <a:srcRect l="24982" t="25055" r="21345" b="22582"/>
+                <a:stretch/>
+              </p:blipFill>
+              <p:spPr>
+                <a:xfrm rot="16200000">
+                  <a:off x="4377188" y="770091"/>
+                  <a:ext cx="316559" cy="308837"/>
+                </a:xfrm>
+                <a:prstGeom prst="rect">
+                  <a:avLst/>
+                </a:prstGeom>
+                <a:ln>
+                  <a:noFill/>
+                </a:ln>
+              </p:spPr>
+            </p:pic>
+          </p:grpSp>
+        </p:grpSp>
+        <p:pic>
+          <p:nvPicPr>
+            <p:cNvPr id="86" name="Picture 2" descr="https://www.appscan.io/static/images/login_logo.png?9107c90">
+              <a:extLst>
+                <a:ext uri="{FF2B5EF4-FFF2-40B4-BE49-F238E27FC236}">
+                  <a16:creationId xmlns:a16="http://schemas.microsoft.com/office/drawing/2014/main" id="{F1122667-C9A1-4D9A-A5CF-43D6F610E8ED}"/>
+                </a:ext>
+              </a:extLst>
+            </p:cNvPr>
+            <p:cNvPicPr>
+              <a:picLocks noChangeAspect="1" noChangeArrowheads="1"/>
+            </p:cNvPicPr>
+            <p:nvPr/>
+          </p:nvPicPr>
+          <p:blipFill>
+            <a:blip r:embed="rId13">
+              <a:extLst>
+                <a:ext uri="{28A0092B-C50C-407E-A947-70E740481C1C}">
+                  <a14:useLocalDpi xmlns:a14="http://schemas.microsoft.com/office/drawing/2010/main" val="0"/>
+                </a:ext>
+              </a:extLst>
+            </a:blip>
+            <a:srcRect/>
+            <a:stretch>
+              <a:fillRect/>
+            </a:stretch>
+          </p:blipFill>
+          <p:spPr bwMode="auto">
+            <a:xfrm>
+              <a:off x="9191263" y="2731928"/>
+              <a:ext cx="2036995" cy="448580"/>
+            </a:xfrm>
+            <a:prstGeom prst="rect">
+              <a:avLst/>
+            </a:prstGeom>
+            <a:noFill/>
+            <a:extLst>
+              <a:ext uri="{909E8E84-426E-40DD-AFC4-6F175D3DCCD1}">
+                <a14:hiddenFill xmlns:a14="http://schemas.microsoft.com/office/drawing/2010/main">
+                  <a:solidFill>
+                    <a:srgbClr val="FFFFFF"/>
+                  </a:solidFill>
+                </a14:hiddenFill>
+              </a:ext>
+            </a:extLst>
+          </p:spPr>
+        </p:pic>
+      </p:grpSp>
+      <p:grpSp>
+        <p:nvGrpSpPr>
+          <p:cNvPr id="4" name="组合 3">
+            <a:extLst>
+              <a:ext uri="{FF2B5EF4-FFF2-40B4-BE49-F238E27FC236}">
+                <a16:creationId xmlns:a16="http://schemas.microsoft.com/office/drawing/2014/main" id="{2E496C7C-107F-424F-8C49-B9EAD279B6CA}"/>
+              </a:ext>
+            </a:extLst>
+          </p:cNvPr>
+          <p:cNvGrpSpPr/>
+          <p:nvPr/>
+        </p:nvGrpSpPr>
+        <p:grpSpPr>
+          <a:xfrm>
+            <a:off x="2226772" y="4275961"/>
+            <a:ext cx="1249955" cy="555048"/>
+            <a:chOff x="2181774" y="4295291"/>
+            <a:chExt cx="1249955" cy="555048"/>
+          </a:xfrm>
+        </p:grpSpPr>
+        <p:sp>
+          <p:nvSpPr>
+            <p:cNvPr id="205" name="矩形 204">
+              <a:extLst>
+                <a:ext uri="{FF2B5EF4-FFF2-40B4-BE49-F238E27FC236}">
+                  <a16:creationId xmlns:a16="http://schemas.microsoft.com/office/drawing/2014/main" id="{7125F7C5-1C01-42F9-A6C9-780FAD0A2296}"/>
+                </a:ext>
+              </a:extLst>
+            </p:cNvPr>
+            <p:cNvSpPr/>
+            <p:nvPr/>
+          </p:nvSpPr>
+          <p:spPr>
+            <a:xfrm>
+              <a:off x="2181774" y="4607384"/>
+              <a:ext cx="1249955" cy="242955"/>
+            </a:xfrm>
+            <a:prstGeom prst="rect">
+              <a:avLst/>
+            </a:prstGeom>
+            <a:solidFill>
+              <a:schemeClr val="bg1"/>
+            </a:solidFill>
+            <a:ln w="57150">
+              <a:noFill/>
+              <a:prstDash val="lgDash"/>
+            </a:ln>
+          </p:spPr>
+          <p:style>
+            <a:lnRef idx="2">
+              <a:schemeClr val="accent1">
+                <a:shade val="50000"/>
+              </a:schemeClr>
+            </a:lnRef>
+            <a:fillRef idx="1">
+              <a:schemeClr val="accent1"/>
+            </a:fillRef>
+            <a:effectRef idx="0">
+              <a:schemeClr val="accent1"/>
+            </a:effectRef>
+            <a:fontRef idx="minor">
+              <a:schemeClr val="lt1"/>
+            </a:fontRef>
+          </p:style>
+          <p:txBody>
+            <a:bodyPr rtlCol="0" anchor="ctr"/>
+            <a:lstStyle/>
+            <a:p>
+              <a:pPr algn="ctr"/>
+              <a:r>
+                <a:rPr lang="zh-CN" altLang="en-US" sz="1400" dirty="0">
+                  <a:solidFill>
+                    <a:schemeClr val="tx1"/>
+                  </a:solidFill>
+                </a:rPr>
+                <a:t>仿冒应用数据</a:t>
+              </a:r>
+            </a:p>
+          </p:txBody>
+        </p:sp>
+        <p:grpSp>
+          <p:nvGrpSpPr>
+            <p:cNvPr id="3" name="组合 2">
+              <a:extLst>
+                <a:ext uri="{FF2B5EF4-FFF2-40B4-BE49-F238E27FC236}">
+                  <a16:creationId xmlns:a16="http://schemas.microsoft.com/office/drawing/2014/main" id="{E73DD011-EFAE-4F17-8D86-1B6C4685565D}"/>
+                </a:ext>
+              </a:extLst>
+            </p:cNvPr>
+            <p:cNvGrpSpPr/>
+            <p:nvPr/>
+          </p:nvGrpSpPr>
+          <p:grpSpPr>
+            <a:xfrm>
+              <a:off x="2228706" y="4295291"/>
+              <a:ext cx="1156090" cy="295086"/>
+              <a:chOff x="2134500" y="4295291"/>
+              <a:chExt cx="1156090" cy="295086"/>
+            </a:xfrm>
+          </p:grpSpPr>
+          <p:pic>
+            <p:nvPicPr>
+              <p:cNvPr id="206" name="图片 205">
+                <a:extLst>
+                  <a:ext uri="{FF2B5EF4-FFF2-40B4-BE49-F238E27FC236}">
+                    <a16:creationId xmlns:a16="http://schemas.microsoft.com/office/drawing/2014/main" id="{30FF77F8-D51D-4E1F-B955-6D3AFD2222B2}"/>
+                  </a:ext>
+                </a:extLst>
+              </p:cNvPr>
+              <p:cNvPicPr>
+                <a:picLocks noChangeAspect="1"/>
+              </p:cNvPicPr>
+              <p:nvPr/>
+            </p:nvPicPr>
+            <p:blipFill>
+              <a:blip r:embed="rId5" cstate="print">
+                <a:extLst>
+                  <a:ext uri="{28A0092B-C50C-407E-A947-70E740481C1C}">
+                    <a14:useLocalDpi xmlns:a14="http://schemas.microsoft.com/office/drawing/2010/main" val="0"/>
+                  </a:ext>
+                </a:extLst>
+              </a:blip>
+              <a:stretch>
+                <a:fillRect/>
+              </a:stretch>
+            </p:blipFill>
+            <p:spPr>
+              <a:xfrm flipH="1">
+                <a:off x="2421502" y="4295292"/>
+                <a:ext cx="295085" cy="295085"/>
+              </a:xfrm>
+              <a:prstGeom prst="rect">
+                <a:avLst/>
+              </a:prstGeom>
+              <a:ln>
+                <a:noFill/>
+              </a:ln>
+            </p:spPr>
+          </p:pic>
+          <p:pic>
+            <p:nvPicPr>
+              <p:cNvPr id="207" name="图片 206">
+                <a:extLst>
+                  <a:ext uri="{FF2B5EF4-FFF2-40B4-BE49-F238E27FC236}">
+                    <a16:creationId xmlns:a16="http://schemas.microsoft.com/office/drawing/2014/main" id="{D93C3C4A-3C79-4173-80D2-62A97C04DDB3}"/>
+                  </a:ext>
+                </a:extLst>
+              </p:cNvPr>
+              <p:cNvPicPr>
+                <a:picLocks noChangeAspect="1"/>
+              </p:cNvPicPr>
+              <p:nvPr/>
+            </p:nvPicPr>
+            <p:blipFill>
+              <a:blip r:embed="rId5" cstate="print">
+                <a:extLst>
+                  <a:ext uri="{28A0092B-C50C-407E-A947-70E740481C1C}">
+                    <a14:useLocalDpi xmlns:a14="http://schemas.microsoft.com/office/drawing/2010/main" val="0"/>
+                  </a:ext>
+                </a:extLst>
+              </a:blip>
+              <a:stretch>
+                <a:fillRect/>
+              </a:stretch>
+            </p:blipFill>
+            <p:spPr>
+              <a:xfrm flipH="1">
+                <a:off x="2995505" y="4295291"/>
+                <a:ext cx="295085" cy="295085"/>
+              </a:xfrm>
+              <a:prstGeom prst="rect">
+                <a:avLst/>
+              </a:prstGeom>
+              <a:ln>
+                <a:noFill/>
+              </a:ln>
+            </p:spPr>
+          </p:pic>
+          <p:pic>
+            <p:nvPicPr>
+              <p:cNvPr id="208" name="图片 207">
+                <a:extLst>
+                  <a:ext uri="{FF2B5EF4-FFF2-40B4-BE49-F238E27FC236}">
+                    <a16:creationId xmlns:a16="http://schemas.microsoft.com/office/drawing/2014/main" id="{A97AEBE5-5B3B-4C53-8A78-E190AC6594DA}"/>
+                  </a:ext>
+                </a:extLst>
+              </p:cNvPr>
+              <p:cNvPicPr>
+                <a:picLocks noChangeAspect="1"/>
+              </p:cNvPicPr>
+              <p:nvPr/>
+            </p:nvPicPr>
+            <p:blipFill>
+              <a:blip r:embed="rId5" cstate="print">
+                <a:extLst>
+                  <a:ext uri="{28A0092B-C50C-407E-A947-70E740481C1C}">
+                    <a14:useLocalDpi xmlns:a14="http://schemas.microsoft.com/office/drawing/2010/main" val="0"/>
+                  </a:ext>
+                </a:extLst>
+              </a:blip>
+              <a:stretch>
+                <a:fillRect/>
+              </a:stretch>
+            </p:blipFill>
+            <p:spPr>
+              <a:xfrm flipH="1">
+                <a:off x="2708504" y="4295291"/>
+                <a:ext cx="295085" cy="295085"/>
+              </a:xfrm>
+              <a:prstGeom prst="rect">
+                <a:avLst/>
+              </a:prstGeom>
+              <a:ln>
+                <a:noFill/>
+              </a:ln>
+            </p:spPr>
+          </p:pic>
+          <p:pic>
+            <p:nvPicPr>
+              <p:cNvPr id="88" name="图片 87">
+                <a:extLst>
+                  <a:ext uri="{FF2B5EF4-FFF2-40B4-BE49-F238E27FC236}">
+                    <a16:creationId xmlns:a16="http://schemas.microsoft.com/office/drawing/2014/main" id="{0026CE20-E9E7-4681-ACC6-CED77858FD1D}"/>
+                  </a:ext>
+                </a:extLst>
+              </p:cNvPr>
+              <p:cNvPicPr>
+                <a:picLocks noChangeAspect="1"/>
+              </p:cNvPicPr>
+              <p:nvPr/>
+            </p:nvPicPr>
+            <p:blipFill>
+              <a:blip r:embed="rId5" cstate="print">
+                <a:extLst>
+                  <a:ext uri="{28A0092B-C50C-407E-A947-70E740481C1C}">
+                    <a14:useLocalDpi xmlns:a14="http://schemas.microsoft.com/office/drawing/2010/main" val="0"/>
+                  </a:ext>
+                </a:extLst>
+              </a:blip>
+              <a:stretch>
+                <a:fillRect/>
+              </a:stretch>
+            </p:blipFill>
+            <p:spPr>
+              <a:xfrm flipH="1">
+                <a:off x="2134500" y="4295291"/>
+                <a:ext cx="295085" cy="295085"/>
+              </a:xfrm>
+              <a:prstGeom prst="rect">
+                <a:avLst/>
+              </a:prstGeom>
+              <a:solidFill>
+                <a:schemeClr val="bg1"/>
+              </a:solidFill>
+              <a:ln>
+                <a:noFill/>
+              </a:ln>
+            </p:spPr>
+          </p:pic>
+        </p:grpSp>
+      </p:grpSp>
     </p:spTree>
     <p:extLst>
       <p:ext uri="{BB962C8B-B14F-4D97-AF65-F5344CB8AC3E}">

--- a/edwin_2019/Figures/edwin-overview.pptx
+++ b/edwin_2019/Figures/edwin-overview.pptx
@@ -368,12 +368,12 @@
   <pc:docChgLst>
     <pc:chgData name="唐 崇斌 Edwin" userId="769f27267cb83406" providerId="LiveId" clId="{5950B5EE-091A-4B6E-A0E4-F7E0BA907422}"/>
     <pc:docChg chg="undo redo custSel addSld modSld sldOrd">
-      <pc:chgData name="唐 崇斌 Edwin" userId="769f27267cb83406" providerId="LiveId" clId="{5950B5EE-091A-4B6E-A0E4-F7E0BA907422}" dt="2020-03-25T05:02:47.447" v="4414" actId="14100"/>
+      <pc:chgData name="唐 崇斌 Edwin" userId="769f27267cb83406" providerId="LiveId" clId="{5950B5EE-091A-4B6E-A0E4-F7E0BA907422}" dt="2020-03-26T09:20:42.334" v="4468" actId="1076"/>
       <pc:docMkLst>
         <pc:docMk/>
       </pc:docMkLst>
       <pc:sldChg chg="addSp delSp modSp ord">
-        <pc:chgData name="唐 崇斌 Edwin" userId="769f27267cb83406" providerId="LiveId" clId="{5950B5EE-091A-4B6E-A0E4-F7E0BA907422}" dt="2020-03-25T05:02:47.447" v="4414" actId="14100"/>
+        <pc:chgData name="唐 崇斌 Edwin" userId="769f27267cb83406" providerId="LiveId" clId="{5950B5EE-091A-4B6E-A0E4-F7E0BA907422}" dt="2020-03-26T09:20:42.334" v="4468" actId="1076"/>
         <pc:sldMkLst>
           <pc:docMk/>
           <pc:sldMk cId="3037902655" sldId="260"/>
@@ -395,7 +395,7 @@
           </ac:spMkLst>
         </pc:spChg>
         <pc:spChg chg="add mod">
-          <ac:chgData name="唐 崇斌 Edwin" userId="769f27267cb83406" providerId="LiveId" clId="{5950B5EE-091A-4B6E-A0E4-F7E0BA907422}" dt="2020-03-25T05:00:08.494" v="4391" actId="1076"/>
+          <ac:chgData name="唐 崇斌 Edwin" userId="769f27267cb83406" providerId="LiveId" clId="{5950B5EE-091A-4B6E-A0E4-F7E0BA907422}" dt="2020-03-26T09:20:42.334" v="4468" actId="1076"/>
           <ac:spMkLst>
             <pc:docMk/>
             <pc:sldMk cId="3037902655" sldId="260"/>
@@ -403,7 +403,7 @@
           </ac:spMkLst>
         </pc:spChg>
         <pc:spChg chg="add mod">
-          <ac:chgData name="唐 崇斌 Edwin" userId="769f27267cb83406" providerId="LiveId" clId="{5950B5EE-091A-4B6E-A0E4-F7E0BA907422}" dt="2020-03-25T05:00:19.720" v="4394" actId="1037"/>
+          <ac:chgData name="唐 崇斌 Edwin" userId="769f27267cb83406" providerId="LiveId" clId="{5950B5EE-091A-4B6E-A0E4-F7E0BA907422}" dt="2020-03-26T09:20:39.432" v="4467" actId="1076"/>
           <ac:spMkLst>
             <pc:docMk/>
             <pc:sldMk cId="3037902655" sldId="260"/>
@@ -459,7 +459,7 @@
           </ac:spMkLst>
         </pc:spChg>
         <pc:spChg chg="mod">
-          <ac:chgData name="唐 崇斌 Edwin" userId="769f27267cb83406" providerId="LiveId" clId="{5950B5EE-091A-4B6E-A0E4-F7E0BA907422}" dt="2020-03-25T05:02:47.447" v="4414" actId="14100"/>
+          <ac:chgData name="唐 崇斌 Edwin" userId="769f27267cb83406" providerId="LiveId" clId="{5950B5EE-091A-4B6E-A0E4-F7E0BA907422}" dt="2020-03-26T09:11:37.435" v="4424"/>
           <ac:spMkLst>
             <pc:docMk/>
             <pc:sldMk cId="3037902655" sldId="260"/>
@@ -1123,7 +1123,7 @@
         </pc:cxnChg>
       </pc:sldChg>
       <pc:sldChg chg="addSp delSp modSp add">
-        <pc:chgData name="唐 崇斌 Edwin" userId="769f27267cb83406" providerId="LiveId" clId="{5950B5EE-091A-4B6E-A0E4-F7E0BA907422}" dt="2020-03-25T04:34:47.111" v="3870" actId="478"/>
+        <pc:chgData name="唐 崇斌 Edwin" userId="769f27267cb83406" providerId="LiveId" clId="{5950B5EE-091A-4B6E-A0E4-F7E0BA907422}" dt="2020-03-25T13:07:43.043" v="4420" actId="693"/>
         <pc:sldMkLst>
           <pc:docMk/>
           <pc:sldMk cId="2642943566" sldId="262"/>
@@ -2489,7 +2489,7 @@
           </ac:cxnSpMkLst>
         </pc:cxnChg>
         <pc:cxnChg chg="mod">
-          <ac:chgData name="唐 崇斌 Edwin" userId="769f27267cb83406" providerId="LiveId" clId="{5950B5EE-091A-4B6E-A0E4-F7E0BA907422}" dt="2020-03-23T17:22:21.807" v="3370" actId="693"/>
+          <ac:chgData name="唐 崇斌 Edwin" userId="769f27267cb83406" providerId="LiveId" clId="{5950B5EE-091A-4B6E-A0E4-F7E0BA907422}" dt="2020-03-25T13:07:37.635" v="4419" actId="693"/>
           <ac:cxnSpMkLst>
             <pc:docMk/>
             <pc:sldMk cId="2642943566" sldId="262"/>
@@ -2497,7 +2497,7 @@
           </ac:cxnSpMkLst>
         </pc:cxnChg>
         <pc:cxnChg chg="mod">
-          <ac:chgData name="唐 崇斌 Edwin" userId="769f27267cb83406" providerId="LiveId" clId="{5950B5EE-091A-4B6E-A0E4-F7E0BA907422}" dt="2020-03-23T17:22:21.807" v="3370" actId="693"/>
+          <ac:chgData name="唐 崇斌 Edwin" userId="769f27267cb83406" providerId="LiveId" clId="{5950B5EE-091A-4B6E-A0E4-F7E0BA907422}" dt="2020-03-25T13:07:09.910" v="4415" actId="693"/>
           <ac:cxnSpMkLst>
             <pc:docMk/>
             <pc:sldMk cId="2642943566" sldId="262"/>
@@ -2537,7 +2537,7 @@
           </ac:cxnSpMkLst>
         </pc:cxnChg>
         <pc:cxnChg chg="add mod">
-          <ac:chgData name="唐 崇斌 Edwin" userId="769f27267cb83406" providerId="LiveId" clId="{5950B5EE-091A-4B6E-A0E4-F7E0BA907422}" dt="2020-03-23T17:57:09.864" v="3806" actId="12788"/>
+          <ac:chgData name="唐 崇斌 Edwin" userId="769f27267cb83406" providerId="LiveId" clId="{5950B5EE-091A-4B6E-A0E4-F7E0BA907422}" dt="2020-03-25T13:07:43.043" v="4420" actId="693"/>
           <ac:cxnSpMkLst>
             <pc:docMk/>
             <pc:sldMk cId="2642943566" sldId="262"/>
@@ -2585,7 +2585,7 @@
           </ac:cxnSpMkLst>
         </pc:cxnChg>
         <pc:cxnChg chg="add mod">
-          <ac:chgData name="唐 崇斌 Edwin" userId="769f27267cb83406" providerId="LiveId" clId="{5950B5EE-091A-4B6E-A0E4-F7E0BA907422}" dt="2020-03-23T17:52:01.604" v="3633" actId="1038"/>
+          <ac:chgData name="唐 崇斌 Edwin" userId="769f27267cb83406" providerId="LiveId" clId="{5950B5EE-091A-4B6E-A0E4-F7E0BA907422}" dt="2020-03-25T13:07:19.274" v="4418" actId="693"/>
           <ac:cxnSpMkLst>
             <pc:docMk/>
             <pc:sldMk cId="2642943566" sldId="262"/>
@@ -2593,7 +2593,7 @@
           </ac:cxnSpMkLst>
         </pc:cxnChg>
         <pc:cxnChg chg="add mod">
-          <ac:chgData name="唐 崇斌 Edwin" userId="769f27267cb83406" providerId="LiveId" clId="{5950B5EE-091A-4B6E-A0E4-F7E0BA907422}" dt="2020-03-23T17:52:01.604" v="3633" actId="1038"/>
+          <ac:chgData name="唐 崇斌 Edwin" userId="769f27267cb83406" providerId="LiveId" clId="{5950B5EE-091A-4B6E-A0E4-F7E0BA907422}" dt="2020-03-25T13:07:19.274" v="4418" actId="693"/>
           <ac:cxnSpMkLst>
             <pc:docMk/>
             <pc:sldMk cId="2642943566" sldId="262"/>
@@ -4117,7 +4117,7 @@
           <a:p>
             <a:fld id="{2397B9A4-A1A7-4F69-B67A-5CE7E47DA859}" type="datetimeFigureOut">
               <a:rPr lang="zh-CN" altLang="en-US" smtClean="0"/>
-              <a:t>2020/3/25</a:t>
+              <a:t>2020/3/26</a:t>
             </a:fld>
             <a:endParaRPr lang="zh-CN" altLang="en-US"/>
           </a:p>
@@ -4285,7 +4285,7 @@
           <a:p>
             <a:fld id="{2397B9A4-A1A7-4F69-B67A-5CE7E47DA859}" type="datetimeFigureOut">
               <a:rPr lang="zh-CN" altLang="en-US" smtClean="0"/>
-              <a:t>2020/3/25</a:t>
+              <a:t>2020/3/26</a:t>
             </a:fld>
             <a:endParaRPr lang="zh-CN" altLang="en-US"/>
           </a:p>
@@ -4463,7 +4463,7 @@
           <a:p>
             <a:fld id="{2397B9A4-A1A7-4F69-B67A-5CE7E47DA859}" type="datetimeFigureOut">
               <a:rPr lang="zh-CN" altLang="en-US" smtClean="0"/>
-              <a:t>2020/3/25</a:t>
+              <a:t>2020/3/26</a:t>
             </a:fld>
             <a:endParaRPr lang="zh-CN" altLang="en-US"/>
           </a:p>
@@ -4631,7 +4631,7 @@
           <a:p>
             <a:fld id="{2397B9A4-A1A7-4F69-B67A-5CE7E47DA859}" type="datetimeFigureOut">
               <a:rPr lang="zh-CN" altLang="en-US" smtClean="0"/>
-              <a:t>2020/3/25</a:t>
+              <a:t>2020/3/26</a:t>
             </a:fld>
             <a:endParaRPr lang="zh-CN" altLang="en-US"/>
           </a:p>
@@ -4876,7 +4876,7 @@
           <a:p>
             <a:fld id="{2397B9A4-A1A7-4F69-B67A-5CE7E47DA859}" type="datetimeFigureOut">
               <a:rPr lang="zh-CN" altLang="en-US" smtClean="0"/>
-              <a:t>2020/3/25</a:t>
+              <a:t>2020/3/26</a:t>
             </a:fld>
             <a:endParaRPr lang="zh-CN" altLang="en-US"/>
           </a:p>
@@ -5105,7 +5105,7 @@
           <a:p>
             <a:fld id="{2397B9A4-A1A7-4F69-B67A-5CE7E47DA859}" type="datetimeFigureOut">
               <a:rPr lang="zh-CN" altLang="en-US" smtClean="0"/>
-              <a:t>2020/3/25</a:t>
+              <a:t>2020/3/26</a:t>
             </a:fld>
             <a:endParaRPr lang="zh-CN" altLang="en-US"/>
           </a:p>
@@ -5469,7 +5469,7 @@
           <a:p>
             <a:fld id="{2397B9A4-A1A7-4F69-B67A-5CE7E47DA859}" type="datetimeFigureOut">
               <a:rPr lang="zh-CN" altLang="en-US" smtClean="0"/>
-              <a:t>2020/3/25</a:t>
+              <a:t>2020/3/26</a:t>
             </a:fld>
             <a:endParaRPr lang="zh-CN" altLang="en-US"/>
           </a:p>
@@ -5586,7 +5586,7 @@
           <a:p>
             <a:fld id="{2397B9A4-A1A7-4F69-B67A-5CE7E47DA859}" type="datetimeFigureOut">
               <a:rPr lang="zh-CN" altLang="en-US" smtClean="0"/>
-              <a:t>2020/3/25</a:t>
+              <a:t>2020/3/26</a:t>
             </a:fld>
             <a:endParaRPr lang="zh-CN" altLang="en-US"/>
           </a:p>
@@ -5681,7 +5681,7 @@
           <a:p>
             <a:fld id="{2397B9A4-A1A7-4F69-B67A-5CE7E47DA859}" type="datetimeFigureOut">
               <a:rPr lang="zh-CN" altLang="en-US" smtClean="0"/>
-              <a:t>2020/3/25</a:t>
+              <a:t>2020/3/26</a:t>
             </a:fld>
             <a:endParaRPr lang="zh-CN" altLang="en-US"/>
           </a:p>
@@ -5956,7 +5956,7 @@
           <a:p>
             <a:fld id="{2397B9A4-A1A7-4F69-B67A-5CE7E47DA859}" type="datetimeFigureOut">
               <a:rPr lang="zh-CN" altLang="en-US" smtClean="0"/>
-              <a:t>2020/3/25</a:t>
+              <a:t>2020/3/26</a:t>
             </a:fld>
             <a:endParaRPr lang="zh-CN" altLang="en-US"/>
           </a:p>
@@ -6208,7 +6208,7 @@
           <a:p>
             <a:fld id="{2397B9A4-A1A7-4F69-B67A-5CE7E47DA859}" type="datetimeFigureOut">
               <a:rPr lang="zh-CN" altLang="en-US" smtClean="0"/>
-              <a:t>2020/3/25</a:t>
+              <a:t>2020/3/26</a:t>
             </a:fld>
             <a:endParaRPr lang="zh-CN" altLang="en-US"/>
           </a:p>
@@ -6419,7 +6419,7 @@
           <a:p>
             <a:fld id="{2397B9A4-A1A7-4F69-B67A-5CE7E47DA859}" type="datetimeFigureOut">
               <a:rPr lang="zh-CN" altLang="en-US" smtClean="0"/>
-              <a:t>2020/3/25</a:t>
+              <a:t>2020/3/26</a:t>
             </a:fld>
             <a:endParaRPr lang="zh-CN" altLang="en-US"/>
           </a:p>
@@ -11918,7 +11918,7 @@
                   <a:schemeClr val="accent5"/>
                 </a:solidFill>
               </a:rPr>
-              <a:t>仿冒应用筛选框架</a:t>
+              <a:t>仿冒应用收集框架</a:t>
             </a:r>
             <a:r>
               <a:rPr lang="en-US" altLang="zh-CN" sz="1600" dirty="0">
@@ -12958,8 +12958,8 @@
         </p:nvSpPr>
         <p:spPr>
           <a:xfrm>
-            <a:off x="1888889" y="3857473"/>
-            <a:ext cx="2880000" cy="540000"/>
+            <a:off x="1891374" y="3857473"/>
+            <a:ext cx="3600000" cy="540000"/>
           </a:xfrm>
           <a:prstGeom prst="rect">
             <a:avLst/>
@@ -13001,7 +13001,7 @@
                   <a:schemeClr val="accent2"/>
                 </a:solidFill>
               </a:rPr>
-              <a:t>仿冒应用特征解读</a:t>
+              <a:t>结合实例分析的仿冒应用特征解读</a:t>
             </a:r>
           </a:p>
         </p:txBody>
@@ -13020,8 +13020,8 @@
         </p:nvSpPr>
         <p:spPr>
           <a:xfrm>
-            <a:off x="7030906" y="3857473"/>
-            <a:ext cx="2880000" cy="540000"/>
+            <a:off x="6393400" y="3857473"/>
+            <a:ext cx="3600000" cy="540000"/>
           </a:xfrm>
           <a:prstGeom prst="rect">
             <a:avLst/>
@@ -13063,7 +13063,7 @@
                   <a:schemeClr val="accent6"/>
                 </a:solidFill>
               </a:rPr>
-              <a:t>仿冒应用评论分析</a:t>
+              <a:t>面向仿冒应用的排名欺诈验证创新</a:t>
             </a:r>
           </a:p>
         </p:txBody>
@@ -13832,7 +13832,7 @@
                   <a:solidFill>
                     <a:schemeClr val="accent6"/>
                   </a:solidFill>
-                  <a:prstDash val="dash"/>
+                  <a:prstDash val="lgDashDotDot"/>
                   <a:headEnd type="none" w="med" len="med"/>
                   <a:tailEnd type="triangle"/>
                 </a:ln>
@@ -13959,7 +13959,7 @@
                   <a:solidFill>
                     <a:schemeClr val="accent2"/>
                   </a:solidFill>
-                  <a:prstDash val="dash"/>
+                  <a:prstDash val="sysDot"/>
                   <a:headEnd type="none" w="med" len="med"/>
                   <a:tailEnd type="triangle"/>
                 </a:ln>
@@ -14972,7 +14972,7 @@
             <a:solidFill>
               <a:srgbClr val="EA8B00"/>
             </a:solidFill>
-            <a:prstDash val="dash"/>
+            <a:prstDash val="sysDot"/>
             <a:headEnd type="none" w="med" len="med"/>
             <a:tailEnd type="triangle"/>
           </a:ln>
@@ -15855,7 +15855,7 @@
             <a:solidFill>
               <a:schemeClr val="accent6"/>
             </a:solidFill>
-            <a:prstDash val="dash"/>
+            <a:prstDash val="lgDashDotDot"/>
             <a:headEnd type="none" w="med" len="med"/>
             <a:tailEnd type="triangle"/>
           </a:ln>
@@ -15901,7 +15901,7 @@
             <a:solidFill>
               <a:schemeClr val="accent6"/>
             </a:solidFill>
-            <a:prstDash val="dash"/>
+            <a:prstDash val="lgDashDotDot"/>
             <a:headEnd type="none" w="med" len="med"/>
             <a:tailEnd type="triangle"/>
           </a:ln>

--- a/edwin_2019/Figures/edwin-overview.pptx
+++ b/edwin_2019/Figures/edwin-overview.pptx
@@ -368,12 +368,12 @@
   <pc:docChgLst>
     <pc:chgData name="唐 崇斌 Edwin" userId="769f27267cb83406" providerId="LiveId" clId="{5950B5EE-091A-4B6E-A0E4-F7E0BA907422}"/>
     <pc:docChg chg="undo redo custSel addSld modSld sldOrd">
-      <pc:chgData name="唐 崇斌 Edwin" userId="769f27267cb83406" providerId="LiveId" clId="{5950B5EE-091A-4B6E-A0E4-F7E0BA907422}" dt="2020-03-26T09:20:42.334" v="4468" actId="1076"/>
+      <pc:chgData name="唐 崇斌 Edwin" userId="769f27267cb83406" providerId="LiveId" clId="{5950B5EE-091A-4B6E-A0E4-F7E0BA907422}" dt="2020-03-26T10:40:06.279" v="4469"/>
       <pc:docMkLst>
         <pc:docMk/>
       </pc:docMkLst>
       <pc:sldChg chg="addSp delSp modSp ord">
-        <pc:chgData name="唐 崇斌 Edwin" userId="769f27267cb83406" providerId="LiveId" clId="{5950B5EE-091A-4B6E-A0E4-F7E0BA907422}" dt="2020-03-26T09:20:42.334" v="4468" actId="1076"/>
+        <pc:chgData name="唐 崇斌 Edwin" userId="769f27267cb83406" providerId="LiveId" clId="{5950B5EE-091A-4B6E-A0E4-F7E0BA907422}" dt="2020-03-26T10:40:06.279" v="4469"/>
         <pc:sldMkLst>
           <pc:docMk/>
           <pc:sldMk cId="3037902655" sldId="260"/>
@@ -403,7 +403,7 @@
           </ac:spMkLst>
         </pc:spChg>
         <pc:spChg chg="add mod">
-          <ac:chgData name="唐 崇斌 Edwin" userId="769f27267cb83406" providerId="LiveId" clId="{5950B5EE-091A-4B6E-A0E4-F7E0BA907422}" dt="2020-03-26T09:20:39.432" v="4467" actId="1076"/>
+          <ac:chgData name="唐 崇斌 Edwin" userId="769f27267cb83406" providerId="LiveId" clId="{5950B5EE-091A-4B6E-A0E4-F7E0BA907422}" dt="2020-03-26T10:40:06.279" v="4469"/>
           <ac:spMkLst>
             <pc:docMk/>
             <pc:sldMk cId="3037902655" sldId="260"/>
@@ -13063,7 +13063,7 @@
                   <a:schemeClr val="accent6"/>
                 </a:solidFill>
               </a:rPr>
-              <a:t>面向仿冒应用的排名欺诈验证创新</a:t>
+              <a:t>面向仿冒应用的排名欺诈验证方法</a:t>
             </a:r>
           </a:p>
         </p:txBody>

--- a/edwin_2019/Figures/edwin-overview.pptx
+++ b/edwin_2019/Figures/edwin-overview.pptx
@@ -119,251 +119,6 @@
 <pc:chgInfo xmlns:a="http://schemas.openxmlformats.org/drawingml/2006/main" xmlns:r="http://schemas.openxmlformats.org/officeDocument/2006/relationships" xmlns:ac="http://schemas.microsoft.com/office/drawing/2013/main/command" xmlns:pc="http://schemas.microsoft.com/office/powerpoint/2013/main/command">
   <pc:docChgLst>
     <pc:chgData name="唐 崇斌 Edwin" userId="769f27267cb83406" providerId="LiveId" clId="{E617D026-79CF-48FE-9ADB-8F2AB4071CCD}"/>
-    <pc:docChg chg="undo modSld">
-      <pc:chgData name="唐 崇斌 Edwin" userId="769f27267cb83406" providerId="LiveId" clId="{E617D026-79CF-48FE-9ADB-8F2AB4071CCD}" dt="2020-02-26T22:20:34.135" v="189" actId="14100"/>
-      <pc:docMkLst>
-        <pc:docMk/>
-      </pc:docMkLst>
-      <pc:sldChg chg="delSp modSp">
-        <pc:chgData name="唐 崇斌 Edwin" userId="769f27267cb83406" providerId="LiveId" clId="{E617D026-79CF-48FE-9ADB-8F2AB4071CCD}" dt="2020-02-26T22:20:34.135" v="189" actId="14100"/>
-        <pc:sldMkLst>
-          <pc:docMk/>
-          <pc:sldMk cId="2087716266" sldId="258"/>
-        </pc:sldMkLst>
-        <pc:spChg chg="mod topLvl">
-          <ac:chgData name="唐 崇斌 Edwin" userId="769f27267cb83406" providerId="LiveId" clId="{E617D026-79CF-48FE-9ADB-8F2AB4071CCD}" dt="2020-02-26T22:17:52.564" v="152" actId="12788"/>
-          <ac:spMkLst>
-            <pc:docMk/>
-            <pc:sldMk cId="2087716266" sldId="258"/>
-            <ac:spMk id="12" creationId="{00000000-0000-0000-0000-000000000000}"/>
-          </ac:spMkLst>
-        </pc:spChg>
-        <pc:spChg chg="mod topLvl">
-          <ac:chgData name="唐 崇斌 Edwin" userId="769f27267cb83406" providerId="LiveId" clId="{E617D026-79CF-48FE-9ADB-8F2AB4071CCD}" dt="2020-02-26T22:18:04.031" v="154" actId="12788"/>
-          <ac:spMkLst>
-            <pc:docMk/>
-            <pc:sldMk cId="2087716266" sldId="258"/>
-            <ac:spMk id="47" creationId="{00000000-0000-0000-0000-000000000000}"/>
-          </ac:spMkLst>
-        </pc:spChg>
-        <pc:spChg chg="mod">
-          <ac:chgData name="唐 崇斌 Edwin" userId="769f27267cb83406" providerId="LiveId" clId="{E617D026-79CF-48FE-9ADB-8F2AB4071CCD}" dt="2020-02-26T22:17:47.645" v="151" actId="12788"/>
-          <ac:spMkLst>
-            <pc:docMk/>
-            <pc:sldMk cId="2087716266" sldId="258"/>
-            <ac:spMk id="57" creationId="{00000000-0000-0000-0000-000000000000}"/>
-          </ac:spMkLst>
-        </pc:spChg>
-        <pc:spChg chg="mod topLvl">
-          <ac:chgData name="唐 崇斌 Edwin" userId="769f27267cb83406" providerId="LiveId" clId="{E617D026-79CF-48FE-9ADB-8F2AB4071CCD}" dt="2020-02-26T22:17:36.242" v="149" actId="12788"/>
-          <ac:spMkLst>
-            <pc:docMk/>
-            <pc:sldMk cId="2087716266" sldId="258"/>
-            <ac:spMk id="75" creationId="{00000000-0000-0000-0000-000000000000}"/>
-          </ac:spMkLst>
-        </pc:spChg>
-        <pc:spChg chg="mod">
-          <ac:chgData name="唐 崇斌 Edwin" userId="769f27267cb83406" providerId="LiveId" clId="{E617D026-79CF-48FE-9ADB-8F2AB4071CCD}" dt="2020-02-26T22:18:48.921" v="163" actId="1036"/>
-          <ac:spMkLst>
-            <pc:docMk/>
-            <pc:sldMk cId="2087716266" sldId="258"/>
-            <ac:spMk id="78" creationId="{00000000-0000-0000-0000-000000000000}"/>
-          </ac:spMkLst>
-        </pc:spChg>
-        <pc:spChg chg="mod">
-          <ac:chgData name="唐 崇斌 Edwin" userId="769f27267cb83406" providerId="LiveId" clId="{E617D026-79CF-48FE-9ADB-8F2AB4071CCD}" dt="2020-02-26T22:18:15.125" v="155" actId="12789"/>
-          <ac:spMkLst>
-            <pc:docMk/>
-            <pc:sldMk cId="2087716266" sldId="258"/>
-            <ac:spMk id="88" creationId="{00000000-0000-0000-0000-000000000000}"/>
-          </ac:spMkLst>
-        </pc:spChg>
-        <pc:spChg chg="mod">
-          <ac:chgData name="唐 崇斌 Edwin" userId="769f27267cb83406" providerId="LiveId" clId="{E617D026-79CF-48FE-9ADB-8F2AB4071CCD}" dt="2020-02-26T22:18:24.806" v="158" actId="1038"/>
-          <ac:spMkLst>
-            <pc:docMk/>
-            <pc:sldMk cId="2087716266" sldId="258"/>
-            <ac:spMk id="95" creationId="{00000000-0000-0000-0000-000000000000}"/>
-          </ac:spMkLst>
-        </pc:spChg>
-        <pc:spChg chg="mod topLvl">
-          <ac:chgData name="唐 崇斌 Edwin" userId="769f27267cb83406" providerId="LiveId" clId="{E617D026-79CF-48FE-9ADB-8F2AB4071CCD}" dt="2020-02-26T22:17:41.518" v="150" actId="12788"/>
-          <ac:spMkLst>
-            <pc:docMk/>
-            <pc:sldMk cId="2087716266" sldId="258"/>
-            <ac:spMk id="98" creationId="{00000000-0000-0000-0000-000000000000}"/>
-          </ac:spMkLst>
-        </pc:spChg>
-        <pc:spChg chg="mod">
-          <ac:chgData name="唐 崇斌 Edwin" userId="769f27267cb83406" providerId="LiveId" clId="{E617D026-79CF-48FE-9ADB-8F2AB4071CCD}" dt="2020-02-26T22:18:27.259" v="159" actId="1037"/>
-          <ac:spMkLst>
-            <pc:docMk/>
-            <pc:sldMk cId="2087716266" sldId="258"/>
-            <ac:spMk id="101" creationId="{00000000-0000-0000-0000-000000000000}"/>
-          </ac:spMkLst>
-        </pc:spChg>
-        <pc:spChg chg="mod">
-          <ac:chgData name="唐 崇斌 Edwin" userId="769f27267cb83406" providerId="LiveId" clId="{E617D026-79CF-48FE-9ADB-8F2AB4071CCD}" dt="2020-02-26T22:17:57.936" v="153" actId="12788"/>
-          <ac:spMkLst>
-            <pc:docMk/>
-            <pc:sldMk cId="2087716266" sldId="258"/>
-            <ac:spMk id="123" creationId="{00000000-0000-0000-0000-000000000000}"/>
-          </ac:spMkLst>
-        </pc:spChg>
-        <pc:spChg chg="mod">
-          <ac:chgData name="唐 崇斌 Edwin" userId="769f27267cb83406" providerId="LiveId" clId="{E617D026-79CF-48FE-9ADB-8F2AB4071CCD}" dt="2020-02-26T22:16:27.120" v="142"/>
-          <ac:spMkLst>
-            <pc:docMk/>
-            <pc:sldMk cId="2087716266" sldId="258"/>
-            <ac:spMk id="141" creationId="{00000000-0000-0000-0000-000000000000}"/>
-          </ac:spMkLst>
-        </pc:spChg>
-        <pc:spChg chg="mod">
-          <ac:chgData name="唐 崇斌 Edwin" userId="769f27267cb83406" providerId="LiveId" clId="{E617D026-79CF-48FE-9ADB-8F2AB4071CCD}" dt="2020-02-26T22:16:06.800" v="134"/>
-          <ac:spMkLst>
-            <pc:docMk/>
-            <pc:sldMk cId="2087716266" sldId="258"/>
-            <ac:spMk id="143" creationId="{00000000-0000-0000-0000-000000000000}"/>
-          </ac:spMkLst>
-        </pc:spChg>
-        <pc:spChg chg="mod">
-          <ac:chgData name="唐 崇斌 Edwin" userId="769f27267cb83406" providerId="LiveId" clId="{E617D026-79CF-48FE-9ADB-8F2AB4071CCD}" dt="2020-02-26T22:15:39.933" v="108"/>
-          <ac:spMkLst>
-            <pc:docMk/>
-            <pc:sldMk cId="2087716266" sldId="258"/>
-            <ac:spMk id="145" creationId="{00000000-0000-0000-0000-000000000000}"/>
-          </ac:spMkLst>
-        </pc:spChg>
-        <pc:spChg chg="mod">
-          <ac:chgData name="唐 崇斌 Edwin" userId="769f27267cb83406" providerId="LiveId" clId="{E617D026-79CF-48FE-9ADB-8F2AB4071CCD}" dt="2020-02-26T22:20:22.402" v="164" actId="12789"/>
-          <ac:spMkLst>
-            <pc:docMk/>
-            <pc:sldMk cId="2087716266" sldId="258"/>
-            <ac:spMk id="148" creationId="{00000000-0000-0000-0000-000000000000}"/>
-          </ac:spMkLst>
-        </pc:spChg>
-        <pc:spChg chg="mod">
-          <ac:chgData name="唐 崇斌 Edwin" userId="769f27267cb83406" providerId="LiveId" clId="{E617D026-79CF-48FE-9ADB-8F2AB4071CCD}" dt="2020-02-26T22:20:34.135" v="189" actId="14100"/>
-          <ac:spMkLst>
-            <pc:docMk/>
-            <pc:sldMk cId="2087716266" sldId="258"/>
-            <ac:spMk id="149" creationId="{00000000-0000-0000-0000-000000000000}"/>
-          </ac:spMkLst>
-        </pc:spChg>
-        <pc:spChg chg="mod">
-          <ac:chgData name="唐 崇斌 Edwin" userId="769f27267cb83406" providerId="LiveId" clId="{E617D026-79CF-48FE-9ADB-8F2AB4071CCD}" dt="2020-02-26T22:18:32.841" v="160" actId="1035"/>
-          <ac:spMkLst>
-            <pc:docMk/>
-            <pc:sldMk cId="2087716266" sldId="258"/>
-            <ac:spMk id="242" creationId="{00000000-0000-0000-0000-000000000000}"/>
-          </ac:spMkLst>
-        </pc:spChg>
-        <pc:grpChg chg="del">
-          <ac:chgData name="唐 崇斌 Edwin" userId="769f27267cb83406" providerId="LiveId" clId="{E617D026-79CF-48FE-9ADB-8F2AB4071CCD}" dt="2020-02-26T22:17:00.468" v="146" actId="165"/>
-          <ac:grpSpMkLst>
-            <pc:docMk/>
-            <pc:sldMk cId="2087716266" sldId="258"/>
-            <ac:grpSpMk id="5" creationId="{00000000-0000-0000-0000-000000000000}"/>
-          </ac:grpSpMkLst>
-        </pc:grpChg>
-        <pc:grpChg chg="del">
-          <ac:chgData name="唐 崇斌 Edwin" userId="769f27267cb83406" providerId="LiveId" clId="{E617D026-79CF-48FE-9ADB-8F2AB4071CCD}" dt="2020-02-26T22:16:43.060" v="143" actId="165"/>
-          <ac:grpSpMkLst>
-            <pc:docMk/>
-            <pc:sldMk cId="2087716266" sldId="258"/>
-            <ac:grpSpMk id="9" creationId="{00000000-0000-0000-0000-000000000000}"/>
-          </ac:grpSpMkLst>
-        </pc:grpChg>
-        <pc:grpChg chg="mod topLvl">
-          <ac:chgData name="唐 崇斌 Edwin" userId="769f27267cb83406" providerId="LiveId" clId="{E617D026-79CF-48FE-9ADB-8F2AB4071CCD}" dt="2020-02-26T22:17:41.518" v="150" actId="12788"/>
-          <ac:grpSpMkLst>
-            <pc:docMk/>
-            <pc:sldMk cId="2087716266" sldId="258"/>
-            <ac:grpSpMk id="22" creationId="{00000000-0000-0000-0000-000000000000}"/>
-          </ac:grpSpMkLst>
-        </pc:grpChg>
-        <pc:grpChg chg="mod">
-          <ac:chgData name="唐 崇斌 Edwin" userId="769f27267cb83406" providerId="LiveId" clId="{E617D026-79CF-48FE-9ADB-8F2AB4071CCD}" dt="2020-02-26T22:17:57.936" v="153" actId="12788"/>
-          <ac:grpSpMkLst>
-            <pc:docMk/>
-            <pc:sldMk cId="2087716266" sldId="258"/>
-            <ac:grpSpMk id="29" creationId="{00000000-0000-0000-0000-000000000000}"/>
-          </ac:grpSpMkLst>
-        </pc:grpChg>
-        <pc:grpChg chg="del">
-          <ac:chgData name="唐 崇斌 Edwin" userId="769f27267cb83406" providerId="LiveId" clId="{E617D026-79CF-48FE-9ADB-8F2AB4071CCD}" dt="2020-02-26T22:16:49.505" v="145" actId="165"/>
-          <ac:grpSpMkLst>
-            <pc:docMk/>
-            <pc:sldMk cId="2087716266" sldId="258"/>
-            <ac:grpSpMk id="34" creationId="{00000000-0000-0000-0000-000000000000}"/>
-          </ac:grpSpMkLst>
-        </pc:grpChg>
-        <pc:grpChg chg="del">
-          <ac:chgData name="唐 崇斌 Edwin" userId="769f27267cb83406" providerId="LiveId" clId="{E617D026-79CF-48FE-9ADB-8F2AB4071CCD}" dt="2020-02-26T22:16:46.590" v="144" actId="165"/>
-          <ac:grpSpMkLst>
-            <pc:docMk/>
-            <pc:sldMk cId="2087716266" sldId="258"/>
-            <ac:grpSpMk id="74" creationId="{00000000-0000-0000-0000-000000000000}"/>
-          </ac:grpSpMkLst>
-        </pc:grpChg>
-        <pc:grpChg chg="mod topLvl">
-          <ac:chgData name="唐 崇斌 Edwin" userId="769f27267cb83406" providerId="LiveId" clId="{E617D026-79CF-48FE-9ADB-8F2AB4071CCD}" dt="2020-02-26T22:17:36.242" v="149" actId="12788"/>
-          <ac:grpSpMkLst>
-            <pc:docMk/>
-            <pc:sldMk cId="2087716266" sldId="258"/>
-            <ac:grpSpMk id="76" creationId="{00000000-0000-0000-0000-000000000000}"/>
-          </ac:grpSpMkLst>
-        </pc:grpChg>
-        <pc:grpChg chg="mod">
-          <ac:chgData name="唐 崇斌 Edwin" userId="769f27267cb83406" providerId="LiveId" clId="{E617D026-79CF-48FE-9ADB-8F2AB4071CCD}" dt="2020-02-26T22:18:43.895" v="162" actId="12788"/>
-          <ac:grpSpMkLst>
-            <pc:docMk/>
-            <pc:sldMk cId="2087716266" sldId="258"/>
-            <ac:grpSpMk id="85" creationId="{00000000-0000-0000-0000-000000000000}"/>
-          </ac:grpSpMkLst>
-        </pc:grpChg>
-        <pc:grpChg chg="mod">
-          <ac:chgData name="唐 崇斌 Edwin" userId="769f27267cb83406" providerId="LiveId" clId="{E617D026-79CF-48FE-9ADB-8F2AB4071CCD}" dt="2020-02-26T22:20:34.135" v="189" actId="14100"/>
-          <ac:grpSpMkLst>
-            <pc:docMk/>
-            <pc:sldMk cId="2087716266" sldId="258"/>
-            <ac:grpSpMk id="134" creationId="{00000000-0000-0000-0000-000000000000}"/>
-          </ac:grpSpMkLst>
-        </pc:grpChg>
-        <pc:grpChg chg="mod topLvl">
-          <ac:chgData name="唐 崇斌 Edwin" userId="769f27267cb83406" providerId="LiveId" clId="{E617D026-79CF-48FE-9ADB-8F2AB4071CCD}" dt="2020-02-26T22:18:04.031" v="154" actId="12788"/>
-          <ac:grpSpMkLst>
-            <pc:docMk/>
-            <pc:sldMk cId="2087716266" sldId="258"/>
-            <ac:grpSpMk id="198" creationId="{00000000-0000-0000-0000-000000000000}"/>
-          </ac:grpSpMkLst>
-        </pc:grpChg>
-        <pc:picChg chg="mod topLvl">
-          <ac:chgData name="唐 崇斌 Edwin" userId="769f27267cb83406" providerId="LiveId" clId="{E617D026-79CF-48FE-9ADB-8F2AB4071CCD}" dt="2020-02-26T22:17:52.564" v="152" actId="12788"/>
-          <ac:picMkLst>
-            <pc:docMk/>
-            <pc:sldMk cId="2087716266" sldId="258"/>
-            <ac:picMk id="13" creationId="{00000000-0000-0000-0000-000000000000}"/>
-          </ac:picMkLst>
-        </pc:picChg>
-        <pc:picChg chg="mod">
-          <ac:chgData name="唐 崇斌 Edwin" userId="769f27267cb83406" providerId="LiveId" clId="{E617D026-79CF-48FE-9ADB-8F2AB4071CCD}" dt="2020-02-26T22:17:47.645" v="151" actId="12788"/>
-          <ac:picMkLst>
-            <pc:docMk/>
-            <pc:sldMk cId="2087716266" sldId="258"/>
-            <ac:picMk id="59" creationId="{00000000-0000-0000-0000-000000000000}"/>
-          </ac:picMkLst>
-        </pc:picChg>
-        <pc:cxnChg chg="mod">
-          <ac:chgData name="唐 崇斌 Edwin" userId="769f27267cb83406" providerId="LiveId" clId="{E617D026-79CF-48FE-9ADB-8F2AB4071CCD}" dt="2020-02-26T22:18:43.895" v="162" actId="12788"/>
-          <ac:cxnSpMkLst>
-            <pc:docMk/>
-            <pc:sldMk cId="2087716266" sldId="258"/>
-            <ac:cxnSpMk id="97" creationId="{00000000-0000-0000-0000-000000000000}"/>
-          </ac:cxnSpMkLst>
-        </pc:cxnChg>
-      </pc:sldChg>
-    </pc:docChg>
   </pc:docChgLst>
   <pc:docChgLst>
     <pc:chgData name="唐 崇斌 Edwin" userId="769f27267cb83406" providerId="LiveId" clId="{5950B5EE-091A-4B6E-A0E4-F7E0BA907422}"/>
@@ -3982,6 +3737,38 @@
           <pc:docMk/>
           <pc:sldMk cId="1166616651" sldId="261"/>
         </pc:sldMkLst>
+      </pc:sldChg>
+    </pc:docChg>
+  </pc:docChgLst>
+  <pc:docChgLst>
+    <pc:chgData name="唐 崇斌 Edwin" userId="769f27267cb83406" providerId="LiveId" clId="{8B9D1FA0-5D32-4615-AAF6-9CDC967303CA}"/>
+    <pc:docChg chg="modSld">
+      <pc:chgData name="唐 崇斌 Edwin" userId="769f27267cb83406" providerId="LiveId" clId="{8B9D1FA0-5D32-4615-AAF6-9CDC967303CA}" dt="2020-05-29T09:48:18.257" v="2" actId="20577"/>
+      <pc:docMkLst>
+        <pc:docMk/>
+      </pc:docMkLst>
+      <pc:sldChg chg="modSp">
+        <pc:chgData name="唐 崇斌 Edwin" userId="769f27267cb83406" providerId="LiveId" clId="{8B9D1FA0-5D32-4615-AAF6-9CDC967303CA}" dt="2020-05-29T09:48:18.257" v="2" actId="20577"/>
+        <pc:sldMkLst>
+          <pc:docMk/>
+          <pc:sldMk cId="3037902655" sldId="260"/>
+        </pc:sldMkLst>
+        <pc:spChg chg="mod">
+          <ac:chgData name="唐 崇斌 Edwin" userId="769f27267cb83406" providerId="LiveId" clId="{8B9D1FA0-5D32-4615-AAF6-9CDC967303CA}" dt="2020-05-29T09:47:20.047" v="0"/>
+          <ac:spMkLst>
+            <pc:docMk/>
+            <pc:sldMk cId="3037902655" sldId="260"/>
+            <ac:spMk id="80" creationId="{0F8FB120-7D3A-4E70-8086-0110457115A4}"/>
+          </ac:spMkLst>
+        </pc:spChg>
+        <pc:spChg chg="mod">
+          <ac:chgData name="唐 崇斌 Edwin" userId="769f27267cb83406" providerId="LiveId" clId="{8B9D1FA0-5D32-4615-AAF6-9CDC967303CA}" dt="2020-05-29T09:48:18.257" v="2" actId="20577"/>
+          <ac:spMkLst>
+            <pc:docMk/>
+            <pc:sldMk cId="3037902655" sldId="260"/>
+            <ac:spMk id="81" creationId="{D69217E1-9EBA-4921-8BDA-11476203D2EA}"/>
+          </ac:spMkLst>
+        </pc:spChg>
       </pc:sldChg>
     </pc:docChg>
   </pc:docChgLst>
@@ -4117,7 +3904,7 @@
           <a:p>
             <a:fld id="{2397B9A4-A1A7-4F69-B67A-5CE7E47DA859}" type="datetimeFigureOut">
               <a:rPr lang="zh-CN" altLang="en-US" smtClean="0"/>
-              <a:t>2020/3/26</a:t>
+              <a:t>2020/5/29</a:t>
             </a:fld>
             <a:endParaRPr lang="zh-CN" altLang="en-US"/>
           </a:p>
@@ -4285,7 +4072,7 @@
           <a:p>
             <a:fld id="{2397B9A4-A1A7-4F69-B67A-5CE7E47DA859}" type="datetimeFigureOut">
               <a:rPr lang="zh-CN" altLang="en-US" smtClean="0"/>
-              <a:t>2020/3/26</a:t>
+              <a:t>2020/5/29</a:t>
             </a:fld>
             <a:endParaRPr lang="zh-CN" altLang="en-US"/>
           </a:p>
@@ -4463,7 +4250,7 @@
           <a:p>
             <a:fld id="{2397B9A4-A1A7-4F69-B67A-5CE7E47DA859}" type="datetimeFigureOut">
               <a:rPr lang="zh-CN" altLang="en-US" smtClean="0"/>
-              <a:t>2020/3/26</a:t>
+              <a:t>2020/5/29</a:t>
             </a:fld>
             <a:endParaRPr lang="zh-CN" altLang="en-US"/>
           </a:p>
@@ -4631,7 +4418,7 @@
           <a:p>
             <a:fld id="{2397B9A4-A1A7-4F69-B67A-5CE7E47DA859}" type="datetimeFigureOut">
               <a:rPr lang="zh-CN" altLang="en-US" smtClean="0"/>
-              <a:t>2020/3/26</a:t>
+              <a:t>2020/5/29</a:t>
             </a:fld>
             <a:endParaRPr lang="zh-CN" altLang="en-US"/>
           </a:p>
@@ -4876,7 +4663,7 @@
           <a:p>
             <a:fld id="{2397B9A4-A1A7-4F69-B67A-5CE7E47DA859}" type="datetimeFigureOut">
               <a:rPr lang="zh-CN" altLang="en-US" smtClean="0"/>
-              <a:t>2020/3/26</a:t>
+              <a:t>2020/5/29</a:t>
             </a:fld>
             <a:endParaRPr lang="zh-CN" altLang="en-US"/>
           </a:p>
@@ -5105,7 +4892,7 @@
           <a:p>
             <a:fld id="{2397B9A4-A1A7-4F69-B67A-5CE7E47DA859}" type="datetimeFigureOut">
               <a:rPr lang="zh-CN" altLang="en-US" smtClean="0"/>
-              <a:t>2020/3/26</a:t>
+              <a:t>2020/5/29</a:t>
             </a:fld>
             <a:endParaRPr lang="zh-CN" altLang="en-US"/>
           </a:p>
@@ -5469,7 +5256,7 @@
           <a:p>
             <a:fld id="{2397B9A4-A1A7-4F69-B67A-5CE7E47DA859}" type="datetimeFigureOut">
               <a:rPr lang="zh-CN" altLang="en-US" smtClean="0"/>
-              <a:t>2020/3/26</a:t>
+              <a:t>2020/5/29</a:t>
             </a:fld>
             <a:endParaRPr lang="zh-CN" altLang="en-US"/>
           </a:p>
@@ -5586,7 +5373,7 @@
           <a:p>
             <a:fld id="{2397B9A4-A1A7-4F69-B67A-5CE7E47DA859}" type="datetimeFigureOut">
               <a:rPr lang="zh-CN" altLang="en-US" smtClean="0"/>
-              <a:t>2020/3/26</a:t>
+              <a:t>2020/5/29</a:t>
             </a:fld>
             <a:endParaRPr lang="zh-CN" altLang="en-US"/>
           </a:p>
@@ -5681,7 +5468,7 @@
           <a:p>
             <a:fld id="{2397B9A4-A1A7-4F69-B67A-5CE7E47DA859}" type="datetimeFigureOut">
               <a:rPr lang="zh-CN" altLang="en-US" smtClean="0"/>
-              <a:t>2020/3/26</a:t>
+              <a:t>2020/5/29</a:t>
             </a:fld>
             <a:endParaRPr lang="zh-CN" altLang="en-US"/>
           </a:p>
@@ -5956,7 +5743,7 @@
           <a:p>
             <a:fld id="{2397B9A4-A1A7-4F69-B67A-5CE7E47DA859}" type="datetimeFigureOut">
               <a:rPr lang="zh-CN" altLang="en-US" smtClean="0"/>
-              <a:t>2020/3/26</a:t>
+              <a:t>2020/5/29</a:t>
             </a:fld>
             <a:endParaRPr lang="zh-CN" altLang="en-US"/>
           </a:p>
@@ -6208,7 +5995,7 @@
           <a:p>
             <a:fld id="{2397B9A4-A1A7-4F69-B67A-5CE7E47DA859}" type="datetimeFigureOut">
               <a:rPr lang="zh-CN" altLang="en-US" smtClean="0"/>
-              <a:t>2020/3/26</a:t>
+              <a:t>2020/5/29</a:t>
             </a:fld>
             <a:endParaRPr lang="zh-CN" altLang="en-US"/>
           </a:p>
@@ -6419,7 +6206,7 @@
           <a:p>
             <a:fld id="{2397B9A4-A1A7-4F69-B67A-5CE7E47DA859}" type="datetimeFigureOut">
               <a:rPr lang="zh-CN" altLang="en-US" smtClean="0"/>
-              <a:t>2020/3/26</a:t>
+              <a:t>2020/5/29</a:t>
             </a:fld>
             <a:endParaRPr lang="zh-CN" altLang="en-US"/>
           </a:p>
@@ -13063,8 +12850,21 @@
                   <a:schemeClr val="accent6"/>
                 </a:solidFill>
               </a:rPr>
-              <a:t>面向仿冒应用的排名欺诈验证方法</a:t>
+              <a:t>面向仿冒应用的排名</a:t>
             </a:r>
+            <a:r>
+              <a:rPr lang="zh-CN" altLang="en-US" sz="1600">
+                <a:solidFill>
+                  <a:schemeClr val="accent6"/>
+                </a:solidFill>
+              </a:rPr>
+              <a:t>欺诈验证</a:t>
+            </a:r>
+            <a:endParaRPr lang="zh-CN" altLang="en-US" sz="1600" dirty="0">
+              <a:solidFill>
+                <a:schemeClr val="accent6"/>
+              </a:solidFill>
+            </a:endParaRPr>
           </a:p>
         </p:txBody>
       </p:sp>

--- a/edwin_2019/Figures/edwin-overview.pptx
+++ b/edwin_2019/Figures/edwin-overview.pptx
@@ -9,6 +9,7 @@
     <p:sldId id="261" r:id="rId3"/>
     <p:sldId id="260" r:id="rId4"/>
     <p:sldId id="262" r:id="rId5"/>
+    <p:sldId id="263" r:id="rId6"/>
   </p:sldIdLst>
   <p:sldSz cx="12192000" cy="6858000"/>
   <p:notesSz cx="7099300" cy="10234613"/>
@@ -115,6 +116,18 @@
 </p:presentation>
 </file>
 
+<file path=ppt/commentAuthors.xml><?xml version="1.0" encoding="utf-8"?>
+<p:cmAuthorLst xmlns:a="http://schemas.openxmlformats.org/drawingml/2006/main" xmlns:r="http://schemas.openxmlformats.org/officeDocument/2006/relationships" xmlns:p="http://schemas.openxmlformats.org/presentationml/2006/main">
+  <p:cmAuthor id="1" name="唐 崇斌 Edwin" initials="唐" lastIdx="1" clrIdx="0">
+    <p:extLst>
+      <p:ext uri="{19B8F6BF-5375-455C-9EA6-DF929625EA0E}">
+        <p15:presenceInfo xmlns:p15="http://schemas.microsoft.com/office/powerpoint/2012/main" userId="769f27267cb83406" providerId="Windows Live"/>
+      </p:ext>
+    </p:extLst>
+  </p:cmAuthor>
+</p:cmAuthorLst>
+</file>
+
 <file path=ppt/changesInfos/changesInfo1.xml><?xml version="1.0" encoding="utf-8"?>
 <pc:chgInfo xmlns:a="http://schemas.openxmlformats.org/drawingml/2006/main" xmlns:r="http://schemas.openxmlformats.org/officeDocument/2006/relationships" xmlns:ac="http://schemas.microsoft.com/office/drawing/2013/main/command" xmlns:pc="http://schemas.microsoft.com/office/powerpoint/2013/main/command">
   <pc:docChgLst>
@@ -122,3653 +135,562 @@
   </pc:docChgLst>
   <pc:docChgLst>
     <pc:chgData name="唐 崇斌 Edwin" userId="769f27267cb83406" providerId="LiveId" clId="{5950B5EE-091A-4B6E-A0E4-F7E0BA907422}"/>
-    <pc:docChg chg="undo redo custSel addSld modSld sldOrd">
-      <pc:chgData name="唐 崇斌 Edwin" userId="769f27267cb83406" providerId="LiveId" clId="{5950B5EE-091A-4B6E-A0E4-F7E0BA907422}" dt="2020-03-26T10:40:06.279" v="4469"/>
+  </pc:docChgLst>
+  <pc:docChgLst>
+    <pc:chgData name="唐 崇斌 Edwin" userId="769f27267cb83406" providerId="LiveId" clId="{F749D1A7-B6C5-40CC-A752-898961211CE4}"/>
+  </pc:docChgLst>
+  <pc:docChgLst>
+    <pc:chgData name="唐 崇斌 Edwin" userId="769f27267cb83406" providerId="LiveId" clId="{8B9D1FA0-5D32-4615-AAF6-9CDC967303CA}"/>
+  </pc:docChgLst>
+  <pc:docChgLst>
+    <pc:chgData name="唐 崇斌 Edwin" userId="769f27267cb83406" providerId="LiveId" clId="{CD038198-DCA5-497C-97B1-3A1263D8B09C}"/>
+    <pc:docChg chg="undo redo custSel addSld modSld">
+      <pc:chgData name="唐 崇斌 Edwin" userId="769f27267cb83406" providerId="LiveId" clId="{CD038198-DCA5-497C-97B1-3A1263D8B09C}" dt="2020-10-07T10:04:58.558" v="432"/>
       <pc:docMkLst>
         <pc:docMk/>
       </pc:docMkLst>
-      <pc:sldChg chg="addSp delSp modSp ord">
-        <pc:chgData name="唐 崇斌 Edwin" userId="769f27267cb83406" providerId="LiveId" clId="{5950B5EE-091A-4B6E-A0E4-F7E0BA907422}" dt="2020-03-26T10:40:06.279" v="4469"/>
+      <pc:sldChg chg="addSp delSp modSp add addCm delCm">
+        <pc:chgData name="唐 崇斌 Edwin" userId="769f27267cb83406" providerId="LiveId" clId="{CD038198-DCA5-497C-97B1-3A1263D8B09C}" dt="2020-10-07T10:04:58.558" v="432"/>
         <pc:sldMkLst>
           <pc:docMk/>
-          <pc:sldMk cId="3037902655" sldId="260"/>
+          <pc:sldMk cId="4144416808" sldId="263"/>
         </pc:sldMkLst>
-        <pc:spChg chg="del mod topLvl">
-          <ac:chgData name="唐 崇斌 Edwin" userId="769f27267cb83406" providerId="LiveId" clId="{5950B5EE-091A-4B6E-A0E4-F7E0BA907422}" dt="2020-03-25T04:58:07.659" v="4372" actId="478"/>
+        <pc:spChg chg="add mod topLvl">
+          <ac:chgData name="唐 崇斌 Edwin" userId="769f27267cb83406" providerId="LiveId" clId="{CD038198-DCA5-497C-97B1-3A1263D8B09C}" dt="2020-10-07T10:04:58.558" v="432"/>
           <ac:spMkLst>
             <pc:docMk/>
-            <pc:sldMk cId="3037902655" sldId="260"/>
-            <ac:spMk id="38" creationId="{6355A9E9-ACDF-4CB4-842D-A0A271730521}"/>
+            <pc:sldMk cId="4144416808" sldId="263"/>
+            <ac:spMk id="89" creationId="{7B9A1629-F0F9-4BA6-99D7-3CA65FC5639C}"/>
+          </ac:spMkLst>
+        </pc:spChg>
+        <pc:spChg chg="add mod">
+          <ac:chgData name="唐 崇斌 Edwin" userId="769f27267cb83406" providerId="LiveId" clId="{CD038198-DCA5-497C-97B1-3A1263D8B09C}" dt="2020-10-02T10:17:10.776" v="223" actId="368"/>
+          <ac:spMkLst>
+            <pc:docMk/>
+            <pc:sldMk cId="4144416808" sldId="263"/>
+            <ac:spMk id="125" creationId="{F4DC17CD-4C47-4717-ACFD-5302D2586082}"/>
+          </ac:spMkLst>
+        </pc:spChg>
+        <pc:spChg chg="add mod">
+          <ac:chgData name="唐 崇斌 Edwin" userId="769f27267cb83406" providerId="LiveId" clId="{CD038198-DCA5-497C-97B1-3A1263D8B09C}" dt="2020-10-02T10:17:10.776" v="223" actId="368"/>
+          <ac:spMkLst>
+            <pc:docMk/>
+            <pc:sldMk cId="4144416808" sldId="263"/>
+            <ac:spMk id="128" creationId="{E433AF5D-F76C-4B71-A8CD-5D6E7547ACB6}"/>
+          </ac:spMkLst>
+        </pc:spChg>
+        <pc:spChg chg="add mod">
+          <ac:chgData name="唐 崇斌 Edwin" userId="769f27267cb83406" providerId="LiveId" clId="{CD038198-DCA5-497C-97B1-3A1263D8B09C}" dt="2020-10-02T10:17:10.776" v="223" actId="368"/>
+          <ac:spMkLst>
+            <pc:docMk/>
+            <pc:sldMk cId="4144416808" sldId="263"/>
+            <ac:spMk id="132" creationId="{B69D516D-B722-4CC3-898A-85A4168B0B5C}"/>
+          </ac:spMkLst>
+        </pc:spChg>
+        <pc:spChg chg="add del mod">
+          <ac:chgData name="唐 崇斌 Edwin" userId="769f27267cb83406" providerId="LiveId" clId="{CD038198-DCA5-497C-97B1-3A1263D8B09C}" dt="2020-10-02T10:17:03.561" v="218"/>
+          <ac:spMkLst>
+            <pc:docMk/>
+            <pc:sldMk cId="4144416808" sldId="263"/>
+            <ac:spMk id="144" creationId="{40825AC3-0509-4A54-A1AD-6A95736469E5}"/>
           </ac:spMkLst>
         </pc:spChg>
         <pc:spChg chg="mod topLvl">
-          <ac:chgData name="唐 崇斌 Edwin" userId="769f27267cb83406" providerId="LiveId" clId="{5950B5EE-091A-4B6E-A0E4-F7E0BA907422}" dt="2020-03-25T04:44:54.478" v="4065" actId="1037"/>
+          <ac:chgData name="唐 崇斌 Edwin" userId="769f27267cb83406" providerId="LiveId" clId="{CD038198-DCA5-497C-97B1-3A1263D8B09C}" dt="2020-10-07T06:28:55.456" v="402"/>
           <ac:spMkLst>
             <pc:docMk/>
-            <pc:sldMk cId="3037902655" sldId="260"/>
-            <ac:spMk id="52" creationId="{59C83732-3EF7-4AAF-8C8E-59ACC7A9B800}"/>
+            <pc:sldMk cId="4144416808" sldId="263"/>
+            <ac:spMk id="153" creationId="{DF743073-D470-4228-9D8F-9D6F501509FE}"/>
           </ac:spMkLst>
         </pc:spChg>
-        <pc:spChg chg="add mod">
-          <ac:chgData name="唐 崇斌 Edwin" userId="769f27267cb83406" providerId="LiveId" clId="{5950B5EE-091A-4B6E-A0E4-F7E0BA907422}" dt="2020-03-26T09:20:42.334" v="4468" actId="1076"/>
+        <pc:spChg chg="del topLvl">
+          <ac:chgData name="唐 崇斌 Edwin" userId="769f27267cb83406" providerId="LiveId" clId="{CD038198-DCA5-497C-97B1-3A1263D8B09C}" dt="2020-10-02T10:22:10.012" v="287" actId="478"/>
           <ac:spMkLst>
             <pc:docMk/>
-            <pc:sldMk cId="3037902655" sldId="260"/>
-            <ac:spMk id="80" creationId="{0F8FB120-7D3A-4E70-8086-0110457115A4}"/>
+            <pc:sldMk cId="4144416808" sldId="263"/>
+            <ac:spMk id="157" creationId="{47290BC9-8814-4007-9395-AF0DAE6E4250}"/>
           </ac:spMkLst>
         </pc:spChg>
-        <pc:spChg chg="add mod">
-          <ac:chgData name="唐 崇斌 Edwin" userId="769f27267cb83406" providerId="LiveId" clId="{5950B5EE-091A-4B6E-A0E4-F7E0BA907422}" dt="2020-03-26T10:40:06.279" v="4469"/>
+        <pc:spChg chg="del">
+          <ac:chgData name="唐 崇斌 Edwin" userId="769f27267cb83406" providerId="LiveId" clId="{CD038198-DCA5-497C-97B1-3A1263D8B09C}" dt="2020-10-02T10:00:01.222" v="10" actId="478"/>
           <ac:spMkLst>
             <pc:docMk/>
-            <pc:sldMk cId="3037902655" sldId="260"/>
-            <ac:spMk id="81" creationId="{D69217E1-9EBA-4921-8BDA-11476203D2EA}"/>
-          </ac:spMkLst>
-        </pc:spChg>
-        <pc:spChg chg="mod">
-          <ac:chgData name="唐 崇斌 Edwin" userId="769f27267cb83406" providerId="LiveId" clId="{5950B5EE-091A-4B6E-A0E4-F7E0BA907422}" dt="2020-03-25T04:52:13.484" v="4260" actId="1076"/>
-          <ac:spMkLst>
-            <pc:docMk/>
-            <pc:sldMk cId="3037902655" sldId="260"/>
-            <ac:spMk id="86" creationId="{3A23CBE1-25F8-4593-8928-C7D1A58F2668}"/>
-          </ac:spMkLst>
-        </pc:spChg>
-        <pc:spChg chg="add mod ord">
-          <ac:chgData name="唐 崇斌 Edwin" userId="769f27267cb83406" providerId="LiveId" clId="{5950B5EE-091A-4B6E-A0E4-F7E0BA907422}" dt="2020-03-25T04:56:29.825" v="4327" actId="1035"/>
-          <ac:spMkLst>
-            <pc:docMk/>
-            <pc:sldMk cId="3037902655" sldId="260"/>
-            <ac:spMk id="104" creationId="{6141D0E1-D7CE-4CCF-8FA7-F5F8BC0CBBD1}"/>
-          </ac:spMkLst>
-        </pc:spChg>
-        <pc:spChg chg="add del mod ord">
-          <ac:chgData name="唐 崇斌 Edwin" userId="769f27267cb83406" providerId="LiveId" clId="{5950B5EE-091A-4B6E-A0E4-F7E0BA907422}" dt="2020-03-25T05:00:08.494" v="4391" actId="1076"/>
-          <ac:spMkLst>
-            <pc:docMk/>
-            <pc:sldMk cId="3037902655" sldId="260"/>
-            <ac:spMk id="106" creationId="{8955DF60-55BD-4A6A-A3EE-522B1D1DB5FA}"/>
-          </ac:spMkLst>
-        </pc:spChg>
-        <pc:spChg chg="add mod">
-          <ac:chgData name="唐 崇斌 Edwin" userId="769f27267cb83406" providerId="LiveId" clId="{5950B5EE-091A-4B6E-A0E4-F7E0BA907422}" dt="2020-03-25T05:00:37.753" v="4407" actId="1037"/>
-          <ac:spMkLst>
-            <pc:docMk/>
-            <pc:sldMk cId="3037902655" sldId="260"/>
-            <ac:spMk id="109" creationId="{65A5CCC7-F683-4578-B635-B59EDDBD7F17}"/>
-          </ac:spMkLst>
-        </pc:spChg>
-        <pc:spChg chg="mod">
-          <ac:chgData name="唐 崇斌 Edwin" userId="769f27267cb83406" providerId="LiveId" clId="{5950B5EE-091A-4B6E-A0E4-F7E0BA907422}" dt="2020-03-25T05:00:08.494" v="4391" actId="1076"/>
-          <ac:spMkLst>
-            <pc:docMk/>
-            <pc:sldMk cId="3037902655" sldId="260"/>
-            <ac:spMk id="142" creationId="{E25BAEBA-8F45-435A-8A3B-A30C6BD1F3BD}"/>
+            <pc:sldMk cId="4144416808" sldId="263"/>
+            <ac:spMk id="187" creationId="{8E4D84CC-5052-48BB-89AD-460E5171AB87}"/>
           </ac:spMkLst>
         </pc:spChg>
         <pc:spChg chg="mod topLvl">
-          <ac:chgData name="唐 崇斌 Edwin" userId="769f27267cb83406" providerId="LiveId" clId="{5950B5EE-091A-4B6E-A0E4-F7E0BA907422}" dt="2020-03-25T04:47:43.134" v="4173" actId="207"/>
+          <ac:chgData name="唐 崇斌 Edwin" userId="769f27267cb83406" providerId="LiveId" clId="{CD038198-DCA5-497C-97B1-3A1263D8B09C}" dt="2020-10-02T10:23:40.955" v="307" actId="12788"/>
           <ac:spMkLst>
             <pc:docMk/>
-            <pc:sldMk cId="3037902655" sldId="260"/>
-            <ac:spMk id="238" creationId="{CAF45A72-2999-4E36-BB0C-16EFD0CBF21E}"/>
-          </ac:spMkLst>
-        </pc:spChg>
-        <pc:spChg chg="mod">
-          <ac:chgData name="唐 崇斌 Edwin" userId="769f27267cb83406" providerId="LiveId" clId="{5950B5EE-091A-4B6E-A0E4-F7E0BA907422}" dt="2020-03-26T09:11:37.435" v="4424"/>
-          <ac:spMkLst>
-            <pc:docMk/>
-            <pc:sldMk cId="3037902655" sldId="260"/>
-            <ac:spMk id="239" creationId="{4E37F4D6-9BB4-4403-87A1-0C16A9CFBBEE}"/>
+            <pc:sldMk cId="4144416808" sldId="263"/>
+            <ac:spMk id="188" creationId="{B93E4B85-2A9F-43EB-AB46-C8F190ED42F1}"/>
           </ac:spMkLst>
         </pc:spChg>
         <pc:spChg chg="mod topLvl">
-          <ac:chgData name="唐 崇斌 Edwin" userId="769f27267cb83406" providerId="LiveId" clId="{5950B5EE-091A-4B6E-A0E4-F7E0BA907422}" dt="2020-03-25T04:47:43.134" v="4173" actId="207"/>
+          <ac:chgData name="唐 崇斌 Edwin" userId="769f27267cb83406" providerId="LiveId" clId="{CD038198-DCA5-497C-97B1-3A1263D8B09C}" dt="2020-10-02T10:23:26.135" v="305" actId="408"/>
           <ac:spMkLst>
             <pc:docMk/>
-            <pc:sldMk cId="3037902655" sldId="260"/>
-            <ac:spMk id="240" creationId="{796953AE-C535-4F59-A3E1-61EEB14BBEF7}"/>
-          </ac:spMkLst>
-        </pc:spChg>
-        <pc:spChg chg="mod topLvl">
-          <ac:chgData name="唐 崇斌 Edwin" userId="769f27267cb83406" providerId="LiveId" clId="{5950B5EE-091A-4B6E-A0E4-F7E0BA907422}" dt="2020-03-25T04:47:43.134" v="4173" actId="207"/>
-          <ac:spMkLst>
-            <pc:docMk/>
-            <pc:sldMk cId="3037902655" sldId="260"/>
-            <ac:spMk id="241" creationId="{E677E85B-03E0-429B-94BB-1BBC4242884E}"/>
-          </ac:spMkLst>
-        </pc:spChg>
-        <pc:spChg chg="del mod topLvl">
-          <ac:chgData name="唐 崇斌 Edwin" userId="769f27267cb83406" providerId="LiveId" clId="{5950B5EE-091A-4B6E-A0E4-F7E0BA907422}" dt="2020-03-25T04:36:18.489" v="3874" actId="478"/>
-          <ac:spMkLst>
-            <pc:docMk/>
-            <pc:sldMk cId="3037902655" sldId="260"/>
-            <ac:spMk id="255" creationId="{2D590E40-7F2D-452A-AA19-01E451E05309}"/>
-          </ac:spMkLst>
-        </pc:spChg>
-        <pc:spChg chg="del mod">
-          <ac:chgData name="唐 崇斌 Edwin" userId="769f27267cb83406" providerId="LiveId" clId="{5950B5EE-091A-4B6E-A0E4-F7E0BA907422}" dt="2020-03-25T04:36:25.584" v="3876" actId="478"/>
-          <ac:spMkLst>
-            <pc:docMk/>
-            <pc:sldMk cId="3037902655" sldId="260"/>
-            <ac:spMk id="263" creationId="{9551EA7C-FBF4-4C68-8154-6FCCD380781B}"/>
-          </ac:spMkLst>
-        </pc:spChg>
-        <pc:grpChg chg="add del mod topLvl">
-          <ac:chgData name="唐 崇斌 Edwin" userId="769f27267cb83406" providerId="LiveId" clId="{5950B5EE-091A-4B6E-A0E4-F7E0BA907422}" dt="2020-03-25T04:36:20.052" v="3875" actId="478"/>
-          <ac:grpSpMkLst>
-            <pc:docMk/>
-            <pc:sldMk cId="3037902655" sldId="260"/>
-            <ac:grpSpMk id="2" creationId="{A95ABC88-1531-4E32-86DC-83F29804AC6E}"/>
-          </ac:grpSpMkLst>
-        </pc:grpChg>
-        <pc:grpChg chg="add del mod">
-          <ac:chgData name="唐 崇斌 Edwin" userId="769f27267cb83406" providerId="LiveId" clId="{5950B5EE-091A-4B6E-A0E4-F7E0BA907422}" dt="2020-03-25T04:36:18.489" v="3874" actId="478"/>
-          <ac:grpSpMkLst>
-            <pc:docMk/>
-            <pc:sldMk cId="3037902655" sldId="260"/>
-            <ac:grpSpMk id="3" creationId="{7FE5597E-BCE2-4178-8DFE-379BF8E5F542}"/>
-          </ac:grpSpMkLst>
-        </pc:grpChg>
-        <pc:grpChg chg="add del mod">
-          <ac:chgData name="唐 崇斌 Edwin" userId="769f27267cb83406" providerId="LiveId" clId="{5950B5EE-091A-4B6E-A0E4-F7E0BA907422}" dt="2020-03-25T04:40:30.571" v="3932" actId="165"/>
-          <ac:grpSpMkLst>
-            <pc:docMk/>
-            <pc:sldMk cId="3037902655" sldId="260"/>
-            <ac:grpSpMk id="4" creationId="{60080455-AD67-4DEB-999D-3D3938FC45EA}"/>
-          </ac:grpSpMkLst>
-        </pc:grpChg>
-        <pc:grpChg chg="add mod">
-          <ac:chgData name="唐 崇斌 Edwin" userId="769f27267cb83406" providerId="LiveId" clId="{5950B5EE-091A-4B6E-A0E4-F7E0BA907422}" dt="2020-03-25T05:00:08.494" v="4391" actId="1076"/>
-          <ac:grpSpMkLst>
-            <pc:docMk/>
-            <pc:sldMk cId="3037902655" sldId="260"/>
-            <ac:grpSpMk id="5" creationId="{9397DD88-6FB2-4552-A9FA-5257A061A2D4}"/>
-          </ac:grpSpMkLst>
-        </pc:grpChg>
-        <pc:grpChg chg="add mod">
-          <ac:chgData name="唐 崇斌 Edwin" userId="769f27267cb83406" providerId="LiveId" clId="{5950B5EE-091A-4B6E-A0E4-F7E0BA907422}" dt="2020-03-25T04:41:26.619" v="3943" actId="164"/>
-          <ac:grpSpMkLst>
-            <pc:docMk/>
-            <pc:sldMk cId="3037902655" sldId="260"/>
-            <ac:grpSpMk id="6" creationId="{7FD7136B-BE89-4929-A16E-939C1F296040}"/>
-          </ac:grpSpMkLst>
-        </pc:grpChg>
-        <pc:grpChg chg="add del mod">
-          <ac:chgData name="唐 崇斌 Edwin" userId="769f27267cb83406" providerId="LiveId" clId="{5950B5EE-091A-4B6E-A0E4-F7E0BA907422}" dt="2020-03-25T04:42:18.867" v="3955" actId="165"/>
-          <ac:grpSpMkLst>
-            <pc:docMk/>
-            <pc:sldMk cId="3037902655" sldId="260"/>
-            <ac:grpSpMk id="7" creationId="{9D21002C-4D33-4369-AED5-D80A6F67E14C}"/>
-          </ac:grpSpMkLst>
-        </pc:grpChg>
-        <pc:grpChg chg="add mod topLvl">
-          <ac:chgData name="唐 崇斌 Edwin" userId="769f27267cb83406" providerId="LiveId" clId="{5950B5EE-091A-4B6E-A0E4-F7E0BA907422}" dt="2020-03-25T05:00:08.494" v="4391" actId="1076"/>
-          <ac:grpSpMkLst>
-            <pc:docMk/>
-            <pc:sldMk cId="3037902655" sldId="260"/>
-            <ac:grpSpMk id="8" creationId="{1683635F-EA0D-4A94-95E8-B7FF81090350}"/>
-          </ac:grpSpMkLst>
-        </pc:grpChg>
-        <pc:grpChg chg="add mod">
-          <ac:chgData name="唐 崇斌 Edwin" userId="769f27267cb83406" providerId="LiveId" clId="{5950B5EE-091A-4B6E-A0E4-F7E0BA907422}" dt="2020-03-25T05:00:08.494" v="4391" actId="1076"/>
-          <ac:grpSpMkLst>
-            <pc:docMk/>
-            <pc:sldMk cId="3037902655" sldId="260"/>
-            <ac:grpSpMk id="9" creationId="{1F830992-2AE4-4054-935F-EA07BEEDC1E1}"/>
-          </ac:grpSpMkLst>
-        </pc:grpChg>
-        <pc:grpChg chg="add del mod">
-          <ac:chgData name="唐 崇斌 Edwin" userId="769f27267cb83406" providerId="LiveId" clId="{5950B5EE-091A-4B6E-A0E4-F7E0BA907422}" dt="2020-03-25T04:58:07.659" v="4372" actId="478"/>
-          <ac:grpSpMkLst>
-            <pc:docMk/>
-            <pc:sldMk cId="3037902655" sldId="260"/>
-            <ac:grpSpMk id="10" creationId="{6D683A50-B3AE-414D-B4BA-6DFE70C4FA6D}"/>
-          </ac:grpSpMkLst>
-        </pc:grpChg>
-        <pc:grpChg chg="add mod">
-          <ac:chgData name="唐 崇斌 Edwin" userId="769f27267cb83406" providerId="LiveId" clId="{5950B5EE-091A-4B6E-A0E4-F7E0BA907422}" dt="2020-03-25T05:00:08.494" v="4391" actId="1076"/>
-          <ac:grpSpMkLst>
-            <pc:docMk/>
-            <pc:sldMk cId="3037902655" sldId="260"/>
-            <ac:grpSpMk id="18" creationId="{B9E407C7-7EFB-4935-A140-3EB49A26D285}"/>
-          </ac:grpSpMkLst>
-        </pc:grpChg>
-        <pc:grpChg chg="add del mod">
-          <ac:chgData name="唐 崇斌 Edwin" userId="769f27267cb83406" providerId="LiveId" clId="{5950B5EE-091A-4B6E-A0E4-F7E0BA907422}" dt="2020-03-25T04:37:03.612" v="3881" actId="165"/>
-          <ac:grpSpMkLst>
-            <pc:docMk/>
-            <pc:sldMk cId="3037902655" sldId="260"/>
-            <ac:grpSpMk id="35" creationId="{1847B9E1-6163-47C0-8D69-C1DC125EDF12}"/>
-          </ac:grpSpMkLst>
-        </pc:grpChg>
-        <pc:grpChg chg="del mod topLvl">
-          <ac:chgData name="唐 崇斌 Edwin" userId="769f27267cb83406" providerId="LiveId" clId="{5950B5EE-091A-4B6E-A0E4-F7E0BA907422}" dt="2020-03-25T04:37:49.397" v="3890" actId="165"/>
-          <ac:grpSpMkLst>
-            <pc:docMk/>
-            <pc:sldMk cId="3037902655" sldId="260"/>
-            <ac:grpSpMk id="36" creationId="{98D8722C-3A7F-4E3D-86E5-A6E4ADF26573}"/>
-          </ac:grpSpMkLst>
-        </pc:grpChg>
-        <pc:grpChg chg="del mod topLvl">
-          <ac:chgData name="唐 崇斌 Edwin" userId="769f27267cb83406" providerId="LiveId" clId="{5950B5EE-091A-4B6E-A0E4-F7E0BA907422}" dt="2020-03-25T04:40:34.350" v="3934" actId="165"/>
-          <ac:grpSpMkLst>
-            <pc:docMk/>
-            <pc:sldMk cId="3037902655" sldId="260"/>
-            <ac:grpSpMk id="39" creationId="{45932E38-CEF5-43C5-AEF5-E89C81900161}"/>
-          </ac:grpSpMkLst>
-        </pc:grpChg>
-        <pc:grpChg chg="add del mod">
-          <ac:chgData name="唐 崇斌 Edwin" userId="769f27267cb83406" providerId="LiveId" clId="{5950B5EE-091A-4B6E-A0E4-F7E0BA907422}" dt="2020-03-25T04:44:24.282" v="4048" actId="165"/>
-          <ac:grpSpMkLst>
-            <pc:docMk/>
-            <pc:sldMk cId="3037902655" sldId="260"/>
-            <ac:grpSpMk id="51" creationId="{9C7B1FC1-2461-488D-8002-4597F8156204}"/>
-          </ac:grpSpMkLst>
-        </pc:grpChg>
-        <pc:grpChg chg="mod topLvl">
-          <ac:chgData name="唐 崇斌 Edwin" userId="769f27267cb83406" providerId="LiveId" clId="{5950B5EE-091A-4B6E-A0E4-F7E0BA907422}" dt="2020-03-25T04:45:27.435" v="4119" actId="12789"/>
-          <ac:grpSpMkLst>
-            <pc:docMk/>
-            <pc:sldMk cId="3037902655" sldId="260"/>
-            <ac:grpSpMk id="53" creationId="{40830674-C4E9-46FF-83C2-8C98FE0B5BC8}"/>
-          </ac:grpSpMkLst>
-        </pc:grpChg>
-        <pc:grpChg chg="del">
-          <ac:chgData name="唐 崇斌 Edwin" userId="769f27267cb83406" providerId="LiveId" clId="{5950B5EE-091A-4B6E-A0E4-F7E0BA907422}" dt="2020-03-25T04:43:52.442" v="4042" actId="478"/>
-          <ac:grpSpMkLst>
-            <pc:docMk/>
-            <pc:sldMk cId="3037902655" sldId="260"/>
-            <ac:grpSpMk id="54" creationId="{B109E6A7-D2CF-4EE7-9A6E-8AD0279F2E4E}"/>
-          </ac:grpSpMkLst>
-        </pc:grpChg>
-        <pc:grpChg chg="add mod">
-          <ac:chgData name="唐 崇斌 Edwin" userId="769f27267cb83406" providerId="LiveId" clId="{5950B5EE-091A-4B6E-A0E4-F7E0BA907422}" dt="2020-03-25T05:00:08.494" v="4391" actId="1076"/>
-          <ac:grpSpMkLst>
-            <pc:docMk/>
-            <pc:sldMk cId="3037902655" sldId="260"/>
-            <ac:grpSpMk id="70" creationId="{C790FDAB-C34F-4E6F-B8D1-2BE33AC3B4EE}"/>
-          </ac:grpSpMkLst>
-        </pc:grpChg>
-        <pc:grpChg chg="mod">
-          <ac:chgData name="唐 崇斌 Edwin" userId="769f27267cb83406" providerId="LiveId" clId="{5950B5EE-091A-4B6E-A0E4-F7E0BA907422}" dt="2020-03-25T04:46:00.964" v="4166"/>
-          <ac:grpSpMkLst>
-            <pc:docMk/>
-            <pc:sldMk cId="3037902655" sldId="260"/>
-            <ac:grpSpMk id="72" creationId="{A0591254-D44E-4D9E-ACA9-0FFCA546A33B}"/>
-          </ac:grpSpMkLst>
-        </pc:grpChg>
-        <pc:grpChg chg="add del mod">
-          <ac:chgData name="唐 崇斌 Edwin" userId="769f27267cb83406" providerId="LiveId" clId="{5950B5EE-091A-4B6E-A0E4-F7E0BA907422}" dt="2020-03-25T04:48:01.532" v="4175"/>
-          <ac:grpSpMkLst>
-            <pc:docMk/>
-            <pc:sldMk cId="3037902655" sldId="260"/>
-            <ac:grpSpMk id="76" creationId="{49435C34-C77E-442D-B137-24AC05A8E5AC}"/>
-          </ac:grpSpMkLst>
-        </pc:grpChg>
-        <pc:grpChg chg="add mod">
-          <ac:chgData name="唐 崇斌 Edwin" userId="769f27267cb83406" providerId="LiveId" clId="{5950B5EE-091A-4B6E-A0E4-F7E0BA907422}" dt="2020-03-25T05:00:08.494" v="4391" actId="1076"/>
-          <ac:grpSpMkLst>
-            <pc:docMk/>
-            <pc:sldMk cId="3037902655" sldId="260"/>
-            <ac:grpSpMk id="85" creationId="{8296AABF-8CE7-4A28-B56D-5A37748C8C99}"/>
-          </ac:grpSpMkLst>
-        </pc:grpChg>
-        <pc:grpChg chg="del">
-          <ac:chgData name="唐 崇斌 Edwin" userId="769f27267cb83406" providerId="LiveId" clId="{5950B5EE-091A-4B6E-A0E4-F7E0BA907422}" dt="2020-03-25T04:52:04.593" v="4259" actId="478"/>
-          <ac:grpSpMkLst>
-            <pc:docMk/>
-            <pc:sldMk cId="3037902655" sldId="260"/>
-            <ac:grpSpMk id="87" creationId="{1F4C25A8-76B4-4D1D-99FA-DDED4CA23F5F}"/>
-          </ac:grpSpMkLst>
-        </pc:grpChg>
-        <pc:grpChg chg="add mod">
-          <ac:chgData name="唐 崇斌 Edwin" userId="769f27267cb83406" providerId="LiveId" clId="{5950B5EE-091A-4B6E-A0E4-F7E0BA907422}" dt="2020-03-25T05:00:08.494" v="4391" actId="1076"/>
-          <ac:grpSpMkLst>
-            <pc:docMk/>
-            <pc:sldMk cId="3037902655" sldId="260"/>
-            <ac:grpSpMk id="92" creationId="{D6BC32EA-F0EE-46F2-BE89-3234D1786CB4}"/>
-          </ac:grpSpMkLst>
-        </pc:grpChg>
-        <pc:grpChg chg="add mod">
-          <ac:chgData name="唐 崇斌 Edwin" userId="769f27267cb83406" providerId="LiveId" clId="{5950B5EE-091A-4B6E-A0E4-F7E0BA907422}" dt="2020-03-25T04:52:40.481" v="4264" actId="571"/>
-          <ac:grpSpMkLst>
-            <pc:docMk/>
-            <pc:sldMk cId="3037902655" sldId="260"/>
-            <ac:grpSpMk id="95" creationId="{3BD3072D-B3E4-4E49-BA89-9800DC138258}"/>
-          </ac:grpSpMkLst>
-        </pc:grpChg>
-        <pc:grpChg chg="add del mod">
-          <ac:chgData name="唐 崇斌 Edwin" userId="769f27267cb83406" providerId="LiveId" clId="{5950B5EE-091A-4B6E-A0E4-F7E0BA907422}" dt="2020-03-25T04:36:14.533" v="3873" actId="478"/>
-          <ac:grpSpMkLst>
-            <pc:docMk/>
-            <pc:sldMk cId="3037902655" sldId="260"/>
-            <ac:grpSpMk id="231" creationId="{C7FDC3FD-7734-4E55-9520-79D89EF89009}"/>
-          </ac:grpSpMkLst>
-        </pc:grpChg>
-        <pc:grpChg chg="del mod">
-          <ac:chgData name="唐 崇斌 Edwin" userId="769f27267cb83406" providerId="LiveId" clId="{5950B5EE-091A-4B6E-A0E4-F7E0BA907422}" dt="2020-03-25T04:38:24.842" v="3899" actId="165"/>
-          <ac:grpSpMkLst>
-            <pc:docMk/>
-            <pc:sldMk cId="3037902655" sldId="260"/>
-            <ac:grpSpMk id="242" creationId="{E410AC92-0266-425F-AA8C-C0DC5DEF4637}"/>
-          </ac:grpSpMkLst>
-        </pc:grpChg>
-        <pc:grpChg chg="del mod">
-          <ac:chgData name="唐 崇斌 Edwin" userId="769f27267cb83406" providerId="LiveId" clId="{5950B5EE-091A-4B6E-A0E4-F7E0BA907422}" dt="2020-03-25T04:30:32.298" v="3831"/>
-          <ac:grpSpMkLst>
-            <pc:docMk/>
-            <pc:sldMk cId="3037902655" sldId="260"/>
-            <ac:grpSpMk id="249" creationId="{33F97D15-CF3E-4FB1-81A7-D3AC26A34BD8}"/>
-          </ac:grpSpMkLst>
-        </pc:grpChg>
-        <pc:grpChg chg="del mod">
-          <ac:chgData name="唐 崇斌 Edwin" userId="769f27267cb83406" providerId="LiveId" clId="{5950B5EE-091A-4B6E-A0E4-F7E0BA907422}" dt="2020-03-25T04:30:32.298" v="3831"/>
-          <ac:grpSpMkLst>
-            <pc:docMk/>
-            <pc:sldMk cId="3037902655" sldId="260"/>
-            <ac:grpSpMk id="256" creationId="{4F1B97B5-3C15-40A8-95C1-5FBA6BD58F3F}"/>
-          </ac:grpSpMkLst>
-        </pc:grpChg>
-        <pc:grpChg chg="del mod">
-          <ac:chgData name="唐 崇斌 Edwin" userId="769f27267cb83406" providerId="LiveId" clId="{5950B5EE-091A-4B6E-A0E4-F7E0BA907422}" dt="2020-03-25T04:36:52.049" v="3878" actId="478"/>
-          <ac:grpSpMkLst>
-            <pc:docMk/>
-            <pc:sldMk cId="3037902655" sldId="260"/>
-            <ac:grpSpMk id="272" creationId="{6F3CCEA5-30ED-40BF-97F4-436C24FFAEBA}"/>
-          </ac:grpSpMkLst>
-        </pc:grpChg>
-        <pc:grpChg chg="del mod">
-          <ac:chgData name="唐 崇斌 Edwin" userId="769f27267cb83406" providerId="LiveId" clId="{5950B5EE-091A-4B6E-A0E4-F7E0BA907422}" dt="2020-03-25T04:36:32.244" v="3877" actId="478"/>
-          <ac:grpSpMkLst>
-            <pc:docMk/>
-            <pc:sldMk cId="3037902655" sldId="260"/>
-            <ac:grpSpMk id="276" creationId="{71CDEE4F-77A8-48A3-B813-12F904CF7203}"/>
-          </ac:grpSpMkLst>
-        </pc:grpChg>
-        <pc:picChg chg="add mod">
-          <ac:chgData name="唐 崇斌 Edwin" userId="769f27267cb83406" providerId="LiveId" clId="{5950B5EE-091A-4B6E-A0E4-F7E0BA907422}" dt="2020-03-25T04:56:08.274" v="4309" actId="164"/>
-          <ac:picMkLst>
-            <pc:docMk/>
-            <pc:sldMk cId="3037902655" sldId="260"/>
-            <ac:picMk id="17" creationId="{98297D5B-C176-4331-AD5B-603B56168AA9}"/>
-          </ac:picMkLst>
-        </pc:picChg>
-        <pc:picChg chg="add mod">
-          <ac:chgData name="唐 崇斌 Edwin" userId="769f27267cb83406" providerId="LiveId" clId="{5950B5EE-091A-4B6E-A0E4-F7E0BA907422}" dt="2020-03-25T04:31:08.455" v="3846" actId="164"/>
-          <ac:picMkLst>
-            <pc:docMk/>
-            <pc:sldMk cId="3037902655" sldId="260"/>
-            <ac:picMk id="30" creationId="{DBCDA28B-CC24-4C89-A7E4-FA8533AB652A}"/>
-          </ac:picMkLst>
-        </pc:picChg>
-        <pc:picChg chg="add mod">
-          <ac:chgData name="唐 崇斌 Edwin" userId="769f27267cb83406" providerId="LiveId" clId="{5950B5EE-091A-4B6E-A0E4-F7E0BA907422}" dt="2020-03-25T04:31:08.455" v="3846" actId="164"/>
-          <ac:picMkLst>
-            <pc:docMk/>
-            <pc:sldMk cId="3037902655" sldId="260"/>
-            <ac:picMk id="31" creationId="{64100895-308C-4E76-8283-3E0833980E5D}"/>
-          </ac:picMkLst>
-        </pc:picChg>
-        <pc:picChg chg="add mod">
-          <ac:chgData name="唐 崇斌 Edwin" userId="769f27267cb83406" providerId="LiveId" clId="{5950B5EE-091A-4B6E-A0E4-F7E0BA907422}" dt="2020-03-25T04:31:08.455" v="3846" actId="164"/>
-          <ac:picMkLst>
-            <pc:docMk/>
-            <pc:sldMk cId="3037902655" sldId="260"/>
-            <ac:picMk id="32" creationId="{CEAF9DA0-11A1-43A7-AAC8-EB1EBF4531B3}"/>
-          </ac:picMkLst>
-        </pc:picChg>
-        <pc:picChg chg="mod topLvl">
-          <ac:chgData name="唐 崇斌 Edwin" userId="769f27267cb83406" providerId="LiveId" clId="{5950B5EE-091A-4B6E-A0E4-F7E0BA907422}" dt="2020-03-25T05:00:08.494" v="4391" actId="1076"/>
-          <ac:picMkLst>
-            <pc:docMk/>
-            <pc:sldMk cId="3037902655" sldId="260"/>
-            <ac:picMk id="37" creationId="{42F3669A-B126-4C23-91C0-F3D6D6E30556}"/>
-          </ac:picMkLst>
-        </pc:picChg>
-        <pc:picChg chg="mod topLvl">
-          <ac:chgData name="唐 崇斌 Edwin" userId="769f27267cb83406" providerId="LiveId" clId="{5950B5EE-091A-4B6E-A0E4-F7E0BA907422}" dt="2020-03-25T04:50:20.722" v="4244" actId="408"/>
-          <ac:picMkLst>
-            <pc:docMk/>
-            <pc:sldMk cId="3037902655" sldId="260"/>
-            <ac:picMk id="40" creationId="{6A383AF6-7C0F-4058-8D59-3E0F10E2EB06}"/>
-          </ac:picMkLst>
-        </pc:picChg>
-        <pc:picChg chg="mod topLvl">
-          <ac:chgData name="唐 崇斌 Edwin" userId="769f27267cb83406" providerId="LiveId" clId="{5950B5EE-091A-4B6E-A0E4-F7E0BA907422}" dt="2020-03-25T04:50:20.722" v="4244" actId="408"/>
-          <ac:picMkLst>
-            <pc:docMk/>
-            <pc:sldMk cId="3037902655" sldId="260"/>
-            <ac:picMk id="41" creationId="{63A57BEE-6F50-46D0-9E1D-20EFDF33BA98}"/>
-          </ac:picMkLst>
-        </pc:picChg>
-        <pc:picChg chg="mod topLvl">
-          <ac:chgData name="唐 崇斌 Edwin" userId="769f27267cb83406" providerId="LiveId" clId="{5950B5EE-091A-4B6E-A0E4-F7E0BA907422}" dt="2020-03-25T04:50:20.722" v="4244" actId="408"/>
-          <ac:picMkLst>
-            <pc:docMk/>
-            <pc:sldMk cId="3037902655" sldId="260"/>
-            <ac:picMk id="42" creationId="{DA1A549A-6F28-4E2A-B566-7D45910BD5CB}"/>
-          </ac:picMkLst>
-        </pc:picChg>
-        <pc:picChg chg="mod topLvl">
-          <ac:chgData name="唐 崇斌 Edwin" userId="769f27267cb83406" providerId="LiveId" clId="{5950B5EE-091A-4B6E-A0E4-F7E0BA907422}" dt="2020-03-25T04:50:20.722" v="4244" actId="408"/>
-          <ac:picMkLst>
-            <pc:docMk/>
-            <pc:sldMk cId="3037902655" sldId="260"/>
-            <ac:picMk id="43" creationId="{16446ED6-36E7-4B4C-993C-825C82C6288A}"/>
-          </ac:picMkLst>
-        </pc:picChg>
-        <pc:picChg chg="mod topLvl">
-          <ac:chgData name="唐 崇斌 Edwin" userId="769f27267cb83406" providerId="LiveId" clId="{5950B5EE-091A-4B6E-A0E4-F7E0BA907422}" dt="2020-03-25T04:50:20.722" v="4244" actId="408"/>
-          <ac:picMkLst>
-            <pc:docMk/>
-            <pc:sldMk cId="3037902655" sldId="260"/>
-            <ac:picMk id="44" creationId="{3D43E315-DE59-40FC-A3EA-79E4BC509848}"/>
-          </ac:picMkLst>
-        </pc:picChg>
-        <pc:picChg chg="del">
-          <ac:chgData name="唐 崇斌 Edwin" userId="769f27267cb83406" providerId="LiveId" clId="{5950B5EE-091A-4B6E-A0E4-F7E0BA907422}" dt="2020-03-25T04:43:52.442" v="4042" actId="478"/>
-          <ac:picMkLst>
-            <pc:docMk/>
-            <pc:sldMk cId="3037902655" sldId="260"/>
-            <ac:picMk id="55" creationId="{610B5588-B634-4775-9AAD-0A35C0FFA1D1}"/>
-          </ac:picMkLst>
-        </pc:picChg>
-        <pc:picChg chg="del">
-          <ac:chgData name="唐 崇斌 Edwin" userId="769f27267cb83406" providerId="LiveId" clId="{5950B5EE-091A-4B6E-A0E4-F7E0BA907422}" dt="2020-03-25T04:43:52.442" v="4042" actId="478"/>
-          <ac:picMkLst>
-            <pc:docMk/>
-            <pc:sldMk cId="3037902655" sldId="260"/>
-            <ac:picMk id="56" creationId="{31459FA5-D35F-45C4-8E8C-85685C003996}"/>
-          </ac:picMkLst>
-        </pc:picChg>
-        <pc:picChg chg="mod">
-          <ac:chgData name="唐 崇斌 Edwin" userId="769f27267cb83406" providerId="LiveId" clId="{5950B5EE-091A-4B6E-A0E4-F7E0BA907422}" dt="2020-03-25T04:44:33.018" v="4050" actId="408"/>
-          <ac:picMkLst>
-            <pc:docMk/>
-            <pc:sldMk cId="3037902655" sldId="260"/>
-            <ac:picMk id="57" creationId="{D6A1F167-E379-4550-9201-24474925DA5F}"/>
-          </ac:picMkLst>
-        </pc:picChg>
-        <pc:picChg chg="del mod">
-          <ac:chgData name="唐 崇斌 Edwin" userId="769f27267cb83406" providerId="LiveId" clId="{5950B5EE-091A-4B6E-A0E4-F7E0BA907422}" dt="2020-03-25T04:43:52.442" v="4042" actId="478"/>
-          <ac:picMkLst>
-            <pc:docMk/>
-            <pc:sldMk cId="3037902655" sldId="260"/>
-            <ac:picMk id="58" creationId="{22B6C6B5-A766-4968-8B34-E400DAF40E09}"/>
-          </ac:picMkLst>
-        </pc:picChg>
-        <pc:picChg chg="mod">
-          <ac:chgData name="唐 崇斌 Edwin" userId="769f27267cb83406" providerId="LiveId" clId="{5950B5EE-091A-4B6E-A0E4-F7E0BA907422}" dt="2020-03-25T04:44:33.018" v="4050" actId="408"/>
-          <ac:picMkLst>
-            <pc:docMk/>
-            <pc:sldMk cId="3037902655" sldId="260"/>
-            <ac:picMk id="59" creationId="{D1B37D41-323B-4ED6-A6B5-0B59FAD22B4C}"/>
-          </ac:picMkLst>
-        </pc:picChg>
-        <pc:picChg chg="del">
-          <ac:chgData name="唐 崇斌 Edwin" userId="769f27267cb83406" providerId="LiveId" clId="{5950B5EE-091A-4B6E-A0E4-F7E0BA907422}" dt="2020-03-25T04:43:52.442" v="4042" actId="478"/>
-          <ac:picMkLst>
-            <pc:docMk/>
-            <pc:sldMk cId="3037902655" sldId="260"/>
-            <ac:picMk id="60" creationId="{3B1E579F-F649-4434-80D2-EE43727AEADE}"/>
-          </ac:picMkLst>
-        </pc:picChg>
-        <pc:picChg chg="del">
-          <ac:chgData name="唐 崇斌 Edwin" userId="769f27267cb83406" providerId="LiveId" clId="{5950B5EE-091A-4B6E-A0E4-F7E0BA907422}" dt="2020-03-25T04:43:52.442" v="4042" actId="478"/>
-          <ac:picMkLst>
-            <pc:docMk/>
-            <pc:sldMk cId="3037902655" sldId="260"/>
-            <ac:picMk id="61" creationId="{CE28E7F2-4B3D-4F9E-9838-83D45D54AE62}"/>
-          </ac:picMkLst>
-        </pc:picChg>
-        <pc:picChg chg="mod">
-          <ac:chgData name="唐 崇斌 Edwin" userId="769f27267cb83406" providerId="LiveId" clId="{5950B5EE-091A-4B6E-A0E4-F7E0BA907422}" dt="2020-03-25T04:44:33.018" v="4050" actId="408"/>
-          <ac:picMkLst>
-            <pc:docMk/>
-            <pc:sldMk cId="3037902655" sldId="260"/>
-            <ac:picMk id="62" creationId="{92E7CFDB-5266-444B-84B7-F9E48113B6B6}"/>
-          </ac:picMkLst>
-        </pc:picChg>
-        <pc:picChg chg="del">
-          <ac:chgData name="唐 崇斌 Edwin" userId="769f27267cb83406" providerId="LiveId" clId="{5950B5EE-091A-4B6E-A0E4-F7E0BA907422}" dt="2020-03-25T04:43:52.442" v="4042" actId="478"/>
-          <ac:picMkLst>
-            <pc:docMk/>
-            <pc:sldMk cId="3037902655" sldId="260"/>
-            <ac:picMk id="63" creationId="{BC09439E-F506-4691-BFBA-474AF04C046C}"/>
-          </ac:picMkLst>
-        </pc:picChg>
-        <pc:picChg chg="del">
-          <ac:chgData name="唐 崇斌 Edwin" userId="769f27267cb83406" providerId="LiveId" clId="{5950B5EE-091A-4B6E-A0E4-F7E0BA907422}" dt="2020-03-25T04:52:04.593" v="4259" actId="478"/>
-          <ac:picMkLst>
-            <pc:docMk/>
-            <pc:sldMk cId="3037902655" sldId="260"/>
-            <ac:picMk id="88" creationId="{1FC7AE28-2BCF-413F-8C70-78EF7B1C78A9}"/>
-          </ac:picMkLst>
-        </pc:picChg>
-        <pc:picChg chg="del">
-          <ac:chgData name="唐 崇斌 Edwin" userId="769f27267cb83406" providerId="LiveId" clId="{5950B5EE-091A-4B6E-A0E4-F7E0BA907422}" dt="2020-03-25T04:52:04.593" v="4259" actId="478"/>
-          <ac:picMkLst>
-            <pc:docMk/>
-            <pc:sldMk cId="3037902655" sldId="260"/>
-            <ac:picMk id="90" creationId="{541AE307-175E-4428-8423-D65A8D0758EE}"/>
-          </ac:picMkLst>
-        </pc:picChg>
-        <pc:picChg chg="del">
-          <ac:chgData name="唐 崇斌 Edwin" userId="769f27267cb83406" providerId="LiveId" clId="{5950B5EE-091A-4B6E-A0E4-F7E0BA907422}" dt="2020-03-25T04:52:04.593" v="4259" actId="478"/>
-          <ac:picMkLst>
-            <pc:docMk/>
-            <pc:sldMk cId="3037902655" sldId="260"/>
-            <ac:picMk id="91" creationId="{AD672D35-BC99-4DF2-9ADA-FD3A2D4BB2C2}"/>
-          </ac:picMkLst>
-        </pc:picChg>
-        <pc:picChg chg="del mod">
-          <ac:chgData name="唐 崇斌 Edwin" userId="769f27267cb83406" providerId="LiveId" clId="{5950B5EE-091A-4B6E-A0E4-F7E0BA907422}" dt="2020-03-25T04:33:16.018" v="3859" actId="478"/>
-          <ac:picMkLst>
-            <pc:docMk/>
-            <pc:sldMk cId="3037902655" sldId="260"/>
-            <ac:picMk id="237" creationId="{CCC36057-6DAE-4E75-AA9E-D5EAB8B462E1}"/>
-          </ac:picMkLst>
-        </pc:picChg>
-        <pc:picChg chg="del mod">
-          <ac:chgData name="唐 崇斌 Edwin" userId="769f27267cb83406" providerId="LiveId" clId="{5950B5EE-091A-4B6E-A0E4-F7E0BA907422}" dt="2020-03-25T04:30:32.298" v="3831"/>
-          <ac:picMkLst>
-            <pc:docMk/>
-            <pc:sldMk cId="3037902655" sldId="260"/>
-            <ac:picMk id="250" creationId="{ACD6A9F4-8EFF-4A46-ACDF-59F2CE8DF241}"/>
-          </ac:picMkLst>
-        </pc:picChg>
-        <pc:picChg chg="del mod">
-          <ac:chgData name="唐 崇斌 Edwin" userId="769f27267cb83406" providerId="LiveId" clId="{5950B5EE-091A-4B6E-A0E4-F7E0BA907422}" dt="2020-03-25T04:30:32.298" v="3831"/>
-          <ac:picMkLst>
-            <pc:docMk/>
-            <pc:sldMk cId="3037902655" sldId="260"/>
-            <ac:picMk id="251" creationId="{8D8B0613-CDEA-4B1E-991C-7212B29BE258}"/>
-          </ac:picMkLst>
-        </pc:picChg>
-        <pc:picChg chg="del mod">
-          <ac:chgData name="唐 崇斌 Edwin" userId="769f27267cb83406" providerId="LiveId" clId="{5950B5EE-091A-4B6E-A0E4-F7E0BA907422}" dt="2020-03-25T04:30:32.298" v="3831"/>
-          <ac:picMkLst>
-            <pc:docMk/>
-            <pc:sldMk cId="3037902655" sldId="260"/>
-            <ac:picMk id="252" creationId="{E7BD2F19-AD41-4CAF-95D8-792B7034F67D}"/>
-          </ac:picMkLst>
-        </pc:picChg>
-        <pc:picChg chg="add mod topLvl">
-          <ac:chgData name="唐 崇斌 Edwin" userId="769f27267cb83406" providerId="LiveId" clId="{5950B5EE-091A-4B6E-A0E4-F7E0BA907422}" dt="2020-03-25T04:50:20.722" v="4244" actId="408"/>
-          <ac:picMkLst>
-            <pc:docMk/>
-            <pc:sldMk cId="3037902655" sldId="260"/>
-            <ac:picMk id="1026" creationId="{E70BF45E-579F-490E-B728-9A2ACF53ACFF}"/>
-          </ac:picMkLst>
-        </pc:picChg>
-        <pc:cxnChg chg="add mod">
-          <ac:chgData name="唐 崇斌 Edwin" userId="769f27267cb83406" providerId="LiveId" clId="{5950B5EE-091A-4B6E-A0E4-F7E0BA907422}" dt="2020-03-25T05:00:25.915" v="4395" actId="14100"/>
-          <ac:cxnSpMkLst>
-            <pc:docMk/>
-            <pc:sldMk cId="3037902655" sldId="260"/>
-            <ac:cxnSpMk id="66" creationId="{92F011BC-43FB-432A-8804-136312274809}"/>
-          </ac:cxnSpMkLst>
-        </pc:cxnChg>
-        <pc:cxnChg chg="add mod">
-          <ac:chgData name="唐 崇斌 Edwin" userId="769f27267cb83406" providerId="LiveId" clId="{5950B5EE-091A-4B6E-A0E4-F7E0BA907422}" dt="2020-03-25T05:00:08.494" v="4391" actId="1076"/>
-          <ac:cxnSpMkLst>
-            <pc:docMk/>
-            <pc:sldMk cId="3037902655" sldId="260"/>
-            <ac:cxnSpMk id="82" creationId="{840FF86F-8FD1-44EC-B79C-D0660E43EA96}"/>
-          </ac:cxnSpMkLst>
-        </pc:cxnChg>
-        <pc:cxnChg chg="add mod">
-          <ac:chgData name="唐 崇斌 Edwin" userId="769f27267cb83406" providerId="LiveId" clId="{5950B5EE-091A-4B6E-A0E4-F7E0BA907422}" dt="2020-03-25T05:00:08.494" v="4391" actId="1076"/>
-          <ac:cxnSpMkLst>
-            <pc:docMk/>
-            <pc:sldMk cId="3037902655" sldId="260"/>
-            <ac:cxnSpMk id="84" creationId="{B445162C-AF38-4C80-9EED-559F8C008428}"/>
-          </ac:cxnSpMkLst>
-        </pc:cxnChg>
-        <pc:cxnChg chg="add mod ord">
-          <ac:chgData name="唐 崇斌 Edwin" userId="769f27267cb83406" providerId="LiveId" clId="{5950B5EE-091A-4B6E-A0E4-F7E0BA907422}" dt="2020-03-25T05:00:08.494" v="4391" actId="1076"/>
-          <ac:cxnSpMkLst>
-            <pc:docMk/>
-            <pc:sldMk cId="3037902655" sldId="260"/>
-            <ac:cxnSpMk id="98" creationId="{70ADA928-6E3C-4F8F-9034-6B28B322708F}"/>
-          </ac:cxnSpMkLst>
-        </pc:cxnChg>
-        <pc:cxnChg chg="add mod">
-          <ac:chgData name="唐 崇斌 Edwin" userId="769f27267cb83406" providerId="LiveId" clId="{5950B5EE-091A-4B6E-A0E4-F7E0BA907422}" dt="2020-03-25T04:53:33.266" v="4281" actId="571"/>
-          <ac:cxnSpMkLst>
-            <pc:docMk/>
-            <pc:sldMk cId="3037902655" sldId="260"/>
-            <ac:cxnSpMk id="99" creationId="{D220B582-6DF7-49CA-8A30-ADFC5ADDC5B3}"/>
-          </ac:cxnSpMkLst>
-        </pc:cxnChg>
-        <pc:cxnChg chg="add mod">
-          <ac:chgData name="唐 崇斌 Edwin" userId="769f27267cb83406" providerId="LiveId" clId="{5950B5EE-091A-4B6E-A0E4-F7E0BA907422}" dt="2020-03-25T05:00:08.494" v="4391" actId="1076"/>
-          <ac:cxnSpMkLst>
-            <pc:docMk/>
-            <pc:sldMk cId="3037902655" sldId="260"/>
-            <ac:cxnSpMk id="100" creationId="{D492A8E1-45AA-469A-80B6-6900283EEF02}"/>
-          </ac:cxnSpMkLst>
-        </pc:cxnChg>
-        <pc:cxnChg chg="del mod">
-          <ac:chgData name="唐 崇斌 Edwin" userId="769f27267cb83406" providerId="LiveId" clId="{5950B5EE-091A-4B6E-A0E4-F7E0BA907422}" dt="2020-03-25T04:38:15.202" v="3895" actId="478"/>
-          <ac:cxnSpMkLst>
-            <pc:docMk/>
-            <pc:sldMk cId="3037902655" sldId="260"/>
-            <ac:cxnSpMk id="265" creationId="{3FD3BE06-9F73-4E00-8FBF-13F65A946C11}"/>
-          </ac:cxnSpMkLst>
-        </pc:cxnChg>
-        <pc:cxnChg chg="del mod">
-          <ac:chgData name="唐 崇斌 Edwin" userId="769f27267cb83406" providerId="LiveId" clId="{5950B5EE-091A-4B6E-A0E4-F7E0BA907422}" dt="2020-03-25T04:53:15.328" v="4275" actId="478"/>
-          <ac:cxnSpMkLst>
-            <pc:docMk/>
-            <pc:sldMk cId="3037902655" sldId="260"/>
-            <ac:cxnSpMk id="278" creationId="{AB273FED-E25C-413B-827C-169718954686}"/>
-          </ac:cxnSpMkLst>
-        </pc:cxnChg>
-      </pc:sldChg>
-      <pc:sldChg chg="addSp delSp modSp ord">
-        <pc:chgData name="唐 崇斌 Edwin" userId="769f27267cb83406" providerId="LiveId" clId="{5950B5EE-091A-4B6E-A0E4-F7E0BA907422}" dt="2020-03-25T04:28:49.518" v="3819"/>
-        <pc:sldMkLst>
-          <pc:docMk/>
-          <pc:sldMk cId="1166616651" sldId="261"/>
-        </pc:sldMkLst>
-        <pc:spChg chg="add mod">
-          <ac:chgData name="唐 崇斌 Edwin" userId="769f27267cb83406" providerId="LiveId" clId="{5950B5EE-091A-4B6E-A0E4-F7E0BA907422}" dt="2020-03-23T14:08:27.165" v="37" actId="1076"/>
-          <ac:spMkLst>
-            <pc:docMk/>
-            <pc:sldMk cId="1166616651" sldId="261"/>
-            <ac:spMk id="66" creationId="{3A39C45B-D865-4680-A88C-B8B7B6623B26}"/>
-          </ac:spMkLst>
-        </pc:spChg>
-        <pc:spChg chg="mod">
-          <ac:chgData name="唐 崇斌 Edwin" userId="769f27267cb83406" providerId="LiveId" clId="{5950B5EE-091A-4B6E-A0E4-F7E0BA907422}" dt="2020-03-23T14:10:17.229" v="38" actId="693"/>
-          <ac:spMkLst>
-            <pc:docMk/>
-            <pc:sldMk cId="1166616651" sldId="261"/>
-            <ac:spMk id="108" creationId="{8D2451B4-5A7E-4456-9AEB-2140050CD8E3}"/>
-          </ac:spMkLst>
-        </pc:spChg>
-        <pc:spChg chg="del">
-          <ac:chgData name="唐 崇斌 Edwin" userId="769f27267cb83406" providerId="LiveId" clId="{5950B5EE-091A-4B6E-A0E4-F7E0BA907422}" dt="2020-03-23T14:07:45.225" v="20" actId="478"/>
-          <ac:spMkLst>
-            <pc:docMk/>
-            <pc:sldMk cId="1166616651" sldId="261"/>
-            <ac:spMk id="144" creationId="{2D935B3F-65AF-4663-8A62-F22F6F3D1045}"/>
-          </ac:spMkLst>
-        </pc:spChg>
-        <pc:spChg chg="mod">
-          <ac:chgData name="唐 崇斌 Edwin" userId="769f27267cb83406" providerId="LiveId" clId="{5950B5EE-091A-4B6E-A0E4-F7E0BA907422}" dt="2020-03-23T14:07:31.287" v="17" actId="1076"/>
-          <ac:spMkLst>
-            <pc:docMk/>
-            <pc:sldMk cId="1166616651" sldId="261"/>
-            <ac:spMk id="198" creationId="{4AB548EE-86D9-41C2-89D1-899B548E3A95}"/>
-          </ac:spMkLst>
-        </pc:spChg>
-        <pc:spChg chg="mod">
-          <ac:chgData name="唐 崇斌 Edwin" userId="769f27267cb83406" providerId="LiveId" clId="{5950B5EE-091A-4B6E-A0E4-F7E0BA907422}" dt="2020-03-23T14:08:18.531" v="36" actId="20577"/>
-          <ac:spMkLst>
-            <pc:docMk/>
-            <pc:sldMk cId="1166616651" sldId="261"/>
-            <ac:spMk id="218" creationId="{673A29C4-10CC-481F-AEC6-1CDE88CCDDAE}"/>
-          </ac:spMkLst>
-        </pc:spChg>
-        <pc:grpChg chg="add mod">
-          <ac:chgData name="唐 崇斌 Edwin" userId="769f27267cb83406" providerId="LiveId" clId="{5950B5EE-091A-4B6E-A0E4-F7E0BA907422}" dt="2020-03-23T14:07:27.116" v="16" actId="1076"/>
-          <ac:grpSpMkLst>
-            <pc:docMk/>
-            <pc:sldMk cId="1166616651" sldId="261"/>
-            <ac:grpSpMk id="2" creationId="{3BDA039D-BCBE-49DA-9EE4-78F79CD5943C}"/>
-          </ac:grpSpMkLst>
-        </pc:grpChg>
-        <pc:grpChg chg="mod ord">
-          <ac:chgData name="唐 崇斌 Edwin" userId="769f27267cb83406" providerId="LiveId" clId="{5950B5EE-091A-4B6E-A0E4-F7E0BA907422}" dt="2020-03-23T14:08:04.259" v="28" actId="166"/>
-          <ac:grpSpMkLst>
-            <pc:docMk/>
-            <pc:sldMk cId="1166616651" sldId="261"/>
-            <ac:grpSpMk id="16" creationId="{63A7B5DD-25BA-4A60-B5F3-E33A13A8BB76}"/>
-          </ac:grpSpMkLst>
-        </pc:grpChg>
-        <pc:grpChg chg="add del">
-          <ac:chgData name="唐 崇斌 Edwin" userId="769f27267cb83406" providerId="LiveId" clId="{5950B5EE-091A-4B6E-A0E4-F7E0BA907422}" dt="2020-03-23T16:31:30.798" v="1484"/>
-          <ac:grpSpMkLst>
-            <pc:docMk/>
-            <pc:sldMk cId="1166616651" sldId="261"/>
-            <ac:grpSpMk id="65" creationId="{6794C3F4-02C2-4EA0-95CA-7ECCDB5FEFBC}"/>
-          </ac:grpSpMkLst>
-        </pc:grpChg>
-        <pc:grpChg chg="add del">
-          <ac:chgData name="唐 崇斌 Edwin" userId="769f27267cb83406" providerId="LiveId" clId="{5950B5EE-091A-4B6E-A0E4-F7E0BA907422}" dt="2020-03-23T16:31:37.234" v="1488"/>
-          <ac:grpSpMkLst>
-            <pc:docMk/>
-            <pc:sldMk cId="1166616651" sldId="261"/>
-            <ac:grpSpMk id="74" creationId="{03961420-F2CD-43F4-97FC-700061D7C422}"/>
-          </ac:grpSpMkLst>
-        </pc:grpChg>
-        <pc:grpChg chg="mod">
-          <ac:chgData name="唐 崇斌 Edwin" userId="769f27267cb83406" providerId="LiveId" clId="{5950B5EE-091A-4B6E-A0E4-F7E0BA907422}" dt="2020-03-23T14:07:19.118" v="14" actId="164"/>
-          <ac:grpSpMkLst>
-            <pc:docMk/>
-            <pc:sldMk cId="1166616651" sldId="261"/>
-            <ac:grpSpMk id="231" creationId="{C7FDC3FD-7734-4E55-9520-79D89EF89009}"/>
-          </ac:grpSpMkLst>
-        </pc:grpChg>
-        <pc:cxnChg chg="add del mod">
-          <ac:chgData name="唐 崇斌 Edwin" userId="769f27267cb83406" providerId="LiveId" clId="{5950B5EE-091A-4B6E-A0E4-F7E0BA907422}" dt="2020-03-23T14:08:02.340" v="27" actId="14100"/>
-          <ac:cxnSpMkLst>
-            <pc:docMk/>
-            <pc:sldMk cId="1166616651" sldId="261"/>
-            <ac:cxnSpMk id="20" creationId="{58D6F731-7271-486D-BE38-1BE49FAE8F9F}"/>
-          </ac:cxnSpMkLst>
-        </pc:cxnChg>
-        <pc:cxnChg chg="del mod">
-          <ac:chgData name="唐 崇斌 Edwin" userId="769f27267cb83406" providerId="LiveId" clId="{5950B5EE-091A-4B6E-A0E4-F7E0BA907422}" dt="2020-03-23T14:07:58.539" v="26" actId="478"/>
-          <ac:cxnSpMkLst>
-            <pc:docMk/>
-            <pc:sldMk cId="1166616651" sldId="261"/>
-            <ac:cxnSpMk id="145" creationId="{2A1E6060-9416-473E-97A8-86A53ADD2BD3}"/>
-          </ac:cxnSpMkLst>
-        </pc:cxnChg>
-        <pc:cxnChg chg="mod">
-          <ac:chgData name="唐 崇斌 Edwin" userId="769f27267cb83406" providerId="LiveId" clId="{5950B5EE-091A-4B6E-A0E4-F7E0BA907422}" dt="2020-03-23T14:07:19.118" v="14" actId="164"/>
-          <ac:cxnSpMkLst>
-            <pc:docMk/>
-            <pc:sldMk cId="1166616651" sldId="261"/>
-            <ac:cxnSpMk id="232" creationId="{0CBFD6A4-7719-4C83-BB40-C8ECB7900A08}"/>
-          </ac:cxnSpMkLst>
-        </pc:cxnChg>
-      </pc:sldChg>
-      <pc:sldChg chg="addSp delSp modSp add">
-        <pc:chgData name="唐 崇斌 Edwin" userId="769f27267cb83406" providerId="LiveId" clId="{5950B5EE-091A-4B6E-A0E4-F7E0BA907422}" dt="2020-03-25T13:07:43.043" v="4420" actId="693"/>
-        <pc:sldMkLst>
-          <pc:docMk/>
-          <pc:sldMk cId="2642943566" sldId="262"/>
-        </pc:sldMkLst>
-        <pc:spChg chg="mod">
-          <ac:chgData name="唐 崇斌 Edwin" userId="769f27267cb83406" providerId="LiveId" clId="{5950B5EE-091A-4B6E-A0E4-F7E0BA907422}" dt="2020-03-23T14:15:57.167" v="138" actId="164"/>
-          <ac:spMkLst>
-            <pc:docMk/>
-            <pc:sldMk cId="2642943566" sldId="262"/>
-            <ac:spMk id="66" creationId="{3A39C45B-D865-4680-A88C-B8B7B6623B26}"/>
-          </ac:spMkLst>
-        </pc:spChg>
-        <pc:spChg chg="del mod">
-          <ac:chgData name="唐 崇斌 Edwin" userId="769f27267cb83406" providerId="LiveId" clId="{5950B5EE-091A-4B6E-A0E4-F7E0BA907422}" dt="2020-03-23T15:05:03.654" v="1028" actId="478"/>
-          <ac:spMkLst>
-            <pc:docMk/>
-            <pc:sldMk cId="2642943566" sldId="262"/>
-            <ac:spMk id="67" creationId="{A125C8C6-AB2D-4863-81D4-35A5309F3B5D}"/>
-          </ac:spMkLst>
-        </pc:spChg>
-        <pc:spChg chg="add mod">
-          <ac:chgData name="唐 崇斌 Edwin" userId="769f27267cb83406" providerId="LiveId" clId="{5950B5EE-091A-4B6E-A0E4-F7E0BA907422}" dt="2020-03-23T16:57:38.284" v="2458" actId="1076"/>
-          <ac:spMkLst>
-            <pc:docMk/>
-            <pc:sldMk cId="2642943566" sldId="262"/>
-            <ac:spMk id="73" creationId="{EEE8FC07-3146-4A66-AC9D-3E8A7036BEDE}"/>
-          </ac:spMkLst>
-        </pc:spChg>
-        <pc:spChg chg="del mod topLvl">
-          <ac:chgData name="唐 崇斌 Edwin" userId="769f27267cb83406" providerId="LiveId" clId="{5950B5EE-091A-4B6E-A0E4-F7E0BA907422}" dt="2020-03-23T16:57:43.339" v="2465" actId="478"/>
-          <ac:spMkLst>
-            <pc:docMk/>
-            <pc:sldMk cId="2642943566" sldId="262"/>
-            <ac:spMk id="91" creationId="{18942709-C62A-4C09-96C2-3D84008BB1DB}"/>
-          </ac:spMkLst>
-        </pc:spChg>
-        <pc:spChg chg="add del mod ord topLvl">
-          <ac:chgData name="唐 崇斌 Edwin" userId="769f27267cb83406" providerId="LiveId" clId="{5950B5EE-091A-4B6E-A0E4-F7E0BA907422}" dt="2020-03-23T16:57:43.339" v="2465" actId="478"/>
-          <ac:spMkLst>
-            <pc:docMk/>
-            <pc:sldMk cId="2642943566" sldId="262"/>
-            <ac:spMk id="96" creationId="{9DABE4BD-B368-472F-871B-6C3DEE6FBC65}"/>
-          </ac:spMkLst>
-        </pc:spChg>
-        <pc:spChg chg="del mod">
-          <ac:chgData name="唐 崇斌 Edwin" userId="769f27267cb83406" providerId="LiveId" clId="{5950B5EE-091A-4B6E-A0E4-F7E0BA907422}" dt="2020-03-23T14:51:12.617" v="536" actId="478"/>
-          <ac:spMkLst>
-            <pc:docMk/>
-            <pc:sldMk cId="2642943566" sldId="262"/>
-            <ac:spMk id="97" creationId="{DB33936C-85B3-485A-9A4C-AF6065BD5FB4}"/>
-          </ac:spMkLst>
-        </pc:spChg>
-        <pc:spChg chg="del">
-          <ac:chgData name="唐 崇斌 Edwin" userId="769f27267cb83406" providerId="LiveId" clId="{5950B5EE-091A-4B6E-A0E4-F7E0BA907422}" dt="2020-03-23T14:14:27.123" v="40" actId="478"/>
-          <ac:spMkLst>
-            <pc:docMk/>
-            <pc:sldMk cId="2642943566" sldId="262"/>
-            <ac:spMk id="99" creationId="{00C37BC6-AF06-44E7-9F9C-F65BC3232D2A}"/>
-          </ac:spMkLst>
-        </pc:spChg>
-        <pc:spChg chg="del mod topLvl">
-          <ac:chgData name="唐 崇斌 Edwin" userId="769f27267cb83406" providerId="LiveId" clId="{5950B5EE-091A-4B6E-A0E4-F7E0BA907422}" dt="2020-03-23T16:57:43.339" v="2465" actId="478"/>
-          <ac:spMkLst>
-            <pc:docMk/>
-            <pc:sldMk cId="2642943566" sldId="262"/>
-            <ac:spMk id="108" creationId="{8D2451B4-5A7E-4456-9AEB-2140050CD8E3}"/>
-          </ac:spMkLst>
-        </pc:spChg>
-        <pc:spChg chg="mod">
-          <ac:chgData name="唐 崇斌 Edwin" userId="769f27267cb83406" providerId="LiveId" clId="{5950B5EE-091A-4B6E-A0E4-F7E0BA907422}" dt="2020-03-23T16:38:47.609" v="1541" actId="1076"/>
-          <ac:spMkLst>
-            <pc:docMk/>
-            <pc:sldMk cId="2642943566" sldId="262"/>
-            <ac:spMk id="112" creationId="{B9DC4382-D70D-4F58-AB53-A311A98D486F}"/>
-          </ac:spMkLst>
-        </pc:spChg>
-        <pc:spChg chg="del">
-          <ac:chgData name="唐 崇斌 Edwin" userId="769f27267cb83406" providerId="LiveId" clId="{5950B5EE-091A-4B6E-A0E4-F7E0BA907422}" dt="2020-03-23T14:14:28.915" v="41" actId="478"/>
-          <ac:spMkLst>
-            <pc:docMk/>
-            <pc:sldMk cId="2642943566" sldId="262"/>
-            <ac:spMk id="112" creationId="{BDB867D4-8A12-4602-8B32-7B5488302359}"/>
-          </ac:spMkLst>
-        </pc:spChg>
-        <pc:spChg chg="add del mod ord topLvl">
-          <ac:chgData name="唐 崇斌 Edwin" userId="769f27267cb83406" providerId="LiveId" clId="{5950B5EE-091A-4B6E-A0E4-F7E0BA907422}" dt="2020-03-23T16:57:43.339" v="2465" actId="478"/>
-          <ac:spMkLst>
-            <pc:docMk/>
-            <pc:sldMk cId="2642943566" sldId="262"/>
-            <ac:spMk id="124" creationId="{6D291F6E-5D95-40E1-8C1C-776433FCF543}"/>
-          </ac:spMkLst>
-        </pc:spChg>
-        <pc:spChg chg="del mod topLvl">
-          <ac:chgData name="唐 崇斌 Edwin" userId="769f27267cb83406" providerId="LiveId" clId="{5950B5EE-091A-4B6E-A0E4-F7E0BA907422}" dt="2020-03-23T16:57:43.339" v="2465" actId="478"/>
-          <ac:spMkLst>
-            <pc:docMk/>
-            <pc:sldMk cId="2642943566" sldId="262"/>
-            <ac:spMk id="142" creationId="{E25BAEBA-8F45-435A-8A3B-A30C6BD1F3BD}"/>
-          </ac:spMkLst>
-        </pc:spChg>
-        <pc:spChg chg="del mod">
-          <ac:chgData name="唐 崇斌 Edwin" userId="769f27267cb83406" providerId="LiveId" clId="{5950B5EE-091A-4B6E-A0E4-F7E0BA907422}" dt="2020-03-23T14:51:51.008" v="546" actId="478"/>
-          <ac:spMkLst>
-            <pc:docMk/>
-            <pc:sldMk cId="2642943566" sldId="262"/>
-            <ac:spMk id="143" creationId="{7A03E50A-7DDE-4E4C-AF18-075ECF418E9C}"/>
-          </ac:spMkLst>
-        </pc:spChg>
-        <pc:spChg chg="add mod">
-          <ac:chgData name="唐 崇斌 Edwin" userId="769f27267cb83406" providerId="LiveId" clId="{5950B5EE-091A-4B6E-A0E4-F7E0BA907422}" dt="2020-03-23T15:07:48.699" v="1078" actId="14100"/>
-          <ac:spMkLst>
-            <pc:docMk/>
-            <pc:sldMk cId="2642943566" sldId="262"/>
-            <ac:spMk id="149" creationId="{51CA8F7A-863D-4AF6-AB75-6E4580405261}"/>
-          </ac:spMkLst>
-        </pc:spChg>
-        <pc:spChg chg="add mod">
-          <ac:chgData name="唐 崇斌 Edwin" userId="769f27267cb83406" providerId="LiveId" clId="{5950B5EE-091A-4B6E-A0E4-F7E0BA907422}" dt="2020-03-23T15:07:48.699" v="1078" actId="14100"/>
-          <ac:spMkLst>
-            <pc:docMk/>
-            <pc:sldMk cId="2642943566" sldId="262"/>
-            <ac:spMk id="150" creationId="{5A6C66F8-B458-4B3B-97D6-76E37B5CD2D2}"/>
-          </ac:spMkLst>
-        </pc:spChg>
-        <pc:spChg chg="add mod">
-          <ac:chgData name="唐 崇斌 Edwin" userId="769f27267cb83406" providerId="LiveId" clId="{5950B5EE-091A-4B6E-A0E4-F7E0BA907422}" dt="2020-03-23T15:07:48.699" v="1078" actId="14100"/>
-          <ac:spMkLst>
-            <pc:docMk/>
-            <pc:sldMk cId="2642943566" sldId="262"/>
-            <ac:spMk id="151" creationId="{9A62F073-21E6-430D-92EF-C4052C98B40C}"/>
-          </ac:spMkLst>
-        </pc:spChg>
-        <pc:spChg chg="mod ord">
-          <ac:chgData name="唐 崇斌 Edwin" userId="769f27267cb83406" providerId="LiveId" clId="{5950B5EE-091A-4B6E-A0E4-F7E0BA907422}" dt="2020-03-23T15:13:50.353" v="1233" actId="167"/>
-          <ac:spMkLst>
-            <pc:docMk/>
-            <pc:sldMk cId="2642943566" sldId="262"/>
-            <ac:spMk id="157" creationId="{0A6A9A43-802D-489B-B71C-67B5786BC8BA}"/>
-          </ac:spMkLst>
-        </pc:spChg>
-        <pc:spChg chg="add mod ord topLvl">
-          <ac:chgData name="唐 崇斌 Edwin" userId="769f27267cb83406" providerId="LiveId" clId="{5950B5EE-091A-4B6E-A0E4-F7E0BA907422}" dt="2020-03-23T16:57:38.907" v="2464" actId="478"/>
-          <ac:spMkLst>
-            <pc:docMk/>
-            <pc:sldMk cId="2642943566" sldId="262"/>
-            <ac:spMk id="162" creationId="{3DD37A53-E240-4A9F-B715-15473EC80603}"/>
-          </ac:spMkLst>
-        </pc:spChg>
-        <pc:spChg chg="add mod">
-          <ac:chgData name="唐 崇斌 Edwin" userId="769f27267cb83406" providerId="LiveId" clId="{5950B5EE-091A-4B6E-A0E4-F7E0BA907422}" dt="2020-03-23T15:44:34.910" v="1379"/>
-          <ac:spMkLst>
-            <pc:docMk/>
-            <pc:sldMk cId="2642943566" sldId="262"/>
-            <ac:spMk id="163" creationId="{4461C2AE-F242-4C39-8BC1-7F1C00E0E85B}"/>
-          </ac:spMkLst>
-        </pc:spChg>
-        <pc:spChg chg="mod topLvl">
-          <ac:chgData name="唐 崇斌 Edwin" userId="769f27267cb83406" providerId="LiveId" clId="{5950B5EE-091A-4B6E-A0E4-F7E0BA907422}" dt="2020-03-23T17:48:49.050" v="3558" actId="164"/>
-          <ac:spMkLst>
-            <pc:docMk/>
-            <pc:sldMk cId="2642943566" sldId="262"/>
-            <ac:spMk id="170" creationId="{006767DB-51A8-4B0C-93EC-87FAC7A5F891}"/>
-          </ac:spMkLst>
-        </pc:spChg>
-        <pc:spChg chg="add mod topLvl">
-          <ac:chgData name="唐 崇斌 Edwin" userId="769f27267cb83406" providerId="LiveId" clId="{5950B5EE-091A-4B6E-A0E4-F7E0BA907422}" dt="2020-03-23T16:42:06.050" v="1687" actId="1035"/>
-          <ac:spMkLst>
-            <pc:docMk/>
-            <pc:sldMk cId="2642943566" sldId="262"/>
-            <ac:spMk id="172" creationId="{76E939BA-F017-4EB8-85F8-39BD6AF503D3}"/>
-          </ac:spMkLst>
-        </pc:spChg>
-        <pc:spChg chg="mod">
-          <ac:chgData name="唐 崇斌 Edwin" userId="769f27267cb83406" providerId="LiveId" clId="{5950B5EE-091A-4B6E-A0E4-F7E0BA907422}" dt="2020-03-23T17:07:34.462" v="2888" actId="1038"/>
-          <ac:spMkLst>
-            <pc:docMk/>
-            <pc:sldMk cId="2642943566" sldId="262"/>
-            <ac:spMk id="177" creationId="{FFB755C4-56DF-4170-9C21-6B504A47273E}"/>
-          </ac:spMkLst>
-        </pc:spChg>
-        <pc:spChg chg="mod">
-          <ac:chgData name="唐 崇斌 Edwin" userId="769f27267cb83406" providerId="LiveId" clId="{5950B5EE-091A-4B6E-A0E4-F7E0BA907422}" dt="2020-03-23T17:07:34.462" v="2888" actId="1038"/>
-          <ac:spMkLst>
-            <pc:docMk/>
-            <pc:sldMk cId="2642943566" sldId="262"/>
-            <ac:spMk id="179" creationId="{2101671E-5A62-46E3-97C7-5EF065BF4AAB}"/>
-          </ac:spMkLst>
-        </pc:spChg>
-        <pc:spChg chg="mod">
-          <ac:chgData name="唐 崇斌 Edwin" userId="769f27267cb83406" providerId="LiveId" clId="{5950B5EE-091A-4B6E-A0E4-F7E0BA907422}" dt="2020-03-23T17:07:34.462" v="2888" actId="1038"/>
-          <ac:spMkLst>
-            <pc:docMk/>
-            <pc:sldMk cId="2642943566" sldId="262"/>
-            <ac:spMk id="183" creationId="{3F9EB6BA-EFB1-4C5F-A425-64F6D173DA31}"/>
-          </ac:spMkLst>
-        </pc:spChg>
-        <pc:spChg chg="mod">
-          <ac:chgData name="唐 崇斌 Edwin" userId="769f27267cb83406" providerId="LiveId" clId="{5950B5EE-091A-4B6E-A0E4-F7E0BA907422}" dt="2020-03-23T17:07:34.462" v="2888" actId="1038"/>
-          <ac:spMkLst>
-            <pc:docMk/>
-            <pc:sldMk cId="2642943566" sldId="262"/>
-            <ac:spMk id="185" creationId="{9A77F7BB-D503-48DC-BD7F-DD48A6E7905B}"/>
-          </ac:spMkLst>
-        </pc:spChg>
-        <pc:spChg chg="add mod">
-          <ac:chgData name="唐 崇斌 Edwin" userId="769f27267cb83406" providerId="LiveId" clId="{5950B5EE-091A-4B6E-A0E4-F7E0BA907422}" dt="2020-03-23T17:52:01.604" v="3633" actId="1038"/>
-          <ac:spMkLst>
-            <pc:docMk/>
-            <pc:sldMk cId="2642943566" sldId="262"/>
-            <ac:spMk id="187" creationId="{8E4D84CC-5052-48BB-89AD-460E5171AB87}"/>
-          </ac:spMkLst>
-        </pc:spChg>
-        <pc:spChg chg="add mod">
-          <ac:chgData name="唐 崇斌 Edwin" userId="769f27267cb83406" providerId="LiveId" clId="{5950B5EE-091A-4B6E-A0E4-F7E0BA907422}" dt="2020-03-23T17:52:01.604" v="3633" actId="1038"/>
-          <ac:spMkLst>
-            <pc:docMk/>
-            <pc:sldMk cId="2642943566" sldId="262"/>
-            <ac:spMk id="188" creationId="{B93E4B85-2A9F-43EB-AB46-C8F190ED42F1}"/>
-          </ac:spMkLst>
-        </pc:spChg>
-        <pc:spChg chg="add mod">
-          <ac:chgData name="唐 崇斌 Edwin" userId="769f27267cb83406" providerId="LiveId" clId="{5950B5EE-091A-4B6E-A0E4-F7E0BA907422}" dt="2020-03-23T17:57:09.864" v="3806" actId="12788"/>
-          <ac:spMkLst>
-            <pc:docMk/>
-            <pc:sldMk cId="2642943566" sldId="262"/>
+            <pc:sldMk cId="4144416808" sldId="263"/>
             <ac:spMk id="189" creationId="{8B96C59B-3AFF-4203-ABFE-3ABEA3382D66}"/>
           </ac:spMkLst>
         </pc:spChg>
         <pc:spChg chg="mod">
-          <ac:chgData name="唐 崇斌 Edwin" userId="769f27267cb83406" providerId="LiveId" clId="{5950B5EE-091A-4B6E-A0E4-F7E0BA907422}" dt="2020-03-23T17:01:12.827" v="2691" actId="1037"/>
+          <ac:chgData name="唐 崇斌 Edwin" userId="769f27267cb83406" providerId="LiveId" clId="{CD038198-DCA5-497C-97B1-3A1263D8B09C}" dt="2020-10-02T10:08:32.765" v="89" actId="115"/>
           <ac:spMkLst>
             <pc:docMk/>
-            <pc:sldMk cId="2642943566" sldId="262"/>
-            <ac:spMk id="191" creationId="{94173864-4BEB-43FB-9830-5B920C8A93C8}"/>
+            <pc:sldMk cId="4144416808" sldId="263"/>
+            <ac:spMk id="194" creationId="{3F3D20F1-B1B6-4333-94FE-131B31D37E52}"/>
+          </ac:spMkLst>
+        </pc:spChg>
+        <pc:spChg chg="mod topLvl">
+          <ac:chgData name="唐 崇斌 Edwin" userId="769f27267cb83406" providerId="LiveId" clId="{CD038198-DCA5-497C-97B1-3A1263D8B09C}" dt="2020-10-05T09:46:10.462" v="323" actId="1076"/>
+          <ac:spMkLst>
+            <pc:docMk/>
+            <pc:sldMk cId="4144416808" sldId="263"/>
+            <ac:spMk id="196" creationId="{65C8A5E3-6C70-47A6-8465-331A2F689106}"/>
           </ac:spMkLst>
         </pc:spChg>
         <pc:spChg chg="mod">
-          <ac:chgData name="唐 崇斌 Edwin" userId="769f27267cb83406" providerId="LiveId" clId="{5950B5EE-091A-4B6E-A0E4-F7E0BA907422}" dt="2020-03-23T17:08:29.320" v="2908" actId="14100"/>
+          <ac:chgData name="唐 崇斌 Edwin" userId="769f27267cb83406" providerId="LiveId" clId="{CD038198-DCA5-497C-97B1-3A1263D8B09C}" dt="2020-10-02T10:08:32.765" v="89" actId="115"/>
           <ac:spMkLst>
             <pc:docMk/>
-            <pc:sldMk cId="2642943566" sldId="262"/>
-            <ac:spMk id="194" creationId="{3F3D20F1-B1B6-4333-94FE-131B31D37E52}"/>
+            <pc:sldMk cId="4144416808" sldId="263"/>
+            <ac:spMk id="205" creationId="{7125F7C5-1C01-42F9-A6C9-780FAD0A2296}"/>
+          </ac:spMkLst>
+        </pc:spChg>
+        <pc:spChg chg="mod">
+          <ac:chgData name="唐 崇斌 Edwin" userId="769f27267cb83406" providerId="LiveId" clId="{CD038198-DCA5-497C-97B1-3A1263D8B09C}" dt="2020-10-07T06:28:15.239" v="396" actId="1076"/>
+          <ac:spMkLst>
+            <pc:docMk/>
+            <pc:sldMk cId="4144416808" sldId="263"/>
+            <ac:spMk id="213" creationId="{92616B3B-3F3D-479A-8F94-748170F4C978}"/>
           </ac:spMkLst>
         </pc:spChg>
         <pc:spChg chg="add mod">
-          <ac:chgData name="唐 崇斌 Edwin" userId="769f27267cb83406" providerId="LiveId" clId="{5950B5EE-091A-4B6E-A0E4-F7E0BA907422}" dt="2020-03-23T17:52:01.604" v="3633" actId="1038"/>
+          <ac:chgData name="唐 崇斌 Edwin" userId="769f27267cb83406" providerId="LiveId" clId="{CD038198-DCA5-497C-97B1-3A1263D8B09C}" dt="2020-10-07T06:27:45.180" v="390" actId="1076"/>
           <ac:spMkLst>
             <pc:docMk/>
-            <pc:sldMk cId="2642943566" sldId="262"/>
-            <ac:spMk id="196" creationId="{65C8A5E3-6C70-47A6-8465-331A2F689106}"/>
-          </ac:spMkLst>
-        </pc:spChg>
-        <pc:spChg chg="del mod topLvl">
-          <ac:chgData name="唐 崇斌 Edwin" userId="769f27267cb83406" providerId="LiveId" clId="{5950B5EE-091A-4B6E-A0E4-F7E0BA907422}" dt="2020-03-23T15:12:10.454" v="1217" actId="478"/>
-          <ac:spMkLst>
-            <pc:docMk/>
-            <pc:sldMk cId="2642943566" sldId="262"/>
-            <ac:spMk id="197" creationId="{7C6D78C3-F5B1-4DE5-94A9-1FBFAA8C7726}"/>
-          </ac:spMkLst>
-        </pc:spChg>
-        <pc:spChg chg="del mod">
-          <ac:chgData name="唐 崇斌 Edwin" userId="769f27267cb83406" providerId="LiveId" clId="{5950B5EE-091A-4B6E-A0E4-F7E0BA907422}" dt="2020-03-23T15:00:50.467" v="893" actId="478"/>
-          <ac:spMkLst>
-            <pc:docMk/>
-            <pc:sldMk cId="2642943566" sldId="262"/>
-            <ac:spMk id="198" creationId="{4AB548EE-86D9-41C2-89D1-899B548E3A95}"/>
-          </ac:spMkLst>
-        </pc:spChg>
-        <pc:spChg chg="mod topLvl">
-          <ac:chgData name="唐 崇斌 Edwin" userId="769f27267cb83406" providerId="LiveId" clId="{5950B5EE-091A-4B6E-A0E4-F7E0BA907422}" dt="2020-03-25T04:34:17.238" v="3868" actId="164"/>
-          <ac:spMkLst>
-            <pc:docMk/>
-            <pc:sldMk cId="2642943566" sldId="262"/>
-            <ac:spMk id="205" creationId="{7125F7C5-1C01-42F9-A6C9-780FAD0A2296}"/>
-          </ac:spMkLst>
-        </pc:spChg>
-        <pc:spChg chg="mod topLvl">
-          <ac:chgData name="唐 崇斌 Edwin" userId="769f27267cb83406" providerId="LiveId" clId="{5950B5EE-091A-4B6E-A0E4-F7E0BA907422}" dt="2020-03-23T16:35:13.776" v="1501" actId="164"/>
-          <ac:spMkLst>
-            <pc:docMk/>
-            <pc:sldMk cId="2642943566" sldId="262"/>
-            <ac:spMk id="217" creationId="{4EBB2C86-4E17-4BCF-AE40-A6CCB5F1A080}"/>
-          </ac:spMkLst>
-        </pc:spChg>
-        <pc:spChg chg="mod topLvl">
-          <ac:chgData name="唐 崇斌 Edwin" userId="769f27267cb83406" providerId="LiveId" clId="{5950B5EE-091A-4B6E-A0E4-F7E0BA907422}" dt="2020-03-23T16:57:38.220" v="2456" actId="1076"/>
-          <ac:spMkLst>
-            <pc:docMk/>
-            <pc:sldMk cId="2642943566" sldId="262"/>
-            <ac:spMk id="218" creationId="{673A29C4-10CC-481F-AEC6-1CDE88CCDDAE}"/>
+            <pc:sldMk cId="4144416808" sldId="263"/>
+            <ac:spMk id="217" creationId="{A5543781-F5EE-427E-930C-F4C170BFA206}"/>
           </ac:spMkLst>
         </pc:spChg>
         <pc:spChg chg="mod">
-          <ac:chgData name="唐 崇斌 Edwin" userId="769f27267cb83406" providerId="LiveId" clId="{5950B5EE-091A-4B6E-A0E4-F7E0BA907422}" dt="2020-03-23T17:51:35.252" v="3607" actId="1076"/>
+          <ac:chgData name="唐 崇斌 Edwin" userId="769f27267cb83406" providerId="LiveId" clId="{CD038198-DCA5-497C-97B1-3A1263D8B09C}" dt="2020-10-02T10:17:10.776" v="223" actId="368"/>
           <ac:spMkLst>
             <pc:docMk/>
-            <pc:sldMk cId="2642943566" sldId="262"/>
+            <pc:sldMk cId="4144416808" sldId="263"/>
             <ac:spMk id="220" creationId="{1068F0CE-A4FB-4447-975A-5B4275990A27}"/>
           </ac:spMkLst>
         </pc:spChg>
-        <pc:spChg chg="mod ord">
-          <ac:chgData name="唐 崇斌 Edwin" userId="769f27267cb83406" providerId="LiveId" clId="{5950B5EE-091A-4B6E-A0E4-F7E0BA907422}" dt="2020-03-23T16:51:43.369" v="1973" actId="1037"/>
+        <pc:spChg chg="mod ord topLvl">
+          <ac:chgData name="唐 崇斌 Edwin" userId="769f27267cb83406" providerId="LiveId" clId="{CD038198-DCA5-497C-97B1-3A1263D8B09C}" dt="2020-10-05T09:47:51.052" v="355" actId="20577"/>
           <ac:spMkLst>
             <pc:docMk/>
-            <pc:sldMk cId="2642943566" sldId="262"/>
-            <ac:spMk id="225" creationId="{3B78E93F-B6B6-4856-B831-265439C290ED}"/>
-          </ac:spMkLst>
-        </pc:spChg>
-        <pc:spChg chg="mod ord">
-          <ac:chgData name="唐 崇斌 Edwin" userId="769f27267cb83406" providerId="LiveId" clId="{5950B5EE-091A-4B6E-A0E4-F7E0BA907422}" dt="2020-03-23T14:52:38.622" v="567" actId="164"/>
-          <ac:spMkLst>
-            <pc:docMk/>
-            <pc:sldMk cId="2642943566" sldId="262"/>
-            <ac:spMk id="226" creationId="{86BD3BCA-9C82-422B-933D-13E65E2B4E33}"/>
-          </ac:spMkLst>
-        </pc:spChg>
-        <pc:spChg chg="mod ord">
-          <ac:chgData name="唐 崇斌 Edwin" userId="769f27267cb83406" providerId="LiveId" clId="{5950B5EE-091A-4B6E-A0E4-F7E0BA907422}" dt="2020-03-23T16:46:14.617" v="1787" actId="1076"/>
-          <ac:spMkLst>
-            <pc:docMk/>
-            <pc:sldMk cId="2642943566" sldId="262"/>
-            <ac:spMk id="230" creationId="{38EAECC0-CCB3-4750-9EC2-260B1A1693AD}"/>
+            <pc:sldMk cId="4144416808" sldId="263"/>
+            <ac:spMk id="246" creationId="{8A0B81D4-CD1D-48C6-8DA4-C1DC1C7ABE3B}"/>
           </ac:spMkLst>
         </pc:spChg>
         <pc:spChg chg="mod">
-          <ac:chgData name="唐 崇斌 Edwin" userId="769f27267cb83406" providerId="LiveId" clId="{5950B5EE-091A-4B6E-A0E4-F7E0BA907422}" dt="2020-03-23T17:04:08.462" v="2761" actId="12788"/>
+          <ac:chgData name="唐 崇斌 Edwin" userId="769f27267cb83406" providerId="LiveId" clId="{CD038198-DCA5-497C-97B1-3A1263D8B09C}" dt="2020-10-02T10:06:38.351" v="65" actId="6549"/>
           <ac:spMkLst>
             <pc:docMk/>
-            <pc:sldMk cId="2642943566" sldId="262"/>
-            <ac:spMk id="242" creationId="{5415EC34-BA69-4C1B-A138-52C2249EA649}"/>
-          </ac:spMkLst>
-        </pc:spChg>
-        <pc:spChg chg="mod">
-          <ac:chgData name="唐 崇斌 Edwin" userId="769f27267cb83406" providerId="LiveId" clId="{5950B5EE-091A-4B6E-A0E4-F7E0BA907422}" dt="2020-03-23T17:44:40.966" v="3433" actId="1076"/>
-          <ac:spMkLst>
-            <pc:docMk/>
-            <pc:sldMk cId="2642943566" sldId="262"/>
-            <ac:spMk id="246" creationId="{8A0B81D4-CD1D-48C6-8DA4-C1DC1C7ABE3B}"/>
-          </ac:spMkLst>
-        </pc:spChg>
-        <pc:spChg chg="mod topLvl">
-          <ac:chgData name="唐 崇斌 Edwin" userId="769f27267cb83406" providerId="LiveId" clId="{5950B5EE-091A-4B6E-A0E4-F7E0BA907422}" dt="2020-03-23T17:51:02.855" v="3604" actId="1038"/>
-          <ac:spMkLst>
-            <pc:docMk/>
-            <pc:sldMk cId="2642943566" sldId="262"/>
-            <ac:spMk id="255" creationId="{2FF36763-E03D-4DFA-B609-5604CFE1155C}"/>
-          </ac:spMkLst>
-        </pc:spChg>
-        <pc:spChg chg="del mod">
-          <ac:chgData name="唐 崇斌 Edwin" userId="769f27267cb83406" providerId="LiveId" clId="{5950B5EE-091A-4B6E-A0E4-F7E0BA907422}" dt="2020-03-25T04:32:40.708" v="3853" actId="478"/>
-          <ac:spMkLst>
-            <pc:docMk/>
-            <pc:sldMk cId="2642943566" sldId="262"/>
-            <ac:spMk id="262" creationId="{45639766-0179-4CA8-A360-C385C1D590E8}"/>
-          </ac:spMkLst>
-        </pc:spChg>
-        <pc:spChg chg="mod">
-          <ac:chgData name="唐 崇斌 Edwin" userId="769f27267cb83406" providerId="LiveId" clId="{5950B5EE-091A-4B6E-A0E4-F7E0BA907422}" dt="2020-03-23T17:03:31.500" v="2752" actId="12788"/>
-          <ac:spMkLst>
-            <pc:docMk/>
-            <pc:sldMk cId="2642943566" sldId="262"/>
+            <pc:sldMk cId="4144416808" sldId="263"/>
             <ac:spMk id="265" creationId="{2FA44859-26DC-4E0A-B143-2307C5E6D5B7}"/>
           </ac:spMkLst>
         </pc:spChg>
-        <pc:grpChg chg="del mod">
-          <ac:chgData name="唐 崇斌 Edwin" userId="769f27267cb83406" providerId="LiveId" clId="{5950B5EE-091A-4B6E-A0E4-F7E0BA907422}" dt="2020-03-23T16:30:39.755" v="1473" actId="165"/>
+        <pc:grpChg chg="del">
+          <ac:chgData name="唐 崇斌 Edwin" userId="769f27267cb83406" providerId="LiveId" clId="{CD038198-DCA5-497C-97B1-3A1263D8B09C}" dt="2020-10-02T10:00:01.222" v="10" actId="478"/>
           <ac:grpSpMkLst>
             <pc:docMk/>
-            <pc:sldMk cId="2642943566" sldId="262"/>
-            <ac:grpSpMk id="2" creationId="{3BDA039D-BCBE-49DA-9EE4-78F79CD5943C}"/>
+            <pc:sldMk cId="4144416808" sldId="263"/>
+            <ac:grpSpMk id="2" creationId="{E802239B-03CC-4D38-8AD5-7D09F1A90C8B}"/>
+          </ac:grpSpMkLst>
+        </pc:grpChg>
+        <pc:grpChg chg="del mod topLvl">
+          <ac:chgData name="唐 崇斌 Edwin" userId="769f27267cb83406" providerId="LiveId" clId="{CD038198-DCA5-497C-97B1-3A1263D8B09C}" dt="2020-10-02T10:08:45.357" v="91" actId="478"/>
+          <ac:grpSpMkLst>
+            <pc:docMk/>
+            <pc:sldMk cId="4144416808" sldId="263"/>
+            <ac:grpSpMk id="4" creationId="{2E496C7C-107F-424F-8C49-B9EAD279B6CA}"/>
+          </ac:grpSpMkLst>
+        </pc:grpChg>
+        <pc:grpChg chg="add del mod">
+          <ac:chgData name="唐 崇斌 Edwin" userId="769f27267cb83406" providerId="LiveId" clId="{CD038198-DCA5-497C-97B1-3A1263D8B09C}" dt="2020-10-02T10:08:40.694" v="90" actId="165"/>
+          <ac:grpSpMkLst>
+            <pc:docMk/>
+            <pc:sldMk cId="4144416808" sldId="263"/>
+            <ac:grpSpMk id="26" creationId="{2B002CFF-A26A-4346-BD68-0A61696E77DE}"/>
+          </ac:grpSpMkLst>
+        </pc:grpChg>
+        <pc:grpChg chg="del">
+          <ac:chgData name="唐 崇斌 Edwin" userId="769f27267cb83406" providerId="LiveId" clId="{CD038198-DCA5-497C-97B1-3A1263D8B09C}" dt="2020-10-02T09:59:21.329" v="2" actId="478"/>
+          <ac:grpSpMkLst>
+            <pc:docMk/>
+            <pc:sldMk cId="4144416808" sldId="263"/>
+            <ac:grpSpMk id="34" creationId="{EA897312-C7B4-44E6-9C74-B42DB8747165}"/>
           </ac:grpSpMkLst>
         </pc:grpChg>
         <pc:grpChg chg="add mod">
-          <ac:chgData name="唐 崇斌 Edwin" userId="769f27267cb83406" providerId="LiveId" clId="{5950B5EE-091A-4B6E-A0E4-F7E0BA907422}" dt="2020-03-25T04:33:04.234" v="3857" actId="164"/>
+          <ac:chgData name="唐 崇斌 Edwin" userId="769f27267cb83406" providerId="LiveId" clId="{CD038198-DCA5-497C-97B1-3A1263D8B09C}" dt="2020-10-07T06:32:18.843" v="418" actId="1037"/>
           <ac:grpSpMkLst>
             <pc:docMk/>
-            <pc:sldMk cId="2642943566" sldId="262"/>
-            <ac:grpSpMk id="2" creationId="{E802239B-03CC-4D38-8AD5-7D09F1A90C8B}"/>
+            <pc:sldMk cId="4144416808" sldId="263"/>
+            <ac:grpSpMk id="61" creationId="{1E82EDE1-E237-49EB-8708-0CFD9223A0BC}"/>
           </ac:grpSpMkLst>
         </pc:grpChg>
         <pc:grpChg chg="add mod">
-          <ac:chgData name="唐 崇斌 Edwin" userId="769f27267cb83406" providerId="LiveId" clId="{5950B5EE-091A-4B6E-A0E4-F7E0BA907422}" dt="2020-03-25T04:34:17.238" v="3868" actId="164"/>
+          <ac:chgData name="唐 崇斌 Edwin" userId="769f27267cb83406" providerId="LiveId" clId="{CD038198-DCA5-497C-97B1-3A1263D8B09C}" dt="2020-10-07T06:28:30.329" v="398" actId="1076"/>
           <ac:grpSpMkLst>
             <pc:docMk/>
-            <pc:sldMk cId="2642943566" sldId="262"/>
-            <ac:grpSpMk id="3" creationId="{E73DD011-EFAE-4F17-8D86-1B6C4685565D}"/>
+            <pc:sldMk cId="4144416808" sldId="263"/>
+            <ac:grpSpMk id="62" creationId="{6B195F6F-C474-4EEF-8D7E-0B8BCBCFAA0A}"/>
           </ac:grpSpMkLst>
         </pc:grpChg>
         <pc:grpChg chg="add mod">
-          <ac:chgData name="唐 崇斌 Edwin" userId="769f27267cb83406" providerId="LiveId" clId="{5950B5EE-091A-4B6E-A0E4-F7E0BA907422}" dt="2020-03-25T04:34:27.869" v="3869" actId="1076"/>
+          <ac:chgData name="唐 崇斌 Edwin" userId="769f27267cb83406" providerId="LiveId" clId="{CD038198-DCA5-497C-97B1-3A1263D8B09C}" dt="2020-10-02T10:24:06.718" v="314" actId="1036"/>
           <ac:grpSpMkLst>
             <pc:docMk/>
-            <pc:sldMk cId="2642943566" sldId="262"/>
-            <ac:grpSpMk id="4" creationId="{2E496C7C-107F-424F-8C49-B9EAD279B6CA}"/>
+            <pc:sldMk cId="4144416808" sldId="263"/>
+            <ac:grpSpMk id="63" creationId="{A5664940-95F8-4D5F-A98D-34DA6455A4C7}"/>
+          </ac:grpSpMkLst>
+        </pc:grpChg>
+        <pc:grpChg chg="add del mod">
+          <ac:chgData name="唐 崇斌 Edwin" userId="769f27267cb83406" providerId="LiveId" clId="{CD038198-DCA5-497C-97B1-3A1263D8B09C}" dt="2020-10-07T06:26:40.581" v="368" actId="165"/>
+          <ac:grpSpMkLst>
+            <pc:docMk/>
+            <pc:sldMk cId="4144416808" sldId="263"/>
+            <ac:grpSpMk id="73" creationId="{1DEFD9C1-AB06-4ACD-B9D4-4B416DEED6AF}"/>
           </ac:grpSpMkLst>
         </pc:grpChg>
         <pc:grpChg chg="add del mod topLvl">
-          <ac:chgData name="唐 崇斌 Edwin" userId="769f27267cb83406" providerId="LiveId" clId="{5950B5EE-091A-4B6E-A0E4-F7E0BA907422}" dt="2020-03-23T16:57:43.339" v="2465" actId="478"/>
+          <ac:chgData name="唐 崇斌 Edwin" userId="769f27267cb83406" providerId="LiveId" clId="{CD038198-DCA5-497C-97B1-3A1263D8B09C}" dt="2020-10-07T06:32:23.210" v="421" actId="1038"/>
           <ac:grpSpMkLst>
             <pc:docMk/>
-            <pc:sldMk cId="2642943566" sldId="262"/>
-            <ac:grpSpMk id="6" creationId="{A21C08FA-B1FC-49F0-99F8-519E38F72ACA}"/>
+            <pc:sldMk cId="4144416808" sldId="263"/>
+            <ac:grpSpMk id="152" creationId="{CD4D5EF8-D645-4740-9A0C-64E2717551DF}"/>
           </ac:grpSpMkLst>
         </pc:grpChg>
         <pc:grpChg chg="add del mod">
-          <ac:chgData name="唐 崇斌 Edwin" userId="769f27267cb83406" providerId="LiveId" clId="{5950B5EE-091A-4B6E-A0E4-F7E0BA907422}" dt="2020-03-23T15:12:10.454" v="1217" actId="478"/>
+          <ac:chgData name="唐 崇斌 Edwin" userId="769f27267cb83406" providerId="LiveId" clId="{CD038198-DCA5-497C-97B1-3A1263D8B09C}" dt="2020-10-02T10:22:10.012" v="287" actId="478"/>
           <ac:grpSpMkLst>
             <pc:docMk/>
-            <pc:sldMk cId="2642943566" sldId="262"/>
-            <ac:grpSpMk id="8" creationId="{F8617ABC-8075-4E36-9A69-69D9E4DFBD8E}"/>
+            <pc:sldMk cId="4144416808" sldId="263"/>
+            <ac:grpSpMk id="156" creationId="{610145A9-2E94-473C-9B3D-8BD13BDCCC0A}"/>
           </ac:grpSpMkLst>
         </pc:grpChg>
-        <pc:grpChg chg="add del mod topLvl">
-          <ac:chgData name="唐 崇斌 Edwin" userId="769f27267cb83406" providerId="LiveId" clId="{5950B5EE-091A-4B6E-A0E4-F7E0BA907422}" dt="2020-03-23T16:57:43.339" v="2465" actId="478"/>
+        <pc:grpChg chg="del">
+          <ac:chgData name="唐 崇斌 Edwin" userId="769f27267cb83406" providerId="LiveId" clId="{CD038198-DCA5-497C-97B1-3A1263D8B09C}" dt="2020-10-02T10:06:30.073" v="64" actId="478"/>
           <ac:grpSpMkLst>
             <pc:docMk/>
-            <pc:sldMk cId="2642943566" sldId="262"/>
-            <ac:grpSpMk id="12" creationId="{163BD930-A9BD-45E3-BB03-D1E8BF2D6978}"/>
-          </ac:grpSpMkLst>
-        </pc:grpChg>
-        <pc:grpChg chg="add del mod ord">
-          <ac:chgData name="唐 崇斌 Edwin" userId="769f27267cb83406" providerId="LiveId" clId="{5950B5EE-091A-4B6E-A0E4-F7E0BA907422}" dt="2020-03-23T15:00:18.697" v="885" actId="165"/>
-          <ac:grpSpMkLst>
-            <pc:docMk/>
-            <pc:sldMk cId="2642943566" sldId="262"/>
-            <ac:grpSpMk id="14" creationId="{75B9521E-7201-4F5C-8497-4948EB748C11}"/>
-          </ac:grpSpMkLst>
-        </pc:grpChg>
-        <pc:grpChg chg="mod topLvl">
-          <ac:chgData name="唐 崇斌 Edwin" userId="769f27267cb83406" providerId="LiveId" clId="{5950B5EE-091A-4B6E-A0E4-F7E0BA907422}" dt="2020-03-23T16:35:13.776" v="1501" actId="164"/>
-          <ac:grpSpMkLst>
-            <pc:docMk/>
-            <pc:sldMk cId="2642943566" sldId="262"/>
-            <ac:grpSpMk id="15" creationId="{D42C5858-FBC7-4C68-AE36-64AD40260C03}"/>
-          </ac:grpSpMkLst>
-        </pc:grpChg>
-        <pc:grpChg chg="mod">
-          <ac:chgData name="唐 崇斌 Edwin" userId="769f27267cb83406" providerId="LiveId" clId="{5950B5EE-091A-4B6E-A0E4-F7E0BA907422}" dt="2020-03-23T14:54:13.280" v="674" actId="12788"/>
-          <ac:grpSpMkLst>
-            <pc:docMk/>
-            <pc:sldMk cId="2642943566" sldId="262"/>
-            <ac:grpSpMk id="16" creationId="{63A7B5DD-25BA-4A60-B5F3-E33A13A8BB76}"/>
+            <pc:sldMk cId="4144416808" sldId="263"/>
+            <ac:grpSpMk id="190" creationId="{97B6FF74-975B-4236-BC20-BF34E6B4CD79}"/>
           </ac:grpSpMkLst>
         </pc:grpChg>
         <pc:grpChg chg="del mod topLvl">
-          <ac:chgData name="唐 崇斌 Edwin" userId="769f27267cb83406" providerId="LiveId" clId="{5950B5EE-091A-4B6E-A0E4-F7E0BA907422}" dt="2020-03-23T15:00:21.887" v="886" actId="165"/>
+          <ac:chgData name="唐 崇斌 Edwin" userId="769f27267cb83406" providerId="LiveId" clId="{CD038198-DCA5-497C-97B1-3A1263D8B09C}" dt="2020-10-02T10:08:45.357" v="91" actId="478"/>
           <ac:grpSpMkLst>
             <pc:docMk/>
-            <pc:sldMk cId="2642943566" sldId="262"/>
-            <ac:grpSpMk id="17" creationId="{1E4B38DC-79AD-4C70-B336-1D0F3B090AC8}"/>
-          </ac:grpSpMkLst>
-        </pc:grpChg>
-        <pc:grpChg chg="add del mod">
-          <ac:chgData name="唐 崇斌 Edwin" userId="769f27267cb83406" providerId="LiveId" clId="{5950B5EE-091A-4B6E-A0E4-F7E0BA907422}" dt="2020-03-23T16:34:50.969" v="1498" actId="165"/>
-          <ac:grpSpMkLst>
-            <pc:docMk/>
-            <pc:sldMk cId="2642943566" sldId="262"/>
-            <ac:grpSpMk id="17" creationId="{DC7D9A11-95AC-48A9-AB66-3B0438DA9649}"/>
-          </ac:grpSpMkLst>
-        </pc:grpChg>
-        <pc:grpChg chg="add del mod">
-          <ac:chgData name="唐 崇斌 Edwin" userId="769f27267cb83406" providerId="LiveId" clId="{5950B5EE-091A-4B6E-A0E4-F7E0BA907422}" dt="2020-03-23T16:57:43.339" v="2465" actId="478"/>
-          <ac:grpSpMkLst>
-            <pc:docMk/>
-            <pc:sldMk cId="2642943566" sldId="262"/>
-            <ac:grpSpMk id="28" creationId="{E76AFB09-234D-4240-9096-E60B08134216}"/>
-          </ac:grpSpMkLst>
-        </pc:grpChg>
-        <pc:grpChg chg="add mod">
-          <ac:chgData name="唐 崇斌 Edwin" userId="769f27267cb83406" providerId="LiveId" clId="{5950B5EE-091A-4B6E-A0E4-F7E0BA907422}" dt="2020-03-23T17:52:01.604" v="3633" actId="1038"/>
-          <ac:grpSpMkLst>
-            <pc:docMk/>
-            <pc:sldMk cId="2642943566" sldId="262"/>
-            <ac:grpSpMk id="34" creationId="{EA897312-C7B4-44E6-9C74-B42DB8747165}"/>
-          </ac:grpSpMkLst>
-        </pc:grpChg>
-        <pc:grpChg chg="add del mod">
-          <ac:chgData name="唐 崇斌 Edwin" userId="769f27267cb83406" providerId="LiveId" clId="{5950B5EE-091A-4B6E-A0E4-F7E0BA907422}" dt="2020-03-23T16:57:43.339" v="2465" actId="478"/>
-          <ac:grpSpMkLst>
-            <pc:docMk/>
-            <pc:sldMk cId="2642943566" sldId="262"/>
-            <ac:grpSpMk id="44" creationId="{C7B87E73-02C1-4E5E-A3C0-B21707700A38}"/>
-          </ac:grpSpMkLst>
-        </pc:grpChg>
-        <pc:grpChg chg="add del mod">
-          <ac:chgData name="唐 崇斌 Edwin" userId="769f27267cb83406" providerId="LiveId" clId="{5950B5EE-091A-4B6E-A0E4-F7E0BA907422}" dt="2020-03-25T04:33:58.701" v="3863" actId="165"/>
-          <ac:grpSpMkLst>
-            <pc:docMk/>
-            <pc:sldMk cId="2642943566" sldId="262"/>
-            <ac:grpSpMk id="45" creationId="{C33F1390-73C2-4BBA-AA3A-D3FC10BE929B}"/>
-          </ac:grpSpMkLst>
-        </pc:grpChg>
-        <pc:grpChg chg="add mod">
-          <ac:chgData name="唐 崇斌 Edwin" userId="769f27267cb83406" providerId="LiveId" clId="{5950B5EE-091A-4B6E-A0E4-F7E0BA907422}" dt="2020-03-23T16:43:56.026" v="1707" actId="12788"/>
-          <ac:grpSpMkLst>
-            <pc:docMk/>
-            <pc:sldMk cId="2642943566" sldId="262"/>
-            <ac:grpSpMk id="61" creationId="{58A34C73-E903-40FC-B5D6-D2C9415B9A00}"/>
-          </ac:grpSpMkLst>
-        </pc:grpChg>
-        <pc:grpChg chg="add mod">
-          <ac:chgData name="唐 崇斌 Edwin" userId="769f27267cb83406" providerId="LiveId" clId="{5950B5EE-091A-4B6E-A0E4-F7E0BA907422}" dt="2020-03-23T16:43:56.026" v="1707" actId="12788"/>
-          <ac:grpSpMkLst>
-            <pc:docMk/>
-            <pc:sldMk cId="2642943566" sldId="262"/>
-            <ac:grpSpMk id="62" creationId="{A0C3A3F3-12AA-4838-A01F-7465D66EE113}"/>
-          </ac:grpSpMkLst>
-        </pc:grpChg>
-        <pc:grpChg chg="add del mod">
-          <ac:chgData name="唐 崇斌 Edwin" userId="769f27267cb83406" providerId="LiveId" clId="{5950B5EE-091A-4B6E-A0E4-F7E0BA907422}" dt="2020-03-23T16:57:43.339" v="2465" actId="478"/>
-          <ac:grpSpMkLst>
-            <pc:docMk/>
-            <pc:sldMk cId="2642943566" sldId="262"/>
-            <ac:grpSpMk id="63" creationId="{6547EACB-7616-45A5-958F-ACE7C89F6AF7}"/>
-          </ac:grpSpMkLst>
-        </pc:grpChg>
-        <pc:grpChg chg="add del mod">
-          <ac:chgData name="唐 崇斌 Edwin" userId="769f27267cb83406" providerId="LiveId" clId="{5950B5EE-091A-4B6E-A0E4-F7E0BA907422}" dt="2020-03-23T16:57:43.339" v="2465" actId="478"/>
-          <ac:grpSpMkLst>
-            <pc:docMk/>
-            <pc:sldMk cId="2642943566" sldId="262"/>
-            <ac:grpSpMk id="69" creationId="{1E111B18-C206-49DC-8B25-D33D0123A765}"/>
-          </ac:grpSpMkLst>
-        </pc:grpChg>
-        <pc:grpChg chg="add del mod topLvl">
-          <ac:chgData name="唐 崇斌 Edwin" userId="769f27267cb83406" providerId="LiveId" clId="{5950B5EE-091A-4B6E-A0E4-F7E0BA907422}" dt="2020-03-23T16:57:43.339" v="2465" actId="478"/>
-          <ac:grpSpMkLst>
-            <pc:docMk/>
-            <pc:sldMk cId="2642943566" sldId="262"/>
-            <ac:grpSpMk id="78" creationId="{B1FE4D9A-3AA4-4AB4-922F-041B59611266}"/>
-          </ac:grpSpMkLst>
-        </pc:grpChg>
-        <pc:grpChg chg="add mod">
-          <ac:chgData name="唐 崇斌 Edwin" userId="769f27267cb83406" providerId="LiveId" clId="{5950B5EE-091A-4B6E-A0E4-F7E0BA907422}" dt="2020-03-23T16:57:38.849" v="2462" actId="164"/>
-          <ac:grpSpMkLst>
-            <pc:docMk/>
-            <pc:sldMk cId="2642943566" sldId="262"/>
-            <ac:grpSpMk id="86" creationId="{810D18A9-23B9-4AAC-AD38-BFDA98A95B35}"/>
-          </ac:grpSpMkLst>
-        </pc:grpChg>
-        <pc:grpChg chg="add del mod">
-          <ac:chgData name="唐 崇斌 Edwin" userId="769f27267cb83406" providerId="LiveId" clId="{5950B5EE-091A-4B6E-A0E4-F7E0BA907422}" dt="2020-03-23T16:42:16.663" v="1688" actId="478"/>
-          <ac:grpSpMkLst>
-            <pc:docMk/>
-            <pc:sldMk cId="2642943566" sldId="262"/>
-            <ac:grpSpMk id="87" creationId="{01AEE0A1-BC13-4C8A-9715-8834AB637555}"/>
-          </ac:grpSpMkLst>
-        </pc:grpChg>
-        <pc:grpChg chg="add mod">
-          <ac:chgData name="唐 崇斌 Edwin" userId="769f27267cb83406" providerId="LiveId" clId="{5950B5EE-091A-4B6E-A0E4-F7E0BA907422}" dt="2020-03-23T15:00:39.849" v="890" actId="164"/>
-          <ac:grpSpMkLst>
-            <pc:docMk/>
-            <pc:sldMk cId="2642943566" sldId="262"/>
-            <ac:grpSpMk id="88" creationId="{87DF2276-B2A4-4E41-8E70-E8FC62F514FD}"/>
-          </ac:grpSpMkLst>
-        </pc:grpChg>
-        <pc:grpChg chg="add del mod topLvl">
-          <ac:chgData name="唐 崇斌 Edwin" userId="769f27267cb83406" providerId="LiveId" clId="{5950B5EE-091A-4B6E-A0E4-F7E0BA907422}" dt="2020-03-23T16:57:43.339" v="2465" actId="478"/>
-          <ac:grpSpMkLst>
-            <pc:docMk/>
-            <pc:sldMk cId="2642943566" sldId="262"/>
-            <ac:grpSpMk id="89" creationId="{BA93D5E3-E8AB-4814-ACE7-908684D79DF6}"/>
-          </ac:grpSpMkLst>
-        </pc:grpChg>
-        <pc:grpChg chg="add mod topLvl">
-          <ac:chgData name="唐 崇斌 Edwin" userId="769f27267cb83406" providerId="LiveId" clId="{5950B5EE-091A-4B6E-A0E4-F7E0BA907422}" dt="2020-03-23T16:43:56.026" v="1707" actId="12788"/>
-          <ac:grpSpMkLst>
-            <pc:docMk/>
-            <pc:sldMk cId="2642943566" sldId="262"/>
-            <ac:grpSpMk id="92" creationId="{C0719900-FE68-4537-898A-C3787FE4A692}"/>
-          </ac:grpSpMkLst>
-        </pc:grpChg>
-        <pc:grpChg chg="add mod topLvl">
-          <ac:chgData name="唐 崇斌 Edwin" userId="769f27267cb83406" providerId="LiveId" clId="{5950B5EE-091A-4B6E-A0E4-F7E0BA907422}" dt="2020-03-23T16:43:56.026" v="1707" actId="12788"/>
-          <ac:grpSpMkLst>
-            <pc:docMk/>
-            <pc:sldMk cId="2642943566" sldId="262"/>
-            <ac:grpSpMk id="93" creationId="{BADA2121-3245-47A8-B63B-DEB0E8A90CFF}"/>
-          </ac:grpSpMkLst>
-        </pc:grpChg>
-        <pc:grpChg chg="add mod topLvl">
-          <ac:chgData name="唐 崇斌 Edwin" userId="769f27267cb83406" providerId="LiveId" clId="{5950B5EE-091A-4B6E-A0E4-F7E0BA907422}" dt="2020-03-23T16:43:56.026" v="1707" actId="12788"/>
-          <ac:grpSpMkLst>
-            <pc:docMk/>
-            <pc:sldMk cId="2642943566" sldId="262"/>
-            <ac:grpSpMk id="94" creationId="{3594608E-D82A-4678-BA91-E4B775F28A8A}"/>
-          </ac:grpSpMkLst>
-        </pc:grpChg>
-        <pc:grpChg chg="add del mod topLvl">
-          <ac:chgData name="唐 崇斌 Edwin" userId="769f27267cb83406" providerId="LiveId" clId="{5950B5EE-091A-4B6E-A0E4-F7E0BA907422}" dt="2020-03-23T15:08:33.010" v="1086" actId="165"/>
-          <ac:grpSpMkLst>
-            <pc:docMk/>
-            <pc:sldMk cId="2642943566" sldId="262"/>
-            <ac:grpSpMk id="95" creationId="{A637F0EE-79F5-4971-8D51-E189B4546CB8}"/>
-          </ac:grpSpMkLst>
-        </pc:grpChg>
-        <pc:grpChg chg="add del mod">
-          <ac:chgData name="唐 崇斌 Edwin" userId="769f27267cb83406" providerId="LiveId" clId="{5950B5EE-091A-4B6E-A0E4-F7E0BA907422}" dt="2020-03-23T15:08:14.496" v="1082" actId="165"/>
-          <ac:grpSpMkLst>
-            <pc:docMk/>
-            <pc:sldMk cId="2642943566" sldId="262"/>
-            <ac:grpSpMk id="100" creationId="{9F9076ED-338D-4F32-8C34-5B763DACEC28}"/>
-          </ac:grpSpMkLst>
-        </pc:grpChg>
-        <pc:grpChg chg="add mod topLvl">
-          <ac:chgData name="唐 崇斌 Edwin" userId="769f27267cb83406" providerId="LiveId" clId="{5950B5EE-091A-4B6E-A0E4-F7E0BA907422}" dt="2020-03-23T16:43:56.026" v="1707" actId="12788"/>
-          <ac:grpSpMkLst>
-            <pc:docMk/>
-            <pc:sldMk cId="2642943566" sldId="262"/>
-            <ac:grpSpMk id="101" creationId="{D40947AC-023D-4639-BB4E-2CB7833562D9}"/>
-          </ac:grpSpMkLst>
-        </pc:grpChg>
-        <pc:grpChg chg="add del mod topLvl">
-          <ac:chgData name="唐 崇斌 Edwin" userId="769f27267cb83406" providerId="LiveId" clId="{5950B5EE-091A-4B6E-A0E4-F7E0BA907422}" dt="2020-03-23T16:43:07.626" v="1692" actId="165"/>
-          <ac:grpSpMkLst>
-            <pc:docMk/>
-            <pc:sldMk cId="2642943566" sldId="262"/>
-            <ac:grpSpMk id="102" creationId="{B8EBB42A-8DF7-4C22-9814-797125FFBF06}"/>
-          </ac:grpSpMkLst>
-        </pc:grpChg>
-        <pc:grpChg chg="add mod topLvl">
-          <ac:chgData name="唐 崇斌 Edwin" userId="769f27267cb83406" providerId="LiveId" clId="{5950B5EE-091A-4B6E-A0E4-F7E0BA907422}" dt="2020-03-23T16:38:39.561" v="1538" actId="164"/>
-          <ac:grpSpMkLst>
-            <pc:docMk/>
-            <pc:sldMk cId="2642943566" sldId="262"/>
-            <ac:grpSpMk id="103" creationId="{AE1D727B-A4EC-40F5-8FE5-17391BC343EE}"/>
-          </ac:grpSpMkLst>
-        </pc:grpChg>
-        <pc:grpChg chg="add del mod">
-          <ac:chgData name="唐 崇斌 Edwin" userId="769f27267cb83406" providerId="LiveId" clId="{5950B5EE-091A-4B6E-A0E4-F7E0BA907422}" dt="2020-03-23T16:42:58.369" v="1690" actId="165"/>
-          <ac:grpSpMkLst>
-            <pc:docMk/>
-            <pc:sldMk cId="2642943566" sldId="262"/>
-            <ac:grpSpMk id="104" creationId="{61EC9F24-86DF-4446-806C-C8F0498C4608}"/>
-          </ac:grpSpMkLst>
-        </pc:grpChg>
-        <pc:grpChg chg="add del mod topLvl">
-          <ac:chgData name="唐 崇斌 Edwin" userId="769f27267cb83406" providerId="LiveId" clId="{5950B5EE-091A-4B6E-A0E4-F7E0BA907422}" dt="2020-03-23T16:57:43.339" v="2465" actId="478"/>
-          <ac:grpSpMkLst>
-            <pc:docMk/>
-            <pc:sldMk cId="2642943566" sldId="262"/>
-            <ac:grpSpMk id="105" creationId="{DBE1B31D-1A01-4B7E-976F-943BE4426A96}"/>
-          </ac:grpSpMkLst>
-        </pc:grpChg>
-        <pc:grpChg chg="add mod">
-          <ac:chgData name="唐 崇斌 Edwin" userId="769f27267cb83406" providerId="LiveId" clId="{5950B5EE-091A-4B6E-A0E4-F7E0BA907422}" dt="2020-03-23T16:57:37.874" v="2447" actId="164"/>
-          <ac:grpSpMkLst>
-            <pc:docMk/>
-            <pc:sldMk cId="2642943566" sldId="262"/>
-            <ac:grpSpMk id="113" creationId="{67770A9E-E466-41A7-95D8-6BFF534E19FC}"/>
-          </ac:grpSpMkLst>
-        </pc:grpChg>
-        <pc:grpChg chg="add del mod">
-          <ac:chgData name="唐 崇斌 Edwin" userId="769f27267cb83406" providerId="LiveId" clId="{5950B5EE-091A-4B6E-A0E4-F7E0BA907422}" dt="2020-03-23T17:07:51.524" v="2890" actId="165"/>
-          <ac:grpSpMkLst>
-            <pc:docMk/>
-            <pc:sldMk cId="2642943566" sldId="262"/>
-            <ac:grpSpMk id="116" creationId="{B6C7B8EC-5C95-4430-B2EE-CF6DDE571D3A}"/>
-          </ac:grpSpMkLst>
-        </pc:grpChg>
-        <pc:grpChg chg="mod">
-          <ac:chgData name="唐 崇斌 Edwin" userId="769f27267cb83406" providerId="LiveId" clId="{5950B5EE-091A-4B6E-A0E4-F7E0BA907422}" dt="2020-03-23T14:54:13.280" v="674" actId="12788"/>
-          <ac:grpSpMkLst>
-            <pc:docMk/>
-            <pc:sldMk cId="2642943566" sldId="262"/>
-            <ac:grpSpMk id="119" creationId="{89B27CA3-E9C8-4EC2-A5BA-8DCE6D9AAA75}"/>
-          </ac:grpSpMkLst>
-        </pc:grpChg>
-        <pc:grpChg chg="del mod topLvl">
-          <ac:chgData name="唐 崇斌 Edwin" userId="769f27267cb83406" providerId="LiveId" clId="{5950B5EE-091A-4B6E-A0E4-F7E0BA907422}" dt="2020-03-23T16:31:24.858" v="1482"/>
-          <ac:grpSpMkLst>
-            <pc:docMk/>
-            <pc:sldMk cId="2642943566" sldId="262"/>
-            <ac:grpSpMk id="158" creationId="{39366B66-811F-4DE5-AE0B-DA1D48DA279E}"/>
-          </ac:grpSpMkLst>
-        </pc:grpChg>
-        <pc:grpChg chg="add del mod">
-          <ac:chgData name="唐 崇斌 Edwin" userId="769f27267cb83406" providerId="LiveId" clId="{5950B5EE-091A-4B6E-A0E4-F7E0BA907422}" dt="2020-03-23T16:58:09.490" v="2468" actId="165"/>
-          <ac:grpSpMkLst>
-            <pc:docMk/>
-            <pc:sldMk cId="2642943566" sldId="262"/>
-            <ac:grpSpMk id="169" creationId="{692A4A97-048D-4BE8-94E4-B15F5587D653}"/>
-          </ac:grpSpMkLst>
-        </pc:grpChg>
-        <pc:grpChg chg="del mod topLvl">
-          <ac:chgData name="唐 崇斌 Edwin" userId="769f27267cb83406" providerId="LiveId" clId="{5950B5EE-091A-4B6E-A0E4-F7E0BA907422}" dt="2020-03-23T16:58:30.763" v="2471" actId="165"/>
-          <ac:grpSpMkLst>
-            <pc:docMk/>
-            <pc:sldMk cId="2642943566" sldId="262"/>
-            <ac:grpSpMk id="171" creationId="{4C21219D-1A58-4FAC-8282-BBFAA6716330}"/>
-          </ac:grpSpMkLst>
-        </pc:grpChg>
-        <pc:grpChg chg="del mod topLvl">
-          <ac:chgData name="唐 崇斌 Edwin" userId="769f27267cb83406" providerId="LiveId" clId="{5950B5EE-091A-4B6E-A0E4-F7E0BA907422}" dt="2020-03-23T17:07:55.190" v="2891" actId="165"/>
-          <ac:grpSpMkLst>
-            <pc:docMk/>
-            <pc:sldMk cId="2642943566" sldId="262"/>
-            <ac:grpSpMk id="173" creationId="{E71E5A9D-F4A5-40D1-9EC7-7C5F352F806B}"/>
-          </ac:grpSpMkLst>
-        </pc:grpChg>
-        <pc:grpChg chg="del mod topLvl">
-          <ac:chgData name="唐 崇斌 Edwin" userId="769f27267cb83406" providerId="LiveId" clId="{5950B5EE-091A-4B6E-A0E4-F7E0BA907422}" dt="2020-03-23T17:07:58.334" v="2892" actId="165"/>
-          <ac:grpSpMkLst>
-            <pc:docMk/>
-            <pc:sldMk cId="2642943566" sldId="262"/>
-            <ac:grpSpMk id="174" creationId="{C3C1470C-405C-4ADC-B5C0-A073E56C5E57}"/>
-          </ac:grpSpMkLst>
-        </pc:grpChg>
-        <pc:grpChg chg="mod topLvl">
-          <ac:chgData name="唐 崇斌 Edwin" userId="769f27267cb83406" providerId="LiveId" clId="{5950B5EE-091A-4B6E-A0E4-F7E0BA907422}" dt="2020-03-23T17:14:10.648" v="3202" actId="554"/>
-          <ac:grpSpMkLst>
-            <pc:docMk/>
-            <pc:sldMk cId="2642943566" sldId="262"/>
-            <ac:grpSpMk id="175" creationId="{0698C4F3-FDC4-443C-8313-C15C1B053C6D}"/>
-          </ac:grpSpMkLst>
-        </pc:grpChg>
-        <pc:grpChg chg="mod topLvl">
-          <ac:chgData name="唐 崇斌 Edwin" userId="769f27267cb83406" providerId="LiveId" clId="{5950B5EE-091A-4B6E-A0E4-F7E0BA907422}" dt="2020-03-23T17:14:10.648" v="3202" actId="554"/>
-          <ac:grpSpMkLst>
-            <pc:docMk/>
-            <pc:sldMk cId="2642943566" sldId="262"/>
-            <ac:grpSpMk id="176" creationId="{6900AE2E-C358-48F8-ADC7-C3970AB50E96}"/>
-          </ac:grpSpMkLst>
-        </pc:grpChg>
-        <pc:grpChg chg="mod topLvl">
-          <ac:chgData name="唐 崇斌 Edwin" userId="769f27267cb83406" providerId="LiveId" clId="{5950B5EE-091A-4B6E-A0E4-F7E0BA907422}" dt="2020-03-23T17:14:00.196" v="3200" actId="164"/>
-          <ac:grpSpMkLst>
-            <pc:docMk/>
-            <pc:sldMk cId="2642943566" sldId="262"/>
-            <ac:grpSpMk id="181" creationId="{FA123FC8-C2C0-4D20-B2EC-BFFF05544260}"/>
-          </ac:grpSpMkLst>
-        </pc:grpChg>
-        <pc:grpChg chg="mod topLvl">
-          <ac:chgData name="唐 崇斌 Edwin" userId="769f27267cb83406" providerId="LiveId" clId="{5950B5EE-091A-4B6E-A0E4-F7E0BA907422}" dt="2020-03-23T17:14:00.196" v="3200" actId="164"/>
-          <ac:grpSpMkLst>
-            <pc:docMk/>
-            <pc:sldMk cId="2642943566" sldId="262"/>
-            <ac:grpSpMk id="182" creationId="{C751C51E-99BA-41A0-9108-36CF8C6178C3}"/>
-          </ac:grpSpMkLst>
-        </pc:grpChg>
-        <pc:grpChg chg="add mod">
-          <ac:chgData name="唐 崇斌 Edwin" userId="769f27267cb83406" providerId="LiveId" clId="{5950B5EE-091A-4B6E-A0E4-F7E0BA907422}" dt="2020-03-24T00:40:32.253" v="3818" actId="552"/>
-          <ac:grpSpMkLst>
-            <pc:docMk/>
-            <pc:sldMk cId="2642943566" sldId="262"/>
-            <ac:grpSpMk id="190" creationId="{97B6FF74-975B-4236-BC20-BF34E6B4CD79}"/>
-          </ac:grpSpMkLst>
-        </pc:grpChg>
-        <pc:grpChg chg="add mod">
-          <ac:chgData name="唐 崇斌 Edwin" userId="769f27267cb83406" providerId="LiveId" clId="{5950B5EE-091A-4B6E-A0E4-F7E0BA907422}" dt="2020-03-24T00:40:32.253" v="3818" actId="552"/>
-          <ac:grpSpMkLst>
-            <pc:docMk/>
-            <pc:sldMk cId="2642943566" sldId="262"/>
+            <pc:sldMk cId="4144416808" sldId="263"/>
             <ac:grpSpMk id="193" creationId="{53E81466-A620-44CF-A5C1-66EA07C939FC}"/>
           </ac:grpSpMkLst>
         </pc:grpChg>
         <pc:grpChg chg="add del mod">
-          <ac:chgData name="唐 崇斌 Edwin" userId="769f27267cb83406" providerId="LiveId" clId="{5950B5EE-091A-4B6E-A0E4-F7E0BA907422}" dt="2020-03-23T17:56:52.839" v="3802" actId="165"/>
+          <ac:chgData name="唐 崇斌 Edwin" userId="769f27267cb83406" providerId="LiveId" clId="{CD038198-DCA5-497C-97B1-3A1263D8B09C}" dt="2020-10-05T09:46:35.189" v="334" actId="478"/>
           <ac:grpSpMkLst>
             <pc:docMk/>
-            <pc:sldMk cId="2642943566" sldId="262"/>
-            <ac:grpSpMk id="203" creationId="{1BD26C05-4BA0-4A9F-B739-F7472E55FB9E}"/>
+            <pc:sldMk cId="4144416808" sldId="263"/>
+            <ac:grpSpMk id="200" creationId="{02BCAE6C-B6EB-4EAA-B5C3-B90D4B44BCCF}"/>
+          </ac:grpSpMkLst>
+        </pc:grpChg>
+        <pc:grpChg chg="del">
+          <ac:chgData name="唐 崇斌 Edwin" userId="769f27267cb83406" providerId="LiveId" clId="{CD038198-DCA5-497C-97B1-3A1263D8B09C}" dt="2020-10-02T10:08:07.262" v="87" actId="478"/>
+          <ac:grpSpMkLst>
+            <pc:docMk/>
+            <pc:sldMk cId="4144416808" sldId="263"/>
+            <ac:grpSpMk id="209" creationId="{01FCB14A-E373-463D-900C-B7B33A324A02}"/>
+          </ac:grpSpMkLst>
+        </pc:grpChg>
+        <pc:grpChg chg="add mod topLvl">
+          <ac:chgData name="唐 崇斌 Edwin" userId="769f27267cb83406" providerId="LiveId" clId="{CD038198-DCA5-497C-97B1-3A1263D8B09C}" dt="2020-10-07T06:28:35.159" v="399" actId="1076"/>
+          <ac:grpSpMkLst>
+            <pc:docMk/>
+            <pc:sldMk cId="4144416808" sldId="263"/>
+            <ac:grpSpMk id="210" creationId="{B3DEE5DC-D607-4975-B35F-CD08572126CA}"/>
+          </ac:grpSpMkLst>
+        </pc:grpChg>
+        <pc:grpChg chg="mod">
+          <ac:chgData name="唐 崇斌 Edwin" userId="769f27267cb83406" providerId="LiveId" clId="{CD038198-DCA5-497C-97B1-3A1263D8B09C}" dt="2020-10-02T10:17:04.625" v="219" actId="1076"/>
+          <ac:grpSpMkLst>
+            <pc:docMk/>
+            <pc:sldMk cId="4144416808" sldId="263"/>
+            <ac:grpSpMk id="219" creationId="{814A09A5-7545-40EA-B513-AFE4B8658FE2}"/>
+          </ac:grpSpMkLst>
+        </pc:grpChg>
+        <pc:grpChg chg="del mod">
+          <ac:chgData name="唐 崇斌 Edwin" userId="769f27267cb83406" providerId="LiveId" clId="{CD038198-DCA5-497C-97B1-3A1263D8B09C}" dt="2020-10-02T09:59:55.260" v="9" actId="478"/>
+          <ac:grpSpMkLst>
+            <pc:docMk/>
+            <pc:sldMk cId="4144416808" sldId="263"/>
+            <ac:grpSpMk id="240" creationId="{AADCFA32-9DC5-4089-802F-45D22CA7623F}"/>
           </ac:grpSpMkLst>
         </pc:grpChg>
         <pc:grpChg chg="del mod topLvl">
-          <ac:chgData name="唐 崇斌 Edwin" userId="769f27267cb83406" providerId="LiveId" clId="{5950B5EE-091A-4B6E-A0E4-F7E0BA907422}" dt="2020-03-25T04:34:02.212" v="3864" actId="165"/>
+          <ac:chgData name="唐 崇斌 Edwin" userId="769f27267cb83406" providerId="LiveId" clId="{CD038198-DCA5-497C-97B1-3A1263D8B09C}" dt="2020-10-02T10:18:17.164" v="253" actId="478"/>
           <ac:grpSpMkLst>
             <pc:docMk/>
-            <pc:sldMk cId="2642943566" sldId="262"/>
-            <ac:grpSpMk id="204" creationId="{45A11373-85C4-4896-876B-06D64718BA83}"/>
-          </ac:grpSpMkLst>
-        </pc:grpChg>
-        <pc:grpChg chg="add mod">
-          <ac:chgData name="唐 崇斌 Edwin" userId="769f27267cb83406" providerId="LiveId" clId="{5950B5EE-091A-4B6E-A0E4-F7E0BA907422}" dt="2020-03-23T17:52:13.608" v="3640" actId="12788"/>
-          <ac:grpSpMkLst>
-            <pc:docMk/>
-            <pc:sldMk cId="2642943566" sldId="262"/>
-            <ac:grpSpMk id="209" creationId="{01FCB14A-E373-463D-900C-B7B33A324A02}"/>
-          </ac:grpSpMkLst>
-        </pc:grpChg>
-        <pc:grpChg chg="add mod">
-          <ac:chgData name="唐 崇斌 Edwin" userId="769f27267cb83406" providerId="LiveId" clId="{5950B5EE-091A-4B6E-A0E4-F7E0BA907422}" dt="2020-03-23T17:52:01.604" v="3633" actId="1038"/>
-          <ac:grpSpMkLst>
-            <pc:docMk/>
-            <pc:sldMk cId="2642943566" sldId="262"/>
-            <ac:grpSpMk id="219" creationId="{814A09A5-7545-40EA-B513-AFE4B8658FE2}"/>
-          </ac:grpSpMkLst>
-        </pc:grpChg>
-        <pc:grpChg chg="del mod topLvl">
-          <ac:chgData name="唐 崇斌 Edwin" userId="769f27267cb83406" providerId="LiveId" clId="{5950B5EE-091A-4B6E-A0E4-F7E0BA907422}" dt="2020-03-23T16:57:43.339" v="2465" actId="478"/>
-          <ac:grpSpMkLst>
-            <pc:docMk/>
-            <pc:sldMk cId="2642943566" sldId="262"/>
-            <ac:grpSpMk id="231" creationId="{C7FDC3FD-7734-4E55-9520-79D89EF89009}"/>
-          </ac:grpSpMkLst>
-        </pc:grpChg>
-        <pc:grpChg chg="add mod">
-          <ac:chgData name="唐 崇斌 Edwin" userId="769f27267cb83406" providerId="LiveId" clId="{5950B5EE-091A-4B6E-A0E4-F7E0BA907422}" dt="2020-03-23T17:54:11.930" v="3750" actId="1038"/>
-          <ac:grpSpMkLst>
-            <pc:docMk/>
-            <pc:sldMk cId="2642943566" sldId="262"/>
-            <ac:grpSpMk id="240" creationId="{AADCFA32-9DC5-4089-802F-45D22CA7623F}"/>
-          </ac:grpSpMkLst>
-        </pc:grpChg>
-        <pc:grpChg chg="add mod">
-          <ac:chgData name="唐 崇斌 Edwin" userId="769f27267cb83406" providerId="LiveId" clId="{5950B5EE-091A-4B6E-A0E4-F7E0BA907422}" dt="2020-03-23T17:52:01.604" v="3633" actId="1038"/>
-          <ac:grpSpMkLst>
-            <pc:docMk/>
-            <pc:sldMk cId="2642943566" sldId="262"/>
+            <pc:sldMk cId="4144416808" sldId="263"/>
             <ac:grpSpMk id="245" creationId="{4D82D008-5C27-4B40-BC60-AB5F6CD7651D}"/>
           </ac:grpSpMkLst>
         </pc:grpChg>
-        <pc:grpChg chg="add del mod">
-          <ac:chgData name="唐 崇斌 Edwin" userId="769f27267cb83406" providerId="LiveId" clId="{5950B5EE-091A-4B6E-A0E4-F7E0BA907422}" dt="2020-03-23T17:06:17.224" v="2856" actId="165"/>
+        <pc:grpChg chg="del">
+          <ac:chgData name="唐 崇斌 Edwin" userId="769f27267cb83406" providerId="LiveId" clId="{CD038198-DCA5-497C-97B1-3A1263D8B09C}" dt="2020-10-02T10:02:18.840" v="29" actId="478"/>
           <ac:grpSpMkLst>
             <pc:docMk/>
-            <pc:sldMk cId="2642943566" sldId="262"/>
-            <ac:grpSpMk id="254" creationId="{C6344CDB-29CE-4E8E-BB3B-EC1980C1C0B9}"/>
+            <pc:sldMk cId="4144416808" sldId="263"/>
+            <ac:grpSpMk id="247" creationId="{39C18B90-BC6E-4961-9EE0-399BEDB190AE}"/>
           </ac:grpSpMkLst>
         </pc:grpChg>
-        <pc:grpChg chg="mod topLvl">
-          <ac:chgData name="唐 崇斌 Edwin" userId="769f27267cb83406" providerId="LiveId" clId="{5950B5EE-091A-4B6E-A0E4-F7E0BA907422}" dt="2020-03-23T17:06:38.785" v="2862" actId="164"/>
+        <pc:grpChg chg="del">
+          <ac:chgData name="唐 崇斌 Edwin" userId="769f27267cb83406" providerId="LiveId" clId="{CD038198-DCA5-497C-97B1-3A1263D8B09C}" dt="2020-10-02T10:06:40.868" v="66" actId="478"/>
           <ac:grpSpMkLst>
             <pc:docMk/>
-            <pc:sldMk cId="2642943566" sldId="262"/>
-            <ac:grpSpMk id="256" creationId="{F954619E-18B2-41C0-99FC-6FF4FFCDBD53}"/>
-          </ac:grpSpMkLst>
-        </pc:grpChg>
-        <pc:grpChg chg="add mod">
-          <ac:chgData name="唐 崇斌 Edwin" userId="769f27267cb83406" providerId="LiveId" clId="{5950B5EE-091A-4B6E-A0E4-F7E0BA907422}" dt="2020-03-23T17:52:13.608" v="3640" actId="12788"/>
-          <ac:grpSpMkLst>
-            <pc:docMk/>
-            <pc:sldMk cId="2642943566" sldId="262"/>
+            <pc:sldMk cId="4144416808" sldId="263"/>
             <ac:grpSpMk id="264" creationId="{090D22F9-D440-4ED4-88EE-9F38AE3C6320}"/>
           </ac:grpSpMkLst>
         </pc:grpChg>
-        <pc:grpChg chg="add mod">
-          <ac:chgData name="唐 崇斌 Edwin" userId="769f27267cb83406" providerId="LiveId" clId="{5950B5EE-091A-4B6E-A0E4-F7E0BA907422}" dt="2020-03-23T17:06:29.880" v="2860" actId="164"/>
-          <ac:grpSpMkLst>
-            <pc:docMk/>
-            <pc:sldMk cId="2642943566" sldId="262"/>
-            <ac:grpSpMk id="271" creationId="{D1C0CACD-A848-4F32-9F73-2216B485F157}"/>
-          </ac:grpSpMkLst>
-        </pc:grpChg>
-        <pc:grpChg chg="add mod">
-          <ac:chgData name="唐 崇斌 Edwin" userId="769f27267cb83406" providerId="LiveId" clId="{5950B5EE-091A-4B6E-A0E4-F7E0BA907422}" dt="2020-03-25T04:33:04.234" v="3857" actId="164"/>
-          <ac:grpSpMkLst>
-            <pc:docMk/>
-            <pc:sldMk cId="2642943566" sldId="262"/>
-            <ac:grpSpMk id="272" creationId="{F094A865-F322-4281-A615-DF05A0FCE301}"/>
-          </ac:grpSpMkLst>
-        </pc:grpChg>
-        <pc:grpChg chg="add mod">
-          <ac:chgData name="唐 崇斌 Edwin" userId="769f27267cb83406" providerId="LiveId" clId="{5950B5EE-091A-4B6E-A0E4-F7E0BA907422}" dt="2020-03-23T17:09:49.536" v="2968" actId="571"/>
-          <ac:grpSpMkLst>
-            <pc:docMk/>
-            <pc:sldMk cId="2642943566" sldId="262"/>
-            <ac:grpSpMk id="279" creationId="{2C9A234F-C0CC-4EC6-81AF-E8473FA4CC98}"/>
-          </ac:grpSpMkLst>
-        </pc:grpChg>
-        <pc:grpChg chg="add mod">
-          <ac:chgData name="唐 崇斌 Edwin" userId="769f27267cb83406" providerId="LiveId" clId="{5950B5EE-091A-4B6E-A0E4-F7E0BA907422}" dt="2020-03-23T17:09:49.536" v="2968" actId="571"/>
-          <ac:grpSpMkLst>
-            <pc:docMk/>
-            <pc:sldMk cId="2642943566" sldId="262"/>
-            <ac:grpSpMk id="282" creationId="{F062D35D-1AD4-4B32-B3FA-E766C3C7B4FC}"/>
-          </ac:grpSpMkLst>
-        </pc:grpChg>
-        <pc:grpChg chg="add mod">
-          <ac:chgData name="唐 崇斌 Edwin" userId="769f27267cb83406" providerId="LiveId" clId="{5950B5EE-091A-4B6E-A0E4-F7E0BA907422}" dt="2020-03-23T17:48:49.050" v="3558" actId="164"/>
-          <ac:grpSpMkLst>
-            <pc:docMk/>
-            <pc:sldMk cId="2642943566" sldId="262"/>
-            <ac:grpSpMk id="292" creationId="{BBA39101-2C0B-44D5-9165-E20AAF5F9661}"/>
-          </ac:grpSpMkLst>
-        </pc:grpChg>
-        <pc:grpChg chg="add mod">
-          <ac:chgData name="唐 崇斌 Edwin" userId="769f27267cb83406" providerId="LiveId" clId="{5950B5EE-091A-4B6E-A0E4-F7E0BA907422}" dt="2020-03-23T17:48:49.050" v="3558" actId="164"/>
-          <ac:grpSpMkLst>
-            <pc:docMk/>
-            <pc:sldMk cId="2642943566" sldId="262"/>
-            <ac:grpSpMk id="293" creationId="{63DD55F9-BC29-4533-BA58-F1E678E9BCF2}"/>
-          </ac:grpSpMkLst>
-        </pc:grpChg>
-        <pc:picChg chg="add mod">
-          <ac:chgData name="唐 崇斌 Edwin" userId="769f27267cb83406" providerId="LiveId" clId="{5950B5EE-091A-4B6E-A0E4-F7E0BA907422}" dt="2020-03-23T14:21:11.237" v="216" actId="164"/>
+        <pc:picChg chg="add del mod ord">
+          <ac:chgData name="唐 崇斌 Edwin" userId="769f27267cb83406" providerId="LiveId" clId="{CD038198-DCA5-497C-97B1-3A1263D8B09C}" dt="2020-10-07T06:29:06.772" v="404" actId="1076"/>
           <ac:picMkLst>
             <pc:docMk/>
-            <pc:sldMk cId="2642943566" sldId="262"/>
-            <ac:picMk id="10" creationId="{B961742F-5509-4E75-95D1-1F5830608E49}"/>
+            <pc:sldMk cId="4144416808" sldId="263"/>
+            <ac:picMk id="151" creationId="{7C9DE28E-B8A0-4E2E-947C-0885C3379C3F}"/>
+          </ac:picMkLst>
+        </pc:picChg>
+        <pc:picChg chg="add del mod topLvl">
+          <ac:chgData name="唐 崇斌 Edwin" userId="769f27267cb83406" providerId="LiveId" clId="{CD038198-DCA5-497C-97B1-3A1263D8B09C}" dt="2020-10-07T06:29:02.445" v="403" actId="1076"/>
+          <ac:picMkLst>
+            <pc:docMk/>
+            <pc:sldMk cId="4144416808" sldId="263"/>
+            <ac:picMk id="154" creationId="{5D311C21-C3EE-4698-B44A-3986828EDC3B}"/>
+          </ac:picMkLst>
+        </pc:picChg>
+        <pc:picChg chg="del mod topLvl">
+          <ac:chgData name="唐 崇斌 Edwin" userId="769f27267cb83406" providerId="LiveId" clId="{CD038198-DCA5-497C-97B1-3A1263D8B09C}" dt="2020-10-02T10:22:13.946" v="289" actId="478"/>
+          <ac:picMkLst>
+            <pc:docMk/>
+            <pc:sldMk cId="4144416808" sldId="263"/>
+            <ac:picMk id="158" creationId="{E35B9BB7-C19E-4A5B-8389-5324BA14677E}"/>
+          </ac:picMkLst>
+        </pc:picChg>
+        <pc:picChg chg="add mod">
+          <ac:chgData name="唐 崇斌 Edwin" userId="769f27267cb83406" providerId="LiveId" clId="{CD038198-DCA5-497C-97B1-3A1263D8B09C}" dt="2020-10-02T10:22:22.465" v="292" actId="164"/>
+          <ac:picMkLst>
+            <pc:docMk/>
+            <pc:sldMk cId="4144416808" sldId="263"/>
+            <ac:picMk id="159" creationId="{8BE80F9C-16E7-434E-8DAB-B0870172ED7C}"/>
+          </ac:picMkLst>
+        </pc:picChg>
+        <pc:picChg chg="add mod">
+          <ac:chgData name="唐 崇斌 Edwin" userId="769f27267cb83406" providerId="LiveId" clId="{CD038198-DCA5-497C-97B1-3A1263D8B09C}" dt="2020-10-02T10:22:22.465" v="292" actId="164"/>
+          <ac:picMkLst>
+            <pc:docMk/>
+            <pc:sldMk cId="4144416808" sldId="263"/>
+            <ac:picMk id="160" creationId="{767194FF-FC18-4C8E-8FF5-73000215E413}"/>
+          </ac:picMkLst>
+        </pc:picChg>
+        <pc:picChg chg="add mod">
+          <ac:chgData name="唐 崇斌 Edwin" userId="769f27267cb83406" providerId="LiveId" clId="{CD038198-DCA5-497C-97B1-3A1263D8B09C}" dt="2020-10-02T10:22:52.830" v="301" actId="164"/>
+          <ac:picMkLst>
+            <pc:docMk/>
+            <pc:sldMk cId="4144416808" sldId="263"/>
+            <ac:picMk id="162" creationId="{4BB0DA12-F9AD-432B-814A-F89E42792A34}"/>
+          </ac:picMkLst>
+        </pc:picChg>
+        <pc:picChg chg="add mod">
+          <ac:chgData name="唐 崇斌 Edwin" userId="769f27267cb83406" providerId="LiveId" clId="{CD038198-DCA5-497C-97B1-3A1263D8B09C}" dt="2020-10-02T10:22:52.830" v="301" actId="164"/>
+          <ac:picMkLst>
+            <pc:docMk/>
+            <pc:sldMk cId="4144416808" sldId="263"/>
+            <ac:picMk id="163" creationId="{B478A85D-8D69-496E-98E3-5F2B0A1CE6F9}"/>
+          </ac:picMkLst>
+        </pc:picChg>
+        <pc:picChg chg="add mod">
+          <ac:chgData name="唐 崇斌 Edwin" userId="769f27267cb83406" providerId="LiveId" clId="{CD038198-DCA5-497C-97B1-3A1263D8B09C}" dt="2020-10-02T10:22:52.830" v="301" actId="164"/>
+          <ac:picMkLst>
+            <pc:docMk/>
+            <pc:sldMk cId="4144416808" sldId="263"/>
+            <ac:picMk id="164" creationId="{852695EC-9BB3-426E-AFE5-2BC37B70C100}"/>
           </ac:picMkLst>
         </pc:picChg>
         <pc:picChg chg="mod">
-          <ac:chgData name="唐 崇斌 Edwin" userId="769f27267cb83406" providerId="LiveId" clId="{5950B5EE-091A-4B6E-A0E4-F7E0BA907422}" dt="2020-03-23T15:09:48.621" v="1103" actId="164"/>
+          <ac:chgData name="唐 崇斌 Edwin" userId="769f27267cb83406" providerId="LiveId" clId="{CD038198-DCA5-497C-97B1-3A1263D8B09C}" dt="2020-10-07T06:27:02.847" v="382" actId="1038"/>
           <ac:picMkLst>
             <pc:docMk/>
-            <pc:sldMk cId="2642943566" sldId="262"/>
-            <ac:picMk id="11" creationId="{CA826542-93FA-41D7-89FA-26A30E787FE4}"/>
+            <pc:sldMk cId="4144416808" sldId="263"/>
+            <ac:picMk id="216" creationId="{DAB6393B-31D8-4120-AA5C-B608D995B4D2}"/>
           </ac:picMkLst>
         </pc:picChg>
-        <pc:picChg chg="mod">
-          <ac:chgData name="唐 崇斌 Edwin" userId="769f27267cb83406" providerId="LiveId" clId="{5950B5EE-091A-4B6E-A0E4-F7E0BA907422}" dt="2020-03-23T14:52:38.622" v="567" actId="164"/>
+        <pc:picChg chg="del topLvl">
+          <ac:chgData name="唐 崇斌 Edwin" userId="769f27267cb83406" providerId="LiveId" clId="{CD038198-DCA5-497C-97B1-3A1263D8B09C}" dt="2020-10-02T10:18:17.164" v="253" actId="478"/>
           <ac:picMkLst>
             <pc:docMk/>
-            <pc:sldMk cId="2642943566" sldId="262"/>
-            <ac:picMk id="13" creationId="{64441A86-282A-4748-A914-189124D88159}"/>
-          </ac:picMkLst>
-        </pc:picChg>
-        <pc:picChg chg="add del mod topLvl">
-          <ac:chgData name="唐 崇斌 Edwin" userId="769f27267cb83406" providerId="LiveId" clId="{5950B5EE-091A-4B6E-A0E4-F7E0BA907422}" dt="2020-03-23T16:57:38.907" v="2464" actId="478"/>
-          <ac:picMkLst>
-            <pc:docMk/>
-            <pc:sldMk cId="2642943566" sldId="262"/>
-            <ac:picMk id="68" creationId="{7759C60B-8DFF-4FD1-9EF9-751AB79A85D4}"/>
-          </ac:picMkLst>
-        </pc:picChg>
-        <pc:picChg chg="add del mod">
-          <ac:chgData name="唐 崇斌 Edwin" userId="769f27267cb83406" providerId="LiveId" clId="{5950B5EE-091A-4B6E-A0E4-F7E0BA907422}" dt="2020-03-23T16:57:43.339" v="2465" actId="478"/>
-          <ac:picMkLst>
-            <pc:docMk/>
-            <pc:sldMk cId="2642943566" sldId="262"/>
-            <ac:picMk id="85" creationId="{11F2E5DD-CB9B-4102-B144-83A1A533401C}"/>
-          </ac:picMkLst>
-        </pc:picChg>
-        <pc:picChg chg="add mod">
-          <ac:chgData name="唐 崇斌 Edwin" userId="769f27267cb83406" providerId="LiveId" clId="{5950B5EE-091A-4B6E-A0E4-F7E0BA907422}" dt="2020-03-25T04:33:04.234" v="3857" actId="164"/>
-          <ac:picMkLst>
-            <pc:docMk/>
-            <pc:sldMk cId="2642943566" sldId="262"/>
-            <ac:picMk id="86" creationId="{F1122667-C9A1-4D9A-A5CF-43D6F610E8ED}"/>
-          </ac:picMkLst>
-        </pc:picChg>
-        <pc:picChg chg="add mod">
-          <ac:chgData name="唐 崇斌 Edwin" userId="769f27267cb83406" providerId="LiveId" clId="{5950B5EE-091A-4B6E-A0E4-F7E0BA907422}" dt="2020-03-25T04:34:10.712" v="3866" actId="164"/>
-          <ac:picMkLst>
-            <pc:docMk/>
-            <pc:sldMk cId="2642943566" sldId="262"/>
-            <ac:picMk id="88" creationId="{0026CE20-E9E7-4681-ACC6-CED77858FD1D}"/>
-          </ac:picMkLst>
-        </pc:picChg>
-        <pc:picChg chg="mod topLvl">
-          <ac:chgData name="唐 崇斌 Edwin" userId="769f27267cb83406" providerId="LiveId" clId="{5950B5EE-091A-4B6E-A0E4-F7E0BA907422}" dt="2020-03-23T15:00:38.747" v="889" actId="164"/>
-          <ac:picMkLst>
-            <pc:docMk/>
-            <pc:sldMk cId="2642943566" sldId="262"/>
-            <ac:picMk id="133" creationId="{3C4EE167-41AD-47F5-8257-77D8F8FCD4E1}"/>
-          </ac:picMkLst>
-        </pc:picChg>
-        <pc:picChg chg="mod topLvl">
-          <ac:chgData name="唐 崇斌 Edwin" userId="769f27267cb83406" providerId="LiveId" clId="{5950B5EE-091A-4B6E-A0E4-F7E0BA907422}" dt="2020-03-23T15:00:38.747" v="889" actId="164"/>
-          <ac:picMkLst>
-            <pc:docMk/>
-            <pc:sldMk cId="2642943566" sldId="262"/>
-            <ac:picMk id="134" creationId="{A48B9A42-46AE-42C7-9C7F-C14C3DFB9B9A}"/>
-          </ac:picMkLst>
-        </pc:picChg>
-        <pc:picChg chg="mod topLvl">
-          <ac:chgData name="唐 崇斌 Edwin" userId="769f27267cb83406" providerId="LiveId" clId="{5950B5EE-091A-4B6E-A0E4-F7E0BA907422}" dt="2020-03-23T15:00:38.747" v="889" actId="164"/>
-          <ac:picMkLst>
-            <pc:docMk/>
-            <pc:sldMk cId="2642943566" sldId="262"/>
-            <ac:picMk id="135" creationId="{33BDC142-C217-4AEA-B0B6-7A25FBC29A9D}"/>
-          </ac:picMkLst>
-        </pc:picChg>
-        <pc:picChg chg="mod topLvl">
-          <ac:chgData name="唐 崇斌 Edwin" userId="769f27267cb83406" providerId="LiveId" clId="{5950B5EE-091A-4B6E-A0E4-F7E0BA907422}" dt="2020-03-23T15:00:38.747" v="889" actId="164"/>
-          <ac:picMkLst>
-            <pc:docMk/>
-            <pc:sldMk cId="2642943566" sldId="262"/>
-            <ac:picMk id="136" creationId="{ED346168-F232-4B8F-8507-0497F9759A43}"/>
-          </ac:picMkLst>
-        </pc:picChg>
-        <pc:picChg chg="mod topLvl">
-          <ac:chgData name="唐 崇斌 Edwin" userId="769f27267cb83406" providerId="LiveId" clId="{5950B5EE-091A-4B6E-A0E4-F7E0BA907422}" dt="2020-03-23T15:00:38.747" v="889" actId="164"/>
-          <ac:picMkLst>
-            <pc:docMk/>
-            <pc:sldMk cId="2642943566" sldId="262"/>
-            <ac:picMk id="137" creationId="{E951B1A4-1319-4C8B-944C-9E0298A837E7}"/>
+            <pc:sldMk cId="4144416808" sldId="263"/>
+            <ac:picMk id="249" creationId="{6ABBF024-658B-41BD-8267-E00D6DD72F51}"/>
           </ac:picMkLst>
         </pc:picChg>
         <pc:picChg chg="del">
-          <ac:chgData name="唐 崇斌 Edwin" userId="769f27267cb83406" providerId="LiveId" clId="{5950B5EE-091A-4B6E-A0E4-F7E0BA907422}" dt="2020-03-23T14:59:57.245" v="865" actId="478"/>
+          <ac:chgData name="唐 崇斌 Edwin" userId="769f27267cb83406" providerId="LiveId" clId="{CD038198-DCA5-497C-97B1-3A1263D8B09C}" dt="2020-10-02T10:02:18.840" v="29" actId="478"/>
           <ac:picMkLst>
             <pc:docMk/>
-            <pc:sldMk cId="2642943566" sldId="262"/>
-            <ac:picMk id="140" creationId="{9D92E510-0D76-4D45-80DC-9ECCE8D3211A}"/>
-          </ac:picMkLst>
-        </pc:picChg>
-        <pc:picChg chg="add mod">
-          <ac:chgData name="唐 崇斌 Edwin" userId="769f27267cb83406" providerId="LiveId" clId="{5950B5EE-091A-4B6E-A0E4-F7E0BA907422}" dt="2020-03-23T15:00:38.747" v="889" actId="164"/>
-          <ac:picMkLst>
-            <pc:docMk/>
-            <pc:sldMk cId="2642943566" sldId="262"/>
-            <ac:picMk id="145" creationId="{14936CE9-83AD-46BC-B74B-9AA99F15C5EA}"/>
-          </ac:picMkLst>
-        </pc:picChg>
-        <pc:picChg chg="mod">
-          <ac:chgData name="唐 崇斌 Edwin" userId="769f27267cb83406" providerId="LiveId" clId="{5950B5EE-091A-4B6E-A0E4-F7E0BA907422}" dt="2020-03-23T15:13:40.548" v="1228" actId="1076"/>
-          <ac:picMkLst>
-            <pc:docMk/>
-            <pc:sldMk cId="2642943566" sldId="262"/>
-            <ac:picMk id="152" creationId="{13C699A4-5CF4-4A9B-AAEA-57F474219BDD}"/>
-          </ac:picMkLst>
-        </pc:picChg>
-        <pc:picChg chg="mod">
-          <ac:chgData name="唐 崇斌 Edwin" userId="769f27267cb83406" providerId="LiveId" clId="{5950B5EE-091A-4B6E-A0E4-F7E0BA907422}" dt="2020-03-23T15:12:45.619" v="1218" actId="688"/>
-          <ac:picMkLst>
-            <pc:docMk/>
-            <pc:sldMk cId="2642943566" sldId="262"/>
-            <ac:picMk id="153" creationId="{313DF1E5-1121-474F-B3EE-BB7A0CDAAD86}"/>
-          </ac:picMkLst>
-        </pc:picChg>
-        <pc:picChg chg="mod">
-          <ac:chgData name="唐 崇斌 Edwin" userId="769f27267cb83406" providerId="LiveId" clId="{5950B5EE-091A-4B6E-A0E4-F7E0BA907422}" dt="2020-03-23T15:13:55.793" v="1234" actId="1076"/>
-          <ac:picMkLst>
-            <pc:docMk/>
-            <pc:sldMk cId="2642943566" sldId="262"/>
-            <ac:picMk id="154" creationId="{992133F3-8D92-4948-83E0-800D45414E21}"/>
-          </ac:picMkLst>
-        </pc:picChg>
-        <pc:picChg chg="mod">
-          <ac:chgData name="唐 崇斌 Edwin" userId="769f27267cb83406" providerId="LiveId" clId="{5950B5EE-091A-4B6E-A0E4-F7E0BA907422}" dt="2020-03-23T15:13:41.085" v="1229" actId="1076"/>
-          <ac:picMkLst>
-            <pc:docMk/>
-            <pc:sldMk cId="2642943566" sldId="262"/>
-            <ac:picMk id="155" creationId="{E55C0C30-BCEB-49CD-AC6A-BDF60A21F03D}"/>
-          </ac:picMkLst>
-        </pc:picChg>
-        <pc:picChg chg="mod">
-          <ac:chgData name="唐 崇斌 Edwin" userId="769f27267cb83406" providerId="LiveId" clId="{5950B5EE-091A-4B6E-A0E4-F7E0BA907422}" dt="2020-03-23T15:12:45.619" v="1218" actId="688"/>
-          <ac:picMkLst>
-            <pc:docMk/>
-            <pc:sldMk cId="2642943566" sldId="262"/>
-            <ac:picMk id="156" creationId="{5F247478-C762-4F96-891C-379A00364905}"/>
-          </ac:picMkLst>
-        </pc:picChg>
-        <pc:picChg chg="mod topLvl">
-          <ac:chgData name="唐 崇斌 Edwin" userId="769f27267cb83406" providerId="LiveId" clId="{5950B5EE-091A-4B6E-A0E4-F7E0BA907422}" dt="2020-03-25T04:34:10.712" v="3866" actId="164"/>
-          <ac:picMkLst>
-            <pc:docMk/>
-            <pc:sldMk cId="2642943566" sldId="262"/>
-            <ac:picMk id="206" creationId="{30FF77F8-D51D-4E1F-B955-6D3AFD2222B2}"/>
-          </ac:picMkLst>
-        </pc:picChg>
-        <pc:picChg chg="mod topLvl">
-          <ac:chgData name="唐 崇斌 Edwin" userId="769f27267cb83406" providerId="LiveId" clId="{5950B5EE-091A-4B6E-A0E4-F7E0BA907422}" dt="2020-03-25T04:34:10.712" v="3866" actId="164"/>
-          <ac:picMkLst>
-            <pc:docMk/>
-            <pc:sldMk cId="2642943566" sldId="262"/>
-            <ac:picMk id="207" creationId="{D93C3C4A-3C79-4173-80D2-62A97C04DDB3}"/>
-          </ac:picMkLst>
-        </pc:picChg>
-        <pc:picChg chg="mod topLvl">
-          <ac:chgData name="唐 崇斌 Edwin" userId="769f27267cb83406" providerId="LiveId" clId="{5950B5EE-091A-4B6E-A0E4-F7E0BA907422}" dt="2020-03-25T04:34:10.712" v="3866" actId="164"/>
-          <ac:picMkLst>
-            <pc:docMk/>
-            <pc:sldMk cId="2642943566" sldId="262"/>
-            <ac:picMk id="208" creationId="{A97AEBE5-5B3B-4C53-8A78-E190AC6594DA}"/>
-          </ac:picMkLst>
-        </pc:picChg>
-        <pc:picChg chg="mod">
-          <ac:chgData name="唐 崇斌 Edwin" userId="769f27267cb83406" providerId="LiveId" clId="{5950B5EE-091A-4B6E-A0E4-F7E0BA907422}" dt="2020-03-23T17:04:08.462" v="2761" actId="12788"/>
-          <ac:picMkLst>
-            <pc:docMk/>
-            <pc:sldMk cId="2642943566" sldId="262"/>
-            <ac:picMk id="241" creationId="{96D7E9B9-AD5D-4E6F-9973-BABDFB751AD1}"/>
+            <pc:sldMk cId="4144416808" sldId="263"/>
+            <ac:picMk id="250" creationId="{4F393E4E-E8ED-4FC6-A73C-F96A511A6A81}"/>
           </ac:picMkLst>
         </pc:picChg>
         <pc:picChg chg="del">
-          <ac:chgData name="唐 崇斌 Edwin" userId="769f27267cb83406" providerId="LiveId" clId="{5950B5EE-091A-4B6E-A0E4-F7E0BA907422}" dt="2020-03-25T04:34:47.111" v="3870" actId="478"/>
+          <ac:chgData name="唐 崇斌 Edwin" userId="769f27267cb83406" providerId="LiveId" clId="{CD038198-DCA5-497C-97B1-3A1263D8B09C}" dt="2020-10-02T10:02:18.840" v="29" actId="478"/>
           <ac:picMkLst>
             <pc:docMk/>
-            <pc:sldMk cId="2642943566" sldId="262"/>
-            <ac:picMk id="248" creationId="{EE8B66A6-702C-4CB1-8D82-F70C467E77FB}"/>
+            <pc:sldMk cId="4144416808" sldId="263"/>
+            <ac:picMk id="251" creationId="{BBCA83A7-1740-463A-AE5F-5ADDEDA31E29}"/>
           </ac:picMkLst>
         </pc:picChg>
-        <pc:picChg chg="mod">
-          <ac:chgData name="唐 崇斌 Edwin" userId="769f27267cb83406" providerId="LiveId" clId="{5950B5EE-091A-4B6E-A0E4-F7E0BA907422}" dt="2020-03-23T17:50:08.134" v="3583" actId="688"/>
+        <pc:picChg chg="del">
+          <ac:chgData name="唐 崇斌 Edwin" userId="769f27267cb83406" providerId="LiveId" clId="{CD038198-DCA5-497C-97B1-3A1263D8B09C}" dt="2020-10-02T10:02:18.840" v="29" actId="478"/>
           <ac:picMkLst>
             <pc:docMk/>
-            <pc:sldMk cId="2642943566" sldId="262"/>
-            <ac:picMk id="257" creationId="{7F648CE7-EEA1-4A60-ABDF-2060466F9E66}"/>
+            <pc:sldMk cId="4144416808" sldId="263"/>
+            <ac:picMk id="252" creationId="{1D58E062-DB32-43D4-8D1B-081C1CCC42A9}"/>
           </ac:picMkLst>
         </pc:picChg>
-        <pc:picChg chg="mod">
-          <ac:chgData name="唐 崇斌 Edwin" userId="769f27267cb83406" providerId="LiveId" clId="{5950B5EE-091A-4B6E-A0E4-F7E0BA907422}" dt="2020-03-23T17:50:08.134" v="3583" actId="688"/>
+        <pc:picChg chg="del">
+          <ac:chgData name="唐 崇斌 Edwin" userId="769f27267cb83406" providerId="LiveId" clId="{CD038198-DCA5-497C-97B1-3A1263D8B09C}" dt="2020-10-02T10:02:18.840" v="29" actId="478"/>
           <ac:picMkLst>
             <pc:docMk/>
-            <pc:sldMk cId="2642943566" sldId="262"/>
-            <ac:picMk id="258" creationId="{4274A4E9-D4DA-406A-8D91-30A413CE10FF}"/>
+            <pc:sldMk cId="4144416808" sldId="263"/>
+            <ac:picMk id="253" creationId="{585246F6-5FD0-430D-8C3D-A312F1DD3108}"/>
           </ac:picMkLst>
         </pc:picChg>
-        <pc:picChg chg="mod">
-          <ac:chgData name="唐 崇斌 Edwin" userId="769f27267cb83406" providerId="LiveId" clId="{5950B5EE-091A-4B6E-A0E4-F7E0BA907422}" dt="2020-03-25T04:32:36.738" v="3852" actId="1076"/>
-          <ac:picMkLst>
-            <pc:docMk/>
-            <pc:sldMk cId="2642943566" sldId="262"/>
-            <ac:picMk id="259" creationId="{64DD947F-310D-4EA7-A113-D0FB40401FCD}"/>
-          </ac:picMkLst>
-        </pc:picChg>
-        <pc:picChg chg="mod">
-          <ac:chgData name="唐 崇斌 Edwin" userId="769f27267cb83406" providerId="LiveId" clId="{5950B5EE-091A-4B6E-A0E4-F7E0BA907422}" dt="2020-03-23T17:50:08.134" v="3583" actId="688"/>
-          <ac:picMkLst>
-            <pc:docMk/>
-            <pc:sldMk cId="2642943566" sldId="262"/>
-            <ac:picMk id="260" creationId="{FB32EEF6-AEB1-4DA2-9BF8-CE9B73768289}"/>
-          </ac:picMkLst>
-        </pc:picChg>
-        <pc:picChg chg="mod">
-          <ac:chgData name="唐 崇斌 Edwin" userId="769f27267cb83406" providerId="LiveId" clId="{5950B5EE-091A-4B6E-A0E4-F7E0BA907422}" dt="2020-03-23T17:50:08.134" v="3583" actId="688"/>
-          <ac:picMkLst>
-            <pc:docMk/>
-            <pc:sldMk cId="2642943566" sldId="262"/>
-            <ac:picMk id="261" creationId="{3B1750DD-C421-4F79-8BAF-C8DD819C9BEE}"/>
-          </ac:picMkLst>
-        </pc:picChg>
-        <pc:picChg chg="mod">
-          <ac:chgData name="唐 崇斌 Edwin" userId="769f27267cb83406" providerId="LiveId" clId="{5950B5EE-091A-4B6E-A0E4-F7E0BA907422}" dt="2020-03-23T17:03:31.500" v="2752" actId="12788"/>
-          <ac:picMkLst>
-            <pc:docMk/>
-            <pc:sldMk cId="2642943566" sldId="262"/>
-            <ac:picMk id="266" creationId="{D0510ED5-1EB4-48C1-BE87-D536C5564A5C}"/>
-          </ac:picMkLst>
-        </pc:picChg>
-        <pc:cxnChg chg="del mod topLvl">
-          <ac:chgData name="唐 崇斌 Edwin" userId="769f27267cb83406" providerId="LiveId" clId="{5950B5EE-091A-4B6E-A0E4-F7E0BA907422}" dt="2020-03-23T16:57:43.339" v="2465" actId="478"/>
+        <pc:cxnChg chg="add mod topLvl">
+          <ac:chgData name="唐 崇斌 Edwin" userId="769f27267cb83406" providerId="LiveId" clId="{CD038198-DCA5-497C-97B1-3A1263D8B09C}" dt="2020-10-07T06:27:45.180" v="390" actId="1076"/>
           <ac:cxnSpMkLst>
             <pc:docMk/>
-            <pc:sldMk cId="2642943566" sldId="262"/>
-            <ac:cxnSpMk id="20" creationId="{58D6F731-7271-486D-BE38-1BE49FAE8F9F}"/>
+            <pc:sldMk cId="4144416808" sldId="263"/>
+            <ac:cxnSpMk id="100" creationId="{7D75360E-7ED0-4BD3-9FE7-F95CA29E2296}"/>
+          </ac:cxnSpMkLst>
+        </pc:cxnChg>
+        <pc:cxnChg chg="add mod topLvl">
+          <ac:chgData name="唐 崇斌 Edwin" userId="769f27267cb83406" providerId="LiveId" clId="{CD038198-DCA5-497C-97B1-3A1263D8B09C}" dt="2020-10-02T10:23:40.955" v="307" actId="12788"/>
+          <ac:cxnSpMkLst>
+            <pc:docMk/>
+            <pc:sldMk cId="4144416808" sldId="263"/>
+            <ac:cxnSpMk id="103" creationId="{69923BAE-B4C9-4276-8D32-C714BDFB0EA1}"/>
+          </ac:cxnSpMkLst>
+        </pc:cxnChg>
+        <pc:cxnChg chg="add mod topLvl">
+          <ac:chgData name="唐 崇斌 Edwin" userId="769f27267cb83406" providerId="LiveId" clId="{CD038198-DCA5-497C-97B1-3A1263D8B09C}" dt="2020-10-07T06:27:45.180" v="390" actId="1076"/>
+          <ac:cxnSpMkLst>
+            <pc:docMk/>
+            <pc:sldMk cId="4144416808" sldId="263"/>
+            <ac:cxnSpMk id="106" creationId="{8E6E0D40-FCE7-436D-852C-B9141D0F37C2}"/>
+          </ac:cxnSpMkLst>
+        </pc:cxnChg>
+        <pc:cxnChg chg="del">
+          <ac:chgData name="唐 崇斌 Edwin" userId="769f27267cb83406" providerId="LiveId" clId="{CD038198-DCA5-497C-97B1-3A1263D8B09C}" dt="2020-10-02T10:08:07.262" v="87" actId="478"/>
+          <ac:cxnSpMkLst>
+            <pc:docMk/>
+            <pc:sldMk cId="4144416808" sldId="263"/>
+            <ac:cxnSpMk id="117" creationId="{E63A7099-D16C-46D5-AE6F-34948B45C17E}"/>
           </ac:cxnSpMkLst>
         </pc:cxnChg>
         <pc:cxnChg chg="add del mod">
-          <ac:chgData name="唐 崇斌 Edwin" userId="769f27267cb83406" providerId="LiveId" clId="{5950B5EE-091A-4B6E-A0E4-F7E0BA907422}" dt="2020-03-23T14:27:43.068" v="267" actId="11529"/>
+          <ac:chgData name="唐 崇斌 Edwin" userId="769f27267cb83406" providerId="LiveId" clId="{CD038198-DCA5-497C-97B1-3A1263D8B09C}" dt="2020-10-02T10:17:02.712" v="215"/>
           <ac:cxnSpMkLst>
             <pc:docMk/>
-            <pc:sldMk cId="2642943566" sldId="262"/>
-            <ac:cxnSpMk id="26" creationId="{D8DAEDCD-083C-47D4-B61F-5458E6F41495}"/>
+            <pc:sldMk cId="4144416808" sldId="263"/>
+            <ac:cxnSpMk id="146" creationId="{D33519F1-D6AD-4E77-93B3-E82C1C0A3250}"/>
           </ac:cxnSpMkLst>
         </pc:cxnChg>
-        <pc:cxnChg chg="add del mod">
-          <ac:chgData name="唐 崇斌 Edwin" userId="769f27267cb83406" providerId="LiveId" clId="{5950B5EE-091A-4B6E-A0E4-F7E0BA907422}" dt="2020-03-23T14:28:07.381" v="273" actId="11529"/>
+        <pc:cxnChg chg="del mod">
+          <ac:chgData name="唐 崇斌 Edwin" userId="769f27267cb83406" providerId="LiveId" clId="{CD038198-DCA5-497C-97B1-3A1263D8B09C}" dt="2020-10-02T09:58:50.206" v="1" actId="478"/>
           <ac:cxnSpMkLst>
             <pc:docMk/>
-            <pc:sldMk cId="2642943566" sldId="262"/>
-            <ac:cxnSpMk id="28" creationId="{F0C20826-CB33-461C-BE67-CFDD135F6DC8}"/>
+            <pc:sldMk cId="4144416808" sldId="263"/>
+            <ac:cxnSpMk id="197" creationId="{307F1FD1-23EA-407B-9C1D-897E8F9E91F5}"/>
+          </ac:cxnSpMkLst>
+        </pc:cxnChg>
+        <pc:cxnChg chg="mod topLvl">
+          <ac:chgData name="唐 崇斌 Edwin" userId="769f27267cb83406" providerId="LiveId" clId="{CD038198-DCA5-497C-97B1-3A1263D8B09C}" dt="2020-10-05T09:46:10.462" v="323" actId="1076"/>
+          <ac:cxnSpMkLst>
+            <pc:docMk/>
+            <pc:sldMk cId="4144416808" sldId="263"/>
+            <ac:cxnSpMk id="198" creationId="{CE19A948-E279-4663-B0A0-44FF72584935}"/>
+          </ac:cxnSpMkLst>
+        </pc:cxnChg>
+        <pc:cxnChg chg="mod topLvl">
+          <ac:chgData name="唐 崇斌 Edwin" userId="769f27267cb83406" providerId="LiveId" clId="{CD038198-DCA5-497C-97B1-3A1263D8B09C}" dt="2020-10-05T09:46:10.462" v="323" actId="1076"/>
+          <ac:cxnSpMkLst>
+            <pc:docMk/>
+            <pc:sldMk cId="4144416808" sldId="263"/>
+            <ac:cxnSpMk id="199" creationId="{71825B62-6EC6-478C-842F-0F54CC304C0C}"/>
           </ac:cxnSpMkLst>
         </pc:cxnChg>
         <pc:cxnChg chg="del mod topLvl">
-          <ac:chgData name="唐 崇斌 Edwin" userId="769f27267cb83406" providerId="LiveId" clId="{5950B5EE-091A-4B6E-A0E4-F7E0BA907422}" dt="2020-03-23T16:57:43.339" v="2465" actId="478"/>
+          <ac:chgData name="唐 崇斌 Edwin" userId="769f27267cb83406" providerId="LiveId" clId="{CD038198-DCA5-497C-97B1-3A1263D8B09C}" dt="2020-10-02T10:08:48.231" v="92" actId="478"/>
           <ac:cxnSpMkLst>
             <pc:docMk/>
-            <pc:sldMk cId="2642943566" sldId="262"/>
-            <ac:cxnSpMk id="29" creationId="{7137AA24-A58B-4D3F-8D37-D3E135C87901}"/>
+            <pc:sldMk cId="4144416808" sldId="263"/>
+            <ac:cxnSpMk id="201" creationId="{A4E380D6-E5AA-4B5B-B3E9-DBFCEE4F03FA}"/>
           </ac:cxnSpMkLst>
         </pc:cxnChg>
-        <pc:cxnChg chg="add del mod">
-          <ac:chgData name="唐 崇斌 Edwin" userId="769f27267cb83406" providerId="LiveId" clId="{5950B5EE-091A-4B6E-A0E4-F7E0BA907422}" dt="2020-03-23T14:28:13.802" v="276" actId="11529"/>
+        <pc:cxnChg chg="del mod topLvl">
+          <ac:chgData name="唐 崇斌 Edwin" userId="769f27267cb83406" providerId="LiveId" clId="{CD038198-DCA5-497C-97B1-3A1263D8B09C}" dt="2020-10-02T10:08:45.357" v="91" actId="478"/>
           <ac:cxnSpMkLst>
             <pc:docMk/>
-            <pc:sldMk cId="2642943566" sldId="262"/>
-            <ac:cxnSpMk id="31" creationId="{C0A39242-5338-46B7-99B3-42E2AC5423EE}"/>
-          </ac:cxnSpMkLst>
-        </pc:cxnChg>
-        <pc:cxnChg chg="add del mod">
-          <ac:chgData name="唐 崇斌 Edwin" userId="769f27267cb83406" providerId="LiveId" clId="{5950B5EE-091A-4B6E-A0E4-F7E0BA907422}" dt="2020-03-23T14:29:09.445" v="303" actId="478"/>
-          <ac:cxnSpMkLst>
-            <pc:docMk/>
-            <pc:sldMk cId="2642943566" sldId="262"/>
-            <ac:cxnSpMk id="33" creationId="{FC7218AB-85DB-468C-9CF6-6CEABA661D57}"/>
-          </ac:cxnSpMkLst>
-        </pc:cxnChg>
-        <pc:cxnChg chg="add del mod">
-          <ac:chgData name="唐 崇斌 Edwin" userId="769f27267cb83406" providerId="LiveId" clId="{5950B5EE-091A-4B6E-A0E4-F7E0BA907422}" dt="2020-03-23T14:29:12.615" v="305" actId="478"/>
-          <ac:cxnSpMkLst>
-            <pc:docMk/>
-            <pc:sldMk cId="2642943566" sldId="262"/>
-            <ac:cxnSpMk id="35" creationId="{A5485932-A6D8-4558-907C-54CF6A6323A5}"/>
-          </ac:cxnSpMkLst>
-        </pc:cxnChg>
-        <pc:cxnChg chg="del mod">
-          <ac:chgData name="唐 崇斌 Edwin" userId="769f27267cb83406" providerId="LiveId" clId="{5950B5EE-091A-4B6E-A0E4-F7E0BA907422}" dt="2020-03-23T14:51:53.301" v="547" actId="478"/>
-          <ac:cxnSpMkLst>
-            <pc:docMk/>
-            <pc:sldMk cId="2642943566" sldId="262"/>
-            <ac:cxnSpMk id="36" creationId="{BDAC86C1-B5A8-464A-BF04-227FCB231D75}"/>
-          </ac:cxnSpMkLst>
-        </pc:cxnChg>
-        <pc:cxnChg chg="add del mod">
-          <ac:chgData name="唐 崇斌 Edwin" userId="769f27267cb83406" providerId="LiveId" clId="{5950B5EE-091A-4B6E-A0E4-F7E0BA907422}" dt="2020-03-23T14:29:31.799" v="311" actId="478"/>
-          <ac:cxnSpMkLst>
-            <pc:docMk/>
-            <pc:sldMk cId="2642943566" sldId="262"/>
-            <ac:cxnSpMk id="39" creationId="{91FD5A7E-FC86-4CE7-BD4F-6FC828B05339}"/>
-          </ac:cxnSpMkLst>
-        </pc:cxnChg>
-        <pc:cxnChg chg="add del mod">
-          <ac:chgData name="唐 崇斌 Edwin" userId="769f27267cb83406" providerId="LiveId" clId="{5950B5EE-091A-4B6E-A0E4-F7E0BA907422}" dt="2020-03-23T14:30:10.847" v="354" actId="11529"/>
-          <ac:cxnSpMkLst>
-            <pc:docMk/>
-            <pc:sldMk cId="2642943566" sldId="262"/>
-            <ac:cxnSpMk id="44" creationId="{4CEEC54C-B18D-4A78-97B4-E1D2E59764DE}"/>
-          </ac:cxnSpMkLst>
-        </pc:cxnChg>
-        <pc:cxnChg chg="del mod">
-          <ac:chgData name="唐 崇斌 Edwin" userId="769f27267cb83406" providerId="LiveId" clId="{5950B5EE-091A-4B6E-A0E4-F7E0BA907422}" dt="2020-03-23T14:51:09.731" v="535" actId="478"/>
-          <ac:cxnSpMkLst>
-            <pc:docMk/>
-            <pc:sldMk cId="2642943566" sldId="262"/>
-            <ac:cxnSpMk id="47" creationId="{157B31B1-4277-4F06-AB7D-F03F226DA78B}"/>
-          </ac:cxnSpMkLst>
-        </pc:cxnChg>
-        <pc:cxnChg chg="add del mod">
-          <ac:chgData name="唐 崇斌 Edwin" userId="769f27267cb83406" providerId="LiveId" clId="{5950B5EE-091A-4B6E-A0E4-F7E0BA907422}" dt="2020-03-23T14:29:22.356" v="308" actId="478"/>
-          <ac:cxnSpMkLst>
-            <pc:docMk/>
-            <pc:sldMk cId="2642943566" sldId="262"/>
-            <ac:cxnSpMk id="82" creationId="{11B216D1-158E-4144-AE67-CEC44FB93700}"/>
-          </ac:cxnSpMkLst>
-        </pc:cxnChg>
-        <pc:cxnChg chg="add del mod">
-          <ac:chgData name="唐 崇斌 Edwin" userId="769f27267cb83406" providerId="LiveId" clId="{5950B5EE-091A-4B6E-A0E4-F7E0BA907422}" dt="2020-03-23T14:29:21.774" v="307" actId="478"/>
-          <ac:cxnSpMkLst>
-            <pc:docMk/>
-            <pc:sldMk cId="2642943566" sldId="262"/>
-            <ac:cxnSpMk id="83" creationId="{19269B14-857D-4C89-86C0-A1358B33EF0D}"/>
-          </ac:cxnSpMkLst>
-        </pc:cxnChg>
-        <pc:cxnChg chg="add del mod">
-          <ac:chgData name="唐 崇斌 Edwin" userId="769f27267cb83406" providerId="LiveId" clId="{5950B5EE-091A-4B6E-A0E4-F7E0BA907422}" dt="2020-03-23T14:55:52.239" v="753" actId="478"/>
-          <ac:cxnSpMkLst>
-            <pc:docMk/>
-            <pc:sldMk cId="2642943566" sldId="262"/>
-            <ac:cxnSpMk id="98" creationId="{813CC718-184D-443E-9912-E4762F97BC4C}"/>
-          </ac:cxnSpMkLst>
-        </pc:cxnChg>
-        <pc:cxnChg chg="add del mod">
-          <ac:chgData name="唐 崇斌 Edwin" userId="769f27267cb83406" providerId="LiveId" clId="{5950B5EE-091A-4B6E-A0E4-F7E0BA907422}" dt="2020-03-23T14:55:52.239" v="753" actId="478"/>
-          <ac:cxnSpMkLst>
-            <pc:docMk/>
-            <pc:sldMk cId="2642943566" sldId="262"/>
-            <ac:cxnSpMk id="103" creationId="{88A22EEC-5FCA-4733-A3BC-749FEC67D4F9}"/>
+            <pc:sldMk cId="4144416808" sldId="263"/>
+            <ac:cxnSpMk id="202" creationId="{FC603C95-93C5-492C-B84B-5F3845432E73}"/>
           </ac:cxnSpMkLst>
         </pc:cxnChg>
         <pc:cxnChg chg="add mod">
-          <ac:chgData name="唐 崇斌 Edwin" userId="769f27267cb83406" providerId="LiveId" clId="{5950B5EE-091A-4B6E-A0E4-F7E0BA907422}" dt="2020-03-23T17:52:01.604" v="3633" actId="1038"/>
+          <ac:chgData name="唐 崇斌 Edwin" userId="769f27267cb83406" providerId="LiveId" clId="{CD038198-DCA5-497C-97B1-3A1263D8B09C}" dt="2020-10-07T06:27:45.180" v="390" actId="1076"/>
           <ac:cxnSpMkLst>
             <pc:docMk/>
-            <pc:sldMk cId="2642943566" sldId="262"/>
-            <ac:cxnSpMk id="117" creationId="{E63A7099-D16C-46D5-AE6F-34948B45C17E}"/>
+            <pc:sldMk cId="4144416808" sldId="263"/>
+            <ac:cxnSpMk id="218" creationId="{C59B1B5F-AC28-4335-9385-F8DD257B74B2}"/>
           </ac:cxnSpMkLst>
         </pc:cxnChg>
-        <pc:cxnChg chg="add del mod topLvl">
-          <ac:chgData name="唐 崇斌 Edwin" userId="769f27267cb83406" providerId="LiveId" clId="{5950B5EE-091A-4B6E-A0E4-F7E0BA907422}" dt="2020-03-23T16:57:43.339" v="2465" actId="478"/>
+        <pc:cxnChg chg="del">
+          <ac:chgData name="唐 崇斌 Edwin" userId="769f27267cb83406" providerId="LiveId" clId="{CD038198-DCA5-497C-97B1-3A1263D8B09C}" dt="2020-10-02T10:00:01.222" v="10" actId="478"/>
           <ac:cxnSpMkLst>
             <pc:docMk/>
-            <pc:sldMk cId="2642943566" sldId="262"/>
-            <ac:cxnSpMk id="138" creationId="{871CE4A9-51E1-4A85-845A-73E336A304A0}"/>
+            <pc:sldMk cId="4144416808" sldId="263"/>
+            <ac:cxnSpMk id="243" creationId="{25251829-DAAC-4EED-AD10-BEF5552F8808}"/>
           </ac:cxnSpMkLst>
         </pc:cxnChg>
-        <pc:cxnChg chg="add del mod topLvl">
-          <ac:chgData name="唐 崇斌 Edwin" userId="769f27267cb83406" providerId="LiveId" clId="{5950B5EE-091A-4B6E-A0E4-F7E0BA907422}" dt="2020-03-23T16:57:43.339" v="2465" actId="478"/>
+        <pc:cxnChg chg="del">
+          <ac:chgData name="唐 崇斌 Edwin" userId="769f27267cb83406" providerId="LiveId" clId="{CD038198-DCA5-497C-97B1-3A1263D8B09C}" dt="2020-10-02T10:00:01.222" v="10" actId="478"/>
           <ac:cxnSpMkLst>
             <pc:docMk/>
-            <pc:sldMk cId="2642943566" sldId="262"/>
-            <ac:cxnSpMk id="139" creationId="{00C2F0F8-FF7F-47C7-AC8B-C13C3DF48136}"/>
-          </ac:cxnSpMkLst>
-        </pc:cxnChg>
-        <pc:cxnChg chg="add del mod">
-          <ac:chgData name="唐 崇斌 Edwin" userId="769f27267cb83406" providerId="LiveId" clId="{5950B5EE-091A-4B6E-A0E4-F7E0BA907422}" dt="2020-03-23T15:42:52.749" v="1376" actId="478"/>
-          <ac:cxnSpMkLst>
-            <pc:docMk/>
-            <pc:sldMk cId="2642943566" sldId="262"/>
-            <ac:cxnSpMk id="144" creationId="{1C990A7F-8D8D-4E68-ADA1-8243C90D657E}"/>
-          </ac:cxnSpMkLst>
-        </pc:cxnChg>
-        <pc:cxnChg chg="del mod topLvl">
-          <ac:chgData name="唐 崇斌 Edwin" userId="769f27267cb83406" providerId="LiveId" clId="{5950B5EE-091A-4B6E-A0E4-F7E0BA907422}" dt="2020-03-23T16:57:43.339" v="2465" actId="478"/>
-          <ac:cxnSpMkLst>
-            <pc:docMk/>
-            <pc:sldMk cId="2642943566" sldId="262"/>
-            <ac:cxnSpMk id="146" creationId="{7755E390-2CA9-40E6-8045-B3B3BEDECA2B}"/>
-          </ac:cxnSpMkLst>
-        </pc:cxnChg>
-        <pc:cxnChg chg="del mod topLvl">
-          <ac:chgData name="唐 崇斌 Edwin" userId="769f27267cb83406" providerId="LiveId" clId="{5950B5EE-091A-4B6E-A0E4-F7E0BA907422}" dt="2020-03-23T16:57:43.339" v="2465" actId="478"/>
-          <ac:cxnSpMkLst>
-            <pc:docMk/>
-            <pc:sldMk cId="2642943566" sldId="262"/>
-            <ac:cxnSpMk id="148" creationId="{DB9E6460-EDF6-4D43-971D-37E03164FCCF}"/>
-          </ac:cxnSpMkLst>
-        </pc:cxnChg>
-        <pc:cxnChg chg="add mod">
-          <ac:chgData name="唐 崇斌 Edwin" userId="769f27267cb83406" providerId="LiveId" clId="{5950B5EE-091A-4B6E-A0E4-F7E0BA907422}" dt="2020-03-23T15:27:47.528" v="1347" actId="1037"/>
-          <ac:cxnSpMkLst>
-            <pc:docMk/>
-            <pc:sldMk cId="2642943566" sldId="262"/>
-            <ac:cxnSpMk id="159" creationId="{5AC9D880-BF35-46A3-BDE5-98480ADDCC8C}"/>
-          </ac:cxnSpMkLst>
-        </pc:cxnChg>
-        <pc:cxnChg chg="add mod">
-          <ac:chgData name="唐 崇斌 Edwin" userId="769f27267cb83406" providerId="LiveId" clId="{5950B5EE-091A-4B6E-A0E4-F7E0BA907422}" dt="2020-03-23T15:27:47.528" v="1347" actId="1037"/>
-          <ac:cxnSpMkLst>
-            <pc:docMk/>
-            <pc:sldMk cId="2642943566" sldId="262"/>
-            <ac:cxnSpMk id="160" creationId="{B2D34648-B06F-4642-B566-926AFE1877F0}"/>
-          </ac:cxnSpMkLst>
-        </pc:cxnChg>
-        <pc:cxnChg chg="add mod">
-          <ac:chgData name="唐 崇斌 Edwin" userId="769f27267cb83406" providerId="LiveId" clId="{5950B5EE-091A-4B6E-A0E4-F7E0BA907422}" dt="2020-03-23T15:27:47.528" v="1347" actId="1037"/>
-          <ac:cxnSpMkLst>
-            <pc:docMk/>
-            <pc:sldMk cId="2642943566" sldId="262"/>
-            <ac:cxnSpMk id="161" creationId="{CB1C2046-4E16-4597-AB4E-0B1F1801FB3B}"/>
-          </ac:cxnSpMkLst>
-        </pc:cxnChg>
-        <pc:cxnChg chg="del mod">
-          <ac:chgData name="唐 崇斌 Edwin" userId="769f27267cb83406" providerId="LiveId" clId="{5950B5EE-091A-4B6E-A0E4-F7E0BA907422}" dt="2020-03-23T14:26:30.656" v="258"/>
-          <ac:cxnSpMkLst>
-            <pc:docMk/>
-            <pc:sldMk cId="2642943566" sldId="262"/>
-            <ac:cxnSpMk id="162" creationId="{F71CE3D3-D67A-468F-8080-E8A4A91D7319}"/>
-          </ac:cxnSpMkLst>
-        </pc:cxnChg>
-        <pc:cxnChg chg="add mod">
-          <ac:chgData name="唐 崇斌 Edwin" userId="769f27267cb83406" providerId="LiveId" clId="{5950B5EE-091A-4B6E-A0E4-F7E0BA907422}" dt="2020-03-23T15:27:47.528" v="1347" actId="1037"/>
-          <ac:cxnSpMkLst>
-            <pc:docMk/>
-            <pc:sldMk cId="2642943566" sldId="262"/>
-            <ac:cxnSpMk id="164" creationId="{CA2D38E9-CC9C-4B7D-A6CD-7B7FC3B7E592}"/>
-          </ac:cxnSpMkLst>
-        </pc:cxnChg>
-        <pc:cxnChg chg="del mod">
-          <ac:chgData name="唐 崇斌 Edwin" userId="769f27267cb83406" providerId="LiveId" clId="{5950B5EE-091A-4B6E-A0E4-F7E0BA907422}" dt="2020-03-23T14:26:30.656" v="258"/>
-          <ac:cxnSpMkLst>
-            <pc:docMk/>
-            <pc:sldMk cId="2642943566" sldId="262"/>
-            <ac:cxnSpMk id="165" creationId="{21B42458-70C1-404D-AE6B-B41B7C1E5583}"/>
-          </ac:cxnSpMkLst>
-        </pc:cxnChg>
-        <pc:cxnChg chg="add del mod">
-          <ac:chgData name="唐 崇斌 Edwin" userId="769f27267cb83406" providerId="LiveId" clId="{5950B5EE-091A-4B6E-A0E4-F7E0BA907422}" dt="2020-03-23T16:57:43.339" v="2465" actId="478"/>
-          <ac:cxnSpMkLst>
-            <pc:docMk/>
-            <pc:sldMk cId="2642943566" sldId="262"/>
-            <ac:cxnSpMk id="165" creationId="{6757F21F-653D-4F3E-BC5A-CF9AD0FB3CC3}"/>
+            <pc:sldMk cId="4144416808" sldId="263"/>
+            <ac:cxnSpMk id="244" creationId="{766120E9-F20C-43F1-8972-4ACFBB803DC9}"/>
           </ac:cxnSpMkLst>
         </pc:cxnChg>
         <pc:cxnChg chg="mod">
-          <ac:chgData name="唐 崇斌 Edwin" userId="769f27267cb83406" providerId="LiveId" clId="{5950B5EE-091A-4B6E-A0E4-F7E0BA907422}" dt="2020-03-23T17:07:34.462" v="2888" actId="1038"/>
+          <ac:chgData name="唐 崇斌 Edwin" userId="769f27267cb83406" providerId="LiveId" clId="{CD038198-DCA5-497C-97B1-3A1263D8B09C}" dt="2020-10-02T10:17:04.625" v="219" actId="1076"/>
           <ac:cxnSpMkLst>
             <pc:docMk/>
-            <pc:sldMk cId="2642943566" sldId="262"/>
-            <ac:cxnSpMk id="178" creationId="{A68D602C-A3B0-4C9E-9614-1A43ECFB04C3}"/>
-          </ac:cxnSpMkLst>
-        </pc:cxnChg>
-        <pc:cxnChg chg="mod">
-          <ac:chgData name="唐 崇斌 Edwin" userId="769f27267cb83406" providerId="LiveId" clId="{5950B5EE-091A-4B6E-A0E4-F7E0BA907422}" dt="2020-03-23T17:22:14.045" v="3369" actId="693"/>
-          <ac:cxnSpMkLst>
-            <pc:docMk/>
-            <pc:sldMk cId="2642943566" sldId="262"/>
-            <ac:cxnSpMk id="180" creationId="{BEF2693C-7DF9-41E9-BD06-7DD56C4BA9A2}"/>
-          </ac:cxnSpMkLst>
-        </pc:cxnChg>
-        <pc:cxnChg chg="mod">
-          <ac:chgData name="唐 崇斌 Edwin" userId="769f27267cb83406" providerId="LiveId" clId="{5950B5EE-091A-4B6E-A0E4-F7E0BA907422}" dt="2020-03-25T13:07:37.635" v="4419" actId="693"/>
-          <ac:cxnSpMkLst>
-            <pc:docMk/>
-            <pc:sldMk cId="2642943566" sldId="262"/>
-            <ac:cxnSpMk id="184" creationId="{A0951C13-4CDD-42FE-B076-D86C1638B4E8}"/>
-          </ac:cxnSpMkLst>
-        </pc:cxnChg>
-        <pc:cxnChg chg="mod">
-          <ac:chgData name="唐 崇斌 Edwin" userId="769f27267cb83406" providerId="LiveId" clId="{5950B5EE-091A-4B6E-A0E4-F7E0BA907422}" dt="2020-03-25T13:07:09.910" v="4415" actId="693"/>
-          <ac:cxnSpMkLst>
-            <pc:docMk/>
-            <pc:sldMk cId="2642943566" sldId="262"/>
-            <ac:cxnSpMk id="186" creationId="{2ACD21E4-28D9-4704-ADE1-451536945594}"/>
-          </ac:cxnSpMkLst>
-        </pc:cxnChg>
-        <pc:cxnChg chg="add mod">
-          <ac:chgData name="唐 崇斌 Edwin" userId="769f27267cb83406" providerId="LiveId" clId="{5950B5EE-091A-4B6E-A0E4-F7E0BA907422}" dt="2020-03-23T17:57:09.864" v="3806" actId="12788"/>
-          <ac:cxnSpMkLst>
-            <pc:docMk/>
-            <pc:sldMk cId="2642943566" sldId="262"/>
-            <ac:cxnSpMk id="197" creationId="{307F1FD1-23EA-407B-9C1D-897E8F9E91F5}"/>
-          </ac:cxnSpMkLst>
-        </pc:cxnChg>
-        <pc:cxnChg chg="add mod">
-          <ac:chgData name="唐 崇斌 Edwin" userId="769f27267cb83406" providerId="LiveId" clId="{5950B5EE-091A-4B6E-A0E4-F7E0BA907422}" dt="2020-03-23T17:57:09.864" v="3806" actId="12788"/>
-          <ac:cxnSpMkLst>
-            <pc:docMk/>
-            <pc:sldMk cId="2642943566" sldId="262"/>
-            <ac:cxnSpMk id="198" creationId="{CE19A948-E279-4663-B0A0-44FF72584935}"/>
-          </ac:cxnSpMkLst>
-        </pc:cxnChg>
-        <pc:cxnChg chg="add mod">
-          <ac:chgData name="唐 崇斌 Edwin" userId="769f27267cb83406" providerId="LiveId" clId="{5950B5EE-091A-4B6E-A0E4-F7E0BA907422}" dt="2020-03-23T17:52:01.604" v="3633" actId="1038"/>
-          <ac:cxnSpMkLst>
-            <pc:docMk/>
-            <pc:sldMk cId="2642943566" sldId="262"/>
-            <ac:cxnSpMk id="199" creationId="{71825B62-6EC6-478C-842F-0F54CC304C0C}"/>
-          </ac:cxnSpMkLst>
-        </pc:cxnChg>
-        <pc:cxnChg chg="add del mod">
-          <ac:chgData name="唐 崇斌 Edwin" userId="769f27267cb83406" providerId="LiveId" clId="{5950B5EE-091A-4B6E-A0E4-F7E0BA907422}" dt="2020-03-23T17:13:40.858" v="3195" actId="478"/>
-          <ac:cxnSpMkLst>
-            <pc:docMk/>
-            <pc:sldMk cId="2642943566" sldId="262"/>
-            <ac:cxnSpMk id="200" creationId="{0C869853-87C4-4CCC-96B7-2D6EBA8CE72D}"/>
-          </ac:cxnSpMkLst>
-        </pc:cxnChg>
-        <pc:cxnChg chg="add mod">
-          <ac:chgData name="唐 崇斌 Edwin" userId="769f27267cb83406" providerId="LiveId" clId="{5950B5EE-091A-4B6E-A0E4-F7E0BA907422}" dt="2020-03-25T13:07:43.043" v="4420" actId="693"/>
-          <ac:cxnSpMkLst>
-            <pc:docMk/>
-            <pc:sldMk cId="2642943566" sldId="262"/>
-            <ac:cxnSpMk id="201" creationId="{A4E380D6-E5AA-4B5B-B3E9-DBFCEE4F03FA}"/>
-          </ac:cxnSpMkLst>
-        </pc:cxnChg>
-        <pc:cxnChg chg="add mod">
-          <ac:chgData name="唐 崇斌 Edwin" userId="769f27267cb83406" providerId="LiveId" clId="{5950B5EE-091A-4B6E-A0E4-F7E0BA907422}" dt="2020-03-23T17:52:01.604" v="3633" actId="1038"/>
-          <ac:cxnSpMkLst>
-            <pc:docMk/>
-            <pc:sldMk cId="2642943566" sldId="262"/>
-            <ac:cxnSpMk id="202" creationId="{FC603C95-93C5-492C-B84B-5F3845432E73}"/>
-          </ac:cxnSpMkLst>
-        </pc:cxnChg>
-        <pc:cxnChg chg="del mod topLvl">
-          <ac:chgData name="唐 崇斌 Edwin" userId="769f27267cb83406" providerId="LiveId" clId="{5950B5EE-091A-4B6E-A0E4-F7E0BA907422}" dt="2020-03-23T16:57:43.339" v="2465" actId="478"/>
-          <ac:cxnSpMkLst>
-            <pc:docMk/>
-            <pc:sldMk cId="2642943566" sldId="262"/>
-            <ac:cxnSpMk id="210" creationId="{56248D90-04BA-4318-9EFA-CAF04B06F20B}"/>
-          </ac:cxnSpMkLst>
-        </pc:cxnChg>
-        <pc:cxnChg chg="del mod topLvl">
-          <ac:chgData name="唐 崇斌 Edwin" userId="769f27267cb83406" providerId="LiveId" clId="{5950B5EE-091A-4B6E-A0E4-F7E0BA907422}" dt="2020-03-23T16:57:43.339" v="2465" actId="478"/>
-          <ac:cxnSpMkLst>
-            <pc:docMk/>
-            <pc:sldMk cId="2642943566" sldId="262"/>
-            <ac:cxnSpMk id="213" creationId="{2856A72C-02D8-4B27-B712-B82396AB79AE}"/>
-          </ac:cxnSpMkLst>
-        </pc:cxnChg>
-        <pc:cxnChg chg="add del mod">
-          <ac:chgData name="唐 崇斌 Edwin" userId="769f27267cb83406" providerId="LiveId" clId="{5950B5EE-091A-4B6E-A0E4-F7E0BA907422}" dt="2020-03-23T17:48:36.693" v="3555" actId="478"/>
-          <ac:cxnSpMkLst>
-            <pc:docMk/>
-            <pc:sldMk cId="2642943566" sldId="262"/>
-            <ac:cxnSpMk id="216" creationId="{37CE79F2-6453-42F4-A3BB-D80D3B56909B}"/>
-          </ac:cxnSpMkLst>
-        </pc:cxnChg>
-        <pc:cxnChg chg="del mod topLvl">
-          <ac:chgData name="唐 崇斌 Edwin" userId="769f27267cb83406" providerId="LiveId" clId="{5950B5EE-091A-4B6E-A0E4-F7E0BA907422}" dt="2020-03-23T16:57:43.339" v="2465" actId="478"/>
-          <ac:cxnSpMkLst>
-            <pc:docMk/>
-            <pc:sldMk cId="2642943566" sldId="262"/>
-            <ac:cxnSpMk id="232" creationId="{0CBFD6A4-7719-4C83-BB40-C8ECB7900A08}"/>
-          </ac:cxnSpMkLst>
-        </pc:cxnChg>
-        <pc:cxnChg chg="add mod">
-          <ac:chgData name="唐 崇斌 Edwin" userId="769f27267cb83406" providerId="LiveId" clId="{5950B5EE-091A-4B6E-A0E4-F7E0BA907422}" dt="2020-03-25T13:07:19.274" v="4418" actId="693"/>
-          <ac:cxnSpMkLst>
-            <pc:docMk/>
-            <pc:sldMk cId="2642943566" sldId="262"/>
-            <ac:cxnSpMk id="243" creationId="{25251829-DAAC-4EED-AD10-BEF5552F8808}"/>
-          </ac:cxnSpMkLst>
-        </pc:cxnChg>
-        <pc:cxnChg chg="add mod">
-          <ac:chgData name="唐 崇斌 Edwin" userId="769f27267cb83406" providerId="LiveId" clId="{5950B5EE-091A-4B6E-A0E4-F7E0BA907422}" dt="2020-03-25T13:07:19.274" v="4418" actId="693"/>
-          <ac:cxnSpMkLst>
-            <pc:docMk/>
-            <pc:sldMk cId="2642943566" sldId="262"/>
-            <ac:cxnSpMk id="244" creationId="{766120E9-F20C-43F1-8972-4ACFBB803DC9}"/>
-          </ac:cxnSpMkLst>
-        </pc:cxnChg>
-        <pc:cxnChg chg="add mod">
-          <ac:chgData name="唐 崇斌 Edwin" userId="769f27267cb83406" providerId="LiveId" clId="{5950B5EE-091A-4B6E-A0E4-F7E0BA907422}" dt="2020-03-23T17:52:01.604" v="3633" actId="1038"/>
-          <ac:cxnSpMkLst>
-            <pc:docMk/>
-            <pc:sldMk cId="2642943566" sldId="262"/>
+            <pc:sldMk cId="4144416808" sldId="263"/>
             <ac:cxnSpMk id="263" creationId="{810A3D51-1FB5-4908-BC34-279446F25AA0}"/>
           </ac:cxnSpMkLst>
         </pc:cxnChg>
-        <pc:cxnChg chg="add mod">
-          <ac:chgData name="唐 崇斌 Edwin" userId="769f27267cb83406" providerId="LiveId" clId="{5950B5EE-091A-4B6E-A0E4-F7E0BA907422}" dt="2020-03-24T00:40:17.365" v="3815" actId="1038"/>
+        <pc:cxnChg chg="del">
+          <ac:chgData name="唐 崇斌 Edwin" userId="769f27267cb83406" providerId="LiveId" clId="{CD038198-DCA5-497C-97B1-3A1263D8B09C}" dt="2020-10-02T10:06:30.073" v="64" actId="478"/>
           <ac:cxnSpMkLst>
             <pc:docMk/>
-            <pc:sldMk cId="2642943566" sldId="262"/>
+            <pc:sldMk cId="4144416808" sldId="263"/>
             <ac:cxnSpMk id="289" creationId="{BFFE2316-AF51-4357-89AB-F5ADAD9092BD}"/>
           </ac:cxnSpMkLst>
         </pc:cxnChg>
-      </pc:sldChg>
-    </pc:docChg>
-  </pc:docChgLst>
-  <pc:docChgLst>
-    <pc:chgData name="唐 崇斌 Edwin" userId="769f27267cb83406" providerId="LiveId" clId="{F749D1A7-B6C5-40CC-A752-898961211CE4}"/>
-    <pc:docChg chg="undo redo custSel addSld delSld modSld">
-      <pc:chgData name="唐 崇斌 Edwin" userId="769f27267cb83406" providerId="LiveId" clId="{F749D1A7-B6C5-40CC-A752-898961211CE4}" dt="2020-03-22T12:02:43.610" v="2560" actId="1037"/>
-      <pc:docMkLst>
-        <pc:docMk/>
-      </pc:docMkLst>
-      <pc:sldChg chg="addSp modSp">
-        <pc:chgData name="唐 崇斌 Edwin" userId="769f27267cb83406" providerId="LiveId" clId="{F749D1A7-B6C5-40CC-A752-898961211CE4}" dt="2020-03-22T11:32:55.186" v="2011" actId="1076"/>
-        <pc:sldMkLst>
-          <pc:docMk/>
-          <pc:sldMk cId="2087716266" sldId="258"/>
-        </pc:sldMkLst>
-        <pc:spChg chg="mod">
-          <ac:chgData name="唐 崇斌 Edwin" userId="769f27267cb83406" providerId="LiveId" clId="{F749D1A7-B6C5-40CC-A752-898961211CE4}" dt="2020-03-21T00:43:54.536" v="17"/>
-          <ac:spMkLst>
-            <pc:docMk/>
-            <pc:sldMk cId="2087716266" sldId="258"/>
-            <ac:spMk id="143" creationId="{00000000-0000-0000-0000-000000000000}"/>
-          </ac:spMkLst>
-        </pc:spChg>
-        <pc:picChg chg="add mod">
-          <ac:chgData name="唐 崇斌 Edwin" userId="769f27267cb83406" providerId="LiveId" clId="{F749D1A7-B6C5-40CC-A752-898961211CE4}" dt="2020-03-22T11:32:55.186" v="2011" actId="1076"/>
-          <ac:picMkLst>
-            <pc:docMk/>
-            <pc:sldMk cId="2087716266" sldId="258"/>
-            <ac:picMk id="1026" creationId="{59DEC199-A3EA-41FB-839A-2A51ED014B41}"/>
-          </ac:picMkLst>
-        </pc:picChg>
-      </pc:sldChg>
-      <pc:sldChg chg="addSp delSp modSp add">
-        <pc:chgData name="唐 崇斌 Edwin" userId="769f27267cb83406" providerId="LiveId" clId="{F749D1A7-B6C5-40CC-A752-898961211CE4}" dt="2020-03-22T12:02:43.610" v="2560" actId="1037"/>
-        <pc:sldMkLst>
-          <pc:docMk/>
-          <pc:sldMk cId="3037902655" sldId="260"/>
-        </pc:sldMkLst>
-        <pc:spChg chg="add del mod topLvl">
-          <ac:chgData name="唐 崇斌 Edwin" userId="769f27267cb83406" providerId="LiveId" clId="{F749D1A7-B6C5-40CC-A752-898961211CE4}" dt="2020-03-22T10:09:12.788" v="1009" actId="478"/>
-          <ac:spMkLst>
-            <pc:docMk/>
-            <pc:sldMk cId="3037902655" sldId="260"/>
-            <ac:spMk id="18" creationId="{77369110-6C40-448A-BA4A-C9A5380CADE1}"/>
-          </ac:spMkLst>
-        </pc:spChg>
-        <pc:spChg chg="del mod topLvl">
-          <ac:chgData name="唐 崇斌 Edwin" userId="769f27267cb83406" providerId="LiveId" clId="{F749D1A7-B6C5-40CC-A752-898961211CE4}" dt="2020-03-22T07:17:11.013" v="859" actId="478"/>
-          <ac:spMkLst>
-            <pc:docMk/>
-            <pc:sldMk cId="3037902655" sldId="260"/>
-            <ac:spMk id="51" creationId="{B9D59110-9004-4BDA-B0F4-17EE2C13BF3F}"/>
-          </ac:spMkLst>
-        </pc:spChg>
-        <pc:spChg chg="del mod topLvl">
-          <ac:chgData name="唐 崇斌 Edwin" userId="769f27267cb83406" providerId="LiveId" clId="{F749D1A7-B6C5-40CC-A752-898961211CE4}" dt="2020-03-22T09:49:40.846" v="876" actId="478"/>
-          <ac:spMkLst>
-            <pc:docMk/>
-            <pc:sldMk cId="3037902655" sldId="260"/>
-            <ac:spMk id="52" creationId="{FCEBFB51-2E0D-495C-8824-D46074A2105C}"/>
-          </ac:spMkLst>
-        </pc:spChg>
-        <pc:spChg chg="del mod topLvl">
-          <ac:chgData name="唐 崇斌 Edwin" userId="769f27267cb83406" providerId="LiveId" clId="{F749D1A7-B6C5-40CC-A752-898961211CE4}" dt="2020-03-22T09:49:40.846" v="876" actId="478"/>
-          <ac:spMkLst>
-            <pc:docMk/>
-            <pc:sldMk cId="3037902655" sldId="260"/>
-            <ac:spMk id="57" creationId="{F5639C9F-0F9B-48E5-A12D-DA91346F6FAB}"/>
-          </ac:spMkLst>
-        </pc:spChg>
-        <pc:spChg chg="mod">
-          <ac:chgData name="唐 崇斌 Edwin" userId="769f27267cb83406" providerId="LiveId" clId="{F749D1A7-B6C5-40CC-A752-898961211CE4}" dt="2020-03-21T01:26:56.876" v="386" actId="164"/>
-          <ac:spMkLst>
-            <pc:docMk/>
-            <pc:sldMk cId="3037902655" sldId="260"/>
-            <ac:spMk id="61" creationId="{44F86E2C-EF41-4B92-97B3-B4CB07A32D2C}"/>
-          </ac:spMkLst>
-        </pc:spChg>
-        <pc:spChg chg="del mod topLvl">
-          <ac:chgData name="唐 崇斌 Edwin" userId="769f27267cb83406" providerId="LiveId" clId="{F749D1A7-B6C5-40CC-A752-898961211CE4}" dt="2020-03-22T09:49:40.846" v="876" actId="478"/>
-          <ac:spMkLst>
-            <pc:docMk/>
-            <pc:sldMk cId="3037902655" sldId="260"/>
-            <ac:spMk id="62" creationId="{69BD1BD8-CB07-415B-8764-4F21C90D7D36}"/>
-          </ac:spMkLst>
-        </pc:spChg>
-        <pc:spChg chg="del mod topLvl">
-          <ac:chgData name="唐 崇斌 Edwin" userId="769f27267cb83406" providerId="LiveId" clId="{F749D1A7-B6C5-40CC-A752-898961211CE4}" dt="2020-03-22T09:49:40.846" v="876" actId="478"/>
-          <ac:spMkLst>
-            <pc:docMk/>
-            <pc:sldMk cId="3037902655" sldId="260"/>
-            <ac:spMk id="65" creationId="{EB7A6B76-2B18-4B61-A36D-5A91D7B016F5}"/>
-          </ac:spMkLst>
-        </pc:spChg>
-        <pc:spChg chg="add del mod topLvl">
-          <ac:chgData name="唐 崇斌 Edwin" userId="769f27267cb83406" providerId="LiveId" clId="{F749D1A7-B6C5-40CC-A752-898961211CE4}" dt="2020-03-22T11:40:59.057" v="2082" actId="478"/>
-          <ac:spMkLst>
-            <pc:docMk/>
-            <pc:sldMk cId="3037902655" sldId="260"/>
-            <ac:spMk id="67" creationId="{A125C8C6-AB2D-4863-81D4-35A5309F3B5D}"/>
-          </ac:spMkLst>
-        </pc:spChg>
-        <pc:spChg chg="mod">
-          <ac:chgData name="唐 崇斌 Edwin" userId="769f27267cb83406" providerId="LiveId" clId="{F749D1A7-B6C5-40CC-A752-898961211CE4}" dt="2020-03-22T07:16:15.621" v="850"/>
-          <ac:spMkLst>
-            <pc:docMk/>
-            <pc:sldMk cId="3037902655" sldId="260"/>
-            <ac:spMk id="68" creationId="{0F74233E-FF58-4F92-A73D-CC4DF7FC4511}"/>
-          </ac:spMkLst>
-        </pc:spChg>
-        <pc:spChg chg="add del mod">
-          <ac:chgData name="唐 崇斌 Edwin" userId="769f27267cb83406" providerId="LiveId" clId="{F749D1A7-B6C5-40CC-A752-898961211CE4}" dt="2020-03-22T10:00:18.765" v="913" actId="478"/>
-          <ac:spMkLst>
-            <pc:docMk/>
-            <pc:sldMk cId="3037902655" sldId="260"/>
-            <ac:spMk id="90" creationId="{47CE0608-8A23-4546-BD4C-D36D94698707}"/>
-          </ac:spMkLst>
-        </pc:spChg>
-        <pc:spChg chg="add del mod topLvl">
-          <ac:chgData name="唐 崇斌 Edwin" userId="769f27267cb83406" providerId="LiveId" clId="{F749D1A7-B6C5-40CC-A752-898961211CE4}" dt="2020-03-22T11:40:59.057" v="2082" actId="478"/>
-          <ac:spMkLst>
-            <pc:docMk/>
-            <pc:sldMk cId="3037902655" sldId="260"/>
-            <ac:spMk id="91" creationId="{18942709-C62A-4C09-96C2-3D84008BB1DB}"/>
-          </ac:spMkLst>
-        </pc:spChg>
-        <pc:spChg chg="del mod topLvl">
-          <ac:chgData name="唐 崇斌 Edwin" userId="769f27267cb83406" providerId="LiveId" clId="{F749D1A7-B6C5-40CC-A752-898961211CE4}" dt="2020-03-22T07:17:07.252" v="856" actId="478"/>
-          <ac:spMkLst>
-            <pc:docMk/>
-            <pc:sldMk cId="3037902655" sldId="260"/>
-            <ac:spMk id="92" creationId="{4CF66F24-EB60-4F8A-8464-39B1FC5A9866}"/>
-          </ac:spMkLst>
-        </pc:spChg>
-        <pc:spChg chg="del mod topLvl">
-          <ac:chgData name="唐 崇斌 Edwin" userId="769f27267cb83406" providerId="LiveId" clId="{F749D1A7-B6C5-40CC-A752-898961211CE4}" dt="2020-03-22T07:17:08.247" v="857" actId="478"/>
-          <ac:spMkLst>
-            <pc:docMk/>
-            <pc:sldMk cId="3037902655" sldId="260"/>
-            <ac:spMk id="93" creationId="{246B31B9-D1BB-4BA1-8674-808E4E2F995A}"/>
-          </ac:spMkLst>
-        </pc:spChg>
-        <pc:spChg chg="del mod topLvl">
-          <ac:chgData name="唐 崇斌 Edwin" userId="769f27267cb83406" providerId="LiveId" clId="{F749D1A7-B6C5-40CC-A752-898961211CE4}" dt="2020-03-22T07:17:10.097" v="858" actId="478"/>
-          <ac:spMkLst>
-            <pc:docMk/>
-            <pc:sldMk cId="3037902655" sldId="260"/>
-            <ac:spMk id="94" creationId="{F38C6A5F-FD73-4A35-905C-37F5C65A206F}"/>
-          </ac:spMkLst>
-        </pc:spChg>
-        <pc:spChg chg="add del">
-          <ac:chgData name="唐 崇斌 Edwin" userId="769f27267cb83406" providerId="LiveId" clId="{F749D1A7-B6C5-40CC-A752-898961211CE4}" dt="2020-03-21T01:25:24.204" v="145" actId="478"/>
-          <ac:spMkLst>
-            <pc:docMk/>
-            <pc:sldMk cId="3037902655" sldId="260"/>
-            <ac:spMk id="97" creationId="{5963D4BE-04FD-4DE7-9194-8CECA994ADFC}"/>
-          </ac:spMkLst>
-        </pc:spChg>
-        <pc:spChg chg="add del mod topLvl">
-          <ac:chgData name="唐 崇斌 Edwin" userId="769f27267cb83406" providerId="LiveId" clId="{F749D1A7-B6C5-40CC-A752-898961211CE4}" dt="2020-03-22T11:40:59.057" v="2082" actId="478"/>
-          <ac:spMkLst>
-            <pc:docMk/>
-            <pc:sldMk cId="3037902655" sldId="260"/>
-            <ac:spMk id="97" creationId="{DB33936C-85B3-485A-9A4C-AF6065BD5FB4}"/>
-          </ac:spMkLst>
-        </pc:spChg>
-        <pc:spChg chg="add del mod topLvl">
-          <ac:chgData name="唐 崇斌 Edwin" userId="769f27267cb83406" providerId="LiveId" clId="{F749D1A7-B6C5-40CC-A752-898961211CE4}" dt="2020-03-22T11:40:59.057" v="2082" actId="478"/>
-          <ac:spMkLst>
-            <pc:docMk/>
-            <pc:sldMk cId="3037902655" sldId="260"/>
-            <ac:spMk id="99" creationId="{00C37BC6-AF06-44E7-9F9C-F65BC3232D2A}"/>
-          </ac:spMkLst>
-        </pc:spChg>
-        <pc:spChg chg="add del mod topLvl">
-          <ac:chgData name="唐 崇斌 Edwin" userId="769f27267cb83406" providerId="LiveId" clId="{F749D1A7-B6C5-40CC-A752-898961211CE4}" dt="2020-03-22T10:09:12.788" v="1009" actId="478"/>
-          <ac:spMkLst>
-            <pc:docMk/>
-            <pc:sldMk cId="3037902655" sldId="260"/>
-            <ac:spMk id="100" creationId="{9BF7A36A-74DB-4A32-BA58-90C9D78BAFED}"/>
-          </ac:spMkLst>
-        </pc:spChg>
-        <pc:spChg chg="add del mod topLvl">
-          <ac:chgData name="唐 崇斌 Edwin" userId="769f27267cb83406" providerId="LiveId" clId="{F749D1A7-B6C5-40CC-A752-898961211CE4}" dt="2020-03-22T09:49:40.846" v="876" actId="478"/>
-          <ac:spMkLst>
-            <pc:docMk/>
-            <pc:sldMk cId="3037902655" sldId="260"/>
-            <ac:spMk id="101" creationId="{142E36D8-0ACE-41BD-8F2D-751026173AB8}"/>
-          </ac:spMkLst>
-        </pc:spChg>
-        <pc:spChg chg="add del mod topLvl">
-          <ac:chgData name="唐 崇斌 Edwin" userId="769f27267cb83406" providerId="LiveId" clId="{F749D1A7-B6C5-40CC-A752-898961211CE4}" dt="2020-03-22T09:49:40.846" v="876" actId="478"/>
-          <ac:spMkLst>
-            <pc:docMk/>
-            <pc:sldMk cId="3037902655" sldId="260"/>
-            <ac:spMk id="102" creationId="{D805EE81-08E2-459C-91C4-83E6A8F54E17}"/>
-          </ac:spMkLst>
-        </pc:spChg>
-        <pc:spChg chg="add del mod topLvl">
-          <ac:chgData name="唐 崇斌 Edwin" userId="769f27267cb83406" providerId="LiveId" clId="{F749D1A7-B6C5-40CC-A752-898961211CE4}" dt="2020-03-22T09:49:40.846" v="876" actId="478"/>
-          <ac:spMkLst>
-            <pc:docMk/>
-            <pc:sldMk cId="3037902655" sldId="260"/>
-            <ac:spMk id="103" creationId="{E368BA37-19AA-44C6-84C0-C6A6FBBB9F85}"/>
-          </ac:spMkLst>
-        </pc:spChg>
-        <pc:spChg chg="add mod">
-          <ac:chgData name="唐 崇斌 Edwin" userId="769f27267cb83406" providerId="LiveId" clId="{F749D1A7-B6C5-40CC-A752-898961211CE4}" dt="2020-03-21T01:40:05.521" v="781" actId="571"/>
-          <ac:spMkLst>
-            <pc:docMk/>
-            <pc:sldMk cId="3037902655" sldId="260"/>
-            <ac:spMk id="104" creationId="{339FD55B-5D18-434C-AAEF-F8499AE06F20}"/>
-          </ac:spMkLst>
-        </pc:spChg>
-        <pc:spChg chg="add mod">
-          <ac:chgData name="唐 崇斌 Edwin" userId="769f27267cb83406" providerId="LiveId" clId="{F749D1A7-B6C5-40CC-A752-898961211CE4}" dt="2020-03-21T01:40:05.521" v="781" actId="571"/>
-          <ac:spMkLst>
-            <pc:docMk/>
-            <pc:sldMk cId="3037902655" sldId="260"/>
-            <ac:spMk id="106" creationId="{41306E5A-6DED-4E4C-A0C6-D6650ABFA949}"/>
-          </ac:spMkLst>
-        </pc:spChg>
-        <pc:spChg chg="del mod topLvl">
-          <ac:chgData name="唐 崇斌 Edwin" userId="769f27267cb83406" providerId="LiveId" clId="{F749D1A7-B6C5-40CC-A752-898961211CE4}" dt="2020-03-22T10:07:52.915" v="1004" actId="478"/>
-          <ac:spMkLst>
-            <pc:docMk/>
-            <pc:sldMk cId="3037902655" sldId="260"/>
-            <ac:spMk id="106" creationId="{83362DCC-1C49-42F0-8E7E-895ADE7AF650}"/>
-          </ac:spMkLst>
-        </pc:spChg>
-        <pc:spChg chg="del mod topLvl">
-          <ac:chgData name="唐 崇斌 Edwin" userId="769f27267cb83406" providerId="LiveId" clId="{F749D1A7-B6C5-40CC-A752-898961211CE4}" dt="2020-03-22T10:07:52.915" v="1004" actId="478"/>
-          <ac:spMkLst>
-            <pc:docMk/>
-            <pc:sldMk cId="3037902655" sldId="260"/>
-            <ac:spMk id="107" creationId="{8359043B-C683-4A9F-95AF-B2907BC6D28D}"/>
-          </ac:spMkLst>
-        </pc:spChg>
-        <pc:spChg chg="add del mod topLvl">
-          <ac:chgData name="唐 崇斌 Edwin" userId="769f27267cb83406" providerId="LiveId" clId="{F749D1A7-B6C5-40CC-A752-898961211CE4}" dt="2020-03-22T11:40:59.057" v="2082" actId="478"/>
-          <ac:spMkLst>
-            <pc:docMk/>
-            <pc:sldMk cId="3037902655" sldId="260"/>
-            <ac:spMk id="108" creationId="{8D2451B4-5A7E-4456-9AEB-2140050CD8E3}"/>
-          </ac:spMkLst>
-        </pc:spChg>
-        <pc:spChg chg="del mod">
-          <ac:chgData name="唐 崇斌 Edwin" userId="769f27267cb83406" providerId="LiveId" clId="{F749D1A7-B6C5-40CC-A752-898961211CE4}" dt="2020-03-22T10:07:46.784" v="1002" actId="478"/>
-          <ac:spMkLst>
-            <pc:docMk/>
-            <pc:sldMk cId="3037902655" sldId="260"/>
-            <ac:spMk id="109" creationId="{6568AC85-ECAE-4D39-B999-F3D1044CD55C}"/>
-          </ac:spMkLst>
-        </pc:spChg>
-        <pc:spChg chg="add mod">
-          <ac:chgData name="唐 崇斌 Edwin" userId="769f27267cb83406" providerId="LiveId" clId="{F749D1A7-B6C5-40CC-A752-898961211CE4}" dt="2020-03-22T10:09:45.815" v="1013" actId="571"/>
-          <ac:spMkLst>
-            <pc:docMk/>
-            <pc:sldMk cId="3037902655" sldId="260"/>
-            <ac:spMk id="110" creationId="{5D47AD02-8EBA-49BD-83A7-A7525729D4C1}"/>
-          </ac:spMkLst>
-        </pc:spChg>
-        <pc:spChg chg="add mod">
-          <ac:chgData name="唐 崇斌 Edwin" userId="769f27267cb83406" providerId="LiveId" clId="{F749D1A7-B6C5-40CC-A752-898961211CE4}" dt="2020-03-22T10:09:45.815" v="1013" actId="571"/>
-          <ac:spMkLst>
-            <pc:docMk/>
-            <pc:sldMk cId="3037902655" sldId="260"/>
-            <ac:spMk id="111" creationId="{5337AEEF-6030-4CCA-9EB5-5259E5FB4910}"/>
-          </ac:spMkLst>
-        </pc:spChg>
-        <pc:spChg chg="add del mod ord topLvl">
-          <ac:chgData name="唐 崇斌 Edwin" userId="769f27267cb83406" providerId="LiveId" clId="{F749D1A7-B6C5-40CC-A752-898961211CE4}" dt="2020-03-22T11:40:59.057" v="2082" actId="478"/>
-          <ac:spMkLst>
-            <pc:docMk/>
-            <pc:sldMk cId="3037902655" sldId="260"/>
-            <ac:spMk id="112" creationId="{BDB867D4-8A12-4602-8B32-7B5488302359}"/>
-          </ac:spMkLst>
-        </pc:spChg>
-        <pc:spChg chg="add del mod topLvl">
-          <ac:chgData name="唐 崇斌 Edwin" userId="769f27267cb83406" providerId="LiveId" clId="{F749D1A7-B6C5-40CC-A752-898961211CE4}" dt="2020-03-22T11:55:57.095" v="2408" actId="1582"/>
-          <ac:spMkLst>
-            <pc:docMk/>
-            <pc:sldMk cId="3037902655" sldId="260"/>
-            <ac:spMk id="142" creationId="{E25BAEBA-8F45-435A-8A3B-A30C6BD1F3BD}"/>
-          </ac:spMkLst>
-        </pc:spChg>
-        <pc:spChg chg="add del mod">
-          <ac:chgData name="唐 崇斌 Edwin" userId="769f27267cb83406" providerId="LiveId" clId="{F749D1A7-B6C5-40CC-A752-898961211CE4}" dt="2020-03-22T11:40:59.057" v="2082" actId="478"/>
-          <ac:spMkLst>
-            <pc:docMk/>
-            <pc:sldMk cId="3037902655" sldId="260"/>
-            <ac:spMk id="143" creationId="{7A03E50A-7DDE-4E4C-AF18-075ECF418E9C}"/>
-          </ac:spMkLst>
-        </pc:spChg>
-        <pc:spChg chg="add del mod">
-          <ac:chgData name="唐 崇斌 Edwin" userId="769f27267cb83406" providerId="LiveId" clId="{F749D1A7-B6C5-40CC-A752-898961211CE4}" dt="2020-03-22T11:40:59.057" v="2082" actId="478"/>
-          <ac:spMkLst>
-            <pc:docMk/>
-            <pc:sldMk cId="3037902655" sldId="260"/>
-            <ac:spMk id="144" creationId="{2D935B3F-65AF-4663-8A62-F22F6F3D1045}"/>
-          </ac:spMkLst>
-        </pc:spChg>
-        <pc:spChg chg="add mod">
-          <ac:chgData name="唐 崇斌 Edwin" userId="769f27267cb83406" providerId="LiveId" clId="{F749D1A7-B6C5-40CC-A752-898961211CE4}" dt="2020-03-22T11:15:07.113" v="1947" actId="1036"/>
-          <ac:spMkLst>
-            <pc:docMk/>
-            <pc:sldMk cId="3037902655" sldId="260"/>
-            <ac:spMk id="157" creationId="{0A6A9A43-802D-489B-B71C-67B5786BC8BA}"/>
-          </ac:spMkLst>
-        </pc:spChg>
-        <pc:spChg chg="add del mod">
-          <ac:chgData name="唐 崇斌 Edwin" userId="769f27267cb83406" providerId="LiveId" clId="{F749D1A7-B6C5-40CC-A752-898961211CE4}" dt="2020-03-22T11:40:59.057" v="2082" actId="478"/>
-          <ac:spMkLst>
-            <pc:docMk/>
-            <pc:sldMk cId="3037902655" sldId="260"/>
-            <ac:spMk id="197" creationId="{7C6D78C3-F5B1-4DE5-94A9-1FBFAA8C7726}"/>
-          </ac:spMkLst>
-        </pc:spChg>
-        <pc:spChg chg="add del mod">
-          <ac:chgData name="唐 崇斌 Edwin" userId="769f27267cb83406" providerId="LiveId" clId="{F749D1A7-B6C5-40CC-A752-898961211CE4}" dt="2020-03-22T11:40:59.057" v="2082" actId="478"/>
-          <ac:spMkLst>
-            <pc:docMk/>
-            <pc:sldMk cId="3037902655" sldId="260"/>
-            <ac:spMk id="198" creationId="{4AB548EE-86D9-41C2-89D1-899B548E3A95}"/>
-          </ac:spMkLst>
-        </pc:spChg>
-        <pc:spChg chg="add del mod">
-          <ac:chgData name="唐 崇斌 Edwin" userId="769f27267cb83406" providerId="LiveId" clId="{F749D1A7-B6C5-40CC-A752-898961211CE4}" dt="2020-03-22T11:40:59.057" v="2082" actId="478"/>
-          <ac:spMkLst>
-            <pc:docMk/>
-            <pc:sldMk cId="3037902655" sldId="260"/>
-            <ac:spMk id="217" creationId="{4EBB2C86-4E17-4BCF-AE40-A6CCB5F1A080}"/>
-          </ac:spMkLst>
-        </pc:spChg>
-        <pc:spChg chg="add del mod">
-          <ac:chgData name="唐 崇斌 Edwin" userId="769f27267cb83406" providerId="LiveId" clId="{F749D1A7-B6C5-40CC-A752-898961211CE4}" dt="2020-03-22T11:40:59.057" v="2082" actId="478"/>
-          <ac:spMkLst>
-            <pc:docMk/>
-            <pc:sldMk cId="3037902655" sldId="260"/>
-            <ac:spMk id="218" creationId="{673A29C4-10CC-481F-AEC6-1CDE88CCDDAE}"/>
-          </ac:spMkLst>
-        </pc:spChg>
-        <pc:spChg chg="add del mod">
-          <ac:chgData name="唐 崇斌 Edwin" userId="769f27267cb83406" providerId="LiveId" clId="{F749D1A7-B6C5-40CC-A752-898961211CE4}" dt="2020-03-22T11:40:59.057" v="2082" actId="478"/>
-          <ac:spMkLst>
-            <pc:docMk/>
-            <pc:sldMk cId="3037902655" sldId="260"/>
-            <ac:spMk id="225" creationId="{3B78E93F-B6B6-4856-B831-265439C290ED}"/>
-          </ac:spMkLst>
-        </pc:spChg>
-        <pc:spChg chg="add del mod">
-          <ac:chgData name="唐 崇斌 Edwin" userId="769f27267cb83406" providerId="LiveId" clId="{F749D1A7-B6C5-40CC-A752-898961211CE4}" dt="2020-03-22T11:40:59.057" v="2082" actId="478"/>
-          <ac:spMkLst>
-            <pc:docMk/>
-            <pc:sldMk cId="3037902655" sldId="260"/>
-            <ac:spMk id="226" creationId="{86BD3BCA-9C82-422B-933D-13E65E2B4E33}"/>
-          </ac:spMkLst>
-        </pc:spChg>
-        <pc:spChg chg="add mod">
-          <ac:chgData name="唐 崇斌 Edwin" userId="769f27267cb83406" providerId="LiveId" clId="{F749D1A7-B6C5-40CC-A752-898961211CE4}" dt="2020-03-22T11:55:40.676" v="2406" actId="208"/>
-          <ac:spMkLst>
-            <pc:docMk/>
-            <pc:sldMk cId="3037902655" sldId="260"/>
-            <ac:spMk id="230" creationId="{38EAECC0-CCB3-4750-9EC2-260B1A1693AD}"/>
-          </ac:spMkLst>
-        </pc:spChg>
-        <pc:spChg chg="add mod">
-          <ac:chgData name="唐 崇斌 Edwin" userId="769f27267cb83406" providerId="LiveId" clId="{F749D1A7-B6C5-40CC-A752-898961211CE4}" dt="2020-03-22T11:55:57.095" v="2408" actId="1582"/>
-          <ac:spMkLst>
-            <pc:docMk/>
-            <pc:sldMk cId="3037902655" sldId="260"/>
-            <ac:spMk id="238" creationId="{CAF45A72-2999-4E36-BB0C-16EFD0CBF21E}"/>
-          </ac:spMkLst>
-        </pc:spChg>
-        <pc:spChg chg="add mod ord topLvl">
-          <ac:chgData name="唐 崇斌 Edwin" userId="769f27267cb83406" providerId="LiveId" clId="{F749D1A7-B6C5-40CC-A752-898961211CE4}" dt="2020-03-22T11:55:40.676" v="2406" actId="208"/>
-          <ac:spMkLst>
-            <pc:docMk/>
-            <pc:sldMk cId="3037902655" sldId="260"/>
-            <ac:spMk id="239" creationId="{4E37F4D6-9BB4-4403-87A1-0C16A9CFBBEE}"/>
-          </ac:spMkLst>
-        </pc:spChg>
-        <pc:spChg chg="add mod">
-          <ac:chgData name="唐 崇斌 Edwin" userId="769f27267cb83406" providerId="LiveId" clId="{F749D1A7-B6C5-40CC-A752-898961211CE4}" dt="2020-03-22T11:55:57.095" v="2408" actId="1582"/>
-          <ac:spMkLst>
-            <pc:docMk/>
-            <pc:sldMk cId="3037902655" sldId="260"/>
-            <ac:spMk id="240" creationId="{796953AE-C535-4F59-A3E1-61EEB14BBEF7}"/>
-          </ac:spMkLst>
-        </pc:spChg>
-        <pc:spChg chg="add mod">
-          <ac:chgData name="唐 崇斌 Edwin" userId="769f27267cb83406" providerId="LiveId" clId="{F749D1A7-B6C5-40CC-A752-898961211CE4}" dt="2020-03-22T11:55:57.095" v="2408" actId="1582"/>
-          <ac:spMkLst>
-            <pc:docMk/>
-            <pc:sldMk cId="3037902655" sldId="260"/>
-            <ac:spMk id="241" creationId="{E677E85B-03E0-429B-94BB-1BBC4242884E}"/>
-          </ac:spMkLst>
-        </pc:spChg>
-        <pc:spChg chg="add del mod">
-          <ac:chgData name="唐 崇斌 Edwin" userId="769f27267cb83406" providerId="LiveId" clId="{F749D1A7-B6C5-40CC-A752-898961211CE4}" dt="2020-03-22T11:57:20.805" v="2420" actId="478"/>
-          <ac:spMkLst>
-            <pc:docMk/>
-            <pc:sldMk cId="3037902655" sldId="260"/>
-            <ac:spMk id="244" creationId="{B2AEA5DA-4C8B-4E32-8A3D-46E555C25E69}"/>
-          </ac:spMkLst>
-        </pc:spChg>
-        <pc:spChg chg="add del mod topLvl">
-          <ac:chgData name="唐 崇斌 Edwin" userId="769f27267cb83406" providerId="LiveId" clId="{F749D1A7-B6C5-40CC-A752-898961211CE4}" dt="2020-03-22T11:48:37.103" v="2232" actId="478"/>
-          <ac:spMkLst>
-            <pc:docMk/>
-            <pc:sldMk cId="3037902655" sldId="260"/>
-            <ac:spMk id="253" creationId="{CAAA267D-8412-46AF-8691-50EDFF44D330}"/>
-          </ac:spMkLst>
-        </pc:spChg>
-        <pc:spChg chg="add mod">
-          <ac:chgData name="唐 崇斌 Edwin" userId="769f27267cb83406" providerId="LiveId" clId="{F749D1A7-B6C5-40CC-A752-898961211CE4}" dt="2020-03-22T11:55:40.676" v="2406" actId="208"/>
-          <ac:spMkLst>
-            <pc:docMk/>
-            <pc:sldMk cId="3037902655" sldId="260"/>
-            <ac:spMk id="255" creationId="{2D590E40-7F2D-452A-AA19-01E451E05309}"/>
-          </ac:spMkLst>
-        </pc:spChg>
-        <pc:spChg chg="add mod">
-          <ac:chgData name="唐 崇斌 Edwin" userId="769f27267cb83406" providerId="LiveId" clId="{F749D1A7-B6C5-40CC-A752-898961211CE4}" dt="2020-03-22T11:55:40.676" v="2406" actId="208"/>
-          <ac:spMkLst>
-            <pc:docMk/>
-            <pc:sldMk cId="3037902655" sldId="260"/>
-            <ac:spMk id="257" creationId="{3333E448-9837-4624-89FE-9B6FD787A36C}"/>
-          </ac:spMkLst>
-        </pc:spChg>
-        <pc:spChg chg="add mod">
-          <ac:chgData name="唐 崇斌 Edwin" userId="769f27267cb83406" providerId="LiveId" clId="{F749D1A7-B6C5-40CC-A752-898961211CE4}" dt="2020-03-22T11:55:40.676" v="2406" actId="208"/>
-          <ac:spMkLst>
-            <pc:docMk/>
-            <pc:sldMk cId="3037902655" sldId="260"/>
-            <ac:spMk id="258" creationId="{5A6AAD8A-2B4B-4AF5-8C62-A0023426D752}"/>
-          </ac:spMkLst>
-        </pc:spChg>
-        <pc:spChg chg="add del mod">
-          <ac:chgData name="唐 崇斌 Edwin" userId="769f27267cb83406" providerId="LiveId" clId="{F749D1A7-B6C5-40CC-A752-898961211CE4}" dt="2020-03-22T11:52:53.913" v="2376" actId="478"/>
-          <ac:spMkLst>
-            <pc:docMk/>
-            <pc:sldMk cId="3037902655" sldId="260"/>
-            <ac:spMk id="260" creationId="{59251FDD-CCD5-4C64-A798-D5AD97D41E37}"/>
-          </ac:spMkLst>
-        </pc:spChg>
-        <pc:spChg chg="add del mod">
-          <ac:chgData name="唐 崇斌 Edwin" userId="769f27267cb83406" providerId="LiveId" clId="{F749D1A7-B6C5-40CC-A752-898961211CE4}" dt="2020-03-22T11:56:47.986" v="2411" actId="478"/>
-          <ac:spMkLst>
-            <pc:docMk/>
-            <pc:sldMk cId="3037902655" sldId="260"/>
-            <ac:spMk id="261" creationId="{3CA545EB-D901-4D49-AA65-FA8655EFABD1}"/>
-          </ac:spMkLst>
-        </pc:spChg>
-        <pc:spChg chg="add del mod">
-          <ac:chgData name="唐 崇斌 Edwin" userId="769f27267cb83406" providerId="LiveId" clId="{F749D1A7-B6C5-40CC-A752-898961211CE4}" dt="2020-03-22T11:56:36.591" v="2410" actId="478"/>
-          <ac:spMkLst>
-            <pc:docMk/>
-            <pc:sldMk cId="3037902655" sldId="260"/>
-            <ac:spMk id="262" creationId="{62B948F5-F457-47E6-BEE2-B0EE2AB2A001}"/>
-          </ac:spMkLst>
-        </pc:spChg>
-        <pc:spChg chg="add mod">
-          <ac:chgData name="唐 崇斌 Edwin" userId="769f27267cb83406" providerId="LiveId" clId="{F749D1A7-B6C5-40CC-A752-898961211CE4}" dt="2020-03-22T12:00:26.249" v="2511" actId="14100"/>
-          <ac:spMkLst>
-            <pc:docMk/>
-            <pc:sldMk cId="3037902655" sldId="260"/>
-            <ac:spMk id="263" creationId="{9551EA7C-FBF4-4C68-8154-6FCCD380781B}"/>
-          </ac:spMkLst>
-        </pc:spChg>
-        <pc:spChg chg="add mod">
-          <ac:chgData name="唐 崇斌 Edwin" userId="769f27267cb83406" providerId="LiveId" clId="{F749D1A7-B6C5-40CC-A752-898961211CE4}" dt="2020-03-22T12:01:37.803" v="2537" actId="14100"/>
-          <ac:spMkLst>
-            <pc:docMk/>
-            <pc:sldMk cId="3037902655" sldId="260"/>
-            <ac:spMk id="273" creationId="{6160CF72-44D6-4E41-AD92-D006C8FBC225}"/>
-          </ac:spMkLst>
-        </pc:spChg>
-        <pc:spChg chg="add mod">
-          <ac:chgData name="唐 崇斌 Edwin" userId="769f27267cb83406" providerId="LiveId" clId="{F749D1A7-B6C5-40CC-A752-898961211CE4}" dt="2020-03-22T12:01:28.220" v="2534" actId="164"/>
-          <ac:spMkLst>
-            <pc:docMk/>
-            <pc:sldMk cId="3037902655" sldId="260"/>
-            <ac:spMk id="274" creationId="{571F3F2C-A95C-49D2-80C2-4CF73041DB97}"/>
-          </ac:spMkLst>
-        </pc:spChg>
-        <pc:spChg chg="add mod">
-          <ac:chgData name="唐 崇斌 Edwin" userId="769f27267cb83406" providerId="LiveId" clId="{F749D1A7-B6C5-40CC-A752-898961211CE4}" dt="2020-03-22T12:01:28.220" v="2534" actId="164"/>
-          <ac:spMkLst>
-            <pc:docMk/>
-            <pc:sldMk cId="3037902655" sldId="260"/>
-            <ac:spMk id="275" creationId="{A0BE8E6A-2FD1-4A87-B4A8-72EB708A6E52}"/>
-          </ac:spMkLst>
-        </pc:spChg>
-        <pc:grpChg chg="add mod">
-          <ac:chgData name="唐 崇斌 Edwin" userId="769f27267cb83406" providerId="LiveId" clId="{F749D1A7-B6C5-40CC-A752-898961211CE4}" dt="2020-03-22T09:47:10.545" v="868" actId="164"/>
-          <ac:grpSpMkLst>
-            <pc:docMk/>
-            <pc:sldMk cId="3037902655" sldId="260"/>
-            <ac:grpSpMk id="2" creationId="{ECAA1A0D-1694-431C-8E94-80C15816B545}"/>
-          </ac:grpSpMkLst>
-        </pc:grpChg>
-        <pc:grpChg chg="add del mod">
-          <ac:chgData name="唐 崇斌 Edwin" userId="769f27267cb83406" providerId="LiveId" clId="{F749D1A7-B6C5-40CC-A752-898961211CE4}" dt="2020-03-22T09:49:14.992" v="873" actId="165"/>
-          <ac:grpSpMkLst>
-            <pc:docMk/>
-            <pc:sldMk cId="3037902655" sldId="260"/>
-            <ac:grpSpMk id="3" creationId="{1F01A914-3FFF-4857-AE71-75A132EBB405}"/>
-          </ac:grpSpMkLst>
-        </pc:grpChg>
-        <pc:grpChg chg="add mod">
-          <ac:chgData name="唐 崇斌 Edwin" userId="769f27267cb83406" providerId="LiveId" clId="{F749D1A7-B6C5-40CC-A752-898961211CE4}" dt="2020-03-21T01:26:37.420" v="353" actId="164"/>
-          <ac:grpSpMkLst>
-            <pc:docMk/>
-            <pc:sldMk cId="3037902655" sldId="260"/>
-            <ac:grpSpMk id="3" creationId="{20C34C7C-DC1B-478F-BC3D-D5D9C2B54F25}"/>
-          </ac:grpSpMkLst>
-        </pc:grpChg>
-        <pc:grpChg chg="add del mod topLvl">
-          <ac:chgData name="唐 崇斌 Edwin" userId="769f27267cb83406" providerId="LiveId" clId="{F749D1A7-B6C5-40CC-A752-898961211CE4}" dt="2020-03-22T09:49:40.846" v="876" actId="478"/>
-          <ac:grpSpMkLst>
-            <pc:docMk/>
-            <pc:sldMk cId="3037902655" sldId="260"/>
-            <ac:grpSpMk id="4" creationId="{22556076-3FCB-4F78-9F6F-7BFC7FA7C9C0}"/>
-          </ac:grpSpMkLst>
-        </pc:grpChg>
-        <pc:grpChg chg="add del mod">
-          <ac:chgData name="唐 崇斌 Edwin" userId="769f27267cb83406" providerId="LiveId" clId="{F749D1A7-B6C5-40CC-A752-898961211CE4}" dt="2020-03-22T10:02:21.411" v="942" actId="165"/>
-          <ac:grpSpMkLst>
-            <pc:docMk/>
-            <pc:sldMk cId="3037902655" sldId="260"/>
-            <ac:grpSpMk id="5" creationId="{29DFCD53-AB3C-4C66-9956-9CE6EC29E600}"/>
-          </ac:grpSpMkLst>
-        </pc:grpChg>
-        <pc:grpChg chg="add del mod">
-          <ac:chgData name="唐 崇斌 Edwin" userId="769f27267cb83406" providerId="LiveId" clId="{F749D1A7-B6C5-40CC-A752-898961211CE4}" dt="2020-03-22T10:09:40.644" v="1011" actId="165"/>
-          <ac:grpSpMkLst>
-            <pc:docMk/>
-            <pc:sldMk cId="3037902655" sldId="260"/>
-            <ac:grpSpMk id="6" creationId="{E3D930E5-1C44-4DD4-BC64-A337704D5441}"/>
-          </ac:grpSpMkLst>
-        </pc:grpChg>
-        <pc:grpChg chg="add del mod topLvl">
-          <ac:chgData name="唐 崇斌 Edwin" userId="769f27267cb83406" providerId="LiveId" clId="{F749D1A7-B6C5-40CC-A752-898961211CE4}" dt="2020-03-22T11:08:25.661" v="1836" actId="165"/>
-          <ac:grpSpMkLst>
-            <pc:docMk/>
-            <pc:sldMk cId="3037902655" sldId="260"/>
-            <ac:grpSpMk id="7" creationId="{FB0E82DA-BE4B-441B-A751-52F215B65756}"/>
-          </ac:grpSpMkLst>
-        </pc:grpChg>
-        <pc:grpChg chg="add mod">
-          <ac:chgData name="唐 崇斌 Edwin" userId="769f27267cb83406" providerId="LiveId" clId="{F749D1A7-B6C5-40CC-A752-898961211CE4}" dt="2020-03-22T10:10:17.715" v="1021" actId="164"/>
-          <ac:grpSpMkLst>
-            <pc:docMk/>
-            <pc:sldMk cId="3037902655" sldId="260"/>
-            <ac:grpSpMk id="8" creationId="{5E6E9BE6-546D-4301-8B3E-C042BB0CB348}"/>
-          </ac:grpSpMkLst>
-        </pc:grpChg>
-        <pc:grpChg chg="add del mod">
-          <ac:chgData name="唐 崇斌 Edwin" userId="769f27267cb83406" providerId="LiveId" clId="{F749D1A7-B6C5-40CC-A752-898961211CE4}" dt="2020-03-22T10:44:06.386" v="1301" actId="165"/>
-          <ac:grpSpMkLst>
-            <pc:docMk/>
-            <pc:sldMk cId="3037902655" sldId="260"/>
-            <ac:grpSpMk id="9" creationId="{221B9A4C-627A-458B-AE6E-215E6FBC3174}"/>
-          </ac:grpSpMkLst>
-        </pc:grpChg>
-        <pc:grpChg chg="add del mod">
-          <ac:chgData name="唐 崇斌 Edwin" userId="769f27267cb83406" providerId="LiveId" clId="{F749D1A7-B6C5-40CC-A752-898961211CE4}" dt="2020-03-22T11:22:22.760" v="1963" actId="165"/>
-          <ac:grpSpMkLst>
-            <pc:docMk/>
-            <pc:sldMk cId="3037902655" sldId="260"/>
-            <ac:grpSpMk id="14" creationId="{F3BFCEC6-FA6D-493D-91AD-C83803323DA0}"/>
-          </ac:grpSpMkLst>
-        </pc:grpChg>
-        <pc:grpChg chg="add del mod">
-          <ac:chgData name="唐 崇斌 Edwin" userId="769f27267cb83406" providerId="LiveId" clId="{F749D1A7-B6C5-40CC-A752-898961211CE4}" dt="2020-03-22T11:40:59.057" v="2082" actId="478"/>
-          <ac:grpSpMkLst>
-            <pc:docMk/>
-            <pc:sldMk cId="3037902655" sldId="260"/>
-            <ac:grpSpMk id="15" creationId="{D42C5858-FBC7-4C68-AE36-64AD40260C03}"/>
-          </ac:grpSpMkLst>
-        </pc:grpChg>
-        <pc:grpChg chg="add del mod">
-          <ac:chgData name="唐 崇斌 Edwin" userId="769f27267cb83406" providerId="LiveId" clId="{F749D1A7-B6C5-40CC-A752-898961211CE4}" dt="2020-03-22T11:40:59.057" v="2082" actId="478"/>
-          <ac:grpSpMkLst>
-            <pc:docMk/>
-            <pc:sldMk cId="3037902655" sldId="260"/>
-            <ac:grpSpMk id="16" creationId="{63A7B5DD-25BA-4A60-B5F3-E33A13A8BB76}"/>
-          </ac:grpSpMkLst>
-        </pc:grpChg>
-        <pc:grpChg chg="add mod">
-          <ac:chgData name="唐 崇斌 Edwin" userId="769f27267cb83406" providerId="LiveId" clId="{F749D1A7-B6C5-40CC-A752-898961211CE4}" dt="2020-03-21T01:28:45.457" v="515" actId="164"/>
-          <ac:grpSpMkLst>
-            <pc:docMk/>
-            <pc:sldMk cId="3037902655" sldId="260"/>
-            <ac:grpSpMk id="16" creationId="{85CD8BB3-4235-4DFD-BF0F-91768FD9835B}"/>
-          </ac:grpSpMkLst>
-        </pc:grpChg>
-        <pc:grpChg chg="add del mod ord">
-          <ac:chgData name="唐 崇斌 Edwin" userId="769f27267cb83406" providerId="LiveId" clId="{F749D1A7-B6C5-40CC-A752-898961211CE4}" dt="2020-03-22T11:40:59.057" v="2082" actId="478"/>
-          <ac:grpSpMkLst>
-            <pc:docMk/>
-            <pc:sldMk cId="3037902655" sldId="260"/>
-            <ac:grpSpMk id="17" creationId="{1E4B38DC-79AD-4C70-B336-1D0F3B090AC8}"/>
-          </ac:grpSpMkLst>
-        </pc:grpChg>
-        <pc:grpChg chg="add del mod">
-          <ac:chgData name="唐 崇斌 Edwin" userId="769f27267cb83406" providerId="LiveId" clId="{F749D1A7-B6C5-40CC-A752-898961211CE4}" dt="2020-03-21T01:31:54.071" v="665" actId="165"/>
-          <ac:grpSpMkLst>
-            <pc:docMk/>
-            <pc:sldMk cId="3037902655" sldId="260"/>
-            <ac:grpSpMk id="17" creationId="{76036318-0F6C-40A3-99CB-5319C12FD4C6}"/>
-          </ac:grpSpMkLst>
-        </pc:grpChg>
-        <pc:grpChg chg="add del mod">
-          <ac:chgData name="唐 崇斌 Edwin" userId="769f27267cb83406" providerId="LiveId" clId="{F749D1A7-B6C5-40CC-A752-898961211CE4}" dt="2020-03-22T10:44:59.194" v="1347" actId="165"/>
-          <ac:grpSpMkLst>
-            <pc:docMk/>
-            <pc:sldMk cId="3037902655" sldId="260"/>
-            <ac:grpSpMk id="27" creationId="{C9828F93-96BF-425F-A1E0-4A01E08C1B81}"/>
-          </ac:grpSpMkLst>
-        </pc:grpChg>
-        <pc:grpChg chg="del mod topLvl">
-          <ac:chgData name="唐 崇斌 Edwin" userId="769f27267cb83406" providerId="LiveId" clId="{F749D1A7-B6C5-40CC-A752-898961211CE4}" dt="2020-03-22T09:49:40.846" v="876" actId="478"/>
-          <ac:grpSpMkLst>
-            <pc:docMk/>
-            <pc:sldMk cId="3037902655" sldId="260"/>
-            <ac:grpSpMk id="54" creationId="{4355A270-0C1E-4121-A294-8FFE0ED2212E}"/>
-          </ac:grpSpMkLst>
-        </pc:grpChg>
-        <pc:grpChg chg="mod">
-          <ac:chgData name="唐 崇斌 Edwin" userId="769f27267cb83406" providerId="LiveId" clId="{F749D1A7-B6C5-40CC-A752-898961211CE4}" dt="2020-03-21T01:26:56.876" v="386" actId="164"/>
-          <ac:grpSpMkLst>
-            <pc:docMk/>
-            <pc:sldMk cId="3037902655" sldId="260"/>
-            <ac:grpSpMk id="58" creationId="{BFFC4FAE-F3E0-4720-8E22-7E214EA911E1}"/>
-          </ac:grpSpMkLst>
-        </pc:grpChg>
-        <pc:grpChg chg="del mod topLvl">
-          <ac:chgData name="唐 崇斌 Edwin" userId="769f27267cb83406" providerId="LiveId" clId="{F749D1A7-B6C5-40CC-A752-898961211CE4}" dt="2020-03-22T09:49:40.846" v="876" actId="478"/>
-          <ac:grpSpMkLst>
-            <pc:docMk/>
-            <pc:sldMk cId="3037902655" sldId="260"/>
-            <ac:grpSpMk id="76" creationId="{20E9282F-B6ED-42B4-B52C-5891C13F3030}"/>
-          </ac:grpSpMkLst>
-        </pc:grpChg>
-        <pc:grpChg chg="del mod topLvl">
-          <ac:chgData name="唐 崇斌 Edwin" userId="769f27267cb83406" providerId="LiveId" clId="{F749D1A7-B6C5-40CC-A752-898961211CE4}" dt="2020-03-22T09:49:40.846" v="876" actId="478"/>
-          <ac:grpSpMkLst>
-            <pc:docMk/>
-            <pc:sldMk cId="3037902655" sldId="260"/>
-            <ac:grpSpMk id="84" creationId="{EF2A9655-BCF0-4014-A4BB-9B156B17924E}"/>
-          </ac:grpSpMkLst>
-        </pc:grpChg>
-        <pc:grpChg chg="add del mod">
-          <ac:chgData name="唐 崇斌 Edwin" userId="769f27267cb83406" providerId="LiveId" clId="{F749D1A7-B6C5-40CC-A752-898961211CE4}" dt="2020-03-22T10:07:49.916" v="1003" actId="165"/>
-          <ac:grpSpMkLst>
-            <pc:docMk/>
-            <pc:sldMk cId="3037902655" sldId="260"/>
-            <ac:grpSpMk id="104" creationId="{BB4936E6-6DDB-4FFF-847E-CE339A4CF621}"/>
-          </ac:grpSpMkLst>
-        </pc:grpChg>
-        <pc:grpChg chg="del mod topLvl">
-          <ac:chgData name="唐 崇斌 Edwin" userId="769f27267cb83406" providerId="LiveId" clId="{F749D1A7-B6C5-40CC-A752-898961211CE4}" dt="2020-03-22T09:49:29.958" v="874" actId="478"/>
-          <ac:grpSpMkLst>
-            <pc:docMk/>
-            <pc:sldMk cId="3037902655" sldId="260"/>
-            <ac:grpSpMk id="105" creationId="{39889AAF-33FD-4EF3-B65E-BC9D4CD95E04}"/>
-          </ac:grpSpMkLst>
-        </pc:grpChg>
-        <pc:grpChg chg="add del mod">
-          <ac:chgData name="唐 崇斌 Edwin" userId="769f27267cb83406" providerId="LiveId" clId="{F749D1A7-B6C5-40CC-A752-898961211CE4}" dt="2020-03-22T10:29:06.321" v="1154" actId="165"/>
-          <ac:grpSpMkLst>
-            <pc:docMk/>
-            <pc:sldMk cId="3037902655" sldId="260"/>
-            <ac:grpSpMk id="113" creationId="{0F924607-FA0A-40FE-B605-966D1AD92BC4}"/>
-          </ac:grpSpMkLst>
-        </pc:grpChg>
-        <pc:grpChg chg="add del mod">
-          <ac:chgData name="唐 崇斌 Edwin" userId="769f27267cb83406" providerId="LiveId" clId="{F749D1A7-B6C5-40CC-A752-898961211CE4}" dt="2020-03-22T10:29:06.321" v="1154" actId="165"/>
-          <ac:grpSpMkLst>
-            <pc:docMk/>
-            <pc:sldMk cId="3037902655" sldId="260"/>
-            <ac:grpSpMk id="116" creationId="{E1D4B7B1-4AAD-490B-AF01-818347AFC3F1}"/>
-          </ac:grpSpMkLst>
-        </pc:grpChg>
-        <pc:grpChg chg="add mod">
-          <ac:chgData name="唐 崇斌 Edwin" userId="769f27267cb83406" providerId="LiveId" clId="{F749D1A7-B6C5-40CC-A752-898961211CE4}" dt="2020-03-22T10:31:37.376" v="1175" actId="164"/>
-          <ac:grpSpMkLst>
-            <pc:docMk/>
-            <pc:sldMk cId="3037902655" sldId="260"/>
-            <ac:grpSpMk id="119" creationId="{89B27CA3-E9C8-4EC2-A5BA-8DCE6D9AAA75}"/>
-          </ac:grpSpMkLst>
-        </pc:grpChg>
-        <pc:grpChg chg="add del mod">
-          <ac:chgData name="唐 崇斌 Edwin" userId="769f27267cb83406" providerId="LiveId" clId="{F749D1A7-B6C5-40CC-A752-898961211CE4}" dt="2020-03-22T10:29:45.241" v="1163" actId="165"/>
-          <ac:grpSpMkLst>
-            <pc:docMk/>
-            <pc:sldMk cId="3037902655" sldId="260"/>
-            <ac:grpSpMk id="124" creationId="{D2D08B65-9437-44F9-BA86-4F6E8BBB471E}"/>
-          </ac:grpSpMkLst>
-        </pc:grpChg>
-        <pc:grpChg chg="add del mod">
-          <ac:chgData name="唐 崇斌 Edwin" userId="769f27267cb83406" providerId="LiveId" clId="{F749D1A7-B6C5-40CC-A752-898961211CE4}" dt="2020-03-22T10:32:05.208" v="1187" actId="165"/>
-          <ac:grpSpMkLst>
-            <pc:docMk/>
-            <pc:sldMk cId="3037902655" sldId="260"/>
-            <ac:grpSpMk id="131" creationId="{8B5FF811-10D4-44DA-B07F-C782B8493CB9}"/>
-          </ac:grpSpMkLst>
-        </pc:grpChg>
-        <pc:grpChg chg="del mod topLvl">
-          <ac:chgData name="唐 崇斌 Edwin" userId="769f27267cb83406" providerId="LiveId" clId="{F749D1A7-B6C5-40CC-A752-898961211CE4}" dt="2020-03-22T10:32:14.780" v="1188" actId="165"/>
-          <ac:grpSpMkLst>
-            <pc:docMk/>
-            <pc:sldMk cId="3037902655" sldId="260"/>
-            <ac:grpSpMk id="132" creationId="{E1418E24-4809-4462-823E-BE354CCA1B28}"/>
-          </ac:grpSpMkLst>
-        </pc:grpChg>
-        <pc:grpChg chg="add del mod">
-          <ac:chgData name="唐 崇斌 Edwin" userId="769f27267cb83406" providerId="LiveId" clId="{F749D1A7-B6C5-40CC-A752-898961211CE4}" dt="2020-03-22T11:40:59.057" v="2082" actId="478"/>
-          <ac:grpSpMkLst>
-            <pc:docMk/>
-            <pc:sldMk cId="3037902655" sldId="260"/>
-            <ac:grpSpMk id="158" creationId="{39366B66-811F-4DE5-AE0B-DA1D48DA279E}"/>
-          </ac:grpSpMkLst>
-        </pc:grpChg>
-        <pc:grpChg chg="add mod">
-          <ac:chgData name="唐 崇斌 Edwin" userId="769f27267cb83406" providerId="LiveId" clId="{F749D1A7-B6C5-40CC-A752-898961211CE4}" dt="2020-03-22T11:35:33.709" v="2041" actId="164"/>
-          <ac:grpSpMkLst>
-            <pc:docMk/>
-            <pc:sldMk cId="3037902655" sldId="260"/>
-            <ac:grpSpMk id="229" creationId="{9B00A8A8-C810-455C-A2E2-B61FF8A836D9}"/>
-          </ac:grpSpMkLst>
-        </pc:grpChg>
-        <pc:grpChg chg="add del mod topLvl">
-          <ac:chgData name="唐 崇斌 Edwin" userId="769f27267cb83406" providerId="LiveId" clId="{F749D1A7-B6C5-40CC-A752-898961211CE4}" dt="2020-03-22T12:02:18.538" v="2550" actId="1076"/>
-          <ac:grpSpMkLst>
-            <pc:docMk/>
-            <pc:sldMk cId="3037902655" sldId="260"/>
-            <ac:grpSpMk id="231" creationId="{C7FDC3FD-7734-4E55-9520-79D89EF89009}"/>
-          </ac:grpSpMkLst>
-        </pc:grpChg>
-        <pc:grpChg chg="add mod topLvl">
-          <ac:chgData name="唐 崇斌 Edwin" userId="769f27267cb83406" providerId="LiveId" clId="{F749D1A7-B6C5-40CC-A752-898961211CE4}" dt="2020-03-22T11:58:55.538" v="2458" actId="12789"/>
-          <ac:grpSpMkLst>
-            <pc:docMk/>
-            <pc:sldMk cId="3037902655" sldId="260"/>
-            <ac:grpSpMk id="242" creationId="{E410AC92-0266-425F-AA8C-C0DC5DEF4637}"/>
-          </ac:grpSpMkLst>
-        </pc:grpChg>
-        <pc:grpChg chg="add del mod">
-          <ac:chgData name="唐 崇斌 Edwin" userId="769f27267cb83406" providerId="LiveId" clId="{F749D1A7-B6C5-40CC-A752-898961211CE4}" dt="2020-03-22T11:46:47.178" v="2196" actId="165"/>
-          <ac:grpSpMkLst>
-            <pc:docMk/>
-            <pc:sldMk cId="3037902655" sldId="260"/>
-            <ac:grpSpMk id="243" creationId="{F1703321-DB23-49E3-ADDD-5C74AA8DB309}"/>
-          </ac:grpSpMkLst>
-        </pc:grpChg>
-        <pc:grpChg chg="add del">
-          <ac:chgData name="唐 崇斌 Edwin" userId="769f27267cb83406" providerId="LiveId" clId="{F749D1A7-B6C5-40CC-A752-898961211CE4}" dt="2020-03-22T11:48:19.736" v="2227" actId="478"/>
-          <ac:grpSpMkLst>
-            <pc:docMk/>
-            <pc:sldMk cId="3037902655" sldId="260"/>
-            <ac:grpSpMk id="245" creationId="{5A9FD3A2-D59A-447B-AAC4-4D239811E21E}"/>
-          </ac:grpSpMkLst>
-        </pc:grpChg>
-        <pc:grpChg chg="add mod topLvl">
-          <ac:chgData name="唐 崇斌 Edwin" userId="769f27267cb83406" providerId="LiveId" clId="{F749D1A7-B6C5-40CC-A752-898961211CE4}" dt="2020-03-22T11:50:05.905" v="2271" actId="12789"/>
-          <ac:grpSpMkLst>
-            <pc:docMk/>
-            <pc:sldMk cId="3037902655" sldId="260"/>
-            <ac:grpSpMk id="249" creationId="{33F97D15-CF3E-4FB1-81A7-D3AC26A34BD8}"/>
-          </ac:grpSpMkLst>
-        </pc:grpChg>
-        <pc:grpChg chg="add del mod">
-          <ac:chgData name="唐 崇斌 Edwin" userId="769f27267cb83406" providerId="LiveId" clId="{F749D1A7-B6C5-40CC-A752-898961211CE4}" dt="2020-03-22T11:48:37.103" v="2232" actId="478"/>
-          <ac:grpSpMkLst>
-            <pc:docMk/>
-            <pc:sldMk cId="3037902655" sldId="260"/>
-            <ac:grpSpMk id="254" creationId="{7C7AFC2F-1821-45E3-ADB7-4D9AB8636014}"/>
-          </ac:grpSpMkLst>
-        </pc:grpChg>
-        <pc:grpChg chg="add mod">
-          <ac:chgData name="唐 崇斌 Edwin" userId="769f27267cb83406" providerId="LiveId" clId="{F749D1A7-B6C5-40CC-A752-898961211CE4}" dt="2020-03-22T11:59:14.238" v="2480" actId="1076"/>
-          <ac:grpSpMkLst>
-            <pc:docMk/>
-            <pc:sldMk cId="3037902655" sldId="260"/>
-            <ac:grpSpMk id="256" creationId="{4F1B97B5-3C15-40A8-95C1-5FBA6BD58F3F}"/>
-          </ac:grpSpMkLst>
-        </pc:grpChg>
-        <pc:grpChg chg="add del mod">
-          <ac:chgData name="唐 崇斌 Edwin" userId="769f27267cb83406" providerId="LiveId" clId="{F749D1A7-B6C5-40CC-A752-898961211CE4}" dt="2020-03-22T11:57:28.083" v="2423" actId="478"/>
-          <ac:grpSpMkLst>
-            <pc:docMk/>
-            <pc:sldMk cId="3037902655" sldId="260"/>
-            <ac:grpSpMk id="259" creationId="{3DD5F246-0131-4993-9AF0-608064CD753D}"/>
-          </ac:grpSpMkLst>
-        </pc:grpChg>
-        <pc:grpChg chg="add mod">
-          <ac:chgData name="唐 崇斌 Edwin" userId="769f27267cb83406" providerId="LiveId" clId="{F749D1A7-B6C5-40CC-A752-898961211CE4}" dt="2020-03-22T11:59:09.425" v="2479" actId="164"/>
-          <ac:grpSpMkLst>
-            <pc:docMk/>
-            <pc:sldMk cId="3037902655" sldId="260"/>
-            <ac:grpSpMk id="272" creationId="{6F3CCEA5-30ED-40BF-97F4-436C24FFAEBA}"/>
-          </ac:grpSpMkLst>
-        </pc:grpChg>
-        <pc:grpChg chg="add mod">
-          <ac:chgData name="唐 崇斌 Edwin" userId="769f27267cb83406" providerId="LiveId" clId="{F749D1A7-B6C5-40CC-A752-898961211CE4}" dt="2020-03-22T12:01:44.101" v="2546" actId="1038"/>
-          <ac:grpSpMkLst>
-            <pc:docMk/>
-            <pc:sldMk cId="3037902655" sldId="260"/>
-            <ac:grpSpMk id="276" creationId="{71CDEE4F-77A8-48A3-B813-12F904CF7203}"/>
-          </ac:grpSpMkLst>
-        </pc:grpChg>
-        <pc:picChg chg="add del mod topLvl">
-          <ac:chgData name="唐 崇斌 Edwin" userId="769f27267cb83406" providerId="LiveId" clId="{F749D1A7-B6C5-40CC-A752-898961211CE4}" dt="2020-03-22T11:40:59.057" v="2082" actId="478"/>
-          <ac:picMkLst>
-            <pc:docMk/>
-            <pc:sldMk cId="3037902655" sldId="260"/>
-            <ac:picMk id="11" creationId="{CA826542-93FA-41D7-89FA-26A30E787FE4}"/>
-          </ac:picMkLst>
-        </pc:picChg>
-        <pc:picChg chg="add del mod topLvl">
-          <ac:chgData name="唐 崇斌 Edwin" userId="769f27267cb83406" providerId="LiveId" clId="{F749D1A7-B6C5-40CC-A752-898961211CE4}" dt="2020-03-22T11:40:59.057" v="2082" actId="478"/>
-          <ac:picMkLst>
-            <pc:docMk/>
-            <pc:sldMk cId="3037902655" sldId="260"/>
-            <ac:picMk id="13" creationId="{64441A86-282A-4748-A914-189124D88159}"/>
-          </ac:picMkLst>
-        </pc:picChg>
-        <pc:picChg chg="del mod topLvl">
-          <ac:chgData name="唐 崇斌 Edwin" userId="769f27267cb83406" providerId="LiveId" clId="{F749D1A7-B6C5-40CC-A752-898961211CE4}" dt="2020-03-22T09:49:40.846" v="876" actId="478"/>
-          <ac:picMkLst>
-            <pc:docMk/>
-            <pc:sldMk cId="3037902655" sldId="260"/>
-            <ac:picMk id="53" creationId="{1358EE7C-8732-4EBA-AB41-239269E85185}"/>
-          </ac:picMkLst>
-        </pc:picChg>
-        <pc:picChg chg="mod">
-          <ac:chgData name="唐 崇斌 Edwin" userId="769f27267cb83406" providerId="LiveId" clId="{F749D1A7-B6C5-40CC-A752-898961211CE4}" dt="2020-03-21T01:30:22.134" v="578" actId="1035"/>
-          <ac:picMkLst>
-            <pc:docMk/>
-            <pc:sldMk cId="3037902655" sldId="260"/>
-            <ac:picMk id="55" creationId="{0D1A17CE-9A5E-473F-B105-2526341EDCBA}"/>
-          </ac:picMkLst>
-        </pc:picChg>
-        <pc:picChg chg="mod">
-          <ac:chgData name="唐 崇斌 Edwin" userId="769f27267cb83406" providerId="LiveId" clId="{F749D1A7-B6C5-40CC-A752-898961211CE4}" dt="2020-03-21T01:30:22.134" v="578" actId="1035"/>
-          <ac:picMkLst>
-            <pc:docMk/>
-            <pc:sldMk cId="3037902655" sldId="260"/>
-            <ac:picMk id="56" creationId="{F762E8B7-67C4-4127-A7BB-E489CB5FCD6C}"/>
-          </ac:picMkLst>
-        </pc:picChg>
-        <pc:picChg chg="mod">
-          <ac:chgData name="唐 崇斌 Edwin" userId="769f27267cb83406" providerId="LiveId" clId="{F749D1A7-B6C5-40CC-A752-898961211CE4}" dt="2020-03-21T01:30:31.435" v="601" actId="1035"/>
-          <ac:picMkLst>
-            <pc:docMk/>
-            <pc:sldMk cId="3037902655" sldId="260"/>
-            <ac:picMk id="59" creationId="{7FE38C06-7681-4F4B-8346-BA225F94800C}"/>
-          </ac:picMkLst>
-        </pc:picChg>
-        <pc:picChg chg="mod">
-          <ac:chgData name="唐 崇斌 Edwin" userId="769f27267cb83406" providerId="LiveId" clId="{F749D1A7-B6C5-40CC-A752-898961211CE4}" dt="2020-03-21T01:30:31.435" v="601" actId="1035"/>
-          <ac:picMkLst>
-            <pc:docMk/>
-            <pc:sldMk cId="3037902655" sldId="260"/>
-            <ac:picMk id="60" creationId="{33CBBDDB-3B38-4CB2-9525-561C992C1273}"/>
-          </ac:picMkLst>
-        </pc:picChg>
-        <pc:picChg chg="del mod topLvl">
-          <ac:chgData name="唐 崇斌 Edwin" userId="769f27267cb83406" providerId="LiveId" clId="{F749D1A7-B6C5-40CC-A752-898961211CE4}" dt="2020-03-22T09:49:40.846" v="876" actId="478"/>
-          <ac:picMkLst>
-            <pc:docMk/>
-            <pc:sldMk cId="3037902655" sldId="260"/>
-            <ac:picMk id="63" creationId="{D2119E40-BF45-4A44-A53E-1EA530A292C6}"/>
-          </ac:picMkLst>
-        </pc:picChg>
-        <pc:picChg chg="mod topLvl">
-          <ac:chgData name="唐 崇斌 Edwin" userId="769f27267cb83406" providerId="LiveId" clId="{F749D1A7-B6C5-40CC-A752-898961211CE4}" dt="2020-03-22T10:29:12.986" v="1156" actId="164"/>
-          <ac:picMkLst>
-            <pc:docMk/>
-            <pc:sldMk cId="3037902655" sldId="260"/>
-            <ac:picMk id="114" creationId="{8A8FF76C-545D-42B3-BE3F-EC5665105C41}"/>
-          </ac:picMkLst>
-        </pc:picChg>
-        <pc:picChg chg="del mod topLvl">
-          <ac:chgData name="唐 崇斌 Edwin" userId="769f27267cb83406" providerId="LiveId" clId="{F749D1A7-B6C5-40CC-A752-898961211CE4}" dt="2020-03-22T10:32:53.764" v="1194" actId="478"/>
-          <ac:picMkLst>
-            <pc:docMk/>
-            <pc:sldMk cId="3037902655" sldId="260"/>
-            <ac:picMk id="115" creationId="{922744F6-E0A9-4A25-B8A2-002A8D2DC27E}"/>
-          </ac:picMkLst>
-        </pc:picChg>
-        <pc:picChg chg="mod topLvl">
-          <ac:chgData name="唐 崇斌 Edwin" userId="769f27267cb83406" providerId="LiveId" clId="{F749D1A7-B6C5-40CC-A752-898961211CE4}" dt="2020-03-22T10:29:12.986" v="1156" actId="164"/>
-          <ac:picMkLst>
-            <pc:docMk/>
-            <pc:sldMk cId="3037902655" sldId="260"/>
-            <ac:picMk id="117" creationId="{A7940C54-766F-427A-A2F4-AB5FA1F3850D}"/>
-          </ac:picMkLst>
-        </pc:picChg>
-        <pc:picChg chg="mod topLvl">
-          <ac:chgData name="唐 崇斌 Edwin" userId="769f27267cb83406" providerId="LiveId" clId="{F749D1A7-B6C5-40CC-A752-898961211CE4}" dt="2020-03-22T10:29:12.986" v="1156" actId="164"/>
-          <ac:picMkLst>
-            <pc:docMk/>
-            <pc:sldMk cId="3037902655" sldId="260"/>
-            <ac:picMk id="118" creationId="{56FF6239-57BB-49C7-BFE7-3AF28128CCFD}"/>
-          </ac:picMkLst>
-        </pc:picChg>
-        <pc:picChg chg="del mod topLvl">
-          <ac:chgData name="唐 崇斌 Edwin" userId="769f27267cb83406" providerId="LiveId" clId="{F749D1A7-B6C5-40CC-A752-898961211CE4}" dt="2020-03-22T10:31:04.326" v="1171" actId="478"/>
-          <ac:picMkLst>
-            <pc:docMk/>
-            <pc:sldMk cId="3037902655" sldId="260"/>
-            <ac:picMk id="125" creationId="{24441FA3-E0F7-4D51-BC95-862191A79A3A}"/>
-          </ac:picMkLst>
-        </pc:picChg>
-        <pc:picChg chg="mod topLvl">
-          <ac:chgData name="唐 崇斌 Edwin" userId="769f27267cb83406" providerId="LiveId" clId="{F749D1A7-B6C5-40CC-A752-898961211CE4}" dt="2020-03-22T10:31:37.376" v="1175" actId="164"/>
-          <ac:picMkLst>
-            <pc:docMk/>
-            <pc:sldMk cId="3037902655" sldId="260"/>
-            <ac:picMk id="126" creationId="{1FCCC886-C2F9-4C7B-AF4C-72F8E9A5A589}"/>
-          </ac:picMkLst>
-        </pc:picChg>
-        <pc:picChg chg="mod topLvl">
-          <ac:chgData name="唐 崇斌 Edwin" userId="769f27267cb83406" providerId="LiveId" clId="{F749D1A7-B6C5-40CC-A752-898961211CE4}" dt="2020-03-22T10:31:37.376" v="1175" actId="164"/>
-          <ac:picMkLst>
-            <pc:docMk/>
-            <pc:sldMk cId="3037902655" sldId="260"/>
-            <ac:picMk id="127" creationId="{8C5CF999-E8D7-43A9-BB37-AA859F001382}"/>
-          </ac:picMkLst>
-        </pc:picChg>
-        <pc:picChg chg="mod topLvl">
-          <ac:chgData name="唐 崇斌 Edwin" userId="769f27267cb83406" providerId="LiveId" clId="{F749D1A7-B6C5-40CC-A752-898961211CE4}" dt="2020-03-22T10:31:37.376" v="1175" actId="164"/>
-          <ac:picMkLst>
-            <pc:docMk/>
-            <pc:sldMk cId="3037902655" sldId="260"/>
-            <ac:picMk id="128" creationId="{C9056822-CFC6-472D-BBFA-25C337CA5C55}"/>
-          </ac:picMkLst>
-        </pc:picChg>
-        <pc:picChg chg="mod topLvl">
-          <ac:chgData name="唐 崇斌 Edwin" userId="769f27267cb83406" providerId="LiveId" clId="{F749D1A7-B6C5-40CC-A752-898961211CE4}" dt="2020-03-22T10:31:37.376" v="1175" actId="164"/>
-          <ac:picMkLst>
-            <pc:docMk/>
-            <pc:sldMk cId="3037902655" sldId="260"/>
-            <ac:picMk id="129" creationId="{5540CF0A-C34C-4DFA-B145-9B5B2CBC5904}"/>
-          </ac:picMkLst>
-        </pc:picChg>
-        <pc:picChg chg="add mod">
-          <ac:chgData name="唐 崇斌 Edwin" userId="769f27267cb83406" providerId="LiveId" clId="{F749D1A7-B6C5-40CC-A752-898961211CE4}" dt="2020-03-22T10:31:37.376" v="1175" actId="164"/>
-          <ac:picMkLst>
-            <pc:docMk/>
-            <pc:sldMk cId="3037902655" sldId="260"/>
-            <ac:picMk id="130" creationId="{CFB94579-4C48-478D-975C-B563B534C615}"/>
-          </ac:picMkLst>
-        </pc:picChg>
-        <pc:picChg chg="mod topLvl">
-          <ac:chgData name="唐 崇斌 Edwin" userId="769f27267cb83406" providerId="LiveId" clId="{F749D1A7-B6C5-40CC-A752-898961211CE4}" dt="2020-03-22T10:32:40.109" v="1193" actId="164"/>
-          <ac:picMkLst>
-            <pc:docMk/>
-            <pc:sldMk cId="3037902655" sldId="260"/>
-            <ac:picMk id="133" creationId="{3C4EE167-41AD-47F5-8257-77D8F8FCD4E1}"/>
-          </ac:picMkLst>
-        </pc:picChg>
-        <pc:picChg chg="mod topLvl">
-          <ac:chgData name="唐 崇斌 Edwin" userId="769f27267cb83406" providerId="LiveId" clId="{F749D1A7-B6C5-40CC-A752-898961211CE4}" dt="2020-03-22T10:32:40.109" v="1193" actId="164"/>
-          <ac:picMkLst>
-            <pc:docMk/>
-            <pc:sldMk cId="3037902655" sldId="260"/>
-            <ac:picMk id="134" creationId="{A48B9A42-46AE-42C7-9C7F-C14C3DFB9B9A}"/>
-          </ac:picMkLst>
-        </pc:picChg>
-        <pc:picChg chg="mod topLvl">
-          <ac:chgData name="唐 崇斌 Edwin" userId="769f27267cb83406" providerId="LiveId" clId="{F749D1A7-B6C5-40CC-A752-898961211CE4}" dt="2020-03-22T10:32:40.109" v="1193" actId="164"/>
-          <ac:picMkLst>
-            <pc:docMk/>
-            <pc:sldMk cId="3037902655" sldId="260"/>
-            <ac:picMk id="135" creationId="{33BDC142-C217-4AEA-B0B6-7A25FBC29A9D}"/>
-          </ac:picMkLst>
-        </pc:picChg>
-        <pc:picChg chg="mod topLvl">
-          <ac:chgData name="唐 崇斌 Edwin" userId="769f27267cb83406" providerId="LiveId" clId="{F749D1A7-B6C5-40CC-A752-898961211CE4}" dt="2020-03-22T10:32:40.109" v="1193" actId="164"/>
-          <ac:picMkLst>
-            <pc:docMk/>
-            <pc:sldMk cId="3037902655" sldId="260"/>
-            <ac:picMk id="136" creationId="{ED346168-F232-4B8F-8507-0497F9759A43}"/>
-          </ac:picMkLst>
-        </pc:picChg>
-        <pc:picChg chg="mod topLvl">
-          <ac:chgData name="唐 崇斌 Edwin" userId="769f27267cb83406" providerId="LiveId" clId="{F749D1A7-B6C5-40CC-A752-898961211CE4}" dt="2020-03-22T10:32:40.109" v="1193" actId="164"/>
-          <ac:picMkLst>
-            <pc:docMk/>
-            <pc:sldMk cId="3037902655" sldId="260"/>
-            <ac:picMk id="137" creationId="{E951B1A4-1319-4C8B-944C-9E0298A837E7}"/>
-          </ac:picMkLst>
-        </pc:picChg>
-        <pc:picChg chg="del mod topLvl">
-          <ac:chgData name="唐 崇斌 Edwin" userId="769f27267cb83406" providerId="LiveId" clId="{F749D1A7-B6C5-40CC-A752-898961211CE4}" dt="2020-03-22T10:32:17.654" v="1189" actId="478"/>
-          <ac:picMkLst>
-            <pc:docMk/>
-            <pc:sldMk cId="3037902655" sldId="260"/>
-            <ac:picMk id="138" creationId="{8E894271-A4A8-48A5-BC5D-A2689D43D674}"/>
-          </ac:picMkLst>
-        </pc:picChg>
-        <pc:picChg chg="del mod topLvl">
-          <ac:chgData name="唐 崇斌 Edwin" userId="769f27267cb83406" providerId="LiveId" clId="{F749D1A7-B6C5-40CC-A752-898961211CE4}" dt="2020-03-22T10:32:17.654" v="1189" actId="478"/>
-          <ac:picMkLst>
-            <pc:docMk/>
-            <pc:sldMk cId="3037902655" sldId="260"/>
-            <ac:picMk id="139" creationId="{9C2DDE11-EB6A-4622-98A6-252BF7CEEBF2}"/>
-          </ac:picMkLst>
-        </pc:picChg>
-        <pc:picChg chg="mod topLvl">
-          <ac:chgData name="唐 崇斌 Edwin" userId="769f27267cb83406" providerId="LiveId" clId="{F749D1A7-B6C5-40CC-A752-898961211CE4}" dt="2020-03-22T10:32:40.109" v="1193" actId="164"/>
-          <ac:picMkLst>
-            <pc:docMk/>
-            <pc:sldMk cId="3037902655" sldId="260"/>
-            <ac:picMk id="140" creationId="{9D92E510-0D76-4D45-80DC-9ECCE8D3211A}"/>
-          </ac:picMkLst>
-        </pc:picChg>
-        <pc:picChg chg="del mod topLvl">
-          <ac:chgData name="唐 崇斌 Edwin" userId="769f27267cb83406" providerId="LiveId" clId="{F749D1A7-B6C5-40CC-A752-898961211CE4}" dt="2020-03-22T10:32:17.654" v="1189" actId="478"/>
-          <ac:picMkLst>
-            <pc:docMk/>
-            <pc:sldMk cId="3037902655" sldId="260"/>
-            <ac:picMk id="141" creationId="{FB20CE0A-38B3-4346-9C08-E46E0AF8D928}"/>
-          </ac:picMkLst>
-        </pc:picChg>
-        <pc:picChg chg="add mod">
-          <ac:chgData name="唐 崇斌 Edwin" userId="769f27267cb83406" providerId="LiveId" clId="{F749D1A7-B6C5-40CC-A752-898961211CE4}" dt="2020-03-22T10:53:57.442" v="1564" actId="164"/>
-          <ac:picMkLst>
-            <pc:docMk/>
-            <pc:sldMk cId="3037902655" sldId="260"/>
-            <ac:picMk id="152" creationId="{13C699A4-5CF4-4A9B-AAEA-57F474219BDD}"/>
-          </ac:picMkLst>
-        </pc:picChg>
-        <pc:picChg chg="add mod">
-          <ac:chgData name="唐 崇斌 Edwin" userId="769f27267cb83406" providerId="LiveId" clId="{F749D1A7-B6C5-40CC-A752-898961211CE4}" dt="2020-03-22T10:53:57.442" v="1564" actId="164"/>
-          <ac:picMkLst>
-            <pc:docMk/>
-            <pc:sldMk cId="3037902655" sldId="260"/>
-            <ac:picMk id="153" creationId="{313DF1E5-1121-474F-B3EE-BB7A0CDAAD86}"/>
-          </ac:picMkLst>
-        </pc:picChg>
-        <pc:picChg chg="add mod">
-          <ac:chgData name="唐 崇斌 Edwin" userId="769f27267cb83406" providerId="LiveId" clId="{F749D1A7-B6C5-40CC-A752-898961211CE4}" dt="2020-03-22T10:53:57.442" v="1564" actId="164"/>
-          <ac:picMkLst>
-            <pc:docMk/>
-            <pc:sldMk cId="3037902655" sldId="260"/>
-            <ac:picMk id="154" creationId="{992133F3-8D92-4948-83E0-800D45414E21}"/>
-          </ac:picMkLst>
-        </pc:picChg>
-        <pc:picChg chg="add mod">
-          <ac:chgData name="唐 崇斌 Edwin" userId="769f27267cb83406" providerId="LiveId" clId="{F749D1A7-B6C5-40CC-A752-898961211CE4}" dt="2020-03-22T10:53:57.442" v="1564" actId="164"/>
-          <ac:picMkLst>
-            <pc:docMk/>
-            <pc:sldMk cId="3037902655" sldId="260"/>
-            <ac:picMk id="155" creationId="{E55C0C30-BCEB-49CD-AC6A-BDF60A21F03D}"/>
-          </ac:picMkLst>
-        </pc:picChg>
-        <pc:picChg chg="add mod">
-          <ac:chgData name="唐 崇斌 Edwin" userId="769f27267cb83406" providerId="LiveId" clId="{F749D1A7-B6C5-40CC-A752-898961211CE4}" dt="2020-03-22T10:53:57.442" v="1564" actId="164"/>
-          <ac:picMkLst>
-            <pc:docMk/>
-            <pc:sldMk cId="3037902655" sldId="260"/>
-            <ac:picMk id="156" creationId="{5F247478-C762-4F96-891C-379A00364905}"/>
-          </ac:picMkLst>
-        </pc:picChg>
-        <pc:picChg chg="add mod">
-          <ac:chgData name="唐 崇斌 Edwin" userId="769f27267cb83406" providerId="LiveId" clId="{F749D1A7-B6C5-40CC-A752-898961211CE4}" dt="2020-03-22T11:55:40.676" v="2406" actId="208"/>
-          <ac:picMkLst>
-            <pc:docMk/>
-            <pc:sldMk cId="3037902655" sldId="260"/>
-            <ac:picMk id="227" creationId="{9FCF9736-F568-4F7E-950F-E1FCAF6A3D89}"/>
-          </ac:picMkLst>
-        </pc:picChg>
-        <pc:picChg chg="add mod">
-          <ac:chgData name="唐 崇斌 Edwin" userId="769f27267cb83406" providerId="LiveId" clId="{F749D1A7-B6C5-40CC-A752-898961211CE4}" dt="2020-03-22T11:55:40.676" v="2406" actId="208"/>
-          <ac:picMkLst>
-            <pc:docMk/>
-            <pc:sldMk cId="3037902655" sldId="260"/>
-            <ac:picMk id="228" creationId="{E6CBFA14-66E1-4B9E-A429-FDA12BE2F975}"/>
-          </ac:picMkLst>
-        </pc:picChg>
-        <pc:picChg chg="add mod topLvl">
-          <ac:chgData name="唐 崇斌 Edwin" userId="769f27267cb83406" providerId="LiveId" clId="{F749D1A7-B6C5-40CC-A752-898961211CE4}" dt="2020-03-22T12:02:43.610" v="2560" actId="1037"/>
-          <ac:picMkLst>
-            <pc:docMk/>
-            <pc:sldMk cId="3037902655" sldId="260"/>
-            <ac:picMk id="237" creationId="{CCC36057-6DAE-4E75-AA9E-D5EAB8B462E1}"/>
-          </ac:picMkLst>
-        </pc:picChg>
-        <pc:picChg chg="mod">
-          <ac:chgData name="唐 崇斌 Edwin" userId="769f27267cb83406" providerId="LiveId" clId="{F749D1A7-B6C5-40CC-A752-898961211CE4}" dt="2020-03-22T11:55:40.676" v="2406" actId="208"/>
-          <ac:picMkLst>
-            <pc:docMk/>
-            <pc:sldMk cId="3037902655" sldId="260"/>
-            <ac:picMk id="250" creationId="{ACD6A9F4-8EFF-4A46-ACDF-59F2CE8DF241}"/>
-          </ac:picMkLst>
-        </pc:picChg>
-        <pc:picChg chg="mod">
-          <ac:chgData name="唐 崇斌 Edwin" userId="769f27267cb83406" providerId="LiveId" clId="{F749D1A7-B6C5-40CC-A752-898961211CE4}" dt="2020-03-22T11:55:40.676" v="2406" actId="208"/>
-          <ac:picMkLst>
-            <pc:docMk/>
-            <pc:sldMk cId="3037902655" sldId="260"/>
-            <ac:picMk id="251" creationId="{8D8B0613-CDEA-4B1E-991C-7212B29BE258}"/>
-          </ac:picMkLst>
-        </pc:picChg>
-        <pc:picChg chg="mod">
-          <ac:chgData name="唐 崇斌 Edwin" userId="769f27267cb83406" providerId="LiveId" clId="{F749D1A7-B6C5-40CC-A752-898961211CE4}" dt="2020-03-22T11:55:40.676" v="2406" actId="208"/>
-          <ac:picMkLst>
-            <pc:docMk/>
-            <pc:sldMk cId="3037902655" sldId="260"/>
-            <ac:picMk id="252" creationId="{E7BD2F19-AD41-4CAF-95D8-792B7034F67D}"/>
-          </ac:picMkLst>
-        </pc:picChg>
-        <pc:cxnChg chg="add del mod">
-          <ac:chgData name="唐 崇斌 Edwin" userId="769f27267cb83406" providerId="LiveId" clId="{F749D1A7-B6C5-40CC-A752-898961211CE4}" dt="2020-03-22T11:40:59.057" v="2082" actId="478"/>
-          <ac:cxnSpMkLst>
-            <pc:docMk/>
-            <pc:sldMk cId="3037902655" sldId="260"/>
-            <ac:cxnSpMk id="20" creationId="{58D6F731-7271-486D-BE38-1BE49FAE8F9F}"/>
-          </ac:cxnSpMkLst>
-        </pc:cxnChg>
-        <pc:cxnChg chg="add del mod">
-          <ac:chgData name="唐 崇斌 Edwin" userId="769f27267cb83406" providerId="LiveId" clId="{F749D1A7-B6C5-40CC-A752-898961211CE4}" dt="2020-03-22T11:40:59.057" v="2082" actId="478"/>
-          <ac:cxnSpMkLst>
-            <pc:docMk/>
-            <pc:sldMk cId="3037902655" sldId="260"/>
-            <ac:cxnSpMk id="29" creationId="{7137AA24-A58B-4D3F-8D37-D3E135C87901}"/>
-          </ac:cxnSpMkLst>
-        </pc:cxnChg>
-        <pc:cxnChg chg="add del mod">
-          <ac:chgData name="唐 崇斌 Edwin" userId="769f27267cb83406" providerId="LiveId" clId="{F749D1A7-B6C5-40CC-A752-898961211CE4}" dt="2020-03-22T10:45:41.858" v="1355" actId="11529"/>
-          <ac:cxnSpMkLst>
-            <pc:docMk/>
-            <pc:sldMk cId="3037902655" sldId="260"/>
-            <ac:cxnSpMk id="34" creationId="{CDC6D1DB-B078-45DE-B727-AEF9C4295EC2}"/>
-          </ac:cxnSpMkLst>
-        </pc:cxnChg>
-        <pc:cxnChg chg="add del mod">
-          <ac:chgData name="唐 崇斌 Edwin" userId="769f27267cb83406" providerId="LiveId" clId="{F749D1A7-B6C5-40CC-A752-898961211CE4}" dt="2020-03-22T11:40:59.057" v="2082" actId="478"/>
-          <ac:cxnSpMkLst>
-            <pc:docMk/>
-            <pc:sldMk cId="3037902655" sldId="260"/>
-            <ac:cxnSpMk id="36" creationId="{BDAC86C1-B5A8-464A-BF04-227FCB231D75}"/>
-          </ac:cxnSpMkLst>
-        </pc:cxnChg>
-        <pc:cxnChg chg="add del mod">
-          <ac:chgData name="唐 崇斌 Edwin" userId="769f27267cb83406" providerId="LiveId" clId="{F749D1A7-B6C5-40CC-A752-898961211CE4}" dt="2020-03-22T10:48:54.838" v="1493" actId="478"/>
-          <ac:cxnSpMkLst>
-            <pc:docMk/>
-            <pc:sldMk cId="3037902655" sldId="260"/>
-            <ac:cxnSpMk id="45" creationId="{761C451E-7024-4D96-B44E-C7912F2F736B}"/>
-          </ac:cxnSpMkLst>
-        </pc:cxnChg>
-        <pc:cxnChg chg="add del mod">
-          <ac:chgData name="唐 崇斌 Edwin" userId="769f27267cb83406" providerId="LiveId" clId="{F749D1A7-B6C5-40CC-A752-898961211CE4}" dt="2020-03-22T11:40:59.057" v="2082" actId="478"/>
-          <ac:cxnSpMkLst>
-            <pc:docMk/>
-            <pc:sldMk cId="3037902655" sldId="260"/>
-            <ac:cxnSpMk id="47" creationId="{157B31B1-4277-4F06-AB7D-F03F226DA78B}"/>
-          </ac:cxnSpMkLst>
-        </pc:cxnChg>
-        <pc:cxnChg chg="del mod topLvl">
-          <ac:chgData name="唐 崇斌 Edwin" userId="769f27267cb83406" providerId="LiveId" clId="{F749D1A7-B6C5-40CC-A752-898961211CE4}" dt="2020-03-22T09:49:31.754" v="875" actId="478"/>
-          <ac:cxnSpMkLst>
-            <pc:docMk/>
-            <pc:sldMk cId="3037902655" sldId="260"/>
-            <ac:cxnSpMk id="50" creationId="{4EA4163A-E935-4FD6-ACE2-D1D5342D68DB}"/>
-          </ac:cxnSpMkLst>
-        </pc:cxnChg>
-        <pc:cxnChg chg="del mod topLvl">
-          <ac:chgData name="唐 崇斌 Edwin" userId="769f27267cb83406" providerId="LiveId" clId="{F749D1A7-B6C5-40CC-A752-898961211CE4}" dt="2020-03-22T09:49:40.846" v="876" actId="478"/>
-          <ac:cxnSpMkLst>
-            <pc:docMk/>
-            <pc:sldMk cId="3037902655" sldId="260"/>
-            <ac:cxnSpMk id="64" creationId="{50BFBB60-2BAB-416A-9D02-EBDE3C6A5446}"/>
-          </ac:cxnSpMkLst>
-        </pc:cxnChg>
-        <pc:cxnChg chg="del mod topLvl">
-          <ac:chgData name="唐 崇斌 Edwin" userId="769f27267cb83406" providerId="LiveId" clId="{F749D1A7-B6C5-40CC-A752-898961211CE4}" dt="2020-03-22T09:49:40.846" v="876" actId="478"/>
-          <ac:cxnSpMkLst>
-            <pc:docMk/>
-            <pc:sldMk cId="3037902655" sldId="260"/>
-            <ac:cxnSpMk id="66" creationId="{AA1B01EE-9B64-47A8-B7F6-BA1615B56006}"/>
-          </ac:cxnSpMkLst>
-        </pc:cxnChg>
-        <pc:cxnChg chg="del mod">
-          <ac:chgData name="唐 崇斌 Edwin" userId="769f27267cb83406" providerId="LiveId" clId="{F749D1A7-B6C5-40CC-A752-898961211CE4}" dt="2020-03-21T01:26:09.230" v="235" actId="478"/>
-          <ac:cxnSpMkLst>
-            <pc:docMk/>
-            <pc:sldMk cId="3037902655" sldId="260"/>
-            <ac:cxnSpMk id="67" creationId="{03647B27-5354-4C6E-81EF-DDBCB4AF973B}"/>
-          </ac:cxnSpMkLst>
-        </pc:cxnChg>
-        <pc:cxnChg chg="del mod">
-          <ac:chgData name="唐 崇斌 Edwin" userId="769f27267cb83406" providerId="LiveId" clId="{F749D1A7-B6C5-40CC-A752-898961211CE4}" dt="2020-03-21T01:26:06.569" v="234" actId="478"/>
-          <ac:cxnSpMkLst>
-            <pc:docMk/>
-            <pc:sldMk cId="3037902655" sldId="260"/>
-            <ac:cxnSpMk id="90" creationId="{7372FD11-AB12-428A-A85F-C7BD77204FBE}"/>
-          </ac:cxnSpMkLst>
-        </pc:cxnChg>
-        <pc:cxnChg chg="del">
-          <ac:chgData name="唐 崇斌 Edwin" userId="769f27267cb83406" providerId="LiveId" clId="{F749D1A7-B6C5-40CC-A752-898961211CE4}" dt="2020-03-21T01:27:06.585" v="388" actId="478"/>
-          <ac:cxnSpMkLst>
-            <pc:docMk/>
-            <pc:sldMk cId="3037902655" sldId="260"/>
-            <ac:cxnSpMk id="91" creationId="{1E914CBF-1D5A-440D-8AA3-75F94EB69CBD}"/>
-          </ac:cxnSpMkLst>
-        </pc:cxnChg>
-        <pc:cxnChg chg="add del mod topLvl">
-          <ac:chgData name="唐 崇斌 Edwin" userId="769f27267cb83406" providerId="LiveId" clId="{F749D1A7-B6C5-40CC-A752-898961211CE4}" dt="2020-03-22T09:49:40.846" v="876" actId="478"/>
-          <ac:cxnSpMkLst>
-            <pc:docMk/>
-            <pc:sldMk cId="3037902655" sldId="260"/>
-            <ac:cxnSpMk id="95" creationId="{A5F0A43F-FD1C-4EDE-BFF7-9F04F6FE33C9}"/>
-          </ac:cxnSpMkLst>
-        </pc:cxnChg>
-        <pc:cxnChg chg="add del mod topLvl">
-          <ac:chgData name="唐 崇斌 Edwin" userId="769f27267cb83406" providerId="LiveId" clId="{F749D1A7-B6C5-40CC-A752-898961211CE4}" dt="2020-03-22T09:49:40.846" v="876" actId="478"/>
-          <ac:cxnSpMkLst>
-            <pc:docMk/>
-            <pc:sldMk cId="3037902655" sldId="260"/>
-            <ac:cxnSpMk id="96" creationId="{67314499-D443-47A8-B3CC-8C90F7CDA784}"/>
-          </ac:cxnSpMkLst>
-        </pc:cxnChg>
-        <pc:cxnChg chg="add del mod topLvl">
-          <ac:chgData name="唐 崇斌 Edwin" userId="769f27267cb83406" providerId="LiveId" clId="{F749D1A7-B6C5-40CC-A752-898961211CE4}" dt="2020-03-22T09:49:40.846" v="876" actId="478"/>
-          <ac:cxnSpMkLst>
-            <pc:docMk/>
-            <pc:sldMk cId="3037902655" sldId="260"/>
-            <ac:cxnSpMk id="98" creationId="{F36856DC-0E80-4DAE-8F60-6828508DD03C}"/>
-          </ac:cxnSpMkLst>
-        </pc:cxnChg>
-        <pc:cxnChg chg="add del mod">
-          <ac:chgData name="唐 崇斌 Edwin" userId="769f27267cb83406" providerId="LiveId" clId="{F749D1A7-B6C5-40CC-A752-898961211CE4}" dt="2020-03-22T11:40:59.057" v="2082" actId="478"/>
-          <ac:cxnSpMkLst>
-            <pc:docMk/>
-            <pc:sldMk cId="3037902655" sldId="260"/>
-            <ac:cxnSpMk id="145" creationId="{2A1E6060-9416-473E-97A8-86A53ADD2BD3}"/>
-          </ac:cxnSpMkLst>
-        </pc:cxnChg>
-        <pc:cxnChg chg="add del mod">
-          <ac:chgData name="唐 崇斌 Edwin" userId="769f27267cb83406" providerId="LiveId" clId="{F749D1A7-B6C5-40CC-A752-898961211CE4}" dt="2020-03-22T11:40:59.057" v="2082" actId="478"/>
-          <ac:cxnSpMkLst>
-            <pc:docMk/>
-            <pc:sldMk cId="3037902655" sldId="260"/>
-            <ac:cxnSpMk id="146" creationId="{7755E390-2CA9-40E6-8045-B3B3BEDECA2B}"/>
-          </ac:cxnSpMkLst>
-        </pc:cxnChg>
-        <pc:cxnChg chg="add del mod">
-          <ac:chgData name="唐 崇斌 Edwin" userId="769f27267cb83406" providerId="LiveId" clId="{F749D1A7-B6C5-40CC-A752-898961211CE4}" dt="2020-03-22T11:10:34.752" v="1851" actId="478"/>
-          <ac:cxnSpMkLst>
-            <pc:docMk/>
-            <pc:sldMk cId="3037902655" sldId="260"/>
-            <ac:cxnSpMk id="147" creationId="{E98B26AB-5828-434E-BBAD-1F60549BA89B}"/>
-          </ac:cxnSpMkLst>
-        </pc:cxnChg>
-        <pc:cxnChg chg="add del mod">
-          <ac:chgData name="唐 崇斌 Edwin" userId="769f27267cb83406" providerId="LiveId" clId="{F749D1A7-B6C5-40CC-A752-898961211CE4}" dt="2020-03-22T11:40:59.057" v="2082" actId="478"/>
-          <ac:cxnSpMkLst>
-            <pc:docMk/>
-            <pc:sldMk cId="3037902655" sldId="260"/>
-            <ac:cxnSpMk id="148" creationId="{DB9E6460-EDF6-4D43-971D-37E03164FCCF}"/>
-          </ac:cxnSpMkLst>
-        </pc:cxnChg>
-        <pc:cxnChg chg="add del mod">
-          <ac:chgData name="唐 崇斌 Edwin" userId="769f27267cb83406" providerId="LiveId" clId="{F749D1A7-B6C5-40CC-A752-898961211CE4}" dt="2020-03-22T11:40:59.057" v="2082" actId="478"/>
-          <ac:cxnSpMkLst>
-            <pc:docMk/>
-            <pc:sldMk cId="3037902655" sldId="260"/>
-            <ac:cxnSpMk id="162" creationId="{F71CE3D3-D67A-468F-8080-E8A4A91D7319}"/>
-          </ac:cxnSpMkLst>
-        </pc:cxnChg>
-        <pc:cxnChg chg="add del mod">
-          <ac:chgData name="唐 崇斌 Edwin" userId="769f27267cb83406" providerId="LiveId" clId="{F749D1A7-B6C5-40CC-A752-898961211CE4}" dt="2020-03-22T11:40:59.057" v="2082" actId="478"/>
-          <ac:cxnSpMkLst>
-            <pc:docMk/>
-            <pc:sldMk cId="3037902655" sldId="260"/>
-            <ac:cxnSpMk id="165" creationId="{21B42458-70C1-404D-AE6B-B41B7C1E5583}"/>
-          </ac:cxnSpMkLst>
-        </pc:cxnChg>
-        <pc:cxnChg chg="add mod">
-          <ac:chgData name="唐 崇斌 Edwin" userId="769f27267cb83406" providerId="LiveId" clId="{F749D1A7-B6C5-40CC-A752-898961211CE4}" dt="2020-03-22T10:56:34.179" v="1652" actId="571"/>
-          <ac:cxnSpMkLst>
-            <pc:docMk/>
-            <pc:sldMk cId="3037902655" sldId="260"/>
-            <ac:cxnSpMk id="177" creationId="{65114BA6-BD44-4B4A-929E-188EE833423F}"/>
-          </ac:cxnSpMkLst>
-        </pc:cxnChg>
-        <pc:cxnChg chg="add mod">
-          <ac:chgData name="唐 崇斌 Edwin" userId="769f27267cb83406" providerId="LiveId" clId="{F749D1A7-B6C5-40CC-A752-898961211CE4}" dt="2020-03-22T10:56:34.179" v="1652" actId="571"/>
-          <ac:cxnSpMkLst>
-            <pc:docMk/>
-            <pc:sldMk cId="3037902655" sldId="260"/>
-            <ac:cxnSpMk id="178" creationId="{A8DFFA95-4BEF-41FB-BCEF-E8D80215EF35}"/>
-          </ac:cxnSpMkLst>
-        </pc:cxnChg>
-        <pc:cxnChg chg="add del mod">
-          <ac:chgData name="唐 崇斌 Edwin" userId="769f27267cb83406" providerId="LiveId" clId="{F749D1A7-B6C5-40CC-A752-898961211CE4}" dt="2020-03-22T11:40:59.057" v="2082" actId="478"/>
-          <ac:cxnSpMkLst>
-            <pc:docMk/>
-            <pc:sldMk cId="3037902655" sldId="260"/>
-            <ac:cxnSpMk id="210" creationId="{56248D90-04BA-4318-9EFA-CAF04B06F20B}"/>
-          </ac:cxnSpMkLst>
-        </pc:cxnChg>
-        <pc:cxnChg chg="add del mod">
-          <ac:chgData name="唐 崇斌 Edwin" userId="769f27267cb83406" providerId="LiveId" clId="{F749D1A7-B6C5-40CC-A752-898961211CE4}" dt="2020-03-22T11:40:59.057" v="2082" actId="478"/>
-          <ac:cxnSpMkLst>
-            <pc:docMk/>
-            <pc:sldMk cId="3037902655" sldId="260"/>
-            <ac:cxnSpMk id="213" creationId="{2856A72C-02D8-4B27-B712-B82396AB79AE}"/>
-          </ac:cxnSpMkLst>
-        </pc:cxnChg>
-        <pc:cxnChg chg="add del mod">
-          <ac:chgData name="唐 崇斌 Edwin" userId="769f27267cb83406" providerId="LiveId" clId="{F749D1A7-B6C5-40CC-A752-898961211CE4}" dt="2020-03-22T11:40:59.057" v="2082" actId="478"/>
-          <ac:cxnSpMkLst>
-            <pc:docMk/>
-            <pc:sldMk cId="3037902655" sldId="260"/>
-            <ac:cxnSpMk id="232" creationId="{0CBFD6A4-7719-4C83-BB40-C8ECB7900A08}"/>
-          </ac:cxnSpMkLst>
-        </pc:cxnChg>
-        <pc:cxnChg chg="add mod">
-          <ac:chgData name="唐 崇斌 Edwin" userId="769f27267cb83406" providerId="LiveId" clId="{F749D1A7-B6C5-40CC-A752-898961211CE4}" dt="2020-03-22T11:58:55.538" v="2458" actId="12789"/>
-          <ac:cxnSpMkLst>
-            <pc:docMk/>
-            <pc:sldMk cId="3037902655" sldId="260"/>
-            <ac:cxnSpMk id="265" creationId="{3FD3BE06-9F73-4E00-8FBF-13F65A946C11}"/>
-          </ac:cxnSpMkLst>
-        </pc:cxnChg>
-        <pc:cxnChg chg="add mod">
-          <ac:chgData name="唐 崇斌 Edwin" userId="769f27267cb83406" providerId="LiveId" clId="{F749D1A7-B6C5-40CC-A752-898961211CE4}" dt="2020-03-22T11:59:09.425" v="2479" actId="164"/>
-          <ac:cxnSpMkLst>
-            <pc:docMk/>
-            <pc:sldMk cId="3037902655" sldId="260"/>
-            <ac:cxnSpMk id="267" creationId="{BC4A9953-90B7-4687-BFF8-8811B61FA9A7}"/>
-          </ac:cxnSpMkLst>
-        </pc:cxnChg>
-        <pc:cxnChg chg="add del mod">
-          <ac:chgData name="唐 崇斌 Edwin" userId="769f27267cb83406" providerId="LiveId" clId="{F749D1A7-B6C5-40CC-A752-898961211CE4}" dt="2020-03-22T11:59:09.425" v="2479" actId="164"/>
-          <ac:cxnSpMkLst>
-            <pc:docMk/>
-            <pc:sldMk cId="3037902655" sldId="260"/>
-            <ac:cxnSpMk id="268" creationId="{EC8B5391-A977-49A7-B80D-30F7972BF3A7}"/>
-          </ac:cxnSpMkLst>
-        </pc:cxnChg>
-        <pc:cxnChg chg="add mod">
-          <ac:chgData name="唐 崇斌 Edwin" userId="769f27267cb83406" providerId="LiveId" clId="{F749D1A7-B6C5-40CC-A752-898961211CE4}" dt="2020-03-22T12:02:21.403" v="2553" actId="1035"/>
-          <ac:cxnSpMkLst>
-            <pc:docMk/>
-            <pc:sldMk cId="3037902655" sldId="260"/>
-            <ac:cxnSpMk id="278" creationId="{AB273FED-E25C-413B-827C-169718954686}"/>
-          </ac:cxnSpMkLst>
-        </pc:cxnChg>
-      </pc:sldChg>
-      <pc:sldChg chg="add del">
-        <pc:chgData name="唐 崇斌 Edwin" userId="769f27267cb83406" providerId="LiveId" clId="{F749D1A7-B6C5-40CC-A752-898961211CE4}" dt="2020-03-22T11:40:17.642" v="2081"/>
-        <pc:sldMkLst>
-          <pc:docMk/>
-          <pc:sldMk cId="1166616651" sldId="261"/>
-        </pc:sldMkLst>
-      </pc:sldChg>
-    </pc:docChg>
-  </pc:docChgLst>
-  <pc:docChgLst>
-    <pc:chgData name="唐 崇斌 Edwin" userId="769f27267cb83406" providerId="LiveId" clId="{8B9D1FA0-5D32-4615-AAF6-9CDC967303CA}"/>
-    <pc:docChg chg="modSld">
-      <pc:chgData name="唐 崇斌 Edwin" userId="769f27267cb83406" providerId="LiveId" clId="{8B9D1FA0-5D32-4615-AAF6-9CDC967303CA}" dt="2020-05-29T09:48:18.257" v="2" actId="20577"/>
-      <pc:docMkLst>
-        <pc:docMk/>
-      </pc:docMkLst>
-      <pc:sldChg chg="modSp">
-        <pc:chgData name="唐 崇斌 Edwin" userId="769f27267cb83406" providerId="LiveId" clId="{8B9D1FA0-5D32-4615-AAF6-9CDC967303CA}" dt="2020-05-29T09:48:18.257" v="2" actId="20577"/>
-        <pc:sldMkLst>
-          <pc:docMk/>
-          <pc:sldMk cId="3037902655" sldId="260"/>
-        </pc:sldMkLst>
-        <pc:spChg chg="mod">
-          <ac:chgData name="唐 崇斌 Edwin" userId="769f27267cb83406" providerId="LiveId" clId="{8B9D1FA0-5D32-4615-AAF6-9CDC967303CA}" dt="2020-05-29T09:47:20.047" v="0"/>
-          <ac:spMkLst>
-            <pc:docMk/>
-            <pc:sldMk cId="3037902655" sldId="260"/>
-            <ac:spMk id="80" creationId="{0F8FB120-7D3A-4E70-8086-0110457115A4}"/>
-          </ac:spMkLst>
-        </pc:spChg>
-        <pc:spChg chg="mod">
-          <ac:chgData name="唐 崇斌 Edwin" userId="769f27267cb83406" providerId="LiveId" clId="{8B9D1FA0-5D32-4615-AAF6-9CDC967303CA}" dt="2020-05-29T09:48:18.257" v="2" actId="20577"/>
-          <ac:spMkLst>
-            <pc:docMk/>
-            <pc:sldMk cId="3037902655" sldId="260"/>
-            <ac:spMk id="81" creationId="{D69217E1-9EBA-4921-8BDA-11476203D2EA}"/>
-          </ac:spMkLst>
-        </pc:spChg>
       </pc:sldChg>
     </pc:docChg>
   </pc:docChgLst>
@@ -3904,7 +826,7 @@
           <a:p>
             <a:fld id="{2397B9A4-A1A7-4F69-B67A-5CE7E47DA859}" type="datetimeFigureOut">
               <a:rPr lang="zh-CN" altLang="en-US" smtClean="0"/>
-              <a:t>2020/5/29</a:t>
+              <a:t>2020/10/2</a:t>
             </a:fld>
             <a:endParaRPr lang="zh-CN" altLang="en-US"/>
           </a:p>
@@ -4072,7 +994,7 @@
           <a:p>
             <a:fld id="{2397B9A4-A1A7-4F69-B67A-5CE7E47DA859}" type="datetimeFigureOut">
               <a:rPr lang="zh-CN" altLang="en-US" smtClean="0"/>
-              <a:t>2020/5/29</a:t>
+              <a:t>2020/10/2</a:t>
             </a:fld>
             <a:endParaRPr lang="zh-CN" altLang="en-US"/>
           </a:p>
@@ -4250,7 +1172,7 @@
           <a:p>
             <a:fld id="{2397B9A4-A1A7-4F69-B67A-5CE7E47DA859}" type="datetimeFigureOut">
               <a:rPr lang="zh-CN" altLang="en-US" smtClean="0"/>
-              <a:t>2020/5/29</a:t>
+              <a:t>2020/10/2</a:t>
             </a:fld>
             <a:endParaRPr lang="zh-CN" altLang="en-US"/>
           </a:p>
@@ -4418,7 +1340,7 @@
           <a:p>
             <a:fld id="{2397B9A4-A1A7-4F69-B67A-5CE7E47DA859}" type="datetimeFigureOut">
               <a:rPr lang="zh-CN" altLang="en-US" smtClean="0"/>
-              <a:t>2020/5/29</a:t>
+              <a:t>2020/10/2</a:t>
             </a:fld>
             <a:endParaRPr lang="zh-CN" altLang="en-US"/>
           </a:p>
@@ -4663,7 +1585,7 @@
           <a:p>
             <a:fld id="{2397B9A4-A1A7-4F69-B67A-5CE7E47DA859}" type="datetimeFigureOut">
               <a:rPr lang="zh-CN" altLang="en-US" smtClean="0"/>
-              <a:t>2020/5/29</a:t>
+              <a:t>2020/10/2</a:t>
             </a:fld>
             <a:endParaRPr lang="zh-CN" altLang="en-US"/>
           </a:p>
@@ -4892,7 +1814,7 @@
           <a:p>
             <a:fld id="{2397B9A4-A1A7-4F69-B67A-5CE7E47DA859}" type="datetimeFigureOut">
               <a:rPr lang="zh-CN" altLang="en-US" smtClean="0"/>
-              <a:t>2020/5/29</a:t>
+              <a:t>2020/10/2</a:t>
             </a:fld>
             <a:endParaRPr lang="zh-CN" altLang="en-US"/>
           </a:p>
@@ -5256,7 +2178,7 @@
           <a:p>
             <a:fld id="{2397B9A4-A1A7-4F69-B67A-5CE7E47DA859}" type="datetimeFigureOut">
               <a:rPr lang="zh-CN" altLang="en-US" smtClean="0"/>
-              <a:t>2020/5/29</a:t>
+              <a:t>2020/10/2</a:t>
             </a:fld>
             <a:endParaRPr lang="zh-CN" altLang="en-US"/>
           </a:p>
@@ -5373,7 +2295,7 @@
           <a:p>
             <a:fld id="{2397B9A4-A1A7-4F69-B67A-5CE7E47DA859}" type="datetimeFigureOut">
               <a:rPr lang="zh-CN" altLang="en-US" smtClean="0"/>
-              <a:t>2020/5/29</a:t>
+              <a:t>2020/10/2</a:t>
             </a:fld>
             <a:endParaRPr lang="zh-CN" altLang="en-US"/>
           </a:p>
@@ -5468,7 +2390,7 @@
           <a:p>
             <a:fld id="{2397B9A4-A1A7-4F69-B67A-5CE7E47DA859}" type="datetimeFigureOut">
               <a:rPr lang="zh-CN" altLang="en-US" smtClean="0"/>
-              <a:t>2020/5/29</a:t>
+              <a:t>2020/10/2</a:t>
             </a:fld>
             <a:endParaRPr lang="zh-CN" altLang="en-US"/>
           </a:p>
@@ -5743,7 +2665,7 @@
           <a:p>
             <a:fld id="{2397B9A4-A1A7-4F69-B67A-5CE7E47DA859}" type="datetimeFigureOut">
               <a:rPr lang="zh-CN" altLang="en-US" smtClean="0"/>
-              <a:t>2020/5/29</a:t>
+              <a:t>2020/10/2</a:t>
             </a:fld>
             <a:endParaRPr lang="zh-CN" altLang="en-US"/>
           </a:p>
@@ -5995,7 +2917,7 @@
           <a:p>
             <a:fld id="{2397B9A4-A1A7-4F69-B67A-5CE7E47DA859}" type="datetimeFigureOut">
               <a:rPr lang="zh-CN" altLang="en-US" smtClean="0"/>
-              <a:t>2020/5/29</a:t>
+              <a:t>2020/10/2</a:t>
             </a:fld>
             <a:endParaRPr lang="zh-CN" altLang="en-US"/>
           </a:p>
@@ -6206,7 +3128,7 @@
           <a:p>
             <a:fld id="{2397B9A4-A1A7-4F69-B67A-5CE7E47DA859}" type="datetimeFigureOut">
               <a:rPr lang="zh-CN" altLang="en-US" smtClean="0"/>
-              <a:t>2020/5/29</a:t>
+              <a:t>2020/10/2</a:t>
             </a:fld>
             <a:endParaRPr lang="zh-CN" altLang="en-US"/>
           </a:p>
@@ -16946,6 +13868,1989 @@
 </p:sld>
 </file>
 
+<file path=ppt/slides/slide5.xml><?xml version="1.0" encoding="utf-8"?>
+<p:sld xmlns:a="http://schemas.openxmlformats.org/drawingml/2006/main" xmlns:r="http://schemas.openxmlformats.org/officeDocument/2006/relationships" xmlns:p="http://schemas.openxmlformats.org/presentationml/2006/main">
+  <p:cSld>
+    <p:spTree>
+      <p:nvGrpSpPr>
+        <p:cNvPr id="1" name=""/>
+        <p:cNvGrpSpPr/>
+        <p:nvPr/>
+      </p:nvGrpSpPr>
+      <p:grpSpPr>
+        <a:xfrm>
+          <a:off x="0" y="0"/>
+          <a:ext cx="0" cy="0"/>
+          <a:chOff x="0" y="0"/>
+          <a:chExt cx="0" cy="0"/>
+        </a:xfrm>
+      </p:grpSpPr>
+      <p:grpSp>
+        <p:nvGrpSpPr>
+          <p:cNvPr id="61" name="组合 60">
+            <a:extLst>
+              <a:ext uri="{FF2B5EF4-FFF2-40B4-BE49-F238E27FC236}">
+                <a16:creationId xmlns:a16="http://schemas.microsoft.com/office/drawing/2014/main" id="{1E82EDE1-E237-49EB-8708-0CFD9223A0BC}"/>
+              </a:ext>
+            </a:extLst>
+          </p:cNvPr>
+          <p:cNvGrpSpPr/>
+          <p:nvPr/>
+        </p:nvGrpSpPr>
+        <p:grpSpPr>
+          <a:xfrm>
+            <a:off x="9136240" y="2544682"/>
+            <a:ext cx="1538175" cy="413920"/>
+            <a:chOff x="8971800" y="1494969"/>
+            <a:chExt cx="1538175" cy="413920"/>
+          </a:xfrm>
+        </p:grpSpPr>
+        <p:sp>
+          <p:nvSpPr>
+            <p:cNvPr id="246" name="矩形 245">
+              <a:extLst>
+                <a:ext uri="{FF2B5EF4-FFF2-40B4-BE49-F238E27FC236}">
+                  <a16:creationId xmlns:a16="http://schemas.microsoft.com/office/drawing/2014/main" id="{8A0B81D4-CD1D-48C6-8DA4-C1DC1C7ABE3B}"/>
+                </a:ext>
+              </a:extLst>
+            </p:cNvPr>
+            <p:cNvSpPr/>
+            <p:nvPr/>
+          </p:nvSpPr>
+          <p:spPr>
+            <a:xfrm>
+              <a:off x="9163309" y="1494969"/>
+              <a:ext cx="1346666" cy="413920"/>
+            </a:xfrm>
+            <a:prstGeom prst="rect">
+              <a:avLst/>
+            </a:prstGeom>
+            <a:solidFill>
+              <a:schemeClr val="bg1"/>
+            </a:solidFill>
+            <a:ln w="57150">
+              <a:noFill/>
+              <a:prstDash val="lgDash"/>
+            </a:ln>
+          </p:spPr>
+          <p:style>
+            <a:lnRef idx="2">
+              <a:schemeClr val="accent1">
+                <a:shade val="50000"/>
+              </a:schemeClr>
+            </a:lnRef>
+            <a:fillRef idx="1">
+              <a:schemeClr val="accent1"/>
+            </a:fillRef>
+            <a:effectRef idx="0">
+              <a:schemeClr val="accent1"/>
+            </a:effectRef>
+            <a:fontRef idx="minor">
+              <a:schemeClr val="lt1"/>
+            </a:fontRef>
+          </p:style>
+          <p:txBody>
+            <a:bodyPr rtlCol="0" anchor="ctr"/>
+            <a:lstStyle/>
+            <a:p>
+              <a:pPr algn="ctr"/>
+              <a:r>
+                <a:rPr lang="zh-CN" altLang="en-US" sz="1400" dirty="0">
+                  <a:solidFill>
+                    <a:schemeClr val="tx1"/>
+                  </a:solidFill>
+                </a:rPr>
+                <a:t>可疑行为特征</a:t>
+              </a:r>
+            </a:p>
+          </p:txBody>
+        </p:sp>
+        <p:pic>
+          <p:nvPicPr>
+            <p:cNvPr id="151" name="图片 150">
+              <a:extLst>
+                <a:ext uri="{FF2B5EF4-FFF2-40B4-BE49-F238E27FC236}">
+                  <a16:creationId xmlns:a16="http://schemas.microsoft.com/office/drawing/2014/main" id="{7C9DE28E-B8A0-4E2E-947C-0885C3379C3F}"/>
+                </a:ext>
+              </a:extLst>
+            </p:cNvPr>
+            <p:cNvPicPr>
+              <a:picLocks noChangeAspect="1"/>
+            </p:cNvPicPr>
+            <p:nvPr/>
+          </p:nvPicPr>
+          <p:blipFill>
+            <a:blip r:embed="rId2" cstate="print">
+              <a:extLst>
+                <a:ext uri="{28A0092B-C50C-407E-A947-70E740481C1C}">
+                  <a14:useLocalDpi xmlns:a14="http://schemas.microsoft.com/office/drawing/2010/main" val="0"/>
+                </a:ext>
+              </a:extLst>
+            </a:blip>
+            <a:stretch>
+              <a:fillRect/>
+            </a:stretch>
+          </p:blipFill>
+          <p:spPr>
+            <a:xfrm flipH="1">
+              <a:off x="8971800" y="1554386"/>
+              <a:ext cx="295085" cy="295085"/>
+            </a:xfrm>
+            <a:prstGeom prst="rect">
+              <a:avLst/>
+            </a:prstGeom>
+            <a:solidFill>
+              <a:schemeClr val="bg1"/>
+            </a:solidFill>
+            <a:ln>
+              <a:noFill/>
+            </a:ln>
+          </p:spPr>
+        </p:pic>
+      </p:grpSp>
+      <p:grpSp>
+        <p:nvGrpSpPr>
+          <p:cNvPr id="219" name="组合 218">
+            <a:extLst>
+              <a:ext uri="{FF2B5EF4-FFF2-40B4-BE49-F238E27FC236}">
+                <a16:creationId xmlns:a16="http://schemas.microsoft.com/office/drawing/2014/main" id="{814A09A5-7545-40EA-B513-AFE4B8658FE2}"/>
+              </a:ext>
+            </a:extLst>
+          </p:cNvPr>
+          <p:cNvGrpSpPr/>
+          <p:nvPr/>
+        </p:nvGrpSpPr>
+        <p:grpSpPr>
+          <a:xfrm>
+            <a:off x="492658" y="3398847"/>
+            <a:ext cx="2231516" cy="590285"/>
+            <a:chOff x="5286523" y="987462"/>
+            <a:chExt cx="2231516" cy="590285"/>
+          </a:xfrm>
+        </p:grpSpPr>
+        <p:sp>
+          <p:nvSpPr>
+            <p:cNvPr id="220" name="矩形 219">
+              <a:extLst>
+                <a:ext uri="{FF2B5EF4-FFF2-40B4-BE49-F238E27FC236}">
+                  <a16:creationId xmlns:a16="http://schemas.microsoft.com/office/drawing/2014/main" id="{1068F0CE-A4FB-4447-975A-5B4275990A27}"/>
+                </a:ext>
+              </a:extLst>
+            </p:cNvPr>
+            <p:cNvSpPr/>
+            <p:nvPr/>
+          </p:nvSpPr>
+          <p:spPr>
+            <a:xfrm>
+              <a:off x="5286523" y="1135004"/>
+              <a:ext cx="839335" cy="242954"/>
+            </a:xfrm>
+            <a:prstGeom prst="rect">
+              <a:avLst/>
+            </a:prstGeom>
+            <a:solidFill>
+              <a:schemeClr val="bg1"/>
+            </a:solidFill>
+            <a:ln w="57150">
+              <a:noFill/>
+              <a:prstDash val="lgDash"/>
+            </a:ln>
+          </p:spPr>
+          <p:style>
+            <a:lnRef idx="2">
+              <a:schemeClr val="accent1">
+                <a:shade val="50000"/>
+              </a:schemeClr>
+            </a:lnRef>
+            <a:fillRef idx="1">
+              <a:schemeClr val="accent1"/>
+            </a:fillRef>
+            <a:effectRef idx="0">
+              <a:schemeClr val="accent1"/>
+            </a:effectRef>
+            <a:fontRef idx="minor">
+              <a:schemeClr val="lt1"/>
+            </a:fontRef>
+          </p:style>
+          <p:txBody>
+            <a:bodyPr rtlCol="0" anchor="ctr"/>
+            <a:lstStyle/>
+            <a:p>
+              <a:pPr algn="ctr"/>
+              <a:r>
+                <a:rPr lang="zh-CN" altLang="en-US" sz="1400" dirty="0">
+                  <a:solidFill>
+                    <a:schemeClr val="tx1"/>
+                  </a:solidFill>
+                </a:rPr>
+                <a:t>应用集</a:t>
+              </a:r>
+            </a:p>
+          </p:txBody>
+        </p:sp>
+        <p:grpSp>
+          <p:nvGrpSpPr>
+            <p:cNvPr id="221" name="组合 220">
+              <a:extLst>
+                <a:ext uri="{FF2B5EF4-FFF2-40B4-BE49-F238E27FC236}">
+                  <a16:creationId xmlns:a16="http://schemas.microsoft.com/office/drawing/2014/main" id="{A04AED74-557A-4435-8B08-EF8B652C8216}"/>
+                </a:ext>
+              </a:extLst>
+            </p:cNvPr>
+            <p:cNvGrpSpPr/>
+            <p:nvPr/>
+          </p:nvGrpSpPr>
+          <p:grpSpPr>
+            <a:xfrm>
+              <a:off x="6061116" y="987462"/>
+              <a:ext cx="1456923" cy="590285"/>
+              <a:chOff x="5774734" y="494817"/>
+              <a:chExt cx="1456923" cy="590285"/>
+            </a:xfrm>
+            <a:solidFill>
+              <a:schemeClr val="bg1"/>
+            </a:solidFill>
+          </p:grpSpPr>
+          <p:grpSp>
+            <p:nvGrpSpPr>
+              <p:cNvPr id="222" name="组合 221">
+                <a:extLst>
+                  <a:ext uri="{FF2B5EF4-FFF2-40B4-BE49-F238E27FC236}">
+                    <a16:creationId xmlns:a16="http://schemas.microsoft.com/office/drawing/2014/main" id="{86B252F8-AD31-4413-87D9-F60770D691B6}"/>
+                  </a:ext>
+                </a:extLst>
+              </p:cNvPr>
+              <p:cNvGrpSpPr/>
+              <p:nvPr/>
+            </p:nvGrpSpPr>
+            <p:grpSpPr>
+              <a:xfrm>
+                <a:off x="5921905" y="494817"/>
+                <a:ext cx="1162152" cy="295086"/>
+                <a:chOff x="10333001" y="1215606"/>
+                <a:chExt cx="1162152" cy="295086"/>
+              </a:xfrm>
+              <a:grpFill/>
+            </p:grpSpPr>
+            <p:pic>
+              <p:nvPicPr>
+                <p:cNvPr id="236" name="图片 235">
+                  <a:extLst>
+                    <a:ext uri="{FF2B5EF4-FFF2-40B4-BE49-F238E27FC236}">
+                      <a16:creationId xmlns:a16="http://schemas.microsoft.com/office/drawing/2014/main" id="{CF99F8C5-98F9-4222-B383-61F4C5D13A0B}"/>
+                    </a:ext>
+                  </a:extLst>
+                </p:cNvPr>
+                <p:cNvPicPr>
+                  <a:picLocks noChangeAspect="1"/>
+                </p:cNvPicPr>
+                <p:nvPr/>
+              </p:nvPicPr>
+              <p:blipFill>
+                <a:blip r:embed="rId2" cstate="print">
+                  <a:extLst>
+                    <a:ext uri="{28A0092B-C50C-407E-A947-70E740481C1C}">
+                      <a14:useLocalDpi xmlns:a14="http://schemas.microsoft.com/office/drawing/2010/main" val="0"/>
+                    </a:ext>
+                  </a:extLst>
+                </a:blip>
+                <a:stretch>
+                  <a:fillRect/>
+                </a:stretch>
+              </p:blipFill>
+              <p:spPr>
+                <a:xfrm flipH="1">
+                  <a:off x="10622023" y="1215607"/>
+                  <a:ext cx="295085" cy="295085"/>
+                </a:xfrm>
+                <a:prstGeom prst="rect">
+                  <a:avLst/>
+                </a:prstGeom>
+                <a:grpFill/>
+                <a:ln>
+                  <a:noFill/>
+                </a:ln>
+              </p:spPr>
+            </p:pic>
+            <p:pic>
+              <p:nvPicPr>
+                <p:cNvPr id="237" name="图片 236">
+                  <a:extLst>
+                    <a:ext uri="{FF2B5EF4-FFF2-40B4-BE49-F238E27FC236}">
+                      <a16:creationId xmlns:a16="http://schemas.microsoft.com/office/drawing/2014/main" id="{3FE94328-974F-495A-B017-AE1160E8D79B}"/>
+                    </a:ext>
+                  </a:extLst>
+                </p:cNvPr>
+                <p:cNvPicPr>
+                  <a:picLocks noChangeAspect="1"/>
+                </p:cNvPicPr>
+                <p:nvPr/>
+              </p:nvPicPr>
+              <p:blipFill>
+                <a:blip r:embed="rId2" cstate="print">
+                  <a:extLst>
+                    <a:ext uri="{28A0092B-C50C-407E-A947-70E740481C1C}">
+                      <a14:useLocalDpi xmlns:a14="http://schemas.microsoft.com/office/drawing/2010/main" val="0"/>
+                    </a:ext>
+                  </a:extLst>
+                </a:blip>
+                <a:stretch>
+                  <a:fillRect/>
+                </a:stretch>
+              </p:blipFill>
+              <p:spPr>
+                <a:xfrm flipH="1">
+                  <a:off x="10333001" y="1215607"/>
+                  <a:ext cx="295085" cy="295085"/>
+                </a:xfrm>
+                <a:prstGeom prst="rect">
+                  <a:avLst/>
+                </a:prstGeom>
+                <a:grpFill/>
+                <a:ln>
+                  <a:noFill/>
+                </a:ln>
+              </p:spPr>
+            </p:pic>
+            <p:pic>
+              <p:nvPicPr>
+                <p:cNvPr id="238" name="图片 237">
+                  <a:extLst>
+                    <a:ext uri="{FF2B5EF4-FFF2-40B4-BE49-F238E27FC236}">
+                      <a16:creationId xmlns:a16="http://schemas.microsoft.com/office/drawing/2014/main" id="{C9688F9F-65F4-40AE-8A7E-6C4C7BC4E472}"/>
+                    </a:ext>
+                  </a:extLst>
+                </p:cNvPr>
+                <p:cNvPicPr>
+                  <a:picLocks noChangeAspect="1"/>
+                </p:cNvPicPr>
+                <p:nvPr/>
+              </p:nvPicPr>
+              <p:blipFill>
+                <a:blip r:embed="rId2" cstate="print">
+                  <a:extLst>
+                    <a:ext uri="{28A0092B-C50C-407E-A947-70E740481C1C}">
+                      <a14:useLocalDpi xmlns:a14="http://schemas.microsoft.com/office/drawing/2010/main" val="0"/>
+                    </a:ext>
+                  </a:extLst>
+                </a:blip>
+                <a:stretch>
+                  <a:fillRect/>
+                </a:stretch>
+              </p:blipFill>
+              <p:spPr>
+                <a:xfrm flipH="1">
+                  <a:off x="11200068" y="1215606"/>
+                  <a:ext cx="295085" cy="295085"/>
+                </a:xfrm>
+                <a:prstGeom prst="rect">
+                  <a:avLst/>
+                </a:prstGeom>
+                <a:grpFill/>
+                <a:ln>
+                  <a:noFill/>
+                </a:ln>
+              </p:spPr>
+            </p:pic>
+            <p:pic>
+              <p:nvPicPr>
+                <p:cNvPr id="239" name="图片 238">
+                  <a:extLst>
+                    <a:ext uri="{FF2B5EF4-FFF2-40B4-BE49-F238E27FC236}">
+                      <a16:creationId xmlns:a16="http://schemas.microsoft.com/office/drawing/2014/main" id="{9E881667-ECCA-4C07-83BD-B0464DC0A030}"/>
+                    </a:ext>
+                  </a:extLst>
+                </p:cNvPr>
+                <p:cNvPicPr>
+                  <a:picLocks noChangeAspect="1"/>
+                </p:cNvPicPr>
+                <p:nvPr/>
+              </p:nvPicPr>
+              <p:blipFill>
+                <a:blip r:embed="rId2" cstate="print">
+                  <a:extLst>
+                    <a:ext uri="{28A0092B-C50C-407E-A947-70E740481C1C}">
+                      <a14:useLocalDpi xmlns:a14="http://schemas.microsoft.com/office/drawing/2010/main" val="0"/>
+                    </a:ext>
+                  </a:extLst>
+                </a:blip>
+                <a:stretch>
+                  <a:fillRect/>
+                </a:stretch>
+              </p:blipFill>
+              <p:spPr>
+                <a:xfrm flipH="1">
+                  <a:off x="10911045" y="1215606"/>
+                  <a:ext cx="295085" cy="295085"/>
+                </a:xfrm>
+                <a:prstGeom prst="rect">
+                  <a:avLst/>
+                </a:prstGeom>
+                <a:grpFill/>
+                <a:ln>
+                  <a:noFill/>
+                </a:ln>
+              </p:spPr>
+            </p:pic>
+          </p:grpSp>
+          <p:pic>
+            <p:nvPicPr>
+              <p:cNvPr id="223" name="图片 222">
+                <a:extLst>
+                  <a:ext uri="{FF2B5EF4-FFF2-40B4-BE49-F238E27FC236}">
+                    <a16:creationId xmlns:a16="http://schemas.microsoft.com/office/drawing/2014/main" id="{9601587F-05ED-4095-8A5E-4B46827CF5ED}"/>
+                  </a:ext>
+                </a:extLst>
+              </p:cNvPr>
+              <p:cNvPicPr>
+                <a:picLocks noChangeAspect="1"/>
+              </p:cNvPicPr>
+              <p:nvPr/>
+            </p:nvPicPr>
+            <p:blipFill>
+              <a:blip r:embed="rId3" cstate="print">
+                <a:extLst>
+                  <a:ext uri="{28A0092B-C50C-407E-A947-70E740481C1C}">
+                    <a14:useLocalDpi xmlns:a14="http://schemas.microsoft.com/office/drawing/2010/main" val="0"/>
+                  </a:ext>
+                </a:extLst>
+              </a:blip>
+              <a:stretch>
+                <a:fillRect/>
+              </a:stretch>
+            </p:blipFill>
+            <p:spPr>
+              <a:xfrm flipH="1">
+                <a:off x="5774734" y="789902"/>
+                <a:ext cx="295200" cy="295200"/>
+              </a:xfrm>
+              <a:prstGeom prst="rect">
+                <a:avLst/>
+              </a:prstGeom>
+              <a:grpFill/>
+            </p:spPr>
+          </p:pic>
+          <p:pic>
+            <p:nvPicPr>
+              <p:cNvPr id="224" name="图片 223">
+                <a:extLst>
+                  <a:ext uri="{FF2B5EF4-FFF2-40B4-BE49-F238E27FC236}">
+                    <a16:creationId xmlns:a16="http://schemas.microsoft.com/office/drawing/2014/main" id="{58605433-CBA2-4BE7-A9E6-B59CE3FE5A4F}"/>
+                  </a:ext>
+                </a:extLst>
+              </p:cNvPr>
+              <p:cNvPicPr>
+                <a:picLocks noChangeAspect="1"/>
+              </p:cNvPicPr>
+              <p:nvPr/>
+            </p:nvPicPr>
+            <p:blipFill>
+              <a:blip r:embed="rId3" cstate="print">
+                <a:extLst>
+                  <a:ext uri="{28A0092B-C50C-407E-A947-70E740481C1C}">
+                    <a14:useLocalDpi xmlns:a14="http://schemas.microsoft.com/office/drawing/2010/main" val="0"/>
+                  </a:ext>
+                </a:extLst>
+              </a:blip>
+              <a:stretch>
+                <a:fillRect/>
+              </a:stretch>
+            </p:blipFill>
+            <p:spPr>
+              <a:xfrm flipH="1">
+                <a:off x="6065165" y="789902"/>
+                <a:ext cx="295200" cy="295200"/>
+              </a:xfrm>
+              <a:prstGeom prst="rect">
+                <a:avLst/>
+              </a:prstGeom>
+              <a:grpFill/>
+            </p:spPr>
+          </p:pic>
+          <p:pic>
+            <p:nvPicPr>
+              <p:cNvPr id="233" name="图片 232">
+                <a:extLst>
+                  <a:ext uri="{FF2B5EF4-FFF2-40B4-BE49-F238E27FC236}">
+                    <a16:creationId xmlns:a16="http://schemas.microsoft.com/office/drawing/2014/main" id="{5B752241-3A91-46EC-AB01-1F389391B01B}"/>
+                  </a:ext>
+                </a:extLst>
+              </p:cNvPr>
+              <p:cNvPicPr>
+                <a:picLocks noChangeAspect="1"/>
+              </p:cNvPicPr>
+              <p:nvPr/>
+            </p:nvPicPr>
+            <p:blipFill>
+              <a:blip r:embed="rId3" cstate="print">
+                <a:extLst>
+                  <a:ext uri="{28A0092B-C50C-407E-A947-70E740481C1C}">
+                    <a14:useLocalDpi xmlns:a14="http://schemas.microsoft.com/office/drawing/2010/main" val="0"/>
+                  </a:ext>
+                </a:extLst>
+              </a:blip>
+              <a:stretch>
+                <a:fillRect/>
+              </a:stretch>
+            </p:blipFill>
+            <p:spPr>
+              <a:xfrm flipH="1">
+                <a:off x="6646027" y="789902"/>
+                <a:ext cx="295200" cy="295200"/>
+              </a:xfrm>
+              <a:prstGeom prst="rect">
+                <a:avLst/>
+              </a:prstGeom>
+              <a:grpFill/>
+            </p:spPr>
+          </p:pic>
+          <p:pic>
+            <p:nvPicPr>
+              <p:cNvPr id="234" name="图片 233">
+                <a:extLst>
+                  <a:ext uri="{FF2B5EF4-FFF2-40B4-BE49-F238E27FC236}">
+                    <a16:creationId xmlns:a16="http://schemas.microsoft.com/office/drawing/2014/main" id="{E7634BBA-EC0C-4DAA-BB67-7F571A4F5DE6}"/>
+                  </a:ext>
+                </a:extLst>
+              </p:cNvPr>
+              <p:cNvPicPr>
+                <a:picLocks noChangeAspect="1"/>
+              </p:cNvPicPr>
+              <p:nvPr/>
+            </p:nvPicPr>
+            <p:blipFill>
+              <a:blip r:embed="rId3" cstate="print">
+                <a:extLst>
+                  <a:ext uri="{28A0092B-C50C-407E-A947-70E740481C1C}">
+                    <a14:useLocalDpi xmlns:a14="http://schemas.microsoft.com/office/drawing/2010/main" val="0"/>
+                  </a:ext>
+                </a:extLst>
+              </a:blip>
+              <a:stretch>
+                <a:fillRect/>
+              </a:stretch>
+            </p:blipFill>
+            <p:spPr>
+              <a:xfrm flipH="1">
+                <a:off x="6355596" y="789902"/>
+                <a:ext cx="295200" cy="295200"/>
+              </a:xfrm>
+              <a:prstGeom prst="rect">
+                <a:avLst/>
+              </a:prstGeom>
+              <a:grpFill/>
+            </p:spPr>
+          </p:pic>
+          <p:pic>
+            <p:nvPicPr>
+              <p:cNvPr id="235" name="图片 234">
+                <a:extLst>
+                  <a:ext uri="{FF2B5EF4-FFF2-40B4-BE49-F238E27FC236}">
+                    <a16:creationId xmlns:a16="http://schemas.microsoft.com/office/drawing/2014/main" id="{E98E1FAF-668C-4E32-BC2F-5A94C1760389}"/>
+                  </a:ext>
+                </a:extLst>
+              </p:cNvPr>
+              <p:cNvPicPr>
+                <a:picLocks noChangeAspect="1"/>
+              </p:cNvPicPr>
+              <p:nvPr/>
+            </p:nvPicPr>
+            <p:blipFill>
+              <a:blip r:embed="rId3" cstate="print">
+                <a:extLst>
+                  <a:ext uri="{28A0092B-C50C-407E-A947-70E740481C1C}">
+                    <a14:useLocalDpi xmlns:a14="http://schemas.microsoft.com/office/drawing/2010/main" val="0"/>
+                  </a:ext>
+                </a:extLst>
+              </a:blip>
+              <a:stretch>
+                <a:fillRect/>
+              </a:stretch>
+            </p:blipFill>
+            <p:spPr>
+              <a:xfrm flipH="1">
+                <a:off x="6936457" y="789902"/>
+                <a:ext cx="295200" cy="295200"/>
+              </a:xfrm>
+              <a:prstGeom prst="rect">
+                <a:avLst/>
+              </a:prstGeom>
+              <a:grpFill/>
+            </p:spPr>
+          </p:pic>
+        </p:grpSp>
+      </p:grpSp>
+      <p:cxnSp>
+        <p:nvCxnSpPr>
+          <p:cNvPr id="263" name="直接箭头连接符 262">
+            <a:extLst>
+              <a:ext uri="{FF2B5EF4-FFF2-40B4-BE49-F238E27FC236}">
+                <a16:creationId xmlns:a16="http://schemas.microsoft.com/office/drawing/2014/main" id="{810A3D51-1FB5-4908-BC34-279446F25AA0}"/>
+              </a:ext>
+            </a:extLst>
+          </p:cNvPr>
+          <p:cNvCxnSpPr>
+            <a:cxnSpLocks/>
+            <a:endCxn id="189" idx="1"/>
+          </p:cNvCxnSpPr>
+          <p:nvPr/>
+        </p:nvCxnSpPr>
+        <p:spPr>
+          <a:xfrm>
+            <a:off x="2723700" y="3693992"/>
+            <a:ext cx="595580" cy="0"/>
+          </a:xfrm>
+          <a:prstGeom prst="straightConnector1">
+            <a:avLst/>
+          </a:prstGeom>
+          <a:ln w="28575">
+            <a:solidFill>
+              <a:srgbClr val="B42200"/>
+            </a:solidFill>
+            <a:headEnd type="none" w="med" len="med"/>
+            <a:tailEnd type="triangle"/>
+          </a:ln>
+        </p:spPr>
+        <p:style>
+          <a:lnRef idx="3">
+            <a:schemeClr val="dk1"/>
+          </a:lnRef>
+          <a:fillRef idx="0">
+            <a:schemeClr val="dk1"/>
+          </a:fillRef>
+          <a:effectRef idx="2">
+            <a:schemeClr val="dk1"/>
+          </a:effectRef>
+          <a:fontRef idx="minor">
+            <a:schemeClr val="tx1"/>
+          </a:fontRef>
+        </p:style>
+      </p:cxnSp>
+      <p:sp>
+        <p:nvSpPr>
+          <p:cNvPr id="188" name="矩形 187">
+            <a:extLst>
+              <a:ext uri="{FF2B5EF4-FFF2-40B4-BE49-F238E27FC236}">
+                <a16:creationId xmlns:a16="http://schemas.microsoft.com/office/drawing/2014/main" id="{B93E4B85-2A9F-43EB-AB46-C8F190ED42F1}"/>
+              </a:ext>
+            </a:extLst>
+          </p:cNvPr>
+          <p:cNvSpPr/>
+          <p:nvPr/>
+        </p:nvSpPr>
+        <p:spPr>
+          <a:xfrm>
+            <a:off x="6564095" y="3434084"/>
+            <a:ext cx="1800000" cy="529980"/>
+          </a:xfrm>
+          <a:prstGeom prst="rect">
+            <a:avLst/>
+          </a:prstGeom>
+          <a:solidFill>
+            <a:schemeClr val="bg1"/>
+          </a:solidFill>
+          <a:ln w="28575">
+            <a:solidFill>
+              <a:schemeClr val="accent6"/>
+            </a:solidFill>
+            <a:prstDash val="solid"/>
+          </a:ln>
+        </p:spPr>
+        <p:style>
+          <a:lnRef idx="2">
+            <a:schemeClr val="accent1">
+              <a:shade val="50000"/>
+            </a:schemeClr>
+          </a:lnRef>
+          <a:fillRef idx="1">
+            <a:schemeClr val="accent1"/>
+          </a:fillRef>
+          <a:effectRef idx="0">
+            <a:schemeClr val="accent1"/>
+          </a:effectRef>
+          <a:fontRef idx="minor">
+            <a:schemeClr val="lt1"/>
+          </a:fontRef>
+        </p:style>
+        <p:txBody>
+          <a:bodyPr rtlCol="0" anchor="ctr"/>
+          <a:lstStyle/>
+          <a:p>
+            <a:pPr algn="ctr"/>
+            <a:r>
+              <a:rPr lang="zh-CN" altLang="en-US" dirty="0">
+                <a:solidFill>
+                  <a:schemeClr val="accent6"/>
+                </a:solidFill>
+              </a:rPr>
+              <a:t>鉴别模块</a:t>
+            </a:r>
+          </a:p>
+        </p:txBody>
+      </p:sp>
+      <p:sp>
+        <p:nvSpPr>
+          <p:cNvPr id="189" name="矩形 188">
+            <a:extLst>
+              <a:ext uri="{FF2B5EF4-FFF2-40B4-BE49-F238E27FC236}">
+                <a16:creationId xmlns:a16="http://schemas.microsoft.com/office/drawing/2014/main" id="{8B96C59B-3AFF-4203-ABFE-3ABEA3382D66}"/>
+              </a:ext>
+            </a:extLst>
+          </p:cNvPr>
+          <p:cNvSpPr/>
+          <p:nvPr/>
+        </p:nvSpPr>
+        <p:spPr>
+          <a:xfrm>
+            <a:off x="3319280" y="2916458"/>
+            <a:ext cx="2020354" cy="1555068"/>
+          </a:xfrm>
+          <a:prstGeom prst="rect">
+            <a:avLst/>
+          </a:prstGeom>
+          <a:solidFill>
+            <a:schemeClr val="bg1"/>
+          </a:solidFill>
+          <a:ln w="28575">
+            <a:solidFill>
+              <a:srgbClr val="EA8B00"/>
+            </a:solidFill>
+            <a:prstDash val="solid"/>
+          </a:ln>
+        </p:spPr>
+        <p:style>
+          <a:lnRef idx="2">
+            <a:schemeClr val="accent1">
+              <a:shade val="50000"/>
+            </a:schemeClr>
+          </a:lnRef>
+          <a:fillRef idx="1">
+            <a:schemeClr val="accent1"/>
+          </a:fillRef>
+          <a:effectRef idx="0">
+            <a:schemeClr val="accent1"/>
+          </a:effectRef>
+          <a:fontRef idx="minor">
+            <a:schemeClr val="lt1"/>
+          </a:fontRef>
+        </p:style>
+        <p:txBody>
+          <a:bodyPr rtlCol="0" anchor="ctr"/>
+          <a:lstStyle/>
+          <a:p>
+            <a:pPr algn="ctr"/>
+            <a:endParaRPr lang="zh-CN" altLang="en-US" dirty="0">
+              <a:solidFill>
+                <a:srgbClr val="EA8B00"/>
+              </a:solidFill>
+            </a:endParaRPr>
+          </a:p>
+        </p:txBody>
+      </p:sp>
+      <p:sp>
+        <p:nvSpPr>
+          <p:cNvPr id="196" name="矩形 195">
+            <a:extLst>
+              <a:ext uri="{FF2B5EF4-FFF2-40B4-BE49-F238E27FC236}">
+                <a16:creationId xmlns:a16="http://schemas.microsoft.com/office/drawing/2014/main" id="{65C8A5E3-6C70-47A6-8465-331A2F689106}"/>
+              </a:ext>
+            </a:extLst>
+          </p:cNvPr>
+          <p:cNvSpPr/>
+          <p:nvPr/>
+        </p:nvSpPr>
+        <p:spPr>
+          <a:xfrm>
+            <a:off x="6564095" y="1611279"/>
+            <a:ext cx="1800000" cy="529980"/>
+          </a:xfrm>
+          <a:prstGeom prst="rect">
+            <a:avLst/>
+          </a:prstGeom>
+          <a:solidFill>
+            <a:schemeClr val="bg1"/>
+          </a:solidFill>
+          <a:ln w="28575">
+            <a:solidFill>
+              <a:schemeClr val="accent5"/>
+            </a:solidFill>
+            <a:prstDash val="solid"/>
+          </a:ln>
+        </p:spPr>
+        <p:style>
+          <a:lnRef idx="2">
+            <a:schemeClr val="accent1">
+              <a:shade val="50000"/>
+            </a:schemeClr>
+          </a:lnRef>
+          <a:fillRef idx="1">
+            <a:schemeClr val="accent1"/>
+          </a:fillRef>
+          <a:effectRef idx="0">
+            <a:schemeClr val="accent1"/>
+          </a:effectRef>
+          <a:fontRef idx="minor">
+            <a:schemeClr val="lt1"/>
+          </a:fontRef>
+        </p:style>
+        <p:txBody>
+          <a:bodyPr rtlCol="0" anchor="ctr"/>
+          <a:lstStyle/>
+          <a:p>
+            <a:pPr algn="ctr"/>
+            <a:r>
+              <a:rPr lang="zh-CN" altLang="en-US" dirty="0">
+                <a:solidFill>
+                  <a:schemeClr val="accent5"/>
+                </a:solidFill>
+              </a:rPr>
+              <a:t>特征数据库</a:t>
+            </a:r>
+          </a:p>
+        </p:txBody>
+      </p:sp>
+      <p:cxnSp>
+        <p:nvCxnSpPr>
+          <p:cNvPr id="198" name="连接符: 肘形 197">
+            <a:extLst>
+              <a:ext uri="{FF2B5EF4-FFF2-40B4-BE49-F238E27FC236}">
+                <a16:creationId xmlns:a16="http://schemas.microsoft.com/office/drawing/2014/main" id="{CE19A948-E279-4663-B0A0-44FF72584935}"/>
+              </a:ext>
+            </a:extLst>
+          </p:cNvPr>
+          <p:cNvCxnSpPr>
+            <a:cxnSpLocks/>
+            <a:stCxn id="189" idx="0"/>
+            <a:endCxn id="196" idx="1"/>
+          </p:cNvCxnSpPr>
+          <p:nvPr/>
+        </p:nvCxnSpPr>
+        <p:spPr>
+          <a:xfrm rot="5400000" flipH="1" flipV="1">
+            <a:off x="4926682" y="1279045"/>
+            <a:ext cx="1040189" cy="2234638"/>
+          </a:xfrm>
+          <a:prstGeom prst="bentConnector2">
+            <a:avLst/>
+          </a:prstGeom>
+          <a:ln w="28575">
+            <a:solidFill>
+              <a:schemeClr val="bg2">
+                <a:lumMod val="25000"/>
+              </a:schemeClr>
+            </a:solidFill>
+            <a:prstDash val="dash"/>
+            <a:headEnd type="triangle" w="med" len="med"/>
+            <a:tailEnd type="none"/>
+          </a:ln>
+        </p:spPr>
+        <p:style>
+          <a:lnRef idx="3">
+            <a:schemeClr val="dk1"/>
+          </a:lnRef>
+          <a:fillRef idx="0">
+            <a:schemeClr val="dk1"/>
+          </a:fillRef>
+          <a:effectRef idx="2">
+            <a:schemeClr val="dk1"/>
+          </a:effectRef>
+          <a:fontRef idx="minor">
+            <a:schemeClr val="tx1"/>
+          </a:fontRef>
+        </p:style>
+      </p:cxnSp>
+      <p:cxnSp>
+        <p:nvCxnSpPr>
+          <p:cNvPr id="199" name="连接符: 肘形 198">
+            <a:extLst>
+              <a:ext uri="{FF2B5EF4-FFF2-40B4-BE49-F238E27FC236}">
+                <a16:creationId xmlns:a16="http://schemas.microsoft.com/office/drawing/2014/main" id="{71825B62-6EC6-478C-842F-0F54CC304C0C}"/>
+              </a:ext>
+            </a:extLst>
+          </p:cNvPr>
+          <p:cNvCxnSpPr>
+            <a:cxnSpLocks/>
+            <a:stCxn id="196" idx="2"/>
+            <a:endCxn id="188" idx="0"/>
+          </p:cNvCxnSpPr>
+          <p:nvPr/>
+        </p:nvCxnSpPr>
+        <p:spPr>
+          <a:xfrm>
+            <a:off x="7464095" y="2141259"/>
+            <a:ext cx="0" cy="1292825"/>
+          </a:xfrm>
+          <a:prstGeom prst="straightConnector1">
+            <a:avLst/>
+          </a:prstGeom>
+          <a:ln w="28575">
+            <a:solidFill>
+              <a:schemeClr val="bg2">
+                <a:lumMod val="25000"/>
+              </a:schemeClr>
+            </a:solidFill>
+            <a:prstDash val="dash"/>
+            <a:headEnd type="triangle" w="med" len="med"/>
+            <a:tailEnd type="none"/>
+          </a:ln>
+        </p:spPr>
+        <p:style>
+          <a:lnRef idx="3">
+            <a:schemeClr val="dk1"/>
+          </a:lnRef>
+          <a:fillRef idx="0">
+            <a:schemeClr val="dk1"/>
+          </a:fillRef>
+          <a:effectRef idx="2">
+            <a:schemeClr val="dk1"/>
+          </a:effectRef>
+          <a:fontRef idx="minor">
+            <a:schemeClr val="tx1"/>
+          </a:fontRef>
+        </p:style>
+      </p:cxnSp>
+      <p:sp>
+        <p:nvSpPr>
+          <p:cNvPr id="89" name="矩形 88">
+            <a:extLst>
+              <a:ext uri="{FF2B5EF4-FFF2-40B4-BE49-F238E27FC236}">
+                <a16:creationId xmlns:a16="http://schemas.microsoft.com/office/drawing/2014/main" id="{7B9A1629-F0F9-4BA6-99D7-3CA65FC5639C}"/>
+              </a:ext>
+            </a:extLst>
+          </p:cNvPr>
+          <p:cNvSpPr/>
+          <p:nvPr/>
+        </p:nvSpPr>
+        <p:spPr>
+          <a:xfrm>
+            <a:off x="9698432" y="3429001"/>
+            <a:ext cx="1800000" cy="529980"/>
+          </a:xfrm>
+          <a:prstGeom prst="rect">
+            <a:avLst/>
+          </a:prstGeom>
+          <a:solidFill>
+            <a:schemeClr val="bg1"/>
+          </a:solidFill>
+          <a:ln w="28575">
+            <a:solidFill>
+              <a:srgbClr val="D02800"/>
+            </a:solidFill>
+            <a:prstDash val="solid"/>
+          </a:ln>
+        </p:spPr>
+        <p:style>
+          <a:lnRef idx="2">
+            <a:schemeClr val="accent1">
+              <a:shade val="50000"/>
+            </a:schemeClr>
+          </a:lnRef>
+          <a:fillRef idx="1">
+            <a:schemeClr val="accent1"/>
+          </a:fillRef>
+          <a:effectRef idx="0">
+            <a:schemeClr val="accent1"/>
+          </a:effectRef>
+          <a:fontRef idx="minor">
+            <a:schemeClr val="lt1"/>
+          </a:fontRef>
+        </p:style>
+        <p:txBody>
+          <a:bodyPr rtlCol="0" anchor="ctr"/>
+          <a:lstStyle/>
+          <a:p>
+            <a:pPr algn="ctr"/>
+            <a:r>
+              <a:rPr lang="zh-CN" altLang="en-US">
+                <a:solidFill>
+                  <a:srgbClr val="D02800"/>
+                </a:solidFill>
+              </a:rPr>
+              <a:t>代码分析模块</a:t>
+            </a:r>
+            <a:endParaRPr lang="zh-CN" altLang="en-US" dirty="0">
+              <a:solidFill>
+                <a:srgbClr val="D02800"/>
+              </a:solidFill>
+            </a:endParaRPr>
+          </a:p>
+        </p:txBody>
+      </p:sp>
+      <p:cxnSp>
+        <p:nvCxnSpPr>
+          <p:cNvPr id="100" name="连接符: 肘形 99">
+            <a:extLst>
+              <a:ext uri="{FF2B5EF4-FFF2-40B4-BE49-F238E27FC236}">
+                <a16:creationId xmlns:a16="http://schemas.microsoft.com/office/drawing/2014/main" id="{7D75360E-7ED0-4BD3-9FE7-F95CA29E2296}"/>
+              </a:ext>
+            </a:extLst>
+          </p:cNvPr>
+          <p:cNvCxnSpPr>
+            <a:cxnSpLocks/>
+            <a:stCxn id="217" idx="2"/>
+            <a:endCxn id="89" idx="0"/>
+          </p:cNvCxnSpPr>
+          <p:nvPr/>
+        </p:nvCxnSpPr>
+        <p:spPr>
+          <a:xfrm>
+            <a:off x="10598432" y="2141259"/>
+            <a:ext cx="0" cy="1287742"/>
+          </a:xfrm>
+          <a:prstGeom prst="straightConnector1">
+            <a:avLst/>
+          </a:prstGeom>
+          <a:ln w="28575">
+            <a:solidFill>
+              <a:schemeClr val="bg2">
+                <a:lumMod val="25000"/>
+              </a:schemeClr>
+            </a:solidFill>
+            <a:prstDash val="dash"/>
+            <a:headEnd type="triangle" w="med" len="med"/>
+            <a:tailEnd type="none"/>
+          </a:ln>
+        </p:spPr>
+        <p:style>
+          <a:lnRef idx="3">
+            <a:schemeClr val="dk1"/>
+          </a:lnRef>
+          <a:fillRef idx="0">
+            <a:schemeClr val="dk1"/>
+          </a:fillRef>
+          <a:effectRef idx="2">
+            <a:schemeClr val="dk1"/>
+          </a:effectRef>
+          <a:fontRef idx="minor">
+            <a:schemeClr val="tx1"/>
+          </a:fontRef>
+        </p:style>
+      </p:cxnSp>
+      <p:cxnSp>
+        <p:nvCxnSpPr>
+          <p:cNvPr id="103" name="直接箭头连接符 102">
+            <a:extLst>
+              <a:ext uri="{FF2B5EF4-FFF2-40B4-BE49-F238E27FC236}">
+                <a16:creationId xmlns:a16="http://schemas.microsoft.com/office/drawing/2014/main" id="{69923BAE-B4C9-4276-8D32-C714BDFB0EA1}"/>
+              </a:ext>
+            </a:extLst>
+          </p:cNvPr>
+          <p:cNvCxnSpPr>
+            <a:cxnSpLocks/>
+            <a:stCxn id="189" idx="3"/>
+            <a:endCxn id="188" idx="1"/>
+          </p:cNvCxnSpPr>
+          <p:nvPr/>
+        </p:nvCxnSpPr>
+        <p:spPr>
+          <a:xfrm>
+            <a:off x="5339634" y="3693992"/>
+            <a:ext cx="1224461" cy="5082"/>
+          </a:xfrm>
+          <a:prstGeom prst="straightConnector1">
+            <a:avLst/>
+          </a:prstGeom>
+          <a:ln w="28575">
+            <a:solidFill>
+              <a:srgbClr val="B42200"/>
+            </a:solidFill>
+            <a:headEnd type="none" w="med" len="med"/>
+            <a:tailEnd type="triangle"/>
+          </a:ln>
+        </p:spPr>
+        <p:style>
+          <a:lnRef idx="3">
+            <a:schemeClr val="dk1"/>
+          </a:lnRef>
+          <a:fillRef idx="0">
+            <a:schemeClr val="dk1"/>
+          </a:fillRef>
+          <a:effectRef idx="2">
+            <a:schemeClr val="dk1"/>
+          </a:effectRef>
+          <a:fontRef idx="minor">
+            <a:schemeClr val="tx1"/>
+          </a:fontRef>
+        </p:style>
+      </p:cxnSp>
+      <p:cxnSp>
+        <p:nvCxnSpPr>
+          <p:cNvPr id="106" name="直接箭头连接符 105">
+            <a:extLst>
+              <a:ext uri="{FF2B5EF4-FFF2-40B4-BE49-F238E27FC236}">
+                <a16:creationId xmlns:a16="http://schemas.microsoft.com/office/drawing/2014/main" id="{8E6E0D40-FCE7-436D-852C-B9141D0F37C2}"/>
+              </a:ext>
+            </a:extLst>
+          </p:cNvPr>
+          <p:cNvCxnSpPr>
+            <a:cxnSpLocks/>
+            <a:stCxn id="188" idx="3"/>
+            <a:endCxn id="89" idx="1"/>
+          </p:cNvCxnSpPr>
+          <p:nvPr/>
+        </p:nvCxnSpPr>
+        <p:spPr>
+          <a:xfrm flipV="1">
+            <a:off x="8364095" y="3693991"/>
+            <a:ext cx="1334337" cy="5083"/>
+          </a:xfrm>
+          <a:prstGeom prst="straightConnector1">
+            <a:avLst/>
+          </a:prstGeom>
+          <a:ln w="28575">
+            <a:solidFill>
+              <a:srgbClr val="B42200"/>
+            </a:solidFill>
+            <a:headEnd type="none" w="med" len="med"/>
+            <a:tailEnd type="triangle"/>
+          </a:ln>
+        </p:spPr>
+        <p:style>
+          <a:lnRef idx="3">
+            <a:schemeClr val="dk1"/>
+          </a:lnRef>
+          <a:fillRef idx="0">
+            <a:schemeClr val="dk1"/>
+          </a:fillRef>
+          <a:effectRef idx="2">
+            <a:schemeClr val="dk1"/>
+          </a:effectRef>
+          <a:fontRef idx="minor">
+            <a:schemeClr val="tx1"/>
+          </a:fontRef>
+        </p:style>
+      </p:cxnSp>
+      <p:sp>
+        <p:nvSpPr>
+          <p:cNvPr id="125" name="矩形 124">
+            <a:extLst>
+              <a:ext uri="{FF2B5EF4-FFF2-40B4-BE49-F238E27FC236}">
+                <a16:creationId xmlns:a16="http://schemas.microsoft.com/office/drawing/2014/main" id="{F4DC17CD-4C47-4717-ACFD-5302D2586082}"/>
+              </a:ext>
+            </a:extLst>
+          </p:cNvPr>
+          <p:cNvSpPr/>
+          <p:nvPr/>
+        </p:nvSpPr>
+        <p:spPr>
+          <a:xfrm>
+            <a:off x="3505657" y="3459932"/>
+            <a:ext cx="1647600" cy="359092"/>
+          </a:xfrm>
+          <a:prstGeom prst="rect">
+            <a:avLst/>
+          </a:prstGeom>
+          <a:solidFill>
+            <a:schemeClr val="bg1"/>
+          </a:solidFill>
+          <a:ln w="28575">
+            <a:solidFill>
+              <a:srgbClr val="EA8B00"/>
+            </a:solidFill>
+            <a:prstDash val="solid"/>
+          </a:ln>
+        </p:spPr>
+        <p:style>
+          <a:lnRef idx="2">
+            <a:schemeClr val="accent1">
+              <a:shade val="50000"/>
+            </a:schemeClr>
+          </a:lnRef>
+          <a:fillRef idx="1">
+            <a:schemeClr val="accent1"/>
+          </a:fillRef>
+          <a:effectRef idx="0">
+            <a:schemeClr val="accent1"/>
+          </a:effectRef>
+          <a:fontRef idx="minor">
+            <a:schemeClr val="lt1"/>
+          </a:fontRef>
+        </p:style>
+        <p:txBody>
+          <a:bodyPr rtlCol="0" anchor="ctr"/>
+          <a:lstStyle/>
+          <a:p>
+            <a:pPr algn="ctr"/>
+            <a:r>
+              <a:rPr lang="zh-CN" altLang="en-US" dirty="0">
+                <a:solidFill>
+                  <a:srgbClr val="EA8B00"/>
+                </a:solidFill>
+              </a:rPr>
+              <a:t>证书过滤</a:t>
+            </a:r>
+          </a:p>
+        </p:txBody>
+      </p:sp>
+      <p:sp>
+        <p:nvSpPr>
+          <p:cNvPr id="128" name="矩形 127">
+            <a:extLst>
+              <a:ext uri="{FF2B5EF4-FFF2-40B4-BE49-F238E27FC236}">
+                <a16:creationId xmlns:a16="http://schemas.microsoft.com/office/drawing/2014/main" id="{E433AF5D-F76C-4B71-A8CD-5D6E7547ACB6}"/>
+              </a:ext>
+            </a:extLst>
+          </p:cNvPr>
+          <p:cNvSpPr/>
+          <p:nvPr/>
+        </p:nvSpPr>
+        <p:spPr>
+          <a:xfrm>
+            <a:off x="3505657" y="3941179"/>
+            <a:ext cx="1647600" cy="359092"/>
+          </a:xfrm>
+          <a:prstGeom prst="rect">
+            <a:avLst/>
+          </a:prstGeom>
+          <a:solidFill>
+            <a:schemeClr val="bg1"/>
+          </a:solidFill>
+          <a:ln w="28575">
+            <a:solidFill>
+              <a:srgbClr val="EA8B00"/>
+            </a:solidFill>
+            <a:prstDash val="solid"/>
+          </a:ln>
+        </p:spPr>
+        <p:style>
+          <a:lnRef idx="2">
+            <a:schemeClr val="accent1">
+              <a:shade val="50000"/>
+            </a:schemeClr>
+          </a:lnRef>
+          <a:fillRef idx="1">
+            <a:schemeClr val="accent1"/>
+          </a:fillRef>
+          <a:effectRef idx="0">
+            <a:schemeClr val="accent1"/>
+          </a:effectRef>
+          <a:fontRef idx="minor">
+            <a:schemeClr val="lt1"/>
+          </a:fontRef>
+        </p:style>
+        <p:txBody>
+          <a:bodyPr rtlCol="0" anchor="ctr"/>
+          <a:lstStyle/>
+          <a:p>
+            <a:pPr algn="ctr"/>
+            <a:r>
+              <a:rPr lang="zh-CN" altLang="en-US" dirty="0">
+                <a:solidFill>
+                  <a:srgbClr val="EA8B00"/>
+                </a:solidFill>
+              </a:rPr>
+              <a:t>外观过滤</a:t>
+            </a:r>
+          </a:p>
+        </p:txBody>
+      </p:sp>
+      <p:sp>
+        <p:nvSpPr>
+          <p:cNvPr id="132" name="矩形 131">
+            <a:extLst>
+              <a:ext uri="{FF2B5EF4-FFF2-40B4-BE49-F238E27FC236}">
+                <a16:creationId xmlns:a16="http://schemas.microsoft.com/office/drawing/2014/main" id="{B69D516D-B722-4CC3-898A-85A4168B0B5C}"/>
+              </a:ext>
+            </a:extLst>
+          </p:cNvPr>
+          <p:cNvSpPr/>
+          <p:nvPr/>
+        </p:nvSpPr>
+        <p:spPr>
+          <a:xfrm>
+            <a:off x="3505657" y="3019167"/>
+            <a:ext cx="1647600" cy="359092"/>
+          </a:xfrm>
+          <a:prstGeom prst="rect">
+            <a:avLst/>
+          </a:prstGeom>
+          <a:solidFill>
+            <a:schemeClr val="bg1"/>
+          </a:solidFill>
+          <a:ln w="28575">
+            <a:noFill/>
+            <a:prstDash val="solid"/>
+          </a:ln>
+        </p:spPr>
+        <p:style>
+          <a:lnRef idx="2">
+            <a:schemeClr val="accent1">
+              <a:shade val="50000"/>
+            </a:schemeClr>
+          </a:lnRef>
+          <a:fillRef idx="1">
+            <a:schemeClr val="accent1"/>
+          </a:fillRef>
+          <a:effectRef idx="0">
+            <a:schemeClr val="accent1"/>
+          </a:effectRef>
+          <a:fontRef idx="minor">
+            <a:schemeClr val="lt1"/>
+          </a:fontRef>
+        </p:style>
+        <p:txBody>
+          <a:bodyPr rtlCol="0" anchor="ctr"/>
+          <a:lstStyle/>
+          <a:p>
+            <a:pPr algn="ctr"/>
+            <a:r>
+              <a:rPr lang="zh-CN" altLang="en-US" dirty="0">
+                <a:solidFill>
+                  <a:srgbClr val="EA8B00"/>
+                </a:solidFill>
+              </a:rPr>
+              <a:t>过滤模块</a:t>
+            </a:r>
+          </a:p>
+        </p:txBody>
+      </p:sp>
+      <p:grpSp>
+        <p:nvGrpSpPr>
+          <p:cNvPr id="62" name="组合 61">
+            <a:extLst>
+              <a:ext uri="{FF2B5EF4-FFF2-40B4-BE49-F238E27FC236}">
+                <a16:creationId xmlns:a16="http://schemas.microsoft.com/office/drawing/2014/main" id="{6B195F6F-C474-4EEF-8D7E-0B8BCBCFAA0A}"/>
+              </a:ext>
+            </a:extLst>
+          </p:cNvPr>
+          <p:cNvGrpSpPr/>
+          <p:nvPr/>
+        </p:nvGrpSpPr>
+        <p:grpSpPr>
+          <a:xfrm>
+            <a:off x="8727668" y="3776188"/>
+            <a:ext cx="584108" cy="295085"/>
+            <a:chOff x="8299548" y="3799213"/>
+            <a:chExt cx="584108" cy="295085"/>
+          </a:xfrm>
+        </p:grpSpPr>
+        <p:pic>
+          <p:nvPicPr>
+            <p:cNvPr id="159" name="图片 158">
+              <a:extLst>
+                <a:ext uri="{FF2B5EF4-FFF2-40B4-BE49-F238E27FC236}">
+                  <a16:creationId xmlns:a16="http://schemas.microsoft.com/office/drawing/2014/main" id="{8BE80F9C-16E7-434E-8DAB-B0870172ED7C}"/>
+                </a:ext>
+              </a:extLst>
+            </p:cNvPr>
+            <p:cNvPicPr>
+              <a:picLocks noChangeAspect="1"/>
+            </p:cNvPicPr>
+            <p:nvPr/>
+          </p:nvPicPr>
+          <p:blipFill>
+            <a:blip r:embed="rId2" cstate="print">
+              <a:extLst>
+                <a:ext uri="{28A0092B-C50C-407E-A947-70E740481C1C}">
+                  <a14:useLocalDpi xmlns:a14="http://schemas.microsoft.com/office/drawing/2010/main" val="0"/>
+                </a:ext>
+              </a:extLst>
+            </a:blip>
+            <a:stretch>
+              <a:fillRect/>
+            </a:stretch>
+          </p:blipFill>
+          <p:spPr>
+            <a:xfrm flipH="1">
+              <a:off x="8588571" y="3799213"/>
+              <a:ext cx="295085" cy="295085"/>
+            </a:xfrm>
+            <a:prstGeom prst="rect">
+              <a:avLst/>
+            </a:prstGeom>
+            <a:solidFill>
+              <a:schemeClr val="bg1"/>
+            </a:solidFill>
+            <a:ln>
+              <a:noFill/>
+            </a:ln>
+          </p:spPr>
+        </p:pic>
+        <p:pic>
+          <p:nvPicPr>
+            <p:cNvPr id="160" name="图片 159">
+              <a:extLst>
+                <a:ext uri="{FF2B5EF4-FFF2-40B4-BE49-F238E27FC236}">
+                  <a16:creationId xmlns:a16="http://schemas.microsoft.com/office/drawing/2014/main" id="{767194FF-FC18-4C8E-8FF5-73000215E413}"/>
+                </a:ext>
+              </a:extLst>
+            </p:cNvPr>
+            <p:cNvPicPr>
+              <a:picLocks noChangeAspect="1"/>
+            </p:cNvPicPr>
+            <p:nvPr/>
+          </p:nvPicPr>
+          <p:blipFill>
+            <a:blip r:embed="rId2" cstate="print">
+              <a:extLst>
+                <a:ext uri="{28A0092B-C50C-407E-A947-70E740481C1C}">
+                  <a14:useLocalDpi xmlns:a14="http://schemas.microsoft.com/office/drawing/2010/main" val="0"/>
+                </a:ext>
+              </a:extLst>
+            </a:blip>
+            <a:stretch>
+              <a:fillRect/>
+            </a:stretch>
+          </p:blipFill>
+          <p:spPr>
+            <a:xfrm flipH="1">
+              <a:off x="8299548" y="3799213"/>
+              <a:ext cx="295085" cy="295085"/>
+            </a:xfrm>
+            <a:prstGeom prst="rect">
+              <a:avLst/>
+            </a:prstGeom>
+            <a:solidFill>
+              <a:schemeClr val="bg1"/>
+            </a:solidFill>
+            <a:ln>
+              <a:noFill/>
+            </a:ln>
+          </p:spPr>
+        </p:pic>
+      </p:grpSp>
+      <p:grpSp>
+        <p:nvGrpSpPr>
+          <p:cNvPr id="63" name="组合 62">
+            <a:extLst>
+              <a:ext uri="{FF2B5EF4-FFF2-40B4-BE49-F238E27FC236}">
+                <a16:creationId xmlns:a16="http://schemas.microsoft.com/office/drawing/2014/main" id="{A5664940-95F8-4D5F-A98D-34DA6455A4C7}"/>
+              </a:ext>
+            </a:extLst>
+          </p:cNvPr>
+          <p:cNvGrpSpPr/>
+          <p:nvPr/>
+        </p:nvGrpSpPr>
+        <p:grpSpPr>
+          <a:xfrm>
+            <a:off x="5504587" y="3776188"/>
+            <a:ext cx="873131" cy="295200"/>
+            <a:chOff x="6765194" y="4950724"/>
+            <a:chExt cx="873131" cy="295200"/>
+          </a:xfrm>
+        </p:grpSpPr>
+        <p:pic>
+          <p:nvPicPr>
+            <p:cNvPr id="162" name="图片 161">
+              <a:extLst>
+                <a:ext uri="{FF2B5EF4-FFF2-40B4-BE49-F238E27FC236}">
+                  <a16:creationId xmlns:a16="http://schemas.microsoft.com/office/drawing/2014/main" id="{4BB0DA12-F9AD-432B-814A-F89E42792A34}"/>
+                </a:ext>
+              </a:extLst>
+            </p:cNvPr>
+            <p:cNvPicPr>
+              <a:picLocks noChangeAspect="1"/>
+            </p:cNvPicPr>
+            <p:nvPr/>
+          </p:nvPicPr>
+          <p:blipFill>
+            <a:blip r:embed="rId2" cstate="print">
+              <a:extLst>
+                <a:ext uri="{28A0092B-C50C-407E-A947-70E740481C1C}">
+                  <a14:useLocalDpi xmlns:a14="http://schemas.microsoft.com/office/drawing/2010/main" val="0"/>
+                </a:ext>
+              </a:extLst>
+            </a:blip>
+            <a:stretch>
+              <a:fillRect/>
+            </a:stretch>
+          </p:blipFill>
+          <p:spPr>
+            <a:xfrm flipH="1">
+              <a:off x="7343240" y="4950724"/>
+              <a:ext cx="295085" cy="295085"/>
+            </a:xfrm>
+            <a:prstGeom prst="rect">
+              <a:avLst/>
+            </a:prstGeom>
+            <a:solidFill>
+              <a:schemeClr val="bg1"/>
+            </a:solidFill>
+            <a:ln>
+              <a:noFill/>
+            </a:ln>
+          </p:spPr>
+        </p:pic>
+        <p:pic>
+          <p:nvPicPr>
+            <p:cNvPr id="163" name="图片 162">
+              <a:extLst>
+                <a:ext uri="{FF2B5EF4-FFF2-40B4-BE49-F238E27FC236}">
+                  <a16:creationId xmlns:a16="http://schemas.microsoft.com/office/drawing/2014/main" id="{B478A85D-8D69-496E-98E3-5F2B0A1CE6F9}"/>
+                </a:ext>
+              </a:extLst>
+            </p:cNvPr>
+            <p:cNvPicPr>
+              <a:picLocks noChangeAspect="1"/>
+            </p:cNvPicPr>
+            <p:nvPr/>
+          </p:nvPicPr>
+          <p:blipFill>
+            <a:blip r:embed="rId2" cstate="print">
+              <a:extLst>
+                <a:ext uri="{28A0092B-C50C-407E-A947-70E740481C1C}">
+                  <a14:useLocalDpi xmlns:a14="http://schemas.microsoft.com/office/drawing/2010/main" val="0"/>
+                </a:ext>
+              </a:extLst>
+            </a:blip>
+            <a:stretch>
+              <a:fillRect/>
+            </a:stretch>
+          </p:blipFill>
+          <p:spPr>
+            <a:xfrm flipH="1">
+              <a:off x="7054275" y="4950724"/>
+              <a:ext cx="295085" cy="295085"/>
+            </a:xfrm>
+            <a:prstGeom prst="rect">
+              <a:avLst/>
+            </a:prstGeom>
+            <a:solidFill>
+              <a:schemeClr val="bg1"/>
+            </a:solidFill>
+            <a:ln>
+              <a:noFill/>
+            </a:ln>
+          </p:spPr>
+        </p:pic>
+        <p:pic>
+          <p:nvPicPr>
+            <p:cNvPr id="164" name="图片 163">
+              <a:extLst>
+                <a:ext uri="{FF2B5EF4-FFF2-40B4-BE49-F238E27FC236}">
+                  <a16:creationId xmlns:a16="http://schemas.microsoft.com/office/drawing/2014/main" id="{852695EC-9BB3-426E-AFE5-2BC37B70C100}"/>
+                </a:ext>
+              </a:extLst>
+            </p:cNvPr>
+            <p:cNvPicPr>
+              <a:picLocks noChangeAspect="1"/>
+            </p:cNvPicPr>
+            <p:nvPr/>
+          </p:nvPicPr>
+          <p:blipFill>
+            <a:blip r:embed="rId3" cstate="print">
+              <a:extLst>
+                <a:ext uri="{28A0092B-C50C-407E-A947-70E740481C1C}">
+                  <a14:useLocalDpi xmlns:a14="http://schemas.microsoft.com/office/drawing/2010/main" val="0"/>
+                </a:ext>
+              </a:extLst>
+            </a:blip>
+            <a:stretch>
+              <a:fillRect/>
+            </a:stretch>
+          </p:blipFill>
+          <p:spPr>
+            <a:xfrm flipH="1">
+              <a:off x="6765194" y="4950724"/>
+              <a:ext cx="295200" cy="295200"/>
+            </a:xfrm>
+            <a:prstGeom prst="rect">
+              <a:avLst/>
+            </a:prstGeom>
+            <a:solidFill>
+              <a:schemeClr val="bg1"/>
+            </a:solidFill>
+          </p:spPr>
+        </p:pic>
+      </p:grpSp>
+      <p:grpSp>
+        <p:nvGrpSpPr>
+          <p:cNvPr id="152" name="组合 151">
+            <a:extLst>
+              <a:ext uri="{FF2B5EF4-FFF2-40B4-BE49-F238E27FC236}">
+                <a16:creationId xmlns:a16="http://schemas.microsoft.com/office/drawing/2014/main" id="{CD4D5EF8-D645-4740-9A0C-64E2717551DF}"/>
+              </a:ext>
+            </a:extLst>
+          </p:cNvPr>
+          <p:cNvGrpSpPr/>
+          <p:nvPr/>
+        </p:nvGrpSpPr>
+        <p:grpSpPr>
+          <a:xfrm>
+            <a:off x="6310003" y="2544682"/>
+            <a:ext cx="1389523" cy="413920"/>
+            <a:chOff x="9427153" y="1857066"/>
+            <a:chExt cx="1389523" cy="413920"/>
+          </a:xfrm>
+        </p:grpSpPr>
+        <p:sp>
+          <p:nvSpPr>
+            <p:cNvPr id="153" name="矩形 152">
+              <a:extLst>
+                <a:ext uri="{FF2B5EF4-FFF2-40B4-BE49-F238E27FC236}">
+                  <a16:creationId xmlns:a16="http://schemas.microsoft.com/office/drawing/2014/main" id="{DF743073-D470-4228-9D8F-9D6F501509FE}"/>
+                </a:ext>
+              </a:extLst>
+            </p:cNvPr>
+            <p:cNvSpPr/>
+            <p:nvPr/>
+          </p:nvSpPr>
+          <p:spPr>
+            <a:xfrm>
+              <a:off x="9470010" y="1857066"/>
+              <a:ext cx="1346666" cy="413920"/>
+            </a:xfrm>
+            <a:prstGeom prst="rect">
+              <a:avLst/>
+            </a:prstGeom>
+            <a:noFill/>
+            <a:ln w="57150">
+              <a:noFill/>
+              <a:prstDash val="lgDash"/>
+            </a:ln>
+          </p:spPr>
+          <p:style>
+            <a:lnRef idx="2">
+              <a:schemeClr val="accent1">
+                <a:shade val="50000"/>
+              </a:schemeClr>
+            </a:lnRef>
+            <a:fillRef idx="1">
+              <a:schemeClr val="accent1"/>
+            </a:fillRef>
+            <a:effectRef idx="0">
+              <a:schemeClr val="accent1"/>
+            </a:effectRef>
+            <a:fontRef idx="minor">
+              <a:schemeClr val="lt1"/>
+            </a:fontRef>
+          </p:style>
+          <p:txBody>
+            <a:bodyPr rtlCol="0" anchor="ctr"/>
+            <a:lstStyle/>
+            <a:p>
+              <a:pPr algn="ctr"/>
+              <a:r>
+                <a:rPr lang="zh-CN" altLang="en-US" sz="1400" dirty="0">
+                  <a:solidFill>
+                    <a:schemeClr val="tx1"/>
+                  </a:solidFill>
+                </a:rPr>
+                <a:t>正版应用</a:t>
+              </a:r>
+              <a:br>
+                <a:rPr lang="en-US" altLang="zh-CN" sz="1400" dirty="0">
+                  <a:solidFill>
+                    <a:schemeClr val="tx1"/>
+                  </a:solidFill>
+                </a:rPr>
+              </a:br>
+              <a:r>
+                <a:rPr lang="zh-CN" altLang="en-US" sz="1400" dirty="0">
+                  <a:solidFill>
+                    <a:schemeClr val="tx1"/>
+                  </a:solidFill>
+                </a:rPr>
+                <a:t>特征补充</a:t>
+              </a:r>
+            </a:p>
+          </p:txBody>
+        </p:sp>
+        <p:pic>
+          <p:nvPicPr>
+            <p:cNvPr id="154" name="图片 153">
+              <a:extLst>
+                <a:ext uri="{FF2B5EF4-FFF2-40B4-BE49-F238E27FC236}">
+                  <a16:creationId xmlns:a16="http://schemas.microsoft.com/office/drawing/2014/main" id="{5D311C21-C3EE-4698-B44A-3986828EDC3B}"/>
+                </a:ext>
+              </a:extLst>
+            </p:cNvPr>
+            <p:cNvPicPr>
+              <a:picLocks noChangeAspect="1"/>
+            </p:cNvPicPr>
+            <p:nvPr/>
+          </p:nvPicPr>
+          <p:blipFill>
+            <a:blip r:embed="rId3" cstate="print">
+              <a:extLst>
+                <a:ext uri="{28A0092B-C50C-407E-A947-70E740481C1C}">
+                  <a14:useLocalDpi xmlns:a14="http://schemas.microsoft.com/office/drawing/2010/main" val="0"/>
+                </a:ext>
+              </a:extLst>
+            </a:blip>
+            <a:stretch>
+              <a:fillRect/>
+            </a:stretch>
+          </p:blipFill>
+          <p:spPr>
+            <a:xfrm flipH="1">
+              <a:off x="9427153" y="1916483"/>
+              <a:ext cx="295200" cy="295200"/>
+            </a:xfrm>
+            <a:prstGeom prst="rect">
+              <a:avLst/>
+            </a:prstGeom>
+            <a:solidFill>
+              <a:schemeClr val="bg1"/>
+            </a:solidFill>
+          </p:spPr>
+        </p:pic>
+      </p:grpSp>
+      <p:grpSp>
+        <p:nvGrpSpPr>
+          <p:cNvPr id="210" name="组合 209">
+            <a:extLst>
+              <a:ext uri="{FF2B5EF4-FFF2-40B4-BE49-F238E27FC236}">
+                <a16:creationId xmlns:a16="http://schemas.microsoft.com/office/drawing/2014/main" id="{B3DEE5DC-D607-4975-B35F-CD08572126CA}"/>
+              </a:ext>
+            </a:extLst>
+          </p:cNvPr>
+          <p:cNvGrpSpPr/>
+          <p:nvPr/>
+        </p:nvGrpSpPr>
+        <p:grpSpPr>
+          <a:xfrm>
+            <a:off x="8501349" y="1359969"/>
+            <a:ext cx="1238974" cy="413920"/>
+            <a:chOff x="9094851" y="1494968"/>
+            <a:chExt cx="1238974" cy="413920"/>
+          </a:xfrm>
+        </p:grpSpPr>
+        <p:sp>
+          <p:nvSpPr>
+            <p:cNvPr id="213" name="矩形 212">
+              <a:extLst>
+                <a:ext uri="{FF2B5EF4-FFF2-40B4-BE49-F238E27FC236}">
+                  <a16:creationId xmlns:a16="http://schemas.microsoft.com/office/drawing/2014/main" id="{92616B3B-3F3D-479A-8F94-748170F4C978}"/>
+                </a:ext>
+              </a:extLst>
+            </p:cNvPr>
+            <p:cNvSpPr/>
+            <p:nvPr/>
+          </p:nvSpPr>
+          <p:spPr>
+            <a:xfrm>
+              <a:off x="9319206" y="1494968"/>
+              <a:ext cx="1014619" cy="413920"/>
+            </a:xfrm>
+            <a:prstGeom prst="rect">
+              <a:avLst/>
+            </a:prstGeom>
+            <a:noFill/>
+            <a:ln w="57150">
+              <a:noFill/>
+              <a:prstDash val="lgDash"/>
+            </a:ln>
+          </p:spPr>
+          <p:style>
+            <a:lnRef idx="2">
+              <a:schemeClr val="accent1">
+                <a:shade val="50000"/>
+              </a:schemeClr>
+            </a:lnRef>
+            <a:fillRef idx="1">
+              <a:schemeClr val="accent1"/>
+            </a:fillRef>
+            <a:effectRef idx="0">
+              <a:schemeClr val="accent1"/>
+            </a:effectRef>
+            <a:fontRef idx="minor">
+              <a:schemeClr val="lt1"/>
+            </a:fontRef>
+          </p:style>
+          <p:txBody>
+            <a:bodyPr rtlCol="0" anchor="ctr"/>
+            <a:lstStyle/>
+            <a:p>
+              <a:pPr algn="ctr"/>
+              <a:r>
+                <a:rPr lang="zh-CN" altLang="en-US" sz="1400" dirty="0">
+                  <a:solidFill>
+                    <a:schemeClr val="tx1"/>
+                  </a:solidFill>
+                </a:rPr>
+                <a:t>仿冒应用</a:t>
+              </a:r>
+              <a:br>
+                <a:rPr lang="en-US" altLang="zh-CN" sz="1400" dirty="0">
+                  <a:solidFill>
+                    <a:schemeClr val="tx1"/>
+                  </a:solidFill>
+                </a:rPr>
+              </a:br>
+              <a:r>
+                <a:rPr lang="zh-CN" altLang="en-US" sz="1400" dirty="0">
+                  <a:solidFill>
+                    <a:schemeClr val="tx1"/>
+                  </a:solidFill>
+                </a:rPr>
+                <a:t>证书特征</a:t>
+              </a:r>
+            </a:p>
+          </p:txBody>
+        </p:sp>
+        <p:pic>
+          <p:nvPicPr>
+            <p:cNvPr id="216" name="图片 215">
+              <a:extLst>
+                <a:ext uri="{FF2B5EF4-FFF2-40B4-BE49-F238E27FC236}">
+                  <a16:creationId xmlns:a16="http://schemas.microsoft.com/office/drawing/2014/main" id="{DAB6393B-31D8-4120-AA5C-B608D995B4D2}"/>
+                </a:ext>
+              </a:extLst>
+            </p:cNvPr>
+            <p:cNvPicPr>
+              <a:picLocks noChangeAspect="1"/>
+            </p:cNvPicPr>
+            <p:nvPr/>
+          </p:nvPicPr>
+          <p:blipFill>
+            <a:blip r:embed="rId2" cstate="print">
+              <a:extLst>
+                <a:ext uri="{28A0092B-C50C-407E-A947-70E740481C1C}">
+                  <a14:useLocalDpi xmlns:a14="http://schemas.microsoft.com/office/drawing/2010/main" val="0"/>
+                </a:ext>
+              </a:extLst>
+            </a:blip>
+            <a:stretch>
+              <a:fillRect/>
+            </a:stretch>
+          </p:blipFill>
+          <p:spPr>
+            <a:xfrm flipH="1">
+              <a:off x="9094851" y="1554386"/>
+              <a:ext cx="295085" cy="295085"/>
+            </a:xfrm>
+            <a:prstGeom prst="rect">
+              <a:avLst/>
+            </a:prstGeom>
+            <a:solidFill>
+              <a:schemeClr val="bg1"/>
+            </a:solidFill>
+            <a:ln>
+              <a:noFill/>
+            </a:ln>
+          </p:spPr>
+        </p:pic>
+      </p:grpSp>
+      <p:sp>
+        <p:nvSpPr>
+          <p:cNvPr id="217" name="矩形 216">
+            <a:extLst>
+              <a:ext uri="{FF2B5EF4-FFF2-40B4-BE49-F238E27FC236}">
+                <a16:creationId xmlns:a16="http://schemas.microsoft.com/office/drawing/2014/main" id="{A5543781-F5EE-427E-930C-F4C170BFA206}"/>
+              </a:ext>
+            </a:extLst>
+          </p:cNvPr>
+          <p:cNvSpPr/>
+          <p:nvPr/>
+        </p:nvSpPr>
+        <p:spPr>
+          <a:xfrm>
+            <a:off x="9698432" y="1611279"/>
+            <a:ext cx="1800000" cy="529980"/>
+          </a:xfrm>
+          <a:prstGeom prst="rect">
+            <a:avLst/>
+          </a:prstGeom>
+          <a:noFill/>
+          <a:ln w="28575">
+            <a:solidFill>
+              <a:schemeClr val="tx1">
+                <a:lumMod val="50000"/>
+                <a:lumOff val="50000"/>
+              </a:schemeClr>
+            </a:solidFill>
+            <a:prstDash val="solid"/>
+          </a:ln>
+        </p:spPr>
+        <p:style>
+          <a:lnRef idx="2">
+            <a:schemeClr val="accent1">
+              <a:shade val="50000"/>
+            </a:schemeClr>
+          </a:lnRef>
+          <a:fillRef idx="1">
+            <a:schemeClr val="accent1"/>
+          </a:fillRef>
+          <a:effectRef idx="0">
+            <a:schemeClr val="accent1"/>
+          </a:effectRef>
+          <a:fontRef idx="minor">
+            <a:schemeClr val="lt1"/>
+          </a:fontRef>
+        </p:style>
+        <p:txBody>
+          <a:bodyPr rtlCol="0" anchor="ctr"/>
+          <a:lstStyle/>
+          <a:p>
+            <a:pPr algn="ctr"/>
+            <a:r>
+              <a:rPr lang="zh-CN" altLang="en-US" dirty="0">
+                <a:solidFill>
+                  <a:schemeClr val="tx1">
+                    <a:lumMod val="50000"/>
+                    <a:lumOff val="50000"/>
+                  </a:schemeClr>
+                </a:solidFill>
+              </a:rPr>
+              <a:t>人工审查</a:t>
+            </a:r>
+          </a:p>
+        </p:txBody>
+      </p:sp>
+      <p:cxnSp>
+        <p:nvCxnSpPr>
+          <p:cNvPr id="218" name="连接符: 肘形 99">
+            <a:extLst>
+              <a:ext uri="{FF2B5EF4-FFF2-40B4-BE49-F238E27FC236}">
+                <a16:creationId xmlns:a16="http://schemas.microsoft.com/office/drawing/2014/main" id="{C59B1B5F-AC28-4335-9385-F8DD257B74B2}"/>
+              </a:ext>
+            </a:extLst>
+          </p:cNvPr>
+          <p:cNvCxnSpPr>
+            <a:cxnSpLocks/>
+            <a:stCxn id="196" idx="3"/>
+            <a:endCxn id="217" idx="1"/>
+          </p:cNvCxnSpPr>
+          <p:nvPr/>
+        </p:nvCxnSpPr>
+        <p:spPr>
+          <a:xfrm>
+            <a:off x="8364095" y="1876269"/>
+            <a:ext cx="1334337" cy="0"/>
+          </a:xfrm>
+          <a:prstGeom prst="straightConnector1">
+            <a:avLst/>
+          </a:prstGeom>
+          <a:ln w="28575">
+            <a:solidFill>
+              <a:schemeClr val="bg2">
+                <a:lumMod val="25000"/>
+              </a:schemeClr>
+            </a:solidFill>
+            <a:prstDash val="dash"/>
+            <a:headEnd type="triangle" w="med" len="med"/>
+            <a:tailEnd type="none"/>
+          </a:ln>
+        </p:spPr>
+        <p:style>
+          <a:lnRef idx="3">
+            <a:schemeClr val="dk1"/>
+          </a:lnRef>
+          <a:fillRef idx="0">
+            <a:schemeClr val="dk1"/>
+          </a:fillRef>
+          <a:effectRef idx="2">
+            <a:schemeClr val="dk1"/>
+          </a:effectRef>
+          <a:fontRef idx="minor">
+            <a:schemeClr val="tx1"/>
+          </a:fontRef>
+        </p:style>
+      </p:cxnSp>
+    </p:spTree>
+    <p:extLst>
+      <p:ext uri="{BB962C8B-B14F-4D97-AF65-F5344CB8AC3E}">
+        <p14:creationId xmlns:p14="http://schemas.microsoft.com/office/powerpoint/2010/main" val="4144416808"/>
+      </p:ext>
+    </p:extLst>
+  </p:cSld>
+  <p:clrMapOvr>
+    <a:masterClrMapping/>
+  </p:clrMapOvr>
+</p:sld>
+</file>
+
 <file path=ppt/theme/theme1.xml><?xml version="1.0" encoding="utf-8"?>
 <a:theme xmlns:a="http://schemas.openxmlformats.org/drawingml/2006/main" name="Office 主题​​">
   <a:themeElements>

--- a/edwin_2019/Figures/edwin-overview.pptx
+++ b/edwin_2019/Figures/edwin-overview.pptx
@@ -10,6 +10,7 @@
     <p:sldId id="260" r:id="rId4"/>
     <p:sldId id="262" r:id="rId5"/>
     <p:sldId id="263" r:id="rId6"/>
+    <p:sldId id="265" r:id="rId7"/>
   </p:sldIdLst>
   <p:sldSz cx="12192000" cy="6858000"/>
   <p:notesSz cx="7099300" cy="10234613"/>
@@ -144,13 +145,13 @@
   </pc:docChgLst>
   <pc:docChgLst>
     <pc:chgData name="唐 崇斌 Edwin" userId="769f27267cb83406" providerId="LiveId" clId="{CD038198-DCA5-497C-97B1-3A1263D8B09C}"/>
-    <pc:docChg chg="undo redo custSel addSld modSld">
-      <pc:chgData name="唐 崇斌 Edwin" userId="769f27267cb83406" providerId="LiveId" clId="{CD038198-DCA5-497C-97B1-3A1263D8B09C}" dt="2020-10-07T10:04:58.558" v="432"/>
+    <pc:docChg chg="undo redo custSel addSld delSld modSld">
+      <pc:chgData name="唐 崇斌 Edwin" userId="769f27267cb83406" providerId="LiveId" clId="{CD038198-DCA5-497C-97B1-3A1263D8B09C}" dt="2020-10-19T06:11:04.843" v="828"/>
       <pc:docMkLst>
         <pc:docMk/>
       </pc:docMkLst>
       <pc:sldChg chg="addSp delSp modSp add addCm delCm">
-        <pc:chgData name="唐 崇斌 Edwin" userId="769f27267cb83406" providerId="LiveId" clId="{CD038198-DCA5-497C-97B1-3A1263D8B09C}" dt="2020-10-07T10:04:58.558" v="432"/>
+        <pc:chgData name="唐 崇斌 Edwin" userId="769f27267cb83406" providerId="LiveId" clId="{CD038198-DCA5-497C-97B1-3A1263D8B09C}" dt="2020-10-18T10:35:10.781" v="490" actId="1035"/>
         <pc:sldMkLst>
           <pc:docMk/>
           <pc:sldMk cId="4144416808" sldId="263"/>
@@ -268,7 +269,7 @@
           </ac:spMkLst>
         </pc:spChg>
         <pc:spChg chg="add mod">
-          <ac:chgData name="唐 崇斌 Edwin" userId="769f27267cb83406" providerId="LiveId" clId="{CD038198-DCA5-497C-97B1-3A1263D8B09C}" dt="2020-10-07T06:27:45.180" v="390" actId="1076"/>
+          <ac:chgData name="唐 崇斌 Edwin" userId="769f27267cb83406" providerId="LiveId" clId="{CD038198-DCA5-497C-97B1-3A1263D8B09C}" dt="2020-10-18T10:33:35.230" v="441" actId="208"/>
           <ac:spMkLst>
             <pc:docMk/>
             <pc:sldMk cId="4144416808" sldId="263"/>
@@ -459,6 +460,14 @@
             <ac:grpSpMk id="264" creationId="{090D22F9-D440-4ED4-88EE-9F38AE3C6320}"/>
           </ac:grpSpMkLst>
         </pc:grpChg>
+        <pc:picChg chg="add mod modCrop">
+          <ac:chgData name="唐 崇斌 Edwin" userId="769f27267cb83406" providerId="LiveId" clId="{CD038198-DCA5-497C-97B1-3A1263D8B09C}" dt="2020-10-18T10:35:10.781" v="490" actId="1035"/>
+          <ac:picMkLst>
+            <pc:docMk/>
+            <pc:sldMk cId="4144416808" sldId="263"/>
+            <ac:picMk id="3" creationId="{9DC75032-A4A8-4351-AAB9-DF238BF9EFB2}"/>
+          </ac:picMkLst>
+        </pc:picChg>
         <pc:picChg chg="add del mod ord">
           <ac:chgData name="唐 崇斌 Edwin" userId="769f27267cb83406" providerId="LiveId" clId="{CD038198-DCA5-497C-97B1-3A1263D8B09C}" dt="2020-10-07T06:29:06.772" v="404" actId="1076"/>
           <ac:picMkLst>
@@ -692,6 +701,316 @@
           </ac:cxnSpMkLst>
         </pc:cxnChg>
       </pc:sldChg>
+      <pc:sldChg chg="add del">
+        <pc:chgData name="唐 崇斌 Edwin" userId="769f27267cb83406" providerId="LiveId" clId="{CD038198-DCA5-497C-97B1-3A1263D8B09C}" dt="2020-10-19T05:51:26.343" v="493" actId="2696"/>
+        <pc:sldMkLst>
+          <pc:docMk/>
+          <pc:sldMk cId="2900413641" sldId="264"/>
+        </pc:sldMkLst>
+      </pc:sldChg>
+      <pc:sldChg chg="addSp delSp modSp add">
+        <pc:chgData name="唐 崇斌 Edwin" userId="769f27267cb83406" providerId="LiveId" clId="{CD038198-DCA5-497C-97B1-3A1263D8B09C}" dt="2020-10-19T06:11:04.843" v="828"/>
+        <pc:sldMkLst>
+          <pc:docMk/>
+          <pc:sldMk cId="4071820844" sldId="265"/>
+        </pc:sldMkLst>
+        <pc:spChg chg="add del mod">
+          <ac:chgData name="唐 崇斌 Edwin" userId="769f27267cb83406" providerId="LiveId" clId="{CD038198-DCA5-497C-97B1-3A1263D8B09C}" dt="2020-10-19T05:51:41.312" v="496" actId="478"/>
+          <ac:spMkLst>
+            <pc:docMk/>
+            <pc:sldMk cId="4071820844" sldId="265"/>
+            <ac:spMk id="19" creationId="{AC400DFB-7057-46F7-979A-C30039042611}"/>
+          </ac:spMkLst>
+        </pc:spChg>
+        <pc:spChg chg="add mod">
+          <ac:chgData name="唐 崇斌 Edwin" userId="769f27267cb83406" providerId="LiveId" clId="{CD038198-DCA5-497C-97B1-3A1263D8B09C}" dt="2020-10-19T06:11:01.995" v="826"/>
+          <ac:spMkLst>
+            <pc:docMk/>
+            <pc:sldMk cId="4071820844" sldId="265"/>
+            <ac:spMk id="31" creationId="{7BA9DE08-6F0F-4D6F-8336-348488E0B9AF}"/>
+          </ac:spMkLst>
+        </pc:spChg>
+        <pc:spChg chg="add mod">
+          <ac:chgData name="唐 崇斌 Edwin" userId="769f27267cb83406" providerId="LiveId" clId="{CD038198-DCA5-497C-97B1-3A1263D8B09C}" dt="2020-10-19T05:55:56.881" v="549" actId="164"/>
+          <ac:spMkLst>
+            <pc:docMk/>
+            <pc:sldMk cId="4071820844" sldId="265"/>
+            <ac:spMk id="32" creationId="{D4ACB88D-0821-4C9C-BB66-A1B07526C3FC}"/>
+          </ac:spMkLst>
+        </pc:spChg>
+        <pc:spChg chg="add mod">
+          <ac:chgData name="唐 崇斌 Edwin" userId="769f27267cb83406" providerId="LiveId" clId="{CD038198-DCA5-497C-97B1-3A1263D8B09C}" dt="2020-10-19T06:09:46.995" v="811" actId="1037"/>
+          <ac:spMkLst>
+            <pc:docMk/>
+            <pc:sldMk cId="4071820844" sldId="265"/>
+            <ac:spMk id="33" creationId="{F9B51850-AB6B-4E19-BD84-B084C04ADDCE}"/>
+          </ac:spMkLst>
+        </pc:spChg>
+        <pc:spChg chg="add mod">
+          <ac:chgData name="唐 崇斌 Edwin" userId="769f27267cb83406" providerId="LiveId" clId="{CD038198-DCA5-497C-97B1-3A1263D8B09C}" dt="2020-10-19T06:03:55.687" v="694" actId="164"/>
+          <ac:spMkLst>
+            <pc:docMk/>
+            <pc:sldMk cId="4071820844" sldId="265"/>
+            <ac:spMk id="34" creationId="{A67F3B87-EFB0-4572-BF46-848B4979632C}"/>
+          </ac:spMkLst>
+        </pc:spChg>
+        <pc:spChg chg="add mod">
+          <ac:chgData name="唐 崇斌 Edwin" userId="769f27267cb83406" providerId="LiveId" clId="{CD038198-DCA5-497C-97B1-3A1263D8B09C}" dt="2020-10-19T06:03:55.687" v="694" actId="164"/>
+          <ac:spMkLst>
+            <pc:docMk/>
+            <pc:sldMk cId="4071820844" sldId="265"/>
+            <ac:spMk id="45" creationId="{A491FF70-8341-412F-A0F0-64EA2270AFA2}"/>
+          </ac:spMkLst>
+        </pc:spChg>
+        <pc:spChg chg="mod">
+          <ac:chgData name="唐 崇斌 Edwin" userId="769f27267cb83406" providerId="LiveId" clId="{CD038198-DCA5-497C-97B1-3A1263D8B09C}" dt="2020-10-19T06:09:46.995" v="811" actId="1037"/>
+          <ac:spMkLst>
+            <pc:docMk/>
+            <pc:sldMk cId="4071820844" sldId="265"/>
+            <ac:spMk id="51" creationId="{75C0BB91-9D8F-4979-B6BF-1067BC96E301}"/>
+          </ac:spMkLst>
+        </pc:spChg>
+        <pc:spChg chg="add mod">
+          <ac:chgData name="唐 崇斌 Edwin" userId="769f27267cb83406" providerId="LiveId" clId="{CD038198-DCA5-497C-97B1-3A1263D8B09C}" dt="2020-10-19T06:09:46.995" v="811" actId="1037"/>
+          <ac:spMkLst>
+            <pc:docMk/>
+            <pc:sldMk cId="4071820844" sldId="265"/>
+            <ac:spMk id="53" creationId="{D904AC68-DB0D-4155-9446-8EF93CD01E1D}"/>
+          </ac:spMkLst>
+        </pc:spChg>
+        <pc:spChg chg="add mod">
+          <ac:chgData name="唐 崇斌 Edwin" userId="769f27267cb83406" providerId="LiveId" clId="{CD038198-DCA5-497C-97B1-3A1263D8B09C}" dt="2020-10-19T06:09:46.995" v="811" actId="1037"/>
+          <ac:spMkLst>
+            <pc:docMk/>
+            <pc:sldMk cId="4071820844" sldId="265"/>
+            <ac:spMk id="54" creationId="{80DDE4C1-3E82-4C04-9329-3AA46340AB15}"/>
+          </ac:spMkLst>
+        </pc:spChg>
+        <pc:spChg chg="add mod">
+          <ac:chgData name="唐 崇斌 Edwin" userId="769f27267cb83406" providerId="LiveId" clId="{CD038198-DCA5-497C-97B1-3A1263D8B09C}" dt="2020-10-19T06:09:46.995" v="811" actId="1037"/>
+          <ac:spMkLst>
+            <pc:docMk/>
+            <pc:sldMk cId="4071820844" sldId="265"/>
+            <ac:spMk id="55" creationId="{0CD967E7-DFE5-4E43-B0C3-ACFDD55C9E98}"/>
+          </ac:spMkLst>
+        </pc:spChg>
+        <pc:spChg chg="mod">
+          <ac:chgData name="唐 崇斌 Edwin" userId="769f27267cb83406" providerId="LiveId" clId="{CD038198-DCA5-497C-97B1-3A1263D8B09C}" dt="2020-10-19T06:07:51.402" v="762" actId="1076"/>
+          <ac:spMkLst>
+            <pc:docMk/>
+            <pc:sldMk cId="4071820844" sldId="265"/>
+            <ac:spMk id="72" creationId="{77A2ADE4-D554-42A1-9A82-AE63EA4781BE}"/>
+          </ac:spMkLst>
+        </pc:spChg>
+        <pc:spChg chg="add mod">
+          <ac:chgData name="唐 崇斌 Edwin" userId="769f27267cb83406" providerId="LiveId" clId="{CD038198-DCA5-497C-97B1-3A1263D8B09C}" dt="2020-10-19T06:09:46.995" v="811" actId="1037"/>
+          <ac:spMkLst>
+            <pc:docMk/>
+            <pc:sldMk cId="4071820844" sldId="265"/>
+            <ac:spMk id="86" creationId="{3305B8EF-9AE4-4C30-A410-49CEE33031A6}"/>
+          </ac:spMkLst>
+        </pc:spChg>
+        <pc:spChg chg="add mod">
+          <ac:chgData name="唐 崇斌 Edwin" userId="769f27267cb83406" providerId="LiveId" clId="{CD038198-DCA5-497C-97B1-3A1263D8B09C}" dt="2020-10-19T06:09:46.995" v="811" actId="1037"/>
+          <ac:spMkLst>
+            <pc:docMk/>
+            <pc:sldMk cId="4071820844" sldId="265"/>
+            <ac:spMk id="87" creationId="{6FFD5D06-12B2-4DA0-BE47-910E00307DB7}"/>
+          </ac:spMkLst>
+        </pc:spChg>
+        <pc:spChg chg="add mod">
+          <ac:chgData name="唐 崇斌 Edwin" userId="769f27267cb83406" providerId="LiveId" clId="{CD038198-DCA5-497C-97B1-3A1263D8B09C}" dt="2020-10-19T06:09:46.995" v="811" actId="1037"/>
+          <ac:spMkLst>
+            <pc:docMk/>
+            <pc:sldMk cId="4071820844" sldId="265"/>
+            <ac:spMk id="88" creationId="{C13242B9-38C5-4EEA-BCF5-BC1C9F9B1C56}"/>
+          </ac:spMkLst>
+        </pc:spChg>
+        <pc:spChg chg="add mod">
+          <ac:chgData name="唐 崇斌 Edwin" userId="769f27267cb83406" providerId="LiveId" clId="{CD038198-DCA5-497C-97B1-3A1263D8B09C}" dt="2020-10-19T06:09:46.995" v="811" actId="1037"/>
+          <ac:spMkLst>
+            <pc:docMk/>
+            <pc:sldMk cId="4071820844" sldId="265"/>
+            <ac:spMk id="89" creationId="{14A3F9E1-51C4-48BF-AAA1-39CEC20AFE9C}"/>
+          </ac:spMkLst>
+        </pc:spChg>
+        <pc:spChg chg="add mod">
+          <ac:chgData name="唐 崇斌 Edwin" userId="769f27267cb83406" providerId="LiveId" clId="{CD038198-DCA5-497C-97B1-3A1263D8B09C}" dt="2020-10-19T06:09:46.995" v="811" actId="1037"/>
+          <ac:spMkLst>
+            <pc:docMk/>
+            <pc:sldMk cId="4071820844" sldId="265"/>
+            <ac:spMk id="90" creationId="{59CE250E-D4D0-4A41-9EF5-D4FCC1F9C268}"/>
+          </ac:spMkLst>
+        </pc:spChg>
+        <pc:spChg chg="add mod">
+          <ac:chgData name="唐 崇斌 Edwin" userId="769f27267cb83406" providerId="LiveId" clId="{CD038198-DCA5-497C-97B1-3A1263D8B09C}" dt="2020-10-19T06:09:46.995" v="811" actId="1037"/>
+          <ac:spMkLst>
+            <pc:docMk/>
+            <pc:sldMk cId="4071820844" sldId="265"/>
+            <ac:spMk id="91" creationId="{7288A2B4-8000-4122-8AA8-05E5C170594C}"/>
+          </ac:spMkLst>
+        </pc:spChg>
+        <pc:spChg chg="add mod">
+          <ac:chgData name="唐 崇斌 Edwin" userId="769f27267cb83406" providerId="LiveId" clId="{CD038198-DCA5-497C-97B1-3A1263D8B09C}" dt="2020-10-19T06:11:04.843" v="828"/>
+          <ac:spMkLst>
+            <pc:docMk/>
+            <pc:sldMk cId="4071820844" sldId="265"/>
+            <ac:spMk id="92" creationId="{17A72695-AECD-48E0-9D3E-5562363436D0}"/>
+          </ac:spMkLst>
+        </pc:spChg>
+        <pc:spChg chg="mod">
+          <ac:chgData name="唐 崇斌 Edwin" userId="769f27267cb83406" providerId="LiveId" clId="{CD038198-DCA5-497C-97B1-3A1263D8B09C}" dt="2020-10-19T06:09:46.995" v="811" actId="1037"/>
+          <ac:spMkLst>
+            <pc:docMk/>
+            <pc:sldMk cId="4071820844" sldId="265"/>
+            <ac:spMk id="188" creationId="{B93E4B85-2A9F-43EB-AB46-C8F190ED42F1}"/>
+          </ac:spMkLst>
+        </pc:spChg>
+        <pc:grpChg chg="add del mod">
+          <ac:chgData name="唐 崇斌 Edwin" userId="769f27267cb83406" providerId="LiveId" clId="{CD038198-DCA5-497C-97B1-3A1263D8B09C}" dt="2020-10-19T06:01:27.463" v="649" actId="165"/>
+          <ac:grpSpMkLst>
+            <pc:docMk/>
+            <pc:sldMk cId="4071820844" sldId="265"/>
+            <ac:grpSpMk id="2" creationId="{553A1F65-D7A3-45E2-B3B7-011526D707F2}"/>
+          </ac:grpSpMkLst>
+        </pc:grpChg>
+        <pc:grpChg chg="add mod">
+          <ac:chgData name="唐 崇斌 Edwin" userId="769f27267cb83406" providerId="LiveId" clId="{CD038198-DCA5-497C-97B1-3A1263D8B09C}" dt="2020-10-19T05:55:52.268" v="548" actId="164"/>
+          <ac:grpSpMkLst>
+            <pc:docMk/>
+            <pc:sldMk cId="4071820844" sldId="265"/>
+            <ac:grpSpMk id="15" creationId="{3D7401FE-E2BF-4DC1-BDFC-3BDA2B7F7BCD}"/>
+          </ac:grpSpMkLst>
+        </pc:grpChg>
+        <pc:grpChg chg="add mod">
+          <ac:chgData name="唐 崇斌 Edwin" userId="769f27267cb83406" providerId="LiveId" clId="{CD038198-DCA5-497C-97B1-3A1263D8B09C}" dt="2020-10-19T06:09:46.995" v="811" actId="1037"/>
+          <ac:grpSpMkLst>
+            <pc:docMk/>
+            <pc:sldMk cId="4071820844" sldId="265"/>
+            <ac:grpSpMk id="16" creationId="{9D3DCDEF-3D47-4652-A9CE-2982A417A368}"/>
+          </ac:grpSpMkLst>
+        </pc:grpChg>
+        <pc:grpChg chg="add mod">
+          <ac:chgData name="唐 崇斌 Edwin" userId="769f27267cb83406" providerId="LiveId" clId="{CD038198-DCA5-497C-97B1-3A1263D8B09C}" dt="2020-10-19T06:09:46.995" v="811" actId="1037"/>
+          <ac:grpSpMkLst>
+            <pc:docMk/>
+            <pc:sldMk cId="4071820844" sldId="265"/>
+            <ac:grpSpMk id="47" creationId="{3813EE96-3CE2-485B-9983-90D8BCB0E169}"/>
+          </ac:grpSpMkLst>
+        </pc:grpChg>
+        <pc:grpChg chg="add mod">
+          <ac:chgData name="唐 崇斌 Edwin" userId="769f27267cb83406" providerId="LiveId" clId="{CD038198-DCA5-497C-97B1-3A1263D8B09C}" dt="2020-10-19T06:09:46.995" v="811" actId="1037"/>
+          <ac:grpSpMkLst>
+            <pc:docMk/>
+            <pc:sldMk cId="4071820844" sldId="265"/>
+            <ac:grpSpMk id="70" creationId="{C880A897-F083-430A-93B2-35171A686FAF}"/>
+          </ac:grpSpMkLst>
+        </pc:grpChg>
+        <pc:grpChg chg="mod">
+          <ac:chgData name="唐 崇斌 Edwin" userId="769f27267cb83406" providerId="LiveId" clId="{CD038198-DCA5-497C-97B1-3A1263D8B09C}" dt="2020-10-19T06:09:46.995" v="811" actId="1037"/>
+          <ac:grpSpMkLst>
+            <pc:docMk/>
+            <pc:sldMk cId="4071820844" sldId="265"/>
+            <ac:grpSpMk id="219" creationId="{814A09A5-7545-40EA-B513-AFE4B8658FE2}"/>
+          </ac:grpSpMkLst>
+        </pc:grpChg>
+        <pc:cxnChg chg="add mod topLvl">
+          <ac:chgData name="唐 崇斌 Edwin" userId="769f27267cb83406" providerId="LiveId" clId="{CD038198-DCA5-497C-97B1-3A1263D8B09C}" dt="2020-10-19T06:09:46.995" v="811" actId="1037"/>
+          <ac:cxnSpMkLst>
+            <pc:docMk/>
+            <pc:sldMk cId="4071820844" sldId="265"/>
+            <ac:cxnSpMk id="20" creationId="{3FD610D0-7003-46BA-99A0-1507B1FEB679}"/>
+          </ac:cxnSpMkLst>
+        </pc:cxnChg>
+        <pc:cxnChg chg="add mod topLvl">
+          <ac:chgData name="唐 崇斌 Edwin" userId="769f27267cb83406" providerId="LiveId" clId="{CD038198-DCA5-497C-97B1-3A1263D8B09C}" dt="2020-10-19T06:09:46.995" v="811" actId="1037"/>
+          <ac:cxnSpMkLst>
+            <pc:docMk/>
+            <pc:sldMk cId="4071820844" sldId="265"/>
+            <ac:cxnSpMk id="21" creationId="{E44820F6-899F-4B37-BB47-484DB7B50C68}"/>
+          </ac:cxnSpMkLst>
+        </pc:cxnChg>
+        <pc:cxnChg chg="add mod">
+          <ac:chgData name="唐 崇斌 Edwin" userId="769f27267cb83406" providerId="LiveId" clId="{CD038198-DCA5-497C-97B1-3A1263D8B09C}" dt="2020-10-19T06:09:46.995" v="811" actId="1037"/>
+          <ac:cxnSpMkLst>
+            <pc:docMk/>
+            <pc:sldMk cId="4071820844" sldId="265"/>
+            <ac:cxnSpMk id="36" creationId="{52A60292-0B23-4E10-864C-5C836F45750E}"/>
+          </ac:cxnSpMkLst>
+        </pc:cxnChg>
+        <pc:cxnChg chg="add mod">
+          <ac:chgData name="唐 崇斌 Edwin" userId="769f27267cb83406" providerId="LiveId" clId="{CD038198-DCA5-497C-97B1-3A1263D8B09C}" dt="2020-10-19T06:09:46.995" v="811" actId="1037"/>
+          <ac:cxnSpMkLst>
+            <pc:docMk/>
+            <pc:sldMk cId="4071820844" sldId="265"/>
+            <ac:cxnSpMk id="41" creationId="{869CFA51-5F9E-45CC-945B-04BC6B591193}"/>
+          </ac:cxnSpMkLst>
+        </pc:cxnChg>
+        <pc:cxnChg chg="mod">
+          <ac:chgData name="唐 崇斌 Edwin" userId="769f27267cb83406" providerId="LiveId" clId="{CD038198-DCA5-497C-97B1-3A1263D8B09C}" dt="2020-10-19T06:09:46.995" v="811" actId="1037"/>
+          <ac:cxnSpMkLst>
+            <pc:docMk/>
+            <pc:sldMk cId="4071820844" sldId="265"/>
+            <ac:cxnSpMk id="52" creationId="{5FBFF2CB-C241-4A40-981B-3AF8C59C8283}"/>
+          </ac:cxnSpMkLst>
+        </pc:cxnChg>
+        <pc:cxnChg chg="add mod">
+          <ac:chgData name="唐 崇斌 Edwin" userId="769f27267cb83406" providerId="LiveId" clId="{CD038198-DCA5-497C-97B1-3A1263D8B09C}" dt="2020-10-19T06:09:46.995" v="811" actId="1037"/>
+          <ac:cxnSpMkLst>
+            <pc:docMk/>
+            <pc:sldMk cId="4071820844" sldId="265"/>
+            <ac:cxnSpMk id="56" creationId="{AFF6A55A-5414-4DF5-A410-9CDECA317950}"/>
+          </ac:cxnSpMkLst>
+        </pc:cxnChg>
+        <pc:cxnChg chg="add mod">
+          <ac:chgData name="唐 崇斌 Edwin" userId="769f27267cb83406" providerId="LiveId" clId="{CD038198-DCA5-497C-97B1-3A1263D8B09C}" dt="2020-10-19T06:09:46.995" v="811" actId="1037"/>
+          <ac:cxnSpMkLst>
+            <pc:docMk/>
+            <pc:sldMk cId="4071820844" sldId="265"/>
+            <ac:cxnSpMk id="64" creationId="{5A0BDD17-659A-48C5-920B-9C5C7B334E56}"/>
+          </ac:cxnSpMkLst>
+        </pc:cxnChg>
+        <pc:cxnChg chg="add mod">
+          <ac:chgData name="唐 崇斌 Edwin" userId="769f27267cb83406" providerId="LiveId" clId="{CD038198-DCA5-497C-97B1-3A1263D8B09C}" dt="2020-10-19T06:09:46.995" v="811" actId="1037"/>
+          <ac:cxnSpMkLst>
+            <pc:docMk/>
+            <pc:sldMk cId="4071820844" sldId="265"/>
+            <ac:cxnSpMk id="73" creationId="{A0E8EE1D-5BE0-45F5-A40D-6283BF8C6075}"/>
+          </ac:cxnSpMkLst>
+        </pc:cxnChg>
+        <pc:cxnChg chg="add mod">
+          <ac:chgData name="唐 崇斌 Edwin" userId="769f27267cb83406" providerId="LiveId" clId="{CD038198-DCA5-497C-97B1-3A1263D8B09C}" dt="2020-10-19T06:09:46.995" v="811" actId="1037"/>
+          <ac:cxnSpMkLst>
+            <pc:docMk/>
+            <pc:sldMk cId="4071820844" sldId="265"/>
+            <ac:cxnSpMk id="76" creationId="{39018F6E-BED1-401C-8D3C-7B5B0E05C885}"/>
+          </ac:cxnSpMkLst>
+        </pc:cxnChg>
+        <pc:cxnChg chg="add mod">
+          <ac:chgData name="唐 崇斌 Edwin" userId="769f27267cb83406" providerId="LiveId" clId="{CD038198-DCA5-497C-97B1-3A1263D8B09C}" dt="2020-10-19T06:09:46.995" v="811" actId="1037"/>
+          <ac:cxnSpMkLst>
+            <pc:docMk/>
+            <pc:sldMk cId="4071820844" sldId="265"/>
+            <ac:cxnSpMk id="80" creationId="{24D04B42-A349-4234-B3E1-BE2D77D30292}"/>
+          </ac:cxnSpMkLst>
+        </pc:cxnChg>
+        <pc:cxnChg chg="add mod">
+          <ac:chgData name="唐 崇斌 Edwin" userId="769f27267cb83406" providerId="LiveId" clId="{CD038198-DCA5-497C-97B1-3A1263D8B09C}" dt="2020-10-19T06:09:46.995" v="811" actId="1037"/>
+          <ac:cxnSpMkLst>
+            <pc:docMk/>
+            <pc:sldMk cId="4071820844" sldId="265"/>
+            <ac:cxnSpMk id="83" creationId="{4C07351F-6FC0-472E-935A-76F66F2403A4}"/>
+          </ac:cxnSpMkLst>
+        </pc:cxnChg>
+        <pc:cxnChg chg="mod">
+          <ac:chgData name="唐 崇斌 Edwin" userId="769f27267cb83406" providerId="LiveId" clId="{CD038198-DCA5-497C-97B1-3A1263D8B09C}" dt="2020-10-19T06:09:46.995" v="811" actId="1037"/>
+          <ac:cxnSpMkLst>
+            <pc:docMk/>
+            <pc:sldMk cId="4071820844" sldId="265"/>
+            <ac:cxnSpMk id="263" creationId="{810A3D51-1FB5-4908-BC34-279446F25AA0}"/>
+          </ac:cxnSpMkLst>
+        </pc:cxnChg>
+      </pc:sldChg>
     </pc:docChg>
   </pc:docChgLst>
 </pc:chgInfo>
@@ -826,7 +1145,7 @@
           <a:p>
             <a:fld id="{2397B9A4-A1A7-4F69-B67A-5CE7E47DA859}" type="datetimeFigureOut">
               <a:rPr lang="zh-CN" altLang="en-US" smtClean="0"/>
-              <a:t>2020/10/2</a:t>
+              <a:t>2020/10/19</a:t>
             </a:fld>
             <a:endParaRPr lang="zh-CN" altLang="en-US"/>
           </a:p>
@@ -994,7 +1313,7 @@
           <a:p>
             <a:fld id="{2397B9A4-A1A7-4F69-B67A-5CE7E47DA859}" type="datetimeFigureOut">
               <a:rPr lang="zh-CN" altLang="en-US" smtClean="0"/>
-              <a:t>2020/10/2</a:t>
+              <a:t>2020/10/19</a:t>
             </a:fld>
             <a:endParaRPr lang="zh-CN" altLang="en-US"/>
           </a:p>
@@ -1172,7 +1491,7 @@
           <a:p>
             <a:fld id="{2397B9A4-A1A7-4F69-B67A-5CE7E47DA859}" type="datetimeFigureOut">
               <a:rPr lang="zh-CN" altLang="en-US" smtClean="0"/>
-              <a:t>2020/10/2</a:t>
+              <a:t>2020/10/19</a:t>
             </a:fld>
             <a:endParaRPr lang="zh-CN" altLang="en-US"/>
           </a:p>
@@ -1340,7 +1659,7 @@
           <a:p>
             <a:fld id="{2397B9A4-A1A7-4F69-B67A-5CE7E47DA859}" type="datetimeFigureOut">
               <a:rPr lang="zh-CN" altLang="en-US" smtClean="0"/>
-              <a:t>2020/10/2</a:t>
+              <a:t>2020/10/19</a:t>
             </a:fld>
             <a:endParaRPr lang="zh-CN" altLang="en-US"/>
           </a:p>
@@ -1585,7 +1904,7 @@
           <a:p>
             <a:fld id="{2397B9A4-A1A7-4F69-B67A-5CE7E47DA859}" type="datetimeFigureOut">
               <a:rPr lang="zh-CN" altLang="en-US" smtClean="0"/>
-              <a:t>2020/10/2</a:t>
+              <a:t>2020/10/19</a:t>
             </a:fld>
             <a:endParaRPr lang="zh-CN" altLang="en-US"/>
           </a:p>
@@ -1814,7 +2133,7 @@
           <a:p>
             <a:fld id="{2397B9A4-A1A7-4F69-B67A-5CE7E47DA859}" type="datetimeFigureOut">
               <a:rPr lang="zh-CN" altLang="en-US" smtClean="0"/>
-              <a:t>2020/10/2</a:t>
+              <a:t>2020/10/19</a:t>
             </a:fld>
             <a:endParaRPr lang="zh-CN" altLang="en-US"/>
           </a:p>
@@ -2178,7 +2497,7 @@
           <a:p>
             <a:fld id="{2397B9A4-A1A7-4F69-B67A-5CE7E47DA859}" type="datetimeFigureOut">
               <a:rPr lang="zh-CN" altLang="en-US" smtClean="0"/>
-              <a:t>2020/10/2</a:t>
+              <a:t>2020/10/19</a:t>
             </a:fld>
             <a:endParaRPr lang="zh-CN" altLang="en-US"/>
           </a:p>
@@ -2295,7 +2614,7 @@
           <a:p>
             <a:fld id="{2397B9A4-A1A7-4F69-B67A-5CE7E47DA859}" type="datetimeFigureOut">
               <a:rPr lang="zh-CN" altLang="en-US" smtClean="0"/>
-              <a:t>2020/10/2</a:t>
+              <a:t>2020/10/19</a:t>
             </a:fld>
             <a:endParaRPr lang="zh-CN" altLang="en-US"/>
           </a:p>
@@ -2390,7 +2709,7 @@
           <a:p>
             <a:fld id="{2397B9A4-A1A7-4F69-B67A-5CE7E47DA859}" type="datetimeFigureOut">
               <a:rPr lang="zh-CN" altLang="en-US" smtClean="0"/>
-              <a:t>2020/10/2</a:t>
+              <a:t>2020/10/19</a:t>
             </a:fld>
             <a:endParaRPr lang="zh-CN" altLang="en-US"/>
           </a:p>
@@ -2665,7 +2984,7 @@
           <a:p>
             <a:fld id="{2397B9A4-A1A7-4F69-B67A-5CE7E47DA859}" type="datetimeFigureOut">
               <a:rPr lang="zh-CN" altLang="en-US" smtClean="0"/>
-              <a:t>2020/10/2</a:t>
+              <a:t>2020/10/19</a:t>
             </a:fld>
             <a:endParaRPr lang="zh-CN" altLang="en-US"/>
           </a:p>
@@ -2917,7 +3236,7 @@
           <a:p>
             <a:fld id="{2397B9A4-A1A7-4F69-B67A-5CE7E47DA859}" type="datetimeFigureOut">
               <a:rPr lang="zh-CN" altLang="en-US" smtClean="0"/>
-              <a:t>2020/10/2</a:t>
+              <a:t>2020/10/19</a:t>
             </a:fld>
             <a:endParaRPr lang="zh-CN" altLang="en-US"/>
           </a:p>
@@ -3128,7 +3447,7 @@
           <a:p>
             <a:fld id="{2397B9A4-A1A7-4F69-B67A-5CE7E47DA859}" type="datetimeFigureOut">
               <a:rPr lang="zh-CN" altLang="en-US" smtClean="0"/>
-              <a:t>2020/10/2</a:t>
+              <a:t>2020/10/19</a:t>
             </a:fld>
             <a:endParaRPr lang="zh-CN" altLang="en-US"/>
           </a:p>
@@ -15745,10 +16064,7 @@
           <a:noFill/>
           <a:ln w="28575">
             <a:solidFill>
-              <a:schemeClr val="tx1">
-                <a:lumMod val="50000"/>
-                <a:lumOff val="50000"/>
-              </a:schemeClr>
+              <a:srgbClr val="8A8A8A"/>
             </a:solidFill>
             <a:prstDash val="solid"/>
           </a:ln>
@@ -15777,10 +16093,7 @@
             <a:r>
               <a:rPr lang="zh-CN" altLang="en-US" dirty="0">
                 <a:solidFill>
-                  <a:schemeClr val="tx1">
-                    <a:lumMod val="50000"/>
-                    <a:lumOff val="50000"/>
-                  </a:schemeClr>
+                  <a:srgbClr val="8A8A8A"/>
                 </a:solidFill>
               </a:rPr>
               <a:t>人工审查</a:t>
@@ -15838,10 +16151,2342 @@
           </a:fontRef>
         </p:style>
       </p:cxnSp>
+      <p:pic>
+        <p:nvPicPr>
+          <p:cNvPr id="3" name="图片 2">
+            <a:extLst>
+              <a:ext uri="{FF2B5EF4-FFF2-40B4-BE49-F238E27FC236}">
+                <a16:creationId xmlns:a16="http://schemas.microsoft.com/office/drawing/2014/main" id="{9DC75032-A4A8-4351-AAB9-DF238BF9EFB2}"/>
+              </a:ext>
+            </a:extLst>
+          </p:cNvPr>
+          <p:cNvPicPr>
+            <a:picLocks noChangeAspect="1"/>
+          </p:cNvPicPr>
+          <p:nvPr/>
+        </p:nvPicPr>
+        <p:blipFill rotWithShape="1">
+          <a:blip r:embed="rId4">
+            <a:extLst>
+              <a:ext uri="{28A0092B-C50C-407E-A947-70E740481C1C}">
+                <a14:useLocalDpi xmlns:a14="http://schemas.microsoft.com/office/drawing/2010/main" val="0"/>
+              </a:ext>
+            </a:extLst>
+          </a:blip>
+          <a:srcRect b="8220"/>
+          <a:stretch/>
+        </p:blipFill>
+        <p:spPr>
+          <a:xfrm>
+            <a:off x="10679178" y="1044583"/>
+            <a:ext cx="607638" cy="557692"/>
+          </a:xfrm>
+          <a:prstGeom prst="rect">
+            <a:avLst/>
+          </a:prstGeom>
+        </p:spPr>
+      </p:pic>
     </p:spTree>
     <p:extLst>
       <p:ext uri="{BB962C8B-B14F-4D97-AF65-F5344CB8AC3E}">
         <p14:creationId xmlns:p14="http://schemas.microsoft.com/office/powerpoint/2010/main" val="4144416808"/>
+      </p:ext>
+    </p:extLst>
+  </p:cSld>
+  <p:clrMapOvr>
+    <a:masterClrMapping/>
+  </p:clrMapOvr>
+</p:sld>
+</file>
+
+<file path=ppt/slides/slide6.xml><?xml version="1.0" encoding="utf-8"?>
+<p:sld xmlns:a="http://schemas.openxmlformats.org/drawingml/2006/main" xmlns:r="http://schemas.openxmlformats.org/officeDocument/2006/relationships" xmlns:p="http://schemas.openxmlformats.org/presentationml/2006/main">
+  <p:cSld>
+    <p:spTree>
+      <p:nvGrpSpPr>
+        <p:cNvPr id="1" name=""/>
+        <p:cNvGrpSpPr/>
+        <p:nvPr/>
+      </p:nvGrpSpPr>
+      <p:grpSpPr>
+        <a:xfrm>
+          <a:off x="0" y="0"/>
+          <a:ext cx="0" cy="0"/>
+          <a:chOff x="0" y="0"/>
+          <a:chExt cx="0" cy="0"/>
+        </a:xfrm>
+      </p:grpSpPr>
+      <p:grpSp>
+        <p:nvGrpSpPr>
+          <p:cNvPr id="219" name="组合 218">
+            <a:extLst>
+              <a:ext uri="{FF2B5EF4-FFF2-40B4-BE49-F238E27FC236}">
+                <a16:creationId xmlns:a16="http://schemas.microsoft.com/office/drawing/2014/main" id="{814A09A5-7545-40EA-B513-AFE4B8658FE2}"/>
+              </a:ext>
+            </a:extLst>
+          </p:cNvPr>
+          <p:cNvGrpSpPr/>
+          <p:nvPr/>
+        </p:nvGrpSpPr>
+        <p:grpSpPr>
+          <a:xfrm>
+            <a:off x="142138" y="3398847"/>
+            <a:ext cx="2231516" cy="590285"/>
+            <a:chOff x="5286523" y="987462"/>
+            <a:chExt cx="2231516" cy="590285"/>
+          </a:xfrm>
+        </p:grpSpPr>
+        <p:sp>
+          <p:nvSpPr>
+            <p:cNvPr id="220" name="矩形 219">
+              <a:extLst>
+                <a:ext uri="{FF2B5EF4-FFF2-40B4-BE49-F238E27FC236}">
+                  <a16:creationId xmlns:a16="http://schemas.microsoft.com/office/drawing/2014/main" id="{1068F0CE-A4FB-4447-975A-5B4275990A27}"/>
+                </a:ext>
+              </a:extLst>
+            </p:cNvPr>
+            <p:cNvSpPr/>
+            <p:nvPr/>
+          </p:nvSpPr>
+          <p:spPr>
+            <a:xfrm>
+              <a:off x="5286523" y="1135004"/>
+              <a:ext cx="839335" cy="242954"/>
+            </a:xfrm>
+            <a:prstGeom prst="rect">
+              <a:avLst/>
+            </a:prstGeom>
+            <a:solidFill>
+              <a:schemeClr val="bg1"/>
+            </a:solidFill>
+            <a:ln w="57150">
+              <a:noFill/>
+              <a:prstDash val="lgDash"/>
+            </a:ln>
+          </p:spPr>
+          <p:style>
+            <a:lnRef idx="2">
+              <a:schemeClr val="accent1">
+                <a:shade val="50000"/>
+              </a:schemeClr>
+            </a:lnRef>
+            <a:fillRef idx="1">
+              <a:schemeClr val="accent1"/>
+            </a:fillRef>
+            <a:effectRef idx="0">
+              <a:schemeClr val="accent1"/>
+            </a:effectRef>
+            <a:fontRef idx="minor">
+              <a:schemeClr val="lt1"/>
+            </a:fontRef>
+          </p:style>
+          <p:txBody>
+            <a:bodyPr rtlCol="0" anchor="ctr"/>
+            <a:lstStyle/>
+            <a:p>
+              <a:pPr algn="ctr"/>
+              <a:r>
+                <a:rPr lang="zh-CN" altLang="en-US" sz="1400" dirty="0">
+                  <a:solidFill>
+                    <a:schemeClr val="tx1"/>
+                  </a:solidFill>
+                </a:rPr>
+                <a:t>应用集</a:t>
+              </a:r>
+            </a:p>
+          </p:txBody>
+        </p:sp>
+        <p:grpSp>
+          <p:nvGrpSpPr>
+            <p:cNvPr id="221" name="组合 220">
+              <a:extLst>
+                <a:ext uri="{FF2B5EF4-FFF2-40B4-BE49-F238E27FC236}">
+                  <a16:creationId xmlns:a16="http://schemas.microsoft.com/office/drawing/2014/main" id="{A04AED74-557A-4435-8B08-EF8B652C8216}"/>
+                </a:ext>
+              </a:extLst>
+            </p:cNvPr>
+            <p:cNvGrpSpPr/>
+            <p:nvPr/>
+          </p:nvGrpSpPr>
+          <p:grpSpPr>
+            <a:xfrm>
+              <a:off x="6061116" y="987462"/>
+              <a:ext cx="1456923" cy="590285"/>
+              <a:chOff x="5774734" y="494817"/>
+              <a:chExt cx="1456923" cy="590285"/>
+            </a:xfrm>
+            <a:solidFill>
+              <a:schemeClr val="bg1"/>
+            </a:solidFill>
+          </p:grpSpPr>
+          <p:grpSp>
+            <p:nvGrpSpPr>
+              <p:cNvPr id="222" name="组合 221">
+                <a:extLst>
+                  <a:ext uri="{FF2B5EF4-FFF2-40B4-BE49-F238E27FC236}">
+                    <a16:creationId xmlns:a16="http://schemas.microsoft.com/office/drawing/2014/main" id="{86B252F8-AD31-4413-87D9-F60770D691B6}"/>
+                  </a:ext>
+                </a:extLst>
+              </p:cNvPr>
+              <p:cNvGrpSpPr/>
+              <p:nvPr/>
+            </p:nvGrpSpPr>
+            <p:grpSpPr>
+              <a:xfrm>
+                <a:off x="5921905" y="494817"/>
+                <a:ext cx="1162152" cy="295086"/>
+                <a:chOff x="10333001" y="1215606"/>
+                <a:chExt cx="1162152" cy="295086"/>
+              </a:xfrm>
+              <a:grpFill/>
+            </p:grpSpPr>
+            <p:pic>
+              <p:nvPicPr>
+                <p:cNvPr id="236" name="图片 235">
+                  <a:extLst>
+                    <a:ext uri="{FF2B5EF4-FFF2-40B4-BE49-F238E27FC236}">
+                      <a16:creationId xmlns:a16="http://schemas.microsoft.com/office/drawing/2014/main" id="{CF99F8C5-98F9-4222-B383-61F4C5D13A0B}"/>
+                    </a:ext>
+                  </a:extLst>
+                </p:cNvPr>
+                <p:cNvPicPr>
+                  <a:picLocks noChangeAspect="1"/>
+                </p:cNvPicPr>
+                <p:nvPr/>
+              </p:nvPicPr>
+              <p:blipFill>
+                <a:blip r:embed="rId2" cstate="print">
+                  <a:extLst>
+                    <a:ext uri="{28A0092B-C50C-407E-A947-70E740481C1C}">
+                      <a14:useLocalDpi xmlns:a14="http://schemas.microsoft.com/office/drawing/2010/main" val="0"/>
+                    </a:ext>
+                  </a:extLst>
+                </a:blip>
+                <a:stretch>
+                  <a:fillRect/>
+                </a:stretch>
+              </p:blipFill>
+              <p:spPr>
+                <a:xfrm flipH="1">
+                  <a:off x="10622023" y="1215607"/>
+                  <a:ext cx="295085" cy="295085"/>
+                </a:xfrm>
+                <a:prstGeom prst="rect">
+                  <a:avLst/>
+                </a:prstGeom>
+                <a:grpFill/>
+                <a:ln>
+                  <a:noFill/>
+                </a:ln>
+              </p:spPr>
+            </p:pic>
+            <p:pic>
+              <p:nvPicPr>
+                <p:cNvPr id="237" name="图片 236">
+                  <a:extLst>
+                    <a:ext uri="{FF2B5EF4-FFF2-40B4-BE49-F238E27FC236}">
+                      <a16:creationId xmlns:a16="http://schemas.microsoft.com/office/drawing/2014/main" id="{3FE94328-974F-495A-B017-AE1160E8D79B}"/>
+                    </a:ext>
+                  </a:extLst>
+                </p:cNvPr>
+                <p:cNvPicPr>
+                  <a:picLocks noChangeAspect="1"/>
+                </p:cNvPicPr>
+                <p:nvPr/>
+              </p:nvPicPr>
+              <p:blipFill>
+                <a:blip r:embed="rId2" cstate="print">
+                  <a:extLst>
+                    <a:ext uri="{28A0092B-C50C-407E-A947-70E740481C1C}">
+                      <a14:useLocalDpi xmlns:a14="http://schemas.microsoft.com/office/drawing/2010/main" val="0"/>
+                    </a:ext>
+                  </a:extLst>
+                </a:blip>
+                <a:stretch>
+                  <a:fillRect/>
+                </a:stretch>
+              </p:blipFill>
+              <p:spPr>
+                <a:xfrm flipH="1">
+                  <a:off x="10333001" y="1215607"/>
+                  <a:ext cx="295085" cy="295085"/>
+                </a:xfrm>
+                <a:prstGeom prst="rect">
+                  <a:avLst/>
+                </a:prstGeom>
+                <a:grpFill/>
+                <a:ln>
+                  <a:noFill/>
+                </a:ln>
+              </p:spPr>
+            </p:pic>
+            <p:pic>
+              <p:nvPicPr>
+                <p:cNvPr id="238" name="图片 237">
+                  <a:extLst>
+                    <a:ext uri="{FF2B5EF4-FFF2-40B4-BE49-F238E27FC236}">
+                      <a16:creationId xmlns:a16="http://schemas.microsoft.com/office/drawing/2014/main" id="{C9688F9F-65F4-40AE-8A7E-6C4C7BC4E472}"/>
+                    </a:ext>
+                  </a:extLst>
+                </p:cNvPr>
+                <p:cNvPicPr>
+                  <a:picLocks noChangeAspect="1"/>
+                </p:cNvPicPr>
+                <p:nvPr/>
+              </p:nvPicPr>
+              <p:blipFill>
+                <a:blip r:embed="rId2" cstate="print">
+                  <a:extLst>
+                    <a:ext uri="{28A0092B-C50C-407E-A947-70E740481C1C}">
+                      <a14:useLocalDpi xmlns:a14="http://schemas.microsoft.com/office/drawing/2010/main" val="0"/>
+                    </a:ext>
+                  </a:extLst>
+                </a:blip>
+                <a:stretch>
+                  <a:fillRect/>
+                </a:stretch>
+              </p:blipFill>
+              <p:spPr>
+                <a:xfrm flipH="1">
+                  <a:off x="11200068" y="1215606"/>
+                  <a:ext cx="295085" cy="295085"/>
+                </a:xfrm>
+                <a:prstGeom prst="rect">
+                  <a:avLst/>
+                </a:prstGeom>
+                <a:grpFill/>
+                <a:ln>
+                  <a:noFill/>
+                </a:ln>
+              </p:spPr>
+            </p:pic>
+            <p:pic>
+              <p:nvPicPr>
+                <p:cNvPr id="239" name="图片 238">
+                  <a:extLst>
+                    <a:ext uri="{FF2B5EF4-FFF2-40B4-BE49-F238E27FC236}">
+                      <a16:creationId xmlns:a16="http://schemas.microsoft.com/office/drawing/2014/main" id="{9E881667-ECCA-4C07-83BD-B0464DC0A030}"/>
+                    </a:ext>
+                  </a:extLst>
+                </p:cNvPr>
+                <p:cNvPicPr>
+                  <a:picLocks noChangeAspect="1"/>
+                </p:cNvPicPr>
+                <p:nvPr/>
+              </p:nvPicPr>
+              <p:blipFill>
+                <a:blip r:embed="rId2" cstate="print">
+                  <a:extLst>
+                    <a:ext uri="{28A0092B-C50C-407E-A947-70E740481C1C}">
+                      <a14:useLocalDpi xmlns:a14="http://schemas.microsoft.com/office/drawing/2010/main" val="0"/>
+                    </a:ext>
+                  </a:extLst>
+                </a:blip>
+                <a:stretch>
+                  <a:fillRect/>
+                </a:stretch>
+              </p:blipFill>
+              <p:spPr>
+                <a:xfrm flipH="1">
+                  <a:off x="10911045" y="1215606"/>
+                  <a:ext cx="295085" cy="295085"/>
+                </a:xfrm>
+                <a:prstGeom prst="rect">
+                  <a:avLst/>
+                </a:prstGeom>
+                <a:grpFill/>
+                <a:ln>
+                  <a:noFill/>
+                </a:ln>
+              </p:spPr>
+            </p:pic>
+          </p:grpSp>
+          <p:pic>
+            <p:nvPicPr>
+              <p:cNvPr id="223" name="图片 222">
+                <a:extLst>
+                  <a:ext uri="{FF2B5EF4-FFF2-40B4-BE49-F238E27FC236}">
+                    <a16:creationId xmlns:a16="http://schemas.microsoft.com/office/drawing/2014/main" id="{9601587F-05ED-4095-8A5E-4B46827CF5ED}"/>
+                  </a:ext>
+                </a:extLst>
+              </p:cNvPr>
+              <p:cNvPicPr>
+                <a:picLocks noChangeAspect="1"/>
+              </p:cNvPicPr>
+              <p:nvPr/>
+            </p:nvPicPr>
+            <p:blipFill>
+              <a:blip r:embed="rId3" cstate="print">
+                <a:extLst>
+                  <a:ext uri="{28A0092B-C50C-407E-A947-70E740481C1C}">
+                    <a14:useLocalDpi xmlns:a14="http://schemas.microsoft.com/office/drawing/2010/main" val="0"/>
+                  </a:ext>
+                </a:extLst>
+              </a:blip>
+              <a:stretch>
+                <a:fillRect/>
+              </a:stretch>
+            </p:blipFill>
+            <p:spPr>
+              <a:xfrm flipH="1">
+                <a:off x="5774734" y="789902"/>
+                <a:ext cx="295200" cy="295200"/>
+              </a:xfrm>
+              <a:prstGeom prst="rect">
+                <a:avLst/>
+              </a:prstGeom>
+              <a:grpFill/>
+            </p:spPr>
+          </p:pic>
+          <p:pic>
+            <p:nvPicPr>
+              <p:cNvPr id="224" name="图片 223">
+                <a:extLst>
+                  <a:ext uri="{FF2B5EF4-FFF2-40B4-BE49-F238E27FC236}">
+                    <a16:creationId xmlns:a16="http://schemas.microsoft.com/office/drawing/2014/main" id="{58605433-CBA2-4BE7-A9E6-B59CE3FE5A4F}"/>
+                  </a:ext>
+                </a:extLst>
+              </p:cNvPr>
+              <p:cNvPicPr>
+                <a:picLocks noChangeAspect="1"/>
+              </p:cNvPicPr>
+              <p:nvPr/>
+            </p:nvPicPr>
+            <p:blipFill>
+              <a:blip r:embed="rId3" cstate="print">
+                <a:extLst>
+                  <a:ext uri="{28A0092B-C50C-407E-A947-70E740481C1C}">
+                    <a14:useLocalDpi xmlns:a14="http://schemas.microsoft.com/office/drawing/2010/main" val="0"/>
+                  </a:ext>
+                </a:extLst>
+              </a:blip>
+              <a:stretch>
+                <a:fillRect/>
+              </a:stretch>
+            </p:blipFill>
+            <p:spPr>
+              <a:xfrm flipH="1">
+                <a:off x="6065165" y="789902"/>
+                <a:ext cx="295200" cy="295200"/>
+              </a:xfrm>
+              <a:prstGeom prst="rect">
+                <a:avLst/>
+              </a:prstGeom>
+              <a:grpFill/>
+            </p:spPr>
+          </p:pic>
+          <p:pic>
+            <p:nvPicPr>
+              <p:cNvPr id="233" name="图片 232">
+                <a:extLst>
+                  <a:ext uri="{FF2B5EF4-FFF2-40B4-BE49-F238E27FC236}">
+                    <a16:creationId xmlns:a16="http://schemas.microsoft.com/office/drawing/2014/main" id="{5B752241-3A91-46EC-AB01-1F389391B01B}"/>
+                  </a:ext>
+                </a:extLst>
+              </p:cNvPr>
+              <p:cNvPicPr>
+                <a:picLocks noChangeAspect="1"/>
+              </p:cNvPicPr>
+              <p:nvPr/>
+            </p:nvPicPr>
+            <p:blipFill>
+              <a:blip r:embed="rId3" cstate="print">
+                <a:extLst>
+                  <a:ext uri="{28A0092B-C50C-407E-A947-70E740481C1C}">
+                    <a14:useLocalDpi xmlns:a14="http://schemas.microsoft.com/office/drawing/2010/main" val="0"/>
+                  </a:ext>
+                </a:extLst>
+              </a:blip>
+              <a:stretch>
+                <a:fillRect/>
+              </a:stretch>
+            </p:blipFill>
+            <p:spPr>
+              <a:xfrm flipH="1">
+                <a:off x="6646027" y="789902"/>
+                <a:ext cx="295200" cy="295200"/>
+              </a:xfrm>
+              <a:prstGeom prst="rect">
+                <a:avLst/>
+              </a:prstGeom>
+              <a:grpFill/>
+            </p:spPr>
+          </p:pic>
+          <p:pic>
+            <p:nvPicPr>
+              <p:cNvPr id="234" name="图片 233">
+                <a:extLst>
+                  <a:ext uri="{FF2B5EF4-FFF2-40B4-BE49-F238E27FC236}">
+                    <a16:creationId xmlns:a16="http://schemas.microsoft.com/office/drawing/2014/main" id="{E7634BBA-EC0C-4DAA-BB67-7F571A4F5DE6}"/>
+                  </a:ext>
+                </a:extLst>
+              </p:cNvPr>
+              <p:cNvPicPr>
+                <a:picLocks noChangeAspect="1"/>
+              </p:cNvPicPr>
+              <p:nvPr/>
+            </p:nvPicPr>
+            <p:blipFill>
+              <a:blip r:embed="rId3" cstate="print">
+                <a:extLst>
+                  <a:ext uri="{28A0092B-C50C-407E-A947-70E740481C1C}">
+                    <a14:useLocalDpi xmlns:a14="http://schemas.microsoft.com/office/drawing/2010/main" val="0"/>
+                  </a:ext>
+                </a:extLst>
+              </a:blip>
+              <a:stretch>
+                <a:fillRect/>
+              </a:stretch>
+            </p:blipFill>
+            <p:spPr>
+              <a:xfrm flipH="1">
+                <a:off x="6355596" y="789902"/>
+                <a:ext cx="295200" cy="295200"/>
+              </a:xfrm>
+              <a:prstGeom prst="rect">
+                <a:avLst/>
+              </a:prstGeom>
+              <a:grpFill/>
+            </p:spPr>
+          </p:pic>
+          <p:pic>
+            <p:nvPicPr>
+              <p:cNvPr id="235" name="图片 234">
+                <a:extLst>
+                  <a:ext uri="{FF2B5EF4-FFF2-40B4-BE49-F238E27FC236}">
+                    <a16:creationId xmlns:a16="http://schemas.microsoft.com/office/drawing/2014/main" id="{E98E1FAF-668C-4E32-BC2F-5A94C1760389}"/>
+                  </a:ext>
+                </a:extLst>
+              </p:cNvPr>
+              <p:cNvPicPr>
+                <a:picLocks noChangeAspect="1"/>
+              </p:cNvPicPr>
+              <p:nvPr/>
+            </p:nvPicPr>
+            <p:blipFill>
+              <a:blip r:embed="rId3" cstate="print">
+                <a:extLst>
+                  <a:ext uri="{28A0092B-C50C-407E-A947-70E740481C1C}">
+                    <a14:useLocalDpi xmlns:a14="http://schemas.microsoft.com/office/drawing/2010/main" val="0"/>
+                  </a:ext>
+                </a:extLst>
+              </a:blip>
+              <a:stretch>
+                <a:fillRect/>
+              </a:stretch>
+            </p:blipFill>
+            <p:spPr>
+              <a:xfrm flipH="1">
+                <a:off x="6936457" y="789902"/>
+                <a:ext cx="295200" cy="295200"/>
+              </a:xfrm>
+              <a:prstGeom prst="rect">
+                <a:avLst/>
+              </a:prstGeom>
+              <a:grpFill/>
+            </p:spPr>
+          </p:pic>
+        </p:grpSp>
+      </p:grpSp>
+      <p:cxnSp>
+        <p:nvCxnSpPr>
+          <p:cNvPr id="263" name="直接箭头连接符 262">
+            <a:extLst>
+              <a:ext uri="{FF2B5EF4-FFF2-40B4-BE49-F238E27FC236}">
+                <a16:creationId xmlns:a16="http://schemas.microsoft.com/office/drawing/2014/main" id="{810A3D51-1FB5-4908-BC34-279446F25AA0}"/>
+              </a:ext>
+            </a:extLst>
+          </p:cNvPr>
+          <p:cNvCxnSpPr>
+            <a:cxnSpLocks/>
+            <a:endCxn id="188" idx="1"/>
+          </p:cNvCxnSpPr>
+          <p:nvPr/>
+        </p:nvCxnSpPr>
+        <p:spPr>
+          <a:xfrm>
+            <a:off x="2431156" y="3693931"/>
+            <a:ext cx="691373" cy="1"/>
+          </a:xfrm>
+          <a:prstGeom prst="straightConnector1">
+            <a:avLst/>
+          </a:prstGeom>
+          <a:ln w="28575">
+            <a:solidFill>
+              <a:srgbClr val="B42200"/>
+            </a:solidFill>
+            <a:headEnd type="none" w="med" len="med"/>
+            <a:tailEnd type="triangle"/>
+          </a:ln>
+        </p:spPr>
+        <p:style>
+          <a:lnRef idx="3">
+            <a:schemeClr val="dk1"/>
+          </a:lnRef>
+          <a:fillRef idx="0">
+            <a:schemeClr val="dk1"/>
+          </a:fillRef>
+          <a:effectRef idx="2">
+            <a:schemeClr val="dk1"/>
+          </a:effectRef>
+          <a:fontRef idx="minor">
+            <a:schemeClr val="tx1"/>
+          </a:fontRef>
+        </p:style>
+      </p:cxnSp>
+      <p:sp>
+        <p:nvSpPr>
+          <p:cNvPr id="188" name="矩形 187">
+            <a:extLst>
+              <a:ext uri="{FF2B5EF4-FFF2-40B4-BE49-F238E27FC236}">
+                <a16:creationId xmlns:a16="http://schemas.microsoft.com/office/drawing/2014/main" id="{B93E4B85-2A9F-43EB-AB46-C8F190ED42F1}"/>
+              </a:ext>
+            </a:extLst>
+          </p:cNvPr>
+          <p:cNvSpPr/>
+          <p:nvPr/>
+        </p:nvSpPr>
+        <p:spPr>
+          <a:xfrm>
+            <a:off x="3122529" y="3481199"/>
+            <a:ext cx="1410972" cy="425465"/>
+          </a:xfrm>
+          <a:prstGeom prst="rect">
+            <a:avLst/>
+          </a:prstGeom>
+          <a:solidFill>
+            <a:schemeClr val="bg1"/>
+          </a:solidFill>
+          <a:ln w="28575">
+            <a:solidFill>
+              <a:schemeClr val="accent2"/>
+            </a:solidFill>
+            <a:prstDash val="solid"/>
+          </a:ln>
+        </p:spPr>
+        <p:style>
+          <a:lnRef idx="2">
+            <a:schemeClr val="accent1">
+              <a:shade val="50000"/>
+            </a:schemeClr>
+          </a:lnRef>
+          <a:fillRef idx="1">
+            <a:schemeClr val="accent1"/>
+          </a:fillRef>
+          <a:effectRef idx="0">
+            <a:schemeClr val="accent1"/>
+          </a:effectRef>
+          <a:fontRef idx="minor">
+            <a:schemeClr val="lt1"/>
+          </a:fontRef>
+        </p:style>
+        <p:txBody>
+          <a:bodyPr rtlCol="0" anchor="ctr"/>
+          <a:lstStyle/>
+          <a:p>
+            <a:pPr algn="ctr"/>
+            <a:r>
+              <a:rPr lang="en-US" altLang="zh-CN" dirty="0" err="1">
+                <a:solidFill>
+                  <a:schemeClr val="accent2"/>
+                </a:solidFill>
+              </a:rPr>
+              <a:t>aapt</a:t>
+            </a:r>
+            <a:endParaRPr lang="zh-CN" altLang="en-US" dirty="0">
+              <a:solidFill>
+                <a:schemeClr val="accent2"/>
+              </a:solidFill>
+            </a:endParaRPr>
+          </a:p>
+        </p:txBody>
+      </p:sp>
+      <p:sp>
+        <p:nvSpPr>
+          <p:cNvPr id="51" name="矩形 50">
+            <a:extLst>
+              <a:ext uri="{FF2B5EF4-FFF2-40B4-BE49-F238E27FC236}">
+                <a16:creationId xmlns:a16="http://schemas.microsoft.com/office/drawing/2014/main" id="{75C0BB91-9D8F-4979-B6BF-1067BC96E301}"/>
+              </a:ext>
+            </a:extLst>
+          </p:cNvPr>
+          <p:cNvSpPr/>
+          <p:nvPr/>
+        </p:nvSpPr>
+        <p:spPr>
+          <a:xfrm>
+            <a:off x="3122529" y="2032646"/>
+            <a:ext cx="1410972" cy="425465"/>
+          </a:xfrm>
+          <a:prstGeom prst="rect">
+            <a:avLst/>
+          </a:prstGeom>
+          <a:solidFill>
+            <a:schemeClr val="bg1"/>
+          </a:solidFill>
+          <a:ln w="28575">
+            <a:solidFill>
+              <a:schemeClr val="accent2"/>
+            </a:solidFill>
+            <a:prstDash val="solid"/>
+          </a:ln>
+        </p:spPr>
+        <p:style>
+          <a:lnRef idx="2">
+            <a:schemeClr val="accent1">
+              <a:shade val="50000"/>
+            </a:schemeClr>
+          </a:lnRef>
+          <a:fillRef idx="1">
+            <a:schemeClr val="accent1"/>
+          </a:fillRef>
+          <a:effectRef idx="0">
+            <a:schemeClr val="accent1"/>
+          </a:effectRef>
+          <a:fontRef idx="minor">
+            <a:schemeClr val="lt1"/>
+          </a:fontRef>
+        </p:style>
+        <p:txBody>
+          <a:bodyPr rtlCol="0" anchor="ctr"/>
+          <a:lstStyle/>
+          <a:p>
+            <a:pPr algn="ctr"/>
+            <a:r>
+              <a:rPr lang="en-US" altLang="zh-CN" dirty="0" err="1">
+                <a:solidFill>
+                  <a:schemeClr val="accent2"/>
+                </a:solidFill>
+              </a:rPr>
+              <a:t>apktool</a:t>
+            </a:r>
+            <a:endParaRPr lang="zh-CN" altLang="en-US" dirty="0">
+              <a:solidFill>
+                <a:schemeClr val="accent2"/>
+              </a:solidFill>
+            </a:endParaRPr>
+          </a:p>
+        </p:txBody>
+      </p:sp>
+      <p:cxnSp>
+        <p:nvCxnSpPr>
+          <p:cNvPr id="52" name="直接箭头连接符 51">
+            <a:extLst>
+              <a:ext uri="{FF2B5EF4-FFF2-40B4-BE49-F238E27FC236}">
+                <a16:creationId xmlns:a16="http://schemas.microsoft.com/office/drawing/2014/main" id="{5FBFF2CB-C241-4A40-981B-3AF8C59C8283}"/>
+              </a:ext>
+            </a:extLst>
+          </p:cNvPr>
+          <p:cNvCxnSpPr>
+            <a:cxnSpLocks/>
+            <a:endCxn id="51" idx="1"/>
+          </p:cNvCxnSpPr>
+          <p:nvPr/>
+        </p:nvCxnSpPr>
+        <p:spPr>
+          <a:xfrm rot="5400000" flipH="1" flipV="1">
+            <a:off x="2242209" y="2813619"/>
+            <a:ext cx="1448559" cy="312081"/>
+          </a:xfrm>
+          <a:prstGeom prst="bentConnector2">
+            <a:avLst/>
+          </a:prstGeom>
+          <a:ln w="28575">
+            <a:solidFill>
+              <a:srgbClr val="B42200"/>
+            </a:solidFill>
+            <a:headEnd type="none" w="med" len="med"/>
+            <a:tailEnd type="triangle"/>
+          </a:ln>
+        </p:spPr>
+        <p:style>
+          <a:lnRef idx="3">
+            <a:schemeClr val="dk1"/>
+          </a:lnRef>
+          <a:fillRef idx="0">
+            <a:schemeClr val="dk1"/>
+          </a:fillRef>
+          <a:effectRef idx="2">
+            <a:schemeClr val="dk1"/>
+          </a:effectRef>
+          <a:fontRef idx="minor">
+            <a:schemeClr val="tx1"/>
+          </a:fontRef>
+        </p:style>
+      </p:cxnSp>
+      <p:cxnSp>
+        <p:nvCxnSpPr>
+          <p:cNvPr id="20" name="直接箭头连接符 19">
+            <a:extLst>
+              <a:ext uri="{FF2B5EF4-FFF2-40B4-BE49-F238E27FC236}">
+                <a16:creationId xmlns:a16="http://schemas.microsoft.com/office/drawing/2014/main" id="{3FD610D0-7003-46BA-99A0-1507B1FEB679}"/>
+              </a:ext>
+            </a:extLst>
+          </p:cNvPr>
+          <p:cNvCxnSpPr>
+            <a:cxnSpLocks/>
+            <a:stCxn id="31" idx="3"/>
+            <a:endCxn id="34" idx="1"/>
+          </p:cNvCxnSpPr>
+          <p:nvPr/>
+        </p:nvCxnSpPr>
+        <p:spPr>
+          <a:xfrm flipV="1">
+            <a:off x="7003209" y="1785939"/>
+            <a:ext cx="854343" cy="1"/>
+          </a:xfrm>
+          <a:prstGeom prst="straightConnector1">
+            <a:avLst/>
+          </a:prstGeom>
+          <a:ln w="28575">
+            <a:solidFill>
+              <a:srgbClr val="B42200"/>
+            </a:solidFill>
+            <a:headEnd type="none" w="med" len="med"/>
+            <a:tailEnd type="triangle"/>
+          </a:ln>
+        </p:spPr>
+        <p:style>
+          <a:lnRef idx="3">
+            <a:schemeClr val="dk1"/>
+          </a:lnRef>
+          <a:fillRef idx="0">
+            <a:schemeClr val="dk1"/>
+          </a:fillRef>
+          <a:effectRef idx="2">
+            <a:schemeClr val="dk1"/>
+          </a:effectRef>
+          <a:fontRef idx="minor">
+            <a:schemeClr val="tx1"/>
+          </a:fontRef>
+        </p:style>
+      </p:cxnSp>
+      <p:cxnSp>
+        <p:nvCxnSpPr>
+          <p:cNvPr id="21" name="直接箭头连接符 51">
+            <a:extLst>
+              <a:ext uri="{FF2B5EF4-FFF2-40B4-BE49-F238E27FC236}">
+                <a16:creationId xmlns:a16="http://schemas.microsoft.com/office/drawing/2014/main" id="{E44820F6-899F-4B37-BB47-484DB7B50C68}"/>
+              </a:ext>
+            </a:extLst>
+          </p:cNvPr>
+          <p:cNvCxnSpPr>
+            <a:cxnSpLocks/>
+            <a:stCxn id="33" idx="3"/>
+          </p:cNvCxnSpPr>
+          <p:nvPr/>
+        </p:nvCxnSpPr>
+        <p:spPr>
+          <a:xfrm flipV="1">
+            <a:off x="7014421" y="1785939"/>
+            <a:ext cx="415960" cy="1907991"/>
+          </a:xfrm>
+          <a:prstGeom prst="bentConnector2">
+            <a:avLst/>
+          </a:prstGeom>
+          <a:ln w="28575">
+            <a:solidFill>
+              <a:srgbClr val="B42200"/>
+            </a:solidFill>
+            <a:headEnd type="none" w="med" len="med"/>
+            <a:tailEnd type="none"/>
+          </a:ln>
+        </p:spPr>
+        <p:style>
+          <a:lnRef idx="3">
+            <a:schemeClr val="dk1"/>
+          </a:lnRef>
+          <a:fillRef idx="0">
+            <a:schemeClr val="dk1"/>
+          </a:fillRef>
+          <a:effectRef idx="2">
+            <a:schemeClr val="dk1"/>
+          </a:effectRef>
+          <a:fontRef idx="minor">
+            <a:schemeClr val="tx1"/>
+          </a:fontRef>
+        </p:style>
+      </p:cxnSp>
+      <p:grpSp>
+        <p:nvGrpSpPr>
+          <p:cNvPr id="16" name="组合 15">
+            <a:extLst>
+              <a:ext uri="{FF2B5EF4-FFF2-40B4-BE49-F238E27FC236}">
+                <a16:creationId xmlns:a16="http://schemas.microsoft.com/office/drawing/2014/main" id="{9D3DCDEF-3D47-4652-A9CE-2982A417A368}"/>
+              </a:ext>
+            </a:extLst>
+          </p:cNvPr>
+          <p:cNvGrpSpPr/>
+          <p:nvPr/>
+        </p:nvGrpSpPr>
+        <p:grpSpPr>
+          <a:xfrm>
+            <a:off x="5592237" y="1573207"/>
+            <a:ext cx="1433396" cy="1342104"/>
+            <a:chOff x="5744637" y="1116007"/>
+            <a:chExt cx="1433396" cy="1342104"/>
+          </a:xfrm>
+        </p:grpSpPr>
+        <p:sp>
+          <p:nvSpPr>
+            <p:cNvPr id="31" name="矩形 30">
+              <a:extLst>
+                <a:ext uri="{FF2B5EF4-FFF2-40B4-BE49-F238E27FC236}">
+                  <a16:creationId xmlns:a16="http://schemas.microsoft.com/office/drawing/2014/main" id="{7BA9DE08-6F0F-4D6F-8336-348488E0B9AF}"/>
+                </a:ext>
+              </a:extLst>
+            </p:cNvPr>
+            <p:cNvSpPr/>
+            <p:nvPr/>
+          </p:nvSpPr>
+          <p:spPr>
+            <a:xfrm>
+              <a:off x="5744637" y="1116007"/>
+              <a:ext cx="1410972" cy="425465"/>
+            </a:xfrm>
+            <a:prstGeom prst="rect">
+              <a:avLst/>
+            </a:prstGeom>
+            <a:solidFill>
+              <a:schemeClr val="bg1"/>
+            </a:solidFill>
+            <a:ln w="28575">
+              <a:solidFill>
+                <a:schemeClr val="accent2"/>
+              </a:solidFill>
+              <a:prstDash val="solid"/>
+            </a:ln>
+          </p:spPr>
+          <p:style>
+            <a:lnRef idx="2">
+              <a:schemeClr val="accent1">
+                <a:shade val="50000"/>
+              </a:schemeClr>
+            </a:lnRef>
+            <a:fillRef idx="1">
+              <a:schemeClr val="accent1"/>
+            </a:fillRef>
+            <a:effectRef idx="0">
+              <a:schemeClr val="accent1"/>
+            </a:effectRef>
+            <a:fontRef idx="minor">
+              <a:schemeClr val="lt1"/>
+            </a:fontRef>
+          </p:style>
+          <p:txBody>
+            <a:bodyPr rtlCol="0" anchor="ctr"/>
+            <a:lstStyle/>
+            <a:p>
+              <a:pPr algn="ctr"/>
+              <a:r>
+                <a:rPr lang="zh-CN" altLang="en-US" dirty="0">
+                  <a:solidFill>
+                    <a:schemeClr val="accent2"/>
+                  </a:solidFill>
+                </a:rPr>
+                <a:t>证书过滤</a:t>
+              </a:r>
+            </a:p>
+          </p:txBody>
+        </p:sp>
+        <p:sp>
+          <p:nvSpPr>
+            <p:cNvPr id="32" name="矩形 31">
+              <a:extLst>
+                <a:ext uri="{FF2B5EF4-FFF2-40B4-BE49-F238E27FC236}">
+                  <a16:creationId xmlns:a16="http://schemas.microsoft.com/office/drawing/2014/main" id="{D4ACB88D-0821-4C9C-BB66-A1B07526C3FC}"/>
+                </a:ext>
+              </a:extLst>
+            </p:cNvPr>
+            <p:cNvSpPr/>
+            <p:nvPr/>
+          </p:nvSpPr>
+          <p:spPr>
+            <a:xfrm>
+              <a:off x="5767061" y="2032646"/>
+              <a:ext cx="1410972" cy="425465"/>
+            </a:xfrm>
+            <a:prstGeom prst="rect">
+              <a:avLst/>
+            </a:prstGeom>
+            <a:solidFill>
+              <a:schemeClr val="bg1"/>
+            </a:solidFill>
+            <a:ln w="28575">
+              <a:solidFill>
+                <a:schemeClr val="accent2"/>
+              </a:solidFill>
+              <a:prstDash val="solid"/>
+            </a:ln>
+          </p:spPr>
+          <p:style>
+            <a:lnRef idx="2">
+              <a:schemeClr val="accent1">
+                <a:shade val="50000"/>
+              </a:schemeClr>
+            </a:lnRef>
+            <a:fillRef idx="1">
+              <a:schemeClr val="accent1"/>
+            </a:fillRef>
+            <a:effectRef idx="0">
+              <a:schemeClr val="accent1"/>
+            </a:effectRef>
+            <a:fontRef idx="minor">
+              <a:schemeClr val="lt1"/>
+            </a:fontRef>
+          </p:style>
+          <p:txBody>
+            <a:bodyPr rtlCol="0" anchor="ctr"/>
+            <a:lstStyle/>
+            <a:p>
+              <a:pPr algn="ctr"/>
+              <a:r>
+                <a:rPr lang="zh-CN" altLang="en-US" dirty="0">
+                  <a:solidFill>
+                    <a:schemeClr val="accent2"/>
+                  </a:solidFill>
+                </a:rPr>
+                <a:t>图标匹配</a:t>
+              </a:r>
+            </a:p>
+          </p:txBody>
+        </p:sp>
+      </p:grpSp>
+      <p:sp>
+        <p:nvSpPr>
+          <p:cNvPr id="33" name="矩形 32">
+            <a:extLst>
+              <a:ext uri="{FF2B5EF4-FFF2-40B4-BE49-F238E27FC236}">
+                <a16:creationId xmlns:a16="http://schemas.microsoft.com/office/drawing/2014/main" id="{F9B51850-AB6B-4E19-BD84-B084C04ADDCE}"/>
+              </a:ext>
+            </a:extLst>
+          </p:cNvPr>
+          <p:cNvSpPr/>
+          <p:nvPr/>
+        </p:nvSpPr>
+        <p:spPr>
+          <a:xfrm>
+            <a:off x="5603449" y="3481197"/>
+            <a:ext cx="1410972" cy="425465"/>
+          </a:xfrm>
+          <a:prstGeom prst="rect">
+            <a:avLst/>
+          </a:prstGeom>
+          <a:solidFill>
+            <a:schemeClr val="bg1"/>
+          </a:solidFill>
+          <a:ln w="28575">
+            <a:solidFill>
+              <a:schemeClr val="accent2"/>
+            </a:solidFill>
+            <a:prstDash val="solid"/>
+          </a:ln>
+        </p:spPr>
+        <p:style>
+          <a:lnRef idx="2">
+            <a:schemeClr val="accent1">
+              <a:shade val="50000"/>
+            </a:schemeClr>
+          </a:lnRef>
+          <a:fillRef idx="1">
+            <a:schemeClr val="accent1"/>
+          </a:fillRef>
+          <a:effectRef idx="0">
+            <a:schemeClr val="accent1"/>
+          </a:effectRef>
+          <a:fontRef idx="minor">
+            <a:schemeClr val="lt1"/>
+          </a:fontRef>
+        </p:style>
+        <p:txBody>
+          <a:bodyPr rtlCol="0" anchor="ctr"/>
+          <a:lstStyle/>
+          <a:p>
+            <a:pPr algn="ctr"/>
+            <a:r>
+              <a:rPr lang="zh-CN" altLang="en-US" dirty="0">
+                <a:solidFill>
+                  <a:schemeClr val="accent2"/>
+                </a:solidFill>
+              </a:rPr>
+              <a:t>应用名匹配</a:t>
+            </a:r>
+          </a:p>
+        </p:txBody>
+      </p:sp>
+      <p:cxnSp>
+        <p:nvCxnSpPr>
+          <p:cNvPr id="36" name="直接箭头连接符 51">
+            <a:extLst>
+              <a:ext uri="{FF2B5EF4-FFF2-40B4-BE49-F238E27FC236}">
+                <a16:creationId xmlns:a16="http://schemas.microsoft.com/office/drawing/2014/main" id="{52A60292-0B23-4E10-864C-5C836F45750E}"/>
+              </a:ext>
+            </a:extLst>
+          </p:cNvPr>
+          <p:cNvCxnSpPr>
+            <a:cxnSpLocks/>
+            <a:stCxn id="32" idx="1"/>
+            <a:endCxn id="31" idx="1"/>
+          </p:cNvCxnSpPr>
+          <p:nvPr/>
+        </p:nvCxnSpPr>
+        <p:spPr>
+          <a:xfrm rot="10800000">
+            <a:off x="5592237" y="1785941"/>
+            <a:ext cx="22424" cy="916639"/>
+          </a:xfrm>
+          <a:prstGeom prst="bentConnector3">
+            <a:avLst>
+              <a:gd name="adj1" fmla="val 3532126"/>
+            </a:avLst>
+          </a:prstGeom>
+          <a:ln w="28575">
+            <a:solidFill>
+              <a:srgbClr val="B42200"/>
+            </a:solidFill>
+            <a:headEnd type="triangle" w="med" len="med"/>
+            <a:tailEnd type="triangle"/>
+          </a:ln>
+        </p:spPr>
+        <p:style>
+          <a:lnRef idx="3">
+            <a:schemeClr val="dk1"/>
+          </a:lnRef>
+          <a:fillRef idx="0">
+            <a:schemeClr val="dk1"/>
+          </a:fillRef>
+          <a:effectRef idx="2">
+            <a:schemeClr val="dk1"/>
+          </a:effectRef>
+          <a:fontRef idx="minor">
+            <a:schemeClr val="tx1"/>
+          </a:fontRef>
+        </p:style>
+      </p:cxnSp>
+      <p:cxnSp>
+        <p:nvCxnSpPr>
+          <p:cNvPr id="41" name="直接箭头连接符 40">
+            <a:extLst>
+              <a:ext uri="{FF2B5EF4-FFF2-40B4-BE49-F238E27FC236}">
+                <a16:creationId xmlns:a16="http://schemas.microsoft.com/office/drawing/2014/main" id="{869CFA51-5F9E-45CC-945B-04BC6B591193}"/>
+              </a:ext>
+            </a:extLst>
+          </p:cNvPr>
+          <p:cNvCxnSpPr>
+            <a:cxnSpLocks/>
+            <a:stCxn id="51" idx="3"/>
+          </p:cNvCxnSpPr>
+          <p:nvPr/>
+        </p:nvCxnSpPr>
+        <p:spPr>
+          <a:xfrm flipV="1">
+            <a:off x="4533501" y="2244260"/>
+            <a:ext cx="287531" cy="1119"/>
+          </a:xfrm>
+          <a:prstGeom prst="straightConnector1">
+            <a:avLst/>
+          </a:prstGeom>
+          <a:ln w="28575">
+            <a:solidFill>
+              <a:srgbClr val="B42200"/>
+            </a:solidFill>
+            <a:headEnd type="none" w="med" len="med"/>
+            <a:tailEnd type="none"/>
+          </a:ln>
+        </p:spPr>
+        <p:style>
+          <a:lnRef idx="3">
+            <a:schemeClr val="dk1"/>
+          </a:lnRef>
+          <a:fillRef idx="0">
+            <a:schemeClr val="dk1"/>
+          </a:fillRef>
+          <a:effectRef idx="2">
+            <a:schemeClr val="dk1"/>
+          </a:effectRef>
+          <a:fontRef idx="minor">
+            <a:schemeClr val="tx1"/>
+          </a:fontRef>
+        </p:style>
+      </p:cxnSp>
+      <p:sp>
+        <p:nvSpPr>
+          <p:cNvPr id="53" name="矩形 52">
+            <a:extLst>
+              <a:ext uri="{FF2B5EF4-FFF2-40B4-BE49-F238E27FC236}">
+                <a16:creationId xmlns:a16="http://schemas.microsoft.com/office/drawing/2014/main" id="{D904AC68-DB0D-4155-9446-8EF93CD01E1D}"/>
+              </a:ext>
+            </a:extLst>
+          </p:cNvPr>
+          <p:cNvSpPr/>
+          <p:nvPr/>
+        </p:nvSpPr>
+        <p:spPr>
+          <a:xfrm>
+            <a:off x="4677266" y="1490521"/>
+            <a:ext cx="988460" cy="242954"/>
+          </a:xfrm>
+          <a:prstGeom prst="rect">
+            <a:avLst/>
+          </a:prstGeom>
+          <a:noFill/>
+          <a:ln w="57150">
+            <a:noFill/>
+            <a:prstDash val="lgDash"/>
+          </a:ln>
+        </p:spPr>
+        <p:style>
+          <a:lnRef idx="2">
+            <a:schemeClr val="accent1">
+              <a:shade val="50000"/>
+            </a:schemeClr>
+          </a:lnRef>
+          <a:fillRef idx="1">
+            <a:schemeClr val="accent1"/>
+          </a:fillRef>
+          <a:effectRef idx="0">
+            <a:schemeClr val="accent1"/>
+          </a:effectRef>
+          <a:fontRef idx="minor">
+            <a:schemeClr val="lt1"/>
+          </a:fontRef>
+        </p:style>
+        <p:txBody>
+          <a:bodyPr rtlCol="0" anchor="ctr"/>
+          <a:lstStyle/>
+          <a:p>
+            <a:pPr algn="ctr"/>
+            <a:r>
+              <a:rPr lang="zh-CN" altLang="en-US" sz="1400" dirty="0">
+                <a:solidFill>
+                  <a:schemeClr val="tx1"/>
+                </a:solidFill>
+              </a:rPr>
+              <a:t>证书信息</a:t>
+            </a:r>
+          </a:p>
+        </p:txBody>
+      </p:sp>
+      <p:sp>
+        <p:nvSpPr>
+          <p:cNvPr id="54" name="矩形 53">
+            <a:extLst>
+              <a:ext uri="{FF2B5EF4-FFF2-40B4-BE49-F238E27FC236}">
+                <a16:creationId xmlns:a16="http://schemas.microsoft.com/office/drawing/2014/main" id="{80DDE4C1-3E82-4C04-9329-3AA46340AB15}"/>
+              </a:ext>
+            </a:extLst>
+          </p:cNvPr>
+          <p:cNvSpPr/>
+          <p:nvPr/>
+        </p:nvSpPr>
+        <p:spPr>
+          <a:xfrm>
+            <a:off x="4677266" y="2443081"/>
+            <a:ext cx="988460" cy="242954"/>
+          </a:xfrm>
+          <a:prstGeom prst="rect">
+            <a:avLst/>
+          </a:prstGeom>
+          <a:noFill/>
+          <a:ln w="57150">
+            <a:noFill/>
+            <a:prstDash val="lgDash"/>
+          </a:ln>
+        </p:spPr>
+        <p:style>
+          <a:lnRef idx="2">
+            <a:schemeClr val="accent1">
+              <a:shade val="50000"/>
+            </a:schemeClr>
+          </a:lnRef>
+          <a:fillRef idx="1">
+            <a:schemeClr val="accent1"/>
+          </a:fillRef>
+          <a:effectRef idx="0">
+            <a:schemeClr val="accent1"/>
+          </a:effectRef>
+          <a:fontRef idx="minor">
+            <a:schemeClr val="lt1"/>
+          </a:fontRef>
+        </p:style>
+        <p:txBody>
+          <a:bodyPr rtlCol="0" anchor="ctr"/>
+          <a:lstStyle/>
+          <a:p>
+            <a:pPr algn="ctr"/>
+            <a:r>
+              <a:rPr lang="zh-CN" altLang="en-US" sz="1400" dirty="0">
+                <a:solidFill>
+                  <a:schemeClr val="tx1"/>
+                </a:solidFill>
+              </a:rPr>
+              <a:t>图标</a:t>
+            </a:r>
+          </a:p>
+        </p:txBody>
+      </p:sp>
+      <p:sp>
+        <p:nvSpPr>
+          <p:cNvPr id="55" name="矩形 54">
+            <a:extLst>
+              <a:ext uri="{FF2B5EF4-FFF2-40B4-BE49-F238E27FC236}">
+                <a16:creationId xmlns:a16="http://schemas.microsoft.com/office/drawing/2014/main" id="{0CD967E7-DFE5-4E43-B0C3-ACFDD55C9E98}"/>
+              </a:ext>
+            </a:extLst>
+          </p:cNvPr>
+          <p:cNvSpPr/>
+          <p:nvPr/>
+        </p:nvSpPr>
+        <p:spPr>
+          <a:xfrm>
+            <a:off x="4573991" y="3442051"/>
+            <a:ext cx="988460" cy="242954"/>
+          </a:xfrm>
+          <a:prstGeom prst="rect">
+            <a:avLst/>
+          </a:prstGeom>
+          <a:noFill/>
+          <a:ln w="57150">
+            <a:noFill/>
+            <a:prstDash val="lgDash"/>
+          </a:ln>
+        </p:spPr>
+        <p:style>
+          <a:lnRef idx="2">
+            <a:schemeClr val="accent1">
+              <a:shade val="50000"/>
+            </a:schemeClr>
+          </a:lnRef>
+          <a:fillRef idx="1">
+            <a:schemeClr val="accent1"/>
+          </a:fillRef>
+          <a:effectRef idx="0">
+            <a:schemeClr val="accent1"/>
+          </a:effectRef>
+          <a:fontRef idx="minor">
+            <a:schemeClr val="lt1"/>
+          </a:fontRef>
+        </p:style>
+        <p:txBody>
+          <a:bodyPr rtlCol="0" anchor="ctr"/>
+          <a:lstStyle/>
+          <a:p>
+            <a:pPr algn="ctr"/>
+            <a:r>
+              <a:rPr lang="zh-CN" altLang="en-US" sz="1400" dirty="0">
+                <a:solidFill>
+                  <a:schemeClr val="tx1"/>
+                </a:solidFill>
+              </a:rPr>
+              <a:t>应用名</a:t>
+            </a:r>
+          </a:p>
+        </p:txBody>
+      </p:sp>
+      <p:cxnSp>
+        <p:nvCxnSpPr>
+          <p:cNvPr id="56" name="直接箭头连接符 55">
+            <a:extLst>
+              <a:ext uri="{FF2B5EF4-FFF2-40B4-BE49-F238E27FC236}">
+                <a16:creationId xmlns:a16="http://schemas.microsoft.com/office/drawing/2014/main" id="{AFF6A55A-5414-4DF5-A410-9CDECA317950}"/>
+              </a:ext>
+            </a:extLst>
+          </p:cNvPr>
+          <p:cNvCxnSpPr>
+            <a:cxnSpLocks/>
+            <a:stCxn id="188" idx="3"/>
+            <a:endCxn id="33" idx="1"/>
+          </p:cNvCxnSpPr>
+          <p:nvPr/>
+        </p:nvCxnSpPr>
+        <p:spPr>
+          <a:xfrm flipV="1">
+            <a:off x="4533501" y="3693930"/>
+            <a:ext cx="1069948" cy="2"/>
+          </a:xfrm>
+          <a:prstGeom prst="straightConnector1">
+            <a:avLst/>
+          </a:prstGeom>
+          <a:ln w="28575">
+            <a:solidFill>
+              <a:srgbClr val="B42200"/>
+            </a:solidFill>
+            <a:headEnd type="none" w="med" len="med"/>
+            <a:tailEnd type="triangle"/>
+          </a:ln>
+        </p:spPr>
+        <p:style>
+          <a:lnRef idx="3">
+            <a:schemeClr val="dk1"/>
+          </a:lnRef>
+          <a:fillRef idx="0">
+            <a:schemeClr val="dk1"/>
+          </a:fillRef>
+          <a:effectRef idx="2">
+            <a:schemeClr val="dk1"/>
+          </a:effectRef>
+          <a:fontRef idx="minor">
+            <a:schemeClr val="tx1"/>
+          </a:fontRef>
+        </p:style>
+      </p:cxnSp>
+      <p:cxnSp>
+        <p:nvCxnSpPr>
+          <p:cNvPr id="64" name="直接箭头连接符 63">
+            <a:extLst>
+              <a:ext uri="{FF2B5EF4-FFF2-40B4-BE49-F238E27FC236}">
+                <a16:creationId xmlns:a16="http://schemas.microsoft.com/office/drawing/2014/main" id="{5A0BDD17-659A-48C5-920B-9C5C7B334E56}"/>
+              </a:ext>
+            </a:extLst>
+          </p:cNvPr>
+          <p:cNvCxnSpPr>
+            <a:cxnSpLocks/>
+            <a:stCxn id="32" idx="3"/>
+          </p:cNvCxnSpPr>
+          <p:nvPr/>
+        </p:nvCxnSpPr>
+        <p:spPr>
+          <a:xfrm>
+            <a:off x="7025633" y="2702579"/>
+            <a:ext cx="415960" cy="0"/>
+          </a:xfrm>
+          <a:prstGeom prst="straightConnector1">
+            <a:avLst/>
+          </a:prstGeom>
+          <a:ln w="28575">
+            <a:solidFill>
+              <a:srgbClr val="B42200"/>
+            </a:solidFill>
+            <a:headEnd type="none" w="med" len="med"/>
+            <a:tailEnd type="none"/>
+          </a:ln>
+        </p:spPr>
+        <p:style>
+          <a:lnRef idx="3">
+            <a:schemeClr val="dk1"/>
+          </a:lnRef>
+          <a:fillRef idx="0">
+            <a:schemeClr val="dk1"/>
+          </a:fillRef>
+          <a:effectRef idx="2">
+            <a:schemeClr val="dk1"/>
+          </a:effectRef>
+          <a:fontRef idx="minor">
+            <a:schemeClr val="tx1"/>
+          </a:fontRef>
+        </p:style>
+      </p:cxnSp>
+      <p:grpSp>
+        <p:nvGrpSpPr>
+          <p:cNvPr id="47" name="组合 46">
+            <a:extLst>
+              <a:ext uri="{FF2B5EF4-FFF2-40B4-BE49-F238E27FC236}">
+                <a16:creationId xmlns:a16="http://schemas.microsoft.com/office/drawing/2014/main" id="{3813EE96-3CE2-485B-9983-90D8BCB0E169}"/>
+              </a:ext>
+            </a:extLst>
+          </p:cNvPr>
+          <p:cNvGrpSpPr/>
+          <p:nvPr/>
+        </p:nvGrpSpPr>
+        <p:grpSpPr>
+          <a:xfrm>
+            <a:off x="7857552" y="1079099"/>
+            <a:ext cx="2048447" cy="1413680"/>
+            <a:chOff x="8208073" y="1079099"/>
+            <a:chExt cx="1844476" cy="1413680"/>
+          </a:xfrm>
+        </p:grpSpPr>
+        <p:sp>
+          <p:nvSpPr>
+            <p:cNvPr id="34" name="菱形 33">
+              <a:extLst>
+                <a:ext uri="{FF2B5EF4-FFF2-40B4-BE49-F238E27FC236}">
+                  <a16:creationId xmlns:a16="http://schemas.microsoft.com/office/drawing/2014/main" id="{A67F3B87-EFB0-4572-BF46-848B4979632C}"/>
+                </a:ext>
+              </a:extLst>
+            </p:cNvPr>
+            <p:cNvSpPr/>
+            <p:nvPr/>
+          </p:nvSpPr>
+          <p:spPr>
+            <a:xfrm>
+              <a:off x="8208073" y="1079099"/>
+              <a:ext cx="1844476" cy="1413680"/>
+            </a:xfrm>
+            <a:prstGeom prst="diamond">
+              <a:avLst/>
+            </a:prstGeom>
+            <a:noFill/>
+            <a:ln w="38100">
+              <a:solidFill>
+                <a:schemeClr val="accent2"/>
+              </a:solidFill>
+            </a:ln>
+          </p:spPr>
+          <p:style>
+            <a:lnRef idx="2">
+              <a:schemeClr val="accent1">
+                <a:shade val="50000"/>
+              </a:schemeClr>
+            </a:lnRef>
+            <a:fillRef idx="1">
+              <a:schemeClr val="accent1"/>
+            </a:fillRef>
+            <a:effectRef idx="0">
+              <a:schemeClr val="accent1"/>
+            </a:effectRef>
+            <a:fontRef idx="minor">
+              <a:schemeClr val="lt1"/>
+            </a:fontRef>
+          </p:style>
+          <p:txBody>
+            <a:bodyPr rtlCol="0" anchor="ctr"/>
+            <a:lstStyle/>
+            <a:p>
+              <a:pPr algn="ctr"/>
+              <a:endParaRPr lang="zh-CN" altLang="en-US"/>
+            </a:p>
+          </p:txBody>
+        </p:sp>
+        <p:sp>
+          <p:nvSpPr>
+            <p:cNvPr id="45" name="矩形 44">
+              <a:extLst>
+                <a:ext uri="{FF2B5EF4-FFF2-40B4-BE49-F238E27FC236}">
+                  <a16:creationId xmlns:a16="http://schemas.microsoft.com/office/drawing/2014/main" id="{A491FF70-8341-412F-A0F0-64EA2270AFA2}"/>
+                </a:ext>
+              </a:extLst>
+            </p:cNvPr>
+            <p:cNvSpPr/>
+            <p:nvPr/>
+          </p:nvSpPr>
+          <p:spPr>
+            <a:xfrm>
+              <a:off x="8575597" y="1462773"/>
+              <a:ext cx="1107997" cy="646331"/>
+            </a:xfrm>
+            <a:prstGeom prst="rect">
+              <a:avLst/>
+            </a:prstGeom>
+          </p:spPr>
+          <p:txBody>
+            <a:bodyPr wrap="none">
+              <a:spAutoFit/>
+            </a:bodyPr>
+            <a:lstStyle/>
+            <a:p>
+              <a:pPr algn="ctr"/>
+              <a:r>
+                <a:rPr lang="zh-CN" altLang="en-US" dirty="0">
+                  <a:solidFill>
+                    <a:schemeClr val="accent2"/>
+                  </a:solidFill>
+                </a:rPr>
+                <a:t>证书在黑</a:t>
+              </a:r>
+              <a:br>
+                <a:rPr lang="en-US" altLang="zh-CN" dirty="0">
+                  <a:solidFill>
+                    <a:schemeClr val="accent2"/>
+                  </a:solidFill>
+                </a:rPr>
+              </a:br>
+              <a:r>
+                <a:rPr lang="zh-CN" altLang="en-US" dirty="0">
+                  <a:solidFill>
+                    <a:schemeClr val="accent2"/>
+                  </a:solidFill>
+                </a:rPr>
+                <a:t>名单中</a:t>
+              </a:r>
+              <a:r>
+                <a:rPr lang="en-US" altLang="zh-CN" dirty="0">
+                  <a:solidFill>
+                    <a:schemeClr val="accent2"/>
+                  </a:solidFill>
+                </a:rPr>
+                <a:t>?</a:t>
+              </a:r>
+              <a:endParaRPr lang="zh-CN" altLang="en-US" dirty="0">
+                <a:solidFill>
+                  <a:schemeClr val="accent2"/>
+                </a:solidFill>
+              </a:endParaRPr>
+            </a:p>
+          </p:txBody>
+        </p:sp>
+      </p:grpSp>
+      <p:grpSp>
+        <p:nvGrpSpPr>
+          <p:cNvPr id="70" name="组合 69">
+            <a:extLst>
+              <a:ext uri="{FF2B5EF4-FFF2-40B4-BE49-F238E27FC236}">
+                <a16:creationId xmlns:a16="http://schemas.microsoft.com/office/drawing/2014/main" id="{C880A897-F083-430A-93B2-35171A686FAF}"/>
+              </a:ext>
+            </a:extLst>
+          </p:cNvPr>
+          <p:cNvGrpSpPr/>
+          <p:nvPr/>
+        </p:nvGrpSpPr>
+        <p:grpSpPr>
+          <a:xfrm>
+            <a:off x="7857552" y="2951542"/>
+            <a:ext cx="2048447" cy="1413680"/>
+            <a:chOff x="8208073" y="1079099"/>
+            <a:chExt cx="1844476" cy="1413680"/>
+          </a:xfrm>
+        </p:grpSpPr>
+        <p:sp>
+          <p:nvSpPr>
+            <p:cNvPr id="71" name="菱形 70">
+              <a:extLst>
+                <a:ext uri="{FF2B5EF4-FFF2-40B4-BE49-F238E27FC236}">
+                  <a16:creationId xmlns:a16="http://schemas.microsoft.com/office/drawing/2014/main" id="{4B9A93D7-158E-44B3-81EE-62F421B0BAA8}"/>
+                </a:ext>
+              </a:extLst>
+            </p:cNvPr>
+            <p:cNvSpPr/>
+            <p:nvPr/>
+          </p:nvSpPr>
+          <p:spPr>
+            <a:xfrm>
+              <a:off x="8208073" y="1079099"/>
+              <a:ext cx="1844476" cy="1413680"/>
+            </a:xfrm>
+            <a:prstGeom prst="diamond">
+              <a:avLst/>
+            </a:prstGeom>
+            <a:noFill/>
+            <a:ln w="38100">
+              <a:solidFill>
+                <a:schemeClr val="accent2"/>
+              </a:solidFill>
+            </a:ln>
+          </p:spPr>
+          <p:style>
+            <a:lnRef idx="2">
+              <a:schemeClr val="accent1">
+                <a:shade val="50000"/>
+              </a:schemeClr>
+            </a:lnRef>
+            <a:fillRef idx="1">
+              <a:schemeClr val="accent1"/>
+            </a:fillRef>
+            <a:effectRef idx="0">
+              <a:schemeClr val="accent1"/>
+            </a:effectRef>
+            <a:fontRef idx="minor">
+              <a:schemeClr val="lt1"/>
+            </a:fontRef>
+          </p:style>
+          <p:txBody>
+            <a:bodyPr rtlCol="0" anchor="ctr"/>
+            <a:lstStyle/>
+            <a:p>
+              <a:pPr algn="ctr"/>
+              <a:endParaRPr lang="zh-CN" altLang="en-US"/>
+            </a:p>
+          </p:txBody>
+        </p:sp>
+        <p:sp>
+          <p:nvSpPr>
+            <p:cNvPr id="72" name="矩形 71">
+              <a:extLst>
+                <a:ext uri="{FF2B5EF4-FFF2-40B4-BE49-F238E27FC236}">
+                  <a16:creationId xmlns:a16="http://schemas.microsoft.com/office/drawing/2014/main" id="{77A2ADE4-D554-42A1-9A82-AE63EA4781BE}"/>
+                </a:ext>
+              </a:extLst>
+            </p:cNvPr>
+            <p:cNvSpPr/>
+            <p:nvPr/>
+          </p:nvSpPr>
+          <p:spPr>
+            <a:xfrm>
+              <a:off x="8344764" y="1498320"/>
+              <a:ext cx="1569660" cy="646331"/>
+            </a:xfrm>
+            <a:prstGeom prst="rect">
+              <a:avLst/>
+            </a:prstGeom>
+          </p:spPr>
+          <p:txBody>
+            <a:bodyPr wrap="none">
+              <a:spAutoFit/>
+            </a:bodyPr>
+            <a:lstStyle/>
+            <a:p>
+              <a:pPr algn="ctr"/>
+              <a:r>
+                <a:rPr lang="zh-CN" altLang="en-US" dirty="0">
+                  <a:solidFill>
+                    <a:schemeClr val="accent2"/>
+                  </a:solidFill>
+                </a:rPr>
+                <a:t>图标与应用名</a:t>
+              </a:r>
+              <a:br>
+                <a:rPr lang="en-US" altLang="zh-CN" dirty="0">
+                  <a:solidFill>
+                    <a:schemeClr val="accent2"/>
+                  </a:solidFill>
+                </a:rPr>
+              </a:br>
+              <a:r>
+                <a:rPr lang="zh-CN" altLang="en-US" dirty="0">
+                  <a:solidFill>
+                    <a:schemeClr val="accent2"/>
+                  </a:solidFill>
+                </a:rPr>
+                <a:t>均能匹配</a:t>
+              </a:r>
+              <a:r>
+                <a:rPr lang="en-US" altLang="zh-CN" dirty="0">
+                  <a:solidFill>
+                    <a:schemeClr val="accent2"/>
+                  </a:solidFill>
+                </a:rPr>
+                <a:t>?</a:t>
+              </a:r>
+              <a:endParaRPr lang="zh-CN" altLang="en-US" dirty="0">
+                <a:solidFill>
+                  <a:schemeClr val="accent2"/>
+                </a:solidFill>
+              </a:endParaRPr>
+            </a:p>
+          </p:txBody>
+        </p:sp>
+      </p:grpSp>
+      <p:cxnSp>
+        <p:nvCxnSpPr>
+          <p:cNvPr id="73" name="直接箭头连接符 72">
+            <a:extLst>
+              <a:ext uri="{FF2B5EF4-FFF2-40B4-BE49-F238E27FC236}">
+                <a16:creationId xmlns:a16="http://schemas.microsoft.com/office/drawing/2014/main" id="{A0E8EE1D-5BE0-45F5-A40D-6283BF8C6075}"/>
+              </a:ext>
+            </a:extLst>
+          </p:cNvPr>
+          <p:cNvCxnSpPr>
+            <a:cxnSpLocks/>
+            <a:stCxn id="34" idx="2"/>
+            <a:endCxn id="71" idx="0"/>
+          </p:cNvCxnSpPr>
+          <p:nvPr/>
+        </p:nvCxnSpPr>
+        <p:spPr>
+          <a:xfrm>
+            <a:off x="8881776" y="2492779"/>
+            <a:ext cx="0" cy="458763"/>
+          </a:xfrm>
+          <a:prstGeom prst="straightConnector1">
+            <a:avLst/>
+          </a:prstGeom>
+          <a:ln w="28575">
+            <a:solidFill>
+              <a:srgbClr val="B42200"/>
+            </a:solidFill>
+            <a:headEnd type="none" w="med" len="med"/>
+            <a:tailEnd type="triangle"/>
+          </a:ln>
+        </p:spPr>
+        <p:style>
+          <a:lnRef idx="3">
+            <a:schemeClr val="dk1"/>
+          </a:lnRef>
+          <a:fillRef idx="0">
+            <a:schemeClr val="dk1"/>
+          </a:fillRef>
+          <a:effectRef idx="2">
+            <a:schemeClr val="dk1"/>
+          </a:effectRef>
+          <a:fontRef idx="minor">
+            <a:schemeClr val="tx1"/>
+          </a:fontRef>
+        </p:style>
+      </p:cxnSp>
+      <p:cxnSp>
+        <p:nvCxnSpPr>
+          <p:cNvPr id="76" name="直接箭头连接符 75">
+            <a:extLst>
+              <a:ext uri="{FF2B5EF4-FFF2-40B4-BE49-F238E27FC236}">
+                <a16:creationId xmlns:a16="http://schemas.microsoft.com/office/drawing/2014/main" id="{39018F6E-BED1-401C-8D3C-7B5B0E05C885}"/>
+              </a:ext>
+            </a:extLst>
+          </p:cNvPr>
+          <p:cNvCxnSpPr>
+            <a:cxnSpLocks/>
+            <a:stCxn id="71" idx="2"/>
+          </p:cNvCxnSpPr>
+          <p:nvPr/>
+        </p:nvCxnSpPr>
+        <p:spPr>
+          <a:xfrm flipH="1">
+            <a:off x="8880980" y="4365222"/>
+            <a:ext cx="796" cy="488718"/>
+          </a:xfrm>
+          <a:prstGeom prst="straightConnector1">
+            <a:avLst/>
+          </a:prstGeom>
+          <a:ln w="28575">
+            <a:solidFill>
+              <a:srgbClr val="B42200"/>
+            </a:solidFill>
+            <a:headEnd type="none" w="med" len="med"/>
+            <a:tailEnd type="triangle"/>
+          </a:ln>
+        </p:spPr>
+        <p:style>
+          <a:lnRef idx="3">
+            <a:schemeClr val="dk1"/>
+          </a:lnRef>
+          <a:fillRef idx="0">
+            <a:schemeClr val="dk1"/>
+          </a:fillRef>
+          <a:effectRef idx="2">
+            <a:schemeClr val="dk1"/>
+          </a:effectRef>
+          <a:fontRef idx="minor">
+            <a:schemeClr val="tx1"/>
+          </a:fontRef>
+        </p:style>
+      </p:cxnSp>
+      <p:cxnSp>
+        <p:nvCxnSpPr>
+          <p:cNvPr id="80" name="直接箭头连接符 79">
+            <a:extLst>
+              <a:ext uri="{FF2B5EF4-FFF2-40B4-BE49-F238E27FC236}">
+                <a16:creationId xmlns:a16="http://schemas.microsoft.com/office/drawing/2014/main" id="{24D04B42-A349-4234-B3E1-BE2D77D30292}"/>
+              </a:ext>
+            </a:extLst>
+          </p:cNvPr>
+          <p:cNvCxnSpPr>
+            <a:cxnSpLocks/>
+            <a:stCxn id="34" idx="3"/>
+          </p:cNvCxnSpPr>
+          <p:nvPr/>
+        </p:nvCxnSpPr>
+        <p:spPr>
+          <a:xfrm>
+            <a:off x="9905999" y="1785939"/>
+            <a:ext cx="427171" cy="0"/>
+          </a:xfrm>
+          <a:prstGeom prst="straightConnector1">
+            <a:avLst/>
+          </a:prstGeom>
+          <a:ln w="28575">
+            <a:solidFill>
+              <a:srgbClr val="B42200"/>
+            </a:solidFill>
+            <a:headEnd type="none" w="med" len="med"/>
+            <a:tailEnd type="triangle"/>
+          </a:ln>
+        </p:spPr>
+        <p:style>
+          <a:lnRef idx="3">
+            <a:schemeClr val="dk1"/>
+          </a:lnRef>
+          <a:fillRef idx="0">
+            <a:schemeClr val="dk1"/>
+          </a:fillRef>
+          <a:effectRef idx="2">
+            <a:schemeClr val="dk1"/>
+          </a:effectRef>
+          <a:fontRef idx="minor">
+            <a:schemeClr val="tx1"/>
+          </a:fontRef>
+        </p:style>
+      </p:cxnSp>
+      <p:cxnSp>
+        <p:nvCxnSpPr>
+          <p:cNvPr id="83" name="直接箭头连接符 82">
+            <a:extLst>
+              <a:ext uri="{FF2B5EF4-FFF2-40B4-BE49-F238E27FC236}">
+                <a16:creationId xmlns:a16="http://schemas.microsoft.com/office/drawing/2014/main" id="{4C07351F-6FC0-472E-935A-76F66F2403A4}"/>
+              </a:ext>
+            </a:extLst>
+          </p:cNvPr>
+          <p:cNvCxnSpPr>
+            <a:cxnSpLocks/>
+            <a:stCxn id="71" idx="3"/>
+          </p:cNvCxnSpPr>
+          <p:nvPr/>
+        </p:nvCxnSpPr>
+        <p:spPr>
+          <a:xfrm flipV="1">
+            <a:off x="9905999" y="3658381"/>
+            <a:ext cx="427171" cy="1"/>
+          </a:xfrm>
+          <a:prstGeom prst="straightConnector1">
+            <a:avLst/>
+          </a:prstGeom>
+          <a:ln w="28575">
+            <a:solidFill>
+              <a:srgbClr val="B42200"/>
+            </a:solidFill>
+            <a:headEnd type="none" w="med" len="med"/>
+            <a:tailEnd type="triangle"/>
+          </a:ln>
+        </p:spPr>
+        <p:style>
+          <a:lnRef idx="3">
+            <a:schemeClr val="dk1"/>
+          </a:lnRef>
+          <a:fillRef idx="0">
+            <a:schemeClr val="dk1"/>
+          </a:fillRef>
+          <a:effectRef idx="2">
+            <a:schemeClr val="dk1"/>
+          </a:effectRef>
+          <a:fontRef idx="minor">
+            <a:schemeClr val="tx1"/>
+          </a:fontRef>
+        </p:style>
+      </p:cxnSp>
+      <p:sp>
+        <p:nvSpPr>
+          <p:cNvPr id="86" name="矩形 85">
+            <a:extLst>
+              <a:ext uri="{FF2B5EF4-FFF2-40B4-BE49-F238E27FC236}">
+                <a16:creationId xmlns:a16="http://schemas.microsoft.com/office/drawing/2014/main" id="{3305B8EF-9AE4-4C30-A410-49CEE33031A6}"/>
+              </a:ext>
+            </a:extLst>
+          </p:cNvPr>
+          <p:cNvSpPr/>
+          <p:nvPr/>
+        </p:nvSpPr>
+        <p:spPr>
+          <a:xfrm>
+            <a:off x="9759283" y="1462773"/>
+            <a:ext cx="360301" cy="242954"/>
+          </a:xfrm>
+          <a:prstGeom prst="rect">
+            <a:avLst/>
+          </a:prstGeom>
+          <a:noFill/>
+          <a:ln w="57150">
+            <a:noFill/>
+            <a:prstDash val="lgDash"/>
+          </a:ln>
+        </p:spPr>
+        <p:style>
+          <a:lnRef idx="2">
+            <a:schemeClr val="accent1">
+              <a:shade val="50000"/>
+            </a:schemeClr>
+          </a:lnRef>
+          <a:fillRef idx="1">
+            <a:schemeClr val="accent1"/>
+          </a:fillRef>
+          <a:effectRef idx="0">
+            <a:schemeClr val="accent1"/>
+          </a:effectRef>
+          <a:fontRef idx="minor">
+            <a:schemeClr val="lt1"/>
+          </a:fontRef>
+        </p:style>
+        <p:txBody>
+          <a:bodyPr rtlCol="0" anchor="ctr"/>
+          <a:lstStyle/>
+          <a:p>
+            <a:pPr algn="ctr"/>
+            <a:r>
+              <a:rPr lang="en-US" altLang="zh-CN" b="1" dirty="0">
+                <a:solidFill>
+                  <a:schemeClr val="tx1"/>
+                </a:solidFill>
+              </a:rPr>
+              <a:t>Y</a:t>
+            </a:r>
+            <a:endParaRPr lang="zh-CN" altLang="en-US" b="1" dirty="0">
+              <a:solidFill>
+                <a:schemeClr val="tx1"/>
+              </a:solidFill>
+            </a:endParaRPr>
+          </a:p>
+        </p:txBody>
+      </p:sp>
+      <p:sp>
+        <p:nvSpPr>
+          <p:cNvPr id="87" name="矩形 86">
+            <a:extLst>
+              <a:ext uri="{FF2B5EF4-FFF2-40B4-BE49-F238E27FC236}">
+                <a16:creationId xmlns:a16="http://schemas.microsoft.com/office/drawing/2014/main" id="{6FFD5D06-12B2-4DA0-BE47-910E00307DB7}"/>
+              </a:ext>
+            </a:extLst>
+          </p:cNvPr>
+          <p:cNvSpPr/>
+          <p:nvPr/>
+        </p:nvSpPr>
+        <p:spPr>
+          <a:xfrm>
+            <a:off x="9765250" y="3345067"/>
+            <a:ext cx="360301" cy="242954"/>
+          </a:xfrm>
+          <a:prstGeom prst="rect">
+            <a:avLst/>
+          </a:prstGeom>
+          <a:noFill/>
+          <a:ln w="57150">
+            <a:noFill/>
+            <a:prstDash val="lgDash"/>
+          </a:ln>
+        </p:spPr>
+        <p:style>
+          <a:lnRef idx="2">
+            <a:schemeClr val="accent1">
+              <a:shade val="50000"/>
+            </a:schemeClr>
+          </a:lnRef>
+          <a:fillRef idx="1">
+            <a:schemeClr val="accent1"/>
+          </a:fillRef>
+          <a:effectRef idx="0">
+            <a:schemeClr val="accent1"/>
+          </a:effectRef>
+          <a:fontRef idx="minor">
+            <a:schemeClr val="lt1"/>
+          </a:fontRef>
+        </p:style>
+        <p:txBody>
+          <a:bodyPr rtlCol="0" anchor="ctr"/>
+          <a:lstStyle/>
+          <a:p>
+            <a:pPr algn="ctr"/>
+            <a:r>
+              <a:rPr lang="en-US" altLang="zh-CN" b="1" dirty="0">
+                <a:solidFill>
+                  <a:schemeClr val="tx1"/>
+                </a:solidFill>
+              </a:rPr>
+              <a:t>N</a:t>
+            </a:r>
+            <a:endParaRPr lang="zh-CN" altLang="en-US" b="1" dirty="0">
+              <a:solidFill>
+                <a:schemeClr val="tx1"/>
+              </a:solidFill>
+            </a:endParaRPr>
+          </a:p>
+        </p:txBody>
+      </p:sp>
+      <p:sp>
+        <p:nvSpPr>
+          <p:cNvPr id="88" name="矩形 87">
+            <a:extLst>
+              <a:ext uri="{FF2B5EF4-FFF2-40B4-BE49-F238E27FC236}">
+                <a16:creationId xmlns:a16="http://schemas.microsoft.com/office/drawing/2014/main" id="{C13242B9-38C5-4EEA-BCF5-BC1C9F9B1C56}"/>
+              </a:ext>
+            </a:extLst>
+          </p:cNvPr>
+          <p:cNvSpPr/>
+          <p:nvPr/>
+        </p:nvSpPr>
+        <p:spPr>
+          <a:xfrm>
+            <a:off x="8880980" y="2443081"/>
+            <a:ext cx="360301" cy="242954"/>
+          </a:xfrm>
+          <a:prstGeom prst="rect">
+            <a:avLst/>
+          </a:prstGeom>
+          <a:noFill/>
+          <a:ln w="57150">
+            <a:noFill/>
+            <a:prstDash val="lgDash"/>
+          </a:ln>
+        </p:spPr>
+        <p:style>
+          <a:lnRef idx="2">
+            <a:schemeClr val="accent1">
+              <a:shade val="50000"/>
+            </a:schemeClr>
+          </a:lnRef>
+          <a:fillRef idx="1">
+            <a:schemeClr val="accent1"/>
+          </a:fillRef>
+          <a:effectRef idx="0">
+            <a:schemeClr val="accent1"/>
+          </a:effectRef>
+          <a:fontRef idx="minor">
+            <a:schemeClr val="lt1"/>
+          </a:fontRef>
+        </p:style>
+        <p:txBody>
+          <a:bodyPr rtlCol="0" anchor="ctr"/>
+          <a:lstStyle/>
+          <a:p>
+            <a:pPr algn="ctr"/>
+            <a:r>
+              <a:rPr lang="en-US" altLang="zh-CN" b="1" dirty="0">
+                <a:solidFill>
+                  <a:schemeClr val="tx1"/>
+                </a:solidFill>
+              </a:rPr>
+              <a:t>N</a:t>
+            </a:r>
+            <a:endParaRPr lang="zh-CN" altLang="en-US" b="1" dirty="0">
+              <a:solidFill>
+                <a:schemeClr val="tx1"/>
+              </a:solidFill>
+            </a:endParaRPr>
+          </a:p>
+        </p:txBody>
+      </p:sp>
+      <p:sp>
+        <p:nvSpPr>
+          <p:cNvPr id="89" name="矩形 88">
+            <a:extLst>
+              <a:ext uri="{FF2B5EF4-FFF2-40B4-BE49-F238E27FC236}">
+                <a16:creationId xmlns:a16="http://schemas.microsoft.com/office/drawing/2014/main" id="{14A3F9E1-51C4-48BF-AAA1-39CEC20AFE9C}"/>
+              </a:ext>
+            </a:extLst>
+          </p:cNvPr>
+          <p:cNvSpPr/>
+          <p:nvPr/>
+        </p:nvSpPr>
+        <p:spPr>
+          <a:xfrm>
+            <a:off x="8880980" y="4314105"/>
+            <a:ext cx="360301" cy="242954"/>
+          </a:xfrm>
+          <a:prstGeom prst="rect">
+            <a:avLst/>
+          </a:prstGeom>
+          <a:noFill/>
+          <a:ln w="57150">
+            <a:noFill/>
+            <a:prstDash val="lgDash"/>
+          </a:ln>
+        </p:spPr>
+        <p:style>
+          <a:lnRef idx="2">
+            <a:schemeClr val="accent1">
+              <a:shade val="50000"/>
+            </a:schemeClr>
+          </a:lnRef>
+          <a:fillRef idx="1">
+            <a:schemeClr val="accent1"/>
+          </a:fillRef>
+          <a:effectRef idx="0">
+            <a:schemeClr val="accent1"/>
+          </a:effectRef>
+          <a:fontRef idx="minor">
+            <a:schemeClr val="lt1"/>
+          </a:fontRef>
+        </p:style>
+        <p:txBody>
+          <a:bodyPr rtlCol="0" anchor="ctr"/>
+          <a:lstStyle/>
+          <a:p>
+            <a:pPr algn="ctr"/>
+            <a:r>
+              <a:rPr lang="en-US" altLang="zh-CN" b="1" dirty="0">
+                <a:solidFill>
+                  <a:schemeClr val="tx1"/>
+                </a:solidFill>
+              </a:rPr>
+              <a:t>Y</a:t>
+            </a:r>
+            <a:endParaRPr lang="zh-CN" altLang="en-US" b="1" dirty="0">
+              <a:solidFill>
+                <a:schemeClr val="tx1"/>
+              </a:solidFill>
+            </a:endParaRPr>
+          </a:p>
+        </p:txBody>
+      </p:sp>
+      <p:sp>
+        <p:nvSpPr>
+          <p:cNvPr id="90" name="矩形 89">
+            <a:extLst>
+              <a:ext uri="{FF2B5EF4-FFF2-40B4-BE49-F238E27FC236}">
+                <a16:creationId xmlns:a16="http://schemas.microsoft.com/office/drawing/2014/main" id="{59CE250E-D4D0-4A41-9EF5-D4FCC1F9C268}"/>
+              </a:ext>
+            </a:extLst>
+          </p:cNvPr>
+          <p:cNvSpPr/>
+          <p:nvPr/>
+        </p:nvSpPr>
+        <p:spPr>
+          <a:xfrm>
+            <a:off x="10266111" y="1664461"/>
+            <a:ext cx="1483331" cy="242954"/>
+          </a:xfrm>
+          <a:prstGeom prst="rect">
+            <a:avLst/>
+          </a:prstGeom>
+          <a:noFill/>
+          <a:ln w="57150">
+            <a:noFill/>
+            <a:prstDash val="lgDash"/>
+          </a:ln>
+        </p:spPr>
+        <p:style>
+          <a:lnRef idx="2">
+            <a:schemeClr val="accent1">
+              <a:shade val="50000"/>
+            </a:schemeClr>
+          </a:lnRef>
+          <a:fillRef idx="1">
+            <a:schemeClr val="accent1"/>
+          </a:fillRef>
+          <a:effectRef idx="0">
+            <a:schemeClr val="accent1"/>
+          </a:effectRef>
+          <a:fontRef idx="minor">
+            <a:schemeClr val="lt1"/>
+          </a:fontRef>
+        </p:style>
+        <p:txBody>
+          <a:bodyPr rtlCol="0" anchor="ctr"/>
+          <a:lstStyle/>
+          <a:p>
+            <a:pPr algn="ctr"/>
+            <a:r>
+              <a:rPr lang="zh-CN" altLang="en-US" sz="1400" dirty="0">
+                <a:solidFill>
+                  <a:schemeClr val="tx1"/>
+                </a:solidFill>
+              </a:rPr>
+              <a:t>拦截</a:t>
+            </a:r>
+            <a:r>
+              <a:rPr lang="en-US" altLang="zh-CN" sz="1400" dirty="0">
+                <a:solidFill>
+                  <a:schemeClr val="tx1"/>
+                </a:solidFill>
+              </a:rPr>
+              <a:t>/</a:t>
+            </a:r>
+            <a:r>
+              <a:rPr lang="zh-CN" altLang="en-US" sz="1400" dirty="0">
+                <a:solidFill>
+                  <a:schemeClr val="tx1"/>
+                </a:solidFill>
+              </a:rPr>
+              <a:t>拒绝上架</a:t>
+            </a:r>
+          </a:p>
+        </p:txBody>
+      </p:sp>
+      <p:sp>
+        <p:nvSpPr>
+          <p:cNvPr id="91" name="矩形 90">
+            <a:extLst>
+              <a:ext uri="{FF2B5EF4-FFF2-40B4-BE49-F238E27FC236}">
+                <a16:creationId xmlns:a16="http://schemas.microsoft.com/office/drawing/2014/main" id="{7288A2B4-8000-4122-8AA8-05E5C170594C}"/>
+              </a:ext>
+            </a:extLst>
+          </p:cNvPr>
+          <p:cNvSpPr/>
+          <p:nvPr/>
+        </p:nvSpPr>
+        <p:spPr>
+          <a:xfrm>
+            <a:off x="10266110" y="3536904"/>
+            <a:ext cx="1651531" cy="242954"/>
+          </a:xfrm>
+          <a:prstGeom prst="rect">
+            <a:avLst/>
+          </a:prstGeom>
+          <a:noFill/>
+          <a:ln w="57150">
+            <a:noFill/>
+            <a:prstDash val="lgDash"/>
+          </a:ln>
+        </p:spPr>
+        <p:style>
+          <a:lnRef idx="2">
+            <a:schemeClr val="accent1">
+              <a:shade val="50000"/>
+            </a:schemeClr>
+          </a:lnRef>
+          <a:fillRef idx="1">
+            <a:schemeClr val="accent1"/>
+          </a:fillRef>
+          <a:effectRef idx="0">
+            <a:schemeClr val="accent1"/>
+          </a:effectRef>
+          <a:fontRef idx="minor">
+            <a:schemeClr val="lt1"/>
+          </a:fontRef>
+        </p:style>
+        <p:txBody>
+          <a:bodyPr rtlCol="0" anchor="ctr"/>
+          <a:lstStyle/>
+          <a:p>
+            <a:pPr algn="ctr"/>
+            <a:r>
+              <a:rPr lang="zh-CN" altLang="en-US" sz="1400" dirty="0">
+                <a:solidFill>
+                  <a:schemeClr val="tx1"/>
+                </a:solidFill>
+              </a:rPr>
+              <a:t>转至原有审核流程</a:t>
+            </a:r>
+          </a:p>
+        </p:txBody>
+      </p:sp>
+      <p:sp>
+        <p:nvSpPr>
+          <p:cNvPr id="92" name="矩形 91">
+            <a:extLst>
+              <a:ext uri="{FF2B5EF4-FFF2-40B4-BE49-F238E27FC236}">
+                <a16:creationId xmlns:a16="http://schemas.microsoft.com/office/drawing/2014/main" id="{17A72695-AECD-48E0-9D3E-5562363436D0}"/>
+              </a:ext>
+            </a:extLst>
+          </p:cNvPr>
+          <p:cNvSpPr/>
+          <p:nvPr/>
+        </p:nvSpPr>
+        <p:spPr>
+          <a:xfrm>
+            <a:off x="8055213" y="4905057"/>
+            <a:ext cx="1651531" cy="242954"/>
+          </a:xfrm>
+          <a:prstGeom prst="rect">
+            <a:avLst/>
+          </a:prstGeom>
+          <a:noFill/>
+          <a:ln w="57150">
+            <a:noFill/>
+            <a:prstDash val="lgDash"/>
+          </a:ln>
+        </p:spPr>
+        <p:style>
+          <a:lnRef idx="2">
+            <a:schemeClr val="accent1">
+              <a:shade val="50000"/>
+            </a:schemeClr>
+          </a:lnRef>
+          <a:fillRef idx="1">
+            <a:schemeClr val="accent1"/>
+          </a:fillRef>
+          <a:effectRef idx="0">
+            <a:schemeClr val="accent1"/>
+          </a:effectRef>
+          <a:fontRef idx="minor">
+            <a:schemeClr val="lt1"/>
+          </a:fontRef>
+        </p:style>
+        <p:txBody>
+          <a:bodyPr rtlCol="0" anchor="ctr"/>
+          <a:lstStyle/>
+          <a:p>
+            <a:pPr algn="ctr"/>
+            <a:r>
+              <a:rPr lang="zh-CN" altLang="en-US" sz="1400" dirty="0">
+                <a:solidFill>
+                  <a:schemeClr val="tx1"/>
+                </a:solidFill>
+              </a:rPr>
+              <a:t>进入鉴别模块</a:t>
+            </a:r>
+          </a:p>
+        </p:txBody>
+      </p:sp>
+    </p:spTree>
+    <p:extLst>
+      <p:ext uri="{BB962C8B-B14F-4D97-AF65-F5344CB8AC3E}">
+        <p14:creationId xmlns:p14="http://schemas.microsoft.com/office/powerpoint/2010/main" val="4071820844"/>
       </p:ext>
     </p:extLst>
   </p:cSld>
